--- a/MLDA/论文画图.pptx
+++ b/MLDA/论文画图.pptx
@@ -1,6 +1,6 @@
 
 <file path=ppt/presentation.xml><?xml version="1.0" encoding="utf-8"?>
-<p:presentation xmlns:a="http://schemas.openxmlformats.org/drawingml/2006/main" xmlns:r="http://schemas.openxmlformats.org/officeDocument/2006/relationships" xmlns:p="http://schemas.openxmlformats.org/presentationml/2006/main">
+<p:presentation xmlns:a="http://schemas.openxmlformats.org/drawingml/2006/main" xmlns:r="http://schemas.openxmlformats.org/officeDocument/2006/relationships" xmlns:p="http://schemas.openxmlformats.org/presentationml/2006/main" embedTrueTypeFonts="1">
   <p:sldMasterIdLst>
     <p:sldMasterId id="2147483648" r:id="rId1"/>
   </p:sldMasterIdLst>
@@ -8,15 +8,25 @@
     <p:notesMasterId r:id="rId4"/>
   </p:notesMasterIdLst>
   <p:handoutMasterIdLst>
-    <p:handoutMasterId r:id="rId7"/>
+    <p:handoutMasterId r:id="rId11"/>
   </p:handoutMasterIdLst>
   <p:sldIdLst>
     <p:sldId id="256" r:id="rId3"/>
     <p:sldId id="257" r:id="rId5"/>
     <p:sldId id="258" r:id="rId6"/>
+    <p:sldId id="260" r:id="rId7"/>
+    <p:sldId id="259" r:id="rId8"/>
+    <p:sldId id="261" r:id="rId9"/>
+    <p:sldId id="262" r:id="rId10"/>
   </p:sldIdLst>
   <p:sldSz cx="12192000" cy="6858000"/>
   <p:notesSz cx="7103745" cy="10234295"/>
+  <p:embeddedFontLst>
+    <p:embeddedFont>
+      <p:font typeface="DejaVu Math TeX Gyre" panose="02000503000000000000" charset="0"/>
+      <p:regular r:id="rId16"/>
+    </p:embeddedFont>
+  </p:embeddedFontLst>
   <p:defaultTextStyle>
     <a:defPPr>
       <a:defRPr lang="zh-CN"/>
@@ -112,22 +122,6 @@
       </a:defRPr>
     </a:lvl9pPr>
   </p:defaultTextStyle>
-  <p:extLst>
-    <p:ext uri="{EFAFB233-063F-42B5-8137-9DF3F51BA10A}">
-      <p15:sldGuideLst xmlns:p15="http://schemas.microsoft.com/office/powerpoint/2012/main">
-        <p15:guide id="1" orient="horz" pos="2160" userDrawn="1">
-          <p15:clr>
-            <a:srgbClr val="A4A3A4"/>
-          </p15:clr>
-        </p15:guide>
-        <p15:guide id="2" pos="3840" userDrawn="1">
-          <p15:clr>
-            <a:srgbClr val="A4A3A4"/>
-          </p15:clr>
-        </p15:guide>
-      </p15:sldGuideLst>
-    </p:ext>
-  </p:extLst>
 </p:presentation>
 </file>
 
@@ -876,6 +870,318 @@
 </p:notes>
 </file>
 
+<file path=ppt/notesSlides/notesSlide4.xml><?xml version="1.0" encoding="utf-8"?>
+<p:notes xmlns:a="http://schemas.openxmlformats.org/drawingml/2006/main" xmlns:r="http://schemas.openxmlformats.org/officeDocument/2006/relationships" xmlns:p="http://schemas.openxmlformats.org/presentationml/2006/main">
+  <p:cSld>
+    <p:spTree>
+      <p:nvGrpSpPr>
+        <p:cNvPr id="1" name=""/>
+        <p:cNvGrpSpPr/>
+        <p:nvPr/>
+      </p:nvGrpSpPr>
+      <p:grpSpPr>
+        <a:xfrm>
+          <a:off x="0" y="0"/>
+          <a:ext cx="0" cy="0"/>
+          <a:chOff x="0" y="0"/>
+          <a:chExt cx="0" cy="0"/>
+        </a:xfrm>
+      </p:grpSpPr>
+      <p:sp>
+        <p:nvSpPr>
+          <p:cNvPr id="2" name="幻灯片图像占位符 1"/>
+          <p:cNvSpPr>
+            <a:spLocks noGrp="1" noRot="1" noChangeAspect="1"/>
+          </p:cNvSpPr>
+          <p:nvPr>
+            <p:ph type="sldImg"/>
+          </p:nvPr>
+        </p:nvSpPr>
+        <p:spPr/>
+      </p:sp>
+      <p:sp>
+        <p:nvSpPr>
+          <p:cNvPr id="3" name="备注占位符 2"/>
+          <p:cNvSpPr>
+            <a:spLocks noGrp="1"/>
+          </p:cNvSpPr>
+          <p:nvPr>
+            <p:ph type="body" idx="1"/>
+          </p:nvPr>
+        </p:nvSpPr>
+        <p:spPr/>
+        <p:txBody>
+          <a:bodyPr/>
+          <a:lstStyle/>
+          <a:p>
+            <a:endParaRPr kumimoji="1" lang="zh-CN" altLang="en-US"/>
+          </a:p>
+        </p:txBody>
+      </p:sp>
+      <p:sp>
+        <p:nvSpPr>
+          <p:cNvPr id="4" name="灯片编号占位符 3"/>
+          <p:cNvSpPr>
+            <a:spLocks noGrp="1"/>
+          </p:cNvSpPr>
+          <p:nvPr>
+            <p:ph type="sldNum" sz="quarter" idx="5"/>
+          </p:nvPr>
+        </p:nvSpPr>
+        <p:spPr/>
+        <p:txBody>
+          <a:bodyPr/>
+          <a:lstStyle/>
+          <a:p>
+            <a:fld id="{85D0DACE-38E0-42D2-9336-2B707D34BC6D}" type="slidenum">
+              <a:rPr lang="zh-CN" altLang="en-US" smtClean="0"/>
+            </a:fld>
+            <a:endParaRPr lang="zh-CN" altLang="en-US"/>
+          </a:p>
+        </p:txBody>
+      </p:sp>
+    </p:spTree>
+  </p:cSld>
+  <p:clrMapOvr>
+    <a:masterClrMapping/>
+  </p:clrMapOvr>
+</p:notes>
+</file>
+
+<file path=ppt/notesSlides/notesSlide5.xml><?xml version="1.0" encoding="utf-8"?>
+<p:notes xmlns:a="http://schemas.openxmlformats.org/drawingml/2006/main" xmlns:r="http://schemas.openxmlformats.org/officeDocument/2006/relationships" xmlns:p="http://schemas.openxmlformats.org/presentationml/2006/main">
+  <p:cSld>
+    <p:spTree>
+      <p:nvGrpSpPr>
+        <p:cNvPr id="1" name=""/>
+        <p:cNvGrpSpPr/>
+        <p:nvPr/>
+      </p:nvGrpSpPr>
+      <p:grpSpPr>
+        <a:xfrm>
+          <a:off x="0" y="0"/>
+          <a:ext cx="0" cy="0"/>
+          <a:chOff x="0" y="0"/>
+          <a:chExt cx="0" cy="0"/>
+        </a:xfrm>
+      </p:grpSpPr>
+      <p:sp>
+        <p:nvSpPr>
+          <p:cNvPr id="2" name="幻灯片图像占位符 1"/>
+          <p:cNvSpPr>
+            <a:spLocks noGrp="1" noRot="1" noChangeAspect="1"/>
+          </p:cNvSpPr>
+          <p:nvPr>
+            <p:ph type="sldImg"/>
+          </p:nvPr>
+        </p:nvSpPr>
+        <p:spPr/>
+      </p:sp>
+      <p:sp>
+        <p:nvSpPr>
+          <p:cNvPr id="3" name="备注占位符 2"/>
+          <p:cNvSpPr>
+            <a:spLocks noGrp="1"/>
+          </p:cNvSpPr>
+          <p:nvPr>
+            <p:ph type="body" idx="1"/>
+          </p:nvPr>
+        </p:nvSpPr>
+        <p:spPr/>
+        <p:txBody>
+          <a:bodyPr/>
+          <a:lstStyle/>
+          <a:p>
+            <a:endParaRPr kumimoji="1" lang="zh-CN" altLang="en-US"/>
+          </a:p>
+        </p:txBody>
+      </p:sp>
+      <p:sp>
+        <p:nvSpPr>
+          <p:cNvPr id="4" name="灯片编号占位符 3"/>
+          <p:cNvSpPr>
+            <a:spLocks noGrp="1"/>
+          </p:cNvSpPr>
+          <p:nvPr>
+            <p:ph type="sldNum" sz="quarter" idx="5"/>
+          </p:nvPr>
+        </p:nvSpPr>
+        <p:spPr/>
+        <p:txBody>
+          <a:bodyPr/>
+          <a:lstStyle/>
+          <a:p>
+            <a:fld id="{85D0DACE-38E0-42D2-9336-2B707D34BC6D}" type="slidenum">
+              <a:rPr lang="zh-CN" altLang="en-US" smtClean="0"/>
+            </a:fld>
+            <a:endParaRPr lang="zh-CN" altLang="en-US"/>
+          </a:p>
+        </p:txBody>
+      </p:sp>
+    </p:spTree>
+  </p:cSld>
+  <p:clrMapOvr>
+    <a:masterClrMapping/>
+  </p:clrMapOvr>
+</p:notes>
+</file>
+
+<file path=ppt/notesSlides/notesSlide6.xml><?xml version="1.0" encoding="utf-8"?>
+<p:notes xmlns:a="http://schemas.openxmlformats.org/drawingml/2006/main" xmlns:r="http://schemas.openxmlformats.org/officeDocument/2006/relationships" xmlns:p="http://schemas.openxmlformats.org/presentationml/2006/main">
+  <p:cSld>
+    <p:spTree>
+      <p:nvGrpSpPr>
+        <p:cNvPr id="1" name=""/>
+        <p:cNvGrpSpPr/>
+        <p:nvPr/>
+      </p:nvGrpSpPr>
+      <p:grpSpPr>
+        <a:xfrm>
+          <a:off x="0" y="0"/>
+          <a:ext cx="0" cy="0"/>
+          <a:chOff x="0" y="0"/>
+          <a:chExt cx="0" cy="0"/>
+        </a:xfrm>
+      </p:grpSpPr>
+      <p:sp>
+        <p:nvSpPr>
+          <p:cNvPr id="2" name="幻灯片图像占位符 1"/>
+          <p:cNvSpPr>
+            <a:spLocks noGrp="1" noRot="1" noChangeAspect="1"/>
+          </p:cNvSpPr>
+          <p:nvPr>
+            <p:ph type="sldImg"/>
+          </p:nvPr>
+        </p:nvSpPr>
+        <p:spPr/>
+      </p:sp>
+      <p:sp>
+        <p:nvSpPr>
+          <p:cNvPr id="3" name="备注占位符 2"/>
+          <p:cNvSpPr>
+            <a:spLocks noGrp="1"/>
+          </p:cNvSpPr>
+          <p:nvPr>
+            <p:ph type="body" idx="1"/>
+          </p:nvPr>
+        </p:nvSpPr>
+        <p:spPr/>
+        <p:txBody>
+          <a:bodyPr/>
+          <a:lstStyle/>
+          <a:p>
+            <a:endParaRPr kumimoji="1" lang="zh-CN" altLang="en-US"/>
+          </a:p>
+        </p:txBody>
+      </p:sp>
+      <p:sp>
+        <p:nvSpPr>
+          <p:cNvPr id="4" name="灯片编号占位符 3"/>
+          <p:cNvSpPr>
+            <a:spLocks noGrp="1"/>
+          </p:cNvSpPr>
+          <p:nvPr>
+            <p:ph type="sldNum" sz="quarter" idx="5"/>
+          </p:nvPr>
+        </p:nvSpPr>
+        <p:spPr/>
+        <p:txBody>
+          <a:bodyPr/>
+          <a:lstStyle/>
+          <a:p>
+            <a:fld id="{85D0DACE-38E0-42D2-9336-2B707D34BC6D}" type="slidenum">
+              <a:rPr lang="zh-CN" altLang="en-US" smtClean="0"/>
+            </a:fld>
+            <a:endParaRPr lang="zh-CN" altLang="en-US"/>
+          </a:p>
+        </p:txBody>
+      </p:sp>
+    </p:spTree>
+  </p:cSld>
+  <p:clrMapOvr>
+    <a:masterClrMapping/>
+  </p:clrMapOvr>
+</p:notes>
+</file>
+
+<file path=ppt/notesSlides/notesSlide7.xml><?xml version="1.0" encoding="utf-8"?>
+<p:notes xmlns:a="http://schemas.openxmlformats.org/drawingml/2006/main" xmlns:r="http://schemas.openxmlformats.org/officeDocument/2006/relationships" xmlns:p="http://schemas.openxmlformats.org/presentationml/2006/main">
+  <p:cSld>
+    <p:spTree>
+      <p:nvGrpSpPr>
+        <p:cNvPr id="1" name=""/>
+        <p:cNvGrpSpPr/>
+        <p:nvPr/>
+      </p:nvGrpSpPr>
+      <p:grpSpPr>
+        <a:xfrm>
+          <a:off x="0" y="0"/>
+          <a:ext cx="0" cy="0"/>
+          <a:chOff x="0" y="0"/>
+          <a:chExt cx="0" cy="0"/>
+        </a:xfrm>
+      </p:grpSpPr>
+      <p:sp>
+        <p:nvSpPr>
+          <p:cNvPr id="2" name="幻灯片图像占位符 1"/>
+          <p:cNvSpPr>
+            <a:spLocks noGrp="1" noRot="1" noChangeAspect="1"/>
+          </p:cNvSpPr>
+          <p:nvPr>
+            <p:ph type="sldImg"/>
+          </p:nvPr>
+        </p:nvSpPr>
+        <p:spPr/>
+      </p:sp>
+      <p:sp>
+        <p:nvSpPr>
+          <p:cNvPr id="3" name="备注占位符 2"/>
+          <p:cNvSpPr>
+            <a:spLocks noGrp="1"/>
+          </p:cNvSpPr>
+          <p:nvPr>
+            <p:ph type="body" idx="1"/>
+          </p:nvPr>
+        </p:nvSpPr>
+        <p:spPr/>
+        <p:txBody>
+          <a:bodyPr/>
+          <a:lstStyle/>
+          <a:p>
+            <a:endParaRPr kumimoji="1" lang="zh-CN" altLang="en-US"/>
+          </a:p>
+        </p:txBody>
+      </p:sp>
+      <p:sp>
+        <p:nvSpPr>
+          <p:cNvPr id="4" name="灯片编号占位符 3"/>
+          <p:cNvSpPr>
+            <a:spLocks noGrp="1"/>
+          </p:cNvSpPr>
+          <p:nvPr>
+            <p:ph type="sldNum" sz="quarter" idx="5"/>
+          </p:nvPr>
+        </p:nvSpPr>
+        <p:spPr/>
+        <p:txBody>
+          <a:bodyPr/>
+          <a:lstStyle/>
+          <a:p>
+            <a:fld id="{85D0DACE-38E0-42D2-9336-2B707D34BC6D}" type="slidenum">
+              <a:rPr lang="zh-CN" altLang="en-US" smtClean="0"/>
+            </a:fld>
+            <a:endParaRPr lang="zh-CN" altLang="en-US"/>
+          </a:p>
+        </p:txBody>
+      </p:sp>
+    </p:spTree>
+  </p:cSld>
+  <p:clrMapOvr>
+    <a:masterClrMapping/>
+  </p:clrMapOvr>
+</p:notes>
+</file>
+
 <file path=ppt/slideLayouts/slideLayout1.xml><?xml version="1.0" encoding="utf-8"?>
 <p:sldLayout xmlns:a="http://schemas.openxmlformats.org/drawingml/2006/main" xmlns:r="http://schemas.openxmlformats.org/officeDocument/2006/relationships" xmlns:p="http://schemas.openxmlformats.org/presentationml/2006/main" type="title" preserve="1">
   <p:cSld name="标题幻灯片">
@@ -3408,7 +3714,7 @@
         <a:spcBef>
           <a:spcPts val="1000"/>
         </a:spcBef>
-        <a:buFont typeface="Arial" panose="020B0604020202090204" pitchFamily="34" charset="0"/>
+        <a:buFont typeface="Arial" panose="020B0604020202020204" pitchFamily="34" charset="0"/>
         <a:buChar char="•"/>
         <a:defRPr sz="2800" kern="1200">
           <a:solidFill>
@@ -3426,7 +3732,7 @@
         <a:spcBef>
           <a:spcPts val="500"/>
         </a:spcBef>
-        <a:buFont typeface="Arial" panose="020B0604020202090204" pitchFamily="34" charset="0"/>
+        <a:buFont typeface="Arial" panose="020B0604020202020204" pitchFamily="34" charset="0"/>
         <a:buChar char="•"/>
         <a:defRPr sz="2400" kern="1200">
           <a:solidFill>
@@ -3444,7 +3750,7 @@
         <a:spcBef>
           <a:spcPts val="500"/>
         </a:spcBef>
-        <a:buFont typeface="Arial" panose="020B0604020202090204" pitchFamily="34" charset="0"/>
+        <a:buFont typeface="Arial" panose="020B0604020202020204" pitchFamily="34" charset="0"/>
         <a:buChar char="•"/>
         <a:defRPr sz="2000" kern="1200">
           <a:solidFill>
@@ -3462,7 +3768,7 @@
         <a:spcBef>
           <a:spcPts val="500"/>
         </a:spcBef>
-        <a:buFont typeface="Arial" panose="020B0604020202090204" pitchFamily="34" charset="0"/>
+        <a:buFont typeface="Arial" panose="020B0604020202020204" pitchFamily="34" charset="0"/>
         <a:buChar char="•"/>
         <a:defRPr sz="1800" kern="1200">
           <a:solidFill>
@@ -3480,7 +3786,7 @@
         <a:spcBef>
           <a:spcPts val="500"/>
         </a:spcBef>
-        <a:buFont typeface="Arial" panose="020B0604020202090204" pitchFamily="34" charset="0"/>
+        <a:buFont typeface="Arial" panose="020B0604020202020204" pitchFamily="34" charset="0"/>
         <a:buChar char="•"/>
         <a:defRPr sz="1800" kern="1200">
           <a:solidFill>
@@ -3498,7 +3804,7 @@
         <a:spcBef>
           <a:spcPts val="500"/>
         </a:spcBef>
-        <a:buFont typeface="Arial" panose="020B0604020202090204" pitchFamily="34" charset="0"/>
+        <a:buFont typeface="Arial" panose="020B0604020202020204" pitchFamily="34" charset="0"/>
         <a:buChar char="•"/>
         <a:defRPr sz="1800" kern="1200">
           <a:solidFill>
@@ -3516,7 +3822,7 @@
         <a:spcBef>
           <a:spcPts val="500"/>
         </a:spcBef>
-        <a:buFont typeface="Arial" panose="020B0604020202090204" pitchFamily="34" charset="0"/>
+        <a:buFont typeface="Arial" panose="020B0604020202020204" pitchFamily="34" charset="0"/>
         <a:buChar char="•"/>
         <a:defRPr sz="1800" kern="1200">
           <a:solidFill>
@@ -3534,7 +3840,7 @@
         <a:spcBef>
           <a:spcPts val="500"/>
         </a:spcBef>
-        <a:buFont typeface="Arial" panose="020B0604020202090204" pitchFamily="34" charset="0"/>
+        <a:buFont typeface="Arial" panose="020B0604020202020204" pitchFamily="34" charset="0"/>
         <a:buChar char="•"/>
         <a:defRPr sz="1800" kern="1200">
           <a:solidFill>
@@ -3552,7 +3858,7 @@
         <a:spcBef>
           <a:spcPts val="500"/>
         </a:spcBef>
-        <a:buFont typeface="Arial" panose="020B0604020202090204" pitchFamily="34" charset="0"/>
+        <a:buFont typeface="Arial" panose="020B0604020202020204" pitchFamily="34" charset="0"/>
         <a:buChar char="•"/>
         <a:defRPr sz="1800" kern="1200">
           <a:solidFill>
@@ -6060,42 +6366,762 @@
       </p:grpSpPr>
       <p:pic>
         <p:nvPicPr>
-          <p:cNvPr id="2" name="图片 1"/>
+          <p:cNvPr id="4" name="图片 3"/>
           <p:cNvPicPr>
             <a:picLocks noChangeAspect="1"/>
           </p:cNvPicPr>
-          <p:nvPr>
-            <p:custDataLst>
-              <p:tags r:id="rId1"/>
-            </p:custDataLst>
-          </p:nvPr>
+          <p:nvPr/>
         </p:nvPicPr>
         <p:blipFill>
-          <a:blip r:embed="rId2"/>
+          <a:blip r:embed="rId1"/>
           <a:stretch>
             <a:fillRect/>
           </a:stretch>
         </p:blipFill>
         <p:spPr>
           <a:xfrm>
-            <a:off x="2600960" y="1748790"/>
-            <a:ext cx="3023870" cy="1585595"/>
+            <a:off x="3011805" y="2352040"/>
+            <a:ext cx="5684520" cy="1572895"/>
           </a:xfrm>
           <a:prstGeom prst="rect">
             <a:avLst/>
           </a:prstGeom>
         </p:spPr>
       </p:pic>
-      <p:sp>
-        <p:nvSpPr>
-          <p:cNvPr id="3" name="圆角矩形 2"/>
+      <mc:AlternateContent xmlns:mc="http://schemas.openxmlformats.org/markup-compatibility/2006">
+        <mc:Choice xmlns:a14="http://schemas.microsoft.com/office/drawing/2010/main" Requires="a14">
+          <p:sp>
+            <p:nvSpPr>
+              <p:cNvPr id="6" name="文本框 5"/>
+              <p:cNvSpPr txBox="1"/>
+              <p:nvPr/>
+            </p:nvSpPr>
+            <p:spPr>
+              <a:xfrm>
+                <a:off x="4658932" y="2467229"/>
+                <a:ext cx="497205" cy="368300"/>
+              </a:xfrm>
+              <a:prstGeom prst="rect">
+                <a:avLst/>
+              </a:prstGeom>
+              <a:noFill/>
+            </p:spPr>
+            <p:txBody>
+              <a:bodyPr wrap="none" rtlCol="0" anchor="t">
+                <a:spAutoFit/>
+              </a:bodyPr>
+              <a:p>
+                <a:pPr algn="r"/>
+                <a14:m>
+                  <m:oMathPara xmlns:m="http://schemas.openxmlformats.org/officeDocument/2006/math">
+                    <m:oMathParaPr>
+                      <m:jc m:val="centerGroup"/>
+                    </m:oMathParaPr>
+                    <m:oMath xmlns:m="http://schemas.openxmlformats.org/officeDocument/2006/math">
+                      <m:sSub>
+                        <m:sSubPr>
+                          <m:ctrlPr>
+                            <a:rPr lang="en-US" altLang="zh-CN" i="1">
+                              <a:solidFill>
+                                <a:srgbClr val="FF0000"/>
+                              </a:solidFill>
+                              <a:latin typeface="DejaVu Math TeX Gyre" panose="02000503000000000000" charset="0"/>
+                              <a:cs typeface="DejaVu Math TeX Gyre" panose="02000503000000000000" charset="0"/>
+                            </a:rPr>
+                          </m:ctrlPr>
+                        </m:sSubPr>
+                        <m:e>
+                          <m:r>
+                            <a:rPr lang="en-US" altLang="zh-CN" i="1">
+                              <a:solidFill>
+                                <a:srgbClr val="FF0000"/>
+                              </a:solidFill>
+                              <a:latin typeface="DejaVu Math TeX Gyre" panose="02000503000000000000" charset="0"/>
+                              <a:cs typeface="DejaVu Math TeX Gyre" panose="02000503000000000000" charset="0"/>
+                            </a:rPr>
+                            <m:t>𝑘</m:t>
+                          </m:r>
+                        </m:e>
+                        <m:sub>
+                          <m:r>
+                            <a:rPr lang="en-US" altLang="zh-CN" i="1">
+                              <a:solidFill>
+                                <a:srgbClr val="FF0000"/>
+                              </a:solidFill>
+                              <a:latin typeface="DejaVu Math TeX Gyre" panose="02000503000000000000" charset="0"/>
+                              <a:cs typeface="DejaVu Math TeX Gyre" panose="02000503000000000000" charset="0"/>
+                            </a:rPr>
+                            <m:t>1</m:t>
+                          </m:r>
+                        </m:sub>
+                      </m:sSub>
+                    </m:oMath>
+                  </m:oMathPara>
+                </a14:m>
+                <a:endParaRPr lang="en-US" altLang="zh-CN" i="1">
+                  <a:solidFill>
+                    <a:srgbClr val="FF0000"/>
+                  </a:solidFill>
+                  <a:latin typeface="DejaVu Math TeX Gyre" panose="02000503000000000000" charset="0"/>
+                  <a:cs typeface="DejaVu Math TeX Gyre" panose="02000503000000000000" charset="0"/>
+                </a:endParaRPr>
+              </a:p>
+            </p:txBody>
+          </p:sp>
+        </mc:Choice>
+        <mc:Fallback>
+          <p:sp>
+            <p:nvSpPr>
+              <p:cNvPr id="6" name="文本框 5"/>
+              <p:cNvSpPr txBox="1">
+                <a:spLocks noRot="1" noChangeAspect="1" noMove="1" noResize="1" noEditPoints="1" noAdjustHandles="1" noChangeArrowheads="1" noChangeShapeType="1" noTextEdit="1"/>
+              </p:cNvSpPr>
+              <p:nvPr/>
+            </p:nvSpPr>
+            <p:spPr>
+              <a:xfrm>
+                <a:off x="4658932" y="2467229"/>
+                <a:ext cx="497205" cy="368300"/>
+              </a:xfrm>
+              <a:prstGeom prst="rect">
+                <a:avLst/>
+              </a:prstGeom>
+              <a:blipFill rotWithShape="1">
+                <a:blip r:embed="rId2"/>
+                <a:stretch>
+                  <a:fillRect l="-115" t="-69" r="115" b="69"/>
+                </a:stretch>
+              </a:blipFill>
+            </p:spPr>
+            <p:txBody>
+              <a:bodyPr/>
+              <a:lstStyle/>
+              <a:p>
+                <a:r>
+                  <a:rPr lang="zh-CN" altLang="en-US">
+                    <a:noFill/>
+                  </a:rPr>
+                  <a:t> </a:t>
+                </a:r>
+              </a:p>
+            </p:txBody>
+          </p:sp>
+        </mc:Fallback>
+      </mc:AlternateContent>
+      <mc:AlternateContent xmlns:mc="http://schemas.openxmlformats.org/markup-compatibility/2006">
+        <mc:Choice xmlns:a14="http://schemas.microsoft.com/office/drawing/2010/main" Requires="a14">
+          <p:sp>
+            <p:nvSpPr>
+              <p:cNvPr id="7" name="文本框 6"/>
+              <p:cNvSpPr txBox="1"/>
+              <p:nvPr/>
+            </p:nvSpPr>
+            <p:spPr>
+              <a:xfrm>
+                <a:off x="4658932" y="3448304"/>
+                <a:ext cx="515620" cy="368935"/>
+              </a:xfrm>
+              <a:prstGeom prst="rect">
+                <a:avLst/>
+              </a:prstGeom>
+              <a:noFill/>
+            </p:spPr>
+            <p:txBody>
+              <a:bodyPr wrap="none" rtlCol="0" anchor="t">
+                <a:spAutoFit/>
+              </a:bodyPr>
+              <a:p>
+                <a:pPr algn="r"/>
+                <a14:m>
+                  <m:oMathPara xmlns:m="http://schemas.openxmlformats.org/officeDocument/2006/math">
+                    <m:oMathParaPr>
+                      <m:jc m:val="centerGroup"/>
+                    </m:oMathParaPr>
+                    <m:oMath xmlns:m="http://schemas.openxmlformats.org/officeDocument/2006/math">
+                      <m:sSub>
+                        <m:sSubPr>
+                          <m:ctrlPr>
+                            <a:rPr lang="en-US" altLang="zh-CN" i="1">
+                              <a:solidFill>
+                                <a:srgbClr val="FF0000"/>
+                              </a:solidFill>
+                              <a:latin typeface="DejaVu Math TeX Gyre" panose="02000503000000000000" charset="0"/>
+                              <a:cs typeface="DejaVu Math TeX Gyre" panose="02000503000000000000" charset="0"/>
+                            </a:rPr>
+                          </m:ctrlPr>
+                        </m:sSubPr>
+                        <m:e>
+                          <m:r>
+                            <a:rPr lang="en-US" altLang="zh-CN" i="1">
+                              <a:solidFill>
+                                <a:srgbClr val="FF0000"/>
+                              </a:solidFill>
+                              <a:latin typeface="DejaVu Math TeX Gyre" panose="02000503000000000000" charset="0"/>
+                              <a:cs typeface="DejaVu Math TeX Gyre" panose="02000503000000000000" charset="0"/>
+                            </a:rPr>
+                            <m:t>𝑘</m:t>
+                          </m:r>
+                        </m:e>
+                        <m:sub>
+                          <m:r>
+                            <a:rPr lang="en-US" altLang="zh-CN" i="1">
+                              <a:solidFill>
+                                <a:srgbClr val="FF0000"/>
+                              </a:solidFill>
+                              <a:latin typeface="DejaVu Math TeX Gyre" panose="02000503000000000000" charset="0"/>
+                              <a:cs typeface="DejaVu Math TeX Gyre" panose="02000503000000000000" charset="0"/>
+                            </a:rPr>
+                            <m:t>3</m:t>
+                          </m:r>
+                        </m:sub>
+                      </m:sSub>
+                    </m:oMath>
+                  </m:oMathPara>
+                </a14:m>
+                <a:endParaRPr lang="en-US" altLang="zh-CN" i="1">
+                  <a:solidFill>
+                    <a:srgbClr val="FF0000"/>
+                  </a:solidFill>
+                  <a:latin typeface="DejaVu Math TeX Gyre" panose="02000503000000000000" charset="0"/>
+                  <a:cs typeface="DejaVu Math TeX Gyre" panose="02000503000000000000" charset="0"/>
+                </a:endParaRPr>
+              </a:p>
+            </p:txBody>
+          </p:sp>
+        </mc:Choice>
+        <mc:Fallback>
+          <p:sp>
+            <p:nvSpPr>
+              <p:cNvPr id="7" name="文本框 6"/>
+              <p:cNvSpPr txBox="1">
+                <a:spLocks noRot="1" noChangeAspect="1" noMove="1" noResize="1" noEditPoints="1" noAdjustHandles="1" noChangeArrowheads="1" noChangeShapeType="1" noTextEdit="1"/>
+              </p:cNvSpPr>
+              <p:nvPr/>
+            </p:nvSpPr>
+            <p:spPr>
+              <a:xfrm>
+                <a:off x="4658932" y="3448304"/>
+                <a:ext cx="515620" cy="368935"/>
+              </a:xfrm>
+              <a:prstGeom prst="rect">
+                <a:avLst/>
+              </a:prstGeom>
+              <a:blipFill rotWithShape="1">
+                <a:blip r:embed="rId3"/>
+                <a:stretch>
+                  <a:fillRect l="-111" t="-69" r="111" b="69"/>
+                </a:stretch>
+              </a:blipFill>
+            </p:spPr>
+            <p:txBody>
+              <a:bodyPr/>
+              <a:lstStyle/>
+              <a:p>
+                <a:r>
+                  <a:rPr lang="zh-CN" altLang="en-US">
+                    <a:noFill/>
+                  </a:rPr>
+                  <a:t> </a:t>
+                </a:r>
+              </a:p>
+            </p:txBody>
+          </p:sp>
+        </mc:Fallback>
+      </mc:AlternateContent>
+      <mc:AlternateContent xmlns:mc="http://schemas.openxmlformats.org/markup-compatibility/2006">
+        <mc:Choice xmlns:a14="http://schemas.microsoft.com/office/drawing/2010/main" Requires="a14">
+          <p:sp>
+            <p:nvSpPr>
+              <p:cNvPr id="8" name="文本框 7"/>
+              <p:cNvSpPr txBox="1"/>
+              <p:nvPr/>
+            </p:nvSpPr>
+            <p:spPr>
+              <a:xfrm>
+                <a:off x="4658932" y="2835529"/>
+                <a:ext cx="515620" cy="368300"/>
+              </a:xfrm>
+              <a:prstGeom prst="rect">
+                <a:avLst/>
+              </a:prstGeom>
+              <a:noFill/>
+            </p:spPr>
+            <p:txBody>
+              <a:bodyPr wrap="none" rtlCol="0" anchor="t">
+                <a:spAutoFit/>
+              </a:bodyPr>
+              <a:p>
+                <a:pPr algn="r"/>
+                <a14:m>
+                  <m:oMathPara xmlns:m="http://schemas.openxmlformats.org/officeDocument/2006/math">
+                    <m:oMathParaPr>
+                      <m:jc m:val="centerGroup"/>
+                    </m:oMathParaPr>
+                    <m:oMath xmlns:m="http://schemas.openxmlformats.org/officeDocument/2006/math">
+                      <m:sSub>
+                        <m:sSubPr>
+                          <m:ctrlPr>
+                            <a:rPr lang="en-US" altLang="zh-CN" i="1">
+                              <a:solidFill>
+                                <a:srgbClr val="FF0000"/>
+                              </a:solidFill>
+                              <a:latin typeface="DejaVu Math TeX Gyre" panose="02000503000000000000" charset="0"/>
+                              <a:cs typeface="DejaVu Math TeX Gyre" panose="02000503000000000000" charset="0"/>
+                            </a:rPr>
+                          </m:ctrlPr>
+                        </m:sSubPr>
+                        <m:e>
+                          <m:r>
+                            <a:rPr lang="en-US" altLang="zh-CN" i="1">
+                              <a:solidFill>
+                                <a:srgbClr val="FF0000"/>
+                              </a:solidFill>
+                              <a:latin typeface="DejaVu Math TeX Gyre" panose="02000503000000000000" charset="0"/>
+                              <a:cs typeface="DejaVu Math TeX Gyre" panose="02000503000000000000" charset="0"/>
+                            </a:rPr>
+                            <m:t>𝑘</m:t>
+                          </m:r>
+                        </m:e>
+                        <m:sub>
+                          <m:r>
+                            <a:rPr lang="en-US" altLang="zh-CN" i="1">
+                              <a:solidFill>
+                                <a:srgbClr val="FF0000"/>
+                              </a:solidFill>
+                              <a:latin typeface="DejaVu Math TeX Gyre" panose="02000503000000000000" charset="0"/>
+                              <a:cs typeface="DejaVu Math TeX Gyre" panose="02000503000000000000" charset="0"/>
+                            </a:rPr>
+                            <m:t>2</m:t>
+                          </m:r>
+                        </m:sub>
+                      </m:sSub>
+                    </m:oMath>
+                  </m:oMathPara>
+                </a14:m>
+                <a:endParaRPr lang="en-US" altLang="zh-CN" i="1">
+                  <a:solidFill>
+                    <a:srgbClr val="FF0000"/>
+                  </a:solidFill>
+                  <a:latin typeface="DejaVu Math TeX Gyre" panose="02000503000000000000" charset="0"/>
+                  <a:cs typeface="DejaVu Math TeX Gyre" panose="02000503000000000000" charset="0"/>
+                </a:endParaRPr>
+              </a:p>
+            </p:txBody>
+          </p:sp>
+        </mc:Choice>
+        <mc:Fallback>
+          <p:sp>
+            <p:nvSpPr>
+              <p:cNvPr id="8" name="文本框 7"/>
+              <p:cNvSpPr txBox="1">
+                <a:spLocks noRot="1" noChangeAspect="1" noMove="1" noResize="1" noEditPoints="1" noAdjustHandles="1" noChangeArrowheads="1" noChangeShapeType="1" noTextEdit="1"/>
+              </p:cNvSpPr>
+              <p:nvPr/>
+            </p:nvSpPr>
+            <p:spPr>
+              <a:xfrm>
+                <a:off x="4658932" y="2835529"/>
+                <a:ext cx="515620" cy="368300"/>
+              </a:xfrm>
+              <a:prstGeom prst="rect">
+                <a:avLst/>
+              </a:prstGeom>
+              <a:blipFill rotWithShape="1">
+                <a:blip r:embed="rId4"/>
+                <a:stretch>
+                  <a:fillRect l="-111" t="-69" r="111" b="69"/>
+                </a:stretch>
+              </a:blipFill>
+            </p:spPr>
+            <p:txBody>
+              <a:bodyPr/>
+              <a:lstStyle/>
+              <a:p>
+                <a:r>
+                  <a:rPr lang="zh-CN" altLang="en-US">
+                    <a:noFill/>
+                  </a:rPr>
+                  <a:t> </a:t>
+                </a:r>
+              </a:p>
+            </p:txBody>
+          </p:sp>
+        </mc:Fallback>
+      </mc:AlternateContent>
+      <mc:AlternateContent xmlns:mc="http://schemas.openxmlformats.org/markup-compatibility/2006">
+        <mc:Choice xmlns:a14="http://schemas.microsoft.com/office/drawing/2010/main" Requires="a14">
+          <p:sp>
+            <p:nvSpPr>
+              <p:cNvPr id="9" name="文本框 8"/>
+              <p:cNvSpPr txBox="1"/>
+              <p:nvPr/>
+            </p:nvSpPr>
+            <p:spPr>
+              <a:xfrm>
+                <a:off x="6689662" y="2467229"/>
+                <a:ext cx="481330" cy="368300"/>
+              </a:xfrm>
+              <a:prstGeom prst="rect">
+                <a:avLst/>
+              </a:prstGeom>
+              <a:noFill/>
+            </p:spPr>
+            <p:txBody>
+              <a:bodyPr wrap="none" rtlCol="0" anchor="t">
+                <a:spAutoFit/>
+              </a:bodyPr>
+              <a:p>
+                <a:pPr algn="r"/>
+                <a14:m>
+                  <m:oMathPara xmlns:m="http://schemas.openxmlformats.org/officeDocument/2006/math">
+                    <m:oMathParaPr>
+                      <m:jc m:val="centerGroup"/>
+                    </m:oMathParaPr>
+                    <m:oMath xmlns:m="http://schemas.openxmlformats.org/officeDocument/2006/math">
+                      <m:sSub>
+                        <m:sSubPr>
+                          <m:ctrlPr>
+                            <a:rPr lang="en-US" altLang="zh-CN" i="1">
+                              <a:solidFill>
+                                <a:srgbClr val="FF0000"/>
+                              </a:solidFill>
+                              <a:latin typeface="DejaVu Math TeX Gyre" panose="02000503000000000000" charset="0"/>
+                              <a:cs typeface="DejaVu Math TeX Gyre" panose="02000503000000000000" charset="0"/>
+                            </a:rPr>
+                          </m:ctrlPr>
+                        </m:sSubPr>
+                        <m:e>
+                          <m:r>
+                            <a:rPr lang="en-US" altLang="zh-CN" i="1">
+                              <a:solidFill>
+                                <a:srgbClr val="FF0000"/>
+                              </a:solidFill>
+                              <a:latin typeface="DejaVu Math TeX Gyre" panose="02000503000000000000" charset="0"/>
+                              <a:cs typeface="DejaVu Math TeX Gyre" panose="02000503000000000000" charset="0"/>
+                            </a:rPr>
+                            <m:t>𝑢</m:t>
+                          </m:r>
+                        </m:e>
+                        <m:sub>
+                          <m:r>
+                            <a:rPr lang="en-US" altLang="zh-CN" i="1">
+                              <a:solidFill>
+                                <a:srgbClr val="FF0000"/>
+                              </a:solidFill>
+                              <a:latin typeface="DejaVu Math TeX Gyre" panose="02000503000000000000" charset="0"/>
+                              <a:cs typeface="DejaVu Math TeX Gyre" panose="02000503000000000000" charset="0"/>
+                            </a:rPr>
+                            <m:t>1</m:t>
+                          </m:r>
+                        </m:sub>
+                      </m:sSub>
+                    </m:oMath>
+                  </m:oMathPara>
+                </a14:m>
+                <a:endParaRPr lang="en-US" altLang="zh-CN" i="1">
+                  <a:solidFill>
+                    <a:srgbClr val="FF0000"/>
+                  </a:solidFill>
+                  <a:latin typeface="DejaVu Math TeX Gyre" panose="02000503000000000000" charset="0"/>
+                  <a:cs typeface="DejaVu Math TeX Gyre" panose="02000503000000000000" charset="0"/>
+                </a:endParaRPr>
+              </a:p>
+            </p:txBody>
+          </p:sp>
+        </mc:Choice>
+        <mc:Fallback>
+          <p:sp>
+            <p:nvSpPr>
+              <p:cNvPr id="9" name="文本框 8"/>
+              <p:cNvSpPr txBox="1">
+                <a:spLocks noRot="1" noChangeAspect="1" noMove="1" noResize="1" noEditPoints="1" noAdjustHandles="1" noChangeArrowheads="1" noChangeShapeType="1" noTextEdit="1"/>
+              </p:cNvSpPr>
+              <p:nvPr/>
+            </p:nvSpPr>
+            <p:spPr>
+              <a:xfrm>
+                <a:off x="6689662" y="2467229"/>
+                <a:ext cx="481330" cy="368300"/>
+              </a:xfrm>
+              <a:prstGeom prst="rect">
+                <a:avLst/>
+              </a:prstGeom>
+              <a:blipFill rotWithShape="1">
+                <a:blip r:embed="rId5"/>
+                <a:stretch>
+                  <a:fillRect l="-119" t="-69" r="119" b="69"/>
+                </a:stretch>
+              </a:blipFill>
+            </p:spPr>
+            <p:txBody>
+              <a:bodyPr/>
+              <a:lstStyle/>
+              <a:p>
+                <a:r>
+                  <a:rPr lang="zh-CN" altLang="en-US">
+                    <a:noFill/>
+                  </a:rPr>
+                  <a:t> </a:t>
+                </a:r>
+              </a:p>
+            </p:txBody>
+          </p:sp>
+        </mc:Fallback>
+      </mc:AlternateContent>
+      <mc:AlternateContent xmlns:mc="http://schemas.openxmlformats.org/markup-compatibility/2006">
+        <mc:Choice xmlns:a14="http://schemas.microsoft.com/office/drawing/2010/main" Requires="a14">
+          <p:sp>
+            <p:nvSpPr>
+              <p:cNvPr id="10" name="文本框 9"/>
+              <p:cNvSpPr txBox="1"/>
+              <p:nvPr/>
+            </p:nvSpPr>
+            <p:spPr>
+              <a:xfrm>
+                <a:off x="6689027" y="3448304"/>
+                <a:ext cx="481965" cy="368935"/>
+              </a:xfrm>
+              <a:prstGeom prst="rect">
+                <a:avLst/>
+              </a:prstGeom>
+              <a:noFill/>
+            </p:spPr>
+            <p:txBody>
+              <a:bodyPr wrap="none" rtlCol="0" anchor="t">
+                <a:spAutoFit/>
+              </a:bodyPr>
+              <a:p>
+                <a:pPr algn="r"/>
+                <a14:m>
+                  <m:oMathPara xmlns:m="http://schemas.openxmlformats.org/officeDocument/2006/math">
+                    <m:oMathParaPr>
+                      <m:jc m:val="centerGroup"/>
+                    </m:oMathParaPr>
+                    <m:oMath xmlns:m="http://schemas.openxmlformats.org/officeDocument/2006/math">
+                      <m:sSub>
+                        <m:sSubPr>
+                          <m:ctrlPr>
+                            <a:rPr lang="en-US" altLang="zh-CN" i="1">
+                              <a:solidFill>
+                                <a:srgbClr val="FF0000"/>
+                              </a:solidFill>
+                              <a:latin typeface="DejaVu Math TeX Gyre" panose="02000503000000000000" charset="0"/>
+                              <a:cs typeface="DejaVu Math TeX Gyre" panose="02000503000000000000" charset="0"/>
+                            </a:rPr>
+                          </m:ctrlPr>
+                        </m:sSubPr>
+                        <m:e>
+                          <m:r>
+                            <a:rPr lang="en-US" altLang="zh-CN" i="1">
+                              <a:solidFill>
+                                <a:srgbClr val="FF0000"/>
+                              </a:solidFill>
+                              <a:latin typeface="DejaVu Math TeX Gyre" panose="02000503000000000000" charset="0"/>
+                              <a:cs typeface="DejaVu Math TeX Gyre" panose="02000503000000000000" charset="0"/>
+                            </a:rPr>
+                            <m:t>𝑢</m:t>
+                          </m:r>
+                        </m:e>
+                        <m:sub>
+                          <m:r>
+                            <a:rPr lang="en-US" altLang="zh-CN" i="1">
+                              <a:solidFill>
+                                <a:srgbClr val="FF0000"/>
+                              </a:solidFill>
+                              <a:latin typeface="DejaVu Math TeX Gyre" panose="02000503000000000000" charset="0"/>
+                              <a:cs typeface="DejaVu Math TeX Gyre" panose="02000503000000000000" charset="0"/>
+                            </a:rPr>
+                            <m:t>3</m:t>
+                          </m:r>
+                        </m:sub>
+                      </m:sSub>
+                    </m:oMath>
+                  </m:oMathPara>
+                </a14:m>
+                <a:endParaRPr lang="en-US" altLang="zh-CN" i="1">
+                  <a:solidFill>
+                    <a:srgbClr val="FF0000"/>
+                  </a:solidFill>
+                  <a:latin typeface="DejaVu Math TeX Gyre" panose="02000503000000000000" charset="0"/>
+                  <a:cs typeface="DejaVu Math TeX Gyre" panose="02000503000000000000" charset="0"/>
+                </a:endParaRPr>
+              </a:p>
+            </p:txBody>
+          </p:sp>
+        </mc:Choice>
+        <mc:Fallback>
+          <p:sp>
+            <p:nvSpPr>
+              <p:cNvPr id="10" name="文本框 9"/>
+              <p:cNvSpPr txBox="1">
+                <a:spLocks noRot="1" noChangeAspect="1" noMove="1" noResize="1" noEditPoints="1" noAdjustHandles="1" noChangeArrowheads="1" noChangeShapeType="1" noTextEdit="1"/>
+              </p:cNvSpPr>
+              <p:nvPr/>
+            </p:nvSpPr>
+            <p:spPr>
+              <a:xfrm>
+                <a:off x="6689027" y="3448304"/>
+                <a:ext cx="481965" cy="368935"/>
+              </a:xfrm>
+              <a:prstGeom prst="rect">
+                <a:avLst/>
+              </a:prstGeom>
+              <a:blipFill rotWithShape="1">
+                <a:blip r:embed="rId6"/>
+                <a:stretch>
+                  <a:fillRect l="-119" t="-69" r="119" b="69"/>
+                </a:stretch>
+              </a:blipFill>
+            </p:spPr>
+            <p:txBody>
+              <a:bodyPr/>
+              <a:lstStyle/>
+              <a:p>
+                <a:r>
+                  <a:rPr lang="zh-CN" altLang="en-US">
+                    <a:noFill/>
+                  </a:rPr>
+                  <a:t> </a:t>
+                </a:r>
+              </a:p>
+            </p:txBody>
+          </p:sp>
+        </mc:Fallback>
+      </mc:AlternateContent>
+      <mc:AlternateContent xmlns:mc="http://schemas.openxmlformats.org/markup-compatibility/2006">
+        <mc:Choice xmlns:a14="http://schemas.microsoft.com/office/drawing/2010/main" Requires="a14">
+          <p:sp>
+            <p:nvSpPr>
+              <p:cNvPr id="11" name="文本框 10"/>
+              <p:cNvSpPr txBox="1"/>
+              <p:nvPr/>
+            </p:nvSpPr>
+            <p:spPr>
+              <a:xfrm>
+                <a:off x="6689027" y="2835529"/>
+                <a:ext cx="481965" cy="368300"/>
+              </a:xfrm>
+              <a:prstGeom prst="rect">
+                <a:avLst/>
+              </a:prstGeom>
+              <a:noFill/>
+            </p:spPr>
+            <p:txBody>
+              <a:bodyPr wrap="none" rtlCol="0" anchor="t">
+                <a:spAutoFit/>
+              </a:bodyPr>
+              <a:p>
+                <a:pPr algn="r"/>
+                <a14:m>
+                  <m:oMathPara xmlns:m="http://schemas.openxmlformats.org/officeDocument/2006/math">
+                    <m:oMathParaPr>
+                      <m:jc m:val="centerGroup"/>
+                    </m:oMathParaPr>
+                    <m:oMath xmlns:m="http://schemas.openxmlformats.org/officeDocument/2006/math">
+                      <m:sSub>
+                        <m:sSubPr>
+                          <m:ctrlPr>
+                            <a:rPr lang="en-US" altLang="zh-CN" i="1">
+                              <a:solidFill>
+                                <a:srgbClr val="FF0000"/>
+                              </a:solidFill>
+                              <a:latin typeface="DejaVu Math TeX Gyre" panose="02000503000000000000" charset="0"/>
+                              <a:cs typeface="DejaVu Math TeX Gyre" panose="02000503000000000000" charset="0"/>
+                            </a:rPr>
+                          </m:ctrlPr>
+                        </m:sSubPr>
+                        <m:e>
+                          <m:r>
+                            <a:rPr lang="en-US" altLang="zh-CN" i="1">
+                              <a:solidFill>
+                                <a:srgbClr val="FF0000"/>
+                              </a:solidFill>
+                              <a:latin typeface="DejaVu Math TeX Gyre" panose="02000503000000000000" charset="0"/>
+                              <a:cs typeface="DejaVu Math TeX Gyre" panose="02000503000000000000" charset="0"/>
+                            </a:rPr>
+                            <m:t>𝑢</m:t>
+                          </m:r>
+                        </m:e>
+                        <m:sub>
+                          <m:r>
+                            <a:rPr lang="en-US" altLang="zh-CN" i="1">
+                              <a:solidFill>
+                                <a:srgbClr val="FF0000"/>
+                              </a:solidFill>
+                              <a:latin typeface="DejaVu Math TeX Gyre" panose="02000503000000000000" charset="0"/>
+                              <a:cs typeface="DejaVu Math TeX Gyre" panose="02000503000000000000" charset="0"/>
+                            </a:rPr>
+                            <m:t>2</m:t>
+                          </m:r>
+                        </m:sub>
+                      </m:sSub>
+                    </m:oMath>
+                  </m:oMathPara>
+                </a14:m>
+                <a:endParaRPr lang="en-US" altLang="zh-CN" i="1">
+                  <a:solidFill>
+                    <a:srgbClr val="FF0000"/>
+                  </a:solidFill>
+                  <a:latin typeface="DejaVu Math TeX Gyre" panose="02000503000000000000" charset="0"/>
+                  <a:cs typeface="DejaVu Math TeX Gyre" panose="02000503000000000000" charset="0"/>
+                </a:endParaRPr>
+              </a:p>
+            </p:txBody>
+          </p:sp>
+        </mc:Choice>
+        <mc:Fallback>
+          <p:sp>
+            <p:nvSpPr>
+              <p:cNvPr id="11" name="文本框 10"/>
+              <p:cNvSpPr txBox="1">
+                <a:spLocks noRot="1" noChangeAspect="1" noMove="1" noResize="1" noEditPoints="1" noAdjustHandles="1" noChangeArrowheads="1" noChangeShapeType="1" noTextEdit="1"/>
+              </p:cNvSpPr>
+              <p:nvPr/>
+            </p:nvSpPr>
+            <p:spPr>
+              <a:xfrm>
+                <a:off x="6689027" y="2835529"/>
+                <a:ext cx="481965" cy="368300"/>
+              </a:xfrm>
+              <a:prstGeom prst="rect">
+                <a:avLst/>
+              </a:prstGeom>
+              <a:blipFill rotWithShape="1">
+                <a:blip r:embed="rId7"/>
+                <a:stretch>
+                  <a:fillRect l="-119" t="-69" r="119" b="69"/>
+                </a:stretch>
+              </a:blipFill>
+            </p:spPr>
+            <p:txBody>
+              <a:bodyPr/>
+              <a:lstStyle/>
+              <a:p>
+                <a:r>
+                  <a:rPr lang="zh-CN" altLang="en-US">
+                    <a:noFill/>
+                  </a:rPr>
+                  <a:t> </a:t>
+                </a:r>
+              </a:p>
+            </p:txBody>
+          </p:sp>
+        </mc:Fallback>
+      </mc:AlternateContent>
+      <p:sp>
+        <p:nvSpPr>
+          <p:cNvPr id="12" name="圆角矩形 11"/>
           <p:cNvSpPr/>
-          <p:nvPr/>
-        </p:nvSpPr>
-        <p:spPr>
-          <a:xfrm>
-            <a:off x="11035665" y="506730"/>
-            <a:ext cx="612140" cy="1588770"/>
+          <p:nvPr>
+            <p:custDataLst>
+              <p:tags r:id="rId8"/>
+            </p:custDataLst>
+          </p:nvPr>
+        </p:nvSpPr>
+        <p:spPr>
+          <a:xfrm>
+            <a:off x="4658995" y="2466975"/>
+            <a:ext cx="464820" cy="1350010"/>
           </a:xfrm>
           <a:prstGeom prst="roundRect">
             <a:avLst/>
@@ -6103,7 +7129,7 @@
           <a:noFill/>
           <a:ln w="19050" cap="flat" cmpd="sng">
             <a:solidFill>
-              <a:schemeClr val="tx1"/>
+              <a:srgbClr val="0070C0"/>
             </a:solidFill>
             <a:prstDash val="dash"/>
             <a:miter lim="800000"/>
@@ -6143,91 +7169,20 @@
           </a:p>
         </p:txBody>
       </p:sp>
-      <p:pic>
-        <p:nvPicPr>
-          <p:cNvPr id="15" name="图片 14"/>
-          <p:cNvPicPr>
-            <a:picLocks noChangeAspect="1"/>
-          </p:cNvPicPr>
+      <p:sp>
+        <p:nvSpPr>
+          <p:cNvPr id="13" name="圆角矩形 12"/>
+          <p:cNvSpPr/>
           <p:nvPr>
             <p:custDataLst>
-              <p:tags r:id="rId3"/>
+              <p:tags r:id="rId9"/>
             </p:custDataLst>
           </p:nvPr>
-        </p:nvPicPr>
-        <p:blipFill>
-          <a:blip r:embed="rId4"/>
-          <a:stretch>
-            <a:fillRect/>
-          </a:stretch>
-        </p:blipFill>
-        <p:spPr>
-          <a:xfrm>
-            <a:off x="2593975" y="4544695"/>
-            <a:ext cx="3024505" cy="1223645"/>
-          </a:xfrm>
-          <a:prstGeom prst="rect">
-            <a:avLst/>
-          </a:prstGeom>
-        </p:spPr>
-      </p:pic>
-      <p:sp>
-        <p:nvSpPr>
-          <p:cNvPr id="17" name="圆角矩形 16"/>
-          <p:cNvSpPr/>
-          <p:nvPr/>
-        </p:nvSpPr>
-        <p:spPr>
-          <a:xfrm>
-            <a:off x="184150" y="2309495"/>
-            <a:ext cx="1327785" cy="473710"/>
-          </a:xfrm>
-          <a:prstGeom prst="roundRect">
-            <a:avLst/>
-          </a:prstGeom>
-        </p:spPr>
-        <p:style>
-          <a:lnRef idx="2">
-            <a:schemeClr val="accent1">
-              <a:lumMod val="75000"/>
-            </a:schemeClr>
-          </a:lnRef>
-          <a:fillRef idx="1">
-            <a:schemeClr val="accent1"/>
-          </a:fillRef>
-          <a:effectRef idx="0">
-            <a:srgbClr val="FFFFFF"/>
-          </a:effectRef>
-          <a:fontRef idx="minor">
-            <a:schemeClr val="lt1"/>
-          </a:fontRef>
-        </p:style>
-        <p:txBody>
-          <a:bodyPr rtlCol="0" anchor="ctr"/>
-          <a:p>
-            <a:pPr algn="ctr"/>
-            <a:r>
-              <a:rPr lang="en-US" altLang="zh-CN"/>
-              <a:t>Parameter</a:t>
-            </a:r>
-            <a:endParaRPr lang="en-US" altLang="zh-CN"/>
-          </a:p>
-        </p:txBody>
-      </p:sp>
-      <p:sp>
-        <p:nvSpPr>
-          <p:cNvPr id="19" name="圆角矩形 18"/>
-          <p:cNvSpPr/>
-          <p:nvPr>
-            <p:custDataLst>
-              <p:tags r:id="rId5"/>
-            </p:custDataLst>
-          </p:nvPr>
-        </p:nvSpPr>
-        <p:spPr>
-          <a:xfrm>
-            <a:off x="2467610" y="1972310"/>
-            <a:ext cx="464820" cy="1151890"/>
+        </p:nvSpPr>
+        <p:spPr>
+          <a:xfrm>
+            <a:off x="6689090" y="2466975"/>
+            <a:ext cx="464820" cy="1350010"/>
           </a:xfrm>
           <a:prstGeom prst="roundRect">
             <a:avLst/>
@@ -6235,7 +7190,7 @@
           <a:noFill/>
           <a:ln w="19050" cap="flat" cmpd="sng">
             <a:solidFill>
-              <a:srgbClr val="0070C0"/>
+              <a:srgbClr val="FF8D41"/>
             </a:solidFill>
             <a:prstDash val="dash"/>
             <a:miter lim="800000"/>
@@ -6277,18 +7232,211 @@
       </p:sp>
       <p:sp>
         <p:nvSpPr>
-          <p:cNvPr id="21" name="圆角矩形 20"/>
+          <p:cNvPr id="14" name="下箭头 13"/>
           <p:cNvSpPr/>
-          <p:nvPr>
-            <p:custDataLst>
-              <p:tags r:id="rId6"/>
-            </p:custDataLst>
-          </p:nvPr>
-        </p:nvSpPr>
-        <p:spPr>
-          <a:xfrm>
-            <a:off x="2467610" y="4735195"/>
-            <a:ext cx="464820" cy="886460"/>
+          <p:nvPr/>
+        </p:nvSpPr>
+        <p:spPr>
+          <a:xfrm>
+            <a:off x="4544695" y="2124075"/>
+            <a:ext cx="692785" cy="227965"/>
+          </a:xfrm>
+          <a:prstGeom prst="downArrow">
+            <a:avLst/>
+          </a:prstGeom>
+        </p:spPr>
+        <p:style>
+          <a:lnRef idx="2">
+            <a:schemeClr val="accent1">
+              <a:shade val="50000"/>
+            </a:schemeClr>
+          </a:lnRef>
+          <a:fillRef idx="1">
+            <a:schemeClr val="accent1"/>
+          </a:fillRef>
+          <a:effectRef idx="0">
+            <a:schemeClr val="accent1"/>
+          </a:effectRef>
+          <a:fontRef idx="minor">
+            <a:schemeClr val="lt1"/>
+          </a:fontRef>
+        </p:style>
+        <p:txBody>
+          <a:bodyPr rtlCol="0" anchor="ctr"/>
+          <a:p>
+            <a:pPr algn="ctr"/>
+            <a:endParaRPr lang="zh-CN" altLang="en-US"/>
+          </a:p>
+        </p:txBody>
+      </p:sp>
+      <p:sp>
+        <p:nvSpPr>
+          <p:cNvPr id="16" name="下箭头 15"/>
+          <p:cNvSpPr/>
+          <p:nvPr/>
+        </p:nvSpPr>
+        <p:spPr>
+          <a:xfrm>
+            <a:off x="6574790" y="2124075"/>
+            <a:ext cx="692785" cy="227965"/>
+          </a:xfrm>
+          <a:prstGeom prst="downArrow">
+            <a:avLst/>
+          </a:prstGeom>
+        </p:spPr>
+        <p:style>
+          <a:lnRef idx="2">
+            <a:schemeClr val="accent1">
+              <a:shade val="50000"/>
+            </a:schemeClr>
+          </a:lnRef>
+          <a:fillRef idx="1">
+            <a:schemeClr val="accent1"/>
+          </a:fillRef>
+          <a:effectRef idx="0">
+            <a:schemeClr val="accent1"/>
+          </a:effectRef>
+          <a:fontRef idx="minor">
+            <a:schemeClr val="lt1"/>
+          </a:fontRef>
+        </p:style>
+        <p:txBody>
+          <a:bodyPr rtlCol="0" anchor="ctr"/>
+          <a:p>
+            <a:pPr algn="ctr"/>
+            <a:endParaRPr lang="zh-CN" altLang="en-US"/>
+          </a:p>
+        </p:txBody>
+      </p:sp>
+      <p:sp>
+        <p:nvSpPr>
+          <p:cNvPr id="18" name="文本框 17"/>
+          <p:cNvSpPr txBox="1"/>
+          <p:nvPr/>
+        </p:nvSpPr>
+        <p:spPr>
+          <a:xfrm>
+            <a:off x="4342130" y="1640840"/>
+            <a:ext cx="1097280" cy="368300"/>
+          </a:xfrm>
+          <a:prstGeom prst="rect">
+            <a:avLst/>
+          </a:prstGeom>
+          <a:noFill/>
+        </p:spPr>
+        <p:txBody>
+          <a:bodyPr wrap="none" rtlCol="0">
+            <a:spAutoFit/>
+          </a:bodyPr>
+          <a:p>
+            <a:r>
+              <a:rPr lang="zh-CN" altLang="en-US">
+                <a:latin typeface="楷体" charset="0"/>
+                <a:ea typeface="楷体" charset="0"/>
+              </a:rPr>
+              <a:t>固定参数</a:t>
+            </a:r>
+            <a:endParaRPr lang="zh-CN" altLang="en-US">
+              <a:latin typeface="楷体" charset="0"/>
+              <a:ea typeface="楷体" charset="0"/>
+            </a:endParaRPr>
+          </a:p>
+        </p:txBody>
+      </p:sp>
+      <p:sp>
+        <p:nvSpPr>
+          <p:cNvPr id="20" name="文本框 19"/>
+          <p:cNvSpPr txBox="1"/>
+          <p:nvPr/>
+        </p:nvSpPr>
+        <p:spPr>
+          <a:xfrm>
+            <a:off x="6267450" y="1640840"/>
+            <a:ext cx="1325880" cy="368300"/>
+          </a:xfrm>
+          <a:prstGeom prst="rect">
+            <a:avLst/>
+          </a:prstGeom>
+          <a:noFill/>
+        </p:spPr>
+        <p:txBody>
+          <a:bodyPr wrap="none" rtlCol="0">
+            <a:spAutoFit/>
+          </a:bodyPr>
+          <a:p>
+            <a:r>
+              <a:rPr lang="zh-CN" altLang="en-US">
+                <a:latin typeface="楷体" charset="0"/>
+                <a:ea typeface="楷体" charset="0"/>
+              </a:rPr>
+              <a:t>待训练参数</a:t>
+            </a:r>
+            <a:endParaRPr lang="zh-CN" altLang="en-US">
+              <a:latin typeface="楷体" charset="0"/>
+              <a:ea typeface="楷体" charset="0"/>
+            </a:endParaRPr>
+          </a:p>
+        </p:txBody>
+      </p:sp>
+    </p:spTree>
+  </p:cSld>
+  <p:clrMapOvr>
+    <a:masterClrMapping/>
+  </p:clrMapOvr>
+</p:sld>
+</file>
+
+<file path=ppt/slides/slide4.xml><?xml version="1.0" encoding="utf-8"?>
+<p:sld xmlns:a="http://schemas.openxmlformats.org/drawingml/2006/main" xmlns:r="http://schemas.openxmlformats.org/officeDocument/2006/relationships" xmlns:p="http://schemas.openxmlformats.org/presentationml/2006/main">
+  <p:cSld>
+    <p:spTree>
+      <p:nvGrpSpPr>
+        <p:cNvPr id="1" name=""/>
+        <p:cNvGrpSpPr/>
+        <p:nvPr/>
+      </p:nvGrpSpPr>
+      <p:grpSpPr>
+        <a:xfrm>
+          <a:off x="0" y="0"/>
+          <a:ext cx="0" cy="0"/>
+          <a:chOff x="0" y="0"/>
+          <a:chExt cx="0" cy="0"/>
+        </a:xfrm>
+      </p:grpSpPr>
+      <p:pic>
+        <p:nvPicPr>
+          <p:cNvPr id="2" name="图片 1"/>
+          <p:cNvPicPr>
+            <a:picLocks noChangeAspect="1"/>
+          </p:cNvPicPr>
+          <p:nvPr/>
+        </p:nvPicPr>
+        <p:blipFill>
+          <a:blip r:embed="rId1"/>
+          <a:stretch>
+            <a:fillRect/>
+          </a:stretch>
+        </p:blipFill>
+        <p:spPr>
+          <a:xfrm>
+            <a:off x="2707640" y="1828165"/>
+            <a:ext cx="4959985" cy="2031365"/>
+          </a:xfrm>
+          <a:prstGeom prst="rect">
+            <a:avLst/>
+          </a:prstGeom>
+        </p:spPr>
+      </p:pic>
+      <p:sp>
+        <p:nvSpPr>
+          <p:cNvPr id="3" name="圆角矩形 2"/>
+          <p:cNvSpPr/>
+          <p:nvPr/>
+        </p:nvSpPr>
+        <p:spPr>
+          <a:xfrm>
+            <a:off x="11035665" y="506730"/>
+            <a:ext cx="612140" cy="1588770"/>
           </a:xfrm>
           <a:prstGeom prst="roundRect">
             <a:avLst/>
@@ -6296,7 +7444,7 @@
           <a:noFill/>
           <a:ln w="19050" cap="flat" cmpd="sng">
             <a:solidFill>
-              <a:srgbClr val="0070C0"/>
+              <a:schemeClr val="tx1"/>
             </a:solidFill>
             <a:prstDash val="dash"/>
             <a:miter lim="800000"/>
@@ -6338,153 +7486,314 @@
       </p:sp>
       <p:sp>
         <p:nvSpPr>
-          <p:cNvPr id="23" name="圆角矩形 22"/>
-          <p:cNvSpPr/>
-          <p:nvPr>
-            <p:custDataLst>
-              <p:tags r:id="rId7"/>
-            </p:custDataLst>
-          </p:nvPr>
-        </p:nvSpPr>
-        <p:spPr>
-          <a:xfrm>
-            <a:off x="184150" y="4953000"/>
-            <a:ext cx="1327785" cy="473710"/>
-          </a:xfrm>
-          <a:prstGeom prst="roundRect">
+          <p:cNvPr id="42" name="文本框 41"/>
+          <p:cNvSpPr txBox="1"/>
+          <p:nvPr/>
+        </p:nvSpPr>
+        <p:spPr>
+          <a:xfrm>
+            <a:off x="3775075" y="572770"/>
+            <a:ext cx="1478280" cy="368300"/>
+          </a:xfrm>
+          <a:prstGeom prst="rect">
             <a:avLst/>
           </a:prstGeom>
-        </p:spPr>
-        <p:style>
-          <a:lnRef idx="2">
-            <a:schemeClr val="accent1">
-              <a:lumMod val="75000"/>
-            </a:schemeClr>
-          </a:lnRef>
-          <a:fillRef idx="1">
-            <a:schemeClr val="accent1"/>
-          </a:fillRef>
-          <a:effectRef idx="0">
-            <a:srgbClr val="FFFFFF"/>
-          </a:effectRef>
-          <a:fontRef idx="minor">
-            <a:schemeClr val="lt1"/>
-          </a:fontRef>
-        </p:style>
-        <p:txBody>
-          <a:bodyPr rtlCol="0" anchor="ctr"/>
-          <a:p>
-            <a:pPr algn="ctr"/>
+          <a:noFill/>
+        </p:spPr>
+        <p:txBody>
+          <a:bodyPr wrap="square" rtlCol="0">
+            <a:spAutoFit/>
+          </a:bodyPr>
+          <a:p>
             <a:r>
               <a:rPr lang="en-US" altLang="zh-CN"/>
-              <a:t>Point</a:t>
+              <a:t>STC</a:t>
             </a:r>
             <a:endParaRPr lang="en-US" altLang="zh-CN"/>
           </a:p>
         </p:txBody>
       </p:sp>
-      <p:cxnSp>
-        <p:nvCxnSpPr>
-          <p:cNvPr id="27" name="直接箭头连接符 26"/>
-          <p:cNvCxnSpPr>
-            <a:stCxn id="17" idx="3"/>
-            <a:endCxn id="19" idx="1"/>
-          </p:cNvCxnSpPr>
-          <p:nvPr>
-            <p:custDataLst>
-              <p:tags r:id="rId8"/>
-            </p:custDataLst>
-          </p:nvPr>
-        </p:nvCxnSpPr>
-        <p:spPr>
-          <a:xfrm>
-            <a:off x="1511935" y="2546350"/>
-            <a:ext cx="955675" cy="1905"/>
-          </a:xfrm>
-          <a:prstGeom prst="straightConnector1">
+      <p:grpSp>
+        <p:nvGrpSpPr>
+          <p:cNvPr id="8" name="组合 7"/>
+          <p:cNvGrpSpPr/>
+          <p:nvPr/>
+        </p:nvGrpSpPr>
+        <p:grpSpPr>
+          <a:xfrm>
+            <a:off x="2716530" y="2215515"/>
+            <a:ext cx="388620" cy="415290"/>
+            <a:chOff x="2655" y="6417"/>
+            <a:chExt cx="612" cy="654"/>
+          </a:xfrm>
+        </p:grpSpPr>
+        <p:sp>
+          <p:nvSpPr>
+            <p:cNvPr id="6" name="椭圆 5"/>
+            <p:cNvSpPr/>
+            <p:nvPr/>
+          </p:nvSpPr>
+          <p:spPr>
+            <a:xfrm>
+              <a:off x="2655" y="6459"/>
+              <a:ext cx="613" cy="613"/>
+            </a:xfrm>
+            <a:prstGeom prst="ellipse">
+              <a:avLst/>
+            </a:prstGeom>
+            <a:solidFill>
+              <a:schemeClr val="accent1">
+                <a:lumMod val="40000"/>
+                <a:lumOff val="60000"/>
+              </a:schemeClr>
+            </a:solidFill>
+          </p:spPr>
+          <p:style>
+            <a:lnRef idx="2">
+              <a:schemeClr val="accent1">
+                <a:shade val="50000"/>
+              </a:schemeClr>
+            </a:lnRef>
+            <a:fillRef idx="1">
+              <a:schemeClr val="accent1"/>
+            </a:fillRef>
+            <a:effectRef idx="0">
+              <a:schemeClr val="accent1"/>
+            </a:effectRef>
+            <a:fontRef idx="minor">
+              <a:schemeClr val="lt1"/>
+            </a:fontRef>
+          </p:style>
+          <p:txBody>
+            <a:bodyPr rtlCol="0" anchor="ctr"/>
+            <a:p>
+              <a:pPr algn="ctr"/>
+              <a:endParaRPr lang="zh-CN" altLang="en-US">
+                <a:solidFill>
+                  <a:srgbClr val="FF0000"/>
+                </a:solidFill>
+              </a:endParaRPr>
+            </a:p>
+          </p:txBody>
+        </p:sp>
+        <p:sp>
+          <p:nvSpPr>
+            <p:cNvPr id="7" name="文本框 6"/>
+            <p:cNvSpPr txBox="1"/>
+            <p:nvPr/>
+          </p:nvSpPr>
+          <p:spPr>
+            <a:xfrm>
+              <a:off x="2724" y="6417"/>
+              <a:ext cx="474" cy="628"/>
+            </a:xfrm>
+            <a:prstGeom prst="rect">
+              <a:avLst/>
+            </a:prstGeom>
+            <a:noFill/>
+          </p:spPr>
+          <p:txBody>
+            <a:bodyPr wrap="square" rtlCol="0">
+              <a:spAutoFit/>
+            </a:bodyPr>
+            <a:p>
+              <a:r>
+                <a:rPr lang="en-US" altLang="zh-CN" sz="2000">
+                  <a:ea typeface="楷体" charset="0"/>
+                  <a:cs typeface="+mn-lt"/>
+                </a:rPr>
+                <a:t>x</a:t>
+              </a:r>
+              <a:endParaRPr lang="en-US" altLang="zh-CN" sz="2000">
+                <a:ea typeface="楷体" charset="0"/>
+                <a:cs typeface="+mn-lt"/>
+              </a:endParaRPr>
+            </a:p>
+          </p:txBody>
+        </p:sp>
+      </p:grpSp>
+      <p:grpSp>
+        <p:nvGrpSpPr>
+          <p:cNvPr id="9" name="组合 8"/>
+          <p:cNvGrpSpPr/>
+          <p:nvPr/>
+        </p:nvGrpSpPr>
+        <p:grpSpPr>
+          <a:xfrm>
+            <a:off x="2716530" y="3015615"/>
+            <a:ext cx="389255" cy="407035"/>
+            <a:chOff x="2655" y="6431"/>
+            <a:chExt cx="613" cy="641"/>
+          </a:xfrm>
+        </p:grpSpPr>
+        <p:sp>
+          <p:nvSpPr>
+            <p:cNvPr id="10" name="椭圆 9"/>
+            <p:cNvSpPr/>
+            <p:nvPr/>
+          </p:nvSpPr>
+          <p:spPr>
+            <a:xfrm>
+              <a:off x="2655" y="6459"/>
+              <a:ext cx="613" cy="613"/>
+            </a:xfrm>
+            <a:prstGeom prst="ellipse">
+              <a:avLst/>
+            </a:prstGeom>
+            <a:solidFill>
+              <a:schemeClr val="accent1">
+                <a:lumMod val="40000"/>
+                <a:lumOff val="60000"/>
+              </a:schemeClr>
+            </a:solidFill>
+          </p:spPr>
+          <p:style>
+            <a:lnRef idx="2">
+              <a:schemeClr val="accent1">
+                <a:shade val="50000"/>
+              </a:schemeClr>
+            </a:lnRef>
+            <a:fillRef idx="1">
+              <a:schemeClr val="accent1"/>
+            </a:fillRef>
+            <a:effectRef idx="0">
+              <a:schemeClr val="accent1"/>
+            </a:effectRef>
+            <a:fontRef idx="minor">
+              <a:schemeClr val="lt1"/>
+            </a:fontRef>
+          </p:style>
+          <p:txBody>
+            <a:bodyPr rtlCol="0" anchor="ctr"/>
+            <a:p>
+              <a:pPr algn="ctr"/>
+              <a:endParaRPr lang="zh-CN" altLang="en-US">
+                <a:solidFill>
+                  <a:srgbClr val="FF0000"/>
+                </a:solidFill>
+              </a:endParaRPr>
+            </a:p>
+          </p:txBody>
+        </p:sp>
+        <p:sp>
+          <p:nvSpPr>
+            <p:cNvPr id="11" name="文本框 10"/>
+            <p:cNvSpPr txBox="1"/>
+            <p:nvPr/>
+          </p:nvSpPr>
+          <p:spPr>
+            <a:xfrm>
+              <a:off x="2752" y="6431"/>
+              <a:ext cx="474" cy="628"/>
+            </a:xfrm>
+            <a:prstGeom prst="rect">
+              <a:avLst/>
+            </a:prstGeom>
+            <a:noFill/>
+          </p:spPr>
+          <p:txBody>
+            <a:bodyPr wrap="square" rtlCol="0">
+              <a:spAutoFit/>
+            </a:bodyPr>
+            <a:p>
+              <a:r>
+                <a:rPr lang="en-US" altLang="zh-CN" sz="2000">
+                  <a:ea typeface="楷体" charset="0"/>
+                  <a:cs typeface="+mn-lt"/>
+                </a:rPr>
+                <a:t>t</a:t>
+              </a:r>
+              <a:endParaRPr lang="en-US" altLang="zh-CN" sz="2000">
+                <a:ea typeface="楷体" charset="0"/>
+                <a:cs typeface="+mn-lt"/>
+              </a:endParaRPr>
+            </a:p>
+          </p:txBody>
+        </p:sp>
+      </p:grpSp>
+    </p:spTree>
+  </p:cSld>
+  <p:clrMapOvr>
+    <a:masterClrMapping/>
+  </p:clrMapOvr>
+</p:sld>
+</file>
+
+<file path=ppt/slides/slide5.xml><?xml version="1.0" encoding="utf-8"?>
+<p:sld xmlns:a="http://schemas.openxmlformats.org/drawingml/2006/main" xmlns:r="http://schemas.openxmlformats.org/officeDocument/2006/relationships" xmlns:p="http://schemas.openxmlformats.org/presentationml/2006/main">
+  <p:cSld>
+    <p:spTree>
+      <p:nvGrpSpPr>
+        <p:cNvPr id="1" name=""/>
+        <p:cNvGrpSpPr/>
+        <p:nvPr/>
+      </p:nvGrpSpPr>
+      <p:grpSpPr>
+        <a:xfrm>
+          <a:off x="0" y="0"/>
+          <a:ext cx="0" cy="0"/>
+          <a:chOff x="0" y="0"/>
+          <a:chExt cx="0" cy="0"/>
+        </a:xfrm>
+      </p:grpSpPr>
+      <p:pic>
+        <p:nvPicPr>
+          <p:cNvPr id="18" name="图片 17"/>
+          <p:cNvPicPr>
+            <a:picLocks noChangeAspect="1"/>
+          </p:cNvPicPr>
+          <p:nvPr/>
+        </p:nvPicPr>
+        <p:blipFill>
+          <a:blip r:embed="rId1"/>
+          <a:stretch>
+            <a:fillRect/>
+          </a:stretch>
+        </p:blipFill>
+        <p:spPr>
+          <a:xfrm>
+            <a:off x="1085850" y="3855720"/>
+            <a:ext cx="3672205" cy="2085340"/>
+          </a:xfrm>
+          <a:prstGeom prst="rect">
             <a:avLst/>
           </a:prstGeom>
-          <a:ln w="28575" cmpd="sng">
-            <a:solidFill>
-              <a:schemeClr val="accent1"/>
-            </a:solidFill>
-            <a:prstDash val="solid"/>
-            <a:tailEnd type="triangle" w="lg" len="lg"/>
-          </a:ln>
-        </p:spPr>
-        <p:style>
-          <a:lnRef idx="2">
-            <a:schemeClr val="accent1"/>
-          </a:lnRef>
-          <a:fillRef idx="0">
-            <a:srgbClr val="FFFFFF"/>
-          </a:fillRef>
-          <a:effectRef idx="0">
-            <a:srgbClr val="FFFFFF"/>
-          </a:effectRef>
-          <a:fontRef idx="minor">
-            <a:schemeClr val="tx1"/>
-          </a:fontRef>
-        </p:style>
-      </p:cxnSp>
-      <p:cxnSp>
-        <p:nvCxnSpPr>
-          <p:cNvPr id="29" name="直接箭头连接符 28"/>
-          <p:cNvCxnSpPr>
-            <a:stCxn id="23" idx="3"/>
-            <a:endCxn id="21" idx="1"/>
-          </p:cNvCxnSpPr>
-          <p:nvPr>
-            <p:custDataLst>
-              <p:tags r:id="rId9"/>
-            </p:custDataLst>
-          </p:nvPr>
-        </p:nvCxnSpPr>
-        <p:spPr>
-          <a:xfrm flipV="1">
-            <a:off x="1511935" y="5178425"/>
-            <a:ext cx="955675" cy="11430"/>
-          </a:xfrm>
-          <a:prstGeom prst="straightConnector1">
+        </p:spPr>
+      </p:pic>
+      <p:pic>
+        <p:nvPicPr>
+          <p:cNvPr id="16" name="图片 15"/>
+          <p:cNvPicPr>
+            <a:picLocks noChangeAspect="1"/>
+          </p:cNvPicPr>
+          <p:nvPr/>
+        </p:nvPicPr>
+        <p:blipFill>
+          <a:blip r:embed="rId1"/>
+          <a:stretch>
+            <a:fillRect/>
+          </a:stretch>
+        </p:blipFill>
+        <p:spPr>
+          <a:xfrm>
+            <a:off x="1085850" y="1603375"/>
+            <a:ext cx="3672205" cy="2085340"/>
+          </a:xfrm>
+          <a:prstGeom prst="rect">
             <a:avLst/>
           </a:prstGeom>
-          <a:ln w="28575" cmpd="sng">
-            <a:solidFill>
-              <a:schemeClr val="accent1"/>
-            </a:solidFill>
-            <a:prstDash val="solid"/>
-            <a:tailEnd type="triangle" w="lg" len="lg"/>
-          </a:ln>
-        </p:spPr>
-        <p:style>
-          <a:lnRef idx="2">
-            <a:schemeClr val="accent1"/>
-          </a:lnRef>
-          <a:fillRef idx="0">
-            <a:srgbClr val="FFFFFF"/>
-          </a:fillRef>
-          <a:effectRef idx="0">
-            <a:srgbClr val="FFFFFF"/>
-          </a:effectRef>
-          <a:fontRef idx="minor">
-            <a:schemeClr val="tx1"/>
-          </a:fontRef>
-        </p:style>
-      </p:cxnSp>
-      <p:sp>
-        <p:nvSpPr>
-          <p:cNvPr id="30" name="圆角矩形 29"/>
+        </p:spPr>
+      </p:pic>
+      <p:sp>
+        <p:nvSpPr>
+          <p:cNvPr id="3" name="圆角矩形 2"/>
           <p:cNvSpPr/>
-          <p:nvPr>
-            <p:custDataLst>
-              <p:tags r:id="rId10"/>
-            </p:custDataLst>
-          </p:nvPr>
-        </p:nvSpPr>
-        <p:spPr>
-          <a:xfrm>
-            <a:off x="5249545" y="1971675"/>
-            <a:ext cx="464820" cy="1153160"/>
+          <p:nvPr/>
+        </p:nvSpPr>
+        <p:spPr>
+          <a:xfrm>
+            <a:off x="11035665" y="506730"/>
+            <a:ext cx="612140" cy="1588770"/>
           </a:xfrm>
           <a:prstGeom prst="roundRect">
             <a:avLst/>
@@ -6492,9 +7801,7 @@
           <a:noFill/>
           <a:ln w="19050" cap="flat" cmpd="sng">
             <a:solidFill>
-              <a:schemeClr val="accent2">
-                <a:lumMod val="75000"/>
-              </a:schemeClr>
+              <a:schemeClr val="tx1"/>
             </a:solidFill>
             <a:prstDash val="dash"/>
             <a:miter lim="800000"/>
@@ -6536,76 +7843,240 @@
       </p:sp>
       <p:sp>
         <p:nvSpPr>
-          <p:cNvPr id="31" name="圆角矩形 30"/>
-          <p:cNvSpPr/>
-          <p:nvPr>
-            <p:custDataLst>
-              <p:tags r:id="rId11"/>
-            </p:custDataLst>
-          </p:nvPr>
-        </p:nvSpPr>
-        <p:spPr>
-          <a:xfrm>
-            <a:off x="5249545" y="4540885"/>
-            <a:ext cx="464820" cy="1223645"/>
-          </a:xfrm>
-          <a:prstGeom prst="roundRect">
+          <p:cNvPr id="42" name="文本框 41"/>
+          <p:cNvSpPr txBox="1"/>
+          <p:nvPr/>
+        </p:nvSpPr>
+        <p:spPr>
+          <a:xfrm>
+            <a:off x="4325620" y="238125"/>
+            <a:ext cx="1478280" cy="368300"/>
+          </a:xfrm>
+          <a:prstGeom prst="rect">
             <a:avLst/>
           </a:prstGeom>
           <a:noFill/>
-          <a:ln w="19050" cap="flat" cmpd="sng">
-            <a:solidFill>
-              <a:schemeClr val="accent2">
-                <a:lumMod val="75000"/>
-              </a:schemeClr>
-            </a:solidFill>
-            <a:prstDash val="dash"/>
-            <a:miter lim="800000"/>
-          </a:ln>
-        </p:spPr>
-        <p:style>
-          <a:lnRef idx="2">
-            <a:schemeClr val="accent1"/>
-          </a:lnRef>
-          <a:fillRef idx="0">
-            <a:srgbClr val="FFFFFF"/>
-          </a:fillRef>
-          <a:effectRef idx="0">
-            <a:srgbClr val="FFFFFF"/>
-          </a:effectRef>
-          <a:fontRef idx="minor">
-            <a:schemeClr val="dk1"/>
-          </a:fontRef>
-        </p:style>
-        <p:txBody>
-          <a:bodyPr rtlCol="0" anchor="ctr"/>
-          <a:p>
-            <a:pPr algn="ctr"/>
-            <a:endParaRPr lang="zh-CN" altLang="en-US">
-              <a:gradFill>
-                <a:gsLst>
-                  <a:gs pos="0">
-                    <a:srgbClr val="FE4444"/>
-                  </a:gs>
-                  <a:gs pos="100000">
-                    <a:srgbClr val="832B2B"/>
-                  </a:gs>
-                </a:gsLst>
-                <a:lin ang="5400000" scaled="0"/>
-              </a:gradFill>
-            </a:endParaRPr>
+        </p:spPr>
+        <p:txBody>
+          <a:bodyPr wrap="square" rtlCol="0">
+            <a:spAutoFit/>
+          </a:bodyPr>
+          <a:p>
+            <a:r>
+              <a:rPr lang="en-US" altLang="zh-CN"/>
+              <a:t>SoV</a:t>
+            </a:r>
+            <a:endParaRPr lang="en-US" altLang="zh-CN"/>
           </a:p>
         </p:txBody>
       </p:sp>
       <p:grpSp>
         <p:nvGrpSpPr>
-          <p:cNvPr id="36" name="组合 35"/>
+          <p:cNvPr id="8" name="组合 7"/>
           <p:cNvGrpSpPr/>
           <p:nvPr/>
         </p:nvGrpSpPr>
         <p:grpSpPr>
           <a:xfrm>
-            <a:off x="6903720" y="3360420"/>
+            <a:off x="1122045" y="2428875"/>
+            <a:ext cx="388620" cy="415290"/>
+            <a:chOff x="2655" y="6417"/>
+            <a:chExt cx="612" cy="654"/>
+          </a:xfrm>
+        </p:grpSpPr>
+        <p:sp>
+          <p:nvSpPr>
+            <p:cNvPr id="6" name="椭圆 5"/>
+            <p:cNvSpPr/>
+            <p:nvPr/>
+          </p:nvSpPr>
+          <p:spPr>
+            <a:xfrm>
+              <a:off x="2655" y="6459"/>
+              <a:ext cx="613" cy="613"/>
+            </a:xfrm>
+            <a:prstGeom prst="ellipse">
+              <a:avLst/>
+            </a:prstGeom>
+            <a:solidFill>
+              <a:schemeClr val="accent1">
+                <a:lumMod val="40000"/>
+                <a:lumOff val="60000"/>
+              </a:schemeClr>
+            </a:solidFill>
+          </p:spPr>
+          <p:style>
+            <a:lnRef idx="2">
+              <a:schemeClr val="accent1">
+                <a:shade val="50000"/>
+              </a:schemeClr>
+            </a:lnRef>
+            <a:fillRef idx="1">
+              <a:schemeClr val="accent1"/>
+            </a:fillRef>
+            <a:effectRef idx="0">
+              <a:schemeClr val="accent1"/>
+            </a:effectRef>
+            <a:fontRef idx="minor">
+              <a:schemeClr val="lt1"/>
+            </a:fontRef>
+          </p:style>
+          <p:txBody>
+            <a:bodyPr rtlCol="0" anchor="ctr"/>
+            <a:p>
+              <a:pPr algn="ctr"/>
+              <a:endParaRPr lang="zh-CN" altLang="en-US">
+                <a:solidFill>
+                  <a:srgbClr val="FF0000"/>
+                </a:solidFill>
+              </a:endParaRPr>
+            </a:p>
+          </p:txBody>
+        </p:sp>
+        <p:sp>
+          <p:nvSpPr>
+            <p:cNvPr id="7" name="文本框 6"/>
+            <p:cNvSpPr txBox="1"/>
+            <p:nvPr/>
+          </p:nvSpPr>
+          <p:spPr>
+            <a:xfrm>
+              <a:off x="2724" y="6417"/>
+              <a:ext cx="474" cy="628"/>
+            </a:xfrm>
+            <a:prstGeom prst="rect">
+              <a:avLst/>
+            </a:prstGeom>
+            <a:noFill/>
+          </p:spPr>
+          <p:txBody>
+            <a:bodyPr wrap="square" rtlCol="0">
+              <a:spAutoFit/>
+            </a:bodyPr>
+            <a:p>
+              <a:r>
+                <a:rPr lang="en-US" altLang="zh-CN" sz="2000">
+                  <a:ea typeface="楷体" charset="0"/>
+                  <a:cs typeface="+mn-lt"/>
+                </a:rPr>
+                <a:t>x</a:t>
+              </a:r>
+              <a:endParaRPr lang="en-US" altLang="zh-CN" sz="2000">
+                <a:ea typeface="楷体" charset="0"/>
+                <a:cs typeface="+mn-lt"/>
+              </a:endParaRPr>
+            </a:p>
+          </p:txBody>
+        </p:sp>
+      </p:grpSp>
+      <p:grpSp>
+        <p:nvGrpSpPr>
+          <p:cNvPr id="9" name="组合 8"/>
+          <p:cNvGrpSpPr/>
+          <p:nvPr/>
+        </p:nvGrpSpPr>
+        <p:grpSpPr>
+          <a:xfrm>
+            <a:off x="1121410" y="4685665"/>
+            <a:ext cx="389255" cy="407035"/>
+            <a:chOff x="2655" y="6431"/>
+            <a:chExt cx="613" cy="641"/>
+          </a:xfrm>
+        </p:grpSpPr>
+        <p:sp>
+          <p:nvSpPr>
+            <p:cNvPr id="10" name="椭圆 9"/>
+            <p:cNvSpPr/>
+            <p:nvPr/>
+          </p:nvSpPr>
+          <p:spPr>
+            <a:xfrm>
+              <a:off x="2655" y="6459"/>
+              <a:ext cx="613" cy="613"/>
+            </a:xfrm>
+            <a:prstGeom prst="ellipse">
+              <a:avLst/>
+            </a:prstGeom>
+            <a:solidFill>
+              <a:schemeClr val="accent1">
+                <a:lumMod val="40000"/>
+                <a:lumOff val="60000"/>
+              </a:schemeClr>
+            </a:solidFill>
+          </p:spPr>
+          <p:style>
+            <a:lnRef idx="2">
+              <a:schemeClr val="accent1">
+                <a:shade val="50000"/>
+              </a:schemeClr>
+            </a:lnRef>
+            <a:fillRef idx="1">
+              <a:schemeClr val="accent1"/>
+            </a:fillRef>
+            <a:effectRef idx="0">
+              <a:schemeClr val="accent1"/>
+            </a:effectRef>
+            <a:fontRef idx="minor">
+              <a:schemeClr val="lt1"/>
+            </a:fontRef>
+          </p:style>
+          <p:txBody>
+            <a:bodyPr rtlCol="0" anchor="ctr"/>
+            <a:p>
+              <a:pPr algn="ctr"/>
+              <a:endParaRPr lang="zh-CN" altLang="en-US">
+                <a:solidFill>
+                  <a:srgbClr val="FF0000"/>
+                </a:solidFill>
+              </a:endParaRPr>
+            </a:p>
+          </p:txBody>
+        </p:sp>
+        <p:sp>
+          <p:nvSpPr>
+            <p:cNvPr id="11" name="文本框 10"/>
+            <p:cNvSpPr txBox="1"/>
+            <p:nvPr/>
+          </p:nvSpPr>
+          <p:spPr>
+            <a:xfrm>
+              <a:off x="2752" y="6431"/>
+              <a:ext cx="474" cy="628"/>
+            </a:xfrm>
+            <a:prstGeom prst="rect">
+              <a:avLst/>
+            </a:prstGeom>
+            <a:noFill/>
+          </p:spPr>
+          <p:txBody>
+            <a:bodyPr wrap="square" rtlCol="0">
+              <a:spAutoFit/>
+            </a:bodyPr>
+            <a:p>
+              <a:r>
+                <a:rPr lang="en-US" altLang="zh-CN" sz="2000">
+                  <a:ea typeface="楷体" charset="0"/>
+                  <a:cs typeface="+mn-lt"/>
+                </a:rPr>
+                <a:t>t</a:t>
+              </a:r>
+              <a:endParaRPr lang="en-US" altLang="zh-CN" sz="2000">
+                <a:ea typeface="楷体" charset="0"/>
+                <a:cs typeface="+mn-lt"/>
+              </a:endParaRPr>
+            </a:p>
+          </p:txBody>
+        </p:sp>
+      </p:grpSp>
+      <p:grpSp>
+        <p:nvGrpSpPr>
+          <p:cNvPr id="20" name="组合 19"/>
+          <p:cNvGrpSpPr/>
+          <p:nvPr/>
+        </p:nvGrpSpPr>
+        <p:grpSpPr>
+          <a:xfrm>
+            <a:off x="5593715" y="3469640"/>
             <a:ext cx="612140" cy="612140"/>
             <a:chOff x="11163" y="6242"/>
             <a:chExt cx="964" cy="964"/>
@@ -6613,7 +8084,7 @@
         </p:grpSpPr>
         <p:sp>
           <p:nvSpPr>
-            <p:cNvPr id="33" name="椭圆 32"/>
+            <p:cNvPr id="22" name="椭圆 21"/>
             <p:cNvSpPr/>
             <p:nvPr/>
           </p:nvSpPr>
@@ -6662,7 +8133,7 @@
         </p:sp>
         <p:sp>
           <p:nvSpPr>
-            <p:cNvPr id="35" name="乘号 34"/>
+            <p:cNvPr id="24" name="乘号 23"/>
             <p:cNvSpPr/>
             <p:nvPr/>
           </p:nvSpPr>
@@ -6712,21 +8183,21 @@
       </p:grpSp>
       <p:cxnSp>
         <p:nvCxnSpPr>
-          <p:cNvPr id="37" name="直接箭头连接符 36"/>
+          <p:cNvPr id="25" name="直接箭头连接符 24"/>
           <p:cNvCxnSpPr>
-            <a:stCxn id="30" idx="3"/>
-            <a:endCxn id="35" idx="0"/>
+            <a:stCxn id="16" idx="3"/>
+            <a:endCxn id="24" idx="0"/>
           </p:cNvCxnSpPr>
           <p:nvPr>
             <p:custDataLst>
-              <p:tags r:id="rId12"/>
+              <p:tags r:id="rId2"/>
             </p:custDataLst>
           </p:nvPr>
         </p:nvCxnSpPr>
         <p:spPr>
           <a:xfrm>
-            <a:off x="5714365" y="2548255"/>
-            <a:ext cx="1336675" cy="959485"/>
+            <a:off x="4758055" y="2646045"/>
+            <a:ext cx="982980" cy="970915"/>
           </a:xfrm>
           <a:prstGeom prst="straightConnector1">
             <a:avLst/>
@@ -6758,21 +8229,21 @@
       </p:cxnSp>
       <p:cxnSp>
         <p:nvCxnSpPr>
-          <p:cNvPr id="38" name="直接箭头连接符 37"/>
+          <p:cNvPr id="26" name="直接箭头连接符 25"/>
           <p:cNvCxnSpPr>
-            <a:stCxn id="31" idx="3"/>
-            <a:endCxn id="35" idx="3"/>
+            <a:stCxn id="18" idx="3"/>
+            <a:endCxn id="24" idx="3"/>
           </p:cNvCxnSpPr>
           <p:nvPr>
             <p:custDataLst>
-              <p:tags r:id="rId13"/>
+              <p:tags r:id="rId3"/>
             </p:custDataLst>
           </p:nvPr>
         </p:nvCxnSpPr>
         <p:spPr>
           <a:xfrm flipV="1">
-            <a:off x="5714365" y="3825240"/>
-            <a:ext cx="1336675" cy="1327785"/>
+            <a:off x="4758055" y="3934460"/>
+            <a:ext cx="982980" cy="963930"/>
           </a:xfrm>
           <a:prstGeom prst="straightConnector1">
             <a:avLst/>
@@ -6802,123 +8273,69 @@
           </a:fontRef>
         </p:style>
       </p:cxnSp>
-      <p:sp>
-        <p:nvSpPr>
-          <p:cNvPr id="39" name="圆角矩形 38"/>
-          <p:cNvSpPr/>
+    </p:spTree>
+  </p:cSld>
+  <p:clrMapOvr>
+    <a:masterClrMapping/>
+  </p:clrMapOvr>
+</p:sld>
+</file>
+
+<file path=ppt/slides/slide6.xml><?xml version="1.0" encoding="utf-8"?>
+<p:sld xmlns:a="http://schemas.openxmlformats.org/drawingml/2006/main" xmlns:r="http://schemas.openxmlformats.org/officeDocument/2006/relationships" xmlns:p="http://schemas.openxmlformats.org/presentationml/2006/main">
+  <p:cSld>
+    <p:spTree>
+      <p:nvGrpSpPr>
+        <p:cNvPr id="1" name=""/>
+        <p:cNvGrpSpPr/>
+        <p:nvPr/>
+      </p:nvGrpSpPr>
+      <p:grpSpPr>
+        <a:xfrm>
+          <a:off x="0" y="0"/>
+          <a:ext cx="0" cy="0"/>
+          <a:chOff x="0" y="0"/>
+          <a:chExt cx="0" cy="0"/>
+        </a:xfrm>
+      </p:grpSpPr>
+      <p:pic>
+        <p:nvPicPr>
+          <p:cNvPr id="2" name="图片 1"/>
+          <p:cNvPicPr>
+            <a:picLocks noChangeAspect="1"/>
+          </p:cNvPicPr>
           <p:nvPr>
             <p:custDataLst>
-              <p:tags r:id="rId14"/>
+              <p:tags r:id="rId1"/>
             </p:custDataLst>
           </p:nvPr>
-        </p:nvSpPr>
-        <p:spPr>
-          <a:xfrm>
-            <a:off x="8263255" y="3430905"/>
-            <a:ext cx="1327785" cy="473710"/>
-          </a:xfrm>
-          <a:prstGeom prst="roundRect">
+        </p:nvPicPr>
+        <p:blipFill>
+          <a:blip r:embed="rId2"/>
+          <a:stretch>
+            <a:fillRect/>
+          </a:stretch>
+        </p:blipFill>
+        <p:spPr>
+          <a:xfrm>
+            <a:off x="2183765" y="1748790"/>
+            <a:ext cx="3023870" cy="1585595"/>
+          </a:xfrm>
+          <a:prstGeom prst="rect">
             <a:avLst/>
           </a:prstGeom>
-          <a:solidFill>
-            <a:schemeClr val="accent2"/>
-          </a:solidFill>
-          <a:ln>
-            <a:solidFill>
-              <a:schemeClr val="accent2">
-                <a:lumMod val="75000"/>
-              </a:schemeClr>
-            </a:solidFill>
-          </a:ln>
-        </p:spPr>
-        <p:style>
-          <a:lnRef idx="2">
-            <a:schemeClr val="accent1">
-              <a:lumMod val="75000"/>
-            </a:schemeClr>
-          </a:lnRef>
-          <a:fillRef idx="1">
-            <a:schemeClr val="accent1"/>
-          </a:fillRef>
-          <a:effectRef idx="0">
-            <a:srgbClr val="FFFFFF"/>
-          </a:effectRef>
-          <a:fontRef idx="minor">
-            <a:schemeClr val="lt1"/>
-          </a:fontRef>
-        </p:style>
-        <p:txBody>
-          <a:bodyPr rtlCol="0" anchor="ctr"/>
-          <a:p>
-            <a:pPr algn="ctr"/>
-            <a:r>
-              <a:rPr lang="en-US" altLang="zh-CN"/>
-              <a:t>Output</a:t>
-            </a:r>
-            <a:endParaRPr lang="en-US" altLang="zh-CN"/>
-          </a:p>
-        </p:txBody>
-      </p:sp>
-      <p:cxnSp>
-        <p:nvCxnSpPr>
-          <p:cNvPr id="40" name="直接箭头连接符 39"/>
-          <p:cNvCxnSpPr>
-            <a:stCxn id="33" idx="6"/>
-            <a:endCxn id="39" idx="1"/>
-          </p:cNvCxnSpPr>
-          <p:nvPr>
-            <p:custDataLst>
-              <p:tags r:id="rId15"/>
-            </p:custDataLst>
-          </p:nvPr>
-        </p:nvCxnSpPr>
-        <p:spPr>
-          <a:xfrm>
-            <a:off x="7446645" y="3667760"/>
-            <a:ext cx="816610" cy="0"/>
-          </a:xfrm>
-          <a:prstGeom prst="straightConnector1">
-            <a:avLst/>
-          </a:prstGeom>
-          <a:ln w="28575" cmpd="sng">
-            <a:solidFill>
-              <a:schemeClr val="accent2">
-                <a:lumMod val="75000"/>
-              </a:schemeClr>
-            </a:solidFill>
-            <a:prstDash val="solid"/>
-            <a:tailEnd type="triangle" w="lg" len="lg"/>
-          </a:ln>
-        </p:spPr>
-        <p:style>
-          <a:lnRef idx="2">
-            <a:schemeClr val="accent1"/>
-          </a:lnRef>
-          <a:fillRef idx="0">
-            <a:srgbClr val="FFFFFF"/>
-          </a:fillRef>
-          <a:effectRef idx="0">
-            <a:srgbClr val="FFFFFF"/>
-          </a:effectRef>
-          <a:fontRef idx="minor">
-            <a:schemeClr val="tx1"/>
-          </a:fontRef>
-        </p:style>
-      </p:cxnSp>
-      <p:sp>
-        <p:nvSpPr>
-          <p:cNvPr id="41" name="圆角矩形 40"/>
+        </p:spPr>
+      </p:pic>
+      <p:sp>
+        <p:nvSpPr>
+          <p:cNvPr id="3" name="圆角矩形 2"/>
           <p:cNvSpPr/>
-          <p:nvPr>
-            <p:custDataLst>
-              <p:tags r:id="rId16"/>
-            </p:custDataLst>
-          </p:nvPr>
-        </p:nvSpPr>
-        <p:spPr>
-          <a:xfrm>
-            <a:off x="1888490" y="1094740"/>
-            <a:ext cx="4468495" cy="2334260"/>
+          <p:nvPr/>
+        </p:nvSpPr>
+        <p:spPr>
+          <a:xfrm>
+            <a:off x="11035665" y="506730"/>
+            <a:ext cx="612140" cy="1588770"/>
           </a:xfrm>
           <a:prstGeom prst="roundRect">
             <a:avLst/>
@@ -6931,7 +8348,6 @@
             <a:prstDash val="dash"/>
             <a:miter lim="800000"/>
           </a:ln>
-          <a:effectLst/>
         </p:spPr>
         <p:style>
           <a:lnRef idx="2">
@@ -6967,34 +8383,72 @@
           </a:p>
         </p:txBody>
       </p:sp>
-      <p:sp>
-        <p:nvSpPr>
-          <p:cNvPr id="42" name="文本框 41"/>
-          <p:cNvSpPr txBox="1"/>
-          <p:nvPr/>
-        </p:nvSpPr>
-        <p:spPr>
-          <a:xfrm>
-            <a:off x="3366770" y="1104265"/>
-            <a:ext cx="1478280" cy="368300"/>
+      <p:pic>
+        <p:nvPicPr>
+          <p:cNvPr id="15" name="图片 14"/>
+          <p:cNvPicPr>
+            <a:picLocks noChangeAspect="1"/>
+          </p:cNvPicPr>
+          <p:nvPr>
+            <p:custDataLst>
+              <p:tags r:id="rId3"/>
+            </p:custDataLst>
+          </p:nvPr>
+        </p:nvPicPr>
+        <p:blipFill>
+          <a:blip r:embed="rId4"/>
+          <a:stretch>
+            <a:fillRect/>
+          </a:stretch>
+        </p:blipFill>
+        <p:spPr>
+          <a:xfrm>
+            <a:off x="2176780" y="4544695"/>
+            <a:ext cx="3024505" cy="1223645"/>
           </a:xfrm>
           <a:prstGeom prst="rect">
             <a:avLst/>
           </a:prstGeom>
-          <a:noFill/>
-        </p:spPr>
-        <p:txBody>
-          <a:bodyPr wrap="square" rtlCol="0">
-            <a:spAutoFit/>
-          </a:bodyPr>
-          <a:p>
+        </p:spPr>
+      </p:pic>
+      <p:sp>
+        <p:nvSpPr>
+          <p:cNvPr id="17" name="圆角矩形 16"/>
+          <p:cNvSpPr/>
+          <p:nvPr/>
+        </p:nvSpPr>
+        <p:spPr>
+          <a:xfrm>
+            <a:off x="222250" y="2309495"/>
+            <a:ext cx="1289685" cy="473710"/>
+          </a:xfrm>
+          <a:prstGeom prst="roundRect">
+            <a:avLst/>
+          </a:prstGeom>
+        </p:spPr>
+        <p:style>
+          <a:lnRef idx="2">
+            <a:schemeClr val="accent1">
+              <a:lumMod val="75000"/>
+            </a:schemeClr>
+          </a:lnRef>
+          <a:fillRef idx="1">
+            <a:schemeClr val="accent1"/>
+          </a:fillRef>
+          <a:effectRef idx="0">
+            <a:srgbClr val="FFFFFF"/>
+          </a:effectRef>
+          <a:fontRef idx="minor">
+            <a:schemeClr val="lt1"/>
+          </a:fontRef>
+        </p:style>
+        <p:txBody>
+          <a:bodyPr rtlCol="0" anchor="ctr"/>
+          <a:p>
+            <a:pPr algn="ctr"/>
             <a:r>
               <a:rPr lang="en-US" altLang="zh-CN"/>
-              <a:t>Branch Net</a:t>
-            </a:r>
-            <a:r>
-              <a:rPr lang="en-US" altLang="zh-CN"/>
-              <a:t>s</a:t>
+              <a:t>Parameter</a:t>
             </a:r>
             <a:endParaRPr lang="en-US" altLang="zh-CN"/>
           </a:p>
@@ -7002,18 +8456,18 @@
       </p:sp>
       <p:sp>
         <p:nvSpPr>
-          <p:cNvPr id="43" name="圆角矩形 42"/>
+          <p:cNvPr id="19" name="圆角矩形 18"/>
           <p:cNvSpPr/>
           <p:nvPr>
             <p:custDataLst>
-              <p:tags r:id="rId17"/>
+              <p:tags r:id="rId5"/>
             </p:custDataLst>
           </p:nvPr>
         </p:nvSpPr>
         <p:spPr>
           <a:xfrm>
-            <a:off x="1888490" y="3800475"/>
-            <a:ext cx="4468495" cy="2059305"/>
+            <a:off x="2050415" y="1971675"/>
+            <a:ext cx="464820" cy="1151890"/>
           </a:xfrm>
           <a:prstGeom prst="roundRect">
             <a:avLst/>
@@ -7021,7 +8475,7 @@
           <a:noFill/>
           <a:ln w="19050" cap="flat" cmpd="sng">
             <a:solidFill>
-              <a:schemeClr val="tx1"/>
+              <a:srgbClr val="0070C0"/>
             </a:solidFill>
             <a:prstDash val="dash"/>
             <a:miter lim="800000"/>
@@ -7063,17 +8517,497 @@
       </p:sp>
       <p:sp>
         <p:nvSpPr>
+          <p:cNvPr id="21" name="圆角矩形 20"/>
+          <p:cNvSpPr/>
+          <p:nvPr>
+            <p:custDataLst>
+              <p:tags r:id="rId6"/>
+            </p:custDataLst>
+          </p:nvPr>
+        </p:nvSpPr>
+        <p:spPr>
+          <a:xfrm>
+            <a:off x="2050415" y="4735195"/>
+            <a:ext cx="464820" cy="886460"/>
+          </a:xfrm>
+          <a:prstGeom prst="roundRect">
+            <a:avLst/>
+          </a:prstGeom>
+          <a:noFill/>
+          <a:ln w="19050" cap="flat" cmpd="sng">
+            <a:solidFill>
+              <a:srgbClr val="0070C0"/>
+            </a:solidFill>
+            <a:prstDash val="dash"/>
+            <a:miter lim="800000"/>
+          </a:ln>
+        </p:spPr>
+        <p:style>
+          <a:lnRef idx="2">
+            <a:schemeClr val="accent1"/>
+          </a:lnRef>
+          <a:fillRef idx="0">
+            <a:srgbClr val="FFFFFF"/>
+          </a:fillRef>
+          <a:effectRef idx="0">
+            <a:srgbClr val="FFFFFF"/>
+          </a:effectRef>
+          <a:fontRef idx="minor">
+            <a:schemeClr val="dk1"/>
+          </a:fontRef>
+        </p:style>
+        <p:txBody>
+          <a:bodyPr rtlCol="0" anchor="ctr"/>
+          <a:p>
+            <a:pPr algn="ctr"/>
+            <a:endParaRPr lang="zh-CN" altLang="en-US">
+              <a:gradFill>
+                <a:gsLst>
+                  <a:gs pos="0">
+                    <a:srgbClr val="FE4444"/>
+                  </a:gs>
+                  <a:gs pos="100000">
+                    <a:srgbClr val="832B2B"/>
+                  </a:gs>
+                </a:gsLst>
+                <a:lin ang="5400000" scaled="0"/>
+              </a:gradFill>
+            </a:endParaRPr>
+          </a:p>
+        </p:txBody>
+      </p:sp>
+      <p:sp>
+        <p:nvSpPr>
+          <p:cNvPr id="23" name="圆角矩形 22"/>
+          <p:cNvSpPr/>
+          <p:nvPr>
+            <p:custDataLst>
+              <p:tags r:id="rId7"/>
+            </p:custDataLst>
+          </p:nvPr>
+        </p:nvSpPr>
+        <p:spPr>
+          <a:xfrm>
+            <a:off x="184150" y="4953000"/>
+            <a:ext cx="1327785" cy="473710"/>
+          </a:xfrm>
+          <a:prstGeom prst="roundRect">
+            <a:avLst/>
+          </a:prstGeom>
+        </p:spPr>
+        <p:style>
+          <a:lnRef idx="2">
+            <a:schemeClr val="accent1">
+              <a:lumMod val="75000"/>
+            </a:schemeClr>
+          </a:lnRef>
+          <a:fillRef idx="1">
+            <a:schemeClr val="accent1"/>
+          </a:fillRef>
+          <a:effectRef idx="0">
+            <a:srgbClr val="FFFFFF"/>
+          </a:effectRef>
+          <a:fontRef idx="minor">
+            <a:schemeClr val="lt1"/>
+          </a:fontRef>
+        </p:style>
+        <p:txBody>
+          <a:bodyPr rtlCol="0" anchor="ctr"/>
+          <a:p>
+            <a:pPr algn="ctr"/>
+            <a:r>
+              <a:rPr lang="en-US" altLang="zh-CN"/>
+              <a:t>Point</a:t>
+            </a:r>
+            <a:endParaRPr lang="en-US" altLang="zh-CN"/>
+          </a:p>
+        </p:txBody>
+      </p:sp>
+      <p:cxnSp>
+        <p:nvCxnSpPr>
+          <p:cNvPr id="27" name="直接箭头连接符 26"/>
+          <p:cNvCxnSpPr>
+            <a:stCxn id="17" idx="3"/>
+            <a:endCxn id="19" idx="1"/>
+          </p:cNvCxnSpPr>
+          <p:nvPr>
+            <p:custDataLst>
+              <p:tags r:id="rId8"/>
+            </p:custDataLst>
+          </p:nvPr>
+        </p:nvCxnSpPr>
+        <p:spPr>
+          <a:xfrm>
+            <a:off x="1511935" y="2546350"/>
+            <a:ext cx="538480" cy="1270"/>
+          </a:xfrm>
+          <a:prstGeom prst="straightConnector1">
+            <a:avLst/>
+          </a:prstGeom>
+          <a:ln w="28575" cmpd="sng">
+            <a:solidFill>
+              <a:schemeClr val="accent1"/>
+            </a:solidFill>
+            <a:prstDash val="solid"/>
+            <a:tailEnd type="triangle" w="lg" len="lg"/>
+          </a:ln>
+        </p:spPr>
+        <p:style>
+          <a:lnRef idx="2">
+            <a:schemeClr val="accent1"/>
+          </a:lnRef>
+          <a:fillRef idx="0">
+            <a:srgbClr val="FFFFFF"/>
+          </a:fillRef>
+          <a:effectRef idx="0">
+            <a:srgbClr val="FFFFFF"/>
+          </a:effectRef>
+          <a:fontRef idx="minor">
+            <a:schemeClr val="tx1"/>
+          </a:fontRef>
+        </p:style>
+      </p:cxnSp>
+      <p:cxnSp>
+        <p:nvCxnSpPr>
+          <p:cNvPr id="29" name="直接箭头连接符 28"/>
+          <p:cNvCxnSpPr>
+            <a:stCxn id="23" idx="3"/>
+            <a:endCxn id="21" idx="1"/>
+          </p:cNvCxnSpPr>
+          <p:nvPr>
+            <p:custDataLst>
+              <p:tags r:id="rId9"/>
+            </p:custDataLst>
+          </p:nvPr>
+        </p:nvCxnSpPr>
+        <p:spPr>
+          <a:xfrm flipV="1">
+            <a:off x="1511935" y="5178425"/>
+            <a:ext cx="538480" cy="11430"/>
+          </a:xfrm>
+          <a:prstGeom prst="straightConnector1">
+            <a:avLst/>
+          </a:prstGeom>
+          <a:ln w="28575" cmpd="sng">
+            <a:solidFill>
+              <a:schemeClr val="accent1"/>
+            </a:solidFill>
+            <a:prstDash val="solid"/>
+            <a:tailEnd type="triangle" w="lg" len="lg"/>
+          </a:ln>
+        </p:spPr>
+        <p:style>
+          <a:lnRef idx="2">
+            <a:schemeClr val="accent1"/>
+          </a:lnRef>
+          <a:fillRef idx="0">
+            <a:srgbClr val="FFFFFF"/>
+          </a:fillRef>
+          <a:effectRef idx="0">
+            <a:srgbClr val="FFFFFF"/>
+          </a:effectRef>
+          <a:fontRef idx="minor">
+            <a:schemeClr val="tx1"/>
+          </a:fontRef>
+        </p:style>
+      </p:cxnSp>
+      <p:cxnSp>
+        <p:nvCxnSpPr>
+          <p:cNvPr id="37" name="直接箭头连接符 36"/>
+          <p:cNvCxnSpPr/>
+          <p:nvPr>
+            <p:custDataLst>
+              <p:tags r:id="rId10"/>
+            </p:custDataLst>
+          </p:nvPr>
+        </p:nvCxnSpPr>
+        <p:spPr>
+          <a:xfrm>
+            <a:off x="5206365" y="2220595"/>
+            <a:ext cx="868680" cy="1112520"/>
+          </a:xfrm>
+          <a:prstGeom prst="straightConnector1">
+            <a:avLst/>
+          </a:prstGeom>
+          <a:ln w="15875" cmpd="sng">
+            <a:solidFill>
+              <a:srgbClr val="FF8D41"/>
+            </a:solidFill>
+            <a:prstDash val="solid"/>
+            <a:tailEnd type="stealth" w="lg" len="lg"/>
+          </a:ln>
+        </p:spPr>
+        <p:style>
+          <a:lnRef idx="2">
+            <a:schemeClr val="accent1"/>
+          </a:lnRef>
+          <a:fillRef idx="0">
+            <a:srgbClr val="FFFFFF"/>
+          </a:fillRef>
+          <a:effectRef idx="0">
+            <a:srgbClr val="FFFFFF"/>
+          </a:effectRef>
+          <a:fontRef idx="minor">
+            <a:schemeClr val="tx1"/>
+          </a:fontRef>
+        </p:style>
+      </p:cxnSp>
+      <p:cxnSp>
+        <p:nvCxnSpPr>
+          <p:cNvPr id="38" name="直接箭头连接符 37"/>
+          <p:cNvCxnSpPr>
+            <a:stCxn id="34" idx="3"/>
+            <a:endCxn id="50" idx="1"/>
+          </p:cNvCxnSpPr>
+          <p:nvPr>
+            <p:custDataLst>
+              <p:tags r:id="rId11"/>
+            </p:custDataLst>
+          </p:nvPr>
+        </p:nvCxnSpPr>
+        <p:spPr>
+          <a:xfrm>
+            <a:off x="7299325" y="3776980"/>
+            <a:ext cx="599440" cy="486410"/>
+          </a:xfrm>
+          <a:prstGeom prst="straightConnector1">
+            <a:avLst/>
+          </a:prstGeom>
+          <a:ln w="28575" cmpd="sng">
+            <a:solidFill>
+              <a:schemeClr val="accent2">
+                <a:lumMod val="75000"/>
+              </a:schemeClr>
+            </a:solidFill>
+            <a:prstDash val="solid"/>
+            <a:tailEnd type="triangle" w="lg" len="lg"/>
+          </a:ln>
+        </p:spPr>
+        <p:style>
+          <a:lnRef idx="2">
+            <a:schemeClr val="accent1"/>
+          </a:lnRef>
+          <a:fillRef idx="0">
+            <a:srgbClr val="FFFFFF"/>
+          </a:fillRef>
+          <a:effectRef idx="0">
+            <a:srgbClr val="FFFFFF"/>
+          </a:effectRef>
+          <a:fontRef idx="minor">
+            <a:schemeClr val="tx1"/>
+          </a:fontRef>
+        </p:style>
+      </p:cxnSp>
+      <p:cxnSp>
+        <p:nvCxnSpPr>
+          <p:cNvPr id="40" name="直接箭头连接符 39"/>
+          <p:cNvCxnSpPr>
+            <a:stCxn id="34" idx="3"/>
+            <a:endCxn id="39" idx="1"/>
+          </p:cNvCxnSpPr>
+          <p:nvPr>
+            <p:custDataLst>
+              <p:tags r:id="rId12"/>
+            </p:custDataLst>
+          </p:nvPr>
+        </p:nvCxnSpPr>
+        <p:spPr>
+          <a:xfrm flipV="1">
+            <a:off x="7299325" y="3282950"/>
+            <a:ext cx="638810" cy="494030"/>
+          </a:xfrm>
+          <a:prstGeom prst="straightConnector1">
+            <a:avLst/>
+          </a:prstGeom>
+          <a:ln w="28575" cmpd="sng">
+            <a:solidFill>
+              <a:schemeClr val="accent2">
+                <a:lumMod val="75000"/>
+              </a:schemeClr>
+            </a:solidFill>
+            <a:prstDash val="solid"/>
+            <a:tailEnd type="triangle" w="lg" len="lg"/>
+          </a:ln>
+        </p:spPr>
+        <p:style>
+          <a:lnRef idx="2">
+            <a:schemeClr val="accent1"/>
+          </a:lnRef>
+          <a:fillRef idx="0">
+            <a:srgbClr val="FFFFFF"/>
+          </a:fillRef>
+          <a:effectRef idx="0">
+            <a:srgbClr val="FFFFFF"/>
+          </a:effectRef>
+          <a:fontRef idx="minor">
+            <a:schemeClr val="tx1"/>
+          </a:fontRef>
+        </p:style>
+      </p:cxnSp>
+      <p:sp>
+        <p:nvSpPr>
+          <p:cNvPr id="41" name="圆角矩形 40"/>
+          <p:cNvSpPr/>
+          <p:nvPr>
+            <p:custDataLst>
+              <p:tags r:id="rId13"/>
+            </p:custDataLst>
+          </p:nvPr>
+        </p:nvSpPr>
+        <p:spPr>
+          <a:xfrm>
+            <a:off x="1727200" y="1207770"/>
+            <a:ext cx="3685540" cy="2221230"/>
+          </a:xfrm>
+          <a:prstGeom prst="roundRect">
+            <a:avLst/>
+          </a:prstGeom>
+          <a:noFill/>
+          <a:ln w="19050" cap="flat" cmpd="sng">
+            <a:solidFill>
+              <a:schemeClr val="tx1"/>
+            </a:solidFill>
+            <a:prstDash val="dash"/>
+            <a:miter lim="800000"/>
+          </a:ln>
+        </p:spPr>
+        <p:style>
+          <a:lnRef idx="2">
+            <a:schemeClr val="accent1"/>
+          </a:lnRef>
+          <a:fillRef idx="0">
+            <a:srgbClr val="FFFFFF"/>
+          </a:fillRef>
+          <a:effectRef idx="0">
+            <a:srgbClr val="FFFFFF"/>
+          </a:effectRef>
+          <a:fontRef idx="minor">
+            <a:schemeClr val="dk1"/>
+          </a:fontRef>
+        </p:style>
+        <p:txBody>
+          <a:bodyPr rtlCol="0" anchor="ctr"/>
+          <a:p>
+            <a:pPr algn="ctr"/>
+            <a:endParaRPr lang="zh-CN" altLang="en-US">
+              <a:gradFill>
+                <a:gsLst>
+                  <a:gs pos="0">
+                    <a:srgbClr val="FE4444"/>
+                  </a:gs>
+                  <a:gs pos="100000">
+                    <a:srgbClr val="832B2B"/>
+                  </a:gs>
+                </a:gsLst>
+                <a:lin ang="5400000" scaled="0"/>
+              </a:gradFill>
+            </a:endParaRPr>
+          </a:p>
+        </p:txBody>
+      </p:sp>
+      <p:sp>
+        <p:nvSpPr>
+          <p:cNvPr id="42" name="文本框 41"/>
+          <p:cNvSpPr txBox="1"/>
+          <p:nvPr/>
+        </p:nvSpPr>
+        <p:spPr>
+          <a:xfrm>
+            <a:off x="2949575" y="1207135"/>
+            <a:ext cx="1478280" cy="368300"/>
+          </a:xfrm>
+          <a:prstGeom prst="rect">
+            <a:avLst/>
+          </a:prstGeom>
+          <a:noFill/>
+        </p:spPr>
+        <p:txBody>
+          <a:bodyPr wrap="square" rtlCol="0">
+            <a:spAutoFit/>
+          </a:bodyPr>
+          <a:p>
+            <a:r>
+              <a:rPr lang="en-US" altLang="zh-CN"/>
+              <a:t>Branch Net</a:t>
+            </a:r>
+            <a:endParaRPr lang="en-US" altLang="zh-CN"/>
+          </a:p>
+        </p:txBody>
+      </p:sp>
+      <p:sp>
+        <p:nvSpPr>
+          <p:cNvPr id="43" name="圆角矩形 42"/>
+          <p:cNvSpPr/>
+          <p:nvPr>
+            <p:custDataLst>
+              <p:tags r:id="rId14"/>
+            </p:custDataLst>
+          </p:nvPr>
+        </p:nvSpPr>
+        <p:spPr>
+          <a:xfrm>
+            <a:off x="1727200" y="3997325"/>
+            <a:ext cx="3686175" cy="1862455"/>
+          </a:xfrm>
+          <a:prstGeom prst="roundRect">
+            <a:avLst/>
+          </a:prstGeom>
+          <a:noFill/>
+          <a:ln w="19050" cap="flat" cmpd="sng">
+            <a:solidFill>
+              <a:schemeClr val="tx1"/>
+            </a:solidFill>
+            <a:prstDash val="dash"/>
+            <a:miter lim="800000"/>
+          </a:ln>
+        </p:spPr>
+        <p:style>
+          <a:lnRef idx="2">
+            <a:schemeClr val="accent1"/>
+          </a:lnRef>
+          <a:fillRef idx="0">
+            <a:srgbClr val="FFFFFF"/>
+          </a:fillRef>
+          <a:effectRef idx="0">
+            <a:srgbClr val="FFFFFF"/>
+          </a:effectRef>
+          <a:fontRef idx="minor">
+            <a:schemeClr val="dk1"/>
+          </a:fontRef>
+        </p:style>
+        <p:txBody>
+          <a:bodyPr rtlCol="0" anchor="ctr"/>
+          <a:p>
+            <a:pPr algn="ctr"/>
+            <a:endParaRPr lang="zh-CN" altLang="en-US">
+              <a:gradFill>
+                <a:gsLst>
+                  <a:gs pos="0">
+                    <a:srgbClr val="FE4444"/>
+                  </a:gs>
+                  <a:gs pos="100000">
+                    <a:srgbClr val="832B2B"/>
+                  </a:gs>
+                </a:gsLst>
+                <a:lin ang="5400000" scaled="0"/>
+              </a:gradFill>
+            </a:endParaRPr>
+          </a:p>
+        </p:txBody>
+      </p:sp>
+      <p:sp>
+        <p:nvSpPr>
           <p:cNvPr id="44" name="文本框 43"/>
           <p:cNvSpPr txBox="1"/>
           <p:nvPr>
             <p:custDataLst>
-              <p:tags r:id="rId18"/>
+              <p:tags r:id="rId15"/>
             </p:custDataLst>
           </p:nvPr>
         </p:nvSpPr>
         <p:spPr>
           <a:xfrm>
-            <a:off x="3366770" y="3791585"/>
+            <a:off x="2949575" y="3996690"/>
             <a:ext cx="1478280" cy="368300"/>
           </a:xfrm>
           <a:prstGeom prst="rect">
@@ -7091,6 +9025,2471 @@
               <a:t>Trunk Net</a:t>
             </a:r>
             <a:endParaRPr lang="en-US" altLang="zh-CN"/>
+          </a:p>
+        </p:txBody>
+      </p:sp>
+      <p:sp>
+        <p:nvSpPr>
+          <p:cNvPr id="10" name="圆角矩形 9"/>
+          <p:cNvSpPr/>
+          <p:nvPr>
+            <p:custDataLst>
+              <p:tags r:id="rId16"/>
+            </p:custDataLst>
+          </p:nvPr>
+        </p:nvSpPr>
+        <p:spPr>
+          <a:xfrm>
+            <a:off x="5709285" y="1207770"/>
+            <a:ext cx="1667510" cy="4652010"/>
+          </a:xfrm>
+          <a:prstGeom prst="roundRect">
+            <a:avLst/>
+          </a:prstGeom>
+          <a:noFill/>
+          <a:ln w="19050" cap="flat" cmpd="sng">
+            <a:solidFill>
+              <a:srgbClr val="00B0F0"/>
+            </a:solidFill>
+            <a:prstDash val="dash"/>
+            <a:miter lim="800000"/>
+          </a:ln>
+        </p:spPr>
+        <p:style>
+          <a:lnRef idx="2">
+            <a:schemeClr val="accent1"/>
+          </a:lnRef>
+          <a:fillRef idx="0">
+            <a:srgbClr val="FFFFFF"/>
+          </a:fillRef>
+          <a:effectRef idx="0">
+            <a:srgbClr val="FFFFFF"/>
+          </a:effectRef>
+          <a:fontRef idx="minor">
+            <a:schemeClr val="dk1"/>
+          </a:fontRef>
+        </p:style>
+        <p:txBody>
+          <a:bodyPr rtlCol="0" anchor="ctr"/>
+          <a:p>
+            <a:pPr algn="ctr"/>
+            <a:endParaRPr lang="zh-CN" altLang="en-US">
+              <a:gradFill>
+                <a:gsLst>
+                  <a:gs pos="0">
+                    <a:srgbClr val="FE4444"/>
+                  </a:gs>
+                  <a:gs pos="100000">
+                    <a:srgbClr val="832B2B"/>
+                  </a:gs>
+                </a:gsLst>
+                <a:lin ang="5400000" scaled="0"/>
+              </a:gradFill>
+            </a:endParaRPr>
+          </a:p>
+        </p:txBody>
+      </p:sp>
+      <p:sp>
+        <p:nvSpPr>
+          <p:cNvPr id="11" name="文本框 10"/>
+          <p:cNvSpPr txBox="1"/>
+          <p:nvPr/>
+        </p:nvSpPr>
+        <p:spPr>
+          <a:xfrm>
+            <a:off x="5878830" y="1207770"/>
+            <a:ext cx="1328420" cy="368300"/>
+          </a:xfrm>
+          <a:prstGeom prst="rect">
+            <a:avLst/>
+          </a:prstGeom>
+          <a:noFill/>
+        </p:spPr>
+        <p:txBody>
+          <a:bodyPr wrap="square" rtlCol="0">
+            <a:spAutoFit/>
+          </a:bodyPr>
+          <a:p>
+            <a:r>
+              <a:rPr lang="en-US" altLang="zh-CN"/>
+              <a:t>Merge Net</a:t>
+            </a:r>
+            <a:endParaRPr lang="en-US" altLang="zh-CN"/>
+          </a:p>
+        </p:txBody>
+      </p:sp>
+      <p:grpSp>
+        <p:nvGrpSpPr>
+          <p:cNvPr id="22" name="组合 21"/>
+          <p:cNvGrpSpPr/>
+          <p:nvPr/>
+        </p:nvGrpSpPr>
+        <p:grpSpPr>
+          <a:xfrm>
+            <a:off x="5932170" y="3203575"/>
+            <a:ext cx="1221740" cy="1161415"/>
+            <a:chOff x="11157" y="5067"/>
+            <a:chExt cx="1924" cy="1829"/>
+          </a:xfrm>
+        </p:grpSpPr>
+        <p:pic>
+          <p:nvPicPr>
+            <p:cNvPr id="9" name="图片 8"/>
+            <p:cNvPicPr>
+              <a:picLocks noChangeAspect="1"/>
+            </p:cNvPicPr>
+            <p:nvPr/>
+          </p:nvPicPr>
+          <p:blipFill>
+            <a:blip r:embed="rId17"/>
+            <a:stretch>
+              <a:fillRect/>
+            </a:stretch>
+          </p:blipFill>
+          <p:spPr>
+            <a:xfrm>
+              <a:off x="11385" y="5249"/>
+              <a:ext cx="1697" cy="1421"/>
+            </a:xfrm>
+            <a:prstGeom prst="rect">
+              <a:avLst/>
+            </a:prstGeom>
+          </p:spPr>
+        </p:pic>
+        <p:grpSp>
+          <p:nvGrpSpPr>
+            <p:cNvPr id="12" name="组合 11"/>
+            <p:cNvGrpSpPr/>
+            <p:nvPr/>
+          </p:nvGrpSpPr>
+          <p:grpSpPr>
+            <a:xfrm>
+              <a:off x="11157" y="5067"/>
+              <a:ext cx="768" cy="724"/>
+              <a:chOff x="13755" y="7922"/>
+              <a:chExt cx="768" cy="724"/>
+            </a:xfrm>
+          </p:grpSpPr>
+          <p:sp>
+            <p:nvSpPr>
+              <p:cNvPr id="13" name="椭圆 12"/>
+              <p:cNvSpPr/>
+              <p:nvPr/>
+            </p:nvSpPr>
+            <p:spPr>
+              <a:xfrm>
+                <a:off x="13986" y="8113"/>
+                <a:ext cx="307" cy="307"/>
+              </a:xfrm>
+              <a:prstGeom prst="ellipse">
+                <a:avLst/>
+              </a:prstGeom>
+              <a:solidFill>
+                <a:schemeClr val="bg1"/>
+              </a:solidFill>
+              <a:ln w="19050">
+                <a:solidFill>
+                  <a:schemeClr val="accent2">
+                    <a:lumMod val="75000"/>
+                  </a:schemeClr>
+                </a:solidFill>
+              </a:ln>
+            </p:spPr>
+            <p:style>
+              <a:lnRef idx="2">
+                <a:schemeClr val="accent1">
+                  <a:lumMod val="75000"/>
+                </a:schemeClr>
+              </a:lnRef>
+              <a:fillRef idx="1">
+                <a:schemeClr val="accent1"/>
+              </a:fillRef>
+              <a:effectRef idx="0">
+                <a:srgbClr val="FFFFFF"/>
+              </a:effectRef>
+              <a:fontRef idx="minor">
+                <a:schemeClr val="lt1"/>
+              </a:fontRef>
+            </p:style>
+            <p:txBody>
+              <a:bodyPr rtlCol="0" anchor="ctr"/>
+              <a:p>
+                <a:pPr algn="ctr"/>
+                <a:endParaRPr lang="zh-CN" altLang="en-US"/>
+              </a:p>
+            </p:txBody>
+          </p:sp>
+          <p:sp>
+            <p:nvSpPr>
+              <p:cNvPr id="14" name="文本框 13"/>
+              <p:cNvSpPr txBox="1"/>
+              <p:nvPr/>
+            </p:nvSpPr>
+            <p:spPr>
+              <a:xfrm>
+                <a:off x="13755" y="7922"/>
+                <a:ext cx="768" cy="725"/>
+              </a:xfrm>
+              <a:prstGeom prst="rect">
+                <a:avLst/>
+              </a:prstGeom>
+              <a:noFill/>
+            </p:spPr>
+            <p:txBody>
+              <a:bodyPr wrap="none" rtlCol="0">
+                <a:spAutoFit/>
+              </a:bodyPr>
+              <a:p>
+                <a:r>
+                  <a:rPr lang="zh-CN" altLang="en-US" sz="2400"/>
+                  <a:t>×</a:t>
+                </a:r>
+                <a:r>
+                  <a:rPr lang="zh-CN" altLang="en-US" sz="2400"/>
+                  <a:t>️</a:t>
+                </a:r>
+                <a:endParaRPr lang="zh-CN" altLang="en-US" sz="2400"/>
+              </a:p>
+            </p:txBody>
+          </p:sp>
+        </p:grpSp>
+        <p:grpSp>
+          <p:nvGrpSpPr>
+            <p:cNvPr id="16" name="组合 15"/>
+            <p:cNvGrpSpPr/>
+            <p:nvPr/>
+          </p:nvGrpSpPr>
+          <p:grpSpPr>
+            <a:xfrm>
+              <a:off x="11157" y="5608"/>
+              <a:ext cx="768" cy="724"/>
+              <a:chOff x="13755" y="7922"/>
+              <a:chExt cx="768" cy="724"/>
+            </a:xfrm>
+          </p:grpSpPr>
+          <p:sp>
+            <p:nvSpPr>
+              <p:cNvPr id="18" name="椭圆 17"/>
+              <p:cNvSpPr/>
+              <p:nvPr/>
+            </p:nvSpPr>
+            <p:spPr>
+              <a:xfrm>
+                <a:off x="13986" y="8113"/>
+                <a:ext cx="307" cy="307"/>
+              </a:xfrm>
+              <a:prstGeom prst="ellipse">
+                <a:avLst/>
+              </a:prstGeom>
+              <a:solidFill>
+                <a:schemeClr val="bg1"/>
+              </a:solidFill>
+              <a:ln w="19050">
+                <a:solidFill>
+                  <a:schemeClr val="accent2">
+                    <a:lumMod val="75000"/>
+                  </a:schemeClr>
+                </a:solidFill>
+              </a:ln>
+            </p:spPr>
+            <p:style>
+              <a:lnRef idx="2">
+                <a:schemeClr val="accent1">
+                  <a:lumMod val="75000"/>
+                </a:schemeClr>
+              </a:lnRef>
+              <a:fillRef idx="1">
+                <a:schemeClr val="accent1"/>
+              </a:fillRef>
+              <a:effectRef idx="0">
+                <a:srgbClr val="FFFFFF"/>
+              </a:effectRef>
+              <a:fontRef idx="minor">
+                <a:schemeClr val="lt1"/>
+              </a:fontRef>
+            </p:style>
+            <p:txBody>
+              <a:bodyPr rtlCol="0" anchor="ctr"/>
+              <a:p>
+                <a:pPr algn="ctr"/>
+                <a:endParaRPr lang="zh-CN" altLang="en-US"/>
+              </a:p>
+            </p:txBody>
+          </p:sp>
+          <p:sp>
+            <p:nvSpPr>
+              <p:cNvPr id="20" name="文本框 19"/>
+              <p:cNvSpPr txBox="1"/>
+              <p:nvPr/>
+            </p:nvSpPr>
+            <p:spPr>
+              <a:xfrm>
+                <a:off x="13755" y="7922"/>
+                <a:ext cx="768" cy="725"/>
+              </a:xfrm>
+              <a:prstGeom prst="rect">
+                <a:avLst/>
+              </a:prstGeom>
+              <a:noFill/>
+            </p:spPr>
+            <p:txBody>
+              <a:bodyPr wrap="none" rtlCol="0">
+                <a:spAutoFit/>
+              </a:bodyPr>
+              <a:p>
+                <a:r>
+                  <a:rPr lang="zh-CN" altLang="en-US" sz="2400"/>
+                  <a:t>×</a:t>
+                </a:r>
+                <a:r>
+                  <a:rPr lang="zh-CN" altLang="en-US" sz="2400"/>
+                  <a:t>️</a:t>
+                </a:r>
+                <a:endParaRPr lang="zh-CN" altLang="en-US" sz="2400"/>
+              </a:p>
+            </p:txBody>
+          </p:sp>
+        </p:grpSp>
+        <p:grpSp>
+          <p:nvGrpSpPr>
+            <p:cNvPr id="7" name="组合 6"/>
+            <p:cNvGrpSpPr/>
+            <p:nvPr/>
+          </p:nvGrpSpPr>
+          <p:grpSpPr>
+            <a:xfrm>
+              <a:off x="11157" y="6172"/>
+              <a:ext cx="768" cy="724"/>
+              <a:chOff x="13755" y="7922"/>
+              <a:chExt cx="768" cy="724"/>
+            </a:xfrm>
+          </p:grpSpPr>
+          <p:sp>
+            <p:nvSpPr>
+              <p:cNvPr id="33" name="椭圆 32"/>
+              <p:cNvSpPr/>
+              <p:nvPr/>
+            </p:nvSpPr>
+            <p:spPr>
+              <a:xfrm>
+                <a:off x="13986" y="8113"/>
+                <a:ext cx="307" cy="307"/>
+              </a:xfrm>
+              <a:prstGeom prst="ellipse">
+                <a:avLst/>
+              </a:prstGeom>
+              <a:solidFill>
+                <a:schemeClr val="bg1"/>
+              </a:solidFill>
+              <a:ln w="19050">
+                <a:solidFill>
+                  <a:schemeClr val="accent2">
+                    <a:lumMod val="75000"/>
+                  </a:schemeClr>
+                </a:solidFill>
+              </a:ln>
+            </p:spPr>
+            <p:style>
+              <a:lnRef idx="2">
+                <a:schemeClr val="accent1">
+                  <a:lumMod val="75000"/>
+                </a:schemeClr>
+              </a:lnRef>
+              <a:fillRef idx="1">
+                <a:schemeClr val="accent1"/>
+              </a:fillRef>
+              <a:effectRef idx="0">
+                <a:srgbClr val="FFFFFF"/>
+              </a:effectRef>
+              <a:fontRef idx="minor">
+                <a:schemeClr val="lt1"/>
+              </a:fontRef>
+            </p:style>
+            <p:txBody>
+              <a:bodyPr rtlCol="0" anchor="ctr"/>
+              <a:p>
+                <a:pPr algn="ctr"/>
+                <a:endParaRPr lang="zh-CN" altLang="en-US"/>
+              </a:p>
+            </p:txBody>
+          </p:sp>
+          <p:sp>
+            <p:nvSpPr>
+              <p:cNvPr id="6" name="文本框 5"/>
+              <p:cNvSpPr txBox="1"/>
+              <p:nvPr/>
+            </p:nvSpPr>
+            <p:spPr>
+              <a:xfrm>
+                <a:off x="13755" y="7922"/>
+                <a:ext cx="768" cy="725"/>
+              </a:xfrm>
+              <a:prstGeom prst="rect">
+                <a:avLst/>
+              </a:prstGeom>
+              <a:noFill/>
+            </p:spPr>
+            <p:txBody>
+              <a:bodyPr wrap="none" rtlCol="0">
+                <a:spAutoFit/>
+              </a:bodyPr>
+              <a:p>
+                <a:r>
+                  <a:rPr lang="zh-CN" altLang="en-US" sz="2400"/>
+                  <a:t>×</a:t>
+                </a:r>
+                <a:r>
+                  <a:rPr lang="zh-CN" altLang="en-US" sz="2400"/>
+                  <a:t>️</a:t>
+                </a:r>
+                <a:endParaRPr lang="zh-CN" altLang="en-US" sz="2400"/>
+              </a:p>
+            </p:txBody>
+          </p:sp>
+        </p:grpSp>
+      </p:grpSp>
+      <p:cxnSp>
+        <p:nvCxnSpPr>
+          <p:cNvPr id="24" name="直接箭头连接符 23"/>
+          <p:cNvCxnSpPr/>
+          <p:nvPr>
+            <p:custDataLst>
+              <p:tags r:id="rId18"/>
+            </p:custDataLst>
+          </p:nvPr>
+        </p:nvCxnSpPr>
+        <p:spPr>
+          <a:xfrm flipV="1">
+            <a:off x="5180330" y="3464560"/>
+            <a:ext cx="901700" cy="1329690"/>
+          </a:xfrm>
+          <a:prstGeom prst="straightConnector1">
+            <a:avLst/>
+          </a:prstGeom>
+          <a:ln w="15875" cmpd="sng">
+            <a:solidFill>
+              <a:schemeClr val="accent4">
+                <a:lumMod val="75000"/>
+              </a:schemeClr>
+            </a:solidFill>
+            <a:prstDash val="solid"/>
+            <a:tailEnd type="stealth" w="lg" len="lg"/>
+          </a:ln>
+        </p:spPr>
+        <p:style>
+          <a:lnRef idx="2">
+            <a:schemeClr val="accent1"/>
+          </a:lnRef>
+          <a:fillRef idx="0">
+            <a:srgbClr val="FFFFFF"/>
+          </a:fillRef>
+          <a:effectRef idx="0">
+            <a:srgbClr val="FFFFFF"/>
+          </a:effectRef>
+          <a:fontRef idx="minor">
+            <a:schemeClr val="tx1"/>
+          </a:fontRef>
+        </p:style>
+      </p:cxnSp>
+      <p:cxnSp>
+        <p:nvCxnSpPr>
+          <p:cNvPr id="25" name="直接箭头连接符 24"/>
+          <p:cNvCxnSpPr>
+            <a:stCxn id="2" idx="3"/>
+          </p:cNvCxnSpPr>
+          <p:nvPr>
+            <p:custDataLst>
+              <p:tags r:id="rId19"/>
+            </p:custDataLst>
+          </p:nvPr>
+        </p:nvCxnSpPr>
+        <p:spPr>
+          <a:xfrm>
+            <a:off x="5207635" y="2541905"/>
+            <a:ext cx="880745" cy="1166495"/>
+          </a:xfrm>
+          <a:prstGeom prst="straightConnector1">
+            <a:avLst/>
+          </a:prstGeom>
+          <a:ln w="15875" cmpd="sng">
+            <a:solidFill>
+              <a:srgbClr val="FF8D41"/>
+            </a:solidFill>
+            <a:prstDash val="solid"/>
+            <a:tailEnd type="stealth" w="lg" len="lg"/>
+          </a:ln>
+        </p:spPr>
+        <p:style>
+          <a:lnRef idx="2">
+            <a:schemeClr val="accent1"/>
+          </a:lnRef>
+          <a:fillRef idx="0">
+            <a:srgbClr val="FFFFFF"/>
+          </a:fillRef>
+          <a:effectRef idx="0">
+            <a:srgbClr val="FFFFFF"/>
+          </a:effectRef>
+          <a:fontRef idx="minor">
+            <a:schemeClr val="tx1"/>
+          </a:fontRef>
+        </p:style>
+      </p:cxnSp>
+      <p:cxnSp>
+        <p:nvCxnSpPr>
+          <p:cNvPr id="26" name="直接箭头连接符 25"/>
+          <p:cNvCxnSpPr>
+            <a:stCxn id="15" idx="3"/>
+          </p:cNvCxnSpPr>
+          <p:nvPr>
+            <p:custDataLst>
+              <p:tags r:id="rId20"/>
+            </p:custDataLst>
+          </p:nvPr>
+        </p:nvCxnSpPr>
+        <p:spPr>
+          <a:xfrm flipV="1">
+            <a:off x="5201285" y="3839845"/>
+            <a:ext cx="887095" cy="1316990"/>
+          </a:xfrm>
+          <a:prstGeom prst="straightConnector1">
+            <a:avLst/>
+          </a:prstGeom>
+          <a:ln w="15875" cmpd="sng">
+            <a:solidFill>
+              <a:schemeClr val="accent4">
+                <a:lumMod val="75000"/>
+              </a:schemeClr>
+            </a:solidFill>
+            <a:prstDash val="solid"/>
+            <a:tailEnd type="stealth" w="lg" len="lg"/>
+          </a:ln>
+        </p:spPr>
+        <p:style>
+          <a:lnRef idx="2">
+            <a:schemeClr val="accent1"/>
+          </a:lnRef>
+          <a:fillRef idx="0">
+            <a:srgbClr val="FFFFFF"/>
+          </a:fillRef>
+          <a:effectRef idx="0">
+            <a:srgbClr val="FFFFFF"/>
+          </a:effectRef>
+          <a:fontRef idx="minor">
+            <a:schemeClr val="tx1"/>
+          </a:fontRef>
+        </p:style>
+      </p:cxnSp>
+      <p:cxnSp>
+        <p:nvCxnSpPr>
+          <p:cNvPr id="28" name="直接箭头连接符 27"/>
+          <p:cNvCxnSpPr/>
+          <p:nvPr>
+            <p:custDataLst>
+              <p:tags r:id="rId21"/>
+            </p:custDataLst>
+          </p:nvPr>
+        </p:nvCxnSpPr>
+        <p:spPr>
+          <a:xfrm>
+            <a:off x="5200015" y="2944495"/>
+            <a:ext cx="875030" cy="1112520"/>
+          </a:xfrm>
+          <a:prstGeom prst="straightConnector1">
+            <a:avLst/>
+          </a:prstGeom>
+          <a:ln w="15875" cmpd="sng">
+            <a:solidFill>
+              <a:srgbClr val="FF8D41"/>
+            </a:solidFill>
+            <a:prstDash val="solid"/>
+            <a:tailEnd type="stealth" w="lg" len="lg"/>
+          </a:ln>
+        </p:spPr>
+        <p:style>
+          <a:lnRef idx="2">
+            <a:schemeClr val="accent1"/>
+          </a:lnRef>
+          <a:fillRef idx="0">
+            <a:srgbClr val="FFFFFF"/>
+          </a:fillRef>
+          <a:effectRef idx="0">
+            <a:srgbClr val="FFFFFF"/>
+          </a:effectRef>
+          <a:fontRef idx="minor">
+            <a:schemeClr val="tx1"/>
+          </a:fontRef>
+        </p:style>
+      </p:cxnSp>
+      <p:cxnSp>
+        <p:nvCxnSpPr>
+          <p:cNvPr id="32" name="直接箭头连接符 31"/>
+          <p:cNvCxnSpPr/>
+          <p:nvPr>
+            <p:custDataLst>
+              <p:tags r:id="rId22"/>
+            </p:custDataLst>
+          </p:nvPr>
+        </p:nvCxnSpPr>
+        <p:spPr>
+          <a:xfrm flipV="1">
+            <a:off x="5200015" y="4201795"/>
+            <a:ext cx="901700" cy="1264285"/>
+          </a:xfrm>
+          <a:prstGeom prst="straightConnector1">
+            <a:avLst/>
+          </a:prstGeom>
+          <a:ln w="15875" cmpd="sng">
+            <a:solidFill>
+              <a:schemeClr val="accent4">
+                <a:lumMod val="75000"/>
+              </a:schemeClr>
+            </a:solidFill>
+            <a:prstDash val="solid"/>
+            <a:tailEnd type="stealth" w="lg" len="lg"/>
+          </a:ln>
+        </p:spPr>
+        <p:style>
+          <a:lnRef idx="2">
+            <a:schemeClr val="accent1"/>
+          </a:lnRef>
+          <a:fillRef idx="0">
+            <a:srgbClr val="FFFFFF"/>
+          </a:fillRef>
+          <a:effectRef idx="0">
+            <a:srgbClr val="FFFFFF"/>
+          </a:effectRef>
+          <a:fontRef idx="minor">
+            <a:schemeClr val="tx1"/>
+          </a:fontRef>
+        </p:style>
+      </p:cxnSp>
+      <p:sp>
+        <p:nvSpPr>
+          <p:cNvPr id="34" name="圆角矩形 33"/>
+          <p:cNvSpPr/>
+          <p:nvPr>
+            <p:custDataLst>
+              <p:tags r:id="rId23"/>
+            </p:custDataLst>
+          </p:nvPr>
+        </p:nvSpPr>
+        <p:spPr>
+          <a:xfrm>
+            <a:off x="6834505" y="3201035"/>
+            <a:ext cx="464820" cy="1151890"/>
+          </a:xfrm>
+          <a:prstGeom prst="roundRect">
+            <a:avLst/>
+          </a:prstGeom>
+          <a:noFill/>
+          <a:ln w="19050" cap="flat" cmpd="sng">
+            <a:solidFill>
+              <a:schemeClr val="accent6">
+                <a:lumMod val="60000"/>
+                <a:lumOff val="40000"/>
+              </a:schemeClr>
+            </a:solidFill>
+            <a:prstDash val="dash"/>
+            <a:miter lim="800000"/>
+          </a:ln>
+        </p:spPr>
+        <p:style>
+          <a:lnRef idx="2">
+            <a:schemeClr val="accent1"/>
+          </a:lnRef>
+          <a:fillRef idx="0">
+            <a:srgbClr val="FFFFFF"/>
+          </a:fillRef>
+          <a:effectRef idx="0">
+            <a:srgbClr val="FFFFFF"/>
+          </a:effectRef>
+          <a:fontRef idx="minor">
+            <a:schemeClr val="dk1"/>
+          </a:fontRef>
+        </p:style>
+        <p:txBody>
+          <a:bodyPr rtlCol="0" anchor="ctr"/>
+          <a:p>
+            <a:pPr algn="ctr"/>
+            <a:endParaRPr lang="zh-CN" altLang="en-US">
+              <a:gradFill>
+                <a:gsLst>
+                  <a:gs pos="0">
+                    <a:srgbClr val="FE4444"/>
+                  </a:gs>
+                  <a:gs pos="100000">
+                    <a:srgbClr val="832B2B"/>
+                  </a:gs>
+                </a:gsLst>
+                <a:lin ang="5400000" scaled="0"/>
+              </a:gradFill>
+            </a:endParaRPr>
+          </a:p>
+        </p:txBody>
+      </p:sp>
+      <p:grpSp>
+        <p:nvGrpSpPr>
+          <p:cNvPr id="51" name="组合 50"/>
+          <p:cNvGrpSpPr/>
+          <p:nvPr/>
+        </p:nvGrpSpPr>
+        <p:grpSpPr>
+          <a:xfrm>
+            <a:off x="7938135" y="3046095"/>
+            <a:ext cx="1327150" cy="473710"/>
+            <a:chOff x="12501" y="4797"/>
+            <a:chExt cx="2090" cy="746"/>
+          </a:xfrm>
+        </p:grpSpPr>
+        <p:sp>
+          <p:nvSpPr>
+            <p:cNvPr id="39" name="圆角矩形 38"/>
+            <p:cNvSpPr/>
+            <p:nvPr>
+              <p:custDataLst>
+                <p:tags r:id="rId24"/>
+              </p:custDataLst>
+            </p:nvPr>
+          </p:nvSpPr>
+          <p:spPr>
+            <a:xfrm>
+              <a:off x="12501" y="4797"/>
+              <a:ext cx="2091" cy="746"/>
+            </a:xfrm>
+            <a:prstGeom prst="roundRect">
+              <a:avLst/>
+            </a:prstGeom>
+            <a:solidFill>
+              <a:schemeClr val="accent2"/>
+            </a:solidFill>
+            <a:ln>
+              <a:solidFill>
+                <a:schemeClr val="accent2">
+                  <a:lumMod val="75000"/>
+                </a:schemeClr>
+              </a:solidFill>
+            </a:ln>
+          </p:spPr>
+          <p:style>
+            <a:lnRef idx="2">
+              <a:schemeClr val="accent1">
+                <a:lumMod val="75000"/>
+              </a:schemeClr>
+            </a:lnRef>
+            <a:fillRef idx="1">
+              <a:schemeClr val="accent1"/>
+            </a:fillRef>
+            <a:effectRef idx="0">
+              <a:srgbClr val="FFFFFF"/>
+            </a:effectRef>
+            <a:fontRef idx="minor">
+              <a:schemeClr val="lt1"/>
+            </a:fontRef>
+          </p:style>
+          <p:txBody>
+            <a:bodyPr rtlCol="0" anchor="ctr"/>
+            <a:p>
+              <a:pPr algn="ctr"/>
+              <a:endParaRPr lang="en-US" altLang="zh-CN"/>
+            </a:p>
+          </p:txBody>
+        </p:sp>
+        <mc:AlternateContent xmlns:mc="http://schemas.openxmlformats.org/markup-compatibility/2006">
+          <mc:Choice xmlns:a14="http://schemas.microsoft.com/office/drawing/2010/main" Requires="a14">
+            <p:sp>
+              <p:nvSpPr>
+                <p:cNvPr id="49" name="文本框 48"/>
+                <p:cNvSpPr txBox="1"/>
+                <p:nvPr/>
+              </p:nvSpPr>
+              <p:spPr>
+                <a:xfrm>
+                  <a:off x="12636" y="4880"/>
+                  <a:ext cx="1847" cy="581"/>
+                </a:xfrm>
+                <a:prstGeom prst="rect">
+                  <a:avLst/>
+                </a:prstGeom>
+                <a:noFill/>
+              </p:spPr>
+              <p:txBody>
+                <a:bodyPr wrap="none" rtlCol="0" anchor="t">
+                  <a:spAutoFit/>
+                </a:bodyPr>
+                <a:p>
+                  <a:pPr algn="l"/>
+                  <a14:m>
+                    <m:oMathPara xmlns:m="http://schemas.openxmlformats.org/officeDocument/2006/math">
+                      <m:oMathParaPr>
+                        <m:jc m:val="centerGroup"/>
+                      </m:oMathParaPr>
+                      <m:oMath xmlns:m="http://schemas.openxmlformats.org/officeDocument/2006/math">
+                        <m:sSub>
+                          <m:sSubPr>
+                            <m:ctrlPr>
+                              <a:rPr lang="en-US" altLang="zh-CN" i="1">
+                                <a:solidFill>
+                                  <a:schemeClr val="bg1"/>
+                                </a:solidFill>
+                                <a:latin typeface="DejaVu Math TeX Gyre" panose="02000503000000000000" charset="0"/>
+                                <a:cs typeface="DejaVu Math TeX Gyre" panose="02000503000000000000" charset="0"/>
+                              </a:rPr>
+                            </m:ctrlPr>
+                          </m:sSubPr>
+                          <m:e>
+                            <m:r>
+                              <a:rPr lang="en-US" altLang="zh-CN" i="1">
+                                <a:solidFill>
+                                  <a:schemeClr val="bg1"/>
+                                </a:solidFill>
+                                <a:latin typeface="DejaVu Math TeX Gyre" panose="02000503000000000000" charset="0"/>
+                                <a:cs typeface="DejaVu Math TeX Gyre" panose="02000503000000000000" charset="0"/>
+                              </a:rPr>
+                              <m:t>ℒ</m:t>
+                            </m:r>
+                          </m:e>
+                          <m:sub>
+                            <m:r>
+                              <a:rPr lang="en-US" altLang="zh-CN" i="1">
+                                <a:solidFill>
+                                  <a:schemeClr val="bg1"/>
+                                </a:solidFill>
+                                <a:latin typeface="DejaVu Math TeX Gyre" panose="02000503000000000000" charset="0"/>
+                                <a:cs typeface="DejaVu Math TeX Gyre" panose="02000503000000000000" charset="0"/>
+                              </a:rPr>
+                              <m:t>𝐷𝑎𝑡𝑎</m:t>
+                            </m:r>
+                          </m:sub>
+                        </m:sSub>
+                        <m:r>
+                          <a:rPr lang="en-US" altLang="zh-CN" i="1">
+                            <a:solidFill>
+                              <a:schemeClr val="bg1"/>
+                            </a:solidFill>
+                            <a:latin typeface="DejaVu Math TeX Gyre" panose="02000503000000000000" charset="0"/>
+                            <a:cs typeface="DejaVu Math TeX Gyre" panose="02000503000000000000" charset="0"/>
+                          </a:rPr>
+                          <m:t>(</m:t>
+                        </m:r>
+                        <m:r>
+                          <a:rPr lang="en-US" altLang="zh-CN" i="1">
+                            <a:solidFill>
+                              <a:schemeClr val="bg1"/>
+                            </a:solidFill>
+                            <a:latin typeface="DejaVu Math TeX Gyre" panose="02000503000000000000" charset="0"/>
+                            <a:cs typeface="DejaVu Math TeX Gyre" panose="02000503000000000000" charset="0"/>
+                          </a:rPr>
+                          <m:t>𝜃</m:t>
+                        </m:r>
+                        <m:r>
+                          <a:rPr lang="en-US" altLang="zh-CN" i="1">
+                            <a:solidFill>
+                              <a:schemeClr val="bg1"/>
+                            </a:solidFill>
+                            <a:latin typeface="DejaVu Math TeX Gyre" panose="02000503000000000000" charset="0"/>
+                            <a:ea typeface="宋体" charset="0"/>
+                            <a:cs typeface="DejaVu Math TeX Gyre" panose="02000503000000000000" charset="0"/>
+                          </a:rPr>
+                          <m:t>)</m:t>
+                        </m:r>
+                      </m:oMath>
+                    </m:oMathPara>
+                  </a14:m>
+                  <a:endParaRPr lang="en-US" altLang="zh-CN" i="1">
+                    <a:solidFill>
+                      <a:schemeClr val="bg1"/>
+                    </a:solidFill>
+                    <a:latin typeface="DejaVu Math TeX Gyre" panose="02000503000000000000" charset="0"/>
+                    <a:ea typeface="宋体" charset="0"/>
+                    <a:cs typeface="DejaVu Math TeX Gyre" panose="02000503000000000000" charset="0"/>
+                  </a:endParaRPr>
+                </a:p>
+              </p:txBody>
+            </p:sp>
+          </mc:Choice>
+          <mc:Fallback>
+            <p:sp>
+              <p:nvSpPr>
+                <p:cNvPr id="49" name="文本框 48"/>
+                <p:cNvSpPr txBox="1">
+                  <a:spLocks noRot="1" noChangeAspect="1" noMove="1" noResize="1" noEditPoints="1" noAdjustHandles="1" noChangeArrowheads="1" noChangeShapeType="1" noTextEdit="1"/>
+                </p:cNvSpPr>
+                <p:nvPr/>
+              </p:nvSpPr>
+              <p:spPr>
+                <a:xfrm>
+                  <a:off x="12636" y="4880"/>
+                  <a:ext cx="1847" cy="581"/>
+                </a:xfrm>
+                <a:prstGeom prst="rect">
+                  <a:avLst/>
+                </a:prstGeom>
+                <a:blipFill rotWithShape="1">
+                  <a:blip r:embed="rId25"/>
+                </a:blipFill>
+              </p:spPr>
+              <p:txBody>
+                <a:bodyPr/>
+                <a:lstStyle/>
+                <a:p>
+                  <a:r>
+                    <a:rPr lang="zh-CN" altLang="en-US">
+                      <a:noFill/>
+                    </a:rPr>
+                    <a:t> </a:t>
+                  </a:r>
+                </a:p>
+              </p:txBody>
+            </p:sp>
+          </mc:Fallback>
+        </mc:AlternateContent>
+      </p:grpSp>
+      <p:grpSp>
+        <p:nvGrpSpPr>
+          <p:cNvPr id="52" name="组合 51"/>
+          <p:cNvGrpSpPr/>
+          <p:nvPr/>
+        </p:nvGrpSpPr>
+        <p:grpSpPr>
+          <a:xfrm>
+            <a:off x="7898765" y="4026535"/>
+            <a:ext cx="1383030" cy="473710"/>
+            <a:chOff x="12416" y="6047"/>
+            <a:chExt cx="2178" cy="746"/>
+          </a:xfrm>
+        </p:grpSpPr>
+        <p:sp>
+          <p:nvSpPr>
+            <p:cNvPr id="45" name="圆角矩形 44"/>
+            <p:cNvSpPr/>
+            <p:nvPr>
+              <p:custDataLst>
+                <p:tags r:id="rId26"/>
+              </p:custDataLst>
+            </p:nvPr>
+          </p:nvSpPr>
+          <p:spPr>
+            <a:xfrm>
+              <a:off x="12504" y="6047"/>
+              <a:ext cx="2091" cy="746"/>
+            </a:xfrm>
+            <a:prstGeom prst="roundRect">
+              <a:avLst/>
+            </a:prstGeom>
+            <a:solidFill>
+              <a:schemeClr val="accent2"/>
+            </a:solidFill>
+            <a:ln>
+              <a:solidFill>
+                <a:schemeClr val="accent2">
+                  <a:lumMod val="75000"/>
+                </a:schemeClr>
+              </a:solidFill>
+            </a:ln>
+          </p:spPr>
+          <p:style>
+            <a:lnRef idx="2">
+              <a:schemeClr val="accent1">
+                <a:lumMod val="75000"/>
+              </a:schemeClr>
+            </a:lnRef>
+            <a:fillRef idx="1">
+              <a:schemeClr val="accent1"/>
+            </a:fillRef>
+            <a:effectRef idx="0">
+              <a:srgbClr val="FFFFFF"/>
+            </a:effectRef>
+            <a:fontRef idx="minor">
+              <a:schemeClr val="lt1"/>
+            </a:fontRef>
+          </p:style>
+          <p:txBody>
+            <a:bodyPr rtlCol="0" anchor="ctr"/>
+            <a:p>
+              <a:pPr algn="ctr"/>
+              <a:endParaRPr lang="en-US" altLang="zh-CN"/>
+            </a:p>
+          </p:txBody>
+        </p:sp>
+        <mc:AlternateContent xmlns:mc="http://schemas.openxmlformats.org/markup-compatibility/2006">
+          <mc:Choice xmlns:a14="http://schemas.microsoft.com/office/drawing/2010/main" Requires="a14">
+            <p:sp>
+              <p:nvSpPr>
+                <p:cNvPr id="50" name="文本框 49"/>
+                <p:cNvSpPr txBox="1"/>
+                <p:nvPr/>
+              </p:nvSpPr>
+              <p:spPr>
+                <a:xfrm>
+                  <a:off x="12416" y="6119"/>
+                  <a:ext cx="2117" cy="601"/>
+                </a:xfrm>
+                <a:prstGeom prst="rect">
+                  <a:avLst/>
+                </a:prstGeom>
+                <a:noFill/>
+              </p:spPr>
+              <p:txBody>
+                <a:bodyPr wrap="square" rtlCol="0" anchor="t">
+                  <a:spAutoFit/>
+                </a:bodyPr>
+                <a:p>
+                  <a:pPr algn="l"/>
+                  <a14:m>
+                    <m:oMathPara xmlns:m="http://schemas.openxmlformats.org/officeDocument/2006/math">
+                      <m:oMathParaPr>
+                        <m:jc m:val="centerGroup"/>
+                      </m:oMathParaPr>
+                      <m:oMath xmlns:m="http://schemas.openxmlformats.org/officeDocument/2006/math">
+                        <m:sSub>
+                          <m:sSubPr>
+                            <m:ctrlPr>
+                              <a:rPr lang="en-US" altLang="zh-CN" i="1">
+                                <a:solidFill>
+                                  <a:schemeClr val="bg1"/>
+                                </a:solidFill>
+                                <a:latin typeface="DejaVu Math TeX Gyre" panose="02000503000000000000" charset="0"/>
+                                <a:cs typeface="DejaVu Math TeX Gyre" panose="02000503000000000000" charset="0"/>
+                              </a:rPr>
+                            </m:ctrlPr>
+                          </m:sSubPr>
+                          <m:e>
+                            <m:r>
+                              <a:rPr lang="en-US" altLang="zh-CN" i="1">
+                                <a:solidFill>
+                                  <a:schemeClr val="bg1"/>
+                                </a:solidFill>
+                                <a:latin typeface="DejaVu Math TeX Gyre" panose="02000503000000000000" charset="0"/>
+                                <a:cs typeface="DejaVu Math TeX Gyre" panose="02000503000000000000" charset="0"/>
+                              </a:rPr>
+                              <m:t>ℒ</m:t>
+                            </m:r>
+                          </m:e>
+                          <m:sub>
+                            <m:r>
+                              <a:rPr lang="en-US" altLang="zh-CN" i="1">
+                                <a:solidFill>
+                                  <a:schemeClr val="bg1"/>
+                                </a:solidFill>
+                                <a:latin typeface="DejaVu Math TeX Gyre" panose="02000503000000000000" charset="0"/>
+                                <a:cs typeface="DejaVu Math TeX Gyre" panose="02000503000000000000" charset="0"/>
+                              </a:rPr>
+                              <m:t>𝑃ℎ𝑦𝑠𝑖𝑐𝑠</m:t>
+                            </m:r>
+                          </m:sub>
+                        </m:sSub>
+                        <m:r>
+                          <a:rPr lang="en-US" altLang="zh-CN" i="1">
+                            <a:solidFill>
+                              <a:schemeClr val="bg1"/>
+                            </a:solidFill>
+                            <a:latin typeface="DejaVu Math TeX Gyre" panose="02000503000000000000" charset="0"/>
+                            <a:cs typeface="DejaVu Math TeX Gyre" panose="02000503000000000000" charset="0"/>
+                          </a:rPr>
+                          <m:t>(</m:t>
+                        </m:r>
+                        <m:r>
+                          <a:rPr lang="en-US" altLang="zh-CN" i="1">
+                            <a:solidFill>
+                              <a:schemeClr val="bg1"/>
+                            </a:solidFill>
+                            <a:latin typeface="DejaVu Math TeX Gyre" panose="02000503000000000000" charset="0"/>
+                            <a:cs typeface="DejaVu Math TeX Gyre" panose="02000503000000000000" charset="0"/>
+                          </a:rPr>
+                          <m:t>𝜃</m:t>
+                        </m:r>
+                        <m:r>
+                          <a:rPr lang="en-US" altLang="zh-CN" i="1">
+                            <a:solidFill>
+                              <a:schemeClr val="bg1"/>
+                            </a:solidFill>
+                            <a:latin typeface="DejaVu Math TeX Gyre" panose="02000503000000000000" charset="0"/>
+                            <a:ea typeface="宋体" charset="0"/>
+                            <a:cs typeface="DejaVu Math TeX Gyre" panose="02000503000000000000" charset="0"/>
+                          </a:rPr>
+                          <m:t>)</m:t>
+                        </m:r>
+                      </m:oMath>
+                    </m:oMathPara>
+                  </a14:m>
+                  <a:endParaRPr lang="en-US" altLang="zh-CN" i="1">
+                    <a:solidFill>
+                      <a:schemeClr val="bg1"/>
+                    </a:solidFill>
+                    <a:latin typeface="DejaVu Math TeX Gyre" panose="02000503000000000000" charset="0"/>
+                    <a:ea typeface="宋体" charset="0"/>
+                    <a:cs typeface="DejaVu Math TeX Gyre" panose="02000503000000000000" charset="0"/>
+                  </a:endParaRPr>
+                </a:p>
+              </p:txBody>
+            </p:sp>
+          </mc:Choice>
+          <mc:Fallback>
+            <p:sp>
+              <p:nvSpPr>
+                <p:cNvPr id="50" name="文本框 49"/>
+                <p:cNvSpPr txBox="1">
+                  <a:spLocks noRot="1" noChangeAspect="1" noMove="1" noResize="1" noEditPoints="1" noAdjustHandles="1" noChangeArrowheads="1" noChangeShapeType="1" noTextEdit="1"/>
+                </p:cNvSpPr>
+                <p:nvPr/>
+              </p:nvSpPr>
+              <p:spPr>
+                <a:xfrm>
+                  <a:off x="12416" y="6119"/>
+                  <a:ext cx="2117" cy="601"/>
+                </a:xfrm>
+                <a:prstGeom prst="rect">
+                  <a:avLst/>
+                </a:prstGeom>
+                <a:blipFill rotWithShape="1">
+                  <a:blip r:embed="rId27"/>
+                </a:blipFill>
+              </p:spPr>
+              <p:txBody>
+                <a:bodyPr/>
+                <a:lstStyle/>
+                <a:p>
+                  <a:r>
+                    <a:rPr lang="zh-CN" altLang="en-US">
+                      <a:noFill/>
+                    </a:rPr>
+                    <a:t> </a:t>
+                  </a:r>
+                </a:p>
+              </p:txBody>
+            </p:sp>
+          </mc:Fallback>
+        </mc:AlternateContent>
+      </p:grpSp>
+      <p:sp>
+        <p:nvSpPr>
+          <p:cNvPr id="53" name="圆角矩形 52"/>
+          <p:cNvSpPr/>
+          <p:nvPr>
+            <p:custDataLst>
+              <p:tags r:id="rId28"/>
+            </p:custDataLst>
+          </p:nvPr>
+        </p:nvSpPr>
+        <p:spPr>
+          <a:xfrm>
+            <a:off x="7752080" y="1207770"/>
+            <a:ext cx="1667510" cy="4652010"/>
+          </a:xfrm>
+          <a:prstGeom prst="roundRect">
+            <a:avLst/>
+          </a:prstGeom>
+          <a:noFill/>
+          <a:ln w="19050" cap="flat" cmpd="sng">
+            <a:solidFill>
+              <a:schemeClr val="tx1"/>
+            </a:solidFill>
+            <a:prstDash val="dash"/>
+            <a:miter lim="800000"/>
+          </a:ln>
+        </p:spPr>
+        <p:style>
+          <a:lnRef idx="2">
+            <a:schemeClr val="accent1"/>
+          </a:lnRef>
+          <a:fillRef idx="0">
+            <a:srgbClr val="FFFFFF"/>
+          </a:fillRef>
+          <a:effectRef idx="0">
+            <a:srgbClr val="FFFFFF"/>
+          </a:effectRef>
+          <a:fontRef idx="minor">
+            <a:schemeClr val="dk1"/>
+          </a:fontRef>
+        </p:style>
+        <p:txBody>
+          <a:bodyPr rtlCol="0" anchor="ctr"/>
+          <a:p>
+            <a:pPr algn="ctr"/>
+            <a:endParaRPr lang="zh-CN" altLang="en-US">
+              <a:gradFill>
+                <a:gsLst>
+                  <a:gs pos="0">
+                    <a:srgbClr val="FE4444"/>
+                  </a:gs>
+                  <a:gs pos="100000">
+                    <a:srgbClr val="832B2B"/>
+                  </a:gs>
+                </a:gsLst>
+                <a:lin ang="5400000" scaled="0"/>
+              </a:gradFill>
+            </a:endParaRPr>
+          </a:p>
+        </p:txBody>
+      </p:sp>
+      <p:sp>
+        <p:nvSpPr>
+          <p:cNvPr id="54" name="文本框 53"/>
+          <p:cNvSpPr txBox="1"/>
+          <p:nvPr/>
+        </p:nvSpPr>
+        <p:spPr>
+          <a:xfrm>
+            <a:off x="7901940" y="1207770"/>
+            <a:ext cx="1328420" cy="368300"/>
+          </a:xfrm>
+          <a:prstGeom prst="rect">
+            <a:avLst/>
+          </a:prstGeom>
+          <a:noFill/>
+        </p:spPr>
+        <p:txBody>
+          <a:bodyPr wrap="square" rtlCol="0">
+            <a:spAutoFit/>
+          </a:bodyPr>
+          <a:p>
+            <a:pPr algn="ctr"/>
+            <a:r>
+              <a:rPr lang="en-US" altLang="zh-CN"/>
+              <a:t>Loss</a:t>
+            </a:r>
+            <a:endParaRPr lang="en-US" altLang="zh-CN"/>
+          </a:p>
+        </p:txBody>
+      </p:sp>
+      <p:sp>
+        <p:nvSpPr>
+          <p:cNvPr id="55" name="文本框 54"/>
+          <p:cNvSpPr txBox="1"/>
+          <p:nvPr/>
+        </p:nvSpPr>
+        <p:spPr>
+          <a:xfrm>
+            <a:off x="8030210" y="186690"/>
+            <a:ext cx="2011680" cy="368300"/>
+          </a:xfrm>
+          <a:prstGeom prst="rect">
+            <a:avLst/>
+          </a:prstGeom>
+          <a:noFill/>
+        </p:spPr>
+        <p:txBody>
+          <a:bodyPr wrap="none" rtlCol="0">
+            <a:spAutoFit/>
+          </a:bodyPr>
+          <a:p>
+            <a:r>
+              <a:rPr lang="zh-CN" altLang="en-US"/>
+              <a:t>多维输出算子</a:t>
+            </a:r>
+            <a:r>
+              <a:rPr lang="zh-CN" altLang="en-US"/>
+              <a:t>网络</a:t>
+            </a:r>
+            <a:endParaRPr lang="zh-CN" altLang="en-US"/>
+          </a:p>
+        </p:txBody>
+      </p:sp>
+    </p:spTree>
+  </p:cSld>
+  <p:clrMapOvr>
+    <a:masterClrMapping/>
+  </p:clrMapOvr>
+</p:sld>
+</file>
+
+<file path=ppt/slides/slide7.xml><?xml version="1.0" encoding="utf-8"?>
+<p:sld xmlns:a="http://schemas.openxmlformats.org/drawingml/2006/main" xmlns:r="http://schemas.openxmlformats.org/officeDocument/2006/relationships" xmlns:p="http://schemas.openxmlformats.org/presentationml/2006/main">
+  <p:cSld>
+    <p:spTree>
+      <p:nvGrpSpPr>
+        <p:cNvPr id="1" name=""/>
+        <p:cNvGrpSpPr/>
+        <p:nvPr/>
+      </p:nvGrpSpPr>
+      <p:grpSpPr>
+        <a:xfrm>
+          <a:off x="0" y="0"/>
+          <a:ext cx="0" cy="0"/>
+          <a:chOff x="0" y="0"/>
+          <a:chExt cx="0" cy="0"/>
+        </a:xfrm>
+      </p:grpSpPr>
+      <p:pic>
+        <p:nvPicPr>
+          <p:cNvPr id="4" name="图片 3"/>
+          <p:cNvPicPr>
+            <a:picLocks noChangeAspect="1"/>
+          </p:cNvPicPr>
+          <p:nvPr/>
+        </p:nvPicPr>
+        <p:blipFill>
+          <a:blip r:embed="rId1"/>
+          <a:stretch>
+            <a:fillRect/>
+          </a:stretch>
+        </p:blipFill>
+        <p:spPr>
+          <a:xfrm>
+            <a:off x="2360295" y="1741805"/>
+            <a:ext cx="3625850" cy="2611120"/>
+          </a:xfrm>
+          <a:prstGeom prst="rect">
+            <a:avLst/>
+          </a:prstGeom>
+        </p:spPr>
+      </p:pic>
+      <p:sp>
+        <p:nvSpPr>
+          <p:cNvPr id="3" name="圆角矩形 2"/>
+          <p:cNvSpPr/>
+          <p:nvPr/>
+        </p:nvSpPr>
+        <p:spPr>
+          <a:xfrm>
+            <a:off x="11035665" y="506730"/>
+            <a:ext cx="612140" cy="1588770"/>
+          </a:xfrm>
+          <a:prstGeom prst="roundRect">
+            <a:avLst/>
+          </a:prstGeom>
+          <a:noFill/>
+          <a:ln w="19050" cap="flat" cmpd="sng">
+            <a:solidFill>
+              <a:schemeClr val="tx1"/>
+            </a:solidFill>
+            <a:prstDash val="dash"/>
+            <a:miter lim="800000"/>
+          </a:ln>
+        </p:spPr>
+        <p:style>
+          <a:lnRef idx="2">
+            <a:schemeClr val="accent1"/>
+          </a:lnRef>
+          <a:fillRef idx="0">
+            <a:srgbClr val="FFFFFF"/>
+          </a:fillRef>
+          <a:effectRef idx="0">
+            <a:srgbClr val="FFFFFF"/>
+          </a:effectRef>
+          <a:fontRef idx="minor">
+            <a:schemeClr val="dk1"/>
+          </a:fontRef>
+        </p:style>
+        <p:txBody>
+          <a:bodyPr rtlCol="0" anchor="ctr"/>
+          <a:p>
+            <a:pPr algn="ctr"/>
+            <a:endParaRPr lang="zh-CN" altLang="en-US">
+              <a:gradFill>
+                <a:gsLst>
+                  <a:gs pos="0">
+                    <a:srgbClr val="FE4444"/>
+                  </a:gs>
+                  <a:gs pos="100000">
+                    <a:srgbClr val="832B2B"/>
+                  </a:gs>
+                </a:gsLst>
+                <a:lin ang="5400000" scaled="0"/>
+              </a:gradFill>
+            </a:endParaRPr>
+          </a:p>
+        </p:txBody>
+      </p:sp>
+      <p:sp>
+        <p:nvSpPr>
+          <p:cNvPr id="17" name="圆角矩形 16"/>
+          <p:cNvSpPr/>
+          <p:nvPr/>
+        </p:nvSpPr>
+        <p:spPr>
+          <a:xfrm>
+            <a:off x="222250" y="2468245"/>
+            <a:ext cx="1289685" cy="422910"/>
+          </a:xfrm>
+          <a:prstGeom prst="roundRect">
+            <a:avLst/>
+          </a:prstGeom>
+        </p:spPr>
+        <p:style>
+          <a:lnRef idx="2">
+            <a:schemeClr val="accent1">
+              <a:lumMod val="75000"/>
+            </a:schemeClr>
+          </a:lnRef>
+          <a:fillRef idx="1">
+            <a:schemeClr val="accent1"/>
+          </a:fillRef>
+          <a:effectRef idx="0">
+            <a:srgbClr val="FFFFFF"/>
+          </a:effectRef>
+          <a:fontRef idx="minor">
+            <a:schemeClr val="lt1"/>
+          </a:fontRef>
+        </p:style>
+        <p:txBody>
+          <a:bodyPr rtlCol="0" anchor="ctr"/>
+          <a:p>
+            <a:pPr algn="ctr"/>
+            <a:r>
+              <a:rPr lang="en-US" altLang="zh-CN"/>
+              <a:t>Parameter</a:t>
+            </a:r>
+            <a:endParaRPr lang="en-US" altLang="zh-CN"/>
+          </a:p>
+        </p:txBody>
+      </p:sp>
+      <p:sp>
+        <p:nvSpPr>
+          <p:cNvPr id="19" name="圆角矩形 18"/>
+          <p:cNvSpPr/>
+          <p:nvPr>
+            <p:custDataLst>
+              <p:tags r:id="rId2"/>
+            </p:custDataLst>
+          </p:nvPr>
+        </p:nvSpPr>
+        <p:spPr>
+          <a:xfrm>
+            <a:off x="2247265" y="2159635"/>
+            <a:ext cx="464820" cy="1027430"/>
+          </a:xfrm>
+          <a:prstGeom prst="roundRect">
+            <a:avLst/>
+          </a:prstGeom>
+          <a:noFill/>
+          <a:ln w="19050" cap="flat" cmpd="sng">
+            <a:solidFill>
+              <a:srgbClr val="FF0000"/>
+            </a:solidFill>
+            <a:prstDash val="dash"/>
+            <a:miter lim="800000"/>
+          </a:ln>
+        </p:spPr>
+        <p:style>
+          <a:lnRef idx="2">
+            <a:schemeClr val="accent1"/>
+          </a:lnRef>
+          <a:fillRef idx="0">
+            <a:srgbClr val="FFFFFF"/>
+          </a:fillRef>
+          <a:effectRef idx="0">
+            <a:srgbClr val="FFFFFF"/>
+          </a:effectRef>
+          <a:fontRef idx="minor">
+            <a:schemeClr val="dk1"/>
+          </a:fontRef>
+        </p:style>
+        <p:txBody>
+          <a:bodyPr rtlCol="0" anchor="ctr"/>
+          <a:p>
+            <a:pPr algn="ctr"/>
+            <a:endParaRPr lang="zh-CN" altLang="en-US">
+              <a:gradFill>
+                <a:gsLst>
+                  <a:gs pos="0">
+                    <a:srgbClr val="FE4444"/>
+                  </a:gs>
+                  <a:gs pos="100000">
+                    <a:srgbClr val="832B2B"/>
+                  </a:gs>
+                </a:gsLst>
+                <a:lin ang="5400000" scaled="0"/>
+              </a:gradFill>
+            </a:endParaRPr>
+          </a:p>
+        </p:txBody>
+      </p:sp>
+      <p:sp>
+        <p:nvSpPr>
+          <p:cNvPr id="21" name="圆角矩形 20"/>
+          <p:cNvSpPr/>
+          <p:nvPr>
+            <p:custDataLst>
+              <p:tags r:id="rId3"/>
+            </p:custDataLst>
+          </p:nvPr>
+        </p:nvSpPr>
+        <p:spPr>
+          <a:xfrm>
+            <a:off x="2247265" y="3244215"/>
+            <a:ext cx="464820" cy="685165"/>
+          </a:xfrm>
+          <a:prstGeom prst="roundRect">
+            <a:avLst/>
+          </a:prstGeom>
+          <a:noFill/>
+          <a:ln w="19050" cap="flat" cmpd="sng">
+            <a:solidFill>
+              <a:srgbClr val="FF0000"/>
+            </a:solidFill>
+            <a:prstDash val="dash"/>
+            <a:miter lim="800000"/>
+          </a:ln>
+        </p:spPr>
+        <p:style>
+          <a:lnRef idx="2">
+            <a:schemeClr val="accent1"/>
+          </a:lnRef>
+          <a:fillRef idx="0">
+            <a:srgbClr val="FFFFFF"/>
+          </a:fillRef>
+          <a:effectRef idx="0">
+            <a:srgbClr val="FFFFFF"/>
+          </a:effectRef>
+          <a:fontRef idx="minor">
+            <a:schemeClr val="dk1"/>
+          </a:fontRef>
+        </p:style>
+        <p:txBody>
+          <a:bodyPr rtlCol="0" anchor="ctr"/>
+          <a:p>
+            <a:pPr algn="ctr"/>
+            <a:endParaRPr lang="zh-CN" altLang="en-US">
+              <a:gradFill>
+                <a:gsLst>
+                  <a:gs pos="0">
+                    <a:srgbClr val="FE4444"/>
+                  </a:gs>
+                  <a:gs pos="100000">
+                    <a:srgbClr val="832B2B"/>
+                  </a:gs>
+                </a:gsLst>
+                <a:lin ang="5400000" scaled="0"/>
+              </a:gradFill>
+            </a:endParaRPr>
+          </a:p>
+        </p:txBody>
+      </p:sp>
+      <p:sp>
+        <p:nvSpPr>
+          <p:cNvPr id="23" name="圆角矩形 22"/>
+          <p:cNvSpPr/>
+          <p:nvPr>
+            <p:custDataLst>
+              <p:tags r:id="rId4"/>
+            </p:custDataLst>
+          </p:nvPr>
+        </p:nvSpPr>
+        <p:spPr>
+          <a:xfrm>
+            <a:off x="184150" y="3354705"/>
+            <a:ext cx="1327785" cy="473710"/>
+          </a:xfrm>
+          <a:prstGeom prst="roundRect">
+            <a:avLst/>
+          </a:prstGeom>
+        </p:spPr>
+        <p:style>
+          <a:lnRef idx="2">
+            <a:schemeClr val="accent1">
+              <a:lumMod val="75000"/>
+            </a:schemeClr>
+          </a:lnRef>
+          <a:fillRef idx="1">
+            <a:schemeClr val="accent1"/>
+          </a:fillRef>
+          <a:effectRef idx="0">
+            <a:srgbClr val="FFFFFF"/>
+          </a:effectRef>
+          <a:fontRef idx="minor">
+            <a:schemeClr val="lt1"/>
+          </a:fontRef>
+        </p:style>
+        <p:txBody>
+          <a:bodyPr rtlCol="0" anchor="ctr"/>
+          <a:p>
+            <a:pPr algn="ctr"/>
+            <a:r>
+              <a:rPr lang="en-US" altLang="zh-CN"/>
+              <a:t>Point</a:t>
+            </a:r>
+            <a:endParaRPr lang="en-US" altLang="zh-CN"/>
+          </a:p>
+        </p:txBody>
+      </p:sp>
+      <p:cxnSp>
+        <p:nvCxnSpPr>
+          <p:cNvPr id="27" name="直接箭头连接符 26"/>
+          <p:cNvCxnSpPr>
+            <a:stCxn id="17" idx="3"/>
+            <a:endCxn id="19" idx="1"/>
+          </p:cNvCxnSpPr>
+          <p:nvPr>
+            <p:custDataLst>
+              <p:tags r:id="rId5"/>
+            </p:custDataLst>
+          </p:nvPr>
+        </p:nvCxnSpPr>
+        <p:spPr>
+          <a:xfrm flipV="1">
+            <a:off x="1511935" y="2673350"/>
+            <a:ext cx="735330" cy="6350"/>
+          </a:xfrm>
+          <a:prstGeom prst="straightConnector1">
+            <a:avLst/>
+          </a:prstGeom>
+          <a:ln w="28575" cmpd="sng">
+            <a:solidFill>
+              <a:schemeClr val="accent1"/>
+            </a:solidFill>
+            <a:prstDash val="solid"/>
+            <a:tailEnd type="triangle" w="lg" len="lg"/>
+          </a:ln>
+        </p:spPr>
+        <p:style>
+          <a:lnRef idx="2">
+            <a:schemeClr val="accent1"/>
+          </a:lnRef>
+          <a:fillRef idx="0">
+            <a:srgbClr val="FFFFFF"/>
+          </a:fillRef>
+          <a:effectRef idx="0">
+            <a:srgbClr val="FFFFFF"/>
+          </a:effectRef>
+          <a:fontRef idx="minor">
+            <a:schemeClr val="tx1"/>
+          </a:fontRef>
+        </p:style>
+      </p:cxnSp>
+      <p:cxnSp>
+        <p:nvCxnSpPr>
+          <p:cNvPr id="29" name="直接箭头连接符 28"/>
+          <p:cNvCxnSpPr>
+            <a:stCxn id="23" idx="3"/>
+            <a:endCxn id="21" idx="1"/>
+          </p:cNvCxnSpPr>
+          <p:nvPr>
+            <p:custDataLst>
+              <p:tags r:id="rId6"/>
+            </p:custDataLst>
+          </p:nvPr>
+        </p:nvCxnSpPr>
+        <p:spPr>
+          <a:xfrm flipV="1">
+            <a:off x="1511935" y="3587115"/>
+            <a:ext cx="735330" cy="4445"/>
+          </a:xfrm>
+          <a:prstGeom prst="straightConnector1">
+            <a:avLst/>
+          </a:prstGeom>
+          <a:ln w="28575" cmpd="sng">
+            <a:solidFill>
+              <a:schemeClr val="accent1"/>
+            </a:solidFill>
+            <a:prstDash val="solid"/>
+            <a:tailEnd type="triangle" w="lg" len="lg"/>
+          </a:ln>
+        </p:spPr>
+        <p:style>
+          <a:lnRef idx="2">
+            <a:schemeClr val="accent1"/>
+          </a:lnRef>
+          <a:fillRef idx="0">
+            <a:srgbClr val="FFFFFF"/>
+          </a:fillRef>
+          <a:effectRef idx="0">
+            <a:srgbClr val="FFFFFF"/>
+          </a:effectRef>
+          <a:fontRef idx="minor">
+            <a:schemeClr val="tx1"/>
+          </a:fontRef>
+        </p:style>
+      </p:cxnSp>
+      <p:cxnSp>
+        <p:nvCxnSpPr>
+          <p:cNvPr id="38" name="直接箭头连接符 37"/>
+          <p:cNvCxnSpPr>
+            <a:stCxn id="34" idx="3"/>
+          </p:cNvCxnSpPr>
+          <p:nvPr>
+            <p:custDataLst>
+              <p:tags r:id="rId7"/>
+            </p:custDataLst>
+          </p:nvPr>
+        </p:nvCxnSpPr>
+        <p:spPr>
+          <a:xfrm>
+            <a:off x="6148705" y="3067050"/>
+            <a:ext cx="599440" cy="486410"/>
+          </a:xfrm>
+          <a:prstGeom prst="straightConnector1">
+            <a:avLst/>
+          </a:prstGeom>
+          <a:ln w="28575" cmpd="sng">
+            <a:solidFill>
+              <a:schemeClr val="accent2">
+                <a:lumMod val="75000"/>
+              </a:schemeClr>
+            </a:solidFill>
+            <a:prstDash val="solid"/>
+            <a:tailEnd type="triangle" w="lg" len="lg"/>
+          </a:ln>
+        </p:spPr>
+        <p:style>
+          <a:lnRef idx="2">
+            <a:schemeClr val="accent1"/>
+          </a:lnRef>
+          <a:fillRef idx="0">
+            <a:srgbClr val="FFFFFF"/>
+          </a:fillRef>
+          <a:effectRef idx="0">
+            <a:srgbClr val="FFFFFF"/>
+          </a:effectRef>
+          <a:fontRef idx="minor">
+            <a:schemeClr val="tx1"/>
+          </a:fontRef>
+        </p:style>
+      </p:cxnSp>
+      <p:cxnSp>
+        <p:nvCxnSpPr>
+          <p:cNvPr id="40" name="直接箭头连接符 39"/>
+          <p:cNvCxnSpPr>
+            <a:stCxn id="34" idx="3"/>
+          </p:cNvCxnSpPr>
+          <p:nvPr>
+            <p:custDataLst>
+              <p:tags r:id="rId8"/>
+            </p:custDataLst>
+          </p:nvPr>
+        </p:nvCxnSpPr>
+        <p:spPr>
+          <a:xfrm flipV="1">
+            <a:off x="6148705" y="2573020"/>
+            <a:ext cx="638810" cy="494030"/>
+          </a:xfrm>
+          <a:prstGeom prst="straightConnector1">
+            <a:avLst/>
+          </a:prstGeom>
+          <a:ln w="28575" cmpd="sng">
+            <a:solidFill>
+              <a:schemeClr val="accent2">
+                <a:lumMod val="75000"/>
+              </a:schemeClr>
+            </a:solidFill>
+            <a:prstDash val="solid"/>
+            <a:tailEnd type="triangle" w="lg" len="lg"/>
+          </a:ln>
+        </p:spPr>
+        <p:style>
+          <a:lnRef idx="2">
+            <a:schemeClr val="accent1"/>
+          </a:lnRef>
+          <a:fillRef idx="0">
+            <a:srgbClr val="FFFFFF"/>
+          </a:fillRef>
+          <a:effectRef idx="0">
+            <a:srgbClr val="FFFFFF"/>
+          </a:effectRef>
+          <a:fontRef idx="minor">
+            <a:schemeClr val="tx1"/>
+          </a:fontRef>
+        </p:style>
+      </p:cxnSp>
+      <p:sp>
+        <p:nvSpPr>
+          <p:cNvPr id="41" name="圆角矩形 40"/>
+          <p:cNvSpPr/>
+          <p:nvPr>
+            <p:custDataLst>
+              <p:tags r:id="rId9"/>
+            </p:custDataLst>
+          </p:nvPr>
+        </p:nvSpPr>
+        <p:spPr>
+          <a:xfrm>
+            <a:off x="1848485" y="1207770"/>
+            <a:ext cx="4490720" cy="3359785"/>
+          </a:xfrm>
+          <a:prstGeom prst="roundRect">
+            <a:avLst/>
+          </a:prstGeom>
+          <a:noFill/>
+          <a:ln w="19050" cap="flat" cmpd="sng">
+            <a:solidFill>
+              <a:srgbClr val="00B0F0"/>
+            </a:solidFill>
+            <a:prstDash val="dash"/>
+            <a:miter lim="800000"/>
+          </a:ln>
+        </p:spPr>
+        <p:style>
+          <a:lnRef idx="2">
+            <a:schemeClr val="accent1"/>
+          </a:lnRef>
+          <a:fillRef idx="0">
+            <a:srgbClr val="FFFFFF"/>
+          </a:fillRef>
+          <a:effectRef idx="0">
+            <a:srgbClr val="FFFFFF"/>
+          </a:effectRef>
+          <a:fontRef idx="minor">
+            <a:schemeClr val="dk1"/>
+          </a:fontRef>
+        </p:style>
+        <p:txBody>
+          <a:bodyPr rtlCol="0" anchor="ctr"/>
+          <a:p>
+            <a:pPr algn="ctr"/>
+            <a:endParaRPr lang="zh-CN" altLang="en-US">
+              <a:gradFill>
+                <a:gsLst>
+                  <a:gs pos="0">
+                    <a:srgbClr val="FE4444"/>
+                  </a:gs>
+                  <a:gs pos="100000">
+                    <a:srgbClr val="832B2B"/>
+                  </a:gs>
+                </a:gsLst>
+                <a:lin ang="5400000" scaled="0"/>
+              </a:gradFill>
+            </a:endParaRPr>
+          </a:p>
+        </p:txBody>
+      </p:sp>
+      <p:sp>
+        <p:nvSpPr>
+          <p:cNvPr id="42" name="文本框 41"/>
+          <p:cNvSpPr txBox="1"/>
+          <p:nvPr/>
+        </p:nvSpPr>
+        <p:spPr>
+          <a:xfrm>
+            <a:off x="3146425" y="1207135"/>
+            <a:ext cx="1478280" cy="368300"/>
+          </a:xfrm>
+          <a:prstGeom prst="rect">
+            <a:avLst/>
+          </a:prstGeom>
+          <a:noFill/>
+        </p:spPr>
+        <p:txBody>
+          <a:bodyPr wrap="square" rtlCol="0">
+            <a:spAutoFit/>
+          </a:bodyPr>
+          <a:p>
+            <a:pPr algn="ctr"/>
+            <a:r>
+              <a:rPr lang="en-US" altLang="zh-CN"/>
+              <a:t>DNN</a:t>
+            </a:r>
+            <a:endParaRPr lang="en-US" altLang="zh-CN"/>
+          </a:p>
+        </p:txBody>
+      </p:sp>
+      <p:sp>
+        <p:nvSpPr>
+          <p:cNvPr id="34" name="圆角矩形 33"/>
+          <p:cNvSpPr/>
+          <p:nvPr>
+            <p:custDataLst>
+              <p:tags r:id="rId10"/>
+            </p:custDataLst>
+          </p:nvPr>
+        </p:nvSpPr>
+        <p:spPr>
+          <a:xfrm>
+            <a:off x="5683885" y="2654300"/>
+            <a:ext cx="464820" cy="825500"/>
+          </a:xfrm>
+          <a:prstGeom prst="roundRect">
+            <a:avLst/>
+          </a:prstGeom>
+          <a:noFill/>
+          <a:ln w="19050" cap="flat" cmpd="sng">
+            <a:solidFill>
+              <a:schemeClr val="accent5">
+                <a:lumMod val="75000"/>
+              </a:schemeClr>
+            </a:solidFill>
+            <a:prstDash val="dash"/>
+            <a:miter lim="800000"/>
+          </a:ln>
+        </p:spPr>
+        <p:style>
+          <a:lnRef idx="2">
+            <a:schemeClr val="accent1"/>
+          </a:lnRef>
+          <a:fillRef idx="0">
+            <a:srgbClr val="FFFFFF"/>
+          </a:fillRef>
+          <a:effectRef idx="0">
+            <a:srgbClr val="FFFFFF"/>
+          </a:effectRef>
+          <a:fontRef idx="minor">
+            <a:schemeClr val="dk1"/>
+          </a:fontRef>
+        </p:style>
+        <p:txBody>
+          <a:bodyPr rtlCol="0" anchor="ctr"/>
+          <a:p>
+            <a:pPr algn="ctr"/>
+            <a:endParaRPr lang="zh-CN" altLang="en-US">
+              <a:gradFill>
+                <a:gsLst>
+                  <a:gs pos="0">
+                    <a:srgbClr val="FE4444"/>
+                  </a:gs>
+                  <a:gs pos="100000">
+                    <a:srgbClr val="832B2B"/>
+                  </a:gs>
+                </a:gsLst>
+                <a:lin ang="5400000" scaled="0"/>
+              </a:gradFill>
+            </a:endParaRPr>
+          </a:p>
+        </p:txBody>
+      </p:sp>
+      <p:grpSp>
+        <p:nvGrpSpPr>
+          <p:cNvPr id="51" name="组合 50"/>
+          <p:cNvGrpSpPr/>
+          <p:nvPr/>
+        </p:nvGrpSpPr>
+        <p:grpSpPr>
+          <a:xfrm>
+            <a:off x="6787515" y="2499360"/>
+            <a:ext cx="1327150" cy="473710"/>
+            <a:chOff x="12501" y="4797"/>
+            <a:chExt cx="2090" cy="746"/>
+          </a:xfrm>
+        </p:grpSpPr>
+        <p:sp>
+          <p:nvSpPr>
+            <p:cNvPr id="39" name="圆角矩形 38"/>
+            <p:cNvSpPr/>
+            <p:nvPr>
+              <p:custDataLst>
+                <p:tags r:id="rId11"/>
+              </p:custDataLst>
+            </p:nvPr>
+          </p:nvSpPr>
+          <p:spPr>
+            <a:xfrm>
+              <a:off x="12501" y="4797"/>
+              <a:ext cx="2091" cy="746"/>
+            </a:xfrm>
+            <a:prstGeom prst="roundRect">
+              <a:avLst/>
+            </a:prstGeom>
+            <a:solidFill>
+              <a:schemeClr val="accent2"/>
+            </a:solidFill>
+            <a:ln>
+              <a:solidFill>
+                <a:schemeClr val="accent2">
+                  <a:lumMod val="75000"/>
+                </a:schemeClr>
+              </a:solidFill>
+            </a:ln>
+          </p:spPr>
+          <p:style>
+            <a:lnRef idx="2">
+              <a:schemeClr val="accent1">
+                <a:lumMod val="75000"/>
+              </a:schemeClr>
+            </a:lnRef>
+            <a:fillRef idx="1">
+              <a:schemeClr val="accent1"/>
+            </a:fillRef>
+            <a:effectRef idx="0">
+              <a:srgbClr val="FFFFFF"/>
+            </a:effectRef>
+            <a:fontRef idx="minor">
+              <a:schemeClr val="lt1"/>
+            </a:fontRef>
+          </p:style>
+          <p:txBody>
+            <a:bodyPr rtlCol="0" anchor="ctr"/>
+            <a:p>
+              <a:pPr algn="ctr"/>
+              <a:endParaRPr lang="en-US" altLang="zh-CN"/>
+            </a:p>
+          </p:txBody>
+        </p:sp>
+        <mc:AlternateContent xmlns:mc="http://schemas.openxmlformats.org/markup-compatibility/2006">
+          <mc:Choice xmlns:a14="http://schemas.microsoft.com/office/drawing/2010/main" Requires="a14">
+            <p:sp>
+              <p:nvSpPr>
+                <p:cNvPr id="49" name="文本框 48"/>
+                <p:cNvSpPr txBox="1"/>
+                <p:nvPr/>
+              </p:nvSpPr>
+              <p:spPr>
+                <a:xfrm>
+                  <a:off x="12636" y="4880"/>
+                  <a:ext cx="1847" cy="581"/>
+                </a:xfrm>
+                <a:prstGeom prst="rect">
+                  <a:avLst/>
+                </a:prstGeom>
+                <a:noFill/>
+              </p:spPr>
+              <p:txBody>
+                <a:bodyPr wrap="none" rtlCol="0" anchor="t">
+                  <a:spAutoFit/>
+                </a:bodyPr>
+                <a:p>
+                  <a:pPr algn="l"/>
+                  <a14:m>
+                    <m:oMathPara xmlns:m="http://schemas.openxmlformats.org/officeDocument/2006/math">
+                      <m:oMathParaPr>
+                        <m:jc m:val="centerGroup"/>
+                      </m:oMathParaPr>
+                      <m:oMath xmlns:m="http://schemas.openxmlformats.org/officeDocument/2006/math">
+                        <m:sSub>
+                          <m:sSubPr>
+                            <m:ctrlPr>
+                              <a:rPr lang="en-US" altLang="zh-CN" i="1">
+                                <a:solidFill>
+                                  <a:schemeClr val="bg1"/>
+                                </a:solidFill>
+                                <a:latin typeface="DejaVu Math TeX Gyre" panose="02000503000000000000" charset="0"/>
+                                <a:cs typeface="DejaVu Math TeX Gyre" panose="02000503000000000000" charset="0"/>
+                              </a:rPr>
+                            </m:ctrlPr>
+                          </m:sSubPr>
+                          <m:e>
+                            <m:r>
+                              <a:rPr lang="en-US" altLang="zh-CN" i="1">
+                                <a:solidFill>
+                                  <a:schemeClr val="bg1"/>
+                                </a:solidFill>
+                                <a:latin typeface="DejaVu Math TeX Gyre" panose="02000503000000000000" charset="0"/>
+                                <a:cs typeface="DejaVu Math TeX Gyre" panose="02000503000000000000" charset="0"/>
+                              </a:rPr>
+                              <m:t>ℒ</m:t>
+                            </m:r>
+                          </m:e>
+                          <m:sub>
+                            <m:r>
+                              <a:rPr lang="en-US" altLang="zh-CN" i="1">
+                                <a:solidFill>
+                                  <a:schemeClr val="bg1"/>
+                                </a:solidFill>
+                                <a:latin typeface="DejaVu Math TeX Gyre" panose="02000503000000000000" charset="0"/>
+                                <a:cs typeface="DejaVu Math TeX Gyre" panose="02000503000000000000" charset="0"/>
+                              </a:rPr>
+                              <m:t>𝐷𝑎𝑡𝑎</m:t>
+                            </m:r>
+                          </m:sub>
+                        </m:sSub>
+                        <m:r>
+                          <a:rPr lang="en-US" altLang="zh-CN" i="1">
+                            <a:solidFill>
+                              <a:schemeClr val="bg1"/>
+                            </a:solidFill>
+                            <a:latin typeface="DejaVu Math TeX Gyre" panose="02000503000000000000" charset="0"/>
+                            <a:cs typeface="DejaVu Math TeX Gyre" panose="02000503000000000000" charset="0"/>
+                          </a:rPr>
+                          <m:t>(</m:t>
+                        </m:r>
+                        <m:r>
+                          <a:rPr lang="en-US" altLang="zh-CN" i="1">
+                            <a:solidFill>
+                              <a:schemeClr val="bg1"/>
+                            </a:solidFill>
+                            <a:latin typeface="DejaVu Math TeX Gyre" panose="02000503000000000000" charset="0"/>
+                            <a:cs typeface="DejaVu Math TeX Gyre" panose="02000503000000000000" charset="0"/>
+                          </a:rPr>
+                          <m:t>𝜃</m:t>
+                        </m:r>
+                        <m:r>
+                          <a:rPr lang="en-US" altLang="zh-CN" i="1">
+                            <a:solidFill>
+                              <a:schemeClr val="bg1"/>
+                            </a:solidFill>
+                            <a:latin typeface="DejaVu Math TeX Gyre" panose="02000503000000000000" charset="0"/>
+                            <a:ea typeface="宋体" charset="0"/>
+                            <a:cs typeface="DejaVu Math TeX Gyre" panose="02000503000000000000" charset="0"/>
+                          </a:rPr>
+                          <m:t>)</m:t>
+                        </m:r>
+                      </m:oMath>
+                    </m:oMathPara>
+                  </a14:m>
+                  <a:endParaRPr lang="en-US" altLang="zh-CN" i="1">
+                    <a:solidFill>
+                      <a:schemeClr val="bg1"/>
+                    </a:solidFill>
+                    <a:latin typeface="DejaVu Math TeX Gyre" panose="02000503000000000000" charset="0"/>
+                    <a:ea typeface="宋体" charset="0"/>
+                    <a:cs typeface="DejaVu Math TeX Gyre" panose="02000503000000000000" charset="0"/>
+                  </a:endParaRPr>
+                </a:p>
+              </p:txBody>
+            </p:sp>
+          </mc:Choice>
+          <mc:Fallback>
+            <p:sp>
+              <p:nvSpPr>
+                <p:cNvPr id="49" name="文本框 48"/>
+                <p:cNvSpPr txBox="1">
+                  <a:spLocks noRot="1" noChangeAspect="1" noMove="1" noResize="1" noEditPoints="1" noAdjustHandles="1" noChangeArrowheads="1" noChangeShapeType="1" noTextEdit="1"/>
+                </p:cNvSpPr>
+                <p:nvPr/>
+              </p:nvSpPr>
+              <p:spPr>
+                <a:xfrm>
+                  <a:off x="12636" y="4880"/>
+                  <a:ext cx="1847" cy="581"/>
+                </a:xfrm>
+                <a:prstGeom prst="rect">
+                  <a:avLst/>
+                </a:prstGeom>
+                <a:blipFill rotWithShape="1">
+                  <a:blip r:embed="rId12"/>
+                </a:blipFill>
+              </p:spPr>
+              <p:txBody>
+                <a:bodyPr/>
+                <a:lstStyle/>
+                <a:p>
+                  <a:r>
+                    <a:rPr lang="zh-CN" altLang="en-US">
+                      <a:noFill/>
+                    </a:rPr>
+                    <a:t> </a:t>
+                  </a:r>
+                </a:p>
+              </p:txBody>
+            </p:sp>
+          </mc:Fallback>
+        </mc:AlternateContent>
+      </p:grpSp>
+      <p:grpSp>
+        <p:nvGrpSpPr>
+          <p:cNvPr id="52" name="组合 51"/>
+          <p:cNvGrpSpPr/>
+          <p:nvPr/>
+        </p:nvGrpSpPr>
+        <p:grpSpPr>
+          <a:xfrm>
+            <a:off x="6729095" y="3416300"/>
+            <a:ext cx="1383030" cy="473710"/>
+            <a:chOff x="12416" y="6047"/>
+            <a:chExt cx="2178" cy="746"/>
+          </a:xfrm>
+        </p:grpSpPr>
+        <p:sp>
+          <p:nvSpPr>
+            <p:cNvPr id="45" name="圆角矩形 44"/>
+            <p:cNvSpPr/>
+            <p:nvPr>
+              <p:custDataLst>
+                <p:tags r:id="rId13"/>
+              </p:custDataLst>
+            </p:nvPr>
+          </p:nvSpPr>
+          <p:spPr>
+            <a:xfrm>
+              <a:off x="12504" y="6047"/>
+              <a:ext cx="2091" cy="746"/>
+            </a:xfrm>
+            <a:prstGeom prst="roundRect">
+              <a:avLst/>
+            </a:prstGeom>
+            <a:solidFill>
+              <a:schemeClr val="accent2"/>
+            </a:solidFill>
+            <a:ln>
+              <a:solidFill>
+                <a:schemeClr val="accent2">
+                  <a:lumMod val="75000"/>
+                </a:schemeClr>
+              </a:solidFill>
+            </a:ln>
+          </p:spPr>
+          <p:style>
+            <a:lnRef idx="2">
+              <a:schemeClr val="accent1">
+                <a:lumMod val="75000"/>
+              </a:schemeClr>
+            </a:lnRef>
+            <a:fillRef idx="1">
+              <a:schemeClr val="accent1"/>
+            </a:fillRef>
+            <a:effectRef idx="0">
+              <a:srgbClr val="FFFFFF"/>
+            </a:effectRef>
+            <a:fontRef idx="minor">
+              <a:schemeClr val="lt1"/>
+            </a:fontRef>
+          </p:style>
+          <p:txBody>
+            <a:bodyPr rtlCol="0" anchor="ctr"/>
+            <a:p>
+              <a:pPr algn="ctr"/>
+              <a:endParaRPr lang="en-US" altLang="zh-CN"/>
+            </a:p>
+          </p:txBody>
+        </p:sp>
+        <mc:AlternateContent xmlns:mc="http://schemas.openxmlformats.org/markup-compatibility/2006">
+          <mc:Choice xmlns:a14="http://schemas.microsoft.com/office/drawing/2010/main" Requires="a14">
+            <p:sp>
+              <p:nvSpPr>
+                <p:cNvPr id="50" name="文本框 49"/>
+                <p:cNvSpPr txBox="1"/>
+                <p:nvPr/>
+              </p:nvSpPr>
+              <p:spPr>
+                <a:xfrm>
+                  <a:off x="12416" y="6119"/>
+                  <a:ext cx="2117" cy="601"/>
+                </a:xfrm>
+                <a:prstGeom prst="rect">
+                  <a:avLst/>
+                </a:prstGeom>
+                <a:noFill/>
+              </p:spPr>
+              <p:txBody>
+                <a:bodyPr wrap="square" rtlCol="0" anchor="t">
+                  <a:spAutoFit/>
+                </a:bodyPr>
+                <a:p>
+                  <a:pPr algn="l"/>
+                  <a14:m>
+                    <m:oMathPara xmlns:m="http://schemas.openxmlformats.org/officeDocument/2006/math">
+                      <m:oMathParaPr>
+                        <m:jc m:val="centerGroup"/>
+                      </m:oMathParaPr>
+                      <m:oMath xmlns:m="http://schemas.openxmlformats.org/officeDocument/2006/math">
+                        <m:sSub>
+                          <m:sSubPr>
+                            <m:ctrlPr>
+                              <a:rPr lang="en-US" altLang="zh-CN" i="1">
+                                <a:solidFill>
+                                  <a:schemeClr val="bg1"/>
+                                </a:solidFill>
+                                <a:latin typeface="DejaVu Math TeX Gyre" panose="02000503000000000000" charset="0"/>
+                                <a:cs typeface="DejaVu Math TeX Gyre" panose="02000503000000000000" charset="0"/>
+                              </a:rPr>
+                            </m:ctrlPr>
+                          </m:sSubPr>
+                          <m:e>
+                            <m:r>
+                              <a:rPr lang="en-US" altLang="zh-CN" i="1">
+                                <a:solidFill>
+                                  <a:schemeClr val="bg1"/>
+                                </a:solidFill>
+                                <a:latin typeface="DejaVu Math TeX Gyre" panose="02000503000000000000" charset="0"/>
+                                <a:cs typeface="DejaVu Math TeX Gyre" panose="02000503000000000000" charset="0"/>
+                              </a:rPr>
+                              <m:t>ℒ</m:t>
+                            </m:r>
+                          </m:e>
+                          <m:sub>
+                            <m:r>
+                              <a:rPr lang="en-US" altLang="zh-CN" i="1">
+                                <a:solidFill>
+                                  <a:schemeClr val="bg1"/>
+                                </a:solidFill>
+                                <a:latin typeface="DejaVu Math TeX Gyre" panose="02000503000000000000" charset="0"/>
+                                <a:cs typeface="DejaVu Math TeX Gyre" panose="02000503000000000000" charset="0"/>
+                              </a:rPr>
+                              <m:t>𝑃ℎ𝑦𝑠𝑖𝑐𝑠</m:t>
+                            </m:r>
+                          </m:sub>
+                        </m:sSub>
+                        <m:r>
+                          <a:rPr lang="en-US" altLang="zh-CN" i="1">
+                            <a:solidFill>
+                              <a:schemeClr val="bg1"/>
+                            </a:solidFill>
+                            <a:latin typeface="DejaVu Math TeX Gyre" panose="02000503000000000000" charset="0"/>
+                            <a:cs typeface="DejaVu Math TeX Gyre" panose="02000503000000000000" charset="0"/>
+                          </a:rPr>
+                          <m:t>(</m:t>
+                        </m:r>
+                        <m:r>
+                          <a:rPr lang="en-US" altLang="zh-CN" i="1">
+                            <a:solidFill>
+                              <a:schemeClr val="bg1"/>
+                            </a:solidFill>
+                            <a:latin typeface="DejaVu Math TeX Gyre" panose="02000503000000000000" charset="0"/>
+                            <a:cs typeface="DejaVu Math TeX Gyre" panose="02000503000000000000" charset="0"/>
+                          </a:rPr>
+                          <m:t>𝜃</m:t>
+                        </m:r>
+                        <m:r>
+                          <a:rPr lang="en-US" altLang="zh-CN" i="1">
+                            <a:solidFill>
+                              <a:schemeClr val="bg1"/>
+                            </a:solidFill>
+                            <a:latin typeface="DejaVu Math TeX Gyre" panose="02000503000000000000" charset="0"/>
+                            <a:ea typeface="宋体" charset="0"/>
+                            <a:cs typeface="DejaVu Math TeX Gyre" panose="02000503000000000000" charset="0"/>
+                          </a:rPr>
+                          <m:t>)</m:t>
+                        </m:r>
+                      </m:oMath>
+                    </m:oMathPara>
+                  </a14:m>
+                  <a:endParaRPr lang="en-US" altLang="zh-CN" i="1">
+                    <a:solidFill>
+                      <a:schemeClr val="bg1"/>
+                    </a:solidFill>
+                    <a:latin typeface="DejaVu Math TeX Gyre" panose="02000503000000000000" charset="0"/>
+                    <a:ea typeface="宋体" charset="0"/>
+                    <a:cs typeface="DejaVu Math TeX Gyre" panose="02000503000000000000" charset="0"/>
+                  </a:endParaRPr>
+                </a:p>
+              </p:txBody>
+            </p:sp>
+          </mc:Choice>
+          <mc:Fallback>
+            <p:sp>
+              <p:nvSpPr>
+                <p:cNvPr id="50" name="文本框 49"/>
+                <p:cNvSpPr txBox="1">
+                  <a:spLocks noRot="1" noChangeAspect="1" noMove="1" noResize="1" noEditPoints="1" noAdjustHandles="1" noChangeArrowheads="1" noChangeShapeType="1" noTextEdit="1"/>
+                </p:cNvSpPr>
+                <p:nvPr/>
+              </p:nvSpPr>
+              <p:spPr>
+                <a:xfrm>
+                  <a:off x="12416" y="6119"/>
+                  <a:ext cx="2117" cy="601"/>
+                </a:xfrm>
+                <a:prstGeom prst="rect">
+                  <a:avLst/>
+                </a:prstGeom>
+                <a:blipFill rotWithShape="1">
+                  <a:blip r:embed="rId14"/>
+                </a:blipFill>
+              </p:spPr>
+              <p:txBody>
+                <a:bodyPr/>
+                <a:lstStyle/>
+                <a:p>
+                  <a:r>
+                    <a:rPr lang="zh-CN" altLang="en-US">
+                      <a:noFill/>
+                    </a:rPr>
+                    <a:t> </a:t>
+                  </a:r>
+                </a:p>
+              </p:txBody>
+            </p:sp>
+          </mc:Fallback>
+        </mc:AlternateContent>
+      </p:grpSp>
+      <p:sp>
+        <p:nvSpPr>
+          <p:cNvPr id="53" name="圆角矩形 52"/>
+          <p:cNvSpPr/>
+          <p:nvPr>
+            <p:custDataLst>
+              <p:tags r:id="rId15"/>
+            </p:custDataLst>
+          </p:nvPr>
+        </p:nvSpPr>
+        <p:spPr>
+          <a:xfrm>
+            <a:off x="6601460" y="1207135"/>
+            <a:ext cx="1667510" cy="3359785"/>
+          </a:xfrm>
+          <a:prstGeom prst="roundRect">
+            <a:avLst/>
+          </a:prstGeom>
+          <a:noFill/>
+          <a:ln w="19050" cap="flat" cmpd="sng">
+            <a:solidFill>
+              <a:schemeClr val="tx1"/>
+            </a:solidFill>
+            <a:prstDash val="dash"/>
+            <a:miter lim="800000"/>
+          </a:ln>
+        </p:spPr>
+        <p:style>
+          <a:lnRef idx="2">
+            <a:schemeClr val="accent1"/>
+          </a:lnRef>
+          <a:fillRef idx="0">
+            <a:srgbClr val="FFFFFF"/>
+          </a:fillRef>
+          <a:effectRef idx="0">
+            <a:srgbClr val="FFFFFF"/>
+          </a:effectRef>
+          <a:fontRef idx="minor">
+            <a:schemeClr val="dk1"/>
+          </a:fontRef>
+        </p:style>
+        <p:txBody>
+          <a:bodyPr rtlCol="0" anchor="ctr"/>
+          <a:p>
+            <a:pPr algn="ctr"/>
+            <a:endParaRPr lang="zh-CN" altLang="en-US">
+              <a:gradFill>
+                <a:gsLst>
+                  <a:gs pos="0">
+                    <a:srgbClr val="FE4444"/>
+                  </a:gs>
+                  <a:gs pos="100000">
+                    <a:srgbClr val="832B2B"/>
+                  </a:gs>
+                </a:gsLst>
+                <a:lin ang="5400000" scaled="0"/>
+              </a:gradFill>
+            </a:endParaRPr>
+          </a:p>
+        </p:txBody>
+      </p:sp>
+      <p:sp>
+        <p:nvSpPr>
+          <p:cNvPr id="54" name="文本框 53"/>
+          <p:cNvSpPr txBox="1"/>
+          <p:nvPr/>
+        </p:nvSpPr>
+        <p:spPr>
+          <a:xfrm>
+            <a:off x="6751320" y="1207135"/>
+            <a:ext cx="1328420" cy="368300"/>
+          </a:xfrm>
+          <a:prstGeom prst="rect">
+            <a:avLst/>
+          </a:prstGeom>
+          <a:noFill/>
+        </p:spPr>
+        <p:txBody>
+          <a:bodyPr wrap="square" rtlCol="0">
+            <a:spAutoFit/>
+          </a:bodyPr>
+          <a:p>
+            <a:pPr algn="ctr"/>
+            <a:r>
+              <a:rPr lang="en-US" altLang="zh-CN"/>
+              <a:t>Loss</a:t>
+            </a:r>
+            <a:endParaRPr lang="en-US" altLang="zh-CN"/>
+          </a:p>
+        </p:txBody>
+      </p:sp>
+      <p:sp>
+        <p:nvSpPr>
+          <p:cNvPr id="55" name="文本框 54"/>
+          <p:cNvSpPr txBox="1"/>
+          <p:nvPr/>
+        </p:nvSpPr>
+        <p:spPr>
+          <a:xfrm>
+            <a:off x="8030210" y="186690"/>
+            <a:ext cx="1783080" cy="368300"/>
+          </a:xfrm>
+          <a:prstGeom prst="rect">
+            <a:avLst/>
+          </a:prstGeom>
+          <a:noFill/>
+        </p:spPr>
+        <p:txBody>
+          <a:bodyPr wrap="none" rtlCol="0">
+            <a:spAutoFit/>
+          </a:bodyPr>
+          <a:p>
+            <a:r>
+              <a:rPr lang="zh-CN" altLang="en-US"/>
+              <a:t>一体式算子</a:t>
+            </a:r>
+            <a:r>
+              <a:rPr lang="zh-CN" altLang="en-US"/>
+              <a:t>网络</a:t>
+            </a:r>
+            <a:endParaRPr lang="zh-CN" altLang="en-US"/>
           </a:p>
         </p:txBody>
       </p:sp>
@@ -7396,13 +11795,151 @@
 </p:tagLst>
 </file>
 
+<file path=ppt/tags/tag54.xml><?xml version="1.0" encoding="utf-8"?>
+<p:tagLst xmlns:p="http://schemas.openxmlformats.org/presentationml/2006/main">
+  <p:tag name="KSO_WM_BEAUTIFY_FLAG" val=""/>
+</p:tagLst>
+</file>
+
+<file path=ppt/tags/tag55.xml><?xml version="1.0" encoding="utf-8"?>
+<p:tagLst xmlns:p="http://schemas.openxmlformats.org/presentationml/2006/main">
+  <p:tag name="KSO_WM_BEAUTIFY_FLAG" val=""/>
+</p:tagLst>
+</file>
+
+<file path=ppt/tags/tag56.xml><?xml version="1.0" encoding="utf-8"?>
+<p:tagLst xmlns:p="http://schemas.openxmlformats.org/presentationml/2006/main">
+  <p:tag name="KSO_WM_BEAUTIFY_FLAG" val=""/>
+</p:tagLst>
+</file>
+
+<file path=ppt/tags/tag57.xml><?xml version="1.0" encoding="utf-8"?>
+<p:tagLst xmlns:p="http://schemas.openxmlformats.org/presentationml/2006/main">
+  <p:tag name="KSO_WM_BEAUTIFY_FLAG" val=""/>
+</p:tagLst>
+</file>
+
+<file path=ppt/tags/tag58.xml><?xml version="1.0" encoding="utf-8"?>
+<p:tagLst xmlns:p="http://schemas.openxmlformats.org/presentationml/2006/main">
+  <p:tag name="KSO_WM_BEAUTIFY_FLAG" val=""/>
+</p:tagLst>
+</file>
+
+<file path=ppt/tags/tag59.xml><?xml version="1.0" encoding="utf-8"?>
+<p:tagLst xmlns:p="http://schemas.openxmlformats.org/presentationml/2006/main">
+  <p:tag name="KSO_WM_BEAUTIFY_FLAG" val=""/>
+</p:tagLst>
+</file>
+
 <file path=ppt/tags/tag6.xml><?xml version="1.0" encoding="utf-8"?>
 <p:tagLst xmlns:p="http://schemas.openxmlformats.org/presentationml/2006/main">
   <p:tag name="KSO_WM_BEAUTIFY_FLAG" val=""/>
 </p:tagLst>
 </file>
 
+<file path=ppt/tags/tag60.xml><?xml version="1.0" encoding="utf-8"?>
+<p:tagLst xmlns:p="http://schemas.openxmlformats.org/presentationml/2006/main">
+  <p:tag name="KSO_WM_BEAUTIFY_FLAG" val=""/>
+</p:tagLst>
+</file>
+
+<file path=ppt/tags/tag61.xml><?xml version="1.0" encoding="utf-8"?>
+<p:tagLst xmlns:p="http://schemas.openxmlformats.org/presentationml/2006/main">
+  <p:tag name="KSO_WM_BEAUTIFY_FLAG" val=""/>
+</p:tagLst>
+</file>
+
+<file path=ppt/tags/tag62.xml><?xml version="1.0" encoding="utf-8"?>
+<p:tagLst xmlns:p="http://schemas.openxmlformats.org/presentationml/2006/main">
+  <p:tag name="KSO_WM_BEAUTIFY_FLAG" val=""/>
+</p:tagLst>
+</file>
+
+<file path=ppt/tags/tag63.xml><?xml version="1.0" encoding="utf-8"?>
+<p:tagLst xmlns:p="http://schemas.openxmlformats.org/presentationml/2006/main">
+  <p:tag name="KSO_WM_BEAUTIFY_FLAG" val=""/>
+</p:tagLst>
+</file>
+
+<file path=ppt/tags/tag64.xml><?xml version="1.0" encoding="utf-8"?>
+<p:tagLst xmlns:p="http://schemas.openxmlformats.org/presentationml/2006/main">
+  <p:tag name="KSO_WM_BEAUTIFY_FLAG" val=""/>
+</p:tagLst>
+</file>
+
+<file path=ppt/tags/tag65.xml><?xml version="1.0" encoding="utf-8"?>
+<p:tagLst xmlns:p="http://schemas.openxmlformats.org/presentationml/2006/main">
+  <p:tag name="KSO_WM_BEAUTIFY_FLAG" val=""/>
+</p:tagLst>
+</file>
+
+<file path=ppt/tags/tag66.xml><?xml version="1.0" encoding="utf-8"?>
+<p:tagLst xmlns:p="http://schemas.openxmlformats.org/presentationml/2006/main">
+  <p:tag name="KSO_WM_BEAUTIFY_FLAG" val=""/>
+</p:tagLst>
+</file>
+
+<file path=ppt/tags/tag67.xml><?xml version="1.0" encoding="utf-8"?>
+<p:tagLst xmlns:p="http://schemas.openxmlformats.org/presentationml/2006/main">
+  <p:tag name="KSO_WM_BEAUTIFY_FLAG" val=""/>
+</p:tagLst>
+</file>
+
+<file path=ppt/tags/tag68.xml><?xml version="1.0" encoding="utf-8"?>
+<p:tagLst xmlns:p="http://schemas.openxmlformats.org/presentationml/2006/main">
+  <p:tag name="KSO_WM_BEAUTIFY_FLAG" val=""/>
+</p:tagLst>
+</file>
+
+<file path=ppt/tags/tag69.xml><?xml version="1.0" encoding="utf-8"?>
+<p:tagLst xmlns:p="http://schemas.openxmlformats.org/presentationml/2006/main">
+  <p:tag name="KSO_WM_BEAUTIFY_FLAG" val=""/>
+</p:tagLst>
+</file>
+
 <file path=ppt/tags/tag7.xml><?xml version="1.0" encoding="utf-8"?>
+<p:tagLst xmlns:p="http://schemas.openxmlformats.org/presentationml/2006/main">
+  <p:tag name="KSO_WM_BEAUTIFY_FLAG" val=""/>
+</p:tagLst>
+</file>
+
+<file path=ppt/tags/tag70.xml><?xml version="1.0" encoding="utf-8"?>
+<p:tagLst xmlns:p="http://schemas.openxmlformats.org/presentationml/2006/main">
+  <p:tag name="KSO_WM_BEAUTIFY_FLAG" val=""/>
+</p:tagLst>
+</file>
+
+<file path=ppt/tags/tag71.xml><?xml version="1.0" encoding="utf-8"?>
+<p:tagLst xmlns:p="http://schemas.openxmlformats.org/presentationml/2006/main">
+  <p:tag name="KSO_WM_BEAUTIFY_FLAG" val=""/>
+</p:tagLst>
+</file>
+
+<file path=ppt/tags/tag72.xml><?xml version="1.0" encoding="utf-8"?>
+<p:tagLst xmlns:p="http://schemas.openxmlformats.org/presentationml/2006/main">
+  <p:tag name="KSO_WM_BEAUTIFY_FLAG" val=""/>
+</p:tagLst>
+</file>
+
+<file path=ppt/tags/tag73.xml><?xml version="1.0" encoding="utf-8"?>
+<p:tagLst xmlns:p="http://schemas.openxmlformats.org/presentationml/2006/main">
+  <p:tag name="KSO_WM_BEAUTIFY_FLAG" val=""/>
+</p:tagLst>
+</file>
+
+<file path=ppt/tags/tag74.xml><?xml version="1.0" encoding="utf-8"?>
+<p:tagLst xmlns:p="http://schemas.openxmlformats.org/presentationml/2006/main">
+  <p:tag name="KSO_WM_BEAUTIFY_FLAG" val=""/>
+</p:tagLst>
+</file>
+
+<file path=ppt/tags/tag75.xml><?xml version="1.0" encoding="utf-8"?>
+<p:tagLst xmlns:p="http://schemas.openxmlformats.org/presentationml/2006/main">
+  <p:tag name="KSO_WM_BEAUTIFY_FLAG" val=""/>
+</p:tagLst>
+</file>
+
+<file path=ppt/tags/tag76.xml><?xml version="1.0" encoding="utf-8"?>
 <p:tagLst xmlns:p="http://schemas.openxmlformats.org/presentationml/2006/main">
   <p:tag name="KSO_WM_BEAUTIFY_FLAG" val=""/>
 </p:tagLst>

--- a/MLDA/论文画图.pptx
+++ b/MLDA/论文画图.pptx
@@ -8,7 +8,7 @@
     <p:notesMasterId r:id="rId4"/>
   </p:notesMasterIdLst>
   <p:handoutMasterIdLst>
-    <p:handoutMasterId r:id="rId11"/>
+    <p:handoutMasterId r:id="rId12"/>
   </p:handoutMasterIdLst>
   <p:sldIdLst>
     <p:sldId id="256" r:id="rId3"/>
@@ -18,13 +18,14 @@
     <p:sldId id="259" r:id="rId8"/>
     <p:sldId id="261" r:id="rId9"/>
     <p:sldId id="262" r:id="rId10"/>
+    <p:sldId id="264" r:id="rId11"/>
   </p:sldIdLst>
   <p:sldSz cx="12192000" cy="6858000"/>
   <p:notesSz cx="7103745" cy="10234295"/>
   <p:embeddedFontLst>
     <p:embeddedFont>
       <p:font typeface="DejaVu Math TeX Gyre" panose="02000503000000000000" charset="0"/>
-      <p:regular r:id="rId16"/>
+      <p:regular r:id="rId17"/>
     </p:embeddedFont>
   </p:embeddedFontLst>
   <p:defaultTextStyle>
@@ -122,6 +123,22 @@
       </a:defRPr>
     </a:lvl9pPr>
   </p:defaultTextStyle>
+  <p:extLst>
+    <p:ext uri="{EFAFB233-063F-42B5-8137-9DF3F51BA10A}">
+      <p15:sldGuideLst xmlns:p15="http://schemas.microsoft.com/office/powerpoint/2012/main">
+        <p15:guide id="1" orient="horz" pos="2256" userDrawn="1">
+          <p15:clr>
+            <a:srgbClr val="A4A3A4"/>
+          </p15:clr>
+        </p15:guide>
+        <p15:guide id="2" pos="3815" userDrawn="1">
+          <p15:clr>
+            <a:srgbClr val="A4A3A4"/>
+          </p15:clr>
+        </p15:guide>
+      </p15:sldGuideLst>
+    </p:ext>
+  </p:extLst>
 </p:presentation>
 </file>
 
@@ -1182,6 +1199,84 @@
 </p:notes>
 </file>
 
+<file path=ppt/notesSlides/notesSlide8.xml><?xml version="1.0" encoding="utf-8"?>
+<p:notes xmlns:a="http://schemas.openxmlformats.org/drawingml/2006/main" xmlns:r="http://schemas.openxmlformats.org/officeDocument/2006/relationships" xmlns:p="http://schemas.openxmlformats.org/presentationml/2006/main">
+  <p:cSld>
+    <p:spTree>
+      <p:nvGrpSpPr>
+        <p:cNvPr id="1" name=""/>
+        <p:cNvGrpSpPr/>
+        <p:nvPr/>
+      </p:nvGrpSpPr>
+      <p:grpSpPr>
+        <a:xfrm>
+          <a:off x="0" y="0"/>
+          <a:ext cx="0" cy="0"/>
+          <a:chOff x="0" y="0"/>
+          <a:chExt cx="0" cy="0"/>
+        </a:xfrm>
+      </p:grpSpPr>
+      <p:sp>
+        <p:nvSpPr>
+          <p:cNvPr id="2" name="幻灯片图像占位符 1"/>
+          <p:cNvSpPr>
+            <a:spLocks noGrp="1" noRot="1" noChangeAspect="1"/>
+          </p:cNvSpPr>
+          <p:nvPr>
+            <p:ph type="sldImg"/>
+          </p:nvPr>
+        </p:nvSpPr>
+        <p:spPr/>
+      </p:sp>
+      <p:sp>
+        <p:nvSpPr>
+          <p:cNvPr id="3" name="备注占位符 2"/>
+          <p:cNvSpPr>
+            <a:spLocks noGrp="1"/>
+          </p:cNvSpPr>
+          <p:nvPr>
+            <p:ph type="body" idx="1"/>
+          </p:nvPr>
+        </p:nvSpPr>
+        <p:spPr/>
+        <p:txBody>
+          <a:bodyPr/>
+          <a:lstStyle/>
+          <a:p>
+            <a:endParaRPr kumimoji="1" lang="zh-CN" altLang="en-US"/>
+          </a:p>
+        </p:txBody>
+      </p:sp>
+      <p:sp>
+        <p:nvSpPr>
+          <p:cNvPr id="4" name="灯片编号占位符 3"/>
+          <p:cNvSpPr>
+            <a:spLocks noGrp="1"/>
+          </p:cNvSpPr>
+          <p:nvPr>
+            <p:ph type="sldNum" sz="quarter" idx="5"/>
+          </p:nvPr>
+        </p:nvSpPr>
+        <p:spPr/>
+        <p:txBody>
+          <a:bodyPr/>
+          <a:lstStyle/>
+          <a:p>
+            <a:fld id="{85D0DACE-38E0-42D2-9336-2B707D34BC6D}" type="slidenum">
+              <a:rPr lang="zh-CN" altLang="en-US" smtClean="0"/>
+            </a:fld>
+            <a:endParaRPr lang="zh-CN" altLang="en-US"/>
+          </a:p>
+        </p:txBody>
+      </p:sp>
+    </p:spTree>
+  </p:cSld>
+  <p:clrMapOvr>
+    <a:masterClrMapping/>
+  </p:clrMapOvr>
+</p:notes>
+</file>
+
 <file path=ppt/slideLayouts/slideLayout1.xml><?xml version="1.0" encoding="utf-8"?>
 <p:sldLayout xmlns:a="http://schemas.openxmlformats.org/drawingml/2006/main" xmlns:r="http://schemas.openxmlformats.org/officeDocument/2006/relationships" xmlns:p="http://schemas.openxmlformats.org/presentationml/2006/main" type="title" preserve="1">
   <p:cSld name="标题幻灯片">
@@ -3714,7 +3809,7 @@
         <a:spcBef>
           <a:spcPts val="1000"/>
         </a:spcBef>
-        <a:buFont typeface="Arial" panose="020B0604020202020204" pitchFamily="34" charset="0"/>
+        <a:buFont typeface="Arial" panose="020B0604020202090204" pitchFamily="34" charset="0"/>
         <a:buChar char="•"/>
         <a:defRPr sz="2800" kern="1200">
           <a:solidFill>
@@ -3732,7 +3827,7 @@
         <a:spcBef>
           <a:spcPts val="500"/>
         </a:spcBef>
-        <a:buFont typeface="Arial" panose="020B0604020202020204" pitchFamily="34" charset="0"/>
+        <a:buFont typeface="Arial" panose="020B0604020202090204" pitchFamily="34" charset="0"/>
         <a:buChar char="•"/>
         <a:defRPr sz="2400" kern="1200">
           <a:solidFill>
@@ -3750,7 +3845,7 @@
         <a:spcBef>
           <a:spcPts val="500"/>
         </a:spcBef>
-        <a:buFont typeface="Arial" panose="020B0604020202020204" pitchFamily="34" charset="0"/>
+        <a:buFont typeface="Arial" panose="020B0604020202090204" pitchFamily="34" charset="0"/>
         <a:buChar char="•"/>
         <a:defRPr sz="2000" kern="1200">
           <a:solidFill>
@@ -3768,7 +3863,7 @@
         <a:spcBef>
           <a:spcPts val="500"/>
         </a:spcBef>
-        <a:buFont typeface="Arial" panose="020B0604020202020204" pitchFamily="34" charset="0"/>
+        <a:buFont typeface="Arial" panose="020B0604020202090204" pitchFamily="34" charset="0"/>
         <a:buChar char="•"/>
         <a:defRPr sz="1800" kern="1200">
           <a:solidFill>
@@ -3786,7 +3881,7 @@
         <a:spcBef>
           <a:spcPts val="500"/>
         </a:spcBef>
-        <a:buFont typeface="Arial" panose="020B0604020202020204" pitchFamily="34" charset="0"/>
+        <a:buFont typeface="Arial" panose="020B0604020202090204" pitchFamily="34" charset="0"/>
         <a:buChar char="•"/>
         <a:defRPr sz="1800" kern="1200">
           <a:solidFill>
@@ -3804,7 +3899,7 @@
         <a:spcBef>
           <a:spcPts val="500"/>
         </a:spcBef>
-        <a:buFont typeface="Arial" panose="020B0604020202020204" pitchFamily="34" charset="0"/>
+        <a:buFont typeface="Arial" panose="020B0604020202090204" pitchFamily="34" charset="0"/>
         <a:buChar char="•"/>
         <a:defRPr sz="1800" kern="1200">
           <a:solidFill>
@@ -3822,7 +3917,7 @@
         <a:spcBef>
           <a:spcPts val="500"/>
         </a:spcBef>
-        <a:buFont typeface="Arial" panose="020B0604020202020204" pitchFamily="34" charset="0"/>
+        <a:buFont typeface="Arial" panose="020B0604020202090204" pitchFamily="34" charset="0"/>
         <a:buChar char="•"/>
         <a:defRPr sz="1800" kern="1200">
           <a:solidFill>
@@ -3840,7 +3935,7 @@
         <a:spcBef>
           <a:spcPts val="500"/>
         </a:spcBef>
-        <a:buFont typeface="Arial" panose="020B0604020202020204" pitchFamily="34" charset="0"/>
+        <a:buFont typeface="Arial" panose="020B0604020202090204" pitchFamily="34" charset="0"/>
         <a:buChar char="•"/>
         <a:defRPr sz="1800" kern="1200">
           <a:solidFill>
@@ -3858,7 +3953,7 @@
         <a:spcBef>
           <a:spcPts val="500"/>
         </a:spcBef>
-        <a:buFont typeface="Arial" panose="020B0604020202020204" pitchFamily="34" charset="0"/>
+        <a:buFont typeface="Arial" panose="020B0604020202090204" pitchFamily="34" charset="0"/>
         <a:buChar char="•"/>
         <a:defRPr sz="1800" kern="1200">
           <a:solidFill>
@@ -11501,6 +11596,1506 @@
 </p:sld>
 </file>
 
+<file path=ppt/slides/slide8.xml><?xml version="1.0" encoding="utf-8"?>
+<p:sld xmlns:a="http://schemas.openxmlformats.org/drawingml/2006/main" xmlns:r="http://schemas.openxmlformats.org/officeDocument/2006/relationships" xmlns:p="http://schemas.openxmlformats.org/presentationml/2006/main">
+  <p:cSld>
+    <p:spTree>
+      <p:nvGrpSpPr>
+        <p:cNvPr id="1" name=""/>
+        <p:cNvGrpSpPr/>
+        <p:nvPr/>
+      </p:nvGrpSpPr>
+      <p:grpSpPr>
+        <a:xfrm>
+          <a:off x="0" y="0"/>
+          <a:ext cx="0" cy="0"/>
+          <a:chOff x="0" y="0"/>
+          <a:chExt cx="0" cy="0"/>
+        </a:xfrm>
+      </p:grpSpPr>
+      <p:sp>
+        <p:nvSpPr>
+          <p:cNvPr id="3" name="圆角矩形 2"/>
+          <p:cNvSpPr/>
+          <p:nvPr/>
+        </p:nvSpPr>
+        <p:spPr>
+          <a:xfrm>
+            <a:off x="1601470" y="1144270"/>
+            <a:ext cx="6015990" cy="3328670"/>
+          </a:xfrm>
+          <a:prstGeom prst="roundRect">
+            <a:avLst/>
+          </a:prstGeom>
+          <a:noFill/>
+          <a:ln w="19050" cap="flat" cmpd="sng">
+            <a:solidFill>
+              <a:schemeClr val="tx1"/>
+            </a:solidFill>
+            <a:prstDash val="dash"/>
+            <a:miter lim="800000"/>
+          </a:ln>
+        </p:spPr>
+        <p:style>
+          <a:lnRef idx="2">
+            <a:schemeClr val="accent1"/>
+          </a:lnRef>
+          <a:fillRef idx="0">
+            <a:srgbClr val="FFFFFF"/>
+          </a:fillRef>
+          <a:effectRef idx="0">
+            <a:srgbClr val="FFFFFF"/>
+          </a:effectRef>
+          <a:fontRef idx="minor">
+            <a:schemeClr val="dk1"/>
+          </a:fontRef>
+        </p:style>
+        <p:txBody>
+          <a:bodyPr rtlCol="0" anchor="ctr"/>
+          <a:p>
+            <a:pPr algn="ctr"/>
+            <a:endParaRPr lang="zh-CN" altLang="en-US">
+              <a:gradFill>
+                <a:gsLst>
+                  <a:gs pos="0">
+                    <a:srgbClr val="FE4444"/>
+                  </a:gs>
+                  <a:gs pos="100000">
+                    <a:srgbClr val="832B2B"/>
+                  </a:gs>
+                </a:gsLst>
+                <a:lin ang="5400000" scaled="0"/>
+              </a:gradFill>
+            </a:endParaRPr>
+          </a:p>
+        </p:txBody>
+      </p:sp>
+      <p:sp>
+        <p:nvSpPr>
+          <p:cNvPr id="42" name="文本框 41"/>
+          <p:cNvSpPr txBox="1"/>
+          <p:nvPr/>
+        </p:nvSpPr>
+        <p:spPr>
+          <a:xfrm>
+            <a:off x="4325620" y="238125"/>
+            <a:ext cx="1478280" cy="368300"/>
+          </a:xfrm>
+          <a:prstGeom prst="rect">
+            <a:avLst/>
+          </a:prstGeom>
+          <a:noFill/>
+        </p:spPr>
+        <p:txBody>
+          <a:bodyPr wrap="square" rtlCol="0">
+            <a:spAutoFit/>
+          </a:bodyPr>
+          <a:p>
+            <a:r>
+              <a:rPr lang="en-US" altLang="zh-CN"/>
+              <a:t>SoV</a:t>
+            </a:r>
+            <a:endParaRPr lang="en-US" altLang="zh-CN"/>
+          </a:p>
+        </p:txBody>
+      </p:sp>
+      <p:pic>
+        <p:nvPicPr>
+          <p:cNvPr id="58" name="图片 57"/>
+          <p:cNvPicPr>
+            <a:picLocks noChangeAspect="1"/>
+          </p:cNvPicPr>
+          <p:nvPr>
+            <p:custDataLst>
+              <p:tags r:id="rId1"/>
+            </p:custDataLst>
+          </p:nvPr>
+        </p:nvPicPr>
+        <p:blipFill>
+          <a:blip r:embed="rId2"/>
+          <a:stretch>
+            <a:fillRect/>
+          </a:stretch>
+        </p:blipFill>
+        <p:spPr>
+          <a:xfrm>
+            <a:off x="1800860" y="2580005"/>
+            <a:ext cx="5684520" cy="1572895"/>
+          </a:xfrm>
+          <a:prstGeom prst="rect">
+            <a:avLst/>
+          </a:prstGeom>
+        </p:spPr>
+      </p:pic>
+      <mc:AlternateContent xmlns:mc="http://schemas.openxmlformats.org/markup-compatibility/2006">
+        <mc:Choice xmlns:a14="http://schemas.microsoft.com/office/drawing/2010/main" Requires="a14">
+          <p:sp>
+            <p:nvSpPr>
+              <p:cNvPr id="59" name="文本框 58"/>
+              <p:cNvSpPr txBox="1"/>
+              <p:nvPr>
+                <p:custDataLst>
+                  <p:tags r:id="rId3"/>
+                </p:custDataLst>
+              </p:nvPr>
+            </p:nvSpPr>
+            <p:spPr>
+              <a:xfrm>
+                <a:off x="3447987" y="2695194"/>
+                <a:ext cx="497205" cy="368300"/>
+              </a:xfrm>
+              <a:prstGeom prst="rect">
+                <a:avLst/>
+              </a:prstGeom>
+              <a:noFill/>
+            </p:spPr>
+            <p:txBody>
+              <a:bodyPr wrap="none" rtlCol="0" anchor="t">
+                <a:spAutoFit/>
+              </a:bodyPr>
+              <a:p>
+                <a:pPr algn="r"/>
+                <a14:m>
+                  <m:oMathPara xmlns:m="http://schemas.openxmlformats.org/officeDocument/2006/math">
+                    <m:oMathParaPr>
+                      <m:jc m:val="centerGroup"/>
+                    </m:oMathParaPr>
+                    <m:oMath xmlns:m="http://schemas.openxmlformats.org/officeDocument/2006/math">
+                      <m:sSub>
+                        <m:sSubPr>
+                          <m:ctrlPr>
+                            <a:rPr lang="en-US" altLang="zh-CN" i="1">
+                              <a:solidFill>
+                                <a:srgbClr val="FF0000"/>
+                              </a:solidFill>
+                              <a:latin typeface="DejaVu Math TeX Gyre" panose="02000503000000000000" charset="0"/>
+                              <a:cs typeface="DejaVu Math TeX Gyre" panose="02000503000000000000" charset="0"/>
+                            </a:rPr>
+                          </m:ctrlPr>
+                        </m:sSubPr>
+                        <m:e>
+                          <m:r>
+                            <a:rPr lang="en-US" altLang="zh-CN" i="1">
+                              <a:solidFill>
+                                <a:srgbClr val="FF0000"/>
+                              </a:solidFill>
+                              <a:latin typeface="DejaVu Math TeX Gyre" panose="02000503000000000000" charset="0"/>
+                              <a:cs typeface="DejaVu Math TeX Gyre" panose="02000503000000000000" charset="0"/>
+                            </a:rPr>
+                            <m:t>𝑘</m:t>
+                          </m:r>
+                        </m:e>
+                        <m:sub>
+                          <m:r>
+                            <a:rPr lang="en-US" altLang="zh-CN" i="1">
+                              <a:solidFill>
+                                <a:srgbClr val="FF0000"/>
+                              </a:solidFill>
+                              <a:latin typeface="DejaVu Math TeX Gyre" panose="02000503000000000000" charset="0"/>
+                              <a:cs typeface="DejaVu Math TeX Gyre" panose="02000503000000000000" charset="0"/>
+                            </a:rPr>
+                            <m:t>1</m:t>
+                          </m:r>
+                        </m:sub>
+                      </m:sSub>
+                    </m:oMath>
+                  </m:oMathPara>
+                </a14:m>
+                <a:endParaRPr lang="en-US" altLang="zh-CN" i="1">
+                  <a:solidFill>
+                    <a:srgbClr val="FF0000"/>
+                  </a:solidFill>
+                  <a:latin typeface="DejaVu Math TeX Gyre" panose="02000503000000000000" charset="0"/>
+                  <a:cs typeface="DejaVu Math TeX Gyre" panose="02000503000000000000" charset="0"/>
+                </a:endParaRPr>
+              </a:p>
+            </p:txBody>
+          </p:sp>
+        </mc:Choice>
+        <mc:Fallback>
+          <p:sp>
+            <p:nvSpPr>
+              <p:cNvPr id="59" name="文本框 58"/>
+              <p:cNvSpPr txBox="1">
+                <a:spLocks noRot="1" noChangeAspect="1" noMove="1" noResize="1" noEditPoints="1" noAdjustHandles="1" noChangeArrowheads="1" noChangeShapeType="1" noTextEdit="1"/>
+              </p:cNvSpPr>
+              <p:nvPr>
+                <p:custDataLst>
+                  <p:tags r:id="rId4"/>
+                </p:custDataLst>
+              </p:nvPr>
+            </p:nvSpPr>
+            <p:spPr>
+              <a:xfrm>
+                <a:off x="3447987" y="2695194"/>
+                <a:ext cx="497205" cy="368300"/>
+              </a:xfrm>
+              <a:prstGeom prst="rect">
+                <a:avLst/>
+              </a:prstGeom>
+              <a:blipFill rotWithShape="1">
+                <a:blip r:embed="rId5"/>
+                <a:stretch>
+                  <a:fillRect l="-115" t="-69" r="115" b="69"/>
+                </a:stretch>
+              </a:blipFill>
+            </p:spPr>
+            <p:txBody>
+              <a:bodyPr/>
+              <a:lstStyle/>
+              <a:p>
+                <a:r>
+                  <a:rPr lang="zh-CN" altLang="en-US">
+                    <a:noFill/>
+                  </a:rPr>
+                  <a:t> </a:t>
+                </a:r>
+              </a:p>
+            </p:txBody>
+          </p:sp>
+        </mc:Fallback>
+      </mc:AlternateContent>
+      <mc:AlternateContent xmlns:mc="http://schemas.openxmlformats.org/markup-compatibility/2006">
+        <mc:Choice xmlns:a14="http://schemas.microsoft.com/office/drawing/2010/main" Requires="a14">
+          <p:sp>
+            <p:nvSpPr>
+              <p:cNvPr id="60" name="文本框 59"/>
+              <p:cNvSpPr txBox="1"/>
+              <p:nvPr>
+                <p:custDataLst>
+                  <p:tags r:id="rId6"/>
+                </p:custDataLst>
+              </p:nvPr>
+            </p:nvSpPr>
+            <p:spPr>
+              <a:xfrm>
+                <a:off x="3447987" y="3676269"/>
+                <a:ext cx="515620" cy="368935"/>
+              </a:xfrm>
+              <a:prstGeom prst="rect">
+                <a:avLst/>
+              </a:prstGeom>
+              <a:noFill/>
+            </p:spPr>
+            <p:txBody>
+              <a:bodyPr wrap="none" rtlCol="0" anchor="t">
+                <a:spAutoFit/>
+              </a:bodyPr>
+              <a:p>
+                <a:pPr algn="r"/>
+                <a14:m>
+                  <m:oMathPara xmlns:m="http://schemas.openxmlformats.org/officeDocument/2006/math">
+                    <m:oMathParaPr>
+                      <m:jc m:val="centerGroup"/>
+                    </m:oMathParaPr>
+                    <m:oMath xmlns:m="http://schemas.openxmlformats.org/officeDocument/2006/math">
+                      <m:sSub>
+                        <m:sSubPr>
+                          <m:ctrlPr>
+                            <a:rPr lang="en-US" altLang="zh-CN" i="1">
+                              <a:solidFill>
+                                <a:srgbClr val="FF0000"/>
+                              </a:solidFill>
+                              <a:latin typeface="DejaVu Math TeX Gyre" panose="02000503000000000000" charset="0"/>
+                              <a:cs typeface="DejaVu Math TeX Gyre" panose="02000503000000000000" charset="0"/>
+                            </a:rPr>
+                          </m:ctrlPr>
+                        </m:sSubPr>
+                        <m:e>
+                          <m:r>
+                            <a:rPr lang="en-US" altLang="zh-CN" i="1">
+                              <a:solidFill>
+                                <a:srgbClr val="FF0000"/>
+                              </a:solidFill>
+                              <a:latin typeface="DejaVu Math TeX Gyre" panose="02000503000000000000" charset="0"/>
+                              <a:cs typeface="DejaVu Math TeX Gyre" panose="02000503000000000000" charset="0"/>
+                            </a:rPr>
+                            <m:t>𝑘</m:t>
+                          </m:r>
+                        </m:e>
+                        <m:sub>
+                          <m:r>
+                            <a:rPr lang="en-US" altLang="zh-CN" i="1">
+                              <a:solidFill>
+                                <a:srgbClr val="FF0000"/>
+                              </a:solidFill>
+                              <a:latin typeface="DejaVu Math TeX Gyre" panose="02000503000000000000" charset="0"/>
+                              <a:cs typeface="DejaVu Math TeX Gyre" panose="02000503000000000000" charset="0"/>
+                            </a:rPr>
+                            <m:t>3</m:t>
+                          </m:r>
+                        </m:sub>
+                      </m:sSub>
+                    </m:oMath>
+                  </m:oMathPara>
+                </a14:m>
+                <a:endParaRPr lang="en-US" altLang="zh-CN" i="1">
+                  <a:solidFill>
+                    <a:srgbClr val="FF0000"/>
+                  </a:solidFill>
+                  <a:latin typeface="DejaVu Math TeX Gyre" panose="02000503000000000000" charset="0"/>
+                  <a:cs typeface="DejaVu Math TeX Gyre" panose="02000503000000000000" charset="0"/>
+                </a:endParaRPr>
+              </a:p>
+            </p:txBody>
+          </p:sp>
+        </mc:Choice>
+        <mc:Fallback>
+          <p:sp>
+            <p:nvSpPr>
+              <p:cNvPr id="60" name="文本框 59"/>
+              <p:cNvSpPr txBox="1">
+                <a:spLocks noRot="1" noChangeAspect="1" noMove="1" noResize="1" noEditPoints="1" noAdjustHandles="1" noChangeArrowheads="1" noChangeShapeType="1" noTextEdit="1"/>
+              </p:cNvSpPr>
+              <p:nvPr>
+                <p:custDataLst>
+                  <p:tags r:id="rId7"/>
+                </p:custDataLst>
+              </p:nvPr>
+            </p:nvSpPr>
+            <p:spPr>
+              <a:xfrm>
+                <a:off x="3447987" y="3676269"/>
+                <a:ext cx="515620" cy="368935"/>
+              </a:xfrm>
+              <a:prstGeom prst="rect">
+                <a:avLst/>
+              </a:prstGeom>
+              <a:blipFill rotWithShape="1">
+                <a:blip r:embed="rId8"/>
+                <a:stretch>
+                  <a:fillRect l="-111" t="-69" r="111" b="69"/>
+                </a:stretch>
+              </a:blipFill>
+            </p:spPr>
+            <p:txBody>
+              <a:bodyPr/>
+              <a:lstStyle/>
+              <a:p>
+                <a:r>
+                  <a:rPr lang="zh-CN" altLang="en-US">
+                    <a:noFill/>
+                  </a:rPr>
+                  <a:t> </a:t>
+                </a:r>
+              </a:p>
+            </p:txBody>
+          </p:sp>
+        </mc:Fallback>
+      </mc:AlternateContent>
+      <mc:AlternateContent xmlns:mc="http://schemas.openxmlformats.org/markup-compatibility/2006">
+        <mc:Choice xmlns:a14="http://schemas.microsoft.com/office/drawing/2010/main" Requires="a14">
+          <p:sp>
+            <p:nvSpPr>
+              <p:cNvPr id="61" name="文本框 60"/>
+              <p:cNvSpPr txBox="1"/>
+              <p:nvPr>
+                <p:custDataLst>
+                  <p:tags r:id="rId9"/>
+                </p:custDataLst>
+              </p:nvPr>
+            </p:nvSpPr>
+            <p:spPr>
+              <a:xfrm>
+                <a:off x="3447987" y="3063494"/>
+                <a:ext cx="515620" cy="368300"/>
+              </a:xfrm>
+              <a:prstGeom prst="rect">
+                <a:avLst/>
+              </a:prstGeom>
+              <a:noFill/>
+            </p:spPr>
+            <p:txBody>
+              <a:bodyPr wrap="none" rtlCol="0" anchor="t">
+                <a:spAutoFit/>
+              </a:bodyPr>
+              <a:p>
+                <a:pPr algn="r"/>
+                <a14:m>
+                  <m:oMathPara xmlns:m="http://schemas.openxmlformats.org/officeDocument/2006/math">
+                    <m:oMathParaPr>
+                      <m:jc m:val="centerGroup"/>
+                    </m:oMathParaPr>
+                    <m:oMath xmlns:m="http://schemas.openxmlformats.org/officeDocument/2006/math">
+                      <m:sSub>
+                        <m:sSubPr>
+                          <m:ctrlPr>
+                            <a:rPr lang="en-US" altLang="zh-CN" i="1">
+                              <a:solidFill>
+                                <a:srgbClr val="FF0000"/>
+                              </a:solidFill>
+                              <a:latin typeface="DejaVu Math TeX Gyre" panose="02000503000000000000" charset="0"/>
+                              <a:cs typeface="DejaVu Math TeX Gyre" panose="02000503000000000000" charset="0"/>
+                            </a:rPr>
+                          </m:ctrlPr>
+                        </m:sSubPr>
+                        <m:e>
+                          <m:r>
+                            <a:rPr lang="en-US" altLang="zh-CN" i="1">
+                              <a:solidFill>
+                                <a:srgbClr val="FF0000"/>
+                              </a:solidFill>
+                              <a:latin typeface="DejaVu Math TeX Gyre" panose="02000503000000000000" charset="0"/>
+                              <a:cs typeface="DejaVu Math TeX Gyre" panose="02000503000000000000" charset="0"/>
+                            </a:rPr>
+                            <m:t>𝑘</m:t>
+                          </m:r>
+                        </m:e>
+                        <m:sub>
+                          <m:r>
+                            <a:rPr lang="en-US" altLang="zh-CN" i="1">
+                              <a:solidFill>
+                                <a:srgbClr val="FF0000"/>
+                              </a:solidFill>
+                              <a:latin typeface="DejaVu Math TeX Gyre" panose="02000503000000000000" charset="0"/>
+                              <a:cs typeface="DejaVu Math TeX Gyre" panose="02000503000000000000" charset="0"/>
+                            </a:rPr>
+                            <m:t>2</m:t>
+                          </m:r>
+                        </m:sub>
+                      </m:sSub>
+                    </m:oMath>
+                  </m:oMathPara>
+                </a14:m>
+                <a:endParaRPr lang="en-US" altLang="zh-CN" i="1">
+                  <a:solidFill>
+                    <a:srgbClr val="FF0000"/>
+                  </a:solidFill>
+                  <a:latin typeface="DejaVu Math TeX Gyre" panose="02000503000000000000" charset="0"/>
+                  <a:cs typeface="DejaVu Math TeX Gyre" panose="02000503000000000000" charset="0"/>
+                </a:endParaRPr>
+              </a:p>
+            </p:txBody>
+          </p:sp>
+        </mc:Choice>
+        <mc:Fallback>
+          <p:sp>
+            <p:nvSpPr>
+              <p:cNvPr id="61" name="文本框 60"/>
+              <p:cNvSpPr txBox="1">
+                <a:spLocks noRot="1" noChangeAspect="1" noMove="1" noResize="1" noEditPoints="1" noAdjustHandles="1" noChangeArrowheads="1" noChangeShapeType="1" noTextEdit="1"/>
+              </p:cNvSpPr>
+              <p:nvPr>
+                <p:custDataLst>
+                  <p:tags r:id="rId10"/>
+                </p:custDataLst>
+              </p:nvPr>
+            </p:nvSpPr>
+            <p:spPr>
+              <a:xfrm>
+                <a:off x="3447987" y="3063494"/>
+                <a:ext cx="515620" cy="368300"/>
+              </a:xfrm>
+              <a:prstGeom prst="rect">
+                <a:avLst/>
+              </a:prstGeom>
+              <a:blipFill rotWithShape="1">
+                <a:blip r:embed="rId11"/>
+                <a:stretch>
+                  <a:fillRect l="-111" t="-69" r="111" b="69"/>
+                </a:stretch>
+              </a:blipFill>
+            </p:spPr>
+            <p:txBody>
+              <a:bodyPr/>
+              <a:lstStyle/>
+              <a:p>
+                <a:r>
+                  <a:rPr lang="zh-CN" altLang="en-US">
+                    <a:noFill/>
+                  </a:rPr>
+                  <a:t> </a:t>
+                </a:r>
+              </a:p>
+            </p:txBody>
+          </p:sp>
+        </mc:Fallback>
+      </mc:AlternateContent>
+      <mc:AlternateContent xmlns:mc="http://schemas.openxmlformats.org/markup-compatibility/2006">
+        <mc:Choice xmlns:a14="http://schemas.microsoft.com/office/drawing/2010/main" Requires="a14">
+          <p:sp>
+            <p:nvSpPr>
+              <p:cNvPr id="62" name="文本框 61"/>
+              <p:cNvSpPr txBox="1"/>
+              <p:nvPr>
+                <p:custDataLst>
+                  <p:tags r:id="rId12"/>
+                </p:custDataLst>
+              </p:nvPr>
+            </p:nvSpPr>
+            <p:spPr>
+              <a:xfrm>
+                <a:off x="5478717" y="2695194"/>
+                <a:ext cx="481330" cy="368300"/>
+              </a:xfrm>
+              <a:prstGeom prst="rect">
+                <a:avLst/>
+              </a:prstGeom>
+              <a:noFill/>
+            </p:spPr>
+            <p:txBody>
+              <a:bodyPr wrap="none" rtlCol="0" anchor="t">
+                <a:spAutoFit/>
+              </a:bodyPr>
+              <a:p>
+                <a:pPr algn="r"/>
+                <a14:m>
+                  <m:oMathPara xmlns:m="http://schemas.openxmlformats.org/officeDocument/2006/math">
+                    <m:oMathParaPr>
+                      <m:jc m:val="centerGroup"/>
+                    </m:oMathParaPr>
+                    <m:oMath xmlns:m="http://schemas.openxmlformats.org/officeDocument/2006/math">
+                      <m:sSub>
+                        <m:sSubPr>
+                          <m:ctrlPr>
+                            <a:rPr lang="en-US" altLang="zh-CN" i="1">
+                              <a:solidFill>
+                                <a:srgbClr val="FF0000"/>
+                              </a:solidFill>
+                              <a:latin typeface="DejaVu Math TeX Gyre" panose="02000503000000000000" charset="0"/>
+                              <a:cs typeface="DejaVu Math TeX Gyre" panose="02000503000000000000" charset="0"/>
+                            </a:rPr>
+                          </m:ctrlPr>
+                        </m:sSubPr>
+                        <m:e>
+                          <m:r>
+                            <a:rPr lang="en-US" altLang="zh-CN" i="1">
+                              <a:solidFill>
+                                <a:srgbClr val="FF0000"/>
+                              </a:solidFill>
+                              <a:latin typeface="DejaVu Math TeX Gyre" panose="02000503000000000000" charset="0"/>
+                              <a:cs typeface="DejaVu Math TeX Gyre" panose="02000503000000000000" charset="0"/>
+                            </a:rPr>
+                            <m:t>𝑢</m:t>
+                          </m:r>
+                        </m:e>
+                        <m:sub>
+                          <m:r>
+                            <a:rPr lang="en-US" altLang="zh-CN" i="1">
+                              <a:solidFill>
+                                <a:srgbClr val="FF0000"/>
+                              </a:solidFill>
+                              <a:latin typeface="DejaVu Math TeX Gyre" panose="02000503000000000000" charset="0"/>
+                              <a:cs typeface="DejaVu Math TeX Gyre" panose="02000503000000000000" charset="0"/>
+                            </a:rPr>
+                            <m:t>1</m:t>
+                          </m:r>
+                        </m:sub>
+                      </m:sSub>
+                    </m:oMath>
+                  </m:oMathPara>
+                </a14:m>
+                <a:endParaRPr lang="en-US" altLang="zh-CN" i="1">
+                  <a:solidFill>
+                    <a:srgbClr val="FF0000"/>
+                  </a:solidFill>
+                  <a:latin typeface="DejaVu Math TeX Gyre" panose="02000503000000000000" charset="0"/>
+                  <a:cs typeface="DejaVu Math TeX Gyre" panose="02000503000000000000" charset="0"/>
+                </a:endParaRPr>
+              </a:p>
+            </p:txBody>
+          </p:sp>
+        </mc:Choice>
+        <mc:Fallback>
+          <p:sp>
+            <p:nvSpPr>
+              <p:cNvPr id="62" name="文本框 61"/>
+              <p:cNvSpPr txBox="1">
+                <a:spLocks noRot="1" noChangeAspect="1" noMove="1" noResize="1" noEditPoints="1" noAdjustHandles="1" noChangeArrowheads="1" noChangeShapeType="1" noTextEdit="1"/>
+              </p:cNvSpPr>
+              <p:nvPr>
+                <p:custDataLst>
+                  <p:tags r:id="rId13"/>
+                </p:custDataLst>
+              </p:nvPr>
+            </p:nvSpPr>
+            <p:spPr>
+              <a:xfrm>
+                <a:off x="5478717" y="2695194"/>
+                <a:ext cx="481330" cy="368300"/>
+              </a:xfrm>
+              <a:prstGeom prst="rect">
+                <a:avLst/>
+              </a:prstGeom>
+              <a:blipFill rotWithShape="1">
+                <a:blip r:embed="rId14"/>
+                <a:stretch>
+                  <a:fillRect l="-119" t="-69" r="119" b="69"/>
+                </a:stretch>
+              </a:blipFill>
+            </p:spPr>
+            <p:txBody>
+              <a:bodyPr/>
+              <a:lstStyle/>
+              <a:p>
+                <a:r>
+                  <a:rPr lang="zh-CN" altLang="en-US">
+                    <a:noFill/>
+                  </a:rPr>
+                  <a:t> </a:t>
+                </a:r>
+              </a:p>
+            </p:txBody>
+          </p:sp>
+        </mc:Fallback>
+      </mc:AlternateContent>
+      <mc:AlternateContent xmlns:mc="http://schemas.openxmlformats.org/markup-compatibility/2006">
+        <mc:Choice xmlns:a14="http://schemas.microsoft.com/office/drawing/2010/main" Requires="a14">
+          <p:sp>
+            <p:nvSpPr>
+              <p:cNvPr id="63" name="文本框 62"/>
+              <p:cNvSpPr txBox="1"/>
+              <p:nvPr>
+                <p:custDataLst>
+                  <p:tags r:id="rId15"/>
+                </p:custDataLst>
+              </p:nvPr>
+            </p:nvSpPr>
+            <p:spPr>
+              <a:xfrm>
+                <a:off x="5478082" y="3676269"/>
+                <a:ext cx="481965" cy="368935"/>
+              </a:xfrm>
+              <a:prstGeom prst="rect">
+                <a:avLst/>
+              </a:prstGeom>
+              <a:noFill/>
+            </p:spPr>
+            <p:txBody>
+              <a:bodyPr wrap="none" rtlCol="0" anchor="t">
+                <a:spAutoFit/>
+              </a:bodyPr>
+              <a:p>
+                <a:pPr algn="r"/>
+                <a14:m>
+                  <m:oMathPara xmlns:m="http://schemas.openxmlformats.org/officeDocument/2006/math">
+                    <m:oMathParaPr>
+                      <m:jc m:val="centerGroup"/>
+                    </m:oMathParaPr>
+                    <m:oMath xmlns:m="http://schemas.openxmlformats.org/officeDocument/2006/math">
+                      <m:sSub>
+                        <m:sSubPr>
+                          <m:ctrlPr>
+                            <a:rPr lang="en-US" altLang="zh-CN" i="1">
+                              <a:solidFill>
+                                <a:srgbClr val="FF0000"/>
+                              </a:solidFill>
+                              <a:latin typeface="DejaVu Math TeX Gyre" panose="02000503000000000000" charset="0"/>
+                              <a:cs typeface="DejaVu Math TeX Gyre" panose="02000503000000000000" charset="0"/>
+                            </a:rPr>
+                          </m:ctrlPr>
+                        </m:sSubPr>
+                        <m:e>
+                          <m:r>
+                            <a:rPr lang="en-US" altLang="zh-CN" i="1">
+                              <a:solidFill>
+                                <a:srgbClr val="FF0000"/>
+                              </a:solidFill>
+                              <a:latin typeface="DejaVu Math TeX Gyre" panose="02000503000000000000" charset="0"/>
+                              <a:cs typeface="DejaVu Math TeX Gyre" panose="02000503000000000000" charset="0"/>
+                            </a:rPr>
+                            <m:t>𝑢</m:t>
+                          </m:r>
+                        </m:e>
+                        <m:sub>
+                          <m:r>
+                            <a:rPr lang="en-US" altLang="zh-CN" i="1">
+                              <a:solidFill>
+                                <a:srgbClr val="FF0000"/>
+                              </a:solidFill>
+                              <a:latin typeface="DejaVu Math TeX Gyre" panose="02000503000000000000" charset="0"/>
+                              <a:cs typeface="DejaVu Math TeX Gyre" panose="02000503000000000000" charset="0"/>
+                            </a:rPr>
+                            <m:t>3</m:t>
+                          </m:r>
+                        </m:sub>
+                      </m:sSub>
+                    </m:oMath>
+                  </m:oMathPara>
+                </a14:m>
+                <a:endParaRPr lang="en-US" altLang="zh-CN" i="1">
+                  <a:solidFill>
+                    <a:srgbClr val="FF0000"/>
+                  </a:solidFill>
+                  <a:latin typeface="DejaVu Math TeX Gyre" panose="02000503000000000000" charset="0"/>
+                  <a:cs typeface="DejaVu Math TeX Gyre" panose="02000503000000000000" charset="0"/>
+                </a:endParaRPr>
+              </a:p>
+            </p:txBody>
+          </p:sp>
+        </mc:Choice>
+        <mc:Fallback>
+          <p:sp>
+            <p:nvSpPr>
+              <p:cNvPr id="63" name="文本框 62"/>
+              <p:cNvSpPr txBox="1">
+                <a:spLocks noRot="1" noChangeAspect="1" noMove="1" noResize="1" noEditPoints="1" noAdjustHandles="1" noChangeArrowheads="1" noChangeShapeType="1" noTextEdit="1"/>
+              </p:cNvSpPr>
+              <p:nvPr>
+                <p:custDataLst>
+                  <p:tags r:id="rId16"/>
+                </p:custDataLst>
+              </p:nvPr>
+            </p:nvSpPr>
+            <p:spPr>
+              <a:xfrm>
+                <a:off x="5478082" y="3676269"/>
+                <a:ext cx="481965" cy="368935"/>
+              </a:xfrm>
+              <a:prstGeom prst="rect">
+                <a:avLst/>
+              </a:prstGeom>
+              <a:blipFill rotWithShape="1">
+                <a:blip r:embed="rId17"/>
+                <a:stretch>
+                  <a:fillRect l="-119" t="-69" r="119" b="69"/>
+                </a:stretch>
+              </a:blipFill>
+            </p:spPr>
+            <p:txBody>
+              <a:bodyPr/>
+              <a:lstStyle/>
+              <a:p>
+                <a:r>
+                  <a:rPr lang="zh-CN" altLang="en-US">
+                    <a:noFill/>
+                  </a:rPr>
+                  <a:t> </a:t>
+                </a:r>
+              </a:p>
+            </p:txBody>
+          </p:sp>
+        </mc:Fallback>
+      </mc:AlternateContent>
+      <mc:AlternateContent xmlns:mc="http://schemas.openxmlformats.org/markup-compatibility/2006">
+        <mc:Choice xmlns:a14="http://schemas.microsoft.com/office/drawing/2010/main" Requires="a14">
+          <p:sp>
+            <p:nvSpPr>
+              <p:cNvPr id="64" name="文本框 63"/>
+              <p:cNvSpPr txBox="1"/>
+              <p:nvPr>
+                <p:custDataLst>
+                  <p:tags r:id="rId18"/>
+                </p:custDataLst>
+              </p:nvPr>
+            </p:nvSpPr>
+            <p:spPr>
+              <a:xfrm>
+                <a:off x="5478082" y="3063494"/>
+                <a:ext cx="481965" cy="368300"/>
+              </a:xfrm>
+              <a:prstGeom prst="rect">
+                <a:avLst/>
+              </a:prstGeom>
+              <a:noFill/>
+            </p:spPr>
+            <p:txBody>
+              <a:bodyPr wrap="none" rtlCol="0" anchor="t">
+                <a:spAutoFit/>
+              </a:bodyPr>
+              <a:p>
+                <a:pPr algn="r"/>
+                <a14:m>
+                  <m:oMathPara xmlns:m="http://schemas.openxmlformats.org/officeDocument/2006/math">
+                    <m:oMathParaPr>
+                      <m:jc m:val="centerGroup"/>
+                    </m:oMathParaPr>
+                    <m:oMath xmlns:m="http://schemas.openxmlformats.org/officeDocument/2006/math">
+                      <m:sSub>
+                        <m:sSubPr>
+                          <m:ctrlPr>
+                            <a:rPr lang="en-US" altLang="zh-CN" i="1">
+                              <a:solidFill>
+                                <a:srgbClr val="FF0000"/>
+                              </a:solidFill>
+                              <a:latin typeface="DejaVu Math TeX Gyre" panose="02000503000000000000" charset="0"/>
+                              <a:cs typeface="DejaVu Math TeX Gyre" panose="02000503000000000000" charset="0"/>
+                            </a:rPr>
+                          </m:ctrlPr>
+                        </m:sSubPr>
+                        <m:e>
+                          <m:r>
+                            <a:rPr lang="en-US" altLang="zh-CN" i="1">
+                              <a:solidFill>
+                                <a:srgbClr val="FF0000"/>
+                              </a:solidFill>
+                              <a:latin typeface="DejaVu Math TeX Gyre" panose="02000503000000000000" charset="0"/>
+                              <a:cs typeface="DejaVu Math TeX Gyre" panose="02000503000000000000" charset="0"/>
+                            </a:rPr>
+                            <m:t>𝑢</m:t>
+                          </m:r>
+                        </m:e>
+                        <m:sub>
+                          <m:r>
+                            <a:rPr lang="en-US" altLang="zh-CN" i="1">
+                              <a:solidFill>
+                                <a:srgbClr val="FF0000"/>
+                              </a:solidFill>
+                              <a:latin typeface="DejaVu Math TeX Gyre" panose="02000503000000000000" charset="0"/>
+                              <a:cs typeface="DejaVu Math TeX Gyre" panose="02000503000000000000" charset="0"/>
+                            </a:rPr>
+                            <m:t>2</m:t>
+                          </m:r>
+                        </m:sub>
+                      </m:sSub>
+                    </m:oMath>
+                  </m:oMathPara>
+                </a14:m>
+                <a:endParaRPr lang="en-US" altLang="zh-CN" i="1">
+                  <a:solidFill>
+                    <a:srgbClr val="FF0000"/>
+                  </a:solidFill>
+                  <a:latin typeface="DejaVu Math TeX Gyre" panose="02000503000000000000" charset="0"/>
+                  <a:cs typeface="DejaVu Math TeX Gyre" panose="02000503000000000000" charset="0"/>
+                </a:endParaRPr>
+              </a:p>
+            </p:txBody>
+          </p:sp>
+        </mc:Choice>
+        <mc:Fallback>
+          <p:sp>
+            <p:nvSpPr>
+              <p:cNvPr id="64" name="文本框 63"/>
+              <p:cNvSpPr txBox="1">
+                <a:spLocks noRot="1" noChangeAspect="1" noMove="1" noResize="1" noEditPoints="1" noAdjustHandles="1" noChangeArrowheads="1" noChangeShapeType="1" noTextEdit="1"/>
+              </p:cNvSpPr>
+              <p:nvPr>
+                <p:custDataLst>
+                  <p:tags r:id="rId19"/>
+                </p:custDataLst>
+              </p:nvPr>
+            </p:nvSpPr>
+            <p:spPr>
+              <a:xfrm>
+                <a:off x="5478082" y="3063494"/>
+                <a:ext cx="481965" cy="368300"/>
+              </a:xfrm>
+              <a:prstGeom prst="rect">
+                <a:avLst/>
+              </a:prstGeom>
+              <a:blipFill rotWithShape="1">
+                <a:blip r:embed="rId20"/>
+                <a:stretch>
+                  <a:fillRect l="-119" t="-69" r="119" b="69"/>
+                </a:stretch>
+              </a:blipFill>
+            </p:spPr>
+            <p:txBody>
+              <a:bodyPr/>
+              <a:lstStyle/>
+              <a:p>
+                <a:r>
+                  <a:rPr lang="zh-CN" altLang="en-US">
+                    <a:noFill/>
+                  </a:rPr>
+                  <a:t> </a:t>
+                </a:r>
+              </a:p>
+            </p:txBody>
+          </p:sp>
+        </mc:Fallback>
+      </mc:AlternateContent>
+      <p:sp>
+        <p:nvSpPr>
+          <p:cNvPr id="65" name="圆角矩形 64"/>
+          <p:cNvSpPr/>
+          <p:nvPr>
+            <p:custDataLst>
+              <p:tags r:id="rId21"/>
+            </p:custDataLst>
+          </p:nvPr>
+        </p:nvSpPr>
+        <p:spPr>
+          <a:xfrm>
+            <a:off x="3448050" y="2694940"/>
+            <a:ext cx="464820" cy="1350010"/>
+          </a:xfrm>
+          <a:prstGeom prst="roundRect">
+            <a:avLst/>
+          </a:prstGeom>
+          <a:noFill/>
+          <a:ln w="19050" cap="flat" cmpd="sng">
+            <a:solidFill>
+              <a:srgbClr val="0070C0"/>
+            </a:solidFill>
+            <a:prstDash val="dash"/>
+            <a:miter lim="800000"/>
+          </a:ln>
+        </p:spPr>
+        <p:style>
+          <a:lnRef idx="2">
+            <a:schemeClr val="accent1"/>
+          </a:lnRef>
+          <a:fillRef idx="0">
+            <a:srgbClr val="FFFFFF"/>
+          </a:fillRef>
+          <a:effectRef idx="0">
+            <a:srgbClr val="FFFFFF"/>
+          </a:effectRef>
+          <a:fontRef idx="minor">
+            <a:schemeClr val="dk1"/>
+          </a:fontRef>
+        </p:style>
+        <p:txBody>
+          <a:bodyPr rtlCol="0" anchor="ctr"/>
+          <a:p>
+            <a:pPr algn="ctr"/>
+            <a:endParaRPr lang="zh-CN" altLang="en-US">
+              <a:gradFill>
+                <a:gsLst>
+                  <a:gs pos="0">
+                    <a:srgbClr val="FE4444"/>
+                  </a:gs>
+                  <a:gs pos="100000">
+                    <a:srgbClr val="832B2B"/>
+                  </a:gs>
+                </a:gsLst>
+                <a:lin ang="5400000" scaled="0"/>
+              </a:gradFill>
+            </a:endParaRPr>
+          </a:p>
+        </p:txBody>
+      </p:sp>
+      <p:sp>
+        <p:nvSpPr>
+          <p:cNvPr id="66" name="圆角矩形 65"/>
+          <p:cNvSpPr/>
+          <p:nvPr>
+            <p:custDataLst>
+              <p:tags r:id="rId22"/>
+            </p:custDataLst>
+          </p:nvPr>
+        </p:nvSpPr>
+        <p:spPr>
+          <a:xfrm>
+            <a:off x="5478145" y="2694940"/>
+            <a:ext cx="464820" cy="1350010"/>
+          </a:xfrm>
+          <a:prstGeom prst="roundRect">
+            <a:avLst/>
+          </a:prstGeom>
+          <a:noFill/>
+          <a:ln w="19050" cap="flat" cmpd="sng">
+            <a:solidFill>
+              <a:srgbClr val="FF8D41"/>
+            </a:solidFill>
+            <a:prstDash val="dash"/>
+            <a:miter lim="800000"/>
+          </a:ln>
+        </p:spPr>
+        <p:style>
+          <a:lnRef idx="2">
+            <a:schemeClr val="accent1"/>
+          </a:lnRef>
+          <a:fillRef idx="0">
+            <a:srgbClr val="FFFFFF"/>
+          </a:fillRef>
+          <a:effectRef idx="0">
+            <a:srgbClr val="FFFFFF"/>
+          </a:effectRef>
+          <a:fontRef idx="minor">
+            <a:schemeClr val="dk1"/>
+          </a:fontRef>
+        </p:style>
+        <p:txBody>
+          <a:bodyPr rtlCol="0" anchor="ctr"/>
+          <a:p>
+            <a:pPr algn="ctr"/>
+            <a:endParaRPr lang="zh-CN" altLang="en-US">
+              <a:gradFill>
+                <a:gsLst>
+                  <a:gs pos="0">
+                    <a:srgbClr val="FE4444"/>
+                  </a:gs>
+                  <a:gs pos="100000">
+                    <a:srgbClr val="832B2B"/>
+                  </a:gs>
+                </a:gsLst>
+                <a:lin ang="5400000" scaled="0"/>
+              </a:gradFill>
+            </a:endParaRPr>
+          </a:p>
+        </p:txBody>
+      </p:sp>
+      <p:sp>
+        <p:nvSpPr>
+          <p:cNvPr id="67" name="下箭头 66"/>
+          <p:cNvSpPr/>
+          <p:nvPr>
+            <p:custDataLst>
+              <p:tags r:id="rId23"/>
+            </p:custDataLst>
+          </p:nvPr>
+        </p:nvSpPr>
+        <p:spPr>
+          <a:xfrm>
+            <a:off x="3333750" y="2352040"/>
+            <a:ext cx="692785" cy="227965"/>
+          </a:xfrm>
+          <a:prstGeom prst="downArrow">
+            <a:avLst/>
+          </a:prstGeom>
+        </p:spPr>
+        <p:style>
+          <a:lnRef idx="2">
+            <a:schemeClr val="accent1">
+              <a:shade val="50000"/>
+            </a:schemeClr>
+          </a:lnRef>
+          <a:fillRef idx="1">
+            <a:schemeClr val="accent1"/>
+          </a:fillRef>
+          <a:effectRef idx="0">
+            <a:schemeClr val="accent1"/>
+          </a:effectRef>
+          <a:fontRef idx="minor">
+            <a:schemeClr val="lt1"/>
+          </a:fontRef>
+        </p:style>
+        <p:txBody>
+          <a:bodyPr rtlCol="0" anchor="ctr"/>
+          <a:p>
+            <a:pPr algn="ctr"/>
+            <a:endParaRPr lang="zh-CN" altLang="en-US"/>
+          </a:p>
+        </p:txBody>
+      </p:sp>
+      <p:sp>
+        <p:nvSpPr>
+          <p:cNvPr id="68" name="下箭头 67"/>
+          <p:cNvSpPr/>
+          <p:nvPr>
+            <p:custDataLst>
+              <p:tags r:id="rId24"/>
+            </p:custDataLst>
+          </p:nvPr>
+        </p:nvSpPr>
+        <p:spPr>
+          <a:xfrm>
+            <a:off x="5363845" y="2352040"/>
+            <a:ext cx="692785" cy="227965"/>
+          </a:xfrm>
+          <a:prstGeom prst="downArrow">
+            <a:avLst/>
+          </a:prstGeom>
+        </p:spPr>
+        <p:style>
+          <a:lnRef idx="2">
+            <a:schemeClr val="accent1">
+              <a:shade val="50000"/>
+            </a:schemeClr>
+          </a:lnRef>
+          <a:fillRef idx="1">
+            <a:schemeClr val="accent1"/>
+          </a:fillRef>
+          <a:effectRef idx="0">
+            <a:schemeClr val="accent1"/>
+          </a:effectRef>
+          <a:fontRef idx="minor">
+            <a:schemeClr val="lt1"/>
+          </a:fontRef>
+        </p:style>
+        <p:txBody>
+          <a:bodyPr rtlCol="0" anchor="ctr"/>
+          <a:p>
+            <a:pPr algn="ctr"/>
+            <a:endParaRPr lang="zh-CN" altLang="en-US"/>
+          </a:p>
+        </p:txBody>
+      </p:sp>
+      <p:sp>
+        <p:nvSpPr>
+          <p:cNvPr id="69" name="文本框 68"/>
+          <p:cNvSpPr txBox="1"/>
+          <p:nvPr>
+            <p:custDataLst>
+              <p:tags r:id="rId25"/>
+            </p:custDataLst>
+          </p:nvPr>
+        </p:nvSpPr>
+        <p:spPr>
+          <a:xfrm>
+            <a:off x="3131185" y="1868805"/>
+            <a:ext cx="1097280" cy="368300"/>
+          </a:xfrm>
+          <a:prstGeom prst="rect">
+            <a:avLst/>
+          </a:prstGeom>
+          <a:noFill/>
+        </p:spPr>
+        <p:txBody>
+          <a:bodyPr wrap="none" rtlCol="0">
+            <a:spAutoFit/>
+          </a:bodyPr>
+          <a:p>
+            <a:r>
+              <a:rPr lang="zh-CN" altLang="en-US">
+                <a:latin typeface="楷体" charset="0"/>
+                <a:ea typeface="楷体" charset="0"/>
+              </a:rPr>
+              <a:t>固定参数</a:t>
+            </a:r>
+            <a:endParaRPr lang="zh-CN" altLang="en-US">
+              <a:latin typeface="楷体" charset="0"/>
+              <a:ea typeface="楷体" charset="0"/>
+            </a:endParaRPr>
+          </a:p>
+        </p:txBody>
+      </p:sp>
+      <p:sp>
+        <p:nvSpPr>
+          <p:cNvPr id="70" name="文本框 69"/>
+          <p:cNvSpPr txBox="1"/>
+          <p:nvPr>
+            <p:custDataLst>
+              <p:tags r:id="rId26"/>
+            </p:custDataLst>
+          </p:nvPr>
+        </p:nvSpPr>
+        <p:spPr>
+          <a:xfrm>
+            <a:off x="5056505" y="1868805"/>
+            <a:ext cx="1325880" cy="368300"/>
+          </a:xfrm>
+          <a:prstGeom prst="rect">
+            <a:avLst/>
+          </a:prstGeom>
+          <a:noFill/>
+        </p:spPr>
+        <p:txBody>
+          <a:bodyPr wrap="none" rtlCol="0">
+            <a:spAutoFit/>
+          </a:bodyPr>
+          <a:p>
+            <a:r>
+              <a:rPr lang="zh-CN" altLang="en-US">
+                <a:latin typeface="楷体" charset="0"/>
+                <a:ea typeface="楷体" charset="0"/>
+              </a:rPr>
+              <a:t>待训练参数</a:t>
+            </a:r>
+            <a:endParaRPr lang="zh-CN" altLang="en-US">
+              <a:latin typeface="楷体" charset="0"/>
+              <a:ea typeface="楷体" charset="0"/>
+            </a:endParaRPr>
+          </a:p>
+        </p:txBody>
+      </p:sp>
+      <p:sp>
+        <p:nvSpPr>
+          <p:cNvPr id="71" name="文本框 70"/>
+          <p:cNvSpPr txBox="1"/>
+          <p:nvPr>
+            <p:custDataLst>
+              <p:tags r:id="rId27"/>
+            </p:custDataLst>
+          </p:nvPr>
+        </p:nvSpPr>
+        <p:spPr>
+          <a:xfrm>
+            <a:off x="3945255" y="1157605"/>
+            <a:ext cx="1328420" cy="368300"/>
+          </a:xfrm>
+          <a:prstGeom prst="rect">
+            <a:avLst/>
+          </a:prstGeom>
+          <a:noFill/>
+        </p:spPr>
+        <p:txBody>
+          <a:bodyPr wrap="square" rtlCol="0">
+            <a:spAutoFit/>
+          </a:bodyPr>
+          <a:p>
+            <a:r>
+              <a:rPr lang="en-US" altLang="zh-CN">
+                <a:solidFill>
+                  <a:schemeClr val="accent4">
+                    <a:lumMod val="75000"/>
+                  </a:schemeClr>
+                </a:solidFill>
+              </a:rPr>
+              <a:t>Local Net</a:t>
+            </a:r>
+            <a:endParaRPr lang="en-US" altLang="zh-CN">
+              <a:solidFill>
+                <a:schemeClr val="accent4">
+                  <a:lumMod val="75000"/>
+                </a:schemeClr>
+              </a:solidFill>
+            </a:endParaRPr>
+          </a:p>
+        </p:txBody>
+      </p:sp>
+      <p:sp>
+        <p:nvSpPr>
+          <p:cNvPr id="72" name="圆角矩形 71"/>
+          <p:cNvSpPr/>
+          <p:nvPr>
+            <p:custDataLst>
+              <p:tags r:id="rId28"/>
+            </p:custDataLst>
+          </p:nvPr>
+        </p:nvSpPr>
+        <p:spPr>
+          <a:xfrm>
+            <a:off x="8073390" y="1144270"/>
+            <a:ext cx="766445" cy="3328670"/>
+          </a:xfrm>
+          <a:prstGeom prst="roundRect">
+            <a:avLst/>
+          </a:prstGeom>
+          <a:noFill/>
+          <a:ln w="19050" cap="flat" cmpd="sng">
+            <a:solidFill>
+              <a:schemeClr val="tx1"/>
+            </a:solidFill>
+            <a:prstDash val="dash"/>
+            <a:miter lim="800000"/>
+          </a:ln>
+        </p:spPr>
+        <p:style>
+          <a:lnRef idx="2">
+            <a:schemeClr val="accent1"/>
+          </a:lnRef>
+          <a:fillRef idx="0">
+            <a:srgbClr val="FFFFFF"/>
+          </a:fillRef>
+          <a:effectRef idx="0">
+            <a:srgbClr val="FFFFFF"/>
+          </a:effectRef>
+          <a:fontRef idx="minor">
+            <a:schemeClr val="dk1"/>
+          </a:fontRef>
+        </p:style>
+        <p:txBody>
+          <a:bodyPr rtlCol="0" anchor="ctr"/>
+          <a:p>
+            <a:pPr algn="ctr"/>
+            <a:endParaRPr lang="zh-CN" altLang="en-US">
+              <a:gradFill>
+                <a:gsLst>
+                  <a:gs pos="0">
+                    <a:srgbClr val="FE4444"/>
+                  </a:gs>
+                  <a:gs pos="100000">
+                    <a:srgbClr val="832B2B"/>
+                  </a:gs>
+                </a:gsLst>
+                <a:lin ang="5400000" scaled="0"/>
+              </a:gradFill>
+            </a:endParaRPr>
+          </a:p>
+        </p:txBody>
+      </p:sp>
+      <p:sp>
+        <p:nvSpPr>
+          <p:cNvPr id="73" name="文本框 72"/>
+          <p:cNvSpPr txBox="1"/>
+          <p:nvPr>
+            <p:custDataLst>
+              <p:tags r:id="rId29"/>
+            </p:custDataLst>
+          </p:nvPr>
+        </p:nvSpPr>
+        <p:spPr>
+          <a:xfrm>
+            <a:off x="8147050" y="1157605"/>
+            <a:ext cx="692785" cy="368300"/>
+          </a:xfrm>
+          <a:prstGeom prst="rect">
+            <a:avLst/>
+          </a:prstGeom>
+          <a:noFill/>
+        </p:spPr>
+        <p:txBody>
+          <a:bodyPr wrap="square" rtlCol="0">
+            <a:spAutoFit/>
+          </a:bodyPr>
+          <a:p>
+            <a:r>
+              <a:rPr lang="en-US" altLang="zh-CN">
+                <a:solidFill>
+                  <a:schemeClr val="accent5">
+                    <a:lumMod val="75000"/>
+                  </a:schemeClr>
+                </a:solidFill>
+              </a:rPr>
+              <a:t>PoU</a:t>
+            </a:r>
+            <a:endParaRPr lang="en-US" altLang="zh-CN">
+              <a:solidFill>
+                <a:schemeClr val="accent5">
+                  <a:lumMod val="75000"/>
+                </a:schemeClr>
+              </a:solidFill>
+            </a:endParaRPr>
+          </a:p>
+        </p:txBody>
+      </p:sp>
+      <p:grpSp>
+        <p:nvGrpSpPr>
+          <p:cNvPr id="79" name="组合 78"/>
+          <p:cNvGrpSpPr/>
+          <p:nvPr/>
+        </p:nvGrpSpPr>
+        <p:grpSpPr>
+          <a:xfrm>
+            <a:off x="8261985" y="3150870"/>
+            <a:ext cx="389255" cy="431165"/>
+            <a:chOff x="16141" y="3523"/>
+            <a:chExt cx="613" cy="679"/>
+          </a:xfrm>
+        </p:grpSpPr>
+        <p:sp>
+          <p:nvSpPr>
+            <p:cNvPr id="76" name="椭圆 75"/>
+            <p:cNvSpPr/>
+            <p:nvPr>
+              <p:custDataLst>
+                <p:tags r:id="rId30"/>
+              </p:custDataLst>
+            </p:nvPr>
+          </p:nvSpPr>
+          <p:spPr>
+            <a:xfrm>
+              <a:off x="16142" y="3523"/>
+              <a:ext cx="613" cy="613"/>
+            </a:xfrm>
+            <a:prstGeom prst="ellipse">
+              <a:avLst/>
+            </a:prstGeom>
+            <a:solidFill>
+              <a:schemeClr val="accent1">
+                <a:lumMod val="40000"/>
+                <a:lumOff val="60000"/>
+              </a:schemeClr>
+            </a:solidFill>
+          </p:spPr>
+          <p:style>
+            <a:lnRef idx="2">
+              <a:schemeClr val="accent1">
+                <a:shade val="50000"/>
+              </a:schemeClr>
+            </a:lnRef>
+            <a:fillRef idx="1">
+              <a:schemeClr val="accent1"/>
+            </a:fillRef>
+            <a:effectRef idx="0">
+              <a:schemeClr val="accent1"/>
+            </a:effectRef>
+            <a:fontRef idx="minor">
+              <a:schemeClr val="lt1"/>
+            </a:fontRef>
+          </p:style>
+          <p:txBody>
+            <a:bodyPr rtlCol="0" anchor="ctr"/>
+            <a:p>
+              <a:pPr algn="ctr"/>
+              <a:endParaRPr lang="zh-CN" altLang="en-US">
+                <a:solidFill>
+                  <a:srgbClr val="FF0000"/>
+                </a:solidFill>
+              </a:endParaRPr>
+            </a:p>
+          </p:txBody>
+        </p:sp>
+        <p:sp>
+          <p:nvSpPr>
+            <p:cNvPr id="77" name="文本框 76"/>
+            <p:cNvSpPr txBox="1"/>
+            <p:nvPr>
+              <p:custDataLst>
+                <p:tags r:id="rId31"/>
+              </p:custDataLst>
+            </p:nvPr>
+          </p:nvSpPr>
+          <p:spPr>
+            <a:xfrm>
+              <a:off x="16141" y="3574"/>
+              <a:ext cx="474" cy="628"/>
+            </a:xfrm>
+            <a:prstGeom prst="rect">
+              <a:avLst/>
+            </a:prstGeom>
+            <a:noFill/>
+          </p:spPr>
+          <p:txBody>
+            <a:bodyPr wrap="square" rtlCol="0">
+              <a:spAutoFit/>
+            </a:bodyPr>
+            <a:p>
+              <a:r>
+                <a:rPr lang="zh-CN" altLang="en-US" sz="2000">
+                  <a:solidFill>
+                    <a:srgbClr val="FF0000"/>
+                  </a:solidFill>
+                  <a:latin typeface="Arial" panose="020B0604020202090204" pitchFamily="34" charset="0"/>
+                  <a:cs typeface="Arial" panose="020B0604020202090204" pitchFamily="34" charset="0"/>
+                  <a:sym typeface="+mn-ea"/>
+                </a:rPr>
+                <a:t>Ψ</a:t>
+              </a:r>
+              <a:endParaRPr lang="en-US" altLang="zh-CN" sz="2000">
+                <a:ea typeface="楷体" charset="0"/>
+                <a:cs typeface="+mn-lt"/>
+              </a:endParaRPr>
+            </a:p>
+          </p:txBody>
+        </p:sp>
+      </p:grpSp>
+      <p:cxnSp>
+        <p:nvCxnSpPr>
+          <p:cNvPr id="80" name="直接箭头连接符 79"/>
+          <p:cNvCxnSpPr>
+            <a:endCxn id="77" idx="1"/>
+          </p:cNvCxnSpPr>
+          <p:nvPr>
+            <p:custDataLst>
+              <p:tags r:id="rId32"/>
+            </p:custDataLst>
+          </p:nvPr>
+        </p:nvCxnSpPr>
+        <p:spPr>
+          <a:xfrm>
+            <a:off x="7244715" y="3382645"/>
+            <a:ext cx="1017270" cy="0"/>
+          </a:xfrm>
+          <a:prstGeom prst="straightConnector1">
+            <a:avLst/>
+          </a:prstGeom>
+          <a:ln w="28575" cmpd="sng">
+            <a:solidFill>
+              <a:schemeClr val="accent2">
+                <a:lumMod val="75000"/>
+              </a:schemeClr>
+            </a:solidFill>
+            <a:prstDash val="solid"/>
+            <a:tailEnd type="triangle" w="lg" len="lg"/>
+          </a:ln>
+        </p:spPr>
+        <p:style>
+          <a:lnRef idx="2">
+            <a:schemeClr val="accent1"/>
+          </a:lnRef>
+          <a:fillRef idx="0">
+            <a:srgbClr val="FFFFFF"/>
+          </a:fillRef>
+          <a:effectRef idx="0">
+            <a:srgbClr val="FFFFFF"/>
+          </a:effectRef>
+          <a:fontRef idx="minor">
+            <a:schemeClr val="tx1"/>
+          </a:fontRef>
+        </p:style>
+      </p:cxnSp>
+    </p:spTree>
+  </p:cSld>
+  <p:clrMapOvr>
+    <a:masterClrMapping/>
+  </p:clrMapOvr>
+</p:sld>
+</file>
+
 <file path=ppt/tags/tag1.xml><?xml version="1.0" encoding="utf-8"?>
 <p:tagLst xmlns:p="http://schemas.openxmlformats.org/presentationml/2006/main">
   <p:tag name="KSO_WM_BEAUTIFY_FLAG" val=""/>
@@ -11508,6 +13103,18 @@
 </file>
 
 <file path=ppt/tags/tag10.xml><?xml version="1.0" encoding="utf-8"?>
+<p:tagLst xmlns:p="http://schemas.openxmlformats.org/presentationml/2006/main">
+  <p:tag name="KSO_WM_BEAUTIFY_FLAG" val=""/>
+</p:tagLst>
+</file>
+
+<file path=ppt/tags/tag100.xml><?xml version="1.0" encoding="utf-8"?>
+<p:tagLst xmlns:p="http://schemas.openxmlformats.org/presentationml/2006/main">
+  <p:tag name="KSO_WM_BEAUTIFY_FLAG" val=""/>
+</p:tagLst>
+</file>
+
+<file path=ppt/tags/tag101.xml><?xml version="1.0" encoding="utf-8"?>
 <p:tagLst xmlns:p="http://schemas.openxmlformats.org/presentationml/2006/main">
   <p:tag name="KSO_WM_BEAUTIFY_FLAG" val=""/>
 </p:tagLst>
@@ -11945,13 +13552,151 @@
 </p:tagLst>
 </file>
 
+<file path=ppt/tags/tag77.xml><?xml version="1.0" encoding="utf-8"?>
+<p:tagLst xmlns:p="http://schemas.openxmlformats.org/presentationml/2006/main">
+  <p:tag name="KSO_WM_BEAUTIFY_FLAG" val=""/>
+</p:tagLst>
+</file>
+
+<file path=ppt/tags/tag78.xml><?xml version="1.0" encoding="utf-8"?>
+<p:tagLst xmlns:p="http://schemas.openxmlformats.org/presentationml/2006/main">
+  <p:tag name="KSO_WM_BEAUTIFY_FLAG" val=""/>
+</p:tagLst>
+</file>
+
+<file path=ppt/tags/tag79.xml><?xml version="1.0" encoding="utf-8"?>
+<p:tagLst xmlns:p="http://schemas.openxmlformats.org/presentationml/2006/main">
+  <p:tag name="KSO_WM_BEAUTIFY_FLAG" val=""/>
+</p:tagLst>
+</file>
+
 <file path=ppt/tags/tag8.xml><?xml version="1.0" encoding="utf-8"?>
 <p:tagLst xmlns:p="http://schemas.openxmlformats.org/presentationml/2006/main">
   <p:tag name="KSO_WM_BEAUTIFY_FLAG" val=""/>
 </p:tagLst>
 </file>
 
+<file path=ppt/tags/tag80.xml><?xml version="1.0" encoding="utf-8"?>
+<p:tagLst xmlns:p="http://schemas.openxmlformats.org/presentationml/2006/main">
+  <p:tag name="KSO_WM_BEAUTIFY_FLAG" val=""/>
+</p:tagLst>
+</file>
+
+<file path=ppt/tags/tag81.xml><?xml version="1.0" encoding="utf-8"?>
+<p:tagLst xmlns:p="http://schemas.openxmlformats.org/presentationml/2006/main">
+  <p:tag name="KSO_WM_BEAUTIFY_FLAG" val=""/>
+</p:tagLst>
+</file>
+
+<file path=ppt/tags/tag82.xml><?xml version="1.0" encoding="utf-8"?>
+<p:tagLst xmlns:p="http://schemas.openxmlformats.org/presentationml/2006/main">
+  <p:tag name="KSO_WM_BEAUTIFY_FLAG" val=""/>
+</p:tagLst>
+</file>
+
+<file path=ppt/tags/tag83.xml><?xml version="1.0" encoding="utf-8"?>
+<p:tagLst xmlns:p="http://schemas.openxmlformats.org/presentationml/2006/main">
+  <p:tag name="KSO_WM_BEAUTIFY_FLAG" val=""/>
+</p:tagLst>
+</file>
+
+<file path=ppt/tags/tag84.xml><?xml version="1.0" encoding="utf-8"?>
+<p:tagLst xmlns:p="http://schemas.openxmlformats.org/presentationml/2006/main">
+  <p:tag name="KSO_WM_BEAUTIFY_FLAG" val=""/>
+</p:tagLst>
+</file>
+
+<file path=ppt/tags/tag85.xml><?xml version="1.0" encoding="utf-8"?>
+<p:tagLst xmlns:p="http://schemas.openxmlformats.org/presentationml/2006/main">
+  <p:tag name="KSO_WM_BEAUTIFY_FLAG" val=""/>
+</p:tagLst>
+</file>
+
+<file path=ppt/tags/tag86.xml><?xml version="1.0" encoding="utf-8"?>
+<p:tagLst xmlns:p="http://schemas.openxmlformats.org/presentationml/2006/main">
+  <p:tag name="KSO_WM_BEAUTIFY_FLAG" val=""/>
+</p:tagLst>
+</file>
+
+<file path=ppt/tags/tag87.xml><?xml version="1.0" encoding="utf-8"?>
+<p:tagLst xmlns:p="http://schemas.openxmlformats.org/presentationml/2006/main">
+  <p:tag name="KSO_WM_BEAUTIFY_FLAG" val=""/>
+</p:tagLst>
+</file>
+
+<file path=ppt/tags/tag88.xml><?xml version="1.0" encoding="utf-8"?>
+<p:tagLst xmlns:p="http://schemas.openxmlformats.org/presentationml/2006/main">
+  <p:tag name="KSO_WM_BEAUTIFY_FLAG" val=""/>
+</p:tagLst>
+</file>
+
+<file path=ppt/tags/tag89.xml><?xml version="1.0" encoding="utf-8"?>
+<p:tagLst xmlns:p="http://schemas.openxmlformats.org/presentationml/2006/main">
+  <p:tag name="KSO_WM_BEAUTIFY_FLAG" val=""/>
+</p:tagLst>
+</file>
+
 <file path=ppt/tags/tag9.xml><?xml version="1.0" encoding="utf-8"?>
+<p:tagLst xmlns:p="http://schemas.openxmlformats.org/presentationml/2006/main">
+  <p:tag name="KSO_WM_BEAUTIFY_FLAG" val=""/>
+</p:tagLst>
+</file>
+
+<file path=ppt/tags/tag90.xml><?xml version="1.0" encoding="utf-8"?>
+<p:tagLst xmlns:p="http://schemas.openxmlformats.org/presentationml/2006/main">
+  <p:tag name="KSO_WM_BEAUTIFY_FLAG" val=""/>
+</p:tagLst>
+</file>
+
+<file path=ppt/tags/tag91.xml><?xml version="1.0" encoding="utf-8"?>
+<p:tagLst xmlns:p="http://schemas.openxmlformats.org/presentationml/2006/main">
+  <p:tag name="KSO_WM_BEAUTIFY_FLAG" val=""/>
+</p:tagLst>
+</file>
+
+<file path=ppt/tags/tag92.xml><?xml version="1.0" encoding="utf-8"?>
+<p:tagLst xmlns:p="http://schemas.openxmlformats.org/presentationml/2006/main">
+  <p:tag name="KSO_WM_BEAUTIFY_FLAG" val=""/>
+</p:tagLst>
+</file>
+
+<file path=ppt/tags/tag93.xml><?xml version="1.0" encoding="utf-8"?>
+<p:tagLst xmlns:p="http://schemas.openxmlformats.org/presentationml/2006/main">
+  <p:tag name="KSO_WM_BEAUTIFY_FLAG" val=""/>
+</p:tagLst>
+</file>
+
+<file path=ppt/tags/tag94.xml><?xml version="1.0" encoding="utf-8"?>
+<p:tagLst xmlns:p="http://schemas.openxmlformats.org/presentationml/2006/main">
+  <p:tag name="KSO_WM_BEAUTIFY_FLAG" val=""/>
+</p:tagLst>
+</file>
+
+<file path=ppt/tags/tag95.xml><?xml version="1.0" encoding="utf-8"?>
+<p:tagLst xmlns:p="http://schemas.openxmlformats.org/presentationml/2006/main">
+  <p:tag name="KSO_WM_BEAUTIFY_FLAG" val=""/>
+</p:tagLst>
+</file>
+
+<file path=ppt/tags/tag96.xml><?xml version="1.0" encoding="utf-8"?>
+<p:tagLst xmlns:p="http://schemas.openxmlformats.org/presentationml/2006/main">
+  <p:tag name="KSO_WM_BEAUTIFY_FLAG" val=""/>
+</p:tagLst>
+</file>
+
+<file path=ppt/tags/tag97.xml><?xml version="1.0" encoding="utf-8"?>
+<p:tagLst xmlns:p="http://schemas.openxmlformats.org/presentationml/2006/main">
+  <p:tag name="KSO_WM_BEAUTIFY_FLAG" val=""/>
+</p:tagLst>
+</file>
+
+<file path=ppt/tags/tag98.xml><?xml version="1.0" encoding="utf-8"?>
+<p:tagLst xmlns:p="http://schemas.openxmlformats.org/presentationml/2006/main">
+  <p:tag name="KSO_WM_BEAUTIFY_FLAG" val=""/>
+</p:tagLst>
+</file>
+
+<file path=ppt/tags/tag99.xml><?xml version="1.0" encoding="utf-8"?>
 <p:tagLst xmlns:p="http://schemas.openxmlformats.org/presentationml/2006/main">
   <p:tag name="KSO_WM_BEAUTIFY_FLAG" val=""/>
 </p:tagLst>

--- a/MLDA/论文画图.pptx
+++ b/MLDA/论文画图.pptx
@@ -8,7 +8,7 @@
     <p:notesMasterId r:id="rId4"/>
   </p:notesMasterIdLst>
   <p:handoutMasterIdLst>
-    <p:handoutMasterId r:id="rId12"/>
+    <p:handoutMasterId r:id="rId14"/>
   </p:handoutMasterIdLst>
   <p:sldIdLst>
     <p:sldId id="256" r:id="rId3"/>
@@ -19,13 +19,15 @@
     <p:sldId id="261" r:id="rId9"/>
     <p:sldId id="262" r:id="rId10"/>
     <p:sldId id="264" r:id="rId11"/>
+    <p:sldId id="266" r:id="rId12"/>
+    <p:sldId id="265" r:id="rId13"/>
   </p:sldIdLst>
   <p:sldSz cx="12192000" cy="6858000"/>
   <p:notesSz cx="7103745" cy="10234295"/>
   <p:embeddedFontLst>
     <p:embeddedFont>
       <p:font typeface="DejaVu Math TeX Gyre" panose="02000503000000000000" charset="0"/>
-      <p:regular r:id="rId17"/>
+      <p:regular r:id="rId19"/>
     </p:embeddedFont>
   </p:embeddedFontLst>
   <p:defaultTextStyle>
@@ -126,7 +128,7 @@
   <p:extLst>
     <p:ext uri="{EFAFB233-063F-42B5-8137-9DF3F51BA10A}">
       <p15:sldGuideLst xmlns:p15="http://schemas.microsoft.com/office/powerpoint/2012/main">
-        <p15:guide id="1" orient="horz" pos="2256" userDrawn="1">
+        <p15:guide id="1" orient="horz" pos="2192" userDrawn="1">
           <p15:clr>
             <a:srgbClr val="A4A3A4"/>
           </p15:clr>
@@ -731,6 +733,84 @@
 </p:notes>
 </file>
 
+<file path=ppt/notesSlides/notesSlide10.xml><?xml version="1.0" encoding="utf-8"?>
+<p:notes xmlns:a="http://schemas.openxmlformats.org/drawingml/2006/main" xmlns:r="http://schemas.openxmlformats.org/officeDocument/2006/relationships" xmlns:p="http://schemas.openxmlformats.org/presentationml/2006/main">
+  <p:cSld>
+    <p:spTree>
+      <p:nvGrpSpPr>
+        <p:cNvPr id="1" name=""/>
+        <p:cNvGrpSpPr/>
+        <p:nvPr/>
+      </p:nvGrpSpPr>
+      <p:grpSpPr>
+        <a:xfrm>
+          <a:off x="0" y="0"/>
+          <a:ext cx="0" cy="0"/>
+          <a:chOff x="0" y="0"/>
+          <a:chExt cx="0" cy="0"/>
+        </a:xfrm>
+      </p:grpSpPr>
+      <p:sp>
+        <p:nvSpPr>
+          <p:cNvPr id="2" name="幻灯片图像占位符 1"/>
+          <p:cNvSpPr>
+            <a:spLocks noGrp="1" noRot="1" noChangeAspect="1"/>
+          </p:cNvSpPr>
+          <p:nvPr>
+            <p:ph type="sldImg"/>
+          </p:nvPr>
+        </p:nvSpPr>
+        <p:spPr/>
+      </p:sp>
+      <p:sp>
+        <p:nvSpPr>
+          <p:cNvPr id="3" name="备注占位符 2"/>
+          <p:cNvSpPr>
+            <a:spLocks noGrp="1"/>
+          </p:cNvSpPr>
+          <p:nvPr>
+            <p:ph type="body" idx="1"/>
+          </p:nvPr>
+        </p:nvSpPr>
+        <p:spPr/>
+        <p:txBody>
+          <a:bodyPr/>
+          <a:lstStyle/>
+          <a:p>
+            <a:endParaRPr kumimoji="1" lang="zh-CN" altLang="en-US"/>
+          </a:p>
+        </p:txBody>
+      </p:sp>
+      <p:sp>
+        <p:nvSpPr>
+          <p:cNvPr id="4" name="灯片编号占位符 3"/>
+          <p:cNvSpPr>
+            <a:spLocks noGrp="1"/>
+          </p:cNvSpPr>
+          <p:nvPr>
+            <p:ph type="sldNum" sz="quarter" idx="5"/>
+          </p:nvPr>
+        </p:nvSpPr>
+        <p:spPr/>
+        <p:txBody>
+          <a:bodyPr/>
+          <a:lstStyle/>
+          <a:p>
+            <a:fld id="{85D0DACE-38E0-42D2-9336-2B707D34BC6D}" type="slidenum">
+              <a:rPr lang="zh-CN" altLang="en-US" smtClean="0"/>
+            </a:fld>
+            <a:endParaRPr lang="zh-CN" altLang="en-US"/>
+          </a:p>
+        </p:txBody>
+      </p:sp>
+    </p:spTree>
+  </p:cSld>
+  <p:clrMapOvr>
+    <a:masterClrMapping/>
+  </p:clrMapOvr>
+</p:notes>
+</file>
+
 <file path=ppt/notesSlides/notesSlide2.xml><?xml version="1.0" encoding="utf-8"?>
 <p:notes xmlns:a="http://schemas.openxmlformats.org/drawingml/2006/main" xmlns:r="http://schemas.openxmlformats.org/officeDocument/2006/relationships" xmlns:p="http://schemas.openxmlformats.org/presentationml/2006/main">
   <p:cSld>
@@ -1200,6 +1280,84 @@
 </file>
 
 <file path=ppt/notesSlides/notesSlide8.xml><?xml version="1.0" encoding="utf-8"?>
+<p:notes xmlns:a="http://schemas.openxmlformats.org/drawingml/2006/main" xmlns:r="http://schemas.openxmlformats.org/officeDocument/2006/relationships" xmlns:p="http://schemas.openxmlformats.org/presentationml/2006/main">
+  <p:cSld>
+    <p:spTree>
+      <p:nvGrpSpPr>
+        <p:cNvPr id="1" name=""/>
+        <p:cNvGrpSpPr/>
+        <p:nvPr/>
+      </p:nvGrpSpPr>
+      <p:grpSpPr>
+        <a:xfrm>
+          <a:off x="0" y="0"/>
+          <a:ext cx="0" cy="0"/>
+          <a:chOff x="0" y="0"/>
+          <a:chExt cx="0" cy="0"/>
+        </a:xfrm>
+      </p:grpSpPr>
+      <p:sp>
+        <p:nvSpPr>
+          <p:cNvPr id="2" name="幻灯片图像占位符 1"/>
+          <p:cNvSpPr>
+            <a:spLocks noGrp="1" noRot="1" noChangeAspect="1"/>
+          </p:cNvSpPr>
+          <p:nvPr>
+            <p:ph type="sldImg"/>
+          </p:nvPr>
+        </p:nvSpPr>
+        <p:spPr/>
+      </p:sp>
+      <p:sp>
+        <p:nvSpPr>
+          <p:cNvPr id="3" name="备注占位符 2"/>
+          <p:cNvSpPr>
+            <a:spLocks noGrp="1"/>
+          </p:cNvSpPr>
+          <p:nvPr>
+            <p:ph type="body" idx="1"/>
+          </p:nvPr>
+        </p:nvSpPr>
+        <p:spPr/>
+        <p:txBody>
+          <a:bodyPr/>
+          <a:lstStyle/>
+          <a:p>
+            <a:endParaRPr kumimoji="1" lang="zh-CN" altLang="en-US"/>
+          </a:p>
+        </p:txBody>
+      </p:sp>
+      <p:sp>
+        <p:nvSpPr>
+          <p:cNvPr id="4" name="灯片编号占位符 3"/>
+          <p:cNvSpPr>
+            <a:spLocks noGrp="1"/>
+          </p:cNvSpPr>
+          <p:nvPr>
+            <p:ph type="sldNum" sz="quarter" idx="5"/>
+          </p:nvPr>
+        </p:nvSpPr>
+        <p:spPr/>
+        <p:txBody>
+          <a:bodyPr/>
+          <a:lstStyle/>
+          <a:p>
+            <a:fld id="{85D0DACE-38E0-42D2-9336-2B707D34BC6D}" type="slidenum">
+              <a:rPr lang="zh-CN" altLang="en-US" smtClean="0"/>
+            </a:fld>
+            <a:endParaRPr lang="zh-CN" altLang="en-US"/>
+          </a:p>
+        </p:txBody>
+      </p:sp>
+    </p:spTree>
+  </p:cSld>
+  <p:clrMapOvr>
+    <a:masterClrMapping/>
+  </p:clrMapOvr>
+</p:notes>
+</file>
+
+<file path=ppt/notesSlides/notesSlide9.xml><?xml version="1.0" encoding="utf-8"?>
 <p:notes xmlns:a="http://schemas.openxmlformats.org/drawingml/2006/main" xmlns:r="http://schemas.openxmlformats.org/officeDocument/2006/relationships" xmlns:p="http://schemas.openxmlformats.org/presentationml/2006/main">
   <p:cSld>
     <p:spTree>
@@ -5375,6 +5533,1486 @@
               <a:t>Trunk Net</a:t>
             </a:r>
             <a:endParaRPr lang="en-US" altLang="zh-CN"/>
+          </a:p>
+        </p:txBody>
+      </p:sp>
+    </p:spTree>
+  </p:cSld>
+  <p:clrMapOvr>
+    <a:masterClrMapping/>
+  </p:clrMapOvr>
+</p:sld>
+</file>
+
+<file path=ppt/slides/slide10.xml><?xml version="1.0" encoding="utf-8"?>
+<p:sld xmlns:a="http://schemas.openxmlformats.org/drawingml/2006/main" xmlns:r="http://schemas.openxmlformats.org/officeDocument/2006/relationships" xmlns:p="http://schemas.openxmlformats.org/presentationml/2006/main">
+  <p:cSld>
+    <p:spTree>
+      <p:nvGrpSpPr>
+        <p:cNvPr id="1" name=""/>
+        <p:cNvGrpSpPr/>
+        <p:nvPr/>
+      </p:nvGrpSpPr>
+      <p:grpSpPr>
+        <a:xfrm>
+          <a:off x="0" y="0"/>
+          <a:ext cx="0" cy="0"/>
+          <a:chOff x="0" y="0"/>
+          <a:chExt cx="0" cy="0"/>
+        </a:xfrm>
+      </p:grpSpPr>
+      <p:cxnSp>
+        <p:nvCxnSpPr>
+          <p:cNvPr id="2" name="直接箭头连接符 1"/>
+          <p:cNvCxnSpPr/>
+          <p:nvPr>
+            <p:custDataLst>
+              <p:tags r:id="rId1"/>
+            </p:custDataLst>
+          </p:nvPr>
+        </p:nvCxnSpPr>
+        <p:spPr>
+          <a:xfrm>
+            <a:off x="1403350" y="4772660"/>
+            <a:ext cx="4084955" cy="0"/>
+          </a:xfrm>
+          <a:prstGeom prst="straightConnector1">
+            <a:avLst/>
+          </a:prstGeom>
+          <a:ln w="28575" cap="flat" cmpd="sng">
+            <a:solidFill>
+              <a:schemeClr val="accent1">
+                <a:shade val="50000"/>
+              </a:schemeClr>
+            </a:solidFill>
+            <a:prstDash val="solid"/>
+            <a:miter lim="800000"/>
+            <a:headEnd type="none"/>
+            <a:tailEnd type="arrow" w="med" len="med"/>
+          </a:ln>
+        </p:spPr>
+        <p:style>
+          <a:lnRef idx="2">
+            <a:schemeClr val="accent1"/>
+          </a:lnRef>
+          <a:fillRef idx="0">
+            <a:srgbClr val="FFFFFF"/>
+          </a:fillRef>
+          <a:effectRef idx="0">
+            <a:srgbClr val="FFFFFF"/>
+          </a:effectRef>
+          <a:fontRef idx="minor">
+            <a:schemeClr val="tx1"/>
+          </a:fontRef>
+        </p:style>
+      </p:cxnSp>
+      <p:cxnSp>
+        <p:nvCxnSpPr>
+          <p:cNvPr id="7" name="直接箭头连接符 6"/>
+          <p:cNvCxnSpPr/>
+          <p:nvPr>
+            <p:custDataLst>
+              <p:tags r:id="rId2"/>
+            </p:custDataLst>
+          </p:nvPr>
+        </p:nvCxnSpPr>
+        <p:spPr>
+          <a:xfrm flipV="1">
+            <a:off x="1821815" y="2193925"/>
+            <a:ext cx="0" cy="3114675"/>
+          </a:xfrm>
+          <a:prstGeom prst="straightConnector1">
+            <a:avLst/>
+          </a:prstGeom>
+          <a:ln w="28575" cap="flat" cmpd="sng">
+            <a:solidFill>
+              <a:schemeClr val="accent1">
+                <a:shade val="50000"/>
+              </a:schemeClr>
+            </a:solidFill>
+            <a:prstDash val="solid"/>
+            <a:miter lim="800000"/>
+            <a:headEnd type="none"/>
+            <a:tailEnd type="arrow" w="med" len="med"/>
+          </a:ln>
+        </p:spPr>
+        <p:style>
+          <a:lnRef idx="2">
+            <a:schemeClr val="accent1"/>
+          </a:lnRef>
+          <a:fillRef idx="0">
+            <a:srgbClr val="FFFFFF"/>
+          </a:fillRef>
+          <a:effectRef idx="0">
+            <a:srgbClr val="FFFFFF"/>
+          </a:effectRef>
+          <a:fontRef idx="minor">
+            <a:schemeClr val="tx1"/>
+          </a:fontRef>
+        </p:style>
+      </p:cxnSp>
+      <p:cxnSp>
+        <p:nvCxnSpPr>
+          <p:cNvPr id="10" name="直接连接符 9"/>
+          <p:cNvCxnSpPr/>
+          <p:nvPr>
+            <p:custDataLst>
+              <p:tags r:id="rId3"/>
+            </p:custDataLst>
+          </p:nvPr>
+        </p:nvCxnSpPr>
+        <p:spPr>
+          <a:xfrm>
+            <a:off x="1834515" y="3016885"/>
+            <a:ext cx="2456180" cy="0"/>
+          </a:xfrm>
+          <a:prstGeom prst="line">
+            <a:avLst/>
+          </a:prstGeom>
+          <a:ln w="28575" cmpd="sng">
+            <a:solidFill>
+              <a:schemeClr val="accent1">
+                <a:shade val="50000"/>
+              </a:schemeClr>
+            </a:solidFill>
+            <a:prstDash val="solid"/>
+          </a:ln>
+        </p:spPr>
+        <p:style>
+          <a:lnRef idx="2">
+            <a:schemeClr val="accent1"/>
+          </a:lnRef>
+          <a:fillRef idx="0">
+            <a:srgbClr val="FFFFFF"/>
+          </a:fillRef>
+          <a:effectRef idx="0">
+            <a:srgbClr val="FFFFFF"/>
+          </a:effectRef>
+          <a:fontRef idx="minor">
+            <a:schemeClr val="tx1"/>
+          </a:fontRef>
+        </p:style>
+      </p:cxnSp>
+      <p:cxnSp>
+        <p:nvCxnSpPr>
+          <p:cNvPr id="11" name="直接连接符 10"/>
+          <p:cNvCxnSpPr/>
+          <p:nvPr>
+            <p:custDataLst>
+              <p:tags r:id="rId4"/>
+            </p:custDataLst>
+          </p:nvPr>
+        </p:nvCxnSpPr>
+        <p:spPr>
+          <a:xfrm>
+            <a:off x="4290060" y="3002915"/>
+            <a:ext cx="0" cy="1772285"/>
+          </a:xfrm>
+          <a:prstGeom prst="line">
+            <a:avLst/>
+          </a:prstGeom>
+          <a:ln w="28575" cmpd="sng">
+            <a:solidFill>
+              <a:schemeClr val="accent1">
+                <a:shade val="50000"/>
+              </a:schemeClr>
+            </a:solidFill>
+            <a:prstDash val="solid"/>
+          </a:ln>
+        </p:spPr>
+        <p:style>
+          <a:lnRef idx="2">
+            <a:schemeClr val="accent1"/>
+          </a:lnRef>
+          <a:fillRef idx="0">
+            <a:srgbClr val="FFFFFF"/>
+          </a:fillRef>
+          <a:effectRef idx="0">
+            <a:srgbClr val="FFFFFF"/>
+          </a:effectRef>
+          <a:fontRef idx="minor">
+            <a:schemeClr val="tx1"/>
+          </a:fontRef>
+        </p:style>
+      </p:cxnSp>
+      <p:cxnSp>
+        <p:nvCxnSpPr>
+          <p:cNvPr id="12" name="直接连接符 11"/>
+          <p:cNvCxnSpPr/>
+          <p:nvPr>
+            <p:custDataLst>
+              <p:tags r:id="rId5"/>
+            </p:custDataLst>
+          </p:nvPr>
+        </p:nvCxnSpPr>
+        <p:spPr>
+          <a:xfrm>
+            <a:off x="1821815" y="3895090"/>
+            <a:ext cx="2456180" cy="0"/>
+          </a:xfrm>
+          <a:prstGeom prst="line">
+            <a:avLst/>
+          </a:prstGeom>
+          <a:ln w="28575" cmpd="sng">
+            <a:solidFill>
+              <a:schemeClr val="accent2"/>
+            </a:solidFill>
+            <a:prstDash val="sysDot"/>
+          </a:ln>
+        </p:spPr>
+        <p:style>
+          <a:lnRef idx="2">
+            <a:schemeClr val="accent1"/>
+          </a:lnRef>
+          <a:fillRef idx="0">
+            <a:srgbClr val="FFFFFF"/>
+          </a:fillRef>
+          <a:effectRef idx="0">
+            <a:srgbClr val="FFFFFF"/>
+          </a:effectRef>
+          <a:fontRef idx="minor">
+            <a:schemeClr val="tx1"/>
+          </a:fontRef>
+        </p:style>
+      </p:cxnSp>
+      <p:cxnSp>
+        <p:nvCxnSpPr>
+          <p:cNvPr id="13" name="直接连接符 12"/>
+          <p:cNvCxnSpPr/>
+          <p:nvPr>
+            <p:custDataLst>
+              <p:tags r:id="rId6"/>
+            </p:custDataLst>
+          </p:nvPr>
+        </p:nvCxnSpPr>
+        <p:spPr>
+          <a:xfrm>
+            <a:off x="3119120" y="3000375"/>
+            <a:ext cx="0" cy="1772285"/>
+          </a:xfrm>
+          <a:prstGeom prst="line">
+            <a:avLst/>
+          </a:prstGeom>
+          <a:ln w="28575" cmpd="sng">
+            <a:solidFill>
+              <a:schemeClr val="accent2"/>
+            </a:solidFill>
+            <a:prstDash val="sysDot"/>
+          </a:ln>
+        </p:spPr>
+        <p:style>
+          <a:lnRef idx="2">
+            <a:schemeClr val="accent1"/>
+          </a:lnRef>
+          <a:fillRef idx="0">
+            <a:srgbClr val="FFFFFF"/>
+          </a:fillRef>
+          <a:effectRef idx="0">
+            <a:srgbClr val="FFFFFF"/>
+          </a:effectRef>
+          <a:fontRef idx="minor">
+            <a:schemeClr val="tx1"/>
+          </a:fontRef>
+        </p:style>
+      </p:cxnSp>
+      <p:sp>
+        <p:nvSpPr>
+          <p:cNvPr id="14" name="文本框 13"/>
+          <p:cNvSpPr txBox="1"/>
+          <p:nvPr>
+            <p:custDataLst>
+              <p:tags r:id="rId7"/>
+            </p:custDataLst>
+          </p:nvPr>
+        </p:nvSpPr>
+        <p:spPr>
+          <a:xfrm>
+            <a:off x="5170805" y="4848225"/>
+            <a:ext cx="379730" cy="460375"/>
+          </a:xfrm>
+          <a:prstGeom prst="rect">
+            <a:avLst/>
+          </a:prstGeom>
+          <a:noFill/>
+        </p:spPr>
+        <p:txBody>
+          <a:bodyPr wrap="square" rtlCol="0">
+            <a:spAutoFit/>
+          </a:bodyPr>
+          <a:p>
+            <a:r>
+              <a:rPr lang="en-US" altLang="zh-CN" sz="2400" b="1" i="1"/>
+              <a:t>x</a:t>
+            </a:r>
+            <a:endParaRPr lang="en-US" altLang="zh-CN" sz="2400" b="1" i="1"/>
+          </a:p>
+        </p:txBody>
+      </p:sp>
+      <p:sp>
+        <p:nvSpPr>
+          <p:cNvPr id="15" name="文本框 14"/>
+          <p:cNvSpPr txBox="1"/>
+          <p:nvPr>
+            <p:custDataLst>
+              <p:tags r:id="rId8"/>
+            </p:custDataLst>
+          </p:nvPr>
+        </p:nvSpPr>
+        <p:spPr>
+          <a:xfrm>
+            <a:off x="1398270" y="2327275"/>
+            <a:ext cx="379730" cy="460375"/>
+          </a:xfrm>
+          <a:prstGeom prst="rect">
+            <a:avLst/>
+          </a:prstGeom>
+          <a:noFill/>
+        </p:spPr>
+        <p:txBody>
+          <a:bodyPr wrap="square" rtlCol="0">
+            <a:spAutoFit/>
+          </a:bodyPr>
+          <a:p>
+            <a:r>
+              <a:rPr lang="en-US" altLang="zh-CN" sz="2400" b="1" i="1"/>
+              <a:t>t</a:t>
+            </a:r>
+            <a:endParaRPr lang="en-US" altLang="zh-CN" sz="2400" b="1" i="1"/>
+          </a:p>
+        </p:txBody>
+      </p:sp>
+      <p:grpSp>
+        <p:nvGrpSpPr>
+          <p:cNvPr id="29" name="组合 28"/>
+          <p:cNvGrpSpPr/>
+          <p:nvPr/>
+        </p:nvGrpSpPr>
+        <p:grpSpPr>
+          <a:xfrm>
+            <a:off x="5550535" y="2327275"/>
+            <a:ext cx="3958590" cy="1597060"/>
+            <a:chOff x="8524" y="4870"/>
+            <a:chExt cx="8952" cy="3611"/>
+          </a:xfrm>
+        </p:grpSpPr>
+        <p:pic>
+          <p:nvPicPr>
+            <p:cNvPr id="16" name="图片 15"/>
+            <p:cNvPicPr>
+              <a:picLocks noChangeAspect="1"/>
+            </p:cNvPicPr>
+            <p:nvPr>
+              <p:custDataLst>
+                <p:tags r:id="rId9"/>
+              </p:custDataLst>
+            </p:nvPr>
+          </p:nvPicPr>
+          <p:blipFill>
+            <a:blip r:embed="rId10"/>
+            <a:stretch>
+              <a:fillRect/>
+            </a:stretch>
+          </p:blipFill>
+          <p:spPr>
+            <a:xfrm>
+              <a:off x="8524" y="5991"/>
+              <a:ext cx="8952" cy="2477"/>
+            </a:xfrm>
+            <a:prstGeom prst="rect">
+              <a:avLst/>
+            </a:prstGeom>
+          </p:spPr>
+        </p:pic>
+        <mc:AlternateContent xmlns:mc="http://schemas.openxmlformats.org/markup-compatibility/2006">
+          <mc:Choice xmlns:a14="http://schemas.microsoft.com/office/drawing/2010/main" Requires="a14">
+            <p:sp>
+              <p:nvSpPr>
+                <p:cNvPr id="17" name="文本框 16"/>
+                <p:cNvSpPr txBox="1"/>
+                <p:nvPr>
+                  <p:custDataLst>
+                    <p:tags r:id="rId11"/>
+                  </p:custDataLst>
+                </p:nvPr>
+              </p:nvSpPr>
+              <p:spPr>
+                <a:xfrm>
+                  <a:off x="11118" y="6172"/>
+                  <a:ext cx="783" cy="762"/>
+                </a:xfrm>
+                <a:prstGeom prst="rect">
+                  <a:avLst/>
+                </a:prstGeom>
+                <a:noFill/>
+              </p:spPr>
+              <p:txBody>
+                <a:bodyPr wrap="square" rtlCol="0" anchor="t">
+                  <a:noAutofit/>
+                </a:bodyPr>
+                <a:p>
+                  <a:pPr algn="r"/>
+                  <a14:m>
+                    <m:oMathPara xmlns:m="http://schemas.openxmlformats.org/officeDocument/2006/math">
+                      <m:oMathParaPr>
+                        <m:jc m:val="centerGroup"/>
+                      </m:oMathParaPr>
+                      <m:oMath xmlns:m="http://schemas.openxmlformats.org/officeDocument/2006/math">
+                        <m:sSub>
+                          <m:sSubPr>
+                            <m:ctrlPr>
+                              <a:rPr lang="en-US" altLang="zh-CN" sz="1600" i="1">
+                                <a:solidFill>
+                                  <a:srgbClr val="FF0000"/>
+                                </a:solidFill>
+                                <a:latin typeface="DejaVu Math TeX Gyre" panose="02000503000000000000" charset="0"/>
+                                <a:cs typeface="DejaVu Math TeX Gyre" panose="02000503000000000000" charset="0"/>
+                              </a:rPr>
+                            </m:ctrlPr>
+                          </m:sSubPr>
+                          <m:e>
+                            <m:r>
+                              <a:rPr lang="en-US" altLang="zh-CN" sz="1600" i="1">
+                                <a:solidFill>
+                                  <a:srgbClr val="FF0000"/>
+                                </a:solidFill>
+                                <a:latin typeface="DejaVu Math TeX Gyre" panose="02000503000000000000" charset="0"/>
+                                <a:cs typeface="DejaVu Math TeX Gyre" panose="02000503000000000000" charset="0"/>
+                              </a:rPr>
+                              <m:t>𝑘</m:t>
+                            </m:r>
+                          </m:e>
+                          <m:sub>
+                            <m:r>
+                              <a:rPr lang="en-US" altLang="zh-CN" sz="1600" i="1">
+                                <a:solidFill>
+                                  <a:srgbClr val="FF0000"/>
+                                </a:solidFill>
+                                <a:latin typeface="DejaVu Math TeX Gyre" panose="02000503000000000000" charset="0"/>
+                                <a:cs typeface="DejaVu Math TeX Gyre" panose="02000503000000000000" charset="0"/>
+                              </a:rPr>
+                              <m:t>1</m:t>
+                            </m:r>
+                          </m:sub>
+                        </m:sSub>
+                      </m:oMath>
+                    </m:oMathPara>
+                  </a14:m>
+                  <a:endParaRPr lang="en-US" altLang="zh-CN" sz="1600" i="1">
+                    <a:solidFill>
+                      <a:srgbClr val="FF0000"/>
+                    </a:solidFill>
+                    <a:latin typeface="DejaVu Math TeX Gyre" panose="02000503000000000000" charset="0"/>
+                    <a:cs typeface="DejaVu Math TeX Gyre" panose="02000503000000000000" charset="0"/>
+                  </a:endParaRPr>
+                </a:p>
+              </p:txBody>
+            </p:sp>
+          </mc:Choice>
+          <mc:Fallback>
+            <p:sp>
+              <p:nvSpPr>
+                <p:cNvPr id="17" name="文本框 16"/>
+                <p:cNvSpPr txBox="1">
+                  <a:spLocks noRot="1" noChangeAspect="1" noMove="1" noResize="1" noEditPoints="1" noAdjustHandles="1" noChangeArrowheads="1" noChangeShapeType="1" noTextEdit="1"/>
+                </p:cNvSpPr>
+                <p:nvPr>
+                  <p:custDataLst>
+                    <p:tags r:id="rId12"/>
+                  </p:custDataLst>
+                </p:nvPr>
+              </p:nvSpPr>
+              <p:spPr>
+                <a:xfrm>
+                  <a:off x="11118" y="6172"/>
+                  <a:ext cx="783" cy="762"/>
+                </a:xfrm>
+                <a:prstGeom prst="rect">
+                  <a:avLst/>
+                </a:prstGeom>
+                <a:blipFill rotWithShape="1">
+                  <a:blip r:embed="rId13"/>
+                </a:blipFill>
+              </p:spPr>
+              <p:txBody>
+                <a:bodyPr/>
+                <a:lstStyle/>
+                <a:p>
+                  <a:r>
+                    <a:rPr lang="zh-CN" altLang="en-US">
+                      <a:noFill/>
+                    </a:rPr>
+                    <a:t> </a:t>
+                  </a:r>
+                </a:p>
+              </p:txBody>
+            </p:sp>
+          </mc:Fallback>
+        </mc:AlternateContent>
+        <mc:AlternateContent xmlns:mc="http://schemas.openxmlformats.org/markup-compatibility/2006">
+          <mc:Choice xmlns:a14="http://schemas.microsoft.com/office/drawing/2010/main" Requires="a14">
+            <p:sp>
+              <p:nvSpPr>
+                <p:cNvPr id="18" name="文本框 17"/>
+                <p:cNvSpPr txBox="1"/>
+                <p:nvPr>
+                  <p:custDataLst>
+                    <p:tags r:id="rId14"/>
+                  </p:custDataLst>
+                </p:nvPr>
+              </p:nvSpPr>
+              <p:spPr>
+                <a:xfrm>
+                  <a:off x="11118" y="7717"/>
+                  <a:ext cx="812" cy="764"/>
+                </a:xfrm>
+                <a:prstGeom prst="rect">
+                  <a:avLst/>
+                </a:prstGeom>
+                <a:noFill/>
+              </p:spPr>
+              <p:txBody>
+                <a:bodyPr wrap="square" rtlCol="0" anchor="t">
+                  <a:spAutoFit/>
+                </a:bodyPr>
+                <a:p>
+                  <a:pPr algn="r"/>
+                  <a14:m>
+                    <m:oMathPara xmlns:m="http://schemas.openxmlformats.org/officeDocument/2006/math">
+                      <m:oMathParaPr>
+                        <m:jc m:val="centerGroup"/>
+                      </m:oMathParaPr>
+                      <m:oMath xmlns:m="http://schemas.openxmlformats.org/officeDocument/2006/math">
+                        <m:sSub>
+                          <m:sSubPr>
+                            <m:ctrlPr>
+                              <a:rPr lang="en-US" altLang="zh-CN" sz="1600" i="1">
+                                <a:solidFill>
+                                  <a:srgbClr val="FF0000"/>
+                                </a:solidFill>
+                                <a:latin typeface="DejaVu Math TeX Gyre" panose="02000503000000000000" charset="0"/>
+                                <a:cs typeface="DejaVu Math TeX Gyre" panose="02000503000000000000" charset="0"/>
+                              </a:rPr>
+                            </m:ctrlPr>
+                          </m:sSubPr>
+                          <m:e>
+                            <m:r>
+                              <a:rPr lang="en-US" altLang="zh-CN" sz="1600" i="1">
+                                <a:solidFill>
+                                  <a:srgbClr val="FF0000"/>
+                                </a:solidFill>
+                                <a:latin typeface="DejaVu Math TeX Gyre" panose="02000503000000000000" charset="0"/>
+                                <a:cs typeface="DejaVu Math TeX Gyre" panose="02000503000000000000" charset="0"/>
+                              </a:rPr>
+                              <m:t>𝑘</m:t>
+                            </m:r>
+                          </m:e>
+                          <m:sub>
+                            <m:r>
+                              <a:rPr lang="en-US" altLang="zh-CN" sz="1600" i="1">
+                                <a:solidFill>
+                                  <a:srgbClr val="FF0000"/>
+                                </a:solidFill>
+                                <a:latin typeface="DejaVu Math TeX Gyre" panose="02000503000000000000" charset="0"/>
+                                <a:cs typeface="DejaVu Math TeX Gyre" panose="02000503000000000000" charset="0"/>
+                              </a:rPr>
+                              <m:t>3</m:t>
+                            </m:r>
+                          </m:sub>
+                        </m:sSub>
+                      </m:oMath>
+                    </m:oMathPara>
+                  </a14:m>
+                  <a:endParaRPr lang="en-US" altLang="zh-CN" sz="1600" i="1">
+                    <a:solidFill>
+                      <a:srgbClr val="FF0000"/>
+                    </a:solidFill>
+                    <a:latin typeface="DejaVu Math TeX Gyre" panose="02000503000000000000" charset="0"/>
+                    <a:cs typeface="DejaVu Math TeX Gyre" panose="02000503000000000000" charset="0"/>
+                  </a:endParaRPr>
+                </a:p>
+              </p:txBody>
+            </p:sp>
+          </mc:Choice>
+          <mc:Fallback>
+            <p:sp>
+              <p:nvSpPr>
+                <p:cNvPr id="18" name="文本框 17"/>
+                <p:cNvSpPr txBox="1">
+                  <a:spLocks noRot="1" noChangeAspect="1" noMove="1" noResize="1" noEditPoints="1" noAdjustHandles="1" noChangeArrowheads="1" noChangeShapeType="1" noTextEdit="1"/>
+                </p:cNvSpPr>
+                <p:nvPr>
+                  <p:custDataLst>
+                    <p:tags r:id="rId15"/>
+                  </p:custDataLst>
+                </p:nvPr>
+              </p:nvSpPr>
+              <p:spPr>
+                <a:xfrm>
+                  <a:off x="11118" y="7717"/>
+                  <a:ext cx="812" cy="764"/>
+                </a:xfrm>
+                <a:prstGeom prst="rect">
+                  <a:avLst/>
+                </a:prstGeom>
+                <a:blipFill rotWithShape="1">
+                  <a:blip r:embed="rId16"/>
+                </a:blipFill>
+              </p:spPr>
+              <p:txBody>
+                <a:bodyPr/>
+                <a:lstStyle/>
+                <a:p>
+                  <a:r>
+                    <a:rPr lang="zh-CN" altLang="en-US">
+                      <a:noFill/>
+                    </a:rPr>
+                    <a:t> </a:t>
+                  </a:r>
+                </a:p>
+              </p:txBody>
+            </p:sp>
+          </mc:Fallback>
+        </mc:AlternateContent>
+        <mc:AlternateContent xmlns:mc="http://schemas.openxmlformats.org/markup-compatibility/2006">
+          <mc:Choice xmlns:a14="http://schemas.microsoft.com/office/drawing/2010/main" Requires="a14">
+            <p:sp>
+              <p:nvSpPr>
+                <p:cNvPr id="19" name="文本框 18"/>
+                <p:cNvSpPr txBox="1"/>
+                <p:nvPr>
+                  <p:custDataLst>
+                    <p:tags r:id="rId17"/>
+                  </p:custDataLst>
+                </p:nvPr>
+              </p:nvSpPr>
+              <p:spPr>
+                <a:xfrm>
+                  <a:off x="11118" y="6752"/>
+                  <a:ext cx="812" cy="762"/>
+                </a:xfrm>
+                <a:prstGeom prst="rect">
+                  <a:avLst/>
+                </a:prstGeom>
+                <a:noFill/>
+              </p:spPr>
+              <p:txBody>
+                <a:bodyPr wrap="square" rtlCol="0" anchor="t">
+                  <a:spAutoFit/>
+                </a:bodyPr>
+                <a:p>
+                  <a:pPr algn="r"/>
+                  <a14:m>
+                    <m:oMathPara xmlns:m="http://schemas.openxmlformats.org/officeDocument/2006/math">
+                      <m:oMathParaPr>
+                        <m:jc m:val="centerGroup"/>
+                      </m:oMathParaPr>
+                      <m:oMath xmlns:m="http://schemas.openxmlformats.org/officeDocument/2006/math">
+                        <m:sSub>
+                          <m:sSubPr>
+                            <m:ctrlPr>
+                              <a:rPr lang="en-US" altLang="zh-CN" sz="1600" i="1">
+                                <a:solidFill>
+                                  <a:srgbClr val="FF0000"/>
+                                </a:solidFill>
+                                <a:latin typeface="DejaVu Math TeX Gyre" panose="02000503000000000000" charset="0"/>
+                                <a:cs typeface="DejaVu Math TeX Gyre" panose="02000503000000000000" charset="0"/>
+                              </a:rPr>
+                            </m:ctrlPr>
+                          </m:sSubPr>
+                          <m:e>
+                            <m:r>
+                              <a:rPr lang="en-US" altLang="zh-CN" sz="1600" i="1">
+                                <a:solidFill>
+                                  <a:srgbClr val="FF0000"/>
+                                </a:solidFill>
+                                <a:latin typeface="DejaVu Math TeX Gyre" panose="02000503000000000000" charset="0"/>
+                                <a:cs typeface="DejaVu Math TeX Gyre" panose="02000503000000000000" charset="0"/>
+                              </a:rPr>
+                              <m:t>𝑘</m:t>
+                            </m:r>
+                          </m:e>
+                          <m:sub>
+                            <m:r>
+                              <a:rPr lang="en-US" altLang="zh-CN" sz="1600" i="1">
+                                <a:solidFill>
+                                  <a:srgbClr val="FF0000"/>
+                                </a:solidFill>
+                                <a:latin typeface="DejaVu Math TeX Gyre" panose="02000503000000000000" charset="0"/>
+                                <a:cs typeface="DejaVu Math TeX Gyre" panose="02000503000000000000" charset="0"/>
+                              </a:rPr>
+                              <m:t>2</m:t>
+                            </m:r>
+                          </m:sub>
+                        </m:sSub>
+                      </m:oMath>
+                    </m:oMathPara>
+                  </a14:m>
+                  <a:endParaRPr lang="en-US" altLang="zh-CN" sz="1600" i="1">
+                    <a:solidFill>
+                      <a:srgbClr val="FF0000"/>
+                    </a:solidFill>
+                    <a:latin typeface="DejaVu Math TeX Gyre" panose="02000503000000000000" charset="0"/>
+                    <a:cs typeface="DejaVu Math TeX Gyre" panose="02000503000000000000" charset="0"/>
+                  </a:endParaRPr>
+                </a:p>
+              </p:txBody>
+            </p:sp>
+          </mc:Choice>
+          <mc:Fallback>
+            <p:sp>
+              <p:nvSpPr>
+                <p:cNvPr id="19" name="文本框 18"/>
+                <p:cNvSpPr txBox="1">
+                  <a:spLocks noRot="1" noChangeAspect="1" noMove="1" noResize="1" noEditPoints="1" noAdjustHandles="1" noChangeArrowheads="1" noChangeShapeType="1" noTextEdit="1"/>
+                </p:cNvSpPr>
+                <p:nvPr>
+                  <p:custDataLst>
+                    <p:tags r:id="rId18"/>
+                  </p:custDataLst>
+                </p:nvPr>
+              </p:nvSpPr>
+              <p:spPr>
+                <a:xfrm>
+                  <a:off x="11118" y="6752"/>
+                  <a:ext cx="812" cy="762"/>
+                </a:xfrm>
+                <a:prstGeom prst="rect">
+                  <a:avLst/>
+                </a:prstGeom>
+                <a:blipFill rotWithShape="1">
+                  <a:blip r:embed="rId19"/>
+                </a:blipFill>
+              </p:spPr>
+              <p:txBody>
+                <a:bodyPr/>
+                <a:lstStyle/>
+                <a:p>
+                  <a:r>
+                    <a:rPr lang="zh-CN" altLang="en-US">
+                      <a:noFill/>
+                    </a:rPr>
+                    <a:t> </a:t>
+                  </a:r>
+                </a:p>
+              </p:txBody>
+            </p:sp>
+          </mc:Fallback>
+        </mc:AlternateContent>
+        <mc:AlternateContent xmlns:mc="http://schemas.openxmlformats.org/markup-compatibility/2006">
+          <mc:Choice xmlns:a14="http://schemas.microsoft.com/office/drawing/2010/main" Requires="a14">
+            <p:sp>
+              <p:nvSpPr>
+                <p:cNvPr id="20" name="文本框 19"/>
+                <p:cNvSpPr txBox="1"/>
+                <p:nvPr>
+                  <p:custDataLst>
+                    <p:tags r:id="rId20"/>
+                  </p:custDataLst>
+                </p:nvPr>
+              </p:nvSpPr>
+              <p:spPr>
+                <a:xfrm>
+                  <a:off x="14316" y="6172"/>
+                  <a:ext cx="758" cy="762"/>
+                </a:xfrm>
+                <a:prstGeom prst="rect">
+                  <a:avLst/>
+                </a:prstGeom>
+                <a:noFill/>
+              </p:spPr>
+              <p:txBody>
+                <a:bodyPr wrap="square" rtlCol="0" anchor="t">
+                  <a:noAutofit/>
+                </a:bodyPr>
+                <a:p>
+                  <a:pPr algn="r"/>
+                  <a14:m>
+                    <m:oMathPara xmlns:m="http://schemas.openxmlformats.org/officeDocument/2006/math">
+                      <m:oMathParaPr>
+                        <m:jc m:val="centerGroup"/>
+                      </m:oMathParaPr>
+                      <m:oMath xmlns:m="http://schemas.openxmlformats.org/officeDocument/2006/math">
+                        <m:sSub>
+                          <m:sSubPr>
+                            <m:ctrlPr>
+                              <a:rPr lang="en-US" altLang="zh-CN" sz="1600" i="1">
+                                <a:solidFill>
+                                  <a:srgbClr val="FF0000"/>
+                                </a:solidFill>
+                                <a:latin typeface="DejaVu Math TeX Gyre" panose="02000503000000000000" charset="0"/>
+                                <a:cs typeface="DejaVu Math TeX Gyre" panose="02000503000000000000" charset="0"/>
+                              </a:rPr>
+                            </m:ctrlPr>
+                          </m:sSubPr>
+                          <m:e>
+                            <m:r>
+                              <a:rPr lang="en-US" altLang="zh-CN" sz="1600" i="1">
+                                <a:solidFill>
+                                  <a:srgbClr val="FF0000"/>
+                                </a:solidFill>
+                                <a:latin typeface="DejaVu Math TeX Gyre" panose="02000503000000000000" charset="0"/>
+                                <a:cs typeface="DejaVu Math TeX Gyre" panose="02000503000000000000" charset="0"/>
+                              </a:rPr>
+                              <m:t>𝑢</m:t>
+                            </m:r>
+                          </m:e>
+                          <m:sub>
+                            <m:r>
+                              <a:rPr lang="en-US" altLang="zh-CN" sz="1600" i="1">
+                                <a:solidFill>
+                                  <a:srgbClr val="FF0000"/>
+                                </a:solidFill>
+                                <a:latin typeface="DejaVu Math TeX Gyre" panose="02000503000000000000" charset="0"/>
+                                <a:cs typeface="DejaVu Math TeX Gyre" panose="02000503000000000000" charset="0"/>
+                              </a:rPr>
+                              <m:t>1</m:t>
+                            </m:r>
+                          </m:sub>
+                        </m:sSub>
+                      </m:oMath>
+                    </m:oMathPara>
+                  </a14:m>
+                  <a:endParaRPr lang="en-US" altLang="zh-CN" sz="1600" i="1">
+                    <a:solidFill>
+                      <a:srgbClr val="FF0000"/>
+                    </a:solidFill>
+                    <a:latin typeface="DejaVu Math TeX Gyre" panose="02000503000000000000" charset="0"/>
+                    <a:cs typeface="DejaVu Math TeX Gyre" panose="02000503000000000000" charset="0"/>
+                  </a:endParaRPr>
+                </a:p>
+              </p:txBody>
+            </p:sp>
+          </mc:Choice>
+          <mc:Fallback>
+            <p:sp>
+              <p:nvSpPr>
+                <p:cNvPr id="20" name="文本框 19"/>
+                <p:cNvSpPr txBox="1">
+                  <a:spLocks noRot="1" noChangeAspect="1" noMove="1" noResize="1" noEditPoints="1" noAdjustHandles="1" noChangeArrowheads="1" noChangeShapeType="1" noTextEdit="1"/>
+                </p:cNvSpPr>
+                <p:nvPr>
+                  <p:custDataLst>
+                    <p:tags r:id="rId21"/>
+                  </p:custDataLst>
+                </p:nvPr>
+              </p:nvSpPr>
+              <p:spPr>
+                <a:xfrm>
+                  <a:off x="14316" y="6172"/>
+                  <a:ext cx="758" cy="762"/>
+                </a:xfrm>
+                <a:prstGeom prst="rect">
+                  <a:avLst/>
+                </a:prstGeom>
+                <a:blipFill rotWithShape="1">
+                  <a:blip r:embed="rId22"/>
+                </a:blipFill>
+              </p:spPr>
+              <p:txBody>
+                <a:bodyPr/>
+                <a:lstStyle/>
+                <a:p>
+                  <a:r>
+                    <a:rPr lang="zh-CN" altLang="en-US">
+                      <a:noFill/>
+                    </a:rPr>
+                    <a:t> </a:t>
+                  </a:r>
+                </a:p>
+              </p:txBody>
+            </p:sp>
+          </mc:Fallback>
+        </mc:AlternateContent>
+        <mc:AlternateContent xmlns:mc="http://schemas.openxmlformats.org/markup-compatibility/2006">
+          <mc:Choice xmlns:a14="http://schemas.microsoft.com/office/drawing/2010/main" Requires="a14">
+            <p:sp>
+              <p:nvSpPr>
+                <p:cNvPr id="21" name="文本框 20"/>
+                <p:cNvSpPr txBox="1"/>
+                <p:nvPr>
+                  <p:custDataLst>
+                    <p:tags r:id="rId23"/>
+                  </p:custDataLst>
+                </p:nvPr>
+              </p:nvSpPr>
+              <p:spPr>
+                <a:xfrm>
+                  <a:off x="14315" y="7717"/>
+                  <a:ext cx="759" cy="764"/>
+                </a:xfrm>
+                <a:prstGeom prst="rect">
+                  <a:avLst/>
+                </a:prstGeom>
+                <a:noFill/>
+              </p:spPr>
+              <p:txBody>
+                <a:bodyPr wrap="square" rtlCol="0" anchor="t">
+                  <a:spAutoFit/>
+                </a:bodyPr>
+                <a:p>
+                  <a:pPr algn="r"/>
+                  <a14:m>
+                    <m:oMathPara xmlns:m="http://schemas.openxmlformats.org/officeDocument/2006/math">
+                      <m:oMathParaPr>
+                        <m:jc m:val="centerGroup"/>
+                      </m:oMathParaPr>
+                      <m:oMath xmlns:m="http://schemas.openxmlformats.org/officeDocument/2006/math">
+                        <m:sSub>
+                          <m:sSubPr>
+                            <m:ctrlPr>
+                              <a:rPr lang="en-US" altLang="zh-CN" sz="1600" i="1">
+                                <a:solidFill>
+                                  <a:srgbClr val="FF0000"/>
+                                </a:solidFill>
+                                <a:latin typeface="DejaVu Math TeX Gyre" panose="02000503000000000000" charset="0"/>
+                                <a:cs typeface="DejaVu Math TeX Gyre" panose="02000503000000000000" charset="0"/>
+                              </a:rPr>
+                            </m:ctrlPr>
+                          </m:sSubPr>
+                          <m:e>
+                            <m:r>
+                              <a:rPr lang="en-US" altLang="zh-CN" sz="1600" i="1">
+                                <a:solidFill>
+                                  <a:srgbClr val="FF0000"/>
+                                </a:solidFill>
+                                <a:latin typeface="DejaVu Math TeX Gyre" panose="02000503000000000000" charset="0"/>
+                                <a:cs typeface="DejaVu Math TeX Gyre" panose="02000503000000000000" charset="0"/>
+                              </a:rPr>
+                              <m:t>𝑢</m:t>
+                            </m:r>
+                          </m:e>
+                          <m:sub>
+                            <m:r>
+                              <a:rPr lang="en-US" altLang="zh-CN" sz="1600" i="1">
+                                <a:solidFill>
+                                  <a:srgbClr val="FF0000"/>
+                                </a:solidFill>
+                                <a:latin typeface="DejaVu Math TeX Gyre" panose="02000503000000000000" charset="0"/>
+                                <a:cs typeface="DejaVu Math TeX Gyre" panose="02000503000000000000" charset="0"/>
+                              </a:rPr>
+                              <m:t>3</m:t>
+                            </m:r>
+                          </m:sub>
+                        </m:sSub>
+                      </m:oMath>
+                    </m:oMathPara>
+                  </a14:m>
+                  <a:endParaRPr lang="en-US" altLang="zh-CN" sz="1600" i="1">
+                    <a:solidFill>
+                      <a:srgbClr val="FF0000"/>
+                    </a:solidFill>
+                    <a:latin typeface="DejaVu Math TeX Gyre" panose="02000503000000000000" charset="0"/>
+                    <a:cs typeface="DejaVu Math TeX Gyre" panose="02000503000000000000" charset="0"/>
+                  </a:endParaRPr>
+                </a:p>
+              </p:txBody>
+            </p:sp>
+          </mc:Choice>
+          <mc:Fallback>
+            <p:sp>
+              <p:nvSpPr>
+                <p:cNvPr id="21" name="文本框 20"/>
+                <p:cNvSpPr txBox="1">
+                  <a:spLocks noRot="1" noChangeAspect="1" noMove="1" noResize="1" noEditPoints="1" noAdjustHandles="1" noChangeArrowheads="1" noChangeShapeType="1" noTextEdit="1"/>
+                </p:cNvSpPr>
+                <p:nvPr>
+                  <p:custDataLst>
+                    <p:tags r:id="rId24"/>
+                  </p:custDataLst>
+                </p:nvPr>
+              </p:nvSpPr>
+              <p:spPr>
+                <a:xfrm>
+                  <a:off x="14315" y="7717"/>
+                  <a:ext cx="759" cy="764"/>
+                </a:xfrm>
+                <a:prstGeom prst="rect">
+                  <a:avLst/>
+                </a:prstGeom>
+                <a:blipFill rotWithShape="1">
+                  <a:blip r:embed="rId25"/>
+                </a:blipFill>
+              </p:spPr>
+              <p:txBody>
+                <a:bodyPr/>
+                <a:lstStyle/>
+                <a:p>
+                  <a:r>
+                    <a:rPr lang="zh-CN" altLang="en-US">
+                      <a:noFill/>
+                    </a:rPr>
+                    <a:t> </a:t>
+                  </a:r>
+                </a:p>
+              </p:txBody>
+            </p:sp>
+          </mc:Fallback>
+        </mc:AlternateContent>
+        <mc:AlternateContent xmlns:mc="http://schemas.openxmlformats.org/markup-compatibility/2006">
+          <mc:Choice xmlns:a14="http://schemas.microsoft.com/office/drawing/2010/main" Requires="a14">
+            <p:sp>
+              <p:nvSpPr>
+                <p:cNvPr id="22" name="文本框 21"/>
+                <p:cNvSpPr txBox="1"/>
+                <p:nvPr>
+                  <p:custDataLst>
+                    <p:tags r:id="rId26"/>
+                  </p:custDataLst>
+                </p:nvPr>
+              </p:nvSpPr>
+              <p:spPr>
+                <a:xfrm>
+                  <a:off x="14315" y="6752"/>
+                  <a:ext cx="759" cy="762"/>
+                </a:xfrm>
+                <a:prstGeom prst="rect">
+                  <a:avLst/>
+                </a:prstGeom>
+                <a:noFill/>
+              </p:spPr>
+              <p:txBody>
+                <a:bodyPr wrap="square" rtlCol="0" anchor="t">
+                  <a:spAutoFit/>
+                </a:bodyPr>
+                <a:p>
+                  <a:pPr algn="r"/>
+                  <a14:m>
+                    <m:oMathPara xmlns:m="http://schemas.openxmlformats.org/officeDocument/2006/math">
+                      <m:oMathParaPr>
+                        <m:jc m:val="centerGroup"/>
+                      </m:oMathParaPr>
+                      <m:oMath xmlns:m="http://schemas.openxmlformats.org/officeDocument/2006/math">
+                        <m:sSub>
+                          <m:sSubPr>
+                            <m:ctrlPr>
+                              <a:rPr lang="en-US" altLang="zh-CN" sz="1600" i="1">
+                                <a:solidFill>
+                                  <a:srgbClr val="FF0000"/>
+                                </a:solidFill>
+                                <a:latin typeface="DejaVu Math TeX Gyre" panose="02000503000000000000" charset="0"/>
+                                <a:cs typeface="DejaVu Math TeX Gyre" panose="02000503000000000000" charset="0"/>
+                              </a:rPr>
+                            </m:ctrlPr>
+                          </m:sSubPr>
+                          <m:e>
+                            <m:r>
+                              <a:rPr lang="en-US" altLang="zh-CN" sz="1600" i="1">
+                                <a:solidFill>
+                                  <a:srgbClr val="FF0000"/>
+                                </a:solidFill>
+                                <a:latin typeface="DejaVu Math TeX Gyre" panose="02000503000000000000" charset="0"/>
+                                <a:cs typeface="DejaVu Math TeX Gyre" panose="02000503000000000000" charset="0"/>
+                              </a:rPr>
+                              <m:t>𝑢</m:t>
+                            </m:r>
+                          </m:e>
+                          <m:sub>
+                            <m:r>
+                              <a:rPr lang="en-US" altLang="zh-CN" sz="1600" i="1">
+                                <a:solidFill>
+                                  <a:srgbClr val="FF0000"/>
+                                </a:solidFill>
+                                <a:latin typeface="DejaVu Math TeX Gyre" panose="02000503000000000000" charset="0"/>
+                                <a:cs typeface="DejaVu Math TeX Gyre" panose="02000503000000000000" charset="0"/>
+                              </a:rPr>
+                              <m:t>2</m:t>
+                            </m:r>
+                          </m:sub>
+                        </m:sSub>
+                      </m:oMath>
+                    </m:oMathPara>
+                  </a14:m>
+                  <a:endParaRPr lang="en-US" altLang="zh-CN" sz="1600" i="1">
+                    <a:solidFill>
+                      <a:srgbClr val="FF0000"/>
+                    </a:solidFill>
+                    <a:latin typeface="DejaVu Math TeX Gyre" panose="02000503000000000000" charset="0"/>
+                    <a:cs typeface="DejaVu Math TeX Gyre" panose="02000503000000000000" charset="0"/>
+                  </a:endParaRPr>
+                </a:p>
+              </p:txBody>
+            </p:sp>
+          </mc:Choice>
+          <mc:Fallback>
+            <p:sp>
+              <p:nvSpPr>
+                <p:cNvPr id="22" name="文本框 21"/>
+                <p:cNvSpPr txBox="1">
+                  <a:spLocks noRot="1" noChangeAspect="1" noMove="1" noResize="1" noEditPoints="1" noAdjustHandles="1" noChangeArrowheads="1" noChangeShapeType="1" noTextEdit="1"/>
+                </p:cNvSpPr>
+                <p:nvPr>
+                  <p:custDataLst>
+                    <p:tags r:id="rId27"/>
+                  </p:custDataLst>
+                </p:nvPr>
+              </p:nvSpPr>
+              <p:spPr>
+                <a:xfrm>
+                  <a:off x="14315" y="6752"/>
+                  <a:ext cx="759" cy="762"/>
+                </a:xfrm>
+                <a:prstGeom prst="rect">
+                  <a:avLst/>
+                </a:prstGeom>
+                <a:blipFill rotWithShape="1">
+                  <a:blip r:embed="rId28"/>
+                </a:blipFill>
+              </p:spPr>
+              <p:txBody>
+                <a:bodyPr/>
+                <a:lstStyle/>
+                <a:p>
+                  <a:r>
+                    <a:rPr lang="zh-CN" altLang="en-US">
+                      <a:noFill/>
+                    </a:rPr>
+                    <a:t> </a:t>
+                  </a:r>
+                </a:p>
+              </p:txBody>
+            </p:sp>
+          </mc:Fallback>
+        </mc:AlternateContent>
+        <p:sp>
+          <p:nvSpPr>
+            <p:cNvPr id="23" name="圆角矩形 22"/>
+            <p:cNvSpPr/>
+            <p:nvPr>
+              <p:custDataLst>
+                <p:tags r:id="rId29"/>
+              </p:custDataLst>
+            </p:nvPr>
+          </p:nvSpPr>
+          <p:spPr>
+            <a:xfrm>
+              <a:off x="11118" y="6172"/>
+              <a:ext cx="732" cy="2126"/>
+            </a:xfrm>
+            <a:prstGeom prst="roundRect">
+              <a:avLst/>
+            </a:prstGeom>
+            <a:noFill/>
+            <a:ln w="19050" cap="flat" cmpd="sng">
+              <a:solidFill>
+                <a:srgbClr val="0070C0"/>
+              </a:solidFill>
+              <a:prstDash val="dash"/>
+              <a:miter lim="800000"/>
+            </a:ln>
+          </p:spPr>
+          <p:style>
+            <a:lnRef idx="2">
+              <a:schemeClr val="accent1"/>
+            </a:lnRef>
+            <a:fillRef idx="0">
+              <a:srgbClr val="FFFFFF"/>
+            </a:fillRef>
+            <a:effectRef idx="0">
+              <a:srgbClr val="FFFFFF"/>
+            </a:effectRef>
+            <a:fontRef idx="minor">
+              <a:schemeClr val="dk1"/>
+            </a:fontRef>
+          </p:style>
+          <p:txBody>
+            <a:bodyPr rtlCol="0" anchor="ctr"/>
+            <a:p>
+              <a:pPr algn="ctr"/>
+              <a:endParaRPr lang="zh-CN" altLang="en-US">
+                <a:gradFill>
+                  <a:gsLst>
+                    <a:gs pos="0">
+                      <a:srgbClr val="FE4444"/>
+                    </a:gs>
+                    <a:gs pos="100000">
+                      <a:srgbClr val="832B2B"/>
+                    </a:gs>
+                  </a:gsLst>
+                  <a:lin ang="5400000" scaled="0"/>
+                </a:gradFill>
+              </a:endParaRPr>
+            </a:p>
+          </p:txBody>
+        </p:sp>
+        <p:sp>
+          <p:nvSpPr>
+            <p:cNvPr id="24" name="圆角矩形 23"/>
+            <p:cNvSpPr/>
+            <p:nvPr>
+              <p:custDataLst>
+                <p:tags r:id="rId30"/>
+              </p:custDataLst>
+            </p:nvPr>
+          </p:nvSpPr>
+          <p:spPr>
+            <a:xfrm>
+              <a:off x="14315" y="6172"/>
+              <a:ext cx="732" cy="2126"/>
+            </a:xfrm>
+            <a:prstGeom prst="roundRect">
+              <a:avLst/>
+            </a:prstGeom>
+            <a:noFill/>
+            <a:ln w="19050" cap="flat" cmpd="sng">
+              <a:solidFill>
+                <a:srgbClr val="FF8D41"/>
+              </a:solidFill>
+              <a:prstDash val="dash"/>
+              <a:miter lim="800000"/>
+            </a:ln>
+          </p:spPr>
+          <p:style>
+            <a:lnRef idx="2">
+              <a:schemeClr val="accent1"/>
+            </a:lnRef>
+            <a:fillRef idx="0">
+              <a:srgbClr val="FFFFFF"/>
+            </a:fillRef>
+            <a:effectRef idx="0">
+              <a:srgbClr val="FFFFFF"/>
+            </a:effectRef>
+            <a:fontRef idx="minor">
+              <a:schemeClr val="dk1"/>
+            </a:fontRef>
+          </p:style>
+          <p:txBody>
+            <a:bodyPr rtlCol="0" anchor="ctr"/>
+            <a:p>
+              <a:pPr algn="ctr"/>
+              <a:endParaRPr lang="zh-CN" altLang="en-US">
+                <a:gradFill>
+                  <a:gsLst>
+                    <a:gs pos="0">
+                      <a:srgbClr val="FE4444"/>
+                    </a:gs>
+                    <a:gs pos="100000">
+                      <a:srgbClr val="832B2B"/>
+                    </a:gs>
+                  </a:gsLst>
+                  <a:lin ang="5400000" scaled="0"/>
+                </a:gradFill>
+              </a:endParaRPr>
+            </a:p>
+          </p:txBody>
+        </p:sp>
+        <p:sp>
+          <p:nvSpPr>
+            <p:cNvPr id="25" name="下箭头 24"/>
+            <p:cNvSpPr/>
+            <p:nvPr>
+              <p:custDataLst>
+                <p:tags r:id="rId31"/>
+              </p:custDataLst>
+            </p:nvPr>
+          </p:nvSpPr>
+          <p:spPr>
+            <a:xfrm>
+              <a:off x="10938" y="5632"/>
+              <a:ext cx="1091" cy="359"/>
+            </a:xfrm>
+            <a:prstGeom prst="downArrow">
+              <a:avLst/>
+            </a:prstGeom>
+          </p:spPr>
+          <p:style>
+            <a:lnRef idx="2">
+              <a:schemeClr val="accent1">
+                <a:shade val="50000"/>
+              </a:schemeClr>
+            </a:lnRef>
+            <a:fillRef idx="1">
+              <a:schemeClr val="accent1"/>
+            </a:fillRef>
+            <a:effectRef idx="0">
+              <a:schemeClr val="accent1"/>
+            </a:effectRef>
+            <a:fontRef idx="minor">
+              <a:schemeClr val="lt1"/>
+            </a:fontRef>
+          </p:style>
+          <p:txBody>
+            <a:bodyPr rtlCol="0" anchor="ctr"/>
+            <a:p>
+              <a:pPr algn="ctr"/>
+              <a:endParaRPr lang="zh-CN" altLang="en-US"/>
+            </a:p>
+          </p:txBody>
+        </p:sp>
+        <p:sp>
+          <p:nvSpPr>
+            <p:cNvPr id="26" name="下箭头 25"/>
+            <p:cNvSpPr/>
+            <p:nvPr>
+              <p:custDataLst>
+                <p:tags r:id="rId32"/>
+              </p:custDataLst>
+            </p:nvPr>
+          </p:nvSpPr>
+          <p:spPr>
+            <a:xfrm>
+              <a:off x="14135" y="5632"/>
+              <a:ext cx="1091" cy="359"/>
+            </a:xfrm>
+            <a:prstGeom prst="downArrow">
+              <a:avLst/>
+            </a:prstGeom>
+          </p:spPr>
+          <p:style>
+            <a:lnRef idx="2">
+              <a:schemeClr val="accent1">
+                <a:shade val="50000"/>
+              </a:schemeClr>
+            </a:lnRef>
+            <a:fillRef idx="1">
+              <a:schemeClr val="accent1"/>
+            </a:fillRef>
+            <a:effectRef idx="0">
+              <a:schemeClr val="accent1"/>
+            </a:effectRef>
+            <a:fontRef idx="minor">
+              <a:schemeClr val="lt1"/>
+            </a:fontRef>
+          </p:style>
+          <p:txBody>
+            <a:bodyPr rtlCol="0" anchor="ctr"/>
+            <a:p>
+              <a:pPr algn="ctr"/>
+              <a:endParaRPr lang="zh-CN" altLang="en-US"/>
+            </a:p>
+          </p:txBody>
+        </p:sp>
+        <p:sp>
+          <p:nvSpPr>
+            <p:cNvPr id="27" name="文本框 26"/>
+            <p:cNvSpPr txBox="1"/>
+            <p:nvPr>
+              <p:custDataLst>
+                <p:tags r:id="rId33"/>
+              </p:custDataLst>
+            </p:nvPr>
+          </p:nvSpPr>
+          <p:spPr>
+            <a:xfrm>
+              <a:off x="10722" y="4871"/>
+              <a:ext cx="1640" cy="762"/>
+            </a:xfrm>
+            <a:prstGeom prst="rect">
+              <a:avLst/>
+            </a:prstGeom>
+            <a:noFill/>
+          </p:spPr>
+          <p:txBody>
+            <a:bodyPr wrap="square" rtlCol="0">
+              <a:spAutoFit/>
+            </a:bodyPr>
+            <a:p>
+              <a:r>
+                <a:rPr lang="en-US" altLang="zh-CN" sz="1600">
+                  <a:latin typeface="楷体" charset="0"/>
+                  <a:ea typeface="楷体" charset="0"/>
+                </a:rPr>
+                <a:t>Fixed</a:t>
+              </a:r>
+              <a:endParaRPr lang="en-US" altLang="zh-CN" sz="1600">
+                <a:latin typeface="楷体" charset="0"/>
+                <a:ea typeface="楷体" charset="0"/>
+              </a:endParaRPr>
+            </a:p>
+          </p:txBody>
+        </p:sp>
+        <p:sp>
+          <p:nvSpPr>
+            <p:cNvPr id="28" name="文本框 27"/>
+            <p:cNvSpPr txBox="1"/>
+            <p:nvPr>
+              <p:custDataLst>
+                <p:tags r:id="rId34"/>
+              </p:custDataLst>
+            </p:nvPr>
+          </p:nvSpPr>
+          <p:spPr>
+            <a:xfrm>
+              <a:off x="13495" y="4870"/>
+              <a:ext cx="2387" cy="762"/>
+            </a:xfrm>
+            <a:prstGeom prst="rect">
+              <a:avLst/>
+            </a:prstGeom>
+            <a:noFill/>
+          </p:spPr>
+          <p:txBody>
+            <a:bodyPr wrap="square" rtlCol="0">
+              <a:spAutoFit/>
+            </a:bodyPr>
+            <a:p>
+              <a:r>
+                <a:rPr lang="zh-CN" altLang="en-US" sz="1600">
+                  <a:latin typeface="楷体" charset="0"/>
+                  <a:ea typeface="楷体" charset="0"/>
+                </a:rPr>
+                <a:t>Trainable</a:t>
+              </a:r>
+              <a:endParaRPr lang="zh-CN" altLang="en-US" sz="1600">
+                <a:latin typeface="楷体" charset="0"/>
+                <a:ea typeface="楷体" charset="0"/>
+              </a:endParaRPr>
+            </a:p>
+          </p:txBody>
+        </p:sp>
+      </p:grpSp>
+      <p:sp>
+        <p:nvSpPr>
+          <p:cNvPr id="30" name="椭圆形标注 29"/>
+          <p:cNvSpPr/>
+          <p:nvPr>
+            <p:custDataLst>
+              <p:tags r:id="rId35"/>
+            </p:custDataLst>
+          </p:nvPr>
+        </p:nvSpPr>
+        <p:spPr>
+          <a:xfrm>
+            <a:off x="5640070" y="2094230"/>
+            <a:ext cx="3869055" cy="2432685"/>
+          </a:xfrm>
+          <a:prstGeom prst="wedgeEllipseCallout">
+            <a:avLst>
+              <a:gd name="adj1" fmla="val -95002"/>
+              <a:gd name="adj2" fmla="val 7243"/>
+            </a:avLst>
+          </a:prstGeom>
+          <a:noFill/>
+          <a:extLst>
+            <a:ext uri="{909E8E84-426E-40DD-AFC4-6F175D3DCCD1}">
+              <a14:hiddenFill xmlns:a14="http://schemas.microsoft.com/office/drawing/2010/main">
+                <a:solidFill>
+                  <a:schemeClr val="accent1"/>
+                </a:solidFill>
+              </a14:hiddenFill>
+            </a:ext>
+          </a:extLst>
+        </p:spPr>
+        <p:style>
+          <a:lnRef idx="2">
+            <a:schemeClr val="accent1">
+              <a:lumMod val="75000"/>
+            </a:schemeClr>
+          </a:lnRef>
+          <a:fillRef idx="1">
+            <a:schemeClr val="accent1"/>
+          </a:fillRef>
+          <a:effectRef idx="0">
+            <a:srgbClr val="FFFFFF"/>
+          </a:effectRef>
+          <a:fontRef idx="minor">
+            <a:schemeClr val="lt1"/>
+          </a:fontRef>
+        </p:style>
+        <p:txBody>
+          <a:bodyPr rtlCol="0" anchor="ctr"/>
+          <a:p>
+            <a:pPr algn="ctr"/>
+            <a:endParaRPr lang="zh-CN" altLang="en-US"/>
           </a:p>
         </p:txBody>
       </p:sp>
@@ -13096,6 +14734,1477 @@
 </p:sld>
 </file>
 
+<file path=ppt/slides/slide9.xml><?xml version="1.0" encoding="utf-8"?>
+<p:sld xmlns:a="http://schemas.openxmlformats.org/drawingml/2006/main" xmlns:r="http://schemas.openxmlformats.org/officeDocument/2006/relationships" xmlns:p="http://schemas.openxmlformats.org/presentationml/2006/main">
+  <p:cSld>
+    <p:spTree>
+      <p:nvGrpSpPr>
+        <p:cNvPr id="1" name=""/>
+        <p:cNvGrpSpPr/>
+        <p:nvPr/>
+      </p:nvGrpSpPr>
+      <p:grpSpPr>
+        <a:xfrm>
+          <a:off x="0" y="0"/>
+          <a:ext cx="0" cy="0"/>
+          <a:chOff x="0" y="0"/>
+          <a:chExt cx="0" cy="0"/>
+        </a:xfrm>
+      </p:grpSpPr>
+      <p:sp>
+        <p:nvSpPr>
+          <p:cNvPr id="3" name="圆角矩形 2"/>
+          <p:cNvSpPr/>
+          <p:nvPr/>
+        </p:nvSpPr>
+        <p:spPr>
+          <a:xfrm>
+            <a:off x="1601470" y="1144270"/>
+            <a:ext cx="6015990" cy="3328670"/>
+          </a:xfrm>
+          <a:prstGeom prst="roundRect">
+            <a:avLst/>
+          </a:prstGeom>
+          <a:noFill/>
+          <a:ln w="19050" cap="flat" cmpd="sng">
+            <a:solidFill>
+              <a:schemeClr val="tx1"/>
+            </a:solidFill>
+            <a:prstDash val="dash"/>
+            <a:miter lim="800000"/>
+          </a:ln>
+        </p:spPr>
+        <p:style>
+          <a:lnRef idx="2">
+            <a:schemeClr val="accent1"/>
+          </a:lnRef>
+          <a:fillRef idx="0">
+            <a:srgbClr val="FFFFFF"/>
+          </a:fillRef>
+          <a:effectRef idx="0">
+            <a:srgbClr val="FFFFFF"/>
+          </a:effectRef>
+          <a:fontRef idx="minor">
+            <a:schemeClr val="dk1"/>
+          </a:fontRef>
+        </p:style>
+        <p:txBody>
+          <a:bodyPr rtlCol="0" anchor="ctr"/>
+          <a:p>
+            <a:pPr algn="ctr"/>
+            <a:endParaRPr lang="zh-CN" altLang="en-US">
+              <a:gradFill>
+                <a:gsLst>
+                  <a:gs pos="0">
+                    <a:srgbClr val="FE4444"/>
+                  </a:gs>
+                  <a:gs pos="100000">
+                    <a:srgbClr val="832B2B"/>
+                  </a:gs>
+                </a:gsLst>
+                <a:lin ang="5400000" scaled="0"/>
+              </a:gradFill>
+            </a:endParaRPr>
+          </a:p>
+        </p:txBody>
+      </p:sp>
+      <p:pic>
+        <p:nvPicPr>
+          <p:cNvPr id="58" name="图片 57"/>
+          <p:cNvPicPr>
+            <a:picLocks noChangeAspect="1"/>
+          </p:cNvPicPr>
+          <p:nvPr>
+            <p:custDataLst>
+              <p:tags r:id="rId1"/>
+            </p:custDataLst>
+          </p:nvPr>
+        </p:nvPicPr>
+        <p:blipFill>
+          <a:blip r:embed="rId2"/>
+          <a:stretch>
+            <a:fillRect/>
+          </a:stretch>
+        </p:blipFill>
+        <p:spPr>
+          <a:xfrm>
+            <a:off x="1800860" y="2580005"/>
+            <a:ext cx="5684520" cy="1572895"/>
+          </a:xfrm>
+          <a:prstGeom prst="rect">
+            <a:avLst/>
+          </a:prstGeom>
+        </p:spPr>
+      </p:pic>
+      <mc:AlternateContent xmlns:mc="http://schemas.openxmlformats.org/markup-compatibility/2006">
+        <mc:Choice xmlns:a14="http://schemas.microsoft.com/office/drawing/2010/main" Requires="a14">
+          <p:sp>
+            <p:nvSpPr>
+              <p:cNvPr id="59" name="文本框 58"/>
+              <p:cNvSpPr txBox="1"/>
+              <p:nvPr>
+                <p:custDataLst>
+                  <p:tags r:id="rId3"/>
+                </p:custDataLst>
+              </p:nvPr>
+            </p:nvSpPr>
+            <p:spPr>
+              <a:xfrm>
+                <a:off x="3447987" y="2695194"/>
+                <a:ext cx="497205" cy="368300"/>
+              </a:xfrm>
+              <a:prstGeom prst="rect">
+                <a:avLst/>
+              </a:prstGeom>
+              <a:noFill/>
+            </p:spPr>
+            <p:txBody>
+              <a:bodyPr wrap="none" rtlCol="0" anchor="t">
+                <a:spAutoFit/>
+              </a:bodyPr>
+              <a:p>
+                <a:pPr algn="r"/>
+                <a14:m>
+                  <m:oMathPara xmlns:m="http://schemas.openxmlformats.org/officeDocument/2006/math">
+                    <m:oMathParaPr>
+                      <m:jc m:val="centerGroup"/>
+                    </m:oMathParaPr>
+                    <m:oMath xmlns:m="http://schemas.openxmlformats.org/officeDocument/2006/math">
+                      <m:sSub>
+                        <m:sSubPr>
+                          <m:ctrlPr>
+                            <a:rPr lang="en-US" altLang="zh-CN" i="1">
+                              <a:solidFill>
+                                <a:srgbClr val="FF0000"/>
+                              </a:solidFill>
+                              <a:latin typeface="DejaVu Math TeX Gyre" panose="02000503000000000000" charset="0"/>
+                              <a:cs typeface="DejaVu Math TeX Gyre" panose="02000503000000000000" charset="0"/>
+                            </a:rPr>
+                          </m:ctrlPr>
+                        </m:sSubPr>
+                        <m:e>
+                          <m:r>
+                            <a:rPr lang="en-US" altLang="zh-CN" i="1">
+                              <a:solidFill>
+                                <a:srgbClr val="FF0000"/>
+                              </a:solidFill>
+                              <a:latin typeface="DejaVu Math TeX Gyre" panose="02000503000000000000" charset="0"/>
+                              <a:cs typeface="DejaVu Math TeX Gyre" panose="02000503000000000000" charset="0"/>
+                            </a:rPr>
+                            <m:t>𝑘</m:t>
+                          </m:r>
+                        </m:e>
+                        <m:sub>
+                          <m:r>
+                            <a:rPr lang="en-US" altLang="zh-CN" i="1">
+                              <a:solidFill>
+                                <a:srgbClr val="FF0000"/>
+                              </a:solidFill>
+                              <a:latin typeface="DejaVu Math TeX Gyre" panose="02000503000000000000" charset="0"/>
+                              <a:cs typeface="DejaVu Math TeX Gyre" panose="02000503000000000000" charset="0"/>
+                            </a:rPr>
+                            <m:t>1</m:t>
+                          </m:r>
+                        </m:sub>
+                      </m:sSub>
+                    </m:oMath>
+                  </m:oMathPara>
+                </a14:m>
+                <a:endParaRPr lang="en-US" altLang="zh-CN" i="1">
+                  <a:solidFill>
+                    <a:srgbClr val="FF0000"/>
+                  </a:solidFill>
+                  <a:latin typeface="DejaVu Math TeX Gyre" panose="02000503000000000000" charset="0"/>
+                  <a:cs typeface="DejaVu Math TeX Gyre" panose="02000503000000000000" charset="0"/>
+                </a:endParaRPr>
+              </a:p>
+            </p:txBody>
+          </p:sp>
+        </mc:Choice>
+        <mc:Fallback>
+          <p:sp>
+            <p:nvSpPr>
+              <p:cNvPr id="59" name="文本框 58"/>
+              <p:cNvSpPr txBox="1">
+                <a:spLocks noRot="1" noChangeAspect="1" noMove="1" noResize="1" noEditPoints="1" noAdjustHandles="1" noChangeArrowheads="1" noChangeShapeType="1" noTextEdit="1"/>
+              </p:cNvSpPr>
+              <p:nvPr>
+                <p:custDataLst>
+                  <p:tags r:id="rId4"/>
+                </p:custDataLst>
+              </p:nvPr>
+            </p:nvSpPr>
+            <p:spPr>
+              <a:xfrm>
+                <a:off x="3447987" y="2695194"/>
+                <a:ext cx="497205" cy="368300"/>
+              </a:xfrm>
+              <a:prstGeom prst="rect">
+                <a:avLst/>
+              </a:prstGeom>
+              <a:blipFill rotWithShape="1">
+                <a:blip r:embed="rId5"/>
+                <a:stretch>
+                  <a:fillRect l="-115" t="-69" r="115" b="69"/>
+                </a:stretch>
+              </a:blipFill>
+            </p:spPr>
+            <p:txBody>
+              <a:bodyPr/>
+              <a:lstStyle/>
+              <a:p>
+                <a:r>
+                  <a:rPr lang="zh-CN" altLang="en-US">
+                    <a:noFill/>
+                  </a:rPr>
+                  <a:t> </a:t>
+                </a:r>
+              </a:p>
+            </p:txBody>
+          </p:sp>
+        </mc:Fallback>
+      </mc:AlternateContent>
+      <mc:AlternateContent xmlns:mc="http://schemas.openxmlformats.org/markup-compatibility/2006">
+        <mc:Choice xmlns:a14="http://schemas.microsoft.com/office/drawing/2010/main" Requires="a14">
+          <p:sp>
+            <p:nvSpPr>
+              <p:cNvPr id="60" name="文本框 59"/>
+              <p:cNvSpPr txBox="1"/>
+              <p:nvPr>
+                <p:custDataLst>
+                  <p:tags r:id="rId6"/>
+                </p:custDataLst>
+              </p:nvPr>
+            </p:nvSpPr>
+            <p:spPr>
+              <a:xfrm>
+                <a:off x="3447987" y="3676269"/>
+                <a:ext cx="515620" cy="368935"/>
+              </a:xfrm>
+              <a:prstGeom prst="rect">
+                <a:avLst/>
+              </a:prstGeom>
+              <a:noFill/>
+            </p:spPr>
+            <p:txBody>
+              <a:bodyPr wrap="none" rtlCol="0" anchor="t">
+                <a:spAutoFit/>
+              </a:bodyPr>
+              <a:p>
+                <a:pPr algn="r"/>
+                <a14:m>
+                  <m:oMathPara xmlns:m="http://schemas.openxmlformats.org/officeDocument/2006/math">
+                    <m:oMathParaPr>
+                      <m:jc m:val="centerGroup"/>
+                    </m:oMathParaPr>
+                    <m:oMath xmlns:m="http://schemas.openxmlformats.org/officeDocument/2006/math">
+                      <m:sSub>
+                        <m:sSubPr>
+                          <m:ctrlPr>
+                            <a:rPr lang="en-US" altLang="zh-CN" i="1">
+                              <a:solidFill>
+                                <a:srgbClr val="FF0000"/>
+                              </a:solidFill>
+                              <a:latin typeface="DejaVu Math TeX Gyre" panose="02000503000000000000" charset="0"/>
+                              <a:cs typeface="DejaVu Math TeX Gyre" panose="02000503000000000000" charset="0"/>
+                            </a:rPr>
+                          </m:ctrlPr>
+                        </m:sSubPr>
+                        <m:e>
+                          <m:r>
+                            <a:rPr lang="en-US" altLang="zh-CN" i="1">
+                              <a:solidFill>
+                                <a:srgbClr val="FF0000"/>
+                              </a:solidFill>
+                              <a:latin typeface="DejaVu Math TeX Gyre" panose="02000503000000000000" charset="0"/>
+                              <a:cs typeface="DejaVu Math TeX Gyre" panose="02000503000000000000" charset="0"/>
+                            </a:rPr>
+                            <m:t>𝑘</m:t>
+                          </m:r>
+                        </m:e>
+                        <m:sub>
+                          <m:r>
+                            <a:rPr lang="en-US" altLang="zh-CN" i="1">
+                              <a:solidFill>
+                                <a:srgbClr val="FF0000"/>
+                              </a:solidFill>
+                              <a:latin typeface="DejaVu Math TeX Gyre" panose="02000503000000000000" charset="0"/>
+                              <a:cs typeface="DejaVu Math TeX Gyre" panose="02000503000000000000" charset="0"/>
+                            </a:rPr>
+                            <m:t>3</m:t>
+                          </m:r>
+                        </m:sub>
+                      </m:sSub>
+                    </m:oMath>
+                  </m:oMathPara>
+                </a14:m>
+                <a:endParaRPr lang="en-US" altLang="zh-CN" i="1">
+                  <a:solidFill>
+                    <a:srgbClr val="FF0000"/>
+                  </a:solidFill>
+                  <a:latin typeface="DejaVu Math TeX Gyre" panose="02000503000000000000" charset="0"/>
+                  <a:cs typeface="DejaVu Math TeX Gyre" panose="02000503000000000000" charset="0"/>
+                </a:endParaRPr>
+              </a:p>
+            </p:txBody>
+          </p:sp>
+        </mc:Choice>
+        <mc:Fallback>
+          <p:sp>
+            <p:nvSpPr>
+              <p:cNvPr id="60" name="文本框 59"/>
+              <p:cNvSpPr txBox="1">
+                <a:spLocks noRot="1" noChangeAspect="1" noMove="1" noResize="1" noEditPoints="1" noAdjustHandles="1" noChangeArrowheads="1" noChangeShapeType="1" noTextEdit="1"/>
+              </p:cNvSpPr>
+              <p:nvPr>
+                <p:custDataLst>
+                  <p:tags r:id="rId7"/>
+                </p:custDataLst>
+              </p:nvPr>
+            </p:nvSpPr>
+            <p:spPr>
+              <a:xfrm>
+                <a:off x="3447987" y="3676269"/>
+                <a:ext cx="515620" cy="368935"/>
+              </a:xfrm>
+              <a:prstGeom prst="rect">
+                <a:avLst/>
+              </a:prstGeom>
+              <a:blipFill rotWithShape="1">
+                <a:blip r:embed="rId8"/>
+                <a:stretch>
+                  <a:fillRect l="-111" t="-69" r="111" b="69"/>
+                </a:stretch>
+              </a:blipFill>
+            </p:spPr>
+            <p:txBody>
+              <a:bodyPr/>
+              <a:lstStyle/>
+              <a:p>
+                <a:r>
+                  <a:rPr lang="zh-CN" altLang="en-US">
+                    <a:noFill/>
+                  </a:rPr>
+                  <a:t> </a:t>
+                </a:r>
+              </a:p>
+            </p:txBody>
+          </p:sp>
+        </mc:Fallback>
+      </mc:AlternateContent>
+      <mc:AlternateContent xmlns:mc="http://schemas.openxmlformats.org/markup-compatibility/2006">
+        <mc:Choice xmlns:a14="http://schemas.microsoft.com/office/drawing/2010/main" Requires="a14">
+          <p:sp>
+            <p:nvSpPr>
+              <p:cNvPr id="61" name="文本框 60"/>
+              <p:cNvSpPr txBox="1"/>
+              <p:nvPr>
+                <p:custDataLst>
+                  <p:tags r:id="rId9"/>
+                </p:custDataLst>
+              </p:nvPr>
+            </p:nvSpPr>
+            <p:spPr>
+              <a:xfrm>
+                <a:off x="3447987" y="3063494"/>
+                <a:ext cx="515620" cy="368300"/>
+              </a:xfrm>
+              <a:prstGeom prst="rect">
+                <a:avLst/>
+              </a:prstGeom>
+              <a:noFill/>
+            </p:spPr>
+            <p:txBody>
+              <a:bodyPr wrap="none" rtlCol="0" anchor="t">
+                <a:spAutoFit/>
+              </a:bodyPr>
+              <a:p>
+                <a:pPr algn="r"/>
+                <a14:m>
+                  <m:oMathPara xmlns:m="http://schemas.openxmlformats.org/officeDocument/2006/math">
+                    <m:oMathParaPr>
+                      <m:jc m:val="centerGroup"/>
+                    </m:oMathParaPr>
+                    <m:oMath xmlns:m="http://schemas.openxmlformats.org/officeDocument/2006/math">
+                      <m:sSub>
+                        <m:sSubPr>
+                          <m:ctrlPr>
+                            <a:rPr lang="en-US" altLang="zh-CN" i="1">
+                              <a:solidFill>
+                                <a:srgbClr val="FF0000"/>
+                              </a:solidFill>
+                              <a:latin typeface="DejaVu Math TeX Gyre" panose="02000503000000000000" charset="0"/>
+                              <a:cs typeface="DejaVu Math TeX Gyre" panose="02000503000000000000" charset="0"/>
+                            </a:rPr>
+                          </m:ctrlPr>
+                        </m:sSubPr>
+                        <m:e>
+                          <m:r>
+                            <a:rPr lang="en-US" altLang="zh-CN" i="1">
+                              <a:solidFill>
+                                <a:srgbClr val="FF0000"/>
+                              </a:solidFill>
+                              <a:latin typeface="DejaVu Math TeX Gyre" panose="02000503000000000000" charset="0"/>
+                              <a:cs typeface="DejaVu Math TeX Gyre" panose="02000503000000000000" charset="0"/>
+                            </a:rPr>
+                            <m:t>𝑘</m:t>
+                          </m:r>
+                        </m:e>
+                        <m:sub>
+                          <m:r>
+                            <a:rPr lang="en-US" altLang="zh-CN" i="1">
+                              <a:solidFill>
+                                <a:srgbClr val="FF0000"/>
+                              </a:solidFill>
+                              <a:latin typeface="DejaVu Math TeX Gyre" panose="02000503000000000000" charset="0"/>
+                              <a:cs typeface="DejaVu Math TeX Gyre" panose="02000503000000000000" charset="0"/>
+                            </a:rPr>
+                            <m:t>2</m:t>
+                          </m:r>
+                        </m:sub>
+                      </m:sSub>
+                    </m:oMath>
+                  </m:oMathPara>
+                </a14:m>
+                <a:endParaRPr lang="en-US" altLang="zh-CN" i="1">
+                  <a:solidFill>
+                    <a:srgbClr val="FF0000"/>
+                  </a:solidFill>
+                  <a:latin typeface="DejaVu Math TeX Gyre" panose="02000503000000000000" charset="0"/>
+                  <a:cs typeface="DejaVu Math TeX Gyre" panose="02000503000000000000" charset="0"/>
+                </a:endParaRPr>
+              </a:p>
+            </p:txBody>
+          </p:sp>
+        </mc:Choice>
+        <mc:Fallback>
+          <p:sp>
+            <p:nvSpPr>
+              <p:cNvPr id="61" name="文本框 60"/>
+              <p:cNvSpPr txBox="1">
+                <a:spLocks noRot="1" noChangeAspect="1" noMove="1" noResize="1" noEditPoints="1" noAdjustHandles="1" noChangeArrowheads="1" noChangeShapeType="1" noTextEdit="1"/>
+              </p:cNvSpPr>
+              <p:nvPr>
+                <p:custDataLst>
+                  <p:tags r:id="rId10"/>
+                </p:custDataLst>
+              </p:nvPr>
+            </p:nvSpPr>
+            <p:spPr>
+              <a:xfrm>
+                <a:off x="3447987" y="3063494"/>
+                <a:ext cx="515620" cy="368300"/>
+              </a:xfrm>
+              <a:prstGeom prst="rect">
+                <a:avLst/>
+              </a:prstGeom>
+              <a:blipFill rotWithShape="1">
+                <a:blip r:embed="rId11"/>
+                <a:stretch>
+                  <a:fillRect l="-111" t="-69" r="111" b="69"/>
+                </a:stretch>
+              </a:blipFill>
+            </p:spPr>
+            <p:txBody>
+              <a:bodyPr/>
+              <a:lstStyle/>
+              <a:p>
+                <a:r>
+                  <a:rPr lang="zh-CN" altLang="en-US">
+                    <a:noFill/>
+                  </a:rPr>
+                  <a:t> </a:t>
+                </a:r>
+              </a:p>
+            </p:txBody>
+          </p:sp>
+        </mc:Fallback>
+      </mc:AlternateContent>
+      <mc:AlternateContent xmlns:mc="http://schemas.openxmlformats.org/markup-compatibility/2006">
+        <mc:Choice xmlns:a14="http://schemas.microsoft.com/office/drawing/2010/main" Requires="a14">
+          <p:sp>
+            <p:nvSpPr>
+              <p:cNvPr id="62" name="文本框 61"/>
+              <p:cNvSpPr txBox="1"/>
+              <p:nvPr>
+                <p:custDataLst>
+                  <p:tags r:id="rId12"/>
+                </p:custDataLst>
+              </p:nvPr>
+            </p:nvSpPr>
+            <p:spPr>
+              <a:xfrm>
+                <a:off x="5478717" y="2695194"/>
+                <a:ext cx="481330" cy="368300"/>
+              </a:xfrm>
+              <a:prstGeom prst="rect">
+                <a:avLst/>
+              </a:prstGeom>
+              <a:noFill/>
+            </p:spPr>
+            <p:txBody>
+              <a:bodyPr wrap="none" rtlCol="0" anchor="t">
+                <a:spAutoFit/>
+              </a:bodyPr>
+              <a:p>
+                <a:pPr algn="r"/>
+                <a14:m>
+                  <m:oMathPara xmlns:m="http://schemas.openxmlformats.org/officeDocument/2006/math">
+                    <m:oMathParaPr>
+                      <m:jc m:val="centerGroup"/>
+                    </m:oMathParaPr>
+                    <m:oMath xmlns:m="http://schemas.openxmlformats.org/officeDocument/2006/math">
+                      <m:sSub>
+                        <m:sSubPr>
+                          <m:ctrlPr>
+                            <a:rPr lang="en-US" altLang="zh-CN" i="1">
+                              <a:solidFill>
+                                <a:srgbClr val="FF0000"/>
+                              </a:solidFill>
+                              <a:latin typeface="DejaVu Math TeX Gyre" panose="02000503000000000000" charset="0"/>
+                              <a:cs typeface="DejaVu Math TeX Gyre" panose="02000503000000000000" charset="0"/>
+                            </a:rPr>
+                          </m:ctrlPr>
+                        </m:sSubPr>
+                        <m:e>
+                          <m:r>
+                            <a:rPr lang="en-US" altLang="zh-CN" i="1">
+                              <a:solidFill>
+                                <a:srgbClr val="FF0000"/>
+                              </a:solidFill>
+                              <a:latin typeface="DejaVu Math TeX Gyre" panose="02000503000000000000" charset="0"/>
+                              <a:cs typeface="DejaVu Math TeX Gyre" panose="02000503000000000000" charset="0"/>
+                            </a:rPr>
+                            <m:t>𝑢</m:t>
+                          </m:r>
+                        </m:e>
+                        <m:sub>
+                          <m:r>
+                            <a:rPr lang="en-US" altLang="zh-CN" i="1">
+                              <a:solidFill>
+                                <a:srgbClr val="FF0000"/>
+                              </a:solidFill>
+                              <a:latin typeface="DejaVu Math TeX Gyre" panose="02000503000000000000" charset="0"/>
+                              <a:cs typeface="DejaVu Math TeX Gyre" panose="02000503000000000000" charset="0"/>
+                            </a:rPr>
+                            <m:t>1</m:t>
+                          </m:r>
+                        </m:sub>
+                      </m:sSub>
+                    </m:oMath>
+                  </m:oMathPara>
+                </a14:m>
+                <a:endParaRPr lang="en-US" altLang="zh-CN" i="1">
+                  <a:solidFill>
+                    <a:srgbClr val="FF0000"/>
+                  </a:solidFill>
+                  <a:latin typeface="DejaVu Math TeX Gyre" panose="02000503000000000000" charset="0"/>
+                  <a:cs typeface="DejaVu Math TeX Gyre" panose="02000503000000000000" charset="0"/>
+                </a:endParaRPr>
+              </a:p>
+            </p:txBody>
+          </p:sp>
+        </mc:Choice>
+        <mc:Fallback>
+          <p:sp>
+            <p:nvSpPr>
+              <p:cNvPr id="62" name="文本框 61"/>
+              <p:cNvSpPr txBox="1">
+                <a:spLocks noRot="1" noChangeAspect="1" noMove="1" noResize="1" noEditPoints="1" noAdjustHandles="1" noChangeArrowheads="1" noChangeShapeType="1" noTextEdit="1"/>
+              </p:cNvSpPr>
+              <p:nvPr>
+                <p:custDataLst>
+                  <p:tags r:id="rId13"/>
+                </p:custDataLst>
+              </p:nvPr>
+            </p:nvSpPr>
+            <p:spPr>
+              <a:xfrm>
+                <a:off x="5478717" y="2695194"/>
+                <a:ext cx="481330" cy="368300"/>
+              </a:xfrm>
+              <a:prstGeom prst="rect">
+                <a:avLst/>
+              </a:prstGeom>
+              <a:blipFill rotWithShape="1">
+                <a:blip r:embed="rId14"/>
+                <a:stretch>
+                  <a:fillRect l="-119" t="-69" r="119" b="69"/>
+                </a:stretch>
+              </a:blipFill>
+            </p:spPr>
+            <p:txBody>
+              <a:bodyPr/>
+              <a:lstStyle/>
+              <a:p>
+                <a:r>
+                  <a:rPr lang="zh-CN" altLang="en-US">
+                    <a:noFill/>
+                  </a:rPr>
+                  <a:t> </a:t>
+                </a:r>
+              </a:p>
+            </p:txBody>
+          </p:sp>
+        </mc:Fallback>
+      </mc:AlternateContent>
+      <mc:AlternateContent xmlns:mc="http://schemas.openxmlformats.org/markup-compatibility/2006">
+        <mc:Choice xmlns:a14="http://schemas.microsoft.com/office/drawing/2010/main" Requires="a14">
+          <p:sp>
+            <p:nvSpPr>
+              <p:cNvPr id="63" name="文本框 62"/>
+              <p:cNvSpPr txBox="1"/>
+              <p:nvPr>
+                <p:custDataLst>
+                  <p:tags r:id="rId15"/>
+                </p:custDataLst>
+              </p:nvPr>
+            </p:nvSpPr>
+            <p:spPr>
+              <a:xfrm>
+                <a:off x="5478082" y="3676269"/>
+                <a:ext cx="481965" cy="368935"/>
+              </a:xfrm>
+              <a:prstGeom prst="rect">
+                <a:avLst/>
+              </a:prstGeom>
+              <a:noFill/>
+            </p:spPr>
+            <p:txBody>
+              <a:bodyPr wrap="none" rtlCol="0" anchor="t">
+                <a:spAutoFit/>
+              </a:bodyPr>
+              <a:p>
+                <a:pPr algn="r"/>
+                <a14:m>
+                  <m:oMathPara xmlns:m="http://schemas.openxmlformats.org/officeDocument/2006/math">
+                    <m:oMathParaPr>
+                      <m:jc m:val="centerGroup"/>
+                    </m:oMathParaPr>
+                    <m:oMath xmlns:m="http://schemas.openxmlformats.org/officeDocument/2006/math">
+                      <m:sSub>
+                        <m:sSubPr>
+                          <m:ctrlPr>
+                            <a:rPr lang="en-US" altLang="zh-CN" i="1">
+                              <a:solidFill>
+                                <a:srgbClr val="FF0000"/>
+                              </a:solidFill>
+                              <a:latin typeface="DejaVu Math TeX Gyre" panose="02000503000000000000" charset="0"/>
+                              <a:cs typeface="DejaVu Math TeX Gyre" panose="02000503000000000000" charset="0"/>
+                            </a:rPr>
+                          </m:ctrlPr>
+                        </m:sSubPr>
+                        <m:e>
+                          <m:r>
+                            <a:rPr lang="en-US" altLang="zh-CN" i="1">
+                              <a:solidFill>
+                                <a:srgbClr val="FF0000"/>
+                              </a:solidFill>
+                              <a:latin typeface="DejaVu Math TeX Gyre" panose="02000503000000000000" charset="0"/>
+                              <a:cs typeface="DejaVu Math TeX Gyre" panose="02000503000000000000" charset="0"/>
+                            </a:rPr>
+                            <m:t>𝑢</m:t>
+                          </m:r>
+                        </m:e>
+                        <m:sub>
+                          <m:r>
+                            <a:rPr lang="en-US" altLang="zh-CN" i="1">
+                              <a:solidFill>
+                                <a:srgbClr val="FF0000"/>
+                              </a:solidFill>
+                              <a:latin typeface="DejaVu Math TeX Gyre" panose="02000503000000000000" charset="0"/>
+                              <a:cs typeface="DejaVu Math TeX Gyre" panose="02000503000000000000" charset="0"/>
+                            </a:rPr>
+                            <m:t>3</m:t>
+                          </m:r>
+                        </m:sub>
+                      </m:sSub>
+                    </m:oMath>
+                  </m:oMathPara>
+                </a14:m>
+                <a:endParaRPr lang="en-US" altLang="zh-CN" i="1">
+                  <a:solidFill>
+                    <a:srgbClr val="FF0000"/>
+                  </a:solidFill>
+                  <a:latin typeface="DejaVu Math TeX Gyre" panose="02000503000000000000" charset="0"/>
+                  <a:cs typeface="DejaVu Math TeX Gyre" panose="02000503000000000000" charset="0"/>
+                </a:endParaRPr>
+              </a:p>
+            </p:txBody>
+          </p:sp>
+        </mc:Choice>
+        <mc:Fallback>
+          <p:sp>
+            <p:nvSpPr>
+              <p:cNvPr id="63" name="文本框 62"/>
+              <p:cNvSpPr txBox="1">
+                <a:spLocks noRot="1" noChangeAspect="1" noMove="1" noResize="1" noEditPoints="1" noAdjustHandles="1" noChangeArrowheads="1" noChangeShapeType="1" noTextEdit="1"/>
+              </p:cNvSpPr>
+              <p:nvPr>
+                <p:custDataLst>
+                  <p:tags r:id="rId16"/>
+                </p:custDataLst>
+              </p:nvPr>
+            </p:nvSpPr>
+            <p:spPr>
+              <a:xfrm>
+                <a:off x="5478082" y="3676269"/>
+                <a:ext cx="481965" cy="368935"/>
+              </a:xfrm>
+              <a:prstGeom prst="rect">
+                <a:avLst/>
+              </a:prstGeom>
+              <a:blipFill rotWithShape="1">
+                <a:blip r:embed="rId17"/>
+                <a:stretch>
+                  <a:fillRect l="-119" t="-69" r="119" b="69"/>
+                </a:stretch>
+              </a:blipFill>
+            </p:spPr>
+            <p:txBody>
+              <a:bodyPr/>
+              <a:lstStyle/>
+              <a:p>
+                <a:r>
+                  <a:rPr lang="zh-CN" altLang="en-US">
+                    <a:noFill/>
+                  </a:rPr>
+                  <a:t> </a:t>
+                </a:r>
+              </a:p>
+            </p:txBody>
+          </p:sp>
+        </mc:Fallback>
+      </mc:AlternateContent>
+      <mc:AlternateContent xmlns:mc="http://schemas.openxmlformats.org/markup-compatibility/2006">
+        <mc:Choice xmlns:a14="http://schemas.microsoft.com/office/drawing/2010/main" Requires="a14">
+          <p:sp>
+            <p:nvSpPr>
+              <p:cNvPr id="64" name="文本框 63"/>
+              <p:cNvSpPr txBox="1"/>
+              <p:nvPr>
+                <p:custDataLst>
+                  <p:tags r:id="rId18"/>
+                </p:custDataLst>
+              </p:nvPr>
+            </p:nvSpPr>
+            <p:spPr>
+              <a:xfrm>
+                <a:off x="5478082" y="3063494"/>
+                <a:ext cx="481965" cy="368300"/>
+              </a:xfrm>
+              <a:prstGeom prst="rect">
+                <a:avLst/>
+              </a:prstGeom>
+              <a:noFill/>
+            </p:spPr>
+            <p:txBody>
+              <a:bodyPr wrap="none" rtlCol="0" anchor="t">
+                <a:spAutoFit/>
+              </a:bodyPr>
+              <a:p>
+                <a:pPr algn="r"/>
+                <a14:m>
+                  <m:oMathPara xmlns:m="http://schemas.openxmlformats.org/officeDocument/2006/math">
+                    <m:oMathParaPr>
+                      <m:jc m:val="centerGroup"/>
+                    </m:oMathParaPr>
+                    <m:oMath xmlns:m="http://schemas.openxmlformats.org/officeDocument/2006/math">
+                      <m:sSub>
+                        <m:sSubPr>
+                          <m:ctrlPr>
+                            <a:rPr lang="en-US" altLang="zh-CN" i="1">
+                              <a:solidFill>
+                                <a:srgbClr val="FF0000"/>
+                              </a:solidFill>
+                              <a:latin typeface="DejaVu Math TeX Gyre" panose="02000503000000000000" charset="0"/>
+                              <a:cs typeface="DejaVu Math TeX Gyre" panose="02000503000000000000" charset="0"/>
+                            </a:rPr>
+                          </m:ctrlPr>
+                        </m:sSubPr>
+                        <m:e>
+                          <m:r>
+                            <a:rPr lang="en-US" altLang="zh-CN" i="1">
+                              <a:solidFill>
+                                <a:srgbClr val="FF0000"/>
+                              </a:solidFill>
+                              <a:latin typeface="DejaVu Math TeX Gyre" panose="02000503000000000000" charset="0"/>
+                              <a:cs typeface="DejaVu Math TeX Gyre" panose="02000503000000000000" charset="0"/>
+                            </a:rPr>
+                            <m:t>𝑢</m:t>
+                          </m:r>
+                        </m:e>
+                        <m:sub>
+                          <m:r>
+                            <a:rPr lang="en-US" altLang="zh-CN" i="1">
+                              <a:solidFill>
+                                <a:srgbClr val="FF0000"/>
+                              </a:solidFill>
+                              <a:latin typeface="DejaVu Math TeX Gyre" panose="02000503000000000000" charset="0"/>
+                              <a:cs typeface="DejaVu Math TeX Gyre" panose="02000503000000000000" charset="0"/>
+                            </a:rPr>
+                            <m:t>2</m:t>
+                          </m:r>
+                        </m:sub>
+                      </m:sSub>
+                    </m:oMath>
+                  </m:oMathPara>
+                </a14:m>
+                <a:endParaRPr lang="en-US" altLang="zh-CN" i="1">
+                  <a:solidFill>
+                    <a:srgbClr val="FF0000"/>
+                  </a:solidFill>
+                  <a:latin typeface="DejaVu Math TeX Gyre" panose="02000503000000000000" charset="0"/>
+                  <a:cs typeface="DejaVu Math TeX Gyre" panose="02000503000000000000" charset="0"/>
+                </a:endParaRPr>
+              </a:p>
+            </p:txBody>
+          </p:sp>
+        </mc:Choice>
+        <mc:Fallback>
+          <p:sp>
+            <p:nvSpPr>
+              <p:cNvPr id="64" name="文本框 63"/>
+              <p:cNvSpPr txBox="1">
+                <a:spLocks noRot="1" noChangeAspect="1" noMove="1" noResize="1" noEditPoints="1" noAdjustHandles="1" noChangeArrowheads="1" noChangeShapeType="1" noTextEdit="1"/>
+              </p:cNvSpPr>
+              <p:nvPr>
+                <p:custDataLst>
+                  <p:tags r:id="rId19"/>
+                </p:custDataLst>
+              </p:nvPr>
+            </p:nvSpPr>
+            <p:spPr>
+              <a:xfrm>
+                <a:off x="5478082" y="3063494"/>
+                <a:ext cx="481965" cy="368300"/>
+              </a:xfrm>
+              <a:prstGeom prst="rect">
+                <a:avLst/>
+              </a:prstGeom>
+              <a:blipFill rotWithShape="1">
+                <a:blip r:embed="rId20"/>
+                <a:stretch>
+                  <a:fillRect l="-119" t="-69" r="119" b="69"/>
+                </a:stretch>
+              </a:blipFill>
+            </p:spPr>
+            <p:txBody>
+              <a:bodyPr/>
+              <a:lstStyle/>
+              <a:p>
+                <a:r>
+                  <a:rPr lang="zh-CN" altLang="en-US">
+                    <a:noFill/>
+                  </a:rPr>
+                  <a:t> </a:t>
+                </a:r>
+              </a:p>
+            </p:txBody>
+          </p:sp>
+        </mc:Fallback>
+      </mc:AlternateContent>
+      <p:sp>
+        <p:nvSpPr>
+          <p:cNvPr id="65" name="圆角矩形 64"/>
+          <p:cNvSpPr/>
+          <p:nvPr>
+            <p:custDataLst>
+              <p:tags r:id="rId21"/>
+            </p:custDataLst>
+          </p:nvPr>
+        </p:nvSpPr>
+        <p:spPr>
+          <a:xfrm>
+            <a:off x="3448050" y="2694940"/>
+            <a:ext cx="464820" cy="1350010"/>
+          </a:xfrm>
+          <a:prstGeom prst="roundRect">
+            <a:avLst/>
+          </a:prstGeom>
+          <a:noFill/>
+          <a:ln w="19050" cap="flat" cmpd="sng">
+            <a:solidFill>
+              <a:srgbClr val="0070C0"/>
+            </a:solidFill>
+            <a:prstDash val="dash"/>
+            <a:miter lim="800000"/>
+          </a:ln>
+        </p:spPr>
+        <p:style>
+          <a:lnRef idx="2">
+            <a:schemeClr val="accent1"/>
+          </a:lnRef>
+          <a:fillRef idx="0">
+            <a:srgbClr val="FFFFFF"/>
+          </a:fillRef>
+          <a:effectRef idx="0">
+            <a:srgbClr val="FFFFFF"/>
+          </a:effectRef>
+          <a:fontRef idx="minor">
+            <a:schemeClr val="dk1"/>
+          </a:fontRef>
+        </p:style>
+        <p:txBody>
+          <a:bodyPr rtlCol="0" anchor="ctr"/>
+          <a:p>
+            <a:pPr algn="ctr"/>
+            <a:endParaRPr lang="zh-CN" altLang="en-US">
+              <a:gradFill>
+                <a:gsLst>
+                  <a:gs pos="0">
+                    <a:srgbClr val="FE4444"/>
+                  </a:gs>
+                  <a:gs pos="100000">
+                    <a:srgbClr val="832B2B"/>
+                  </a:gs>
+                </a:gsLst>
+                <a:lin ang="5400000" scaled="0"/>
+              </a:gradFill>
+            </a:endParaRPr>
+          </a:p>
+        </p:txBody>
+      </p:sp>
+      <p:sp>
+        <p:nvSpPr>
+          <p:cNvPr id="66" name="圆角矩形 65"/>
+          <p:cNvSpPr/>
+          <p:nvPr>
+            <p:custDataLst>
+              <p:tags r:id="rId22"/>
+            </p:custDataLst>
+          </p:nvPr>
+        </p:nvSpPr>
+        <p:spPr>
+          <a:xfrm>
+            <a:off x="5478145" y="2694940"/>
+            <a:ext cx="464820" cy="1350010"/>
+          </a:xfrm>
+          <a:prstGeom prst="roundRect">
+            <a:avLst/>
+          </a:prstGeom>
+          <a:noFill/>
+          <a:ln w="19050" cap="flat" cmpd="sng">
+            <a:solidFill>
+              <a:srgbClr val="FF8D41"/>
+            </a:solidFill>
+            <a:prstDash val="dash"/>
+            <a:miter lim="800000"/>
+          </a:ln>
+        </p:spPr>
+        <p:style>
+          <a:lnRef idx="2">
+            <a:schemeClr val="accent1"/>
+          </a:lnRef>
+          <a:fillRef idx="0">
+            <a:srgbClr val="FFFFFF"/>
+          </a:fillRef>
+          <a:effectRef idx="0">
+            <a:srgbClr val="FFFFFF"/>
+          </a:effectRef>
+          <a:fontRef idx="minor">
+            <a:schemeClr val="dk1"/>
+          </a:fontRef>
+        </p:style>
+        <p:txBody>
+          <a:bodyPr rtlCol="0" anchor="ctr"/>
+          <a:p>
+            <a:pPr algn="ctr"/>
+            <a:endParaRPr lang="zh-CN" altLang="en-US">
+              <a:gradFill>
+                <a:gsLst>
+                  <a:gs pos="0">
+                    <a:srgbClr val="FE4444"/>
+                  </a:gs>
+                  <a:gs pos="100000">
+                    <a:srgbClr val="832B2B"/>
+                  </a:gs>
+                </a:gsLst>
+                <a:lin ang="5400000" scaled="0"/>
+              </a:gradFill>
+            </a:endParaRPr>
+          </a:p>
+        </p:txBody>
+      </p:sp>
+      <p:sp>
+        <p:nvSpPr>
+          <p:cNvPr id="67" name="下箭头 66"/>
+          <p:cNvSpPr/>
+          <p:nvPr>
+            <p:custDataLst>
+              <p:tags r:id="rId23"/>
+            </p:custDataLst>
+          </p:nvPr>
+        </p:nvSpPr>
+        <p:spPr>
+          <a:xfrm>
+            <a:off x="3333750" y="2352040"/>
+            <a:ext cx="692785" cy="227965"/>
+          </a:xfrm>
+          <a:prstGeom prst="downArrow">
+            <a:avLst/>
+          </a:prstGeom>
+        </p:spPr>
+        <p:style>
+          <a:lnRef idx="2">
+            <a:schemeClr val="accent1">
+              <a:shade val="50000"/>
+            </a:schemeClr>
+          </a:lnRef>
+          <a:fillRef idx="1">
+            <a:schemeClr val="accent1"/>
+          </a:fillRef>
+          <a:effectRef idx="0">
+            <a:schemeClr val="accent1"/>
+          </a:effectRef>
+          <a:fontRef idx="minor">
+            <a:schemeClr val="lt1"/>
+          </a:fontRef>
+        </p:style>
+        <p:txBody>
+          <a:bodyPr rtlCol="0" anchor="ctr"/>
+          <a:p>
+            <a:pPr algn="ctr"/>
+            <a:endParaRPr lang="zh-CN" altLang="en-US"/>
+          </a:p>
+        </p:txBody>
+      </p:sp>
+      <p:sp>
+        <p:nvSpPr>
+          <p:cNvPr id="68" name="下箭头 67"/>
+          <p:cNvSpPr/>
+          <p:nvPr>
+            <p:custDataLst>
+              <p:tags r:id="rId24"/>
+            </p:custDataLst>
+          </p:nvPr>
+        </p:nvSpPr>
+        <p:spPr>
+          <a:xfrm>
+            <a:off x="5363845" y="2352040"/>
+            <a:ext cx="692785" cy="227965"/>
+          </a:xfrm>
+          <a:prstGeom prst="downArrow">
+            <a:avLst/>
+          </a:prstGeom>
+        </p:spPr>
+        <p:style>
+          <a:lnRef idx="2">
+            <a:schemeClr val="accent1">
+              <a:shade val="50000"/>
+            </a:schemeClr>
+          </a:lnRef>
+          <a:fillRef idx="1">
+            <a:schemeClr val="accent1"/>
+          </a:fillRef>
+          <a:effectRef idx="0">
+            <a:schemeClr val="accent1"/>
+          </a:effectRef>
+          <a:fontRef idx="minor">
+            <a:schemeClr val="lt1"/>
+          </a:fontRef>
+        </p:style>
+        <p:txBody>
+          <a:bodyPr rtlCol="0" anchor="ctr"/>
+          <a:p>
+            <a:pPr algn="ctr"/>
+            <a:endParaRPr lang="zh-CN" altLang="en-US"/>
+          </a:p>
+        </p:txBody>
+      </p:sp>
+      <p:sp>
+        <p:nvSpPr>
+          <p:cNvPr id="69" name="文本框 68"/>
+          <p:cNvSpPr txBox="1"/>
+          <p:nvPr>
+            <p:custDataLst>
+              <p:tags r:id="rId25"/>
+            </p:custDataLst>
+          </p:nvPr>
+        </p:nvSpPr>
+        <p:spPr>
+          <a:xfrm>
+            <a:off x="3312160" y="1868805"/>
+            <a:ext cx="727710" cy="368300"/>
+          </a:xfrm>
+          <a:prstGeom prst="rect">
+            <a:avLst/>
+          </a:prstGeom>
+          <a:noFill/>
+        </p:spPr>
+        <p:txBody>
+          <a:bodyPr wrap="none" rtlCol="0">
+            <a:spAutoFit/>
+          </a:bodyPr>
+          <a:p>
+            <a:r>
+              <a:rPr lang="en-US" altLang="zh-CN">
+                <a:latin typeface="楷体" charset="0"/>
+                <a:ea typeface="楷体" charset="0"/>
+              </a:rPr>
+              <a:t>Fixed</a:t>
+            </a:r>
+            <a:endParaRPr lang="en-US" altLang="zh-CN">
+              <a:latin typeface="楷体" charset="0"/>
+              <a:ea typeface="楷体" charset="0"/>
+            </a:endParaRPr>
+          </a:p>
+        </p:txBody>
+      </p:sp>
+      <p:sp>
+        <p:nvSpPr>
+          <p:cNvPr id="70" name="文本框 69"/>
+          <p:cNvSpPr txBox="1"/>
+          <p:nvPr>
+            <p:custDataLst>
+              <p:tags r:id="rId26"/>
+            </p:custDataLst>
+          </p:nvPr>
+        </p:nvSpPr>
+        <p:spPr>
+          <a:xfrm>
+            <a:off x="5092700" y="1868805"/>
+            <a:ext cx="1115060" cy="368300"/>
+          </a:xfrm>
+          <a:prstGeom prst="rect">
+            <a:avLst/>
+          </a:prstGeom>
+          <a:noFill/>
+        </p:spPr>
+        <p:txBody>
+          <a:bodyPr wrap="none" rtlCol="0">
+            <a:spAutoFit/>
+          </a:bodyPr>
+          <a:p>
+            <a:r>
+              <a:rPr lang="en-US" altLang="zh-CN">
+                <a:latin typeface="楷体" charset="0"/>
+                <a:ea typeface="楷体" charset="0"/>
+              </a:rPr>
+              <a:t>Trainable</a:t>
+            </a:r>
+            <a:endParaRPr lang="en-US" altLang="zh-CN">
+              <a:latin typeface="楷体" charset="0"/>
+              <a:ea typeface="楷体" charset="0"/>
+            </a:endParaRPr>
+          </a:p>
+        </p:txBody>
+      </p:sp>
+      <p:sp>
+        <p:nvSpPr>
+          <p:cNvPr id="71" name="文本框 70"/>
+          <p:cNvSpPr txBox="1"/>
+          <p:nvPr>
+            <p:custDataLst>
+              <p:tags r:id="rId27"/>
+            </p:custDataLst>
+          </p:nvPr>
+        </p:nvSpPr>
+        <p:spPr>
+          <a:xfrm>
+            <a:off x="3945255" y="1157605"/>
+            <a:ext cx="1328420" cy="368300"/>
+          </a:xfrm>
+          <a:prstGeom prst="rect">
+            <a:avLst/>
+          </a:prstGeom>
+          <a:noFill/>
+        </p:spPr>
+        <p:txBody>
+          <a:bodyPr wrap="square" rtlCol="0">
+            <a:spAutoFit/>
+          </a:bodyPr>
+          <a:p>
+            <a:r>
+              <a:rPr lang="en-US" altLang="zh-CN">
+                <a:solidFill>
+                  <a:schemeClr val="accent4">
+                    <a:lumMod val="75000"/>
+                  </a:schemeClr>
+                </a:solidFill>
+              </a:rPr>
+              <a:t>Local Net</a:t>
+            </a:r>
+            <a:endParaRPr lang="en-US" altLang="zh-CN">
+              <a:solidFill>
+                <a:schemeClr val="accent4">
+                  <a:lumMod val="75000"/>
+                </a:schemeClr>
+              </a:solidFill>
+            </a:endParaRPr>
+          </a:p>
+        </p:txBody>
+      </p:sp>
+      <p:sp>
+        <p:nvSpPr>
+          <p:cNvPr id="72" name="圆角矩形 71"/>
+          <p:cNvSpPr/>
+          <p:nvPr>
+            <p:custDataLst>
+              <p:tags r:id="rId28"/>
+            </p:custDataLst>
+          </p:nvPr>
+        </p:nvSpPr>
+        <p:spPr>
+          <a:xfrm>
+            <a:off x="8073390" y="1144270"/>
+            <a:ext cx="766445" cy="3328670"/>
+          </a:xfrm>
+          <a:prstGeom prst="roundRect">
+            <a:avLst/>
+          </a:prstGeom>
+          <a:noFill/>
+          <a:ln w="19050" cap="flat" cmpd="sng">
+            <a:solidFill>
+              <a:schemeClr val="tx1"/>
+            </a:solidFill>
+            <a:prstDash val="dash"/>
+            <a:miter lim="800000"/>
+          </a:ln>
+        </p:spPr>
+        <p:style>
+          <a:lnRef idx="2">
+            <a:schemeClr val="accent1"/>
+          </a:lnRef>
+          <a:fillRef idx="0">
+            <a:srgbClr val="FFFFFF"/>
+          </a:fillRef>
+          <a:effectRef idx="0">
+            <a:srgbClr val="FFFFFF"/>
+          </a:effectRef>
+          <a:fontRef idx="minor">
+            <a:schemeClr val="dk1"/>
+          </a:fontRef>
+        </p:style>
+        <p:txBody>
+          <a:bodyPr rtlCol="0" anchor="ctr"/>
+          <a:p>
+            <a:pPr algn="ctr"/>
+            <a:endParaRPr lang="zh-CN" altLang="en-US">
+              <a:gradFill>
+                <a:gsLst>
+                  <a:gs pos="0">
+                    <a:srgbClr val="FE4444"/>
+                  </a:gs>
+                  <a:gs pos="100000">
+                    <a:srgbClr val="832B2B"/>
+                  </a:gs>
+                </a:gsLst>
+                <a:lin ang="5400000" scaled="0"/>
+              </a:gradFill>
+            </a:endParaRPr>
+          </a:p>
+        </p:txBody>
+      </p:sp>
+      <p:sp>
+        <p:nvSpPr>
+          <p:cNvPr id="73" name="文本框 72"/>
+          <p:cNvSpPr txBox="1"/>
+          <p:nvPr>
+            <p:custDataLst>
+              <p:tags r:id="rId29"/>
+            </p:custDataLst>
+          </p:nvPr>
+        </p:nvSpPr>
+        <p:spPr>
+          <a:xfrm>
+            <a:off x="8147050" y="1157605"/>
+            <a:ext cx="692785" cy="368300"/>
+          </a:xfrm>
+          <a:prstGeom prst="rect">
+            <a:avLst/>
+          </a:prstGeom>
+          <a:noFill/>
+        </p:spPr>
+        <p:txBody>
+          <a:bodyPr wrap="square" rtlCol="0">
+            <a:spAutoFit/>
+          </a:bodyPr>
+          <a:p>
+            <a:r>
+              <a:rPr lang="en-US" altLang="zh-CN">
+                <a:solidFill>
+                  <a:schemeClr val="accent5">
+                    <a:lumMod val="75000"/>
+                  </a:schemeClr>
+                </a:solidFill>
+              </a:rPr>
+              <a:t>PoU</a:t>
+            </a:r>
+            <a:endParaRPr lang="en-US" altLang="zh-CN">
+              <a:solidFill>
+                <a:schemeClr val="accent5">
+                  <a:lumMod val="75000"/>
+                </a:schemeClr>
+              </a:solidFill>
+            </a:endParaRPr>
+          </a:p>
+        </p:txBody>
+      </p:sp>
+      <p:grpSp>
+        <p:nvGrpSpPr>
+          <p:cNvPr id="79" name="组合 78"/>
+          <p:cNvGrpSpPr/>
+          <p:nvPr/>
+        </p:nvGrpSpPr>
+        <p:grpSpPr>
+          <a:xfrm>
+            <a:off x="8261985" y="3150870"/>
+            <a:ext cx="389255" cy="431165"/>
+            <a:chOff x="16141" y="3523"/>
+            <a:chExt cx="613" cy="679"/>
+          </a:xfrm>
+        </p:grpSpPr>
+        <p:sp>
+          <p:nvSpPr>
+            <p:cNvPr id="76" name="椭圆 75"/>
+            <p:cNvSpPr/>
+            <p:nvPr>
+              <p:custDataLst>
+                <p:tags r:id="rId30"/>
+              </p:custDataLst>
+            </p:nvPr>
+          </p:nvSpPr>
+          <p:spPr>
+            <a:xfrm>
+              <a:off x="16142" y="3523"/>
+              <a:ext cx="613" cy="613"/>
+            </a:xfrm>
+            <a:prstGeom prst="ellipse">
+              <a:avLst/>
+            </a:prstGeom>
+            <a:solidFill>
+              <a:schemeClr val="accent1">
+                <a:lumMod val="40000"/>
+                <a:lumOff val="60000"/>
+              </a:schemeClr>
+            </a:solidFill>
+          </p:spPr>
+          <p:style>
+            <a:lnRef idx="2">
+              <a:schemeClr val="accent1">
+                <a:shade val="50000"/>
+              </a:schemeClr>
+            </a:lnRef>
+            <a:fillRef idx="1">
+              <a:schemeClr val="accent1"/>
+            </a:fillRef>
+            <a:effectRef idx="0">
+              <a:schemeClr val="accent1"/>
+            </a:effectRef>
+            <a:fontRef idx="minor">
+              <a:schemeClr val="lt1"/>
+            </a:fontRef>
+          </p:style>
+          <p:txBody>
+            <a:bodyPr rtlCol="0" anchor="ctr"/>
+            <a:p>
+              <a:pPr algn="ctr"/>
+              <a:endParaRPr lang="zh-CN" altLang="en-US">
+                <a:solidFill>
+                  <a:srgbClr val="FF0000"/>
+                </a:solidFill>
+              </a:endParaRPr>
+            </a:p>
+          </p:txBody>
+        </p:sp>
+        <p:sp>
+          <p:nvSpPr>
+            <p:cNvPr id="77" name="文本框 76"/>
+            <p:cNvSpPr txBox="1"/>
+            <p:nvPr>
+              <p:custDataLst>
+                <p:tags r:id="rId31"/>
+              </p:custDataLst>
+            </p:nvPr>
+          </p:nvSpPr>
+          <p:spPr>
+            <a:xfrm>
+              <a:off x="16141" y="3574"/>
+              <a:ext cx="474" cy="628"/>
+            </a:xfrm>
+            <a:prstGeom prst="rect">
+              <a:avLst/>
+            </a:prstGeom>
+            <a:noFill/>
+          </p:spPr>
+          <p:txBody>
+            <a:bodyPr wrap="square" rtlCol="0">
+              <a:spAutoFit/>
+            </a:bodyPr>
+            <a:p>
+              <a:r>
+                <a:rPr lang="zh-CN" altLang="en-US" sz="2000">
+                  <a:solidFill>
+                    <a:srgbClr val="FF0000"/>
+                  </a:solidFill>
+                  <a:latin typeface="Arial" panose="020B0604020202090204" pitchFamily="34" charset="0"/>
+                  <a:cs typeface="Arial" panose="020B0604020202090204" pitchFamily="34" charset="0"/>
+                  <a:sym typeface="+mn-ea"/>
+                </a:rPr>
+                <a:t>Ψ</a:t>
+              </a:r>
+              <a:endParaRPr lang="en-US" altLang="zh-CN" sz="2000">
+                <a:ea typeface="楷体" charset="0"/>
+                <a:cs typeface="+mn-lt"/>
+              </a:endParaRPr>
+            </a:p>
+          </p:txBody>
+        </p:sp>
+      </p:grpSp>
+      <p:cxnSp>
+        <p:nvCxnSpPr>
+          <p:cNvPr id="80" name="直接箭头连接符 79"/>
+          <p:cNvCxnSpPr>
+            <a:endCxn id="77" idx="1"/>
+          </p:cNvCxnSpPr>
+          <p:nvPr>
+            <p:custDataLst>
+              <p:tags r:id="rId32"/>
+            </p:custDataLst>
+          </p:nvPr>
+        </p:nvCxnSpPr>
+        <p:spPr>
+          <a:xfrm>
+            <a:off x="7244715" y="3382645"/>
+            <a:ext cx="1017270" cy="0"/>
+          </a:xfrm>
+          <a:prstGeom prst="straightConnector1">
+            <a:avLst/>
+          </a:prstGeom>
+          <a:ln w="28575" cmpd="sng">
+            <a:solidFill>
+              <a:schemeClr val="accent2">
+                <a:lumMod val="75000"/>
+              </a:schemeClr>
+            </a:solidFill>
+            <a:prstDash val="solid"/>
+            <a:tailEnd type="triangle" w="lg" len="lg"/>
+          </a:ln>
+        </p:spPr>
+        <p:style>
+          <a:lnRef idx="2">
+            <a:schemeClr val="accent1"/>
+          </a:lnRef>
+          <a:fillRef idx="0">
+            <a:srgbClr val="FFFFFF"/>
+          </a:fillRef>
+          <a:effectRef idx="0">
+            <a:srgbClr val="FFFFFF"/>
+          </a:effectRef>
+          <a:fontRef idx="minor">
+            <a:schemeClr val="tx1"/>
+          </a:fontRef>
+        </p:style>
+      </p:cxnSp>
+    </p:spTree>
+  </p:cSld>
+  <p:clrMapOvr>
+    <a:masterClrMapping/>
+  </p:clrMapOvr>
+</p:sld>
+</file>
+
 <file path=ppt/tags/tag1.xml><?xml version="1.0" encoding="utf-8"?>
 <p:tagLst xmlns:p="http://schemas.openxmlformats.org/presentationml/2006/main">
   <p:tag name="KSO_WM_BEAUTIFY_FLAG" val=""/>
@@ -13120,31 +16229,349 @@
 </p:tagLst>
 </file>
 
+<file path=ppt/tags/tag102.xml><?xml version="1.0" encoding="utf-8"?>
+<p:tagLst xmlns:p="http://schemas.openxmlformats.org/presentationml/2006/main">
+  <p:tag name="KSO_WM_BEAUTIFY_FLAG" val=""/>
+</p:tagLst>
+</file>
+
+<file path=ppt/tags/tag103.xml><?xml version="1.0" encoding="utf-8"?>
+<p:tagLst xmlns:p="http://schemas.openxmlformats.org/presentationml/2006/main">
+  <p:tag name="KSO_WM_BEAUTIFY_FLAG" val=""/>
+</p:tagLst>
+</file>
+
+<file path=ppt/tags/tag104.xml><?xml version="1.0" encoding="utf-8"?>
+<p:tagLst xmlns:p="http://schemas.openxmlformats.org/presentationml/2006/main">
+  <p:tag name="KSO_WM_BEAUTIFY_FLAG" val=""/>
+</p:tagLst>
+</file>
+
+<file path=ppt/tags/tag105.xml><?xml version="1.0" encoding="utf-8"?>
+<p:tagLst xmlns:p="http://schemas.openxmlformats.org/presentationml/2006/main">
+  <p:tag name="KSO_WM_BEAUTIFY_FLAG" val=""/>
+</p:tagLst>
+</file>
+
+<file path=ppt/tags/tag106.xml><?xml version="1.0" encoding="utf-8"?>
+<p:tagLst xmlns:p="http://schemas.openxmlformats.org/presentationml/2006/main">
+  <p:tag name="KSO_WM_BEAUTIFY_FLAG" val=""/>
+</p:tagLst>
+</file>
+
+<file path=ppt/tags/tag107.xml><?xml version="1.0" encoding="utf-8"?>
+<p:tagLst xmlns:p="http://schemas.openxmlformats.org/presentationml/2006/main">
+  <p:tag name="KSO_WM_BEAUTIFY_FLAG" val=""/>
+</p:tagLst>
+</file>
+
+<file path=ppt/tags/tag108.xml><?xml version="1.0" encoding="utf-8"?>
+<p:tagLst xmlns:p="http://schemas.openxmlformats.org/presentationml/2006/main">
+  <p:tag name="KSO_WM_BEAUTIFY_FLAG" val=""/>
+</p:tagLst>
+</file>
+
+<file path=ppt/tags/tag109.xml><?xml version="1.0" encoding="utf-8"?>
+<p:tagLst xmlns:p="http://schemas.openxmlformats.org/presentationml/2006/main">
+  <p:tag name="KSO_WM_BEAUTIFY_FLAG" val=""/>
+</p:tagLst>
+</file>
+
 <file path=ppt/tags/tag11.xml><?xml version="1.0" encoding="utf-8"?>
 <p:tagLst xmlns:p="http://schemas.openxmlformats.org/presentationml/2006/main">
   <p:tag name="KSO_WM_BEAUTIFY_FLAG" val=""/>
 </p:tagLst>
 </file>
 
+<file path=ppt/tags/tag110.xml><?xml version="1.0" encoding="utf-8"?>
+<p:tagLst xmlns:p="http://schemas.openxmlformats.org/presentationml/2006/main">
+  <p:tag name="KSO_WM_BEAUTIFY_FLAG" val=""/>
+</p:tagLst>
+</file>
+
+<file path=ppt/tags/tag111.xml><?xml version="1.0" encoding="utf-8"?>
+<p:tagLst xmlns:p="http://schemas.openxmlformats.org/presentationml/2006/main">
+  <p:tag name="KSO_WM_BEAUTIFY_FLAG" val=""/>
+</p:tagLst>
+</file>
+
+<file path=ppt/tags/tag112.xml><?xml version="1.0" encoding="utf-8"?>
+<p:tagLst xmlns:p="http://schemas.openxmlformats.org/presentationml/2006/main">
+  <p:tag name="KSO_WM_BEAUTIFY_FLAG" val=""/>
+</p:tagLst>
+</file>
+
+<file path=ppt/tags/tag113.xml><?xml version="1.0" encoding="utf-8"?>
+<p:tagLst xmlns:p="http://schemas.openxmlformats.org/presentationml/2006/main">
+  <p:tag name="KSO_WM_BEAUTIFY_FLAG" val=""/>
+</p:tagLst>
+</file>
+
+<file path=ppt/tags/tag114.xml><?xml version="1.0" encoding="utf-8"?>
+<p:tagLst xmlns:p="http://schemas.openxmlformats.org/presentationml/2006/main">
+  <p:tag name="KSO_WM_BEAUTIFY_FLAG" val=""/>
+</p:tagLst>
+</file>
+
+<file path=ppt/tags/tag115.xml><?xml version="1.0" encoding="utf-8"?>
+<p:tagLst xmlns:p="http://schemas.openxmlformats.org/presentationml/2006/main">
+  <p:tag name="KSO_WM_BEAUTIFY_FLAG" val=""/>
+</p:tagLst>
+</file>
+
+<file path=ppt/tags/tag116.xml><?xml version="1.0" encoding="utf-8"?>
+<p:tagLst xmlns:p="http://schemas.openxmlformats.org/presentationml/2006/main">
+  <p:tag name="KSO_WM_BEAUTIFY_FLAG" val=""/>
+</p:tagLst>
+</file>
+
+<file path=ppt/tags/tag117.xml><?xml version="1.0" encoding="utf-8"?>
+<p:tagLst xmlns:p="http://schemas.openxmlformats.org/presentationml/2006/main">
+  <p:tag name="KSO_WM_BEAUTIFY_FLAG" val=""/>
+</p:tagLst>
+</file>
+
+<file path=ppt/tags/tag118.xml><?xml version="1.0" encoding="utf-8"?>
+<p:tagLst xmlns:p="http://schemas.openxmlformats.org/presentationml/2006/main">
+  <p:tag name="KSO_WM_BEAUTIFY_FLAG" val=""/>
+</p:tagLst>
+</file>
+
+<file path=ppt/tags/tag119.xml><?xml version="1.0" encoding="utf-8"?>
+<p:tagLst xmlns:p="http://schemas.openxmlformats.org/presentationml/2006/main">
+  <p:tag name="KSO_WM_BEAUTIFY_FLAG" val=""/>
+</p:tagLst>
+</file>
+
 <file path=ppt/tags/tag12.xml><?xml version="1.0" encoding="utf-8"?>
 <p:tagLst xmlns:p="http://schemas.openxmlformats.org/presentationml/2006/main">
   <p:tag name="KSO_WM_BEAUTIFY_FLAG" val=""/>
 </p:tagLst>
 </file>
 
+<file path=ppt/tags/tag120.xml><?xml version="1.0" encoding="utf-8"?>
+<p:tagLst xmlns:p="http://schemas.openxmlformats.org/presentationml/2006/main">
+  <p:tag name="KSO_WM_BEAUTIFY_FLAG" val=""/>
+</p:tagLst>
+</file>
+
+<file path=ppt/tags/tag121.xml><?xml version="1.0" encoding="utf-8"?>
+<p:tagLst xmlns:p="http://schemas.openxmlformats.org/presentationml/2006/main">
+  <p:tag name="KSO_WM_BEAUTIFY_FLAG" val=""/>
+</p:tagLst>
+</file>
+
+<file path=ppt/tags/tag122.xml><?xml version="1.0" encoding="utf-8"?>
+<p:tagLst xmlns:p="http://schemas.openxmlformats.org/presentationml/2006/main">
+  <p:tag name="KSO_WM_BEAUTIFY_FLAG" val=""/>
+</p:tagLst>
+</file>
+
+<file path=ppt/tags/tag123.xml><?xml version="1.0" encoding="utf-8"?>
+<p:tagLst xmlns:p="http://schemas.openxmlformats.org/presentationml/2006/main">
+  <p:tag name="KSO_WM_BEAUTIFY_FLAG" val=""/>
+</p:tagLst>
+</file>
+
+<file path=ppt/tags/tag124.xml><?xml version="1.0" encoding="utf-8"?>
+<p:tagLst xmlns:p="http://schemas.openxmlformats.org/presentationml/2006/main">
+  <p:tag name="KSO_WM_BEAUTIFY_FLAG" val=""/>
+</p:tagLst>
+</file>
+
+<file path=ppt/tags/tag125.xml><?xml version="1.0" encoding="utf-8"?>
+<p:tagLst xmlns:p="http://schemas.openxmlformats.org/presentationml/2006/main">
+  <p:tag name="KSO_WM_BEAUTIFY_FLAG" val=""/>
+</p:tagLst>
+</file>
+
+<file path=ppt/tags/tag126.xml><?xml version="1.0" encoding="utf-8"?>
+<p:tagLst xmlns:p="http://schemas.openxmlformats.org/presentationml/2006/main">
+  <p:tag name="KSO_WM_BEAUTIFY_FLAG" val=""/>
+</p:tagLst>
+</file>
+
+<file path=ppt/tags/tag127.xml><?xml version="1.0" encoding="utf-8"?>
+<p:tagLst xmlns:p="http://schemas.openxmlformats.org/presentationml/2006/main">
+  <p:tag name="KSO_WM_BEAUTIFY_FLAG" val=""/>
+</p:tagLst>
+</file>
+
+<file path=ppt/tags/tag128.xml><?xml version="1.0" encoding="utf-8"?>
+<p:tagLst xmlns:p="http://schemas.openxmlformats.org/presentationml/2006/main">
+  <p:tag name="KSO_WM_BEAUTIFY_FLAG" val=""/>
+</p:tagLst>
+</file>
+
+<file path=ppt/tags/tag129.xml><?xml version="1.0" encoding="utf-8"?>
+<p:tagLst xmlns:p="http://schemas.openxmlformats.org/presentationml/2006/main">
+  <p:tag name="KSO_WM_BEAUTIFY_FLAG" val=""/>
+</p:tagLst>
+</file>
+
 <file path=ppt/tags/tag13.xml><?xml version="1.0" encoding="utf-8"?>
 <p:tagLst xmlns:p="http://schemas.openxmlformats.org/presentationml/2006/main">
   <p:tag name="KSO_WM_BEAUTIFY_FLAG" val=""/>
 </p:tagLst>
 </file>
 
+<file path=ppt/tags/tag130.xml><?xml version="1.0" encoding="utf-8"?>
+<p:tagLst xmlns:p="http://schemas.openxmlformats.org/presentationml/2006/main">
+  <p:tag name="KSO_WM_BEAUTIFY_FLAG" val=""/>
+</p:tagLst>
+</file>
+
+<file path=ppt/tags/tag131.xml><?xml version="1.0" encoding="utf-8"?>
+<p:tagLst xmlns:p="http://schemas.openxmlformats.org/presentationml/2006/main">
+  <p:tag name="KSO_WM_BEAUTIFY_FLAG" val=""/>
+</p:tagLst>
+</file>
+
+<file path=ppt/tags/tag132.xml><?xml version="1.0" encoding="utf-8"?>
+<p:tagLst xmlns:p="http://schemas.openxmlformats.org/presentationml/2006/main">
+  <p:tag name="KSO_WM_BEAUTIFY_FLAG" val=""/>
+</p:tagLst>
+</file>
+
+<file path=ppt/tags/tag133.xml><?xml version="1.0" encoding="utf-8"?>
+<p:tagLst xmlns:p="http://schemas.openxmlformats.org/presentationml/2006/main">
+  <p:tag name="KSO_WM_BEAUTIFY_FLAG" val=""/>
+</p:tagLst>
+</file>
+
+<file path=ppt/tags/tag134.xml><?xml version="1.0" encoding="utf-8"?>
+<p:tagLst xmlns:p="http://schemas.openxmlformats.org/presentationml/2006/main">
+  <p:tag name="KSO_WM_BEAUTIFY_FLAG" val=""/>
+</p:tagLst>
+</file>
+
+<file path=ppt/tags/tag135.xml><?xml version="1.0" encoding="utf-8"?>
+<p:tagLst xmlns:p="http://schemas.openxmlformats.org/presentationml/2006/main">
+  <p:tag name="KSO_WM_BEAUTIFY_FLAG" val=""/>
+</p:tagLst>
+</file>
+
+<file path=ppt/tags/tag136.xml><?xml version="1.0" encoding="utf-8"?>
+<p:tagLst xmlns:p="http://schemas.openxmlformats.org/presentationml/2006/main">
+  <p:tag name="KSO_WM_BEAUTIFY_FLAG" val=""/>
+</p:tagLst>
+</file>
+
+<file path=ppt/tags/tag137.xml><?xml version="1.0" encoding="utf-8"?>
+<p:tagLst xmlns:p="http://schemas.openxmlformats.org/presentationml/2006/main">
+  <p:tag name="KSO_WM_BEAUTIFY_FLAG" val=""/>
+</p:tagLst>
+</file>
+
+<file path=ppt/tags/tag138.xml><?xml version="1.0" encoding="utf-8"?>
+<p:tagLst xmlns:p="http://schemas.openxmlformats.org/presentationml/2006/main">
+  <p:tag name="KSO_WM_BEAUTIFY_FLAG" val=""/>
+</p:tagLst>
+</file>
+
+<file path=ppt/tags/tag139.xml><?xml version="1.0" encoding="utf-8"?>
+<p:tagLst xmlns:p="http://schemas.openxmlformats.org/presentationml/2006/main">
+  <p:tag name="KSO_WM_BEAUTIFY_FLAG" val=""/>
+</p:tagLst>
+</file>
+
 <file path=ppt/tags/tag14.xml><?xml version="1.0" encoding="utf-8"?>
 <p:tagLst xmlns:p="http://schemas.openxmlformats.org/presentationml/2006/main">
   <p:tag name="KSO_WM_BEAUTIFY_FLAG" val=""/>
 </p:tagLst>
 </file>
 
+<file path=ppt/tags/tag140.xml><?xml version="1.0" encoding="utf-8"?>
+<p:tagLst xmlns:p="http://schemas.openxmlformats.org/presentationml/2006/main">
+  <p:tag name="KSO_WM_BEAUTIFY_FLAG" val=""/>
+</p:tagLst>
+</file>
+
+<file path=ppt/tags/tag141.xml><?xml version="1.0" encoding="utf-8"?>
+<p:tagLst xmlns:p="http://schemas.openxmlformats.org/presentationml/2006/main">
+  <p:tag name="KSO_WM_BEAUTIFY_FLAG" val=""/>
+</p:tagLst>
+</file>
+
+<file path=ppt/tags/tag142.xml><?xml version="1.0" encoding="utf-8"?>
+<p:tagLst xmlns:p="http://schemas.openxmlformats.org/presentationml/2006/main">
+  <p:tag name="KSO_WM_BEAUTIFY_FLAG" val=""/>
+</p:tagLst>
+</file>
+
+<file path=ppt/tags/tag143.xml><?xml version="1.0" encoding="utf-8"?>
+<p:tagLst xmlns:p="http://schemas.openxmlformats.org/presentationml/2006/main">
+  <p:tag name="KSO_WM_BEAUTIFY_FLAG" val=""/>
+</p:tagLst>
+</file>
+
+<file path=ppt/tags/tag144.xml><?xml version="1.0" encoding="utf-8"?>
+<p:tagLst xmlns:p="http://schemas.openxmlformats.org/presentationml/2006/main">
+  <p:tag name="KSO_WM_BEAUTIFY_FLAG" val=""/>
+</p:tagLst>
+</file>
+
+<file path=ppt/tags/tag145.xml><?xml version="1.0" encoding="utf-8"?>
+<p:tagLst xmlns:p="http://schemas.openxmlformats.org/presentationml/2006/main">
+  <p:tag name="KSO_WM_BEAUTIFY_FLAG" val=""/>
+</p:tagLst>
+</file>
+
+<file path=ppt/tags/tag146.xml><?xml version="1.0" encoding="utf-8"?>
+<p:tagLst xmlns:p="http://schemas.openxmlformats.org/presentationml/2006/main">
+  <p:tag name="KSO_WM_BEAUTIFY_FLAG" val=""/>
+</p:tagLst>
+</file>
+
+<file path=ppt/tags/tag147.xml><?xml version="1.0" encoding="utf-8"?>
+<p:tagLst xmlns:p="http://schemas.openxmlformats.org/presentationml/2006/main">
+  <p:tag name="KSO_WM_BEAUTIFY_FLAG" val=""/>
+</p:tagLst>
+</file>
+
+<file path=ppt/tags/tag148.xml><?xml version="1.0" encoding="utf-8"?>
+<p:tagLst xmlns:p="http://schemas.openxmlformats.org/presentationml/2006/main">
+  <p:tag name="KSO_WM_BEAUTIFY_FLAG" val=""/>
+</p:tagLst>
+</file>
+
+<file path=ppt/tags/tag149.xml><?xml version="1.0" encoding="utf-8"?>
+<p:tagLst xmlns:p="http://schemas.openxmlformats.org/presentationml/2006/main">
+  <p:tag name="KSO_WM_BEAUTIFY_FLAG" val=""/>
+</p:tagLst>
+</file>
+
 <file path=ppt/tags/tag15.xml><?xml version="1.0" encoding="utf-8"?>
+<p:tagLst xmlns:p="http://schemas.openxmlformats.org/presentationml/2006/main">
+  <p:tag name="KSO_WM_BEAUTIFY_FLAG" val=""/>
+</p:tagLst>
+</file>
+
+<file path=ppt/tags/tag150.xml><?xml version="1.0" encoding="utf-8"?>
+<p:tagLst xmlns:p="http://schemas.openxmlformats.org/presentationml/2006/main">
+  <p:tag name="KSO_WM_BEAUTIFY_FLAG" val=""/>
+</p:tagLst>
+</file>
+
+<file path=ppt/tags/tag151.xml><?xml version="1.0" encoding="utf-8"?>
+<p:tagLst xmlns:p="http://schemas.openxmlformats.org/presentationml/2006/main">
+  <p:tag name="KSO_WM_BEAUTIFY_FLAG" val=""/>
+</p:tagLst>
+</file>
+
+<file path=ppt/tags/tag152.xml><?xml version="1.0" encoding="utf-8"?>
+<p:tagLst xmlns:p="http://schemas.openxmlformats.org/presentationml/2006/main">
+  <p:tag name="KSO_WM_BEAUTIFY_FLAG" val=""/>
+</p:tagLst>
+</file>
+
+<file path=ppt/tags/tag153.xml><?xml version="1.0" encoding="utf-8"?>
+<p:tagLst xmlns:p="http://schemas.openxmlformats.org/presentationml/2006/main">
+  <p:tag name="KSO_WM_BEAUTIFY_FLAG" val=""/>
+</p:tagLst>
+</file>
+
+<file path=ppt/tags/tag154.xml><?xml version="1.0" encoding="utf-8"?>
 <p:tagLst xmlns:p="http://schemas.openxmlformats.org/presentationml/2006/main">
   <p:tag name="KSO_WM_BEAUTIFY_FLAG" val=""/>
 </p:tagLst>

--- a/MLDA/论文画图.pptx
+++ b/MLDA/论文画图.pptx
@@ -8,7 +8,7 @@
     <p:notesMasterId r:id="rId4"/>
   </p:notesMasterIdLst>
   <p:handoutMasterIdLst>
-    <p:handoutMasterId r:id="rId14"/>
+    <p:handoutMasterId r:id="rId15"/>
   </p:handoutMasterIdLst>
   <p:sldIdLst>
     <p:sldId id="256" r:id="rId3"/>
@@ -20,14 +20,15 @@
     <p:sldId id="262" r:id="rId10"/>
     <p:sldId id="264" r:id="rId11"/>
     <p:sldId id="266" r:id="rId12"/>
-    <p:sldId id="265" r:id="rId13"/>
+    <p:sldId id="270" r:id="rId13"/>
+    <p:sldId id="265" r:id="rId14"/>
   </p:sldIdLst>
   <p:sldSz cx="12192000" cy="6858000"/>
   <p:notesSz cx="7103745" cy="10234295"/>
   <p:embeddedFontLst>
     <p:embeddedFont>
       <p:font typeface="DejaVu Math TeX Gyre" panose="02000503000000000000" charset="0"/>
-      <p:regular r:id="rId19"/>
+      <p:regular r:id="rId20"/>
     </p:embeddedFont>
   </p:embeddedFontLst>
   <p:defaultTextStyle>
@@ -128,12 +129,12 @@
   <p:extLst>
     <p:ext uri="{EFAFB233-063F-42B5-8137-9DF3F51BA10A}">
       <p15:sldGuideLst xmlns:p15="http://schemas.microsoft.com/office/powerpoint/2012/main">
-        <p15:guide id="1" orient="horz" pos="2192" userDrawn="1">
+        <p15:guide id="1" orient="horz" pos="2099" userDrawn="1">
           <p15:clr>
             <a:srgbClr val="A4A3A4"/>
           </p15:clr>
         </p15:guide>
-        <p15:guide id="2" pos="3815" userDrawn="1">
+        <p15:guide id="2" pos="3776" userDrawn="1">
           <p15:clr>
             <a:srgbClr val="A4A3A4"/>
           </p15:clr>
@@ -734,6 +735,84 @@
 </file>
 
 <file path=ppt/notesSlides/notesSlide10.xml><?xml version="1.0" encoding="utf-8"?>
+<p:notes xmlns:a="http://schemas.openxmlformats.org/drawingml/2006/main" xmlns:r="http://schemas.openxmlformats.org/officeDocument/2006/relationships" xmlns:p="http://schemas.openxmlformats.org/presentationml/2006/main">
+  <p:cSld>
+    <p:spTree>
+      <p:nvGrpSpPr>
+        <p:cNvPr id="1" name=""/>
+        <p:cNvGrpSpPr/>
+        <p:nvPr/>
+      </p:nvGrpSpPr>
+      <p:grpSpPr>
+        <a:xfrm>
+          <a:off x="0" y="0"/>
+          <a:ext cx="0" cy="0"/>
+          <a:chOff x="0" y="0"/>
+          <a:chExt cx="0" cy="0"/>
+        </a:xfrm>
+      </p:grpSpPr>
+      <p:sp>
+        <p:nvSpPr>
+          <p:cNvPr id="2" name="幻灯片图像占位符 1"/>
+          <p:cNvSpPr>
+            <a:spLocks noGrp="1" noRot="1" noChangeAspect="1"/>
+          </p:cNvSpPr>
+          <p:nvPr>
+            <p:ph type="sldImg"/>
+          </p:nvPr>
+        </p:nvSpPr>
+        <p:spPr/>
+      </p:sp>
+      <p:sp>
+        <p:nvSpPr>
+          <p:cNvPr id="3" name="备注占位符 2"/>
+          <p:cNvSpPr>
+            <a:spLocks noGrp="1"/>
+          </p:cNvSpPr>
+          <p:nvPr>
+            <p:ph type="body" idx="1"/>
+          </p:nvPr>
+        </p:nvSpPr>
+        <p:spPr/>
+        <p:txBody>
+          <a:bodyPr/>
+          <a:lstStyle/>
+          <a:p>
+            <a:endParaRPr kumimoji="1" lang="zh-CN" altLang="en-US"/>
+          </a:p>
+        </p:txBody>
+      </p:sp>
+      <p:sp>
+        <p:nvSpPr>
+          <p:cNvPr id="4" name="灯片编号占位符 3"/>
+          <p:cNvSpPr>
+            <a:spLocks noGrp="1"/>
+          </p:cNvSpPr>
+          <p:nvPr>
+            <p:ph type="sldNum" sz="quarter" idx="5"/>
+          </p:nvPr>
+        </p:nvSpPr>
+        <p:spPr/>
+        <p:txBody>
+          <a:bodyPr/>
+          <a:lstStyle/>
+          <a:p>
+            <a:fld id="{85D0DACE-38E0-42D2-9336-2B707D34BC6D}" type="slidenum">
+              <a:rPr lang="zh-CN" altLang="en-US" smtClean="0"/>
+            </a:fld>
+            <a:endParaRPr lang="zh-CN" altLang="en-US"/>
+          </a:p>
+        </p:txBody>
+      </p:sp>
+    </p:spTree>
+  </p:cSld>
+  <p:clrMapOvr>
+    <a:masterClrMapping/>
+  </p:clrMapOvr>
+</p:notes>
+</file>
+
+<file path=ppt/notesSlides/notesSlide11.xml><?xml version="1.0" encoding="utf-8"?>
 <p:notes xmlns:a="http://schemas.openxmlformats.org/drawingml/2006/main" xmlns:r="http://schemas.openxmlformats.org/officeDocument/2006/relationships" xmlns:p="http://schemas.openxmlformats.org/presentationml/2006/main">
   <p:cSld>
     <p:spTree>
@@ -5545,6 +5624,1941 @@
 </file>
 
 <file path=ppt/slides/slide10.xml><?xml version="1.0" encoding="utf-8"?>
+<p:sld xmlns:a="http://schemas.openxmlformats.org/drawingml/2006/main" xmlns:r="http://schemas.openxmlformats.org/officeDocument/2006/relationships" xmlns:p="http://schemas.openxmlformats.org/presentationml/2006/main">
+  <p:cSld>
+    <p:spTree>
+      <p:nvGrpSpPr>
+        <p:cNvPr id="1" name=""/>
+        <p:cNvGrpSpPr/>
+        <p:nvPr/>
+      </p:nvGrpSpPr>
+      <p:grpSpPr>
+        <a:xfrm>
+          <a:off x="0" y="0"/>
+          <a:ext cx="0" cy="0"/>
+          <a:chOff x="0" y="0"/>
+          <a:chExt cx="0" cy="0"/>
+        </a:xfrm>
+      </p:grpSpPr>
+      <p:sp>
+        <p:nvSpPr>
+          <p:cNvPr id="3" name="圆角矩形 2"/>
+          <p:cNvSpPr/>
+          <p:nvPr/>
+        </p:nvSpPr>
+        <p:spPr>
+          <a:xfrm>
+            <a:off x="2658745" y="983615"/>
+            <a:ext cx="5763895" cy="3146425"/>
+          </a:xfrm>
+          <a:prstGeom prst="roundRect">
+            <a:avLst/>
+          </a:prstGeom>
+          <a:noFill/>
+          <a:ln w="19050" cap="flat" cmpd="sng">
+            <a:solidFill>
+              <a:schemeClr val="tx1"/>
+            </a:solidFill>
+            <a:prstDash val="dash"/>
+            <a:miter lim="800000"/>
+          </a:ln>
+        </p:spPr>
+        <p:style>
+          <a:lnRef idx="2">
+            <a:schemeClr val="accent1"/>
+          </a:lnRef>
+          <a:fillRef idx="0">
+            <a:srgbClr val="FFFFFF"/>
+          </a:fillRef>
+          <a:effectRef idx="0">
+            <a:srgbClr val="FFFFFF"/>
+          </a:effectRef>
+          <a:fontRef idx="minor">
+            <a:schemeClr val="dk1"/>
+          </a:fontRef>
+        </p:style>
+        <p:txBody>
+          <a:bodyPr rtlCol="0" anchor="ctr"/>
+          <a:p>
+            <a:pPr algn="ctr"/>
+            <a:endParaRPr lang="zh-CN" altLang="en-US">
+              <a:gradFill>
+                <a:gsLst>
+                  <a:gs pos="0">
+                    <a:srgbClr val="FE4444"/>
+                  </a:gs>
+                  <a:gs pos="100000">
+                    <a:srgbClr val="832B2B"/>
+                  </a:gs>
+                </a:gsLst>
+                <a:lin ang="5400000" scaled="0"/>
+              </a:gradFill>
+            </a:endParaRPr>
+          </a:p>
+        </p:txBody>
+      </p:sp>
+      <p:pic>
+        <p:nvPicPr>
+          <p:cNvPr id="58" name="图片 57"/>
+          <p:cNvPicPr>
+            <a:picLocks noChangeAspect="1"/>
+          </p:cNvPicPr>
+          <p:nvPr>
+            <p:custDataLst>
+              <p:tags r:id="rId1"/>
+            </p:custDataLst>
+          </p:nvPr>
+        </p:nvPicPr>
+        <p:blipFill>
+          <a:blip r:embed="rId2"/>
+          <a:stretch>
+            <a:fillRect/>
+          </a:stretch>
+        </p:blipFill>
+        <p:spPr>
+          <a:xfrm>
+            <a:off x="2703195" y="2237105"/>
+            <a:ext cx="5684520" cy="1572895"/>
+          </a:xfrm>
+          <a:prstGeom prst="rect">
+            <a:avLst/>
+          </a:prstGeom>
+        </p:spPr>
+      </p:pic>
+      <mc:AlternateContent xmlns:mc="http://schemas.openxmlformats.org/markup-compatibility/2006">
+        <mc:Choice xmlns:a14="http://schemas.microsoft.com/office/drawing/2010/main" Requires="a14">
+          <p:sp>
+            <p:nvSpPr>
+              <p:cNvPr id="59" name="文本框 58"/>
+              <p:cNvSpPr txBox="1"/>
+              <p:nvPr>
+                <p:custDataLst>
+                  <p:tags r:id="rId3"/>
+                </p:custDataLst>
+              </p:nvPr>
+            </p:nvSpPr>
+            <p:spPr>
+              <a:xfrm>
+                <a:off x="4383342" y="2352294"/>
+                <a:ext cx="464185" cy="368935"/>
+              </a:xfrm>
+              <a:prstGeom prst="rect">
+                <a:avLst/>
+              </a:prstGeom>
+              <a:noFill/>
+            </p:spPr>
+            <p:txBody>
+              <a:bodyPr wrap="none" rtlCol="0" anchor="t">
+                <a:spAutoFit/>
+              </a:bodyPr>
+              <a:p>
+                <a:pPr algn="r"/>
+                <a14:m>
+                  <m:oMathPara xmlns:m="http://schemas.openxmlformats.org/officeDocument/2006/math">
+                    <m:oMathParaPr>
+                      <m:jc m:val="centerGroup"/>
+                    </m:oMathParaPr>
+                    <m:oMath xmlns:m="http://schemas.openxmlformats.org/officeDocument/2006/math">
+                      <m:sSub>
+                        <m:sSubPr>
+                          <m:ctrlPr>
+                            <a:rPr lang="en-US" altLang="zh-CN" i="1">
+                              <a:solidFill>
+                                <a:srgbClr val="FF0000"/>
+                              </a:solidFill>
+                              <a:latin typeface="DejaVu Math TeX Gyre" panose="02000503000000000000" charset="0"/>
+                              <a:cs typeface="DejaVu Math TeX Gyre" panose="02000503000000000000" charset="0"/>
+                            </a:rPr>
+                          </m:ctrlPr>
+                        </m:sSubPr>
+                        <m:e>
+                          <m:r>
+                            <a:rPr lang="en-US" altLang="zh-CN" i="1">
+                              <a:solidFill>
+                                <a:srgbClr val="FF0000"/>
+                              </a:solidFill>
+                              <a:latin typeface="DejaVu Math TeX Gyre" panose="02000503000000000000" charset="0"/>
+                              <a:cs typeface="DejaVu Math TeX Gyre" panose="02000503000000000000" charset="0"/>
+                            </a:rPr>
+                            <m:t>𝑘</m:t>
+                          </m:r>
+                        </m:e>
+                        <m:sub>
+                          <m:r>
+                            <a:rPr lang="en-US" altLang="zh-CN" i="1">
+                              <a:solidFill>
+                                <a:srgbClr val="FF0000"/>
+                              </a:solidFill>
+                              <a:latin typeface="DejaVu Math TeX Gyre" panose="02000503000000000000" charset="0"/>
+                              <a:cs typeface="DejaVu Math TeX Gyre" panose="02000503000000000000" charset="0"/>
+                            </a:rPr>
+                            <m:t> </m:t>
+                          </m:r>
+                          <m:r>
+                            <a:rPr lang="en-US" altLang="zh-CN" i="1">
+                              <a:solidFill>
+                                <a:srgbClr val="FF0000"/>
+                              </a:solidFill>
+                              <a:latin typeface="DejaVu Math TeX Gyre" panose="02000503000000000000" charset="0"/>
+                              <a:cs typeface="DejaVu Math TeX Gyre" panose="02000503000000000000" charset="0"/>
+                            </a:rPr>
+                            <m:t>1</m:t>
+                          </m:r>
+                        </m:sub>
+                      </m:sSub>
+                    </m:oMath>
+                  </m:oMathPara>
+                </a14:m>
+                <a:endParaRPr lang="en-US" altLang="zh-CN" i="1">
+                  <a:solidFill>
+                    <a:srgbClr val="FF0000"/>
+                  </a:solidFill>
+                  <a:latin typeface="DejaVu Math TeX Gyre" panose="02000503000000000000" charset="0"/>
+                  <a:cs typeface="DejaVu Math TeX Gyre" panose="02000503000000000000" charset="0"/>
+                </a:endParaRPr>
+              </a:p>
+            </p:txBody>
+          </p:sp>
+        </mc:Choice>
+        <mc:Fallback>
+          <p:sp>
+            <p:nvSpPr>
+              <p:cNvPr id="59" name="文本框 58"/>
+              <p:cNvSpPr txBox="1">
+                <a:spLocks noRot="1" noChangeAspect="1" noMove="1" noResize="1" noEditPoints="1" noAdjustHandles="1" noChangeArrowheads="1" noChangeShapeType="1" noTextEdit="1"/>
+              </p:cNvSpPr>
+              <p:nvPr>
+                <p:custDataLst>
+                  <p:tags r:id="rId4"/>
+                </p:custDataLst>
+              </p:nvPr>
+            </p:nvSpPr>
+            <p:spPr>
+              <a:xfrm>
+                <a:off x="4383342" y="2352294"/>
+                <a:ext cx="464185" cy="368935"/>
+              </a:xfrm>
+              <a:prstGeom prst="rect">
+                <a:avLst/>
+              </a:prstGeom>
+              <a:blipFill rotWithShape="1">
+                <a:blip r:embed="rId5"/>
+                <a:stretch>
+                  <a:fillRect l="-123" t="-69" r="123" b="69"/>
+                </a:stretch>
+              </a:blipFill>
+            </p:spPr>
+            <p:txBody>
+              <a:bodyPr/>
+              <a:lstStyle/>
+              <a:p>
+                <a:r>
+                  <a:rPr lang="zh-CN" altLang="en-US">
+                    <a:noFill/>
+                  </a:rPr>
+                  <a:t> </a:t>
+                </a:r>
+              </a:p>
+            </p:txBody>
+          </p:sp>
+        </mc:Fallback>
+      </mc:AlternateContent>
+      <mc:AlternateContent xmlns:mc="http://schemas.openxmlformats.org/markup-compatibility/2006">
+        <mc:Choice xmlns:a14="http://schemas.microsoft.com/office/drawing/2010/main" Requires="a14">
+          <p:sp>
+            <p:nvSpPr>
+              <p:cNvPr id="60" name="文本框 59"/>
+              <p:cNvSpPr txBox="1"/>
+              <p:nvPr>
+                <p:custDataLst>
+                  <p:tags r:id="rId6"/>
+                </p:custDataLst>
+              </p:nvPr>
+            </p:nvSpPr>
+            <p:spPr>
+              <a:xfrm>
+                <a:off x="4392232" y="3333369"/>
+                <a:ext cx="473710" cy="368935"/>
+              </a:xfrm>
+              <a:prstGeom prst="rect">
+                <a:avLst/>
+              </a:prstGeom>
+              <a:noFill/>
+            </p:spPr>
+            <p:txBody>
+              <a:bodyPr wrap="none" rtlCol="0" anchor="t">
+                <a:spAutoFit/>
+              </a:bodyPr>
+              <a:p>
+                <a:pPr algn="r"/>
+                <a14:m>
+                  <m:oMathPara xmlns:m="http://schemas.openxmlformats.org/officeDocument/2006/math">
+                    <m:oMathParaPr>
+                      <m:jc m:val="centerGroup"/>
+                    </m:oMathParaPr>
+                    <m:oMath xmlns:m="http://schemas.openxmlformats.org/officeDocument/2006/math">
+                      <m:sSub>
+                        <m:sSubPr>
+                          <m:ctrlPr>
+                            <a:rPr lang="en-US" altLang="zh-CN" i="1">
+                              <a:solidFill>
+                                <a:srgbClr val="FF0000"/>
+                              </a:solidFill>
+                              <a:latin typeface="DejaVu Math TeX Gyre" panose="02000503000000000000" charset="0"/>
+                              <a:cs typeface="DejaVu Math TeX Gyre" panose="02000503000000000000" charset="0"/>
+                            </a:rPr>
+                          </m:ctrlPr>
+                        </m:sSubPr>
+                        <m:e>
+                          <m:r>
+                            <a:rPr lang="en-US" altLang="zh-CN" i="1">
+                              <a:solidFill>
+                                <a:srgbClr val="FF0000"/>
+                              </a:solidFill>
+                              <a:latin typeface="DejaVu Math TeX Gyre" panose="02000503000000000000" charset="0"/>
+                              <a:cs typeface="DejaVu Math TeX Gyre" panose="02000503000000000000" charset="0"/>
+                            </a:rPr>
+                            <m:t>𝑘</m:t>
+                          </m:r>
+                        </m:e>
+                        <m:sub>
+                          <m:r>
+                            <a:rPr lang="en-US" altLang="zh-CN" i="1">
+                              <a:solidFill>
+                                <a:srgbClr val="FF0000"/>
+                              </a:solidFill>
+                              <a:latin typeface="DejaVu Math TeX Gyre" panose="02000503000000000000" charset="0"/>
+                              <a:cs typeface="DejaVu Math TeX Gyre" panose="02000503000000000000" charset="0"/>
+                            </a:rPr>
+                            <m:t> </m:t>
+                          </m:r>
+                          <m:r>
+                            <a:rPr lang="en-US" altLang="zh-CN" i="1">
+                              <a:solidFill>
+                                <a:srgbClr val="FF0000"/>
+                              </a:solidFill>
+                              <a:latin typeface="DejaVu Math TeX Gyre" panose="02000503000000000000" charset="0"/>
+                              <a:cs typeface="DejaVu Math TeX Gyre" panose="02000503000000000000" charset="0"/>
+                            </a:rPr>
+                            <m:t>3</m:t>
+                          </m:r>
+                        </m:sub>
+                      </m:sSub>
+                    </m:oMath>
+                  </m:oMathPara>
+                </a14:m>
+                <a:endParaRPr lang="en-US" altLang="zh-CN" i="1">
+                  <a:solidFill>
+                    <a:srgbClr val="FF0000"/>
+                  </a:solidFill>
+                  <a:latin typeface="DejaVu Math TeX Gyre" panose="02000503000000000000" charset="0"/>
+                  <a:cs typeface="DejaVu Math TeX Gyre" panose="02000503000000000000" charset="0"/>
+                </a:endParaRPr>
+              </a:p>
+            </p:txBody>
+          </p:sp>
+        </mc:Choice>
+        <mc:Fallback>
+          <p:sp>
+            <p:nvSpPr>
+              <p:cNvPr id="60" name="文本框 59"/>
+              <p:cNvSpPr txBox="1">
+                <a:spLocks noRot="1" noChangeAspect="1" noMove="1" noResize="1" noEditPoints="1" noAdjustHandles="1" noChangeArrowheads="1" noChangeShapeType="1" noTextEdit="1"/>
+              </p:cNvSpPr>
+              <p:nvPr>
+                <p:custDataLst>
+                  <p:tags r:id="rId7"/>
+                </p:custDataLst>
+              </p:nvPr>
+            </p:nvSpPr>
+            <p:spPr>
+              <a:xfrm>
+                <a:off x="4392232" y="3333369"/>
+                <a:ext cx="473710" cy="368935"/>
+              </a:xfrm>
+              <a:prstGeom prst="rect">
+                <a:avLst/>
+              </a:prstGeom>
+              <a:blipFill rotWithShape="1">
+                <a:blip r:embed="rId8"/>
+                <a:stretch>
+                  <a:fillRect l="-121" t="-69" r="121" b="69"/>
+                </a:stretch>
+              </a:blipFill>
+            </p:spPr>
+            <p:txBody>
+              <a:bodyPr/>
+              <a:lstStyle/>
+              <a:p>
+                <a:r>
+                  <a:rPr lang="zh-CN" altLang="en-US">
+                    <a:noFill/>
+                  </a:rPr>
+                  <a:t> </a:t>
+                </a:r>
+              </a:p>
+            </p:txBody>
+          </p:sp>
+        </mc:Fallback>
+      </mc:AlternateContent>
+      <mc:AlternateContent xmlns:mc="http://schemas.openxmlformats.org/markup-compatibility/2006">
+        <mc:Choice xmlns:a14="http://schemas.microsoft.com/office/drawing/2010/main" Requires="a14">
+          <p:sp>
+            <p:nvSpPr>
+              <p:cNvPr id="61" name="文本框 60"/>
+              <p:cNvSpPr txBox="1"/>
+              <p:nvPr>
+                <p:custDataLst>
+                  <p:tags r:id="rId9"/>
+                </p:custDataLst>
+              </p:nvPr>
+            </p:nvSpPr>
+            <p:spPr>
+              <a:xfrm>
+                <a:off x="4392232" y="2720594"/>
+                <a:ext cx="473710" cy="368935"/>
+              </a:xfrm>
+              <a:prstGeom prst="rect">
+                <a:avLst/>
+              </a:prstGeom>
+              <a:noFill/>
+            </p:spPr>
+            <p:txBody>
+              <a:bodyPr wrap="none" rtlCol="0" anchor="t">
+                <a:spAutoFit/>
+              </a:bodyPr>
+              <a:p>
+                <a:pPr algn="r"/>
+                <a14:m>
+                  <m:oMathPara xmlns:m="http://schemas.openxmlformats.org/officeDocument/2006/math">
+                    <m:oMathParaPr>
+                      <m:jc m:val="centerGroup"/>
+                    </m:oMathParaPr>
+                    <m:oMath xmlns:m="http://schemas.openxmlformats.org/officeDocument/2006/math">
+                      <m:sSub>
+                        <m:sSubPr>
+                          <m:ctrlPr>
+                            <a:rPr lang="en-US" altLang="zh-CN" i="1">
+                              <a:solidFill>
+                                <a:srgbClr val="FF0000"/>
+                              </a:solidFill>
+                              <a:latin typeface="DejaVu Math TeX Gyre" panose="02000503000000000000" charset="0"/>
+                              <a:cs typeface="DejaVu Math TeX Gyre" panose="02000503000000000000" charset="0"/>
+                            </a:rPr>
+                          </m:ctrlPr>
+                        </m:sSubPr>
+                        <m:e>
+                          <m:r>
+                            <a:rPr lang="en-US" altLang="zh-CN" i="1">
+                              <a:solidFill>
+                                <a:srgbClr val="FF0000"/>
+                              </a:solidFill>
+                              <a:latin typeface="DejaVu Math TeX Gyre" panose="02000503000000000000" charset="0"/>
+                              <a:cs typeface="DejaVu Math TeX Gyre" panose="02000503000000000000" charset="0"/>
+                            </a:rPr>
+                            <m:t>𝑘</m:t>
+                          </m:r>
+                        </m:e>
+                        <m:sub>
+                          <m:r>
+                            <a:rPr lang="en-US" altLang="zh-CN" i="1">
+                              <a:solidFill>
+                                <a:srgbClr val="FF0000"/>
+                              </a:solidFill>
+                              <a:latin typeface="DejaVu Math TeX Gyre" panose="02000503000000000000" charset="0"/>
+                              <a:cs typeface="DejaVu Math TeX Gyre" panose="02000503000000000000" charset="0"/>
+                            </a:rPr>
+                            <m:t> </m:t>
+                          </m:r>
+                          <m:r>
+                            <a:rPr lang="en-US" altLang="zh-CN" i="1">
+                              <a:solidFill>
+                                <a:srgbClr val="FF0000"/>
+                              </a:solidFill>
+                              <a:latin typeface="DejaVu Math TeX Gyre" panose="02000503000000000000" charset="0"/>
+                              <a:cs typeface="DejaVu Math TeX Gyre" panose="02000503000000000000" charset="0"/>
+                            </a:rPr>
+                            <m:t>2</m:t>
+                          </m:r>
+                        </m:sub>
+                      </m:sSub>
+                    </m:oMath>
+                  </m:oMathPara>
+                </a14:m>
+                <a:endParaRPr lang="en-US" altLang="zh-CN" i="1">
+                  <a:solidFill>
+                    <a:srgbClr val="FF0000"/>
+                  </a:solidFill>
+                  <a:latin typeface="DejaVu Math TeX Gyre" panose="02000503000000000000" charset="0"/>
+                  <a:cs typeface="DejaVu Math TeX Gyre" panose="02000503000000000000" charset="0"/>
+                </a:endParaRPr>
+              </a:p>
+            </p:txBody>
+          </p:sp>
+        </mc:Choice>
+        <mc:Fallback>
+          <p:sp>
+            <p:nvSpPr>
+              <p:cNvPr id="61" name="文本框 60"/>
+              <p:cNvSpPr txBox="1">
+                <a:spLocks noRot="1" noChangeAspect="1" noMove="1" noResize="1" noEditPoints="1" noAdjustHandles="1" noChangeArrowheads="1" noChangeShapeType="1" noTextEdit="1"/>
+              </p:cNvSpPr>
+              <p:nvPr>
+                <p:custDataLst>
+                  <p:tags r:id="rId10"/>
+                </p:custDataLst>
+              </p:nvPr>
+            </p:nvSpPr>
+            <p:spPr>
+              <a:xfrm>
+                <a:off x="4392232" y="2720594"/>
+                <a:ext cx="473710" cy="368935"/>
+              </a:xfrm>
+              <a:prstGeom prst="rect">
+                <a:avLst/>
+              </a:prstGeom>
+              <a:blipFill rotWithShape="1">
+                <a:blip r:embed="rId11"/>
+                <a:stretch>
+                  <a:fillRect l="-121" t="-69" r="121" b="69"/>
+                </a:stretch>
+              </a:blipFill>
+            </p:spPr>
+            <p:txBody>
+              <a:bodyPr/>
+              <a:lstStyle/>
+              <a:p>
+                <a:r>
+                  <a:rPr lang="zh-CN" altLang="en-US">
+                    <a:noFill/>
+                  </a:rPr>
+                  <a:t> </a:t>
+                </a:r>
+              </a:p>
+            </p:txBody>
+          </p:sp>
+        </mc:Fallback>
+      </mc:AlternateContent>
+      <mc:AlternateContent xmlns:mc="http://schemas.openxmlformats.org/markup-compatibility/2006">
+        <mc:Choice xmlns:a14="http://schemas.microsoft.com/office/drawing/2010/main" Requires="a14">
+          <p:sp>
+            <p:nvSpPr>
+              <p:cNvPr id="62" name="文本框 61"/>
+              <p:cNvSpPr txBox="1"/>
+              <p:nvPr>
+                <p:custDataLst>
+                  <p:tags r:id="rId12"/>
+                </p:custDataLst>
+              </p:nvPr>
+            </p:nvSpPr>
+            <p:spPr>
+              <a:xfrm>
+                <a:off x="6405817" y="2352294"/>
+                <a:ext cx="456565" cy="368935"/>
+              </a:xfrm>
+              <a:prstGeom prst="rect">
+                <a:avLst/>
+              </a:prstGeom>
+              <a:noFill/>
+            </p:spPr>
+            <p:txBody>
+              <a:bodyPr wrap="none" rtlCol="0" anchor="t">
+                <a:spAutoFit/>
+              </a:bodyPr>
+              <a:p>
+                <a:pPr algn="r"/>
+                <a14:m>
+                  <m:oMathPara xmlns:m="http://schemas.openxmlformats.org/officeDocument/2006/math">
+                    <m:oMathParaPr>
+                      <m:jc m:val="centerGroup"/>
+                    </m:oMathParaPr>
+                    <m:oMath xmlns:m="http://schemas.openxmlformats.org/officeDocument/2006/math">
+                      <m:sSub>
+                        <m:sSubPr>
+                          <m:ctrlPr>
+                            <a:rPr lang="en-US" altLang="zh-CN" i="1">
+                              <a:solidFill>
+                                <a:srgbClr val="FF0000"/>
+                              </a:solidFill>
+                              <a:latin typeface="DejaVu Math TeX Gyre" panose="02000503000000000000" charset="0"/>
+                              <a:cs typeface="DejaVu Math TeX Gyre" panose="02000503000000000000" charset="0"/>
+                            </a:rPr>
+                          </m:ctrlPr>
+                        </m:sSubPr>
+                        <m:e>
+                          <m:r>
+                            <a:rPr lang="en-US" altLang="zh-CN" i="1">
+                              <a:solidFill>
+                                <a:srgbClr val="FF0000"/>
+                              </a:solidFill>
+                              <a:latin typeface="DejaVu Math TeX Gyre" panose="02000503000000000000" charset="0"/>
+                              <a:cs typeface="DejaVu Math TeX Gyre" panose="02000503000000000000" charset="0"/>
+                            </a:rPr>
+                            <m:t>𝑢</m:t>
+                          </m:r>
+                        </m:e>
+                        <m:sub>
+                          <m:r>
+                            <a:rPr lang="en-US" altLang="zh-CN" i="1">
+                              <a:solidFill>
+                                <a:srgbClr val="FF0000"/>
+                              </a:solidFill>
+                              <a:latin typeface="DejaVu Math TeX Gyre" panose="02000503000000000000" charset="0"/>
+                              <a:cs typeface="DejaVu Math TeX Gyre" panose="02000503000000000000" charset="0"/>
+                            </a:rPr>
+                            <m:t> </m:t>
+                          </m:r>
+                          <m:r>
+                            <a:rPr lang="en-US" altLang="zh-CN" i="1">
+                              <a:solidFill>
+                                <a:srgbClr val="FF0000"/>
+                              </a:solidFill>
+                              <a:latin typeface="DejaVu Math TeX Gyre" panose="02000503000000000000" charset="0"/>
+                              <a:cs typeface="DejaVu Math TeX Gyre" panose="02000503000000000000" charset="0"/>
+                            </a:rPr>
+                            <m:t>1</m:t>
+                          </m:r>
+                        </m:sub>
+                      </m:sSub>
+                    </m:oMath>
+                  </m:oMathPara>
+                </a14:m>
+                <a:endParaRPr lang="en-US" altLang="zh-CN" i="1">
+                  <a:solidFill>
+                    <a:srgbClr val="FF0000"/>
+                  </a:solidFill>
+                  <a:latin typeface="DejaVu Math TeX Gyre" panose="02000503000000000000" charset="0"/>
+                  <a:cs typeface="DejaVu Math TeX Gyre" panose="02000503000000000000" charset="0"/>
+                </a:endParaRPr>
+              </a:p>
+            </p:txBody>
+          </p:sp>
+        </mc:Choice>
+        <mc:Fallback>
+          <p:sp>
+            <p:nvSpPr>
+              <p:cNvPr id="62" name="文本框 61"/>
+              <p:cNvSpPr txBox="1">
+                <a:spLocks noRot="1" noChangeAspect="1" noMove="1" noResize="1" noEditPoints="1" noAdjustHandles="1" noChangeArrowheads="1" noChangeShapeType="1" noTextEdit="1"/>
+              </p:cNvSpPr>
+              <p:nvPr>
+                <p:custDataLst>
+                  <p:tags r:id="rId13"/>
+                </p:custDataLst>
+              </p:nvPr>
+            </p:nvSpPr>
+            <p:spPr>
+              <a:xfrm>
+                <a:off x="6405817" y="2352294"/>
+                <a:ext cx="456565" cy="368935"/>
+              </a:xfrm>
+              <a:prstGeom prst="rect">
+                <a:avLst/>
+              </a:prstGeom>
+              <a:blipFill rotWithShape="1">
+                <a:blip r:embed="rId14"/>
+                <a:stretch>
+                  <a:fillRect l="-125" t="-69" r="125" b="69"/>
+                </a:stretch>
+              </a:blipFill>
+            </p:spPr>
+            <p:txBody>
+              <a:bodyPr/>
+              <a:lstStyle/>
+              <a:p>
+                <a:r>
+                  <a:rPr lang="zh-CN" altLang="en-US">
+                    <a:noFill/>
+                  </a:rPr>
+                  <a:t> </a:t>
+                </a:r>
+              </a:p>
+            </p:txBody>
+          </p:sp>
+        </mc:Fallback>
+      </mc:AlternateContent>
+      <mc:AlternateContent xmlns:mc="http://schemas.openxmlformats.org/markup-compatibility/2006">
+        <mc:Choice xmlns:a14="http://schemas.microsoft.com/office/drawing/2010/main" Requires="a14">
+          <p:sp>
+            <p:nvSpPr>
+              <p:cNvPr id="63" name="文本框 62"/>
+              <p:cNvSpPr txBox="1"/>
+              <p:nvPr>
+                <p:custDataLst>
+                  <p:tags r:id="rId15"/>
+                </p:custDataLst>
+              </p:nvPr>
+            </p:nvSpPr>
+            <p:spPr>
+              <a:xfrm>
+                <a:off x="6405817" y="3333369"/>
+                <a:ext cx="456565" cy="368935"/>
+              </a:xfrm>
+              <a:prstGeom prst="rect">
+                <a:avLst/>
+              </a:prstGeom>
+              <a:noFill/>
+            </p:spPr>
+            <p:txBody>
+              <a:bodyPr wrap="none" rtlCol="0" anchor="t">
+                <a:spAutoFit/>
+              </a:bodyPr>
+              <a:p>
+                <a:pPr algn="r"/>
+                <a14:m>
+                  <m:oMathPara xmlns:m="http://schemas.openxmlformats.org/officeDocument/2006/math">
+                    <m:oMathParaPr>
+                      <m:jc m:val="centerGroup"/>
+                    </m:oMathParaPr>
+                    <m:oMath xmlns:m="http://schemas.openxmlformats.org/officeDocument/2006/math">
+                      <m:sSub>
+                        <m:sSubPr>
+                          <m:ctrlPr>
+                            <a:rPr lang="en-US" altLang="zh-CN" i="1">
+                              <a:solidFill>
+                                <a:srgbClr val="FF0000"/>
+                              </a:solidFill>
+                              <a:latin typeface="DejaVu Math TeX Gyre" panose="02000503000000000000" charset="0"/>
+                              <a:cs typeface="DejaVu Math TeX Gyre" panose="02000503000000000000" charset="0"/>
+                            </a:rPr>
+                          </m:ctrlPr>
+                        </m:sSubPr>
+                        <m:e>
+                          <m:r>
+                            <a:rPr lang="en-US" altLang="zh-CN" i="1">
+                              <a:solidFill>
+                                <a:srgbClr val="FF0000"/>
+                              </a:solidFill>
+                              <a:latin typeface="DejaVu Math TeX Gyre" panose="02000503000000000000" charset="0"/>
+                              <a:cs typeface="DejaVu Math TeX Gyre" panose="02000503000000000000" charset="0"/>
+                            </a:rPr>
+                            <m:t>𝑢</m:t>
+                          </m:r>
+                        </m:e>
+                        <m:sub>
+                          <m:r>
+                            <a:rPr lang="en-US" altLang="zh-CN" i="1">
+                              <a:solidFill>
+                                <a:srgbClr val="FF0000"/>
+                              </a:solidFill>
+                              <a:latin typeface="DejaVu Math TeX Gyre" panose="02000503000000000000" charset="0"/>
+                              <a:cs typeface="DejaVu Math TeX Gyre" panose="02000503000000000000" charset="0"/>
+                            </a:rPr>
+                            <m:t> </m:t>
+                          </m:r>
+                          <m:r>
+                            <a:rPr lang="en-US" altLang="zh-CN" i="1">
+                              <a:solidFill>
+                                <a:srgbClr val="FF0000"/>
+                              </a:solidFill>
+                              <a:latin typeface="DejaVu Math TeX Gyre" panose="02000503000000000000" charset="0"/>
+                              <a:cs typeface="DejaVu Math TeX Gyre" panose="02000503000000000000" charset="0"/>
+                            </a:rPr>
+                            <m:t>3</m:t>
+                          </m:r>
+                        </m:sub>
+                      </m:sSub>
+                    </m:oMath>
+                  </m:oMathPara>
+                </a14:m>
+                <a:endParaRPr lang="en-US" altLang="zh-CN" i="1">
+                  <a:solidFill>
+                    <a:srgbClr val="FF0000"/>
+                  </a:solidFill>
+                  <a:latin typeface="DejaVu Math TeX Gyre" panose="02000503000000000000" charset="0"/>
+                  <a:cs typeface="DejaVu Math TeX Gyre" panose="02000503000000000000" charset="0"/>
+                </a:endParaRPr>
+              </a:p>
+            </p:txBody>
+          </p:sp>
+        </mc:Choice>
+        <mc:Fallback>
+          <p:sp>
+            <p:nvSpPr>
+              <p:cNvPr id="63" name="文本框 62"/>
+              <p:cNvSpPr txBox="1">
+                <a:spLocks noRot="1" noChangeAspect="1" noMove="1" noResize="1" noEditPoints="1" noAdjustHandles="1" noChangeArrowheads="1" noChangeShapeType="1" noTextEdit="1"/>
+              </p:cNvSpPr>
+              <p:nvPr>
+                <p:custDataLst>
+                  <p:tags r:id="rId16"/>
+                </p:custDataLst>
+              </p:nvPr>
+            </p:nvSpPr>
+            <p:spPr>
+              <a:xfrm>
+                <a:off x="6405817" y="3333369"/>
+                <a:ext cx="456565" cy="368935"/>
+              </a:xfrm>
+              <a:prstGeom prst="rect">
+                <a:avLst/>
+              </a:prstGeom>
+              <a:blipFill rotWithShape="1">
+                <a:blip r:embed="rId17"/>
+                <a:stretch>
+                  <a:fillRect l="-125" t="-69" r="125" b="69"/>
+                </a:stretch>
+              </a:blipFill>
+            </p:spPr>
+            <p:txBody>
+              <a:bodyPr/>
+              <a:lstStyle/>
+              <a:p>
+                <a:r>
+                  <a:rPr lang="zh-CN" altLang="en-US">
+                    <a:noFill/>
+                  </a:rPr>
+                  <a:t> </a:t>
+                </a:r>
+              </a:p>
+            </p:txBody>
+          </p:sp>
+        </mc:Fallback>
+      </mc:AlternateContent>
+      <mc:AlternateContent xmlns:mc="http://schemas.openxmlformats.org/markup-compatibility/2006">
+        <mc:Choice xmlns:a14="http://schemas.microsoft.com/office/drawing/2010/main" Requires="a14">
+          <p:sp>
+            <p:nvSpPr>
+              <p:cNvPr id="64" name="文本框 63"/>
+              <p:cNvSpPr txBox="1"/>
+              <p:nvPr>
+                <p:custDataLst>
+                  <p:tags r:id="rId18"/>
+                </p:custDataLst>
+              </p:nvPr>
+            </p:nvSpPr>
+            <p:spPr>
+              <a:xfrm>
+                <a:off x="6405817" y="2720594"/>
+                <a:ext cx="456565" cy="368935"/>
+              </a:xfrm>
+              <a:prstGeom prst="rect">
+                <a:avLst/>
+              </a:prstGeom>
+              <a:noFill/>
+            </p:spPr>
+            <p:txBody>
+              <a:bodyPr wrap="none" rtlCol="0" anchor="t">
+                <a:spAutoFit/>
+              </a:bodyPr>
+              <a:p>
+                <a:pPr algn="r"/>
+                <a14:m>
+                  <m:oMathPara xmlns:m="http://schemas.openxmlformats.org/officeDocument/2006/math">
+                    <m:oMathParaPr>
+                      <m:jc m:val="centerGroup"/>
+                    </m:oMathParaPr>
+                    <m:oMath xmlns:m="http://schemas.openxmlformats.org/officeDocument/2006/math">
+                      <m:sSub>
+                        <m:sSubPr>
+                          <m:ctrlPr>
+                            <a:rPr lang="en-US" altLang="zh-CN" i="1">
+                              <a:solidFill>
+                                <a:srgbClr val="FF0000"/>
+                              </a:solidFill>
+                              <a:latin typeface="DejaVu Math TeX Gyre" panose="02000503000000000000" charset="0"/>
+                              <a:cs typeface="DejaVu Math TeX Gyre" panose="02000503000000000000" charset="0"/>
+                            </a:rPr>
+                          </m:ctrlPr>
+                        </m:sSubPr>
+                        <m:e>
+                          <m:r>
+                            <a:rPr lang="en-US" altLang="zh-CN" i="1">
+                              <a:solidFill>
+                                <a:srgbClr val="FF0000"/>
+                              </a:solidFill>
+                              <a:latin typeface="DejaVu Math TeX Gyre" panose="02000503000000000000" charset="0"/>
+                              <a:cs typeface="DejaVu Math TeX Gyre" panose="02000503000000000000" charset="0"/>
+                            </a:rPr>
+                            <m:t>𝑢</m:t>
+                          </m:r>
+                        </m:e>
+                        <m:sub>
+                          <m:r>
+                            <a:rPr lang="en-US" altLang="zh-CN" i="1">
+                              <a:solidFill>
+                                <a:srgbClr val="FF0000"/>
+                              </a:solidFill>
+                              <a:latin typeface="DejaVu Math TeX Gyre" panose="02000503000000000000" charset="0"/>
+                              <a:cs typeface="DejaVu Math TeX Gyre" panose="02000503000000000000" charset="0"/>
+                            </a:rPr>
+                            <m:t> </m:t>
+                          </m:r>
+                          <m:r>
+                            <a:rPr lang="en-US" altLang="zh-CN" i="1">
+                              <a:solidFill>
+                                <a:srgbClr val="FF0000"/>
+                              </a:solidFill>
+                              <a:latin typeface="DejaVu Math TeX Gyre" panose="02000503000000000000" charset="0"/>
+                              <a:cs typeface="DejaVu Math TeX Gyre" panose="02000503000000000000" charset="0"/>
+                            </a:rPr>
+                            <m:t>2</m:t>
+                          </m:r>
+                        </m:sub>
+                      </m:sSub>
+                    </m:oMath>
+                  </m:oMathPara>
+                </a14:m>
+                <a:endParaRPr lang="en-US" altLang="zh-CN" i="1">
+                  <a:solidFill>
+                    <a:srgbClr val="FF0000"/>
+                  </a:solidFill>
+                  <a:latin typeface="DejaVu Math TeX Gyre" panose="02000503000000000000" charset="0"/>
+                  <a:cs typeface="DejaVu Math TeX Gyre" panose="02000503000000000000" charset="0"/>
+                </a:endParaRPr>
+              </a:p>
+            </p:txBody>
+          </p:sp>
+        </mc:Choice>
+        <mc:Fallback>
+          <p:sp>
+            <p:nvSpPr>
+              <p:cNvPr id="64" name="文本框 63"/>
+              <p:cNvSpPr txBox="1">
+                <a:spLocks noRot="1" noChangeAspect="1" noMove="1" noResize="1" noEditPoints="1" noAdjustHandles="1" noChangeArrowheads="1" noChangeShapeType="1" noTextEdit="1"/>
+              </p:cNvSpPr>
+              <p:nvPr>
+                <p:custDataLst>
+                  <p:tags r:id="rId19"/>
+                </p:custDataLst>
+              </p:nvPr>
+            </p:nvSpPr>
+            <p:spPr>
+              <a:xfrm>
+                <a:off x="6405817" y="2720594"/>
+                <a:ext cx="456565" cy="368935"/>
+              </a:xfrm>
+              <a:prstGeom prst="rect">
+                <a:avLst/>
+              </a:prstGeom>
+              <a:blipFill rotWithShape="1">
+                <a:blip r:embed="rId20"/>
+                <a:stretch>
+                  <a:fillRect l="-125" t="-69" r="125" b="69"/>
+                </a:stretch>
+              </a:blipFill>
+            </p:spPr>
+            <p:txBody>
+              <a:bodyPr/>
+              <a:lstStyle/>
+              <a:p>
+                <a:r>
+                  <a:rPr lang="zh-CN" altLang="en-US">
+                    <a:noFill/>
+                  </a:rPr>
+                  <a:t> </a:t>
+                </a:r>
+              </a:p>
+            </p:txBody>
+          </p:sp>
+        </mc:Fallback>
+      </mc:AlternateContent>
+      <p:sp>
+        <p:nvSpPr>
+          <p:cNvPr id="65" name="圆角矩形 64"/>
+          <p:cNvSpPr/>
+          <p:nvPr>
+            <p:custDataLst>
+              <p:tags r:id="rId21"/>
+            </p:custDataLst>
+          </p:nvPr>
+        </p:nvSpPr>
+        <p:spPr>
+          <a:xfrm>
+            <a:off x="4350385" y="2352040"/>
+            <a:ext cx="464820" cy="1350010"/>
+          </a:xfrm>
+          <a:prstGeom prst="roundRect">
+            <a:avLst/>
+          </a:prstGeom>
+          <a:noFill/>
+          <a:ln w="19050" cap="flat" cmpd="sng">
+            <a:solidFill>
+              <a:srgbClr val="0070C0"/>
+            </a:solidFill>
+            <a:prstDash val="dash"/>
+            <a:miter lim="800000"/>
+          </a:ln>
+        </p:spPr>
+        <p:style>
+          <a:lnRef idx="2">
+            <a:schemeClr val="accent1"/>
+          </a:lnRef>
+          <a:fillRef idx="0">
+            <a:srgbClr val="FFFFFF"/>
+          </a:fillRef>
+          <a:effectRef idx="0">
+            <a:srgbClr val="FFFFFF"/>
+          </a:effectRef>
+          <a:fontRef idx="minor">
+            <a:schemeClr val="dk1"/>
+          </a:fontRef>
+        </p:style>
+        <p:txBody>
+          <a:bodyPr rtlCol="0" anchor="ctr"/>
+          <a:p>
+            <a:pPr algn="ctr"/>
+            <a:endParaRPr lang="zh-CN" altLang="en-US">
+              <a:gradFill>
+                <a:gsLst>
+                  <a:gs pos="0">
+                    <a:srgbClr val="FE4444"/>
+                  </a:gs>
+                  <a:gs pos="100000">
+                    <a:srgbClr val="832B2B"/>
+                  </a:gs>
+                </a:gsLst>
+                <a:lin ang="5400000" scaled="0"/>
+              </a:gradFill>
+            </a:endParaRPr>
+          </a:p>
+        </p:txBody>
+      </p:sp>
+      <p:sp>
+        <p:nvSpPr>
+          <p:cNvPr id="66" name="圆角矩形 65"/>
+          <p:cNvSpPr/>
+          <p:nvPr>
+            <p:custDataLst>
+              <p:tags r:id="rId22"/>
+            </p:custDataLst>
+          </p:nvPr>
+        </p:nvSpPr>
+        <p:spPr>
+          <a:xfrm>
+            <a:off x="6380480" y="2352040"/>
+            <a:ext cx="464820" cy="1350010"/>
+          </a:xfrm>
+          <a:prstGeom prst="roundRect">
+            <a:avLst/>
+          </a:prstGeom>
+          <a:noFill/>
+          <a:ln w="19050" cap="flat" cmpd="sng">
+            <a:solidFill>
+              <a:srgbClr val="FF8D41"/>
+            </a:solidFill>
+            <a:prstDash val="dash"/>
+            <a:miter lim="800000"/>
+          </a:ln>
+        </p:spPr>
+        <p:style>
+          <a:lnRef idx="2">
+            <a:schemeClr val="accent1"/>
+          </a:lnRef>
+          <a:fillRef idx="0">
+            <a:srgbClr val="FFFFFF"/>
+          </a:fillRef>
+          <a:effectRef idx="0">
+            <a:srgbClr val="FFFFFF"/>
+          </a:effectRef>
+          <a:fontRef idx="minor">
+            <a:schemeClr val="dk1"/>
+          </a:fontRef>
+        </p:style>
+        <p:txBody>
+          <a:bodyPr rtlCol="0" anchor="ctr"/>
+          <a:p>
+            <a:pPr algn="ctr"/>
+            <a:endParaRPr lang="zh-CN" altLang="en-US">
+              <a:gradFill>
+                <a:gsLst>
+                  <a:gs pos="0">
+                    <a:srgbClr val="FE4444"/>
+                  </a:gs>
+                  <a:gs pos="100000">
+                    <a:srgbClr val="832B2B"/>
+                  </a:gs>
+                </a:gsLst>
+                <a:lin ang="5400000" scaled="0"/>
+              </a:gradFill>
+            </a:endParaRPr>
+          </a:p>
+        </p:txBody>
+      </p:sp>
+      <p:sp>
+        <p:nvSpPr>
+          <p:cNvPr id="67" name="下箭头 66"/>
+          <p:cNvSpPr/>
+          <p:nvPr>
+            <p:custDataLst>
+              <p:tags r:id="rId23"/>
+            </p:custDataLst>
+          </p:nvPr>
+        </p:nvSpPr>
+        <p:spPr>
+          <a:xfrm>
+            <a:off x="4236085" y="2009140"/>
+            <a:ext cx="692785" cy="227965"/>
+          </a:xfrm>
+          <a:prstGeom prst="downArrow">
+            <a:avLst/>
+          </a:prstGeom>
+        </p:spPr>
+        <p:style>
+          <a:lnRef idx="2">
+            <a:schemeClr val="accent1">
+              <a:shade val="50000"/>
+            </a:schemeClr>
+          </a:lnRef>
+          <a:fillRef idx="1">
+            <a:schemeClr val="accent1"/>
+          </a:fillRef>
+          <a:effectRef idx="0">
+            <a:schemeClr val="accent1"/>
+          </a:effectRef>
+          <a:fontRef idx="minor">
+            <a:schemeClr val="lt1"/>
+          </a:fontRef>
+        </p:style>
+        <p:txBody>
+          <a:bodyPr rtlCol="0" anchor="ctr"/>
+          <a:p>
+            <a:pPr algn="ctr"/>
+            <a:endParaRPr lang="zh-CN" altLang="en-US"/>
+          </a:p>
+        </p:txBody>
+      </p:sp>
+      <p:sp>
+        <p:nvSpPr>
+          <p:cNvPr id="68" name="下箭头 67"/>
+          <p:cNvSpPr/>
+          <p:nvPr>
+            <p:custDataLst>
+              <p:tags r:id="rId24"/>
+            </p:custDataLst>
+          </p:nvPr>
+        </p:nvSpPr>
+        <p:spPr>
+          <a:xfrm>
+            <a:off x="6266180" y="2009140"/>
+            <a:ext cx="692785" cy="227965"/>
+          </a:xfrm>
+          <a:prstGeom prst="downArrow">
+            <a:avLst/>
+          </a:prstGeom>
+        </p:spPr>
+        <p:style>
+          <a:lnRef idx="2">
+            <a:schemeClr val="accent1">
+              <a:shade val="50000"/>
+            </a:schemeClr>
+          </a:lnRef>
+          <a:fillRef idx="1">
+            <a:schemeClr val="accent1"/>
+          </a:fillRef>
+          <a:effectRef idx="0">
+            <a:schemeClr val="accent1"/>
+          </a:effectRef>
+          <a:fontRef idx="minor">
+            <a:schemeClr val="lt1"/>
+          </a:fontRef>
+        </p:style>
+        <p:txBody>
+          <a:bodyPr rtlCol="0" anchor="ctr"/>
+          <a:p>
+            <a:pPr algn="ctr"/>
+            <a:endParaRPr lang="zh-CN" altLang="en-US"/>
+          </a:p>
+        </p:txBody>
+      </p:sp>
+      <p:sp>
+        <p:nvSpPr>
+          <p:cNvPr id="69" name="文本框 68"/>
+          <p:cNvSpPr txBox="1"/>
+          <p:nvPr>
+            <p:custDataLst>
+              <p:tags r:id="rId25"/>
+            </p:custDataLst>
+          </p:nvPr>
+        </p:nvSpPr>
+        <p:spPr>
+          <a:xfrm>
+            <a:off x="4214495" y="1525905"/>
+            <a:ext cx="727710" cy="368300"/>
+          </a:xfrm>
+          <a:prstGeom prst="rect">
+            <a:avLst/>
+          </a:prstGeom>
+          <a:noFill/>
+        </p:spPr>
+        <p:txBody>
+          <a:bodyPr wrap="none" rtlCol="0">
+            <a:spAutoFit/>
+          </a:bodyPr>
+          <a:p>
+            <a:r>
+              <a:rPr lang="en-US" altLang="zh-CN">
+                <a:latin typeface="楷体" charset="0"/>
+                <a:ea typeface="楷体" charset="0"/>
+              </a:rPr>
+              <a:t>Fixed</a:t>
+            </a:r>
+            <a:endParaRPr lang="en-US" altLang="zh-CN">
+              <a:latin typeface="楷体" charset="0"/>
+              <a:ea typeface="楷体" charset="0"/>
+            </a:endParaRPr>
+          </a:p>
+        </p:txBody>
+      </p:sp>
+      <p:sp>
+        <p:nvSpPr>
+          <p:cNvPr id="70" name="文本框 69"/>
+          <p:cNvSpPr txBox="1"/>
+          <p:nvPr>
+            <p:custDataLst>
+              <p:tags r:id="rId26"/>
+            </p:custDataLst>
+          </p:nvPr>
+        </p:nvSpPr>
+        <p:spPr>
+          <a:xfrm>
+            <a:off x="5995035" y="1525905"/>
+            <a:ext cx="1115060" cy="368300"/>
+          </a:xfrm>
+          <a:prstGeom prst="rect">
+            <a:avLst/>
+          </a:prstGeom>
+          <a:noFill/>
+        </p:spPr>
+        <p:txBody>
+          <a:bodyPr wrap="none" rtlCol="0">
+            <a:spAutoFit/>
+          </a:bodyPr>
+          <a:p>
+            <a:r>
+              <a:rPr lang="en-US" altLang="zh-CN">
+                <a:latin typeface="楷体" charset="0"/>
+                <a:ea typeface="楷体" charset="0"/>
+              </a:rPr>
+              <a:t>Trainable</a:t>
+            </a:r>
+            <a:endParaRPr lang="en-US" altLang="zh-CN">
+              <a:latin typeface="楷体" charset="0"/>
+              <a:ea typeface="楷体" charset="0"/>
+            </a:endParaRPr>
+          </a:p>
+        </p:txBody>
+      </p:sp>
+      <p:sp>
+        <p:nvSpPr>
+          <p:cNvPr id="71" name="文本框 70"/>
+          <p:cNvSpPr txBox="1"/>
+          <p:nvPr>
+            <p:custDataLst>
+              <p:tags r:id="rId27"/>
+            </p:custDataLst>
+          </p:nvPr>
+        </p:nvSpPr>
+        <p:spPr>
+          <a:xfrm>
+            <a:off x="4847590" y="983615"/>
+            <a:ext cx="1328420" cy="368300"/>
+          </a:xfrm>
+          <a:prstGeom prst="rect">
+            <a:avLst/>
+          </a:prstGeom>
+          <a:noFill/>
+        </p:spPr>
+        <p:txBody>
+          <a:bodyPr wrap="square" rtlCol="0">
+            <a:spAutoFit/>
+          </a:bodyPr>
+          <a:p>
+            <a:r>
+              <a:rPr lang="en-US" altLang="zh-CN">
+                <a:solidFill>
+                  <a:schemeClr val="accent4">
+                    <a:lumMod val="75000"/>
+                  </a:schemeClr>
+                </a:solidFill>
+              </a:rPr>
+              <a:t>Local Net</a:t>
+            </a:r>
+            <a:endParaRPr lang="en-US" altLang="zh-CN">
+              <a:solidFill>
+                <a:schemeClr val="accent4">
+                  <a:lumMod val="75000"/>
+                </a:schemeClr>
+              </a:solidFill>
+            </a:endParaRPr>
+          </a:p>
+        </p:txBody>
+      </p:sp>
+      <p:sp>
+        <p:nvSpPr>
+          <p:cNvPr id="72" name="圆角矩形 71"/>
+          <p:cNvSpPr/>
+          <p:nvPr>
+            <p:custDataLst>
+              <p:tags r:id="rId28"/>
+            </p:custDataLst>
+          </p:nvPr>
+        </p:nvSpPr>
+        <p:spPr>
+          <a:xfrm>
+            <a:off x="2658110" y="4532630"/>
+            <a:ext cx="5773420" cy="1275715"/>
+          </a:xfrm>
+          <a:prstGeom prst="roundRect">
+            <a:avLst/>
+          </a:prstGeom>
+          <a:noFill/>
+          <a:ln w="19050" cap="flat" cmpd="sng">
+            <a:solidFill>
+              <a:schemeClr val="tx1"/>
+            </a:solidFill>
+            <a:prstDash val="dash"/>
+            <a:miter lim="800000"/>
+          </a:ln>
+        </p:spPr>
+        <p:style>
+          <a:lnRef idx="2">
+            <a:schemeClr val="accent1"/>
+          </a:lnRef>
+          <a:fillRef idx="0">
+            <a:srgbClr val="FFFFFF"/>
+          </a:fillRef>
+          <a:effectRef idx="0">
+            <a:srgbClr val="FFFFFF"/>
+          </a:effectRef>
+          <a:fontRef idx="minor">
+            <a:schemeClr val="dk1"/>
+          </a:fontRef>
+        </p:style>
+        <p:txBody>
+          <a:bodyPr rtlCol="0" anchor="ctr"/>
+          <a:p>
+            <a:pPr algn="ctr"/>
+            <a:endParaRPr lang="zh-CN" altLang="en-US">
+              <a:gradFill>
+                <a:gsLst>
+                  <a:gs pos="0">
+                    <a:srgbClr val="FE4444"/>
+                  </a:gs>
+                  <a:gs pos="100000">
+                    <a:srgbClr val="832B2B"/>
+                  </a:gs>
+                </a:gsLst>
+                <a:lin ang="5400000" scaled="0"/>
+              </a:gradFill>
+            </a:endParaRPr>
+          </a:p>
+        </p:txBody>
+      </p:sp>
+      <p:sp>
+        <p:nvSpPr>
+          <p:cNvPr id="73" name="文本框 72"/>
+          <p:cNvSpPr txBox="1"/>
+          <p:nvPr>
+            <p:custDataLst>
+              <p:tags r:id="rId29"/>
+            </p:custDataLst>
+          </p:nvPr>
+        </p:nvSpPr>
+        <p:spPr>
+          <a:xfrm>
+            <a:off x="5165725" y="4538345"/>
+            <a:ext cx="692785" cy="368300"/>
+          </a:xfrm>
+          <a:prstGeom prst="rect">
+            <a:avLst/>
+          </a:prstGeom>
+          <a:noFill/>
+        </p:spPr>
+        <p:txBody>
+          <a:bodyPr wrap="square" rtlCol="0">
+            <a:spAutoFit/>
+          </a:bodyPr>
+          <a:p>
+            <a:r>
+              <a:rPr lang="en-US" altLang="zh-CN">
+                <a:solidFill>
+                  <a:schemeClr val="accent5">
+                    <a:lumMod val="75000"/>
+                  </a:schemeClr>
+                </a:solidFill>
+              </a:rPr>
+              <a:t>PoU</a:t>
+            </a:r>
+            <a:endParaRPr lang="en-US" altLang="zh-CN">
+              <a:solidFill>
+                <a:schemeClr val="accent5">
+                  <a:lumMod val="75000"/>
+                </a:schemeClr>
+              </a:solidFill>
+            </a:endParaRPr>
+          </a:p>
+        </p:txBody>
+      </p:sp>
+      <p:grpSp>
+        <p:nvGrpSpPr>
+          <p:cNvPr id="79" name="组合 78"/>
+          <p:cNvGrpSpPr/>
+          <p:nvPr/>
+        </p:nvGrpSpPr>
+        <p:grpSpPr>
+          <a:xfrm>
+            <a:off x="5316855" y="5131435"/>
+            <a:ext cx="389255" cy="431165"/>
+            <a:chOff x="16141" y="3523"/>
+            <a:chExt cx="613" cy="679"/>
+          </a:xfrm>
+        </p:grpSpPr>
+        <p:sp>
+          <p:nvSpPr>
+            <p:cNvPr id="76" name="椭圆 75"/>
+            <p:cNvSpPr/>
+            <p:nvPr>
+              <p:custDataLst>
+                <p:tags r:id="rId30"/>
+              </p:custDataLst>
+            </p:nvPr>
+          </p:nvSpPr>
+          <p:spPr>
+            <a:xfrm>
+              <a:off x="16142" y="3523"/>
+              <a:ext cx="613" cy="613"/>
+            </a:xfrm>
+            <a:prstGeom prst="ellipse">
+              <a:avLst/>
+            </a:prstGeom>
+            <a:solidFill>
+              <a:schemeClr val="accent1">
+                <a:lumMod val="40000"/>
+                <a:lumOff val="60000"/>
+              </a:schemeClr>
+            </a:solidFill>
+          </p:spPr>
+          <p:style>
+            <a:lnRef idx="2">
+              <a:schemeClr val="accent1">
+                <a:shade val="50000"/>
+              </a:schemeClr>
+            </a:lnRef>
+            <a:fillRef idx="1">
+              <a:schemeClr val="accent1"/>
+            </a:fillRef>
+            <a:effectRef idx="0">
+              <a:schemeClr val="accent1"/>
+            </a:effectRef>
+            <a:fontRef idx="minor">
+              <a:schemeClr val="lt1"/>
+            </a:fontRef>
+          </p:style>
+          <p:txBody>
+            <a:bodyPr rtlCol="0" anchor="ctr"/>
+            <a:p>
+              <a:pPr algn="ctr"/>
+              <a:endParaRPr lang="zh-CN" altLang="en-US">
+                <a:solidFill>
+                  <a:srgbClr val="FF0000"/>
+                </a:solidFill>
+              </a:endParaRPr>
+            </a:p>
+          </p:txBody>
+        </p:sp>
+        <p:sp>
+          <p:nvSpPr>
+            <p:cNvPr id="77" name="文本框 76"/>
+            <p:cNvSpPr txBox="1"/>
+            <p:nvPr>
+              <p:custDataLst>
+                <p:tags r:id="rId31"/>
+              </p:custDataLst>
+            </p:nvPr>
+          </p:nvSpPr>
+          <p:spPr>
+            <a:xfrm>
+              <a:off x="16141" y="3574"/>
+              <a:ext cx="474" cy="628"/>
+            </a:xfrm>
+            <a:prstGeom prst="rect">
+              <a:avLst/>
+            </a:prstGeom>
+            <a:noFill/>
+          </p:spPr>
+          <p:txBody>
+            <a:bodyPr wrap="square" rtlCol="0">
+              <a:spAutoFit/>
+            </a:bodyPr>
+            <a:p>
+              <a:r>
+                <a:rPr lang="zh-CN" altLang="en-US" sz="2000">
+                  <a:solidFill>
+                    <a:srgbClr val="FF0000"/>
+                  </a:solidFill>
+                  <a:latin typeface="Arial" panose="020B0604020202090204" pitchFamily="34" charset="0"/>
+                  <a:cs typeface="Arial" panose="020B0604020202090204" pitchFamily="34" charset="0"/>
+                  <a:sym typeface="+mn-ea"/>
+                </a:rPr>
+                <a:t>Ψ</a:t>
+              </a:r>
+              <a:endParaRPr lang="en-US" altLang="zh-CN" sz="2000">
+                <a:ea typeface="楷体" charset="0"/>
+                <a:cs typeface="+mn-lt"/>
+              </a:endParaRPr>
+            </a:p>
+          </p:txBody>
+        </p:sp>
+      </p:grpSp>
+      <p:sp>
+        <p:nvSpPr>
+          <p:cNvPr id="23" name="圆角矩形 22"/>
+          <p:cNvSpPr/>
+          <p:nvPr>
+            <p:custDataLst>
+              <p:tags r:id="rId32"/>
+            </p:custDataLst>
+          </p:nvPr>
+        </p:nvSpPr>
+        <p:spPr>
+          <a:xfrm>
+            <a:off x="456565" y="3561715"/>
+            <a:ext cx="1327785" cy="473710"/>
+          </a:xfrm>
+          <a:prstGeom prst="roundRect">
+            <a:avLst/>
+          </a:prstGeom>
+        </p:spPr>
+        <p:style>
+          <a:lnRef idx="2">
+            <a:schemeClr val="accent1">
+              <a:lumMod val="75000"/>
+            </a:schemeClr>
+          </a:lnRef>
+          <a:fillRef idx="1">
+            <a:schemeClr val="accent1"/>
+          </a:fillRef>
+          <a:effectRef idx="0">
+            <a:srgbClr val="FFFFFF"/>
+          </a:effectRef>
+          <a:fontRef idx="minor">
+            <a:schemeClr val="lt1"/>
+          </a:fontRef>
+        </p:style>
+        <p:txBody>
+          <a:bodyPr rtlCol="0" anchor="ctr"/>
+          <a:p>
+            <a:pPr algn="ctr"/>
+            <a:r>
+              <a:rPr lang="en-US" altLang="zh-CN"/>
+              <a:t>Input</a:t>
+            </a:r>
+            <a:endParaRPr lang="en-US" altLang="zh-CN"/>
+          </a:p>
+        </p:txBody>
+      </p:sp>
+      <p:cxnSp>
+        <p:nvCxnSpPr>
+          <p:cNvPr id="29" name="直接箭头连接符 28"/>
+          <p:cNvCxnSpPr>
+            <a:stCxn id="23" idx="3"/>
+            <a:endCxn id="3" idx="1"/>
+          </p:cNvCxnSpPr>
+          <p:nvPr>
+            <p:custDataLst>
+              <p:tags r:id="rId33"/>
+            </p:custDataLst>
+          </p:nvPr>
+        </p:nvCxnSpPr>
+        <p:spPr>
+          <a:xfrm flipV="1">
+            <a:off x="1784350" y="2557145"/>
+            <a:ext cx="874395" cy="1241425"/>
+          </a:xfrm>
+          <a:prstGeom prst="straightConnector1">
+            <a:avLst/>
+          </a:prstGeom>
+          <a:ln w="28575" cmpd="sng">
+            <a:solidFill>
+              <a:schemeClr val="accent1"/>
+            </a:solidFill>
+            <a:prstDash val="solid"/>
+            <a:tailEnd type="triangle" w="lg" len="lg"/>
+          </a:ln>
+        </p:spPr>
+        <p:style>
+          <a:lnRef idx="2">
+            <a:schemeClr val="accent1"/>
+          </a:lnRef>
+          <a:fillRef idx="0">
+            <a:srgbClr val="FFFFFF"/>
+          </a:fillRef>
+          <a:effectRef idx="0">
+            <a:srgbClr val="FFFFFF"/>
+          </a:effectRef>
+          <a:fontRef idx="minor">
+            <a:schemeClr val="tx1"/>
+          </a:fontRef>
+        </p:style>
+      </p:cxnSp>
+      <p:cxnSp>
+        <p:nvCxnSpPr>
+          <p:cNvPr id="4" name="直接箭头连接符 3"/>
+          <p:cNvCxnSpPr>
+            <a:stCxn id="23" idx="3"/>
+            <a:endCxn id="72" idx="1"/>
+          </p:cNvCxnSpPr>
+          <p:nvPr>
+            <p:custDataLst>
+              <p:tags r:id="rId34"/>
+            </p:custDataLst>
+          </p:nvPr>
+        </p:nvCxnSpPr>
+        <p:spPr>
+          <a:xfrm>
+            <a:off x="1784350" y="3798570"/>
+            <a:ext cx="873760" cy="1372235"/>
+          </a:xfrm>
+          <a:prstGeom prst="straightConnector1">
+            <a:avLst/>
+          </a:prstGeom>
+          <a:ln w="28575" cmpd="sng">
+            <a:solidFill>
+              <a:schemeClr val="accent1"/>
+            </a:solidFill>
+            <a:prstDash val="solid"/>
+            <a:tailEnd type="triangle" w="lg" len="lg"/>
+          </a:ln>
+        </p:spPr>
+        <p:style>
+          <a:lnRef idx="2">
+            <a:schemeClr val="accent1"/>
+          </a:lnRef>
+          <a:fillRef idx="0">
+            <a:srgbClr val="FFFFFF"/>
+          </a:fillRef>
+          <a:effectRef idx="0">
+            <a:srgbClr val="FFFFFF"/>
+          </a:effectRef>
+          <a:fontRef idx="minor">
+            <a:schemeClr val="tx1"/>
+          </a:fontRef>
+        </p:style>
+      </p:cxnSp>
+      <p:grpSp>
+        <p:nvGrpSpPr>
+          <p:cNvPr id="36" name="组合 35"/>
+          <p:cNvGrpSpPr/>
+          <p:nvPr/>
+        </p:nvGrpSpPr>
+        <p:grpSpPr>
+          <a:xfrm>
+            <a:off x="9250045" y="3493135"/>
+            <a:ext cx="612140" cy="612140"/>
+            <a:chOff x="11163" y="6242"/>
+            <a:chExt cx="964" cy="964"/>
+          </a:xfrm>
+        </p:grpSpPr>
+        <p:sp>
+          <p:nvSpPr>
+            <p:cNvPr id="33" name="椭圆 32"/>
+            <p:cNvSpPr/>
+            <p:nvPr>
+              <p:custDataLst>
+                <p:tags r:id="rId35"/>
+              </p:custDataLst>
+            </p:nvPr>
+          </p:nvSpPr>
+          <p:spPr>
+            <a:xfrm>
+              <a:off x="11271" y="6352"/>
+              <a:ext cx="747" cy="747"/>
+            </a:xfrm>
+            <a:prstGeom prst="ellipse">
+              <a:avLst/>
+            </a:prstGeom>
+            <a:solidFill>
+              <a:schemeClr val="bg1"/>
+            </a:solidFill>
+            <a:ln w="19050">
+              <a:solidFill>
+                <a:schemeClr val="accent2">
+                  <a:lumMod val="75000"/>
+                </a:schemeClr>
+              </a:solidFill>
+            </a:ln>
+          </p:spPr>
+          <p:style>
+            <a:lnRef idx="2">
+              <a:schemeClr val="accent1">
+                <a:lumMod val="75000"/>
+              </a:schemeClr>
+            </a:lnRef>
+            <a:fillRef idx="1">
+              <a:schemeClr val="accent1"/>
+            </a:fillRef>
+            <a:effectRef idx="0">
+              <a:srgbClr val="FFFFFF"/>
+            </a:effectRef>
+            <a:fontRef idx="minor">
+              <a:schemeClr val="lt1"/>
+            </a:fontRef>
+          </p:style>
+          <p:txBody>
+            <a:bodyPr rtlCol="0" anchor="ctr"/>
+            <a:p>
+              <a:pPr algn="ctr"/>
+              <a:endParaRPr lang="zh-CN" altLang="en-US"/>
+            </a:p>
+          </p:txBody>
+        </p:sp>
+        <p:sp>
+          <p:nvSpPr>
+            <p:cNvPr id="35" name="乘号 34"/>
+            <p:cNvSpPr/>
+            <p:nvPr>
+              <p:custDataLst>
+                <p:tags r:id="rId36"/>
+              </p:custDataLst>
+            </p:nvPr>
+          </p:nvSpPr>
+          <p:spPr>
+            <a:xfrm>
+              <a:off x="11163" y="6242"/>
+              <a:ext cx="964" cy="964"/>
+            </a:xfrm>
+            <a:prstGeom prst="mathMultiply">
+              <a:avLst/>
+            </a:prstGeom>
+            <a:solidFill>
+              <a:schemeClr val="accent2"/>
+            </a:solidFill>
+            <a:ln>
+              <a:solidFill>
+                <a:schemeClr val="accent2">
+                  <a:lumMod val="75000"/>
+                </a:schemeClr>
+              </a:solidFill>
+            </a:ln>
+          </p:spPr>
+          <p:style>
+            <a:lnRef idx="2">
+              <a:schemeClr val="accent1">
+                <a:lumMod val="75000"/>
+              </a:schemeClr>
+            </a:lnRef>
+            <a:fillRef idx="1">
+              <a:schemeClr val="accent1"/>
+            </a:fillRef>
+            <a:effectRef idx="0">
+              <a:srgbClr val="FFFFFF"/>
+            </a:effectRef>
+            <a:fontRef idx="minor">
+              <a:schemeClr val="lt1"/>
+            </a:fontRef>
+          </p:style>
+          <p:txBody>
+            <a:bodyPr rtlCol="0" anchor="ctr"/>
+            <a:p>
+              <a:pPr algn="ctr"/>
+              <a:endParaRPr lang="zh-CN" altLang="en-US"/>
+            </a:p>
+          </p:txBody>
+        </p:sp>
+      </p:grpSp>
+      <p:cxnSp>
+        <p:nvCxnSpPr>
+          <p:cNvPr id="37" name="直接箭头连接符 36"/>
+          <p:cNvCxnSpPr>
+            <a:endCxn id="35" idx="0"/>
+          </p:cNvCxnSpPr>
+          <p:nvPr>
+            <p:custDataLst>
+              <p:tags r:id="rId37"/>
+            </p:custDataLst>
+          </p:nvPr>
+        </p:nvCxnSpPr>
+        <p:spPr>
+          <a:xfrm>
+            <a:off x="8439150" y="2849880"/>
+            <a:ext cx="958215" cy="790575"/>
+          </a:xfrm>
+          <a:prstGeom prst="straightConnector1">
+            <a:avLst/>
+          </a:prstGeom>
+          <a:ln w="28575" cmpd="sng">
+            <a:solidFill>
+              <a:schemeClr val="accent2">
+                <a:lumMod val="75000"/>
+              </a:schemeClr>
+            </a:solidFill>
+            <a:prstDash val="solid"/>
+            <a:tailEnd type="triangle" w="lg" len="lg"/>
+          </a:ln>
+        </p:spPr>
+        <p:style>
+          <a:lnRef idx="2">
+            <a:schemeClr val="accent1"/>
+          </a:lnRef>
+          <a:fillRef idx="0">
+            <a:srgbClr val="FFFFFF"/>
+          </a:fillRef>
+          <a:effectRef idx="0">
+            <a:srgbClr val="FFFFFF"/>
+          </a:effectRef>
+          <a:fontRef idx="minor">
+            <a:schemeClr val="tx1"/>
+          </a:fontRef>
+        </p:style>
+      </p:cxnSp>
+      <p:cxnSp>
+        <p:nvCxnSpPr>
+          <p:cNvPr id="38" name="直接箭头连接符 37"/>
+          <p:cNvCxnSpPr>
+            <a:stCxn id="72" idx="3"/>
+            <a:endCxn id="35" idx="3"/>
+          </p:cNvCxnSpPr>
+          <p:nvPr>
+            <p:custDataLst>
+              <p:tags r:id="rId38"/>
+            </p:custDataLst>
+          </p:nvPr>
+        </p:nvCxnSpPr>
+        <p:spPr>
+          <a:xfrm flipV="1">
+            <a:off x="8431530" y="3957955"/>
+            <a:ext cx="965835" cy="1212850"/>
+          </a:xfrm>
+          <a:prstGeom prst="straightConnector1">
+            <a:avLst/>
+          </a:prstGeom>
+          <a:ln w="28575" cmpd="sng">
+            <a:solidFill>
+              <a:schemeClr val="accent2">
+                <a:lumMod val="75000"/>
+              </a:schemeClr>
+            </a:solidFill>
+            <a:prstDash val="solid"/>
+            <a:tailEnd type="triangle" w="lg" len="lg"/>
+          </a:ln>
+        </p:spPr>
+        <p:style>
+          <a:lnRef idx="2">
+            <a:schemeClr val="accent1"/>
+          </a:lnRef>
+          <a:fillRef idx="0">
+            <a:srgbClr val="FFFFFF"/>
+          </a:fillRef>
+          <a:effectRef idx="0">
+            <a:srgbClr val="FFFFFF"/>
+          </a:effectRef>
+          <a:fontRef idx="minor">
+            <a:schemeClr val="tx1"/>
+          </a:fontRef>
+        </p:style>
+      </p:cxnSp>
+      <p:sp>
+        <p:nvSpPr>
+          <p:cNvPr id="39" name="圆角矩形 38"/>
+          <p:cNvSpPr/>
+          <p:nvPr>
+            <p:custDataLst>
+              <p:tags r:id="rId39"/>
+            </p:custDataLst>
+          </p:nvPr>
+        </p:nvSpPr>
+        <p:spPr>
+          <a:xfrm>
+            <a:off x="10609580" y="3561715"/>
+            <a:ext cx="1327785" cy="473710"/>
+          </a:xfrm>
+          <a:prstGeom prst="roundRect">
+            <a:avLst/>
+          </a:prstGeom>
+          <a:solidFill>
+            <a:schemeClr val="accent2"/>
+          </a:solidFill>
+          <a:ln>
+            <a:solidFill>
+              <a:schemeClr val="accent2">
+                <a:lumMod val="75000"/>
+              </a:schemeClr>
+            </a:solidFill>
+          </a:ln>
+        </p:spPr>
+        <p:style>
+          <a:lnRef idx="2">
+            <a:schemeClr val="accent1">
+              <a:lumMod val="75000"/>
+            </a:schemeClr>
+          </a:lnRef>
+          <a:fillRef idx="1">
+            <a:schemeClr val="accent1"/>
+          </a:fillRef>
+          <a:effectRef idx="0">
+            <a:srgbClr val="FFFFFF"/>
+          </a:effectRef>
+          <a:fontRef idx="minor">
+            <a:schemeClr val="lt1"/>
+          </a:fontRef>
+        </p:style>
+        <p:txBody>
+          <a:bodyPr rtlCol="0" anchor="ctr"/>
+          <a:p>
+            <a:pPr algn="ctr"/>
+            <a:r>
+              <a:rPr lang="en-US" altLang="zh-CN"/>
+              <a:t>Output</a:t>
+            </a:r>
+            <a:endParaRPr lang="en-US" altLang="zh-CN"/>
+          </a:p>
+        </p:txBody>
+      </p:sp>
+      <p:cxnSp>
+        <p:nvCxnSpPr>
+          <p:cNvPr id="40" name="直接箭头连接符 39"/>
+          <p:cNvCxnSpPr>
+            <a:endCxn id="39" idx="1"/>
+          </p:cNvCxnSpPr>
+          <p:nvPr>
+            <p:custDataLst>
+              <p:tags r:id="rId40"/>
+            </p:custDataLst>
+          </p:nvPr>
+        </p:nvCxnSpPr>
+        <p:spPr>
+          <a:xfrm>
+            <a:off x="9792970" y="3798570"/>
+            <a:ext cx="816610" cy="0"/>
+          </a:xfrm>
+          <a:prstGeom prst="straightConnector1">
+            <a:avLst/>
+          </a:prstGeom>
+          <a:ln w="28575" cmpd="sng">
+            <a:solidFill>
+              <a:schemeClr val="accent2">
+                <a:lumMod val="75000"/>
+              </a:schemeClr>
+            </a:solidFill>
+            <a:prstDash val="solid"/>
+            <a:tailEnd type="triangle" w="lg" len="lg"/>
+          </a:ln>
+        </p:spPr>
+        <p:style>
+          <a:lnRef idx="2">
+            <a:schemeClr val="accent1"/>
+          </a:lnRef>
+          <a:fillRef idx="0">
+            <a:srgbClr val="FFFFFF"/>
+          </a:fillRef>
+          <a:effectRef idx="0">
+            <a:srgbClr val="FFFFFF"/>
+          </a:effectRef>
+          <a:fontRef idx="minor">
+            <a:schemeClr val="tx1"/>
+          </a:fontRef>
+        </p:style>
+      </p:cxnSp>
+    </p:spTree>
+  </p:cSld>
+  <p:clrMapOvr>
+    <a:masterClrMapping/>
+  </p:clrMapOvr>
+</p:sld>
+</file>
+
+<file path=ppt/slides/slide11.xml><?xml version="1.0" encoding="utf-8"?>
 <p:sld xmlns:a="http://schemas.openxmlformats.org/drawingml/2006/main" xmlns:r="http://schemas.openxmlformats.org/officeDocument/2006/relationships" xmlns:p="http://schemas.openxmlformats.org/presentationml/2006/main">
   <p:cSld>
     <p:spTree>
@@ -14850,8 +16864,8 @@
             </p:nvSpPr>
             <p:spPr>
               <a:xfrm>
-                <a:off x="3447987" y="2695194"/>
-                <a:ext cx="497205" cy="368300"/>
+                <a:off x="3481007" y="2695194"/>
+                <a:ext cx="464185" cy="368935"/>
               </a:xfrm>
               <a:prstGeom prst="rect">
                 <a:avLst/>
@@ -14903,6 +16917,16 @@
                               <a:latin typeface="DejaVu Math TeX Gyre" panose="02000503000000000000" charset="0"/>
                               <a:cs typeface="DejaVu Math TeX Gyre" panose="02000503000000000000" charset="0"/>
                             </a:rPr>
+                            <m:t> </m:t>
+                          </m:r>
+                          <m:r>
+                            <a:rPr lang="en-US" altLang="zh-CN" i="1">
+                              <a:solidFill>
+                                <a:srgbClr val="FF0000"/>
+                              </a:solidFill>
+                              <a:latin typeface="DejaVu Math TeX Gyre" panose="02000503000000000000" charset="0"/>
+                              <a:cs typeface="DejaVu Math TeX Gyre" panose="02000503000000000000" charset="0"/>
+                            </a:rPr>
                             <m:t>1</m:t>
                           </m:r>
                         </m:sub>
@@ -14936,8 +16960,8 @@
             </p:nvSpPr>
             <p:spPr>
               <a:xfrm>
-                <a:off x="3447987" y="2695194"/>
-                <a:ext cx="497205" cy="368300"/>
+                <a:off x="3481007" y="2695194"/>
+                <a:ext cx="464185" cy="368935"/>
               </a:xfrm>
               <a:prstGeom prst="rect">
                 <a:avLst/>
@@ -14945,7 +16969,7 @@
               <a:blipFill rotWithShape="1">
                 <a:blip r:embed="rId5"/>
                 <a:stretch>
-                  <a:fillRect l="-115" t="-69" r="115" b="69"/>
+                  <a:fillRect l="-123" t="-69" r="123" b="69"/>
                 </a:stretch>
               </a:blipFill>
             </p:spPr>
@@ -14978,8 +17002,8 @@
             </p:nvSpPr>
             <p:spPr>
               <a:xfrm>
-                <a:off x="3447987" y="3676269"/>
-                <a:ext cx="515620" cy="368935"/>
+                <a:off x="3489897" y="3676269"/>
+                <a:ext cx="473710" cy="368935"/>
               </a:xfrm>
               <a:prstGeom prst="rect">
                 <a:avLst/>
@@ -15031,6 +17055,16 @@
                               <a:latin typeface="DejaVu Math TeX Gyre" panose="02000503000000000000" charset="0"/>
                               <a:cs typeface="DejaVu Math TeX Gyre" panose="02000503000000000000" charset="0"/>
                             </a:rPr>
+                            <m:t> </m:t>
+                          </m:r>
+                          <m:r>
+                            <a:rPr lang="en-US" altLang="zh-CN" i="1">
+                              <a:solidFill>
+                                <a:srgbClr val="FF0000"/>
+                              </a:solidFill>
+                              <a:latin typeface="DejaVu Math TeX Gyre" panose="02000503000000000000" charset="0"/>
+                              <a:cs typeface="DejaVu Math TeX Gyre" panose="02000503000000000000" charset="0"/>
+                            </a:rPr>
                             <m:t>3</m:t>
                           </m:r>
                         </m:sub>
@@ -15064,8 +17098,8 @@
             </p:nvSpPr>
             <p:spPr>
               <a:xfrm>
-                <a:off x="3447987" y="3676269"/>
-                <a:ext cx="515620" cy="368935"/>
+                <a:off x="3489897" y="3676269"/>
+                <a:ext cx="473710" cy="368935"/>
               </a:xfrm>
               <a:prstGeom prst="rect">
                 <a:avLst/>
@@ -15073,7 +17107,7 @@
               <a:blipFill rotWithShape="1">
                 <a:blip r:embed="rId8"/>
                 <a:stretch>
-                  <a:fillRect l="-111" t="-69" r="111" b="69"/>
+                  <a:fillRect l="-121" t="-69" r="121" b="69"/>
                 </a:stretch>
               </a:blipFill>
             </p:spPr>
@@ -15106,8 +17140,8 @@
             </p:nvSpPr>
             <p:spPr>
               <a:xfrm>
-                <a:off x="3447987" y="3063494"/>
-                <a:ext cx="515620" cy="368300"/>
+                <a:off x="3489897" y="3063494"/>
+                <a:ext cx="473710" cy="368935"/>
               </a:xfrm>
               <a:prstGeom prst="rect">
                 <a:avLst/>
@@ -15159,6 +17193,16 @@
                               <a:latin typeface="DejaVu Math TeX Gyre" panose="02000503000000000000" charset="0"/>
                               <a:cs typeface="DejaVu Math TeX Gyre" panose="02000503000000000000" charset="0"/>
                             </a:rPr>
+                            <m:t> </m:t>
+                          </m:r>
+                          <m:r>
+                            <a:rPr lang="en-US" altLang="zh-CN" i="1">
+                              <a:solidFill>
+                                <a:srgbClr val="FF0000"/>
+                              </a:solidFill>
+                              <a:latin typeface="DejaVu Math TeX Gyre" panose="02000503000000000000" charset="0"/>
+                              <a:cs typeface="DejaVu Math TeX Gyre" panose="02000503000000000000" charset="0"/>
+                            </a:rPr>
                             <m:t>2</m:t>
                           </m:r>
                         </m:sub>
@@ -15192,8 +17236,8 @@
             </p:nvSpPr>
             <p:spPr>
               <a:xfrm>
-                <a:off x="3447987" y="3063494"/>
-                <a:ext cx="515620" cy="368300"/>
+                <a:off x="3489897" y="3063494"/>
+                <a:ext cx="473710" cy="368935"/>
               </a:xfrm>
               <a:prstGeom prst="rect">
                 <a:avLst/>
@@ -15201,7 +17245,7 @@
               <a:blipFill rotWithShape="1">
                 <a:blip r:embed="rId11"/>
                 <a:stretch>
-                  <a:fillRect l="-111" t="-69" r="111" b="69"/>
+                  <a:fillRect l="-121" t="-69" r="121" b="69"/>
                 </a:stretch>
               </a:blipFill>
             </p:spPr>
@@ -15234,8 +17278,8 @@
             </p:nvSpPr>
             <p:spPr>
               <a:xfrm>
-                <a:off x="5478717" y="2695194"/>
-                <a:ext cx="481330" cy="368300"/>
+                <a:off x="5503482" y="2695194"/>
+                <a:ext cx="456565" cy="368935"/>
               </a:xfrm>
               <a:prstGeom prst="rect">
                 <a:avLst/>
@@ -15287,6 +17331,16 @@
                               <a:latin typeface="DejaVu Math TeX Gyre" panose="02000503000000000000" charset="0"/>
                               <a:cs typeface="DejaVu Math TeX Gyre" panose="02000503000000000000" charset="0"/>
                             </a:rPr>
+                            <m:t> </m:t>
+                          </m:r>
+                          <m:r>
+                            <a:rPr lang="en-US" altLang="zh-CN" i="1">
+                              <a:solidFill>
+                                <a:srgbClr val="FF0000"/>
+                              </a:solidFill>
+                              <a:latin typeface="DejaVu Math TeX Gyre" panose="02000503000000000000" charset="0"/>
+                              <a:cs typeface="DejaVu Math TeX Gyre" panose="02000503000000000000" charset="0"/>
+                            </a:rPr>
                             <m:t>1</m:t>
                           </m:r>
                         </m:sub>
@@ -15320,8 +17374,8 @@
             </p:nvSpPr>
             <p:spPr>
               <a:xfrm>
-                <a:off x="5478717" y="2695194"/>
-                <a:ext cx="481330" cy="368300"/>
+                <a:off x="5503482" y="2695194"/>
+                <a:ext cx="456565" cy="368935"/>
               </a:xfrm>
               <a:prstGeom prst="rect">
                 <a:avLst/>
@@ -15329,7 +17383,7 @@
               <a:blipFill rotWithShape="1">
                 <a:blip r:embed="rId14"/>
                 <a:stretch>
-                  <a:fillRect l="-119" t="-69" r="119" b="69"/>
+                  <a:fillRect l="-125" t="-69" r="125" b="69"/>
                 </a:stretch>
               </a:blipFill>
             </p:spPr>
@@ -15362,8 +17416,8 @@
             </p:nvSpPr>
             <p:spPr>
               <a:xfrm>
-                <a:off x="5478082" y="3676269"/>
-                <a:ext cx="481965" cy="368935"/>
+                <a:off x="5503482" y="3676269"/>
+                <a:ext cx="456565" cy="368935"/>
               </a:xfrm>
               <a:prstGeom prst="rect">
                 <a:avLst/>
@@ -15415,6 +17469,16 @@
                               <a:latin typeface="DejaVu Math TeX Gyre" panose="02000503000000000000" charset="0"/>
                               <a:cs typeface="DejaVu Math TeX Gyre" panose="02000503000000000000" charset="0"/>
                             </a:rPr>
+                            <m:t> </m:t>
+                          </m:r>
+                          <m:r>
+                            <a:rPr lang="en-US" altLang="zh-CN" i="1">
+                              <a:solidFill>
+                                <a:srgbClr val="FF0000"/>
+                              </a:solidFill>
+                              <a:latin typeface="DejaVu Math TeX Gyre" panose="02000503000000000000" charset="0"/>
+                              <a:cs typeface="DejaVu Math TeX Gyre" panose="02000503000000000000" charset="0"/>
+                            </a:rPr>
                             <m:t>3</m:t>
                           </m:r>
                         </m:sub>
@@ -15448,8 +17512,8 @@
             </p:nvSpPr>
             <p:spPr>
               <a:xfrm>
-                <a:off x="5478082" y="3676269"/>
-                <a:ext cx="481965" cy="368935"/>
+                <a:off x="5503482" y="3676269"/>
+                <a:ext cx="456565" cy="368935"/>
               </a:xfrm>
               <a:prstGeom prst="rect">
                 <a:avLst/>
@@ -15457,7 +17521,7 @@
               <a:blipFill rotWithShape="1">
                 <a:blip r:embed="rId17"/>
                 <a:stretch>
-                  <a:fillRect l="-119" t="-69" r="119" b="69"/>
+                  <a:fillRect l="-125" t="-69" r="125" b="69"/>
                 </a:stretch>
               </a:blipFill>
             </p:spPr>
@@ -15490,8 +17554,8 @@
             </p:nvSpPr>
             <p:spPr>
               <a:xfrm>
-                <a:off x="5478082" y="3063494"/>
-                <a:ext cx="481965" cy="368300"/>
+                <a:off x="5503482" y="3063494"/>
+                <a:ext cx="456565" cy="368935"/>
               </a:xfrm>
               <a:prstGeom prst="rect">
                 <a:avLst/>
@@ -15543,6 +17607,16 @@
                               <a:latin typeface="DejaVu Math TeX Gyre" panose="02000503000000000000" charset="0"/>
                               <a:cs typeface="DejaVu Math TeX Gyre" panose="02000503000000000000" charset="0"/>
                             </a:rPr>
+                            <m:t> </m:t>
+                          </m:r>
+                          <m:r>
+                            <a:rPr lang="en-US" altLang="zh-CN" i="1">
+                              <a:solidFill>
+                                <a:srgbClr val="FF0000"/>
+                              </a:solidFill>
+                              <a:latin typeface="DejaVu Math TeX Gyre" panose="02000503000000000000" charset="0"/>
+                              <a:cs typeface="DejaVu Math TeX Gyre" panose="02000503000000000000" charset="0"/>
+                            </a:rPr>
                             <m:t>2</m:t>
                           </m:r>
                         </m:sub>
@@ -15576,8 +17650,8 @@
             </p:nvSpPr>
             <p:spPr>
               <a:xfrm>
-                <a:off x="5478082" y="3063494"/>
-                <a:ext cx="481965" cy="368300"/>
+                <a:off x="5503482" y="3063494"/>
+                <a:ext cx="456565" cy="368935"/>
               </a:xfrm>
               <a:prstGeom prst="rect">
                 <a:avLst/>
@@ -15585,7 +17659,7 @@
               <a:blipFill rotWithShape="1">
                 <a:blip r:embed="rId20"/>
                 <a:stretch>
-                  <a:fillRect l="-119" t="-69" r="119" b="69"/>
+                  <a:fillRect l="-125" t="-69" r="125" b="69"/>
                 </a:stretch>
               </a:blipFill>
             </p:spPr>
@@ -16577,19 +18651,217 @@
 </p:tagLst>
 </file>
 
+<file path=ppt/tags/tag155.xml><?xml version="1.0" encoding="utf-8"?>
+<p:tagLst xmlns:p="http://schemas.openxmlformats.org/presentationml/2006/main">
+  <p:tag name="KSO_WM_BEAUTIFY_FLAG" val=""/>
+</p:tagLst>
+</file>
+
+<file path=ppt/tags/tag156.xml><?xml version="1.0" encoding="utf-8"?>
+<p:tagLst xmlns:p="http://schemas.openxmlformats.org/presentationml/2006/main">
+  <p:tag name="KSO_WM_BEAUTIFY_FLAG" val=""/>
+</p:tagLst>
+</file>
+
+<file path=ppt/tags/tag157.xml><?xml version="1.0" encoding="utf-8"?>
+<p:tagLst xmlns:p="http://schemas.openxmlformats.org/presentationml/2006/main">
+  <p:tag name="KSO_WM_BEAUTIFY_FLAG" val=""/>
+</p:tagLst>
+</file>
+
+<file path=ppt/tags/tag158.xml><?xml version="1.0" encoding="utf-8"?>
+<p:tagLst xmlns:p="http://schemas.openxmlformats.org/presentationml/2006/main">
+  <p:tag name="KSO_WM_BEAUTIFY_FLAG" val=""/>
+</p:tagLst>
+</file>
+
+<file path=ppt/tags/tag159.xml><?xml version="1.0" encoding="utf-8"?>
+<p:tagLst xmlns:p="http://schemas.openxmlformats.org/presentationml/2006/main">
+  <p:tag name="KSO_WM_BEAUTIFY_FLAG" val=""/>
+</p:tagLst>
+</file>
+
 <file path=ppt/tags/tag16.xml><?xml version="1.0" encoding="utf-8"?>
 <p:tagLst xmlns:p="http://schemas.openxmlformats.org/presentationml/2006/main">
   <p:tag name="KSO_WM_BEAUTIFY_FLAG" val=""/>
 </p:tagLst>
 </file>
 
+<file path=ppt/tags/tag160.xml><?xml version="1.0" encoding="utf-8"?>
+<p:tagLst xmlns:p="http://schemas.openxmlformats.org/presentationml/2006/main">
+  <p:tag name="KSO_WM_BEAUTIFY_FLAG" val=""/>
+</p:tagLst>
+</file>
+
+<file path=ppt/tags/tag161.xml><?xml version="1.0" encoding="utf-8"?>
+<p:tagLst xmlns:p="http://schemas.openxmlformats.org/presentationml/2006/main">
+  <p:tag name="KSO_WM_BEAUTIFY_FLAG" val=""/>
+</p:tagLst>
+</file>
+
+<file path=ppt/tags/tag162.xml><?xml version="1.0" encoding="utf-8"?>
+<p:tagLst xmlns:p="http://schemas.openxmlformats.org/presentationml/2006/main">
+  <p:tag name="KSO_WM_BEAUTIFY_FLAG" val=""/>
+</p:tagLst>
+</file>
+
+<file path=ppt/tags/tag163.xml><?xml version="1.0" encoding="utf-8"?>
+<p:tagLst xmlns:p="http://schemas.openxmlformats.org/presentationml/2006/main">
+  <p:tag name="KSO_WM_BEAUTIFY_FLAG" val=""/>
+</p:tagLst>
+</file>
+
+<file path=ppt/tags/tag164.xml><?xml version="1.0" encoding="utf-8"?>
+<p:tagLst xmlns:p="http://schemas.openxmlformats.org/presentationml/2006/main">
+  <p:tag name="KSO_WM_BEAUTIFY_FLAG" val=""/>
+</p:tagLst>
+</file>
+
+<file path=ppt/tags/tag165.xml><?xml version="1.0" encoding="utf-8"?>
+<p:tagLst xmlns:p="http://schemas.openxmlformats.org/presentationml/2006/main">
+  <p:tag name="KSO_WM_BEAUTIFY_FLAG" val=""/>
+</p:tagLst>
+</file>
+
+<file path=ppt/tags/tag166.xml><?xml version="1.0" encoding="utf-8"?>
+<p:tagLst xmlns:p="http://schemas.openxmlformats.org/presentationml/2006/main">
+  <p:tag name="KSO_WM_BEAUTIFY_FLAG" val=""/>
+</p:tagLst>
+</file>
+
+<file path=ppt/tags/tag167.xml><?xml version="1.0" encoding="utf-8"?>
+<p:tagLst xmlns:p="http://schemas.openxmlformats.org/presentationml/2006/main">
+  <p:tag name="KSO_WM_BEAUTIFY_FLAG" val=""/>
+</p:tagLst>
+</file>
+
+<file path=ppt/tags/tag168.xml><?xml version="1.0" encoding="utf-8"?>
+<p:tagLst xmlns:p="http://schemas.openxmlformats.org/presentationml/2006/main">
+  <p:tag name="KSO_WM_BEAUTIFY_FLAG" val=""/>
+</p:tagLst>
+</file>
+
+<file path=ppt/tags/tag169.xml><?xml version="1.0" encoding="utf-8"?>
+<p:tagLst xmlns:p="http://schemas.openxmlformats.org/presentationml/2006/main">
+  <p:tag name="KSO_WM_BEAUTIFY_FLAG" val=""/>
+</p:tagLst>
+</file>
+
 <file path=ppt/tags/tag17.xml><?xml version="1.0" encoding="utf-8"?>
 <p:tagLst xmlns:p="http://schemas.openxmlformats.org/presentationml/2006/main">
   <p:tag name="KSO_WM_BEAUTIFY_FLAG" val=""/>
 </p:tagLst>
 </file>
 
+<file path=ppt/tags/tag170.xml><?xml version="1.0" encoding="utf-8"?>
+<p:tagLst xmlns:p="http://schemas.openxmlformats.org/presentationml/2006/main">
+  <p:tag name="KSO_WM_BEAUTIFY_FLAG" val=""/>
+</p:tagLst>
+</file>
+
+<file path=ppt/tags/tag171.xml><?xml version="1.0" encoding="utf-8"?>
+<p:tagLst xmlns:p="http://schemas.openxmlformats.org/presentationml/2006/main">
+  <p:tag name="KSO_WM_BEAUTIFY_FLAG" val=""/>
+</p:tagLst>
+</file>
+
+<file path=ppt/tags/tag172.xml><?xml version="1.0" encoding="utf-8"?>
+<p:tagLst xmlns:p="http://schemas.openxmlformats.org/presentationml/2006/main">
+  <p:tag name="KSO_WM_BEAUTIFY_FLAG" val=""/>
+</p:tagLst>
+</file>
+
+<file path=ppt/tags/tag173.xml><?xml version="1.0" encoding="utf-8"?>
+<p:tagLst xmlns:p="http://schemas.openxmlformats.org/presentationml/2006/main">
+  <p:tag name="KSO_WM_BEAUTIFY_FLAG" val=""/>
+</p:tagLst>
+</file>
+
+<file path=ppt/tags/tag174.xml><?xml version="1.0" encoding="utf-8"?>
+<p:tagLst xmlns:p="http://schemas.openxmlformats.org/presentationml/2006/main">
+  <p:tag name="KSO_WM_BEAUTIFY_FLAG" val=""/>
+</p:tagLst>
+</file>
+
+<file path=ppt/tags/tag175.xml><?xml version="1.0" encoding="utf-8"?>
+<p:tagLst xmlns:p="http://schemas.openxmlformats.org/presentationml/2006/main">
+  <p:tag name="KSO_WM_BEAUTIFY_FLAG" val=""/>
+</p:tagLst>
+</file>
+
+<file path=ppt/tags/tag176.xml><?xml version="1.0" encoding="utf-8"?>
+<p:tagLst xmlns:p="http://schemas.openxmlformats.org/presentationml/2006/main">
+  <p:tag name="KSO_WM_BEAUTIFY_FLAG" val=""/>
+</p:tagLst>
+</file>
+
+<file path=ppt/tags/tag177.xml><?xml version="1.0" encoding="utf-8"?>
+<p:tagLst xmlns:p="http://schemas.openxmlformats.org/presentationml/2006/main">
+  <p:tag name="KSO_WM_BEAUTIFY_FLAG" val=""/>
+</p:tagLst>
+</file>
+
+<file path=ppt/tags/tag178.xml><?xml version="1.0" encoding="utf-8"?>
+<p:tagLst xmlns:p="http://schemas.openxmlformats.org/presentationml/2006/main">
+  <p:tag name="KSO_WM_BEAUTIFY_FLAG" val=""/>
+</p:tagLst>
+</file>
+
+<file path=ppt/tags/tag179.xml><?xml version="1.0" encoding="utf-8"?>
+<p:tagLst xmlns:p="http://schemas.openxmlformats.org/presentationml/2006/main">
+  <p:tag name="KSO_WM_BEAUTIFY_FLAG" val=""/>
+</p:tagLst>
+</file>
+
 <file path=ppt/tags/tag18.xml><?xml version="1.0" encoding="utf-8"?>
+<p:tagLst xmlns:p="http://schemas.openxmlformats.org/presentationml/2006/main">
+  <p:tag name="KSO_WM_BEAUTIFY_FLAG" val=""/>
+</p:tagLst>
+</file>
+
+<file path=ppt/tags/tag180.xml><?xml version="1.0" encoding="utf-8"?>
+<p:tagLst xmlns:p="http://schemas.openxmlformats.org/presentationml/2006/main">
+  <p:tag name="KSO_WM_BEAUTIFY_FLAG" val=""/>
+</p:tagLst>
+</file>
+
+<file path=ppt/tags/tag181.xml><?xml version="1.0" encoding="utf-8"?>
+<p:tagLst xmlns:p="http://schemas.openxmlformats.org/presentationml/2006/main">
+  <p:tag name="KSO_WM_BEAUTIFY_FLAG" val=""/>
+</p:tagLst>
+</file>
+
+<file path=ppt/tags/tag182.xml><?xml version="1.0" encoding="utf-8"?>
+<p:tagLst xmlns:p="http://schemas.openxmlformats.org/presentationml/2006/main">
+  <p:tag name="KSO_WM_BEAUTIFY_FLAG" val=""/>
+</p:tagLst>
+</file>
+
+<file path=ppt/tags/tag183.xml><?xml version="1.0" encoding="utf-8"?>
+<p:tagLst xmlns:p="http://schemas.openxmlformats.org/presentationml/2006/main">
+  <p:tag name="KSO_WM_BEAUTIFY_FLAG" val=""/>
+</p:tagLst>
+</file>
+
+<file path=ppt/tags/tag184.xml><?xml version="1.0" encoding="utf-8"?>
+<p:tagLst xmlns:p="http://schemas.openxmlformats.org/presentationml/2006/main">
+  <p:tag name="KSO_WM_BEAUTIFY_FLAG" val=""/>
+</p:tagLst>
+</file>
+
+<file path=ppt/tags/tag185.xml><?xml version="1.0" encoding="utf-8"?>
+<p:tagLst xmlns:p="http://schemas.openxmlformats.org/presentationml/2006/main">
+  <p:tag name="KSO_WM_BEAUTIFY_FLAG" val=""/>
+</p:tagLst>
+</file>
+
+<file path=ppt/tags/tag186.xml><?xml version="1.0" encoding="utf-8"?>
+<p:tagLst xmlns:p="http://schemas.openxmlformats.org/presentationml/2006/main">
+  <p:tag name="KSO_WM_BEAUTIFY_FLAG" val=""/>
+</p:tagLst>
+</file>
+
+<file path=ppt/tags/tag187.xml><?xml version="1.0" encoding="utf-8"?>
 <p:tagLst xmlns:p="http://schemas.openxmlformats.org/presentationml/2006/main">
   <p:tag name="KSO_WM_BEAUTIFY_FLAG" val=""/>
 </p:tagLst>

--- a/MLDA/论文画图.pptx
+++ b/MLDA/论文画图.pptx
@@ -8,7 +8,7 @@
     <p:notesMasterId r:id="rId4"/>
   </p:notesMasterIdLst>
   <p:handoutMasterIdLst>
-    <p:handoutMasterId r:id="rId15"/>
+    <p:handoutMasterId r:id="rId18"/>
   </p:handoutMasterIdLst>
   <p:sldIdLst>
     <p:sldId id="256" r:id="rId3"/>
@@ -21,14 +21,17 @@
     <p:sldId id="264" r:id="rId11"/>
     <p:sldId id="266" r:id="rId12"/>
     <p:sldId id="270" r:id="rId13"/>
-    <p:sldId id="265" r:id="rId14"/>
+    <p:sldId id="271" r:id="rId14"/>
+    <p:sldId id="265" r:id="rId15"/>
+    <p:sldId id="273" r:id="rId16"/>
+    <p:sldId id="274" r:id="rId17"/>
   </p:sldIdLst>
   <p:sldSz cx="12192000" cy="6858000"/>
   <p:notesSz cx="7103745" cy="10234295"/>
   <p:embeddedFontLst>
     <p:embeddedFont>
       <p:font typeface="DejaVu Math TeX Gyre" panose="02000503000000000000" charset="0"/>
-      <p:regular r:id="rId20"/>
+      <p:regular r:id="rId23"/>
     </p:embeddedFont>
   </p:embeddedFontLst>
   <p:defaultTextStyle>
@@ -129,7 +132,7 @@
   <p:extLst>
     <p:ext uri="{EFAFB233-063F-42B5-8137-9DF3F51BA10A}">
       <p15:sldGuideLst xmlns:p15="http://schemas.microsoft.com/office/powerpoint/2012/main">
-        <p15:guide id="1" orient="horz" pos="2099" userDrawn="1">
+        <p15:guide id="1" orient="horz" pos="2093" userDrawn="1">
           <p15:clr>
             <a:srgbClr val="A4A3A4"/>
           </p15:clr>
@@ -813,6 +816,240 @@
 </file>
 
 <file path=ppt/notesSlides/notesSlide11.xml><?xml version="1.0" encoding="utf-8"?>
+<p:notes xmlns:a="http://schemas.openxmlformats.org/drawingml/2006/main" xmlns:r="http://schemas.openxmlformats.org/officeDocument/2006/relationships" xmlns:p="http://schemas.openxmlformats.org/presentationml/2006/main">
+  <p:cSld>
+    <p:spTree>
+      <p:nvGrpSpPr>
+        <p:cNvPr id="1" name=""/>
+        <p:cNvGrpSpPr/>
+        <p:nvPr/>
+      </p:nvGrpSpPr>
+      <p:grpSpPr>
+        <a:xfrm>
+          <a:off x="0" y="0"/>
+          <a:ext cx="0" cy="0"/>
+          <a:chOff x="0" y="0"/>
+          <a:chExt cx="0" cy="0"/>
+        </a:xfrm>
+      </p:grpSpPr>
+      <p:sp>
+        <p:nvSpPr>
+          <p:cNvPr id="2" name="幻灯片图像占位符 1"/>
+          <p:cNvSpPr>
+            <a:spLocks noGrp="1" noRot="1" noChangeAspect="1"/>
+          </p:cNvSpPr>
+          <p:nvPr>
+            <p:ph type="sldImg"/>
+          </p:nvPr>
+        </p:nvSpPr>
+        <p:spPr/>
+      </p:sp>
+      <p:sp>
+        <p:nvSpPr>
+          <p:cNvPr id="3" name="备注占位符 2"/>
+          <p:cNvSpPr>
+            <a:spLocks noGrp="1"/>
+          </p:cNvSpPr>
+          <p:nvPr>
+            <p:ph type="body" idx="1"/>
+          </p:nvPr>
+        </p:nvSpPr>
+        <p:spPr/>
+        <p:txBody>
+          <a:bodyPr/>
+          <a:lstStyle/>
+          <a:p>
+            <a:endParaRPr kumimoji="1" lang="zh-CN" altLang="en-US"/>
+          </a:p>
+        </p:txBody>
+      </p:sp>
+      <p:sp>
+        <p:nvSpPr>
+          <p:cNvPr id="4" name="灯片编号占位符 3"/>
+          <p:cNvSpPr>
+            <a:spLocks noGrp="1"/>
+          </p:cNvSpPr>
+          <p:nvPr>
+            <p:ph type="sldNum" sz="quarter" idx="5"/>
+          </p:nvPr>
+        </p:nvSpPr>
+        <p:spPr/>
+        <p:txBody>
+          <a:bodyPr/>
+          <a:lstStyle/>
+          <a:p>
+            <a:fld id="{85D0DACE-38E0-42D2-9336-2B707D34BC6D}" type="slidenum">
+              <a:rPr lang="zh-CN" altLang="en-US" smtClean="0"/>
+            </a:fld>
+            <a:endParaRPr lang="zh-CN" altLang="en-US"/>
+          </a:p>
+        </p:txBody>
+      </p:sp>
+    </p:spTree>
+  </p:cSld>
+  <p:clrMapOvr>
+    <a:masterClrMapping/>
+  </p:clrMapOvr>
+</p:notes>
+</file>
+
+<file path=ppt/notesSlides/notesSlide12.xml><?xml version="1.0" encoding="utf-8"?>
+<p:notes xmlns:a="http://schemas.openxmlformats.org/drawingml/2006/main" xmlns:r="http://schemas.openxmlformats.org/officeDocument/2006/relationships" xmlns:p="http://schemas.openxmlformats.org/presentationml/2006/main">
+  <p:cSld>
+    <p:spTree>
+      <p:nvGrpSpPr>
+        <p:cNvPr id="1" name=""/>
+        <p:cNvGrpSpPr/>
+        <p:nvPr/>
+      </p:nvGrpSpPr>
+      <p:grpSpPr>
+        <a:xfrm>
+          <a:off x="0" y="0"/>
+          <a:ext cx="0" cy="0"/>
+          <a:chOff x="0" y="0"/>
+          <a:chExt cx="0" cy="0"/>
+        </a:xfrm>
+      </p:grpSpPr>
+      <p:sp>
+        <p:nvSpPr>
+          <p:cNvPr id="2" name="幻灯片图像占位符 1"/>
+          <p:cNvSpPr>
+            <a:spLocks noGrp="1" noRot="1" noChangeAspect="1"/>
+          </p:cNvSpPr>
+          <p:nvPr>
+            <p:ph type="sldImg"/>
+          </p:nvPr>
+        </p:nvSpPr>
+        <p:spPr/>
+      </p:sp>
+      <p:sp>
+        <p:nvSpPr>
+          <p:cNvPr id="3" name="备注占位符 2"/>
+          <p:cNvSpPr>
+            <a:spLocks noGrp="1"/>
+          </p:cNvSpPr>
+          <p:nvPr>
+            <p:ph type="body" idx="1"/>
+          </p:nvPr>
+        </p:nvSpPr>
+        <p:spPr/>
+        <p:txBody>
+          <a:bodyPr/>
+          <a:lstStyle/>
+          <a:p>
+            <a:endParaRPr kumimoji="1" lang="zh-CN" altLang="en-US"/>
+          </a:p>
+        </p:txBody>
+      </p:sp>
+      <p:sp>
+        <p:nvSpPr>
+          <p:cNvPr id="4" name="灯片编号占位符 3"/>
+          <p:cNvSpPr>
+            <a:spLocks noGrp="1"/>
+          </p:cNvSpPr>
+          <p:nvPr>
+            <p:ph type="sldNum" sz="quarter" idx="5"/>
+          </p:nvPr>
+        </p:nvSpPr>
+        <p:spPr/>
+        <p:txBody>
+          <a:bodyPr/>
+          <a:lstStyle/>
+          <a:p>
+            <a:fld id="{85D0DACE-38E0-42D2-9336-2B707D34BC6D}" type="slidenum">
+              <a:rPr lang="zh-CN" altLang="en-US" smtClean="0"/>
+            </a:fld>
+            <a:endParaRPr lang="zh-CN" altLang="en-US"/>
+          </a:p>
+        </p:txBody>
+      </p:sp>
+    </p:spTree>
+  </p:cSld>
+  <p:clrMapOvr>
+    <a:masterClrMapping/>
+  </p:clrMapOvr>
+</p:notes>
+</file>
+
+<file path=ppt/notesSlides/notesSlide13.xml><?xml version="1.0" encoding="utf-8"?>
+<p:notes xmlns:a="http://schemas.openxmlformats.org/drawingml/2006/main" xmlns:r="http://schemas.openxmlformats.org/officeDocument/2006/relationships" xmlns:p="http://schemas.openxmlformats.org/presentationml/2006/main">
+  <p:cSld>
+    <p:spTree>
+      <p:nvGrpSpPr>
+        <p:cNvPr id="1" name=""/>
+        <p:cNvGrpSpPr/>
+        <p:nvPr/>
+      </p:nvGrpSpPr>
+      <p:grpSpPr>
+        <a:xfrm>
+          <a:off x="0" y="0"/>
+          <a:ext cx="0" cy="0"/>
+          <a:chOff x="0" y="0"/>
+          <a:chExt cx="0" cy="0"/>
+        </a:xfrm>
+      </p:grpSpPr>
+      <p:sp>
+        <p:nvSpPr>
+          <p:cNvPr id="2" name="幻灯片图像占位符 1"/>
+          <p:cNvSpPr>
+            <a:spLocks noGrp="1" noRot="1" noChangeAspect="1"/>
+          </p:cNvSpPr>
+          <p:nvPr>
+            <p:ph type="sldImg"/>
+          </p:nvPr>
+        </p:nvSpPr>
+        <p:spPr/>
+      </p:sp>
+      <p:sp>
+        <p:nvSpPr>
+          <p:cNvPr id="3" name="备注占位符 2"/>
+          <p:cNvSpPr>
+            <a:spLocks noGrp="1"/>
+          </p:cNvSpPr>
+          <p:nvPr>
+            <p:ph type="body" idx="1"/>
+          </p:nvPr>
+        </p:nvSpPr>
+        <p:spPr/>
+        <p:txBody>
+          <a:bodyPr/>
+          <a:lstStyle/>
+          <a:p>
+            <a:endParaRPr kumimoji="1" lang="zh-CN" altLang="en-US"/>
+          </a:p>
+        </p:txBody>
+      </p:sp>
+      <p:sp>
+        <p:nvSpPr>
+          <p:cNvPr id="4" name="灯片编号占位符 3"/>
+          <p:cNvSpPr>
+            <a:spLocks noGrp="1"/>
+          </p:cNvSpPr>
+          <p:nvPr>
+            <p:ph type="sldNum" sz="quarter" idx="5"/>
+          </p:nvPr>
+        </p:nvSpPr>
+        <p:spPr/>
+        <p:txBody>
+          <a:bodyPr/>
+          <a:lstStyle/>
+          <a:p>
+            <a:fld id="{85D0DACE-38E0-42D2-9336-2B707D34BC6D}" type="slidenum">
+              <a:rPr lang="zh-CN" altLang="en-US" smtClean="0"/>
+            </a:fld>
+            <a:endParaRPr lang="zh-CN" altLang="en-US"/>
+          </a:p>
+        </p:txBody>
+      </p:sp>
+    </p:spTree>
+  </p:cSld>
+  <p:clrMapOvr>
+    <a:masterClrMapping/>
+  </p:clrMapOvr>
+</p:notes>
+</file>
+
+<file path=ppt/notesSlides/notesSlide14.xml><?xml version="1.0" encoding="utf-8"?>
 <p:notes xmlns:a="http://schemas.openxmlformats.org/drawingml/2006/main" xmlns:r="http://schemas.openxmlformats.org/officeDocument/2006/relationships" xmlns:p="http://schemas.openxmlformats.org/presentationml/2006/main">
   <p:cSld>
     <p:spTree>
@@ -5844,7 +6081,7 @@
               <a:blipFill rotWithShape="1">
                 <a:blip r:embed="rId5"/>
                 <a:stretch>
-                  <a:fillRect l="-123" t="-69" r="123" b="69"/>
+                  <a:fillRect l="-123" t="-69" r="-6854" b="69"/>
                 </a:stretch>
               </a:blipFill>
             </p:spPr>
@@ -5982,7 +6219,7 @@
               <a:blipFill rotWithShape="1">
                 <a:blip r:embed="rId8"/>
                 <a:stretch>
-                  <a:fillRect l="-121" t="-69" r="121" b="69"/>
+                  <a:fillRect l="-121" t="-69" r="-4705" b="69"/>
                 </a:stretch>
               </a:blipFill>
             </p:spPr>
@@ -6120,7 +6357,7 @@
               <a:blipFill rotWithShape="1">
                 <a:blip r:embed="rId11"/>
                 <a:stretch>
-                  <a:fillRect l="-121" t="-69" r="121" b="69"/>
+                  <a:fillRect l="-121" t="-69" r="-4705" b="69"/>
                 </a:stretch>
               </a:blipFill>
             </p:spPr>
@@ -6258,7 +6495,7 @@
               <a:blipFill rotWithShape="1">
                 <a:blip r:embed="rId14"/>
                 <a:stretch>
-                  <a:fillRect l="-125" t="-69" r="125" b="69"/>
+                  <a:fillRect l="-125" t="-69" r="-8498" b="69"/>
                 </a:stretch>
               </a:blipFill>
             </p:spPr>
@@ -6396,7 +6633,7 @@
               <a:blipFill rotWithShape="1">
                 <a:blip r:embed="rId17"/>
                 <a:stretch>
-                  <a:fillRect l="-125" t="-69" r="125" b="69"/>
+                  <a:fillRect l="-125" t="-69" r="-8498" b="69"/>
                 </a:stretch>
               </a:blipFill>
             </p:spPr>
@@ -6534,7 +6771,7 @@
               <a:blipFill rotWithShape="1">
                 <a:blip r:embed="rId20"/>
                 <a:stretch>
-                  <a:fillRect l="-125" t="-69" r="125" b="69"/>
+                  <a:fillRect l="-125" t="-69" r="-8498" b="69"/>
                 </a:stretch>
               </a:blipFill>
             </p:spPr>
@@ -7559,6 +7796,1941 @@
 </file>
 
 <file path=ppt/slides/slide11.xml><?xml version="1.0" encoding="utf-8"?>
+<p:sld xmlns:a="http://schemas.openxmlformats.org/drawingml/2006/main" xmlns:r="http://schemas.openxmlformats.org/officeDocument/2006/relationships" xmlns:p="http://schemas.openxmlformats.org/presentationml/2006/main">
+  <p:cSld>
+    <p:spTree>
+      <p:nvGrpSpPr>
+        <p:cNvPr id="1" name=""/>
+        <p:cNvGrpSpPr/>
+        <p:nvPr/>
+      </p:nvGrpSpPr>
+      <p:grpSpPr>
+        <a:xfrm>
+          <a:off x="0" y="0"/>
+          <a:ext cx="0" cy="0"/>
+          <a:chOff x="0" y="0"/>
+          <a:chExt cx="0" cy="0"/>
+        </a:xfrm>
+      </p:grpSpPr>
+      <p:sp>
+        <p:nvSpPr>
+          <p:cNvPr id="3" name="圆角矩形 2"/>
+          <p:cNvSpPr/>
+          <p:nvPr/>
+        </p:nvSpPr>
+        <p:spPr>
+          <a:xfrm>
+            <a:off x="2658745" y="983615"/>
+            <a:ext cx="5763895" cy="3146425"/>
+          </a:xfrm>
+          <a:prstGeom prst="roundRect">
+            <a:avLst/>
+          </a:prstGeom>
+          <a:noFill/>
+          <a:ln w="19050" cap="flat" cmpd="sng">
+            <a:solidFill>
+              <a:schemeClr val="tx1"/>
+            </a:solidFill>
+            <a:prstDash val="dash"/>
+            <a:miter lim="800000"/>
+          </a:ln>
+        </p:spPr>
+        <p:style>
+          <a:lnRef idx="2">
+            <a:schemeClr val="accent1"/>
+          </a:lnRef>
+          <a:fillRef idx="0">
+            <a:srgbClr val="FFFFFF"/>
+          </a:fillRef>
+          <a:effectRef idx="0">
+            <a:srgbClr val="FFFFFF"/>
+          </a:effectRef>
+          <a:fontRef idx="minor">
+            <a:schemeClr val="dk1"/>
+          </a:fontRef>
+        </p:style>
+        <p:txBody>
+          <a:bodyPr rtlCol="0" anchor="ctr"/>
+          <a:p>
+            <a:pPr algn="ctr"/>
+            <a:endParaRPr lang="zh-CN" altLang="en-US">
+              <a:gradFill>
+                <a:gsLst>
+                  <a:gs pos="0">
+                    <a:srgbClr val="FE4444"/>
+                  </a:gs>
+                  <a:gs pos="100000">
+                    <a:srgbClr val="832B2B"/>
+                  </a:gs>
+                </a:gsLst>
+                <a:lin ang="5400000" scaled="0"/>
+              </a:gradFill>
+            </a:endParaRPr>
+          </a:p>
+        </p:txBody>
+      </p:sp>
+      <p:pic>
+        <p:nvPicPr>
+          <p:cNvPr id="58" name="图片 57"/>
+          <p:cNvPicPr>
+            <a:picLocks noChangeAspect="1"/>
+          </p:cNvPicPr>
+          <p:nvPr>
+            <p:custDataLst>
+              <p:tags r:id="rId1"/>
+            </p:custDataLst>
+          </p:nvPr>
+        </p:nvPicPr>
+        <p:blipFill>
+          <a:blip r:embed="rId2"/>
+          <a:stretch>
+            <a:fillRect/>
+          </a:stretch>
+        </p:blipFill>
+        <p:spPr>
+          <a:xfrm>
+            <a:off x="2703195" y="2237105"/>
+            <a:ext cx="5684520" cy="1572895"/>
+          </a:xfrm>
+          <a:prstGeom prst="rect">
+            <a:avLst/>
+          </a:prstGeom>
+        </p:spPr>
+      </p:pic>
+      <mc:AlternateContent xmlns:mc="http://schemas.openxmlformats.org/markup-compatibility/2006">
+        <mc:Choice xmlns:a14="http://schemas.microsoft.com/office/drawing/2010/main" Requires="a14">
+          <p:sp>
+            <p:nvSpPr>
+              <p:cNvPr id="59" name="文本框 58"/>
+              <p:cNvSpPr txBox="1"/>
+              <p:nvPr>
+                <p:custDataLst>
+                  <p:tags r:id="rId3"/>
+                </p:custDataLst>
+              </p:nvPr>
+            </p:nvSpPr>
+            <p:spPr>
+              <a:xfrm>
+                <a:off x="4383342" y="2352294"/>
+                <a:ext cx="464185" cy="368935"/>
+              </a:xfrm>
+              <a:prstGeom prst="rect">
+                <a:avLst/>
+              </a:prstGeom>
+              <a:noFill/>
+            </p:spPr>
+            <p:txBody>
+              <a:bodyPr wrap="none" rtlCol="0" anchor="t">
+                <a:spAutoFit/>
+              </a:bodyPr>
+              <a:p>
+                <a:pPr algn="r"/>
+                <a14:m>
+                  <m:oMathPara xmlns:m="http://schemas.openxmlformats.org/officeDocument/2006/math">
+                    <m:oMathParaPr>
+                      <m:jc m:val="centerGroup"/>
+                    </m:oMathParaPr>
+                    <m:oMath xmlns:m="http://schemas.openxmlformats.org/officeDocument/2006/math">
+                      <m:sSub>
+                        <m:sSubPr>
+                          <m:ctrlPr>
+                            <a:rPr lang="en-US" altLang="zh-CN" i="1">
+                              <a:solidFill>
+                                <a:srgbClr val="FF0000"/>
+                              </a:solidFill>
+                              <a:latin typeface="DejaVu Math TeX Gyre" panose="02000503000000000000" charset="0"/>
+                              <a:cs typeface="DejaVu Math TeX Gyre" panose="02000503000000000000" charset="0"/>
+                            </a:rPr>
+                          </m:ctrlPr>
+                        </m:sSubPr>
+                        <m:e>
+                          <m:r>
+                            <a:rPr lang="en-US" altLang="zh-CN" i="1">
+                              <a:solidFill>
+                                <a:srgbClr val="FF0000"/>
+                              </a:solidFill>
+                              <a:latin typeface="DejaVu Math TeX Gyre" panose="02000503000000000000" charset="0"/>
+                              <a:cs typeface="DejaVu Math TeX Gyre" panose="02000503000000000000" charset="0"/>
+                            </a:rPr>
+                            <m:t>𝑘</m:t>
+                          </m:r>
+                        </m:e>
+                        <m:sub>
+                          <m:r>
+                            <a:rPr lang="en-US" altLang="zh-CN" i="1">
+                              <a:solidFill>
+                                <a:srgbClr val="FF0000"/>
+                              </a:solidFill>
+                              <a:latin typeface="DejaVu Math TeX Gyre" panose="02000503000000000000" charset="0"/>
+                              <a:cs typeface="DejaVu Math TeX Gyre" panose="02000503000000000000" charset="0"/>
+                            </a:rPr>
+                            <m:t> </m:t>
+                          </m:r>
+                          <m:r>
+                            <a:rPr lang="en-US" altLang="zh-CN" i="1">
+                              <a:solidFill>
+                                <a:srgbClr val="FF0000"/>
+                              </a:solidFill>
+                              <a:latin typeface="DejaVu Math TeX Gyre" panose="02000503000000000000" charset="0"/>
+                              <a:cs typeface="DejaVu Math TeX Gyre" panose="02000503000000000000" charset="0"/>
+                            </a:rPr>
+                            <m:t>1</m:t>
+                          </m:r>
+                        </m:sub>
+                      </m:sSub>
+                    </m:oMath>
+                  </m:oMathPara>
+                </a14:m>
+                <a:endParaRPr lang="en-US" altLang="zh-CN" i="1">
+                  <a:solidFill>
+                    <a:srgbClr val="FF0000"/>
+                  </a:solidFill>
+                  <a:latin typeface="DejaVu Math TeX Gyre" panose="02000503000000000000" charset="0"/>
+                  <a:cs typeface="DejaVu Math TeX Gyre" panose="02000503000000000000" charset="0"/>
+                </a:endParaRPr>
+              </a:p>
+            </p:txBody>
+          </p:sp>
+        </mc:Choice>
+        <mc:Fallback>
+          <p:sp>
+            <p:nvSpPr>
+              <p:cNvPr id="59" name="文本框 58"/>
+              <p:cNvSpPr txBox="1">
+                <a:spLocks noRot="1" noChangeAspect="1" noMove="1" noResize="1" noEditPoints="1" noAdjustHandles="1" noChangeArrowheads="1" noChangeShapeType="1" noTextEdit="1"/>
+              </p:cNvSpPr>
+              <p:nvPr>
+                <p:custDataLst>
+                  <p:tags r:id="rId4"/>
+                </p:custDataLst>
+              </p:nvPr>
+            </p:nvSpPr>
+            <p:spPr>
+              <a:xfrm>
+                <a:off x="4383342" y="2352294"/>
+                <a:ext cx="464185" cy="368935"/>
+              </a:xfrm>
+              <a:prstGeom prst="rect">
+                <a:avLst/>
+              </a:prstGeom>
+              <a:blipFill rotWithShape="1">
+                <a:blip r:embed="rId5"/>
+                <a:stretch>
+                  <a:fillRect l="-123" t="-69" r="-6854" b="69"/>
+                </a:stretch>
+              </a:blipFill>
+            </p:spPr>
+            <p:txBody>
+              <a:bodyPr/>
+              <a:lstStyle/>
+              <a:p>
+                <a:r>
+                  <a:rPr lang="zh-CN" altLang="en-US">
+                    <a:noFill/>
+                  </a:rPr>
+                  <a:t> </a:t>
+                </a:r>
+              </a:p>
+            </p:txBody>
+          </p:sp>
+        </mc:Fallback>
+      </mc:AlternateContent>
+      <mc:AlternateContent xmlns:mc="http://schemas.openxmlformats.org/markup-compatibility/2006">
+        <mc:Choice xmlns:a14="http://schemas.microsoft.com/office/drawing/2010/main" Requires="a14">
+          <p:sp>
+            <p:nvSpPr>
+              <p:cNvPr id="60" name="文本框 59"/>
+              <p:cNvSpPr txBox="1"/>
+              <p:nvPr>
+                <p:custDataLst>
+                  <p:tags r:id="rId6"/>
+                </p:custDataLst>
+              </p:nvPr>
+            </p:nvSpPr>
+            <p:spPr>
+              <a:xfrm>
+                <a:off x="4392232" y="3333369"/>
+                <a:ext cx="473710" cy="368935"/>
+              </a:xfrm>
+              <a:prstGeom prst="rect">
+                <a:avLst/>
+              </a:prstGeom>
+              <a:noFill/>
+            </p:spPr>
+            <p:txBody>
+              <a:bodyPr wrap="none" rtlCol="0" anchor="t">
+                <a:spAutoFit/>
+              </a:bodyPr>
+              <a:p>
+                <a:pPr algn="r"/>
+                <a14:m>
+                  <m:oMathPara xmlns:m="http://schemas.openxmlformats.org/officeDocument/2006/math">
+                    <m:oMathParaPr>
+                      <m:jc m:val="centerGroup"/>
+                    </m:oMathParaPr>
+                    <m:oMath xmlns:m="http://schemas.openxmlformats.org/officeDocument/2006/math">
+                      <m:sSub>
+                        <m:sSubPr>
+                          <m:ctrlPr>
+                            <a:rPr lang="en-US" altLang="zh-CN" i="1">
+                              <a:solidFill>
+                                <a:srgbClr val="FF0000"/>
+                              </a:solidFill>
+                              <a:latin typeface="DejaVu Math TeX Gyre" panose="02000503000000000000" charset="0"/>
+                              <a:cs typeface="DejaVu Math TeX Gyre" panose="02000503000000000000" charset="0"/>
+                            </a:rPr>
+                          </m:ctrlPr>
+                        </m:sSubPr>
+                        <m:e>
+                          <m:r>
+                            <a:rPr lang="en-US" altLang="zh-CN" i="1">
+                              <a:solidFill>
+                                <a:srgbClr val="FF0000"/>
+                              </a:solidFill>
+                              <a:latin typeface="DejaVu Math TeX Gyre" panose="02000503000000000000" charset="0"/>
+                              <a:cs typeface="DejaVu Math TeX Gyre" panose="02000503000000000000" charset="0"/>
+                            </a:rPr>
+                            <m:t>𝑘</m:t>
+                          </m:r>
+                        </m:e>
+                        <m:sub>
+                          <m:r>
+                            <a:rPr lang="en-US" altLang="zh-CN" i="1">
+                              <a:solidFill>
+                                <a:srgbClr val="FF0000"/>
+                              </a:solidFill>
+                              <a:latin typeface="DejaVu Math TeX Gyre" panose="02000503000000000000" charset="0"/>
+                              <a:cs typeface="DejaVu Math TeX Gyre" panose="02000503000000000000" charset="0"/>
+                            </a:rPr>
+                            <m:t> </m:t>
+                          </m:r>
+                          <m:r>
+                            <a:rPr lang="en-US" altLang="zh-CN" i="1">
+                              <a:solidFill>
+                                <a:srgbClr val="FF0000"/>
+                              </a:solidFill>
+                              <a:latin typeface="DejaVu Math TeX Gyre" panose="02000503000000000000" charset="0"/>
+                              <a:cs typeface="DejaVu Math TeX Gyre" panose="02000503000000000000" charset="0"/>
+                            </a:rPr>
+                            <m:t>3</m:t>
+                          </m:r>
+                        </m:sub>
+                      </m:sSub>
+                    </m:oMath>
+                  </m:oMathPara>
+                </a14:m>
+                <a:endParaRPr lang="en-US" altLang="zh-CN" i="1">
+                  <a:solidFill>
+                    <a:srgbClr val="FF0000"/>
+                  </a:solidFill>
+                  <a:latin typeface="DejaVu Math TeX Gyre" panose="02000503000000000000" charset="0"/>
+                  <a:cs typeface="DejaVu Math TeX Gyre" panose="02000503000000000000" charset="0"/>
+                </a:endParaRPr>
+              </a:p>
+            </p:txBody>
+          </p:sp>
+        </mc:Choice>
+        <mc:Fallback>
+          <p:sp>
+            <p:nvSpPr>
+              <p:cNvPr id="60" name="文本框 59"/>
+              <p:cNvSpPr txBox="1">
+                <a:spLocks noRot="1" noChangeAspect="1" noMove="1" noResize="1" noEditPoints="1" noAdjustHandles="1" noChangeArrowheads="1" noChangeShapeType="1" noTextEdit="1"/>
+              </p:cNvSpPr>
+              <p:nvPr>
+                <p:custDataLst>
+                  <p:tags r:id="rId7"/>
+                </p:custDataLst>
+              </p:nvPr>
+            </p:nvSpPr>
+            <p:spPr>
+              <a:xfrm>
+                <a:off x="4392232" y="3333369"/>
+                <a:ext cx="473710" cy="368935"/>
+              </a:xfrm>
+              <a:prstGeom prst="rect">
+                <a:avLst/>
+              </a:prstGeom>
+              <a:blipFill rotWithShape="1">
+                <a:blip r:embed="rId8"/>
+                <a:stretch>
+                  <a:fillRect l="-121" t="-69" r="-4705" b="69"/>
+                </a:stretch>
+              </a:blipFill>
+            </p:spPr>
+            <p:txBody>
+              <a:bodyPr/>
+              <a:lstStyle/>
+              <a:p>
+                <a:r>
+                  <a:rPr lang="zh-CN" altLang="en-US">
+                    <a:noFill/>
+                  </a:rPr>
+                  <a:t> </a:t>
+                </a:r>
+              </a:p>
+            </p:txBody>
+          </p:sp>
+        </mc:Fallback>
+      </mc:AlternateContent>
+      <mc:AlternateContent xmlns:mc="http://schemas.openxmlformats.org/markup-compatibility/2006">
+        <mc:Choice xmlns:a14="http://schemas.microsoft.com/office/drawing/2010/main" Requires="a14">
+          <p:sp>
+            <p:nvSpPr>
+              <p:cNvPr id="61" name="文本框 60"/>
+              <p:cNvSpPr txBox="1"/>
+              <p:nvPr>
+                <p:custDataLst>
+                  <p:tags r:id="rId9"/>
+                </p:custDataLst>
+              </p:nvPr>
+            </p:nvSpPr>
+            <p:spPr>
+              <a:xfrm>
+                <a:off x="4392232" y="2720594"/>
+                <a:ext cx="473710" cy="368935"/>
+              </a:xfrm>
+              <a:prstGeom prst="rect">
+                <a:avLst/>
+              </a:prstGeom>
+              <a:noFill/>
+            </p:spPr>
+            <p:txBody>
+              <a:bodyPr wrap="none" rtlCol="0" anchor="t">
+                <a:spAutoFit/>
+              </a:bodyPr>
+              <a:p>
+                <a:pPr algn="r"/>
+                <a14:m>
+                  <m:oMathPara xmlns:m="http://schemas.openxmlformats.org/officeDocument/2006/math">
+                    <m:oMathParaPr>
+                      <m:jc m:val="centerGroup"/>
+                    </m:oMathParaPr>
+                    <m:oMath xmlns:m="http://schemas.openxmlformats.org/officeDocument/2006/math">
+                      <m:sSub>
+                        <m:sSubPr>
+                          <m:ctrlPr>
+                            <a:rPr lang="en-US" altLang="zh-CN" i="1">
+                              <a:solidFill>
+                                <a:srgbClr val="FF0000"/>
+                              </a:solidFill>
+                              <a:latin typeface="DejaVu Math TeX Gyre" panose="02000503000000000000" charset="0"/>
+                              <a:cs typeface="DejaVu Math TeX Gyre" panose="02000503000000000000" charset="0"/>
+                            </a:rPr>
+                          </m:ctrlPr>
+                        </m:sSubPr>
+                        <m:e>
+                          <m:r>
+                            <a:rPr lang="en-US" altLang="zh-CN" i="1">
+                              <a:solidFill>
+                                <a:srgbClr val="FF0000"/>
+                              </a:solidFill>
+                              <a:latin typeface="DejaVu Math TeX Gyre" panose="02000503000000000000" charset="0"/>
+                              <a:cs typeface="DejaVu Math TeX Gyre" panose="02000503000000000000" charset="0"/>
+                            </a:rPr>
+                            <m:t>𝑘</m:t>
+                          </m:r>
+                        </m:e>
+                        <m:sub>
+                          <m:r>
+                            <a:rPr lang="en-US" altLang="zh-CN" i="1">
+                              <a:solidFill>
+                                <a:srgbClr val="FF0000"/>
+                              </a:solidFill>
+                              <a:latin typeface="DejaVu Math TeX Gyre" panose="02000503000000000000" charset="0"/>
+                              <a:cs typeface="DejaVu Math TeX Gyre" panose="02000503000000000000" charset="0"/>
+                            </a:rPr>
+                            <m:t> </m:t>
+                          </m:r>
+                          <m:r>
+                            <a:rPr lang="en-US" altLang="zh-CN" i="1">
+                              <a:solidFill>
+                                <a:srgbClr val="FF0000"/>
+                              </a:solidFill>
+                              <a:latin typeface="DejaVu Math TeX Gyre" panose="02000503000000000000" charset="0"/>
+                              <a:cs typeface="DejaVu Math TeX Gyre" panose="02000503000000000000" charset="0"/>
+                            </a:rPr>
+                            <m:t>2</m:t>
+                          </m:r>
+                        </m:sub>
+                      </m:sSub>
+                    </m:oMath>
+                  </m:oMathPara>
+                </a14:m>
+                <a:endParaRPr lang="en-US" altLang="zh-CN" i="1">
+                  <a:solidFill>
+                    <a:srgbClr val="FF0000"/>
+                  </a:solidFill>
+                  <a:latin typeface="DejaVu Math TeX Gyre" panose="02000503000000000000" charset="0"/>
+                  <a:cs typeface="DejaVu Math TeX Gyre" panose="02000503000000000000" charset="0"/>
+                </a:endParaRPr>
+              </a:p>
+            </p:txBody>
+          </p:sp>
+        </mc:Choice>
+        <mc:Fallback>
+          <p:sp>
+            <p:nvSpPr>
+              <p:cNvPr id="61" name="文本框 60"/>
+              <p:cNvSpPr txBox="1">
+                <a:spLocks noRot="1" noChangeAspect="1" noMove="1" noResize="1" noEditPoints="1" noAdjustHandles="1" noChangeArrowheads="1" noChangeShapeType="1" noTextEdit="1"/>
+              </p:cNvSpPr>
+              <p:nvPr>
+                <p:custDataLst>
+                  <p:tags r:id="rId10"/>
+                </p:custDataLst>
+              </p:nvPr>
+            </p:nvSpPr>
+            <p:spPr>
+              <a:xfrm>
+                <a:off x="4392232" y="2720594"/>
+                <a:ext cx="473710" cy="368935"/>
+              </a:xfrm>
+              <a:prstGeom prst="rect">
+                <a:avLst/>
+              </a:prstGeom>
+              <a:blipFill rotWithShape="1">
+                <a:blip r:embed="rId11"/>
+                <a:stretch>
+                  <a:fillRect l="-121" t="-69" r="-4705" b="69"/>
+                </a:stretch>
+              </a:blipFill>
+            </p:spPr>
+            <p:txBody>
+              <a:bodyPr/>
+              <a:lstStyle/>
+              <a:p>
+                <a:r>
+                  <a:rPr lang="zh-CN" altLang="en-US">
+                    <a:noFill/>
+                  </a:rPr>
+                  <a:t> </a:t>
+                </a:r>
+              </a:p>
+            </p:txBody>
+          </p:sp>
+        </mc:Fallback>
+      </mc:AlternateContent>
+      <mc:AlternateContent xmlns:mc="http://schemas.openxmlformats.org/markup-compatibility/2006">
+        <mc:Choice xmlns:a14="http://schemas.microsoft.com/office/drawing/2010/main" Requires="a14">
+          <p:sp>
+            <p:nvSpPr>
+              <p:cNvPr id="62" name="文本框 61"/>
+              <p:cNvSpPr txBox="1"/>
+              <p:nvPr>
+                <p:custDataLst>
+                  <p:tags r:id="rId12"/>
+                </p:custDataLst>
+              </p:nvPr>
+            </p:nvSpPr>
+            <p:spPr>
+              <a:xfrm>
+                <a:off x="6405817" y="2352294"/>
+                <a:ext cx="456565" cy="368935"/>
+              </a:xfrm>
+              <a:prstGeom prst="rect">
+                <a:avLst/>
+              </a:prstGeom>
+              <a:noFill/>
+            </p:spPr>
+            <p:txBody>
+              <a:bodyPr wrap="none" rtlCol="0" anchor="t">
+                <a:spAutoFit/>
+              </a:bodyPr>
+              <a:p>
+                <a:pPr algn="r"/>
+                <a14:m>
+                  <m:oMathPara xmlns:m="http://schemas.openxmlformats.org/officeDocument/2006/math">
+                    <m:oMathParaPr>
+                      <m:jc m:val="centerGroup"/>
+                    </m:oMathParaPr>
+                    <m:oMath xmlns:m="http://schemas.openxmlformats.org/officeDocument/2006/math">
+                      <m:sSub>
+                        <m:sSubPr>
+                          <m:ctrlPr>
+                            <a:rPr lang="en-US" altLang="zh-CN" i="1">
+                              <a:solidFill>
+                                <a:srgbClr val="FF0000"/>
+                              </a:solidFill>
+                              <a:latin typeface="DejaVu Math TeX Gyre" panose="02000503000000000000" charset="0"/>
+                              <a:cs typeface="DejaVu Math TeX Gyre" panose="02000503000000000000" charset="0"/>
+                            </a:rPr>
+                          </m:ctrlPr>
+                        </m:sSubPr>
+                        <m:e>
+                          <m:r>
+                            <a:rPr lang="en-US" altLang="zh-CN" i="1">
+                              <a:solidFill>
+                                <a:srgbClr val="FF0000"/>
+                              </a:solidFill>
+                              <a:latin typeface="DejaVu Math TeX Gyre" panose="02000503000000000000" charset="0"/>
+                              <a:cs typeface="DejaVu Math TeX Gyre" panose="02000503000000000000" charset="0"/>
+                            </a:rPr>
+                            <m:t>𝑢</m:t>
+                          </m:r>
+                        </m:e>
+                        <m:sub>
+                          <m:r>
+                            <a:rPr lang="en-US" altLang="zh-CN" i="1">
+                              <a:solidFill>
+                                <a:srgbClr val="FF0000"/>
+                              </a:solidFill>
+                              <a:latin typeface="DejaVu Math TeX Gyre" panose="02000503000000000000" charset="0"/>
+                              <a:cs typeface="DejaVu Math TeX Gyre" panose="02000503000000000000" charset="0"/>
+                            </a:rPr>
+                            <m:t> </m:t>
+                          </m:r>
+                          <m:r>
+                            <a:rPr lang="en-US" altLang="zh-CN" i="1">
+                              <a:solidFill>
+                                <a:srgbClr val="FF0000"/>
+                              </a:solidFill>
+                              <a:latin typeface="DejaVu Math TeX Gyre" panose="02000503000000000000" charset="0"/>
+                              <a:cs typeface="DejaVu Math TeX Gyre" panose="02000503000000000000" charset="0"/>
+                            </a:rPr>
+                            <m:t>1</m:t>
+                          </m:r>
+                        </m:sub>
+                      </m:sSub>
+                    </m:oMath>
+                  </m:oMathPara>
+                </a14:m>
+                <a:endParaRPr lang="en-US" altLang="zh-CN" i="1">
+                  <a:solidFill>
+                    <a:srgbClr val="FF0000"/>
+                  </a:solidFill>
+                  <a:latin typeface="DejaVu Math TeX Gyre" panose="02000503000000000000" charset="0"/>
+                  <a:cs typeface="DejaVu Math TeX Gyre" panose="02000503000000000000" charset="0"/>
+                </a:endParaRPr>
+              </a:p>
+            </p:txBody>
+          </p:sp>
+        </mc:Choice>
+        <mc:Fallback>
+          <p:sp>
+            <p:nvSpPr>
+              <p:cNvPr id="62" name="文本框 61"/>
+              <p:cNvSpPr txBox="1">
+                <a:spLocks noRot="1" noChangeAspect="1" noMove="1" noResize="1" noEditPoints="1" noAdjustHandles="1" noChangeArrowheads="1" noChangeShapeType="1" noTextEdit="1"/>
+              </p:cNvSpPr>
+              <p:nvPr>
+                <p:custDataLst>
+                  <p:tags r:id="rId13"/>
+                </p:custDataLst>
+              </p:nvPr>
+            </p:nvSpPr>
+            <p:spPr>
+              <a:xfrm>
+                <a:off x="6405817" y="2352294"/>
+                <a:ext cx="456565" cy="368935"/>
+              </a:xfrm>
+              <a:prstGeom prst="rect">
+                <a:avLst/>
+              </a:prstGeom>
+              <a:blipFill rotWithShape="1">
+                <a:blip r:embed="rId14"/>
+                <a:stretch>
+                  <a:fillRect l="-125" t="-69" r="-8498" b="69"/>
+                </a:stretch>
+              </a:blipFill>
+            </p:spPr>
+            <p:txBody>
+              <a:bodyPr/>
+              <a:lstStyle/>
+              <a:p>
+                <a:r>
+                  <a:rPr lang="zh-CN" altLang="en-US">
+                    <a:noFill/>
+                  </a:rPr>
+                  <a:t> </a:t>
+                </a:r>
+              </a:p>
+            </p:txBody>
+          </p:sp>
+        </mc:Fallback>
+      </mc:AlternateContent>
+      <mc:AlternateContent xmlns:mc="http://schemas.openxmlformats.org/markup-compatibility/2006">
+        <mc:Choice xmlns:a14="http://schemas.microsoft.com/office/drawing/2010/main" Requires="a14">
+          <p:sp>
+            <p:nvSpPr>
+              <p:cNvPr id="63" name="文本框 62"/>
+              <p:cNvSpPr txBox="1"/>
+              <p:nvPr>
+                <p:custDataLst>
+                  <p:tags r:id="rId15"/>
+                </p:custDataLst>
+              </p:nvPr>
+            </p:nvSpPr>
+            <p:spPr>
+              <a:xfrm>
+                <a:off x="6405817" y="3333369"/>
+                <a:ext cx="456565" cy="368935"/>
+              </a:xfrm>
+              <a:prstGeom prst="rect">
+                <a:avLst/>
+              </a:prstGeom>
+              <a:noFill/>
+            </p:spPr>
+            <p:txBody>
+              <a:bodyPr wrap="none" rtlCol="0" anchor="t">
+                <a:spAutoFit/>
+              </a:bodyPr>
+              <a:p>
+                <a:pPr algn="r"/>
+                <a14:m>
+                  <m:oMathPara xmlns:m="http://schemas.openxmlformats.org/officeDocument/2006/math">
+                    <m:oMathParaPr>
+                      <m:jc m:val="centerGroup"/>
+                    </m:oMathParaPr>
+                    <m:oMath xmlns:m="http://schemas.openxmlformats.org/officeDocument/2006/math">
+                      <m:sSub>
+                        <m:sSubPr>
+                          <m:ctrlPr>
+                            <a:rPr lang="en-US" altLang="zh-CN" i="1">
+                              <a:solidFill>
+                                <a:srgbClr val="FF0000"/>
+                              </a:solidFill>
+                              <a:latin typeface="DejaVu Math TeX Gyre" panose="02000503000000000000" charset="0"/>
+                              <a:cs typeface="DejaVu Math TeX Gyre" panose="02000503000000000000" charset="0"/>
+                            </a:rPr>
+                          </m:ctrlPr>
+                        </m:sSubPr>
+                        <m:e>
+                          <m:r>
+                            <a:rPr lang="en-US" altLang="zh-CN" i="1">
+                              <a:solidFill>
+                                <a:srgbClr val="FF0000"/>
+                              </a:solidFill>
+                              <a:latin typeface="DejaVu Math TeX Gyre" panose="02000503000000000000" charset="0"/>
+                              <a:cs typeface="DejaVu Math TeX Gyre" panose="02000503000000000000" charset="0"/>
+                            </a:rPr>
+                            <m:t>𝑢</m:t>
+                          </m:r>
+                        </m:e>
+                        <m:sub>
+                          <m:r>
+                            <a:rPr lang="en-US" altLang="zh-CN" i="1">
+                              <a:solidFill>
+                                <a:srgbClr val="FF0000"/>
+                              </a:solidFill>
+                              <a:latin typeface="DejaVu Math TeX Gyre" panose="02000503000000000000" charset="0"/>
+                              <a:cs typeface="DejaVu Math TeX Gyre" panose="02000503000000000000" charset="0"/>
+                            </a:rPr>
+                            <m:t> </m:t>
+                          </m:r>
+                          <m:r>
+                            <a:rPr lang="en-US" altLang="zh-CN" i="1">
+                              <a:solidFill>
+                                <a:srgbClr val="FF0000"/>
+                              </a:solidFill>
+                              <a:latin typeface="DejaVu Math TeX Gyre" panose="02000503000000000000" charset="0"/>
+                              <a:cs typeface="DejaVu Math TeX Gyre" panose="02000503000000000000" charset="0"/>
+                            </a:rPr>
+                            <m:t>3</m:t>
+                          </m:r>
+                        </m:sub>
+                      </m:sSub>
+                    </m:oMath>
+                  </m:oMathPara>
+                </a14:m>
+                <a:endParaRPr lang="en-US" altLang="zh-CN" i="1">
+                  <a:solidFill>
+                    <a:srgbClr val="FF0000"/>
+                  </a:solidFill>
+                  <a:latin typeface="DejaVu Math TeX Gyre" panose="02000503000000000000" charset="0"/>
+                  <a:cs typeface="DejaVu Math TeX Gyre" panose="02000503000000000000" charset="0"/>
+                </a:endParaRPr>
+              </a:p>
+            </p:txBody>
+          </p:sp>
+        </mc:Choice>
+        <mc:Fallback>
+          <p:sp>
+            <p:nvSpPr>
+              <p:cNvPr id="63" name="文本框 62"/>
+              <p:cNvSpPr txBox="1">
+                <a:spLocks noRot="1" noChangeAspect="1" noMove="1" noResize="1" noEditPoints="1" noAdjustHandles="1" noChangeArrowheads="1" noChangeShapeType="1" noTextEdit="1"/>
+              </p:cNvSpPr>
+              <p:nvPr>
+                <p:custDataLst>
+                  <p:tags r:id="rId16"/>
+                </p:custDataLst>
+              </p:nvPr>
+            </p:nvSpPr>
+            <p:spPr>
+              <a:xfrm>
+                <a:off x="6405817" y="3333369"/>
+                <a:ext cx="456565" cy="368935"/>
+              </a:xfrm>
+              <a:prstGeom prst="rect">
+                <a:avLst/>
+              </a:prstGeom>
+              <a:blipFill rotWithShape="1">
+                <a:blip r:embed="rId17"/>
+                <a:stretch>
+                  <a:fillRect l="-125" t="-69" r="-8498" b="69"/>
+                </a:stretch>
+              </a:blipFill>
+            </p:spPr>
+            <p:txBody>
+              <a:bodyPr/>
+              <a:lstStyle/>
+              <a:p>
+                <a:r>
+                  <a:rPr lang="zh-CN" altLang="en-US">
+                    <a:noFill/>
+                  </a:rPr>
+                  <a:t> </a:t>
+                </a:r>
+              </a:p>
+            </p:txBody>
+          </p:sp>
+        </mc:Fallback>
+      </mc:AlternateContent>
+      <mc:AlternateContent xmlns:mc="http://schemas.openxmlformats.org/markup-compatibility/2006">
+        <mc:Choice xmlns:a14="http://schemas.microsoft.com/office/drawing/2010/main" Requires="a14">
+          <p:sp>
+            <p:nvSpPr>
+              <p:cNvPr id="64" name="文本框 63"/>
+              <p:cNvSpPr txBox="1"/>
+              <p:nvPr>
+                <p:custDataLst>
+                  <p:tags r:id="rId18"/>
+                </p:custDataLst>
+              </p:nvPr>
+            </p:nvSpPr>
+            <p:spPr>
+              <a:xfrm>
+                <a:off x="6405817" y="2720594"/>
+                <a:ext cx="456565" cy="368935"/>
+              </a:xfrm>
+              <a:prstGeom prst="rect">
+                <a:avLst/>
+              </a:prstGeom>
+              <a:noFill/>
+            </p:spPr>
+            <p:txBody>
+              <a:bodyPr wrap="none" rtlCol="0" anchor="t">
+                <a:spAutoFit/>
+              </a:bodyPr>
+              <a:p>
+                <a:pPr algn="r"/>
+                <a14:m>
+                  <m:oMathPara xmlns:m="http://schemas.openxmlformats.org/officeDocument/2006/math">
+                    <m:oMathParaPr>
+                      <m:jc m:val="centerGroup"/>
+                    </m:oMathParaPr>
+                    <m:oMath xmlns:m="http://schemas.openxmlformats.org/officeDocument/2006/math">
+                      <m:sSub>
+                        <m:sSubPr>
+                          <m:ctrlPr>
+                            <a:rPr lang="en-US" altLang="zh-CN" i="1">
+                              <a:solidFill>
+                                <a:srgbClr val="FF0000"/>
+                              </a:solidFill>
+                              <a:latin typeface="DejaVu Math TeX Gyre" panose="02000503000000000000" charset="0"/>
+                              <a:cs typeface="DejaVu Math TeX Gyre" panose="02000503000000000000" charset="0"/>
+                            </a:rPr>
+                          </m:ctrlPr>
+                        </m:sSubPr>
+                        <m:e>
+                          <m:r>
+                            <a:rPr lang="en-US" altLang="zh-CN" i="1">
+                              <a:solidFill>
+                                <a:srgbClr val="FF0000"/>
+                              </a:solidFill>
+                              <a:latin typeface="DejaVu Math TeX Gyre" panose="02000503000000000000" charset="0"/>
+                              <a:cs typeface="DejaVu Math TeX Gyre" panose="02000503000000000000" charset="0"/>
+                            </a:rPr>
+                            <m:t>𝑢</m:t>
+                          </m:r>
+                        </m:e>
+                        <m:sub>
+                          <m:r>
+                            <a:rPr lang="en-US" altLang="zh-CN" i="1">
+                              <a:solidFill>
+                                <a:srgbClr val="FF0000"/>
+                              </a:solidFill>
+                              <a:latin typeface="DejaVu Math TeX Gyre" panose="02000503000000000000" charset="0"/>
+                              <a:cs typeface="DejaVu Math TeX Gyre" panose="02000503000000000000" charset="0"/>
+                            </a:rPr>
+                            <m:t> </m:t>
+                          </m:r>
+                          <m:r>
+                            <a:rPr lang="en-US" altLang="zh-CN" i="1">
+                              <a:solidFill>
+                                <a:srgbClr val="FF0000"/>
+                              </a:solidFill>
+                              <a:latin typeface="DejaVu Math TeX Gyre" panose="02000503000000000000" charset="0"/>
+                              <a:cs typeface="DejaVu Math TeX Gyre" panose="02000503000000000000" charset="0"/>
+                            </a:rPr>
+                            <m:t>2</m:t>
+                          </m:r>
+                        </m:sub>
+                      </m:sSub>
+                    </m:oMath>
+                  </m:oMathPara>
+                </a14:m>
+                <a:endParaRPr lang="en-US" altLang="zh-CN" i="1">
+                  <a:solidFill>
+                    <a:srgbClr val="FF0000"/>
+                  </a:solidFill>
+                  <a:latin typeface="DejaVu Math TeX Gyre" panose="02000503000000000000" charset="0"/>
+                  <a:cs typeface="DejaVu Math TeX Gyre" panose="02000503000000000000" charset="0"/>
+                </a:endParaRPr>
+              </a:p>
+            </p:txBody>
+          </p:sp>
+        </mc:Choice>
+        <mc:Fallback>
+          <p:sp>
+            <p:nvSpPr>
+              <p:cNvPr id="64" name="文本框 63"/>
+              <p:cNvSpPr txBox="1">
+                <a:spLocks noRot="1" noChangeAspect="1" noMove="1" noResize="1" noEditPoints="1" noAdjustHandles="1" noChangeArrowheads="1" noChangeShapeType="1" noTextEdit="1"/>
+              </p:cNvSpPr>
+              <p:nvPr>
+                <p:custDataLst>
+                  <p:tags r:id="rId19"/>
+                </p:custDataLst>
+              </p:nvPr>
+            </p:nvSpPr>
+            <p:spPr>
+              <a:xfrm>
+                <a:off x="6405817" y="2720594"/>
+                <a:ext cx="456565" cy="368935"/>
+              </a:xfrm>
+              <a:prstGeom prst="rect">
+                <a:avLst/>
+              </a:prstGeom>
+              <a:blipFill rotWithShape="1">
+                <a:blip r:embed="rId20"/>
+                <a:stretch>
+                  <a:fillRect l="-125" t="-69" r="-8498" b="69"/>
+                </a:stretch>
+              </a:blipFill>
+            </p:spPr>
+            <p:txBody>
+              <a:bodyPr/>
+              <a:lstStyle/>
+              <a:p>
+                <a:r>
+                  <a:rPr lang="zh-CN" altLang="en-US">
+                    <a:noFill/>
+                  </a:rPr>
+                  <a:t> </a:t>
+                </a:r>
+              </a:p>
+            </p:txBody>
+          </p:sp>
+        </mc:Fallback>
+      </mc:AlternateContent>
+      <p:sp>
+        <p:nvSpPr>
+          <p:cNvPr id="65" name="圆角矩形 64"/>
+          <p:cNvSpPr/>
+          <p:nvPr>
+            <p:custDataLst>
+              <p:tags r:id="rId21"/>
+            </p:custDataLst>
+          </p:nvPr>
+        </p:nvSpPr>
+        <p:spPr>
+          <a:xfrm>
+            <a:off x="4350385" y="2352040"/>
+            <a:ext cx="464820" cy="1350010"/>
+          </a:xfrm>
+          <a:prstGeom prst="roundRect">
+            <a:avLst/>
+          </a:prstGeom>
+          <a:noFill/>
+          <a:ln w="19050" cap="flat" cmpd="sng">
+            <a:solidFill>
+              <a:srgbClr val="0070C0"/>
+            </a:solidFill>
+            <a:prstDash val="dash"/>
+            <a:miter lim="800000"/>
+          </a:ln>
+        </p:spPr>
+        <p:style>
+          <a:lnRef idx="2">
+            <a:schemeClr val="accent1"/>
+          </a:lnRef>
+          <a:fillRef idx="0">
+            <a:srgbClr val="FFFFFF"/>
+          </a:fillRef>
+          <a:effectRef idx="0">
+            <a:srgbClr val="FFFFFF"/>
+          </a:effectRef>
+          <a:fontRef idx="minor">
+            <a:schemeClr val="dk1"/>
+          </a:fontRef>
+        </p:style>
+        <p:txBody>
+          <a:bodyPr rtlCol="0" anchor="ctr"/>
+          <a:p>
+            <a:pPr algn="ctr"/>
+            <a:endParaRPr lang="zh-CN" altLang="en-US">
+              <a:gradFill>
+                <a:gsLst>
+                  <a:gs pos="0">
+                    <a:srgbClr val="FE4444"/>
+                  </a:gs>
+                  <a:gs pos="100000">
+                    <a:srgbClr val="832B2B"/>
+                  </a:gs>
+                </a:gsLst>
+                <a:lin ang="5400000" scaled="0"/>
+              </a:gradFill>
+            </a:endParaRPr>
+          </a:p>
+        </p:txBody>
+      </p:sp>
+      <p:sp>
+        <p:nvSpPr>
+          <p:cNvPr id="66" name="圆角矩形 65"/>
+          <p:cNvSpPr/>
+          <p:nvPr>
+            <p:custDataLst>
+              <p:tags r:id="rId22"/>
+            </p:custDataLst>
+          </p:nvPr>
+        </p:nvSpPr>
+        <p:spPr>
+          <a:xfrm>
+            <a:off x="6380480" y="2352040"/>
+            <a:ext cx="464820" cy="1350010"/>
+          </a:xfrm>
+          <a:prstGeom prst="roundRect">
+            <a:avLst/>
+          </a:prstGeom>
+          <a:noFill/>
+          <a:ln w="19050" cap="flat" cmpd="sng">
+            <a:solidFill>
+              <a:srgbClr val="FF8D41"/>
+            </a:solidFill>
+            <a:prstDash val="dash"/>
+            <a:miter lim="800000"/>
+          </a:ln>
+        </p:spPr>
+        <p:style>
+          <a:lnRef idx="2">
+            <a:schemeClr val="accent1"/>
+          </a:lnRef>
+          <a:fillRef idx="0">
+            <a:srgbClr val="FFFFFF"/>
+          </a:fillRef>
+          <a:effectRef idx="0">
+            <a:srgbClr val="FFFFFF"/>
+          </a:effectRef>
+          <a:fontRef idx="minor">
+            <a:schemeClr val="dk1"/>
+          </a:fontRef>
+        </p:style>
+        <p:txBody>
+          <a:bodyPr rtlCol="0" anchor="ctr"/>
+          <a:p>
+            <a:pPr algn="ctr"/>
+            <a:endParaRPr lang="zh-CN" altLang="en-US">
+              <a:gradFill>
+                <a:gsLst>
+                  <a:gs pos="0">
+                    <a:srgbClr val="FE4444"/>
+                  </a:gs>
+                  <a:gs pos="100000">
+                    <a:srgbClr val="832B2B"/>
+                  </a:gs>
+                </a:gsLst>
+                <a:lin ang="5400000" scaled="0"/>
+              </a:gradFill>
+            </a:endParaRPr>
+          </a:p>
+        </p:txBody>
+      </p:sp>
+      <p:sp>
+        <p:nvSpPr>
+          <p:cNvPr id="67" name="下箭头 66"/>
+          <p:cNvSpPr/>
+          <p:nvPr>
+            <p:custDataLst>
+              <p:tags r:id="rId23"/>
+            </p:custDataLst>
+          </p:nvPr>
+        </p:nvSpPr>
+        <p:spPr>
+          <a:xfrm>
+            <a:off x="4236085" y="2009140"/>
+            <a:ext cx="692785" cy="227965"/>
+          </a:xfrm>
+          <a:prstGeom prst="downArrow">
+            <a:avLst/>
+          </a:prstGeom>
+        </p:spPr>
+        <p:style>
+          <a:lnRef idx="2">
+            <a:schemeClr val="accent1">
+              <a:shade val="50000"/>
+            </a:schemeClr>
+          </a:lnRef>
+          <a:fillRef idx="1">
+            <a:schemeClr val="accent1"/>
+          </a:fillRef>
+          <a:effectRef idx="0">
+            <a:schemeClr val="accent1"/>
+          </a:effectRef>
+          <a:fontRef idx="minor">
+            <a:schemeClr val="lt1"/>
+          </a:fontRef>
+        </p:style>
+        <p:txBody>
+          <a:bodyPr rtlCol="0" anchor="ctr"/>
+          <a:p>
+            <a:pPr algn="ctr"/>
+            <a:endParaRPr lang="zh-CN" altLang="en-US"/>
+          </a:p>
+        </p:txBody>
+      </p:sp>
+      <p:sp>
+        <p:nvSpPr>
+          <p:cNvPr id="68" name="下箭头 67"/>
+          <p:cNvSpPr/>
+          <p:nvPr>
+            <p:custDataLst>
+              <p:tags r:id="rId24"/>
+            </p:custDataLst>
+          </p:nvPr>
+        </p:nvSpPr>
+        <p:spPr>
+          <a:xfrm>
+            <a:off x="6266180" y="2009140"/>
+            <a:ext cx="692785" cy="227965"/>
+          </a:xfrm>
+          <a:prstGeom prst="downArrow">
+            <a:avLst/>
+          </a:prstGeom>
+        </p:spPr>
+        <p:style>
+          <a:lnRef idx="2">
+            <a:schemeClr val="accent1">
+              <a:shade val="50000"/>
+            </a:schemeClr>
+          </a:lnRef>
+          <a:fillRef idx="1">
+            <a:schemeClr val="accent1"/>
+          </a:fillRef>
+          <a:effectRef idx="0">
+            <a:schemeClr val="accent1"/>
+          </a:effectRef>
+          <a:fontRef idx="minor">
+            <a:schemeClr val="lt1"/>
+          </a:fontRef>
+        </p:style>
+        <p:txBody>
+          <a:bodyPr rtlCol="0" anchor="ctr"/>
+          <a:p>
+            <a:pPr algn="ctr"/>
+            <a:endParaRPr lang="zh-CN" altLang="en-US"/>
+          </a:p>
+        </p:txBody>
+      </p:sp>
+      <p:sp>
+        <p:nvSpPr>
+          <p:cNvPr id="69" name="文本框 68"/>
+          <p:cNvSpPr txBox="1"/>
+          <p:nvPr>
+            <p:custDataLst>
+              <p:tags r:id="rId25"/>
+            </p:custDataLst>
+          </p:nvPr>
+        </p:nvSpPr>
+        <p:spPr>
+          <a:xfrm>
+            <a:off x="4214495" y="1525905"/>
+            <a:ext cx="727710" cy="368300"/>
+          </a:xfrm>
+          <a:prstGeom prst="rect">
+            <a:avLst/>
+          </a:prstGeom>
+          <a:noFill/>
+        </p:spPr>
+        <p:txBody>
+          <a:bodyPr wrap="none" rtlCol="0">
+            <a:spAutoFit/>
+          </a:bodyPr>
+          <a:p>
+            <a:r>
+              <a:rPr lang="en-US" altLang="zh-CN">
+                <a:latin typeface="楷体" charset="0"/>
+                <a:ea typeface="楷体" charset="0"/>
+              </a:rPr>
+              <a:t>Fixed</a:t>
+            </a:r>
+            <a:endParaRPr lang="en-US" altLang="zh-CN">
+              <a:latin typeface="楷体" charset="0"/>
+              <a:ea typeface="楷体" charset="0"/>
+            </a:endParaRPr>
+          </a:p>
+        </p:txBody>
+      </p:sp>
+      <p:sp>
+        <p:nvSpPr>
+          <p:cNvPr id="70" name="文本框 69"/>
+          <p:cNvSpPr txBox="1"/>
+          <p:nvPr>
+            <p:custDataLst>
+              <p:tags r:id="rId26"/>
+            </p:custDataLst>
+          </p:nvPr>
+        </p:nvSpPr>
+        <p:spPr>
+          <a:xfrm>
+            <a:off x="5995035" y="1525905"/>
+            <a:ext cx="1115060" cy="368300"/>
+          </a:xfrm>
+          <a:prstGeom prst="rect">
+            <a:avLst/>
+          </a:prstGeom>
+          <a:noFill/>
+        </p:spPr>
+        <p:txBody>
+          <a:bodyPr wrap="none" rtlCol="0">
+            <a:spAutoFit/>
+          </a:bodyPr>
+          <a:p>
+            <a:r>
+              <a:rPr lang="en-US" altLang="zh-CN">
+                <a:latin typeface="楷体" charset="0"/>
+                <a:ea typeface="楷体" charset="0"/>
+              </a:rPr>
+              <a:t>Trainable</a:t>
+            </a:r>
+            <a:endParaRPr lang="en-US" altLang="zh-CN">
+              <a:latin typeface="楷体" charset="0"/>
+              <a:ea typeface="楷体" charset="0"/>
+            </a:endParaRPr>
+          </a:p>
+        </p:txBody>
+      </p:sp>
+      <p:sp>
+        <p:nvSpPr>
+          <p:cNvPr id="71" name="文本框 70"/>
+          <p:cNvSpPr txBox="1"/>
+          <p:nvPr>
+            <p:custDataLst>
+              <p:tags r:id="rId27"/>
+            </p:custDataLst>
+          </p:nvPr>
+        </p:nvSpPr>
+        <p:spPr>
+          <a:xfrm>
+            <a:off x="4847590" y="983615"/>
+            <a:ext cx="1328420" cy="368300"/>
+          </a:xfrm>
+          <a:prstGeom prst="rect">
+            <a:avLst/>
+          </a:prstGeom>
+          <a:noFill/>
+        </p:spPr>
+        <p:txBody>
+          <a:bodyPr wrap="square" rtlCol="0">
+            <a:spAutoFit/>
+          </a:bodyPr>
+          <a:p>
+            <a:r>
+              <a:rPr lang="en-US" altLang="zh-CN">
+                <a:solidFill>
+                  <a:schemeClr val="accent4">
+                    <a:lumMod val="75000"/>
+                  </a:schemeClr>
+                </a:solidFill>
+              </a:rPr>
+              <a:t>Local Net</a:t>
+            </a:r>
+            <a:endParaRPr lang="en-US" altLang="zh-CN">
+              <a:solidFill>
+                <a:schemeClr val="accent4">
+                  <a:lumMod val="75000"/>
+                </a:schemeClr>
+              </a:solidFill>
+            </a:endParaRPr>
+          </a:p>
+        </p:txBody>
+      </p:sp>
+      <p:sp>
+        <p:nvSpPr>
+          <p:cNvPr id="72" name="圆角矩形 71"/>
+          <p:cNvSpPr/>
+          <p:nvPr>
+            <p:custDataLst>
+              <p:tags r:id="rId28"/>
+            </p:custDataLst>
+          </p:nvPr>
+        </p:nvSpPr>
+        <p:spPr>
+          <a:xfrm>
+            <a:off x="2658110" y="4532630"/>
+            <a:ext cx="5773420" cy="1275715"/>
+          </a:xfrm>
+          <a:prstGeom prst="roundRect">
+            <a:avLst/>
+          </a:prstGeom>
+          <a:noFill/>
+          <a:ln w="19050" cap="flat" cmpd="sng">
+            <a:solidFill>
+              <a:schemeClr val="tx1"/>
+            </a:solidFill>
+            <a:prstDash val="dash"/>
+            <a:miter lim="800000"/>
+          </a:ln>
+        </p:spPr>
+        <p:style>
+          <a:lnRef idx="2">
+            <a:schemeClr val="accent1"/>
+          </a:lnRef>
+          <a:fillRef idx="0">
+            <a:srgbClr val="FFFFFF"/>
+          </a:fillRef>
+          <a:effectRef idx="0">
+            <a:srgbClr val="FFFFFF"/>
+          </a:effectRef>
+          <a:fontRef idx="minor">
+            <a:schemeClr val="dk1"/>
+          </a:fontRef>
+        </p:style>
+        <p:txBody>
+          <a:bodyPr rtlCol="0" anchor="ctr"/>
+          <a:p>
+            <a:pPr algn="ctr"/>
+            <a:endParaRPr lang="zh-CN" altLang="en-US">
+              <a:gradFill>
+                <a:gsLst>
+                  <a:gs pos="0">
+                    <a:srgbClr val="FE4444"/>
+                  </a:gs>
+                  <a:gs pos="100000">
+                    <a:srgbClr val="832B2B"/>
+                  </a:gs>
+                </a:gsLst>
+                <a:lin ang="5400000" scaled="0"/>
+              </a:gradFill>
+            </a:endParaRPr>
+          </a:p>
+        </p:txBody>
+      </p:sp>
+      <p:sp>
+        <p:nvSpPr>
+          <p:cNvPr id="73" name="文本框 72"/>
+          <p:cNvSpPr txBox="1"/>
+          <p:nvPr>
+            <p:custDataLst>
+              <p:tags r:id="rId29"/>
+            </p:custDataLst>
+          </p:nvPr>
+        </p:nvSpPr>
+        <p:spPr>
+          <a:xfrm>
+            <a:off x="5165725" y="4538345"/>
+            <a:ext cx="692785" cy="368300"/>
+          </a:xfrm>
+          <a:prstGeom prst="rect">
+            <a:avLst/>
+          </a:prstGeom>
+          <a:noFill/>
+        </p:spPr>
+        <p:txBody>
+          <a:bodyPr wrap="square" rtlCol="0">
+            <a:spAutoFit/>
+          </a:bodyPr>
+          <a:p>
+            <a:r>
+              <a:rPr lang="en-US" altLang="zh-CN">
+                <a:solidFill>
+                  <a:schemeClr val="accent5">
+                    <a:lumMod val="75000"/>
+                  </a:schemeClr>
+                </a:solidFill>
+              </a:rPr>
+              <a:t>PoU</a:t>
+            </a:r>
+            <a:endParaRPr lang="en-US" altLang="zh-CN">
+              <a:solidFill>
+                <a:schemeClr val="accent5">
+                  <a:lumMod val="75000"/>
+                </a:schemeClr>
+              </a:solidFill>
+            </a:endParaRPr>
+          </a:p>
+        </p:txBody>
+      </p:sp>
+      <p:grpSp>
+        <p:nvGrpSpPr>
+          <p:cNvPr id="79" name="组合 78"/>
+          <p:cNvGrpSpPr/>
+          <p:nvPr/>
+        </p:nvGrpSpPr>
+        <p:grpSpPr>
+          <a:xfrm>
+            <a:off x="5316855" y="5131435"/>
+            <a:ext cx="389255" cy="431165"/>
+            <a:chOff x="16141" y="3523"/>
+            <a:chExt cx="613" cy="679"/>
+          </a:xfrm>
+        </p:grpSpPr>
+        <p:sp>
+          <p:nvSpPr>
+            <p:cNvPr id="76" name="椭圆 75"/>
+            <p:cNvSpPr/>
+            <p:nvPr>
+              <p:custDataLst>
+                <p:tags r:id="rId30"/>
+              </p:custDataLst>
+            </p:nvPr>
+          </p:nvSpPr>
+          <p:spPr>
+            <a:xfrm>
+              <a:off x="16142" y="3523"/>
+              <a:ext cx="613" cy="613"/>
+            </a:xfrm>
+            <a:prstGeom prst="ellipse">
+              <a:avLst/>
+            </a:prstGeom>
+            <a:solidFill>
+              <a:schemeClr val="accent1">
+                <a:lumMod val="40000"/>
+                <a:lumOff val="60000"/>
+              </a:schemeClr>
+            </a:solidFill>
+          </p:spPr>
+          <p:style>
+            <a:lnRef idx="2">
+              <a:schemeClr val="accent1">
+                <a:shade val="50000"/>
+              </a:schemeClr>
+            </a:lnRef>
+            <a:fillRef idx="1">
+              <a:schemeClr val="accent1"/>
+            </a:fillRef>
+            <a:effectRef idx="0">
+              <a:schemeClr val="accent1"/>
+            </a:effectRef>
+            <a:fontRef idx="minor">
+              <a:schemeClr val="lt1"/>
+            </a:fontRef>
+          </p:style>
+          <p:txBody>
+            <a:bodyPr rtlCol="0" anchor="ctr"/>
+            <a:p>
+              <a:pPr algn="ctr"/>
+              <a:endParaRPr lang="zh-CN" altLang="en-US">
+                <a:solidFill>
+                  <a:srgbClr val="FF0000"/>
+                </a:solidFill>
+              </a:endParaRPr>
+            </a:p>
+          </p:txBody>
+        </p:sp>
+        <p:sp>
+          <p:nvSpPr>
+            <p:cNvPr id="77" name="文本框 76"/>
+            <p:cNvSpPr txBox="1"/>
+            <p:nvPr>
+              <p:custDataLst>
+                <p:tags r:id="rId31"/>
+              </p:custDataLst>
+            </p:nvPr>
+          </p:nvSpPr>
+          <p:spPr>
+            <a:xfrm>
+              <a:off x="16141" y="3574"/>
+              <a:ext cx="474" cy="628"/>
+            </a:xfrm>
+            <a:prstGeom prst="rect">
+              <a:avLst/>
+            </a:prstGeom>
+            <a:noFill/>
+          </p:spPr>
+          <p:txBody>
+            <a:bodyPr wrap="square" rtlCol="0">
+              <a:spAutoFit/>
+            </a:bodyPr>
+            <a:p>
+              <a:r>
+                <a:rPr lang="zh-CN" altLang="en-US" sz="2000">
+                  <a:solidFill>
+                    <a:srgbClr val="FF0000"/>
+                  </a:solidFill>
+                  <a:latin typeface="Arial" panose="020B0604020202090204" pitchFamily="34" charset="0"/>
+                  <a:cs typeface="Arial" panose="020B0604020202090204" pitchFamily="34" charset="0"/>
+                  <a:sym typeface="+mn-ea"/>
+                </a:rPr>
+                <a:t>Ψ</a:t>
+              </a:r>
+              <a:endParaRPr lang="en-US" altLang="zh-CN" sz="2000">
+                <a:ea typeface="楷体" charset="0"/>
+                <a:cs typeface="+mn-lt"/>
+              </a:endParaRPr>
+            </a:p>
+          </p:txBody>
+        </p:sp>
+      </p:grpSp>
+      <p:sp>
+        <p:nvSpPr>
+          <p:cNvPr id="23" name="圆角矩形 22"/>
+          <p:cNvSpPr/>
+          <p:nvPr>
+            <p:custDataLst>
+              <p:tags r:id="rId32"/>
+            </p:custDataLst>
+          </p:nvPr>
+        </p:nvSpPr>
+        <p:spPr>
+          <a:xfrm>
+            <a:off x="456565" y="3561715"/>
+            <a:ext cx="1327785" cy="473710"/>
+          </a:xfrm>
+          <a:prstGeom prst="roundRect">
+            <a:avLst/>
+          </a:prstGeom>
+        </p:spPr>
+        <p:style>
+          <a:lnRef idx="2">
+            <a:schemeClr val="accent1">
+              <a:lumMod val="75000"/>
+            </a:schemeClr>
+          </a:lnRef>
+          <a:fillRef idx="1">
+            <a:schemeClr val="accent1"/>
+          </a:fillRef>
+          <a:effectRef idx="0">
+            <a:srgbClr val="FFFFFF"/>
+          </a:effectRef>
+          <a:fontRef idx="minor">
+            <a:schemeClr val="lt1"/>
+          </a:fontRef>
+        </p:style>
+        <p:txBody>
+          <a:bodyPr rtlCol="0" anchor="ctr"/>
+          <a:p>
+            <a:pPr algn="ctr"/>
+            <a:r>
+              <a:rPr lang="en-US" altLang="zh-CN"/>
+              <a:t>Input</a:t>
+            </a:r>
+            <a:endParaRPr lang="en-US" altLang="zh-CN"/>
+          </a:p>
+        </p:txBody>
+      </p:sp>
+      <p:cxnSp>
+        <p:nvCxnSpPr>
+          <p:cNvPr id="29" name="直接箭头连接符 28"/>
+          <p:cNvCxnSpPr>
+            <a:stCxn id="23" idx="3"/>
+            <a:endCxn id="3" idx="1"/>
+          </p:cNvCxnSpPr>
+          <p:nvPr>
+            <p:custDataLst>
+              <p:tags r:id="rId33"/>
+            </p:custDataLst>
+          </p:nvPr>
+        </p:nvCxnSpPr>
+        <p:spPr>
+          <a:xfrm flipV="1">
+            <a:off x="1784350" y="2557145"/>
+            <a:ext cx="874395" cy="1241425"/>
+          </a:xfrm>
+          <a:prstGeom prst="straightConnector1">
+            <a:avLst/>
+          </a:prstGeom>
+          <a:ln w="28575" cmpd="sng">
+            <a:solidFill>
+              <a:schemeClr val="accent1"/>
+            </a:solidFill>
+            <a:prstDash val="solid"/>
+            <a:tailEnd type="triangle" w="lg" len="lg"/>
+          </a:ln>
+        </p:spPr>
+        <p:style>
+          <a:lnRef idx="2">
+            <a:schemeClr val="accent1"/>
+          </a:lnRef>
+          <a:fillRef idx="0">
+            <a:srgbClr val="FFFFFF"/>
+          </a:fillRef>
+          <a:effectRef idx="0">
+            <a:srgbClr val="FFFFFF"/>
+          </a:effectRef>
+          <a:fontRef idx="minor">
+            <a:schemeClr val="tx1"/>
+          </a:fontRef>
+        </p:style>
+      </p:cxnSp>
+      <p:cxnSp>
+        <p:nvCxnSpPr>
+          <p:cNvPr id="4" name="直接箭头连接符 3"/>
+          <p:cNvCxnSpPr>
+            <a:stCxn id="23" idx="3"/>
+            <a:endCxn id="72" idx="1"/>
+          </p:cNvCxnSpPr>
+          <p:nvPr>
+            <p:custDataLst>
+              <p:tags r:id="rId34"/>
+            </p:custDataLst>
+          </p:nvPr>
+        </p:nvCxnSpPr>
+        <p:spPr>
+          <a:xfrm>
+            <a:off x="1784350" y="3798570"/>
+            <a:ext cx="873760" cy="1372235"/>
+          </a:xfrm>
+          <a:prstGeom prst="straightConnector1">
+            <a:avLst/>
+          </a:prstGeom>
+          <a:ln w="28575" cmpd="sng">
+            <a:solidFill>
+              <a:schemeClr val="accent1"/>
+            </a:solidFill>
+            <a:prstDash val="solid"/>
+            <a:tailEnd type="triangle" w="lg" len="lg"/>
+          </a:ln>
+        </p:spPr>
+        <p:style>
+          <a:lnRef idx="2">
+            <a:schemeClr val="accent1"/>
+          </a:lnRef>
+          <a:fillRef idx="0">
+            <a:srgbClr val="FFFFFF"/>
+          </a:fillRef>
+          <a:effectRef idx="0">
+            <a:srgbClr val="FFFFFF"/>
+          </a:effectRef>
+          <a:fontRef idx="minor">
+            <a:schemeClr val="tx1"/>
+          </a:fontRef>
+        </p:style>
+      </p:cxnSp>
+      <p:grpSp>
+        <p:nvGrpSpPr>
+          <p:cNvPr id="36" name="组合 35"/>
+          <p:cNvGrpSpPr/>
+          <p:nvPr/>
+        </p:nvGrpSpPr>
+        <p:grpSpPr>
+          <a:xfrm>
+            <a:off x="9250045" y="3493135"/>
+            <a:ext cx="612140" cy="612140"/>
+            <a:chOff x="11163" y="6242"/>
+            <a:chExt cx="964" cy="964"/>
+          </a:xfrm>
+        </p:grpSpPr>
+        <p:sp>
+          <p:nvSpPr>
+            <p:cNvPr id="33" name="椭圆 32"/>
+            <p:cNvSpPr/>
+            <p:nvPr>
+              <p:custDataLst>
+                <p:tags r:id="rId35"/>
+              </p:custDataLst>
+            </p:nvPr>
+          </p:nvSpPr>
+          <p:spPr>
+            <a:xfrm>
+              <a:off x="11271" y="6352"/>
+              <a:ext cx="747" cy="747"/>
+            </a:xfrm>
+            <a:prstGeom prst="ellipse">
+              <a:avLst/>
+            </a:prstGeom>
+            <a:solidFill>
+              <a:schemeClr val="bg1"/>
+            </a:solidFill>
+            <a:ln w="19050">
+              <a:solidFill>
+                <a:schemeClr val="accent2">
+                  <a:lumMod val="75000"/>
+                </a:schemeClr>
+              </a:solidFill>
+            </a:ln>
+          </p:spPr>
+          <p:style>
+            <a:lnRef idx="2">
+              <a:schemeClr val="accent1">
+                <a:lumMod val="75000"/>
+              </a:schemeClr>
+            </a:lnRef>
+            <a:fillRef idx="1">
+              <a:schemeClr val="accent1"/>
+            </a:fillRef>
+            <a:effectRef idx="0">
+              <a:srgbClr val="FFFFFF"/>
+            </a:effectRef>
+            <a:fontRef idx="minor">
+              <a:schemeClr val="lt1"/>
+            </a:fontRef>
+          </p:style>
+          <p:txBody>
+            <a:bodyPr rtlCol="0" anchor="ctr"/>
+            <a:p>
+              <a:pPr algn="ctr"/>
+              <a:endParaRPr lang="zh-CN" altLang="en-US"/>
+            </a:p>
+          </p:txBody>
+        </p:sp>
+        <p:sp>
+          <p:nvSpPr>
+            <p:cNvPr id="35" name="乘号 34"/>
+            <p:cNvSpPr/>
+            <p:nvPr>
+              <p:custDataLst>
+                <p:tags r:id="rId36"/>
+              </p:custDataLst>
+            </p:nvPr>
+          </p:nvSpPr>
+          <p:spPr>
+            <a:xfrm>
+              <a:off x="11163" y="6242"/>
+              <a:ext cx="964" cy="964"/>
+            </a:xfrm>
+            <a:prstGeom prst="mathMultiply">
+              <a:avLst/>
+            </a:prstGeom>
+            <a:solidFill>
+              <a:schemeClr val="accent2"/>
+            </a:solidFill>
+            <a:ln>
+              <a:solidFill>
+                <a:schemeClr val="accent2">
+                  <a:lumMod val="75000"/>
+                </a:schemeClr>
+              </a:solidFill>
+            </a:ln>
+          </p:spPr>
+          <p:style>
+            <a:lnRef idx="2">
+              <a:schemeClr val="accent1">
+                <a:lumMod val="75000"/>
+              </a:schemeClr>
+            </a:lnRef>
+            <a:fillRef idx="1">
+              <a:schemeClr val="accent1"/>
+            </a:fillRef>
+            <a:effectRef idx="0">
+              <a:srgbClr val="FFFFFF"/>
+            </a:effectRef>
+            <a:fontRef idx="minor">
+              <a:schemeClr val="lt1"/>
+            </a:fontRef>
+          </p:style>
+          <p:txBody>
+            <a:bodyPr rtlCol="0" anchor="ctr"/>
+            <a:p>
+              <a:pPr algn="ctr"/>
+              <a:endParaRPr lang="zh-CN" altLang="en-US"/>
+            </a:p>
+          </p:txBody>
+        </p:sp>
+      </p:grpSp>
+      <p:cxnSp>
+        <p:nvCxnSpPr>
+          <p:cNvPr id="37" name="直接箭头连接符 36"/>
+          <p:cNvCxnSpPr>
+            <a:endCxn id="35" idx="0"/>
+          </p:cNvCxnSpPr>
+          <p:nvPr>
+            <p:custDataLst>
+              <p:tags r:id="rId37"/>
+            </p:custDataLst>
+          </p:nvPr>
+        </p:nvCxnSpPr>
+        <p:spPr>
+          <a:xfrm>
+            <a:off x="8439150" y="2849880"/>
+            <a:ext cx="958215" cy="790575"/>
+          </a:xfrm>
+          <a:prstGeom prst="straightConnector1">
+            <a:avLst/>
+          </a:prstGeom>
+          <a:ln w="28575" cmpd="sng">
+            <a:solidFill>
+              <a:schemeClr val="accent2">
+                <a:lumMod val="75000"/>
+              </a:schemeClr>
+            </a:solidFill>
+            <a:prstDash val="solid"/>
+            <a:tailEnd type="triangle" w="lg" len="lg"/>
+          </a:ln>
+        </p:spPr>
+        <p:style>
+          <a:lnRef idx="2">
+            <a:schemeClr val="accent1"/>
+          </a:lnRef>
+          <a:fillRef idx="0">
+            <a:srgbClr val="FFFFFF"/>
+          </a:fillRef>
+          <a:effectRef idx="0">
+            <a:srgbClr val="FFFFFF"/>
+          </a:effectRef>
+          <a:fontRef idx="minor">
+            <a:schemeClr val="tx1"/>
+          </a:fontRef>
+        </p:style>
+      </p:cxnSp>
+      <p:cxnSp>
+        <p:nvCxnSpPr>
+          <p:cNvPr id="38" name="直接箭头连接符 37"/>
+          <p:cNvCxnSpPr>
+            <a:stCxn id="72" idx="3"/>
+            <a:endCxn id="35" idx="3"/>
+          </p:cNvCxnSpPr>
+          <p:nvPr>
+            <p:custDataLst>
+              <p:tags r:id="rId38"/>
+            </p:custDataLst>
+          </p:nvPr>
+        </p:nvCxnSpPr>
+        <p:spPr>
+          <a:xfrm flipV="1">
+            <a:off x="8431530" y="3957955"/>
+            <a:ext cx="965835" cy="1212850"/>
+          </a:xfrm>
+          <a:prstGeom prst="straightConnector1">
+            <a:avLst/>
+          </a:prstGeom>
+          <a:ln w="28575" cmpd="sng">
+            <a:solidFill>
+              <a:schemeClr val="accent2">
+                <a:lumMod val="75000"/>
+              </a:schemeClr>
+            </a:solidFill>
+            <a:prstDash val="solid"/>
+            <a:tailEnd type="triangle" w="lg" len="lg"/>
+          </a:ln>
+        </p:spPr>
+        <p:style>
+          <a:lnRef idx="2">
+            <a:schemeClr val="accent1"/>
+          </a:lnRef>
+          <a:fillRef idx="0">
+            <a:srgbClr val="FFFFFF"/>
+          </a:fillRef>
+          <a:effectRef idx="0">
+            <a:srgbClr val="FFFFFF"/>
+          </a:effectRef>
+          <a:fontRef idx="minor">
+            <a:schemeClr val="tx1"/>
+          </a:fontRef>
+        </p:style>
+      </p:cxnSp>
+      <p:sp>
+        <p:nvSpPr>
+          <p:cNvPr id="39" name="圆角矩形 38"/>
+          <p:cNvSpPr/>
+          <p:nvPr>
+            <p:custDataLst>
+              <p:tags r:id="rId39"/>
+            </p:custDataLst>
+          </p:nvPr>
+        </p:nvSpPr>
+        <p:spPr>
+          <a:xfrm>
+            <a:off x="10609580" y="3561715"/>
+            <a:ext cx="1327785" cy="473710"/>
+          </a:xfrm>
+          <a:prstGeom prst="roundRect">
+            <a:avLst/>
+          </a:prstGeom>
+          <a:solidFill>
+            <a:schemeClr val="accent2"/>
+          </a:solidFill>
+          <a:ln>
+            <a:solidFill>
+              <a:schemeClr val="accent2">
+                <a:lumMod val="75000"/>
+              </a:schemeClr>
+            </a:solidFill>
+          </a:ln>
+        </p:spPr>
+        <p:style>
+          <a:lnRef idx="2">
+            <a:schemeClr val="accent1">
+              <a:lumMod val="75000"/>
+            </a:schemeClr>
+          </a:lnRef>
+          <a:fillRef idx="1">
+            <a:schemeClr val="accent1"/>
+          </a:fillRef>
+          <a:effectRef idx="0">
+            <a:srgbClr val="FFFFFF"/>
+          </a:effectRef>
+          <a:fontRef idx="minor">
+            <a:schemeClr val="lt1"/>
+          </a:fontRef>
+        </p:style>
+        <p:txBody>
+          <a:bodyPr rtlCol="0" anchor="ctr"/>
+          <a:p>
+            <a:pPr algn="ctr"/>
+            <a:r>
+              <a:rPr lang="en-US" altLang="zh-CN"/>
+              <a:t>Output</a:t>
+            </a:r>
+            <a:endParaRPr lang="en-US" altLang="zh-CN"/>
+          </a:p>
+        </p:txBody>
+      </p:sp>
+      <p:cxnSp>
+        <p:nvCxnSpPr>
+          <p:cNvPr id="40" name="直接箭头连接符 39"/>
+          <p:cNvCxnSpPr>
+            <a:endCxn id="39" idx="1"/>
+          </p:cNvCxnSpPr>
+          <p:nvPr>
+            <p:custDataLst>
+              <p:tags r:id="rId40"/>
+            </p:custDataLst>
+          </p:nvPr>
+        </p:nvCxnSpPr>
+        <p:spPr>
+          <a:xfrm>
+            <a:off x="9792970" y="3798570"/>
+            <a:ext cx="816610" cy="0"/>
+          </a:xfrm>
+          <a:prstGeom prst="straightConnector1">
+            <a:avLst/>
+          </a:prstGeom>
+          <a:ln w="28575" cmpd="sng">
+            <a:solidFill>
+              <a:schemeClr val="accent2">
+                <a:lumMod val="75000"/>
+              </a:schemeClr>
+            </a:solidFill>
+            <a:prstDash val="solid"/>
+            <a:tailEnd type="triangle" w="lg" len="lg"/>
+          </a:ln>
+        </p:spPr>
+        <p:style>
+          <a:lnRef idx="2">
+            <a:schemeClr val="accent1"/>
+          </a:lnRef>
+          <a:fillRef idx="0">
+            <a:srgbClr val="FFFFFF"/>
+          </a:fillRef>
+          <a:effectRef idx="0">
+            <a:srgbClr val="FFFFFF"/>
+          </a:effectRef>
+          <a:fontRef idx="minor">
+            <a:schemeClr val="tx1"/>
+          </a:fontRef>
+        </p:style>
+      </p:cxnSp>
+    </p:spTree>
+  </p:cSld>
+  <p:clrMapOvr>
+    <a:masterClrMapping/>
+  </p:clrMapOvr>
+</p:sld>
+</file>
+
+<file path=ppt/slides/slide12.xml><?xml version="1.0" encoding="utf-8"?>
 <p:sld xmlns:a="http://schemas.openxmlformats.org/drawingml/2006/main" xmlns:r="http://schemas.openxmlformats.org/officeDocument/2006/relationships" xmlns:p="http://schemas.openxmlformats.org/presentationml/2006/main">
   <p:cSld>
     <p:spTree>
@@ -9038,6 +11210,1118 @@
 </p:sld>
 </file>
 
+<file path=ppt/slides/slide13.xml><?xml version="1.0" encoding="utf-8"?>
+<p:sld xmlns:a="http://schemas.openxmlformats.org/drawingml/2006/main" xmlns:r="http://schemas.openxmlformats.org/officeDocument/2006/relationships" xmlns:p="http://schemas.openxmlformats.org/presentationml/2006/main">
+  <p:cSld>
+    <p:spTree>
+      <p:nvGrpSpPr>
+        <p:cNvPr id="1" name=""/>
+        <p:cNvGrpSpPr/>
+        <p:nvPr/>
+      </p:nvGrpSpPr>
+      <p:grpSpPr>
+        <a:xfrm>
+          <a:off x="0" y="0"/>
+          <a:ext cx="0" cy="0"/>
+          <a:chOff x="0" y="0"/>
+          <a:chExt cx="0" cy="0"/>
+        </a:xfrm>
+      </p:grpSpPr>
+      <p:sp>
+        <p:nvSpPr>
+          <p:cNvPr id="3" name="矩形 2"/>
+          <p:cNvSpPr/>
+          <p:nvPr/>
+        </p:nvSpPr>
+        <p:spPr>
+          <a:xfrm>
+            <a:off x="7114540" y="1845945"/>
+            <a:ext cx="3671570" cy="3671570"/>
+          </a:xfrm>
+          <a:prstGeom prst="rect">
+            <a:avLst/>
+          </a:prstGeom>
+          <a:noFill/>
+          <a:ln w="25400" cap="flat" cmpd="sng">
+            <a:solidFill>
+              <a:srgbClr val="FF0000"/>
+            </a:solidFill>
+            <a:prstDash val="solid"/>
+            <a:miter lim="800000"/>
+          </a:ln>
+          <a:extLst>
+            <a:ext uri="{909E8E84-426E-40DD-AFC4-6F175D3DCCD1}">
+              <a14:hiddenFill xmlns:a14="http://schemas.microsoft.com/office/drawing/2010/main">
+                <a:solidFill>
+                  <a:schemeClr val="accent1"/>
+                </a:solidFill>
+              </a14:hiddenFill>
+            </a:ext>
+          </a:extLst>
+        </p:spPr>
+        <p:style>
+          <a:lnRef idx="2">
+            <a:schemeClr val="accent1">
+              <a:lumMod val="75000"/>
+            </a:schemeClr>
+          </a:lnRef>
+          <a:fillRef idx="1">
+            <a:schemeClr val="accent1"/>
+          </a:fillRef>
+          <a:effectRef idx="0">
+            <a:srgbClr val="FFFFFF"/>
+          </a:effectRef>
+          <a:fontRef idx="minor">
+            <a:schemeClr val="lt1"/>
+          </a:fontRef>
+        </p:style>
+        <p:txBody>
+          <a:bodyPr rtlCol="0" anchor="ctr"/>
+          <a:p>
+            <a:pPr algn="ctr"/>
+            <a:endParaRPr lang="zh-CN" altLang="en-US"/>
+          </a:p>
+        </p:txBody>
+      </p:sp>
+      <p:sp>
+        <p:nvSpPr>
+          <p:cNvPr id="5" name="矩形 4"/>
+          <p:cNvSpPr/>
+          <p:nvPr/>
+        </p:nvSpPr>
+        <p:spPr>
+          <a:xfrm>
+            <a:off x="2012950" y="1845945"/>
+            <a:ext cx="3671570" cy="3671570"/>
+          </a:xfrm>
+          <a:prstGeom prst="rect">
+            <a:avLst/>
+          </a:prstGeom>
+          <a:noFill/>
+          <a:ln w="25400" cap="flat" cmpd="sng">
+            <a:solidFill>
+              <a:srgbClr val="FF0000"/>
+            </a:solidFill>
+            <a:prstDash val="solid"/>
+            <a:miter lim="800000"/>
+          </a:ln>
+          <a:extLst>
+            <a:ext uri="{909E8E84-426E-40DD-AFC4-6F175D3DCCD1}">
+              <a14:hiddenFill xmlns:a14="http://schemas.microsoft.com/office/drawing/2010/main">
+                <a:solidFill>
+                  <a:schemeClr val="accent1"/>
+                </a:solidFill>
+              </a14:hiddenFill>
+            </a:ext>
+          </a:extLst>
+        </p:spPr>
+        <p:style>
+          <a:lnRef idx="2">
+            <a:schemeClr val="accent1">
+              <a:lumMod val="75000"/>
+            </a:schemeClr>
+          </a:lnRef>
+          <a:fillRef idx="1">
+            <a:schemeClr val="accent1"/>
+          </a:fillRef>
+          <a:effectRef idx="0">
+            <a:srgbClr val="FFFFFF"/>
+          </a:effectRef>
+          <a:fontRef idx="minor">
+            <a:schemeClr val="lt1"/>
+          </a:fontRef>
+        </p:style>
+        <p:txBody>
+          <a:bodyPr rtlCol="0" anchor="ctr"/>
+          <a:p>
+            <a:pPr algn="ctr"/>
+            <a:endParaRPr lang="zh-CN" altLang="en-US"/>
+          </a:p>
+        </p:txBody>
+      </p:sp>
+      <p:sp>
+        <p:nvSpPr>
+          <p:cNvPr id="6" name="矩形 5"/>
+          <p:cNvSpPr/>
+          <p:nvPr/>
+        </p:nvSpPr>
+        <p:spPr>
+          <a:xfrm>
+            <a:off x="1455420" y="1440815"/>
+            <a:ext cx="2367280" cy="2367280"/>
+          </a:xfrm>
+          <a:prstGeom prst="rect">
+            <a:avLst/>
+          </a:prstGeom>
+          <a:solidFill>
+            <a:schemeClr val="accent1">
+              <a:alpha val="50000"/>
+            </a:schemeClr>
+          </a:solidFill>
+          <a:ln>
+            <a:noFill/>
+          </a:ln>
+        </p:spPr>
+        <p:style>
+          <a:lnRef idx="2">
+            <a:schemeClr val="accent1">
+              <a:lumMod val="75000"/>
+            </a:schemeClr>
+          </a:lnRef>
+          <a:fillRef idx="1">
+            <a:schemeClr val="accent1"/>
+          </a:fillRef>
+          <a:effectRef idx="0">
+            <a:srgbClr val="FFFFFF"/>
+          </a:effectRef>
+          <a:fontRef idx="minor">
+            <a:schemeClr val="lt1"/>
+          </a:fontRef>
+        </p:style>
+        <p:txBody>
+          <a:bodyPr rtlCol="0" anchor="ctr"/>
+          <a:p>
+            <a:pPr algn="ctr"/>
+            <a:endParaRPr lang="zh-CN" altLang="en-US"/>
+          </a:p>
+        </p:txBody>
+      </p:sp>
+      <p:sp>
+        <p:nvSpPr>
+          <p:cNvPr id="8" name="矩形 7"/>
+          <p:cNvSpPr/>
+          <p:nvPr/>
+        </p:nvSpPr>
+        <p:spPr>
+          <a:xfrm>
+            <a:off x="3669665" y="883920"/>
+            <a:ext cx="2367280" cy="2367280"/>
+          </a:xfrm>
+          <a:prstGeom prst="rect">
+            <a:avLst/>
+          </a:prstGeom>
+          <a:solidFill>
+            <a:schemeClr val="accent1">
+              <a:alpha val="50000"/>
+            </a:schemeClr>
+          </a:solidFill>
+          <a:ln>
+            <a:noFill/>
+          </a:ln>
+        </p:spPr>
+        <p:style>
+          <a:lnRef idx="2">
+            <a:schemeClr val="accent1">
+              <a:lumMod val="75000"/>
+            </a:schemeClr>
+          </a:lnRef>
+          <a:fillRef idx="1">
+            <a:schemeClr val="accent1"/>
+          </a:fillRef>
+          <a:effectRef idx="0">
+            <a:srgbClr val="FFFFFF"/>
+          </a:effectRef>
+          <a:fontRef idx="minor">
+            <a:schemeClr val="lt1"/>
+          </a:fontRef>
+        </p:style>
+        <p:txBody>
+          <a:bodyPr rtlCol="0" anchor="ctr"/>
+          <a:p>
+            <a:pPr algn="ctr"/>
+            <a:endParaRPr lang="zh-CN" altLang="en-US"/>
+          </a:p>
+        </p:txBody>
+      </p:sp>
+      <p:sp>
+        <p:nvSpPr>
+          <p:cNvPr id="31" name="矩形 30"/>
+          <p:cNvSpPr/>
+          <p:nvPr/>
+        </p:nvSpPr>
+        <p:spPr>
+          <a:xfrm>
+            <a:off x="935990" y="3449320"/>
+            <a:ext cx="2595245" cy="2595245"/>
+          </a:xfrm>
+          <a:prstGeom prst="rect">
+            <a:avLst/>
+          </a:prstGeom>
+          <a:solidFill>
+            <a:schemeClr val="accent1">
+              <a:alpha val="50000"/>
+            </a:schemeClr>
+          </a:solidFill>
+          <a:ln>
+            <a:noFill/>
+          </a:ln>
+        </p:spPr>
+        <p:style>
+          <a:lnRef idx="2">
+            <a:schemeClr val="accent1">
+              <a:lumMod val="75000"/>
+            </a:schemeClr>
+          </a:lnRef>
+          <a:fillRef idx="1">
+            <a:schemeClr val="accent1"/>
+          </a:fillRef>
+          <a:effectRef idx="0">
+            <a:srgbClr val="FFFFFF"/>
+          </a:effectRef>
+          <a:fontRef idx="minor">
+            <a:schemeClr val="lt1"/>
+          </a:fontRef>
+        </p:style>
+        <p:txBody>
+          <a:bodyPr rtlCol="0" anchor="ctr"/>
+          <a:p>
+            <a:pPr algn="ctr"/>
+            <a:endParaRPr lang="zh-CN" altLang="en-US"/>
+          </a:p>
+        </p:txBody>
+      </p:sp>
+      <p:sp>
+        <p:nvSpPr>
+          <p:cNvPr id="32" name="矩形 31"/>
+          <p:cNvSpPr/>
+          <p:nvPr/>
+        </p:nvSpPr>
+        <p:spPr>
+          <a:xfrm>
+            <a:off x="2874645" y="4464685"/>
+            <a:ext cx="1948815" cy="1948815"/>
+          </a:xfrm>
+          <a:prstGeom prst="rect">
+            <a:avLst/>
+          </a:prstGeom>
+          <a:solidFill>
+            <a:schemeClr val="accent1">
+              <a:alpha val="50000"/>
+            </a:schemeClr>
+          </a:solidFill>
+          <a:ln>
+            <a:noFill/>
+          </a:ln>
+        </p:spPr>
+        <p:style>
+          <a:lnRef idx="2">
+            <a:schemeClr val="accent1">
+              <a:lumMod val="75000"/>
+            </a:schemeClr>
+          </a:lnRef>
+          <a:fillRef idx="1">
+            <a:schemeClr val="accent1"/>
+          </a:fillRef>
+          <a:effectRef idx="0">
+            <a:srgbClr val="FFFFFF"/>
+          </a:effectRef>
+          <a:fontRef idx="minor">
+            <a:schemeClr val="lt1"/>
+          </a:fontRef>
+        </p:style>
+        <p:txBody>
+          <a:bodyPr rtlCol="0" anchor="ctr"/>
+          <a:p>
+            <a:pPr algn="ctr"/>
+            <a:endParaRPr lang="zh-CN" altLang="en-US"/>
+          </a:p>
+        </p:txBody>
+      </p:sp>
+    </p:spTree>
+  </p:cSld>
+  <p:clrMapOvr>
+    <a:masterClrMapping/>
+  </p:clrMapOvr>
+</p:sld>
+</file>
+
+<file path=ppt/slides/slide14.xml><?xml version="1.0" encoding="utf-8"?>
+<p:sld xmlns:a="http://schemas.openxmlformats.org/drawingml/2006/main" xmlns:r="http://schemas.openxmlformats.org/officeDocument/2006/relationships" xmlns:p="http://schemas.openxmlformats.org/presentationml/2006/main">
+  <p:cSld>
+    <p:spTree>
+      <p:nvGrpSpPr>
+        <p:cNvPr id="1" name=""/>
+        <p:cNvGrpSpPr/>
+        <p:nvPr/>
+      </p:nvGrpSpPr>
+      <p:grpSpPr>
+        <a:xfrm>
+          <a:off x="0" y="0"/>
+          <a:ext cx="0" cy="0"/>
+          <a:chOff x="0" y="0"/>
+          <a:chExt cx="0" cy="0"/>
+        </a:xfrm>
+      </p:grpSpPr>
+      <p:sp>
+        <p:nvSpPr>
+          <p:cNvPr id="2" name="任意多边形 1"/>
+          <p:cNvSpPr/>
+          <p:nvPr/>
+        </p:nvSpPr>
+        <p:spPr>
+          <a:xfrm>
+            <a:off x="859790" y="1406525"/>
+            <a:ext cx="4367530" cy="4408805"/>
+          </a:xfrm>
+          <a:custGeom>
+            <a:avLst/>
+            <a:gdLst>
+              <a:gd name="connisteX0" fmla="*/ 403366 w 3683963"/>
+              <a:gd name="connsiteY0" fmla="*/ 987038 h 3719101"/>
+              <a:gd name="connisteX1" fmla="*/ 1473341 w 3683963"/>
+              <a:gd name="connsiteY1" fmla="*/ 1197223 h 3719101"/>
+              <a:gd name="connisteX2" fmla="*/ 1824496 w 3683963"/>
+              <a:gd name="connsiteY2" fmla="*/ 4693 h 3719101"/>
+              <a:gd name="connisteX3" fmla="*/ 3683776 w 3683963"/>
+              <a:gd name="connsiteY3" fmla="*/ 1618863 h 3719101"/>
+              <a:gd name="connisteX4" fmla="*/ 1912126 w 3683963"/>
+              <a:gd name="connsiteY4" fmla="*/ 3478143 h 3719101"/>
+              <a:gd name="connisteX5" fmla="*/ 982486 w 3683963"/>
+              <a:gd name="connsiteY5" fmla="*/ 3214618 h 3719101"/>
+              <a:gd name="connisteX6" fmla="*/ 141 w 3683963"/>
+              <a:gd name="connsiteY6" fmla="*/ 3688328 h 3719101"/>
+              <a:gd name="connisteX7" fmla="*/ 1035191 w 3683963"/>
+              <a:gd name="connsiteY7" fmla="*/ 2355463 h 3719101"/>
+              <a:gd name="connisteX8" fmla="*/ 403366 w 3683963"/>
+              <a:gd name="connsiteY8" fmla="*/ 987038 h 3719101"/>
+            </a:gdLst>
+            <a:ahLst/>
+            <a:cxnLst>
+              <a:cxn ang="0">
+                <a:pos x="connisteX0" y="connsiteY0"/>
+              </a:cxn>
+              <a:cxn ang="0">
+                <a:pos x="connisteX1" y="connsiteY1"/>
+              </a:cxn>
+              <a:cxn ang="0">
+                <a:pos x="connisteX2" y="connsiteY2"/>
+              </a:cxn>
+              <a:cxn ang="0">
+                <a:pos x="connisteX3" y="connsiteY3"/>
+              </a:cxn>
+              <a:cxn ang="0">
+                <a:pos x="connisteX4" y="connsiteY4"/>
+              </a:cxn>
+              <a:cxn ang="0">
+                <a:pos x="connisteX5" y="connsiteY5"/>
+              </a:cxn>
+              <a:cxn ang="0">
+                <a:pos x="connisteX6" y="connsiteY6"/>
+              </a:cxn>
+              <a:cxn ang="0">
+                <a:pos x="connisteX7" y="connsiteY7"/>
+              </a:cxn>
+              <a:cxn ang="0">
+                <a:pos x="connisteX8" y="connsiteY8"/>
+              </a:cxn>
+            </a:cxnLst>
+            <a:rect l="l" t="t" r="r" b="b"/>
+            <a:pathLst>
+              <a:path w="3683964" h="3719101">
+                <a:moveTo>
+                  <a:pt x="403366" y="987038"/>
+                </a:moveTo>
+                <a:cubicBezTo>
+                  <a:pt x="490996" y="755263"/>
+                  <a:pt x="1188861" y="1393438"/>
+                  <a:pt x="1473341" y="1197223"/>
+                </a:cubicBezTo>
+                <a:cubicBezTo>
+                  <a:pt x="1757821" y="1001008"/>
+                  <a:pt x="1382536" y="-79762"/>
+                  <a:pt x="1824496" y="4693"/>
+                </a:cubicBezTo>
+                <a:cubicBezTo>
+                  <a:pt x="2266456" y="89148"/>
+                  <a:pt x="3665996" y="924173"/>
+                  <a:pt x="3683776" y="1618863"/>
+                </a:cubicBezTo>
+                <a:cubicBezTo>
+                  <a:pt x="3701556" y="2313553"/>
+                  <a:pt x="2452511" y="3158738"/>
+                  <a:pt x="1912126" y="3478143"/>
+                </a:cubicBezTo>
+                <a:cubicBezTo>
+                  <a:pt x="1371741" y="3797548"/>
+                  <a:pt x="1364756" y="3172708"/>
+                  <a:pt x="982486" y="3214618"/>
+                </a:cubicBezTo>
+                <a:cubicBezTo>
+                  <a:pt x="600216" y="3256528"/>
+                  <a:pt x="-10654" y="3860413"/>
+                  <a:pt x="141" y="3688328"/>
+                </a:cubicBezTo>
+                <a:cubicBezTo>
+                  <a:pt x="10936" y="3516243"/>
+                  <a:pt x="954546" y="2895848"/>
+                  <a:pt x="1035191" y="2355463"/>
+                </a:cubicBezTo>
+                <a:cubicBezTo>
+                  <a:pt x="1115836" y="1815078"/>
+                  <a:pt x="315736" y="1218813"/>
+                  <a:pt x="403366" y="987038"/>
+                </a:cubicBezTo>
+                <a:close/>
+              </a:path>
+            </a:pathLst>
+          </a:custGeom>
+          <a:noFill/>
+          <a:ln w="25400">
+            <a:solidFill>
+              <a:srgbClr val="FF0000">
+                <a:alpha val="50000"/>
+              </a:srgbClr>
+            </a:solidFill>
+          </a:ln>
+        </p:spPr>
+        <p:style>
+          <a:lnRef idx="2">
+            <a:schemeClr val="accent1">
+              <a:lumMod val="75000"/>
+            </a:schemeClr>
+          </a:lnRef>
+          <a:fillRef idx="1">
+            <a:schemeClr val="accent1"/>
+          </a:fillRef>
+          <a:effectRef idx="0">
+            <a:srgbClr val="FFFFFF"/>
+          </a:effectRef>
+          <a:fontRef idx="minor">
+            <a:schemeClr val="lt1"/>
+          </a:fontRef>
+        </p:style>
+        <p:txBody>
+          <a:bodyPr rtlCol="0" anchor="ctr"/>
+          <a:p>
+            <a:pPr algn="ctr"/>
+            <a:endParaRPr lang="zh-CN" altLang="en-US"/>
+          </a:p>
+        </p:txBody>
+      </p:sp>
+      <p:sp>
+        <p:nvSpPr>
+          <p:cNvPr id="4" name="任意多边形 3"/>
+          <p:cNvSpPr/>
+          <p:nvPr/>
+        </p:nvSpPr>
+        <p:spPr>
+          <a:xfrm>
+            <a:off x="7075170" y="1406525"/>
+            <a:ext cx="4367530" cy="4408805"/>
+          </a:xfrm>
+          <a:custGeom>
+            <a:avLst/>
+            <a:gdLst>
+              <a:gd name="connisteX0" fmla="*/ 403366 w 3683963"/>
+              <a:gd name="connsiteY0" fmla="*/ 987038 h 3719101"/>
+              <a:gd name="connisteX1" fmla="*/ 1473341 w 3683963"/>
+              <a:gd name="connsiteY1" fmla="*/ 1197223 h 3719101"/>
+              <a:gd name="connisteX2" fmla="*/ 1824496 w 3683963"/>
+              <a:gd name="connsiteY2" fmla="*/ 4693 h 3719101"/>
+              <a:gd name="connisteX3" fmla="*/ 3683776 w 3683963"/>
+              <a:gd name="connsiteY3" fmla="*/ 1618863 h 3719101"/>
+              <a:gd name="connisteX4" fmla="*/ 1912126 w 3683963"/>
+              <a:gd name="connsiteY4" fmla="*/ 3478143 h 3719101"/>
+              <a:gd name="connisteX5" fmla="*/ 982486 w 3683963"/>
+              <a:gd name="connsiteY5" fmla="*/ 3214618 h 3719101"/>
+              <a:gd name="connisteX6" fmla="*/ 141 w 3683963"/>
+              <a:gd name="connsiteY6" fmla="*/ 3688328 h 3719101"/>
+              <a:gd name="connisteX7" fmla="*/ 1035191 w 3683963"/>
+              <a:gd name="connsiteY7" fmla="*/ 2355463 h 3719101"/>
+              <a:gd name="connisteX8" fmla="*/ 403366 w 3683963"/>
+              <a:gd name="connsiteY8" fmla="*/ 987038 h 3719101"/>
+            </a:gdLst>
+            <a:ahLst/>
+            <a:cxnLst>
+              <a:cxn ang="0">
+                <a:pos x="connisteX0" y="connsiteY0"/>
+              </a:cxn>
+              <a:cxn ang="0">
+                <a:pos x="connisteX1" y="connsiteY1"/>
+              </a:cxn>
+              <a:cxn ang="0">
+                <a:pos x="connisteX2" y="connsiteY2"/>
+              </a:cxn>
+              <a:cxn ang="0">
+                <a:pos x="connisteX3" y="connsiteY3"/>
+              </a:cxn>
+              <a:cxn ang="0">
+                <a:pos x="connisteX4" y="connsiteY4"/>
+              </a:cxn>
+              <a:cxn ang="0">
+                <a:pos x="connisteX5" y="connsiteY5"/>
+              </a:cxn>
+              <a:cxn ang="0">
+                <a:pos x="connisteX6" y="connsiteY6"/>
+              </a:cxn>
+              <a:cxn ang="0">
+                <a:pos x="connisteX7" y="connsiteY7"/>
+              </a:cxn>
+              <a:cxn ang="0">
+                <a:pos x="connisteX8" y="connsiteY8"/>
+              </a:cxn>
+            </a:cxnLst>
+            <a:rect l="l" t="t" r="r" b="b"/>
+            <a:pathLst>
+              <a:path w="3683964" h="3719101">
+                <a:moveTo>
+                  <a:pt x="403366" y="987038"/>
+                </a:moveTo>
+                <a:cubicBezTo>
+                  <a:pt x="490996" y="755263"/>
+                  <a:pt x="1188861" y="1393438"/>
+                  <a:pt x="1473341" y="1197223"/>
+                </a:cubicBezTo>
+                <a:cubicBezTo>
+                  <a:pt x="1757821" y="1001008"/>
+                  <a:pt x="1382536" y="-79762"/>
+                  <a:pt x="1824496" y="4693"/>
+                </a:cubicBezTo>
+                <a:cubicBezTo>
+                  <a:pt x="2266456" y="89148"/>
+                  <a:pt x="3665996" y="924173"/>
+                  <a:pt x="3683776" y="1618863"/>
+                </a:cubicBezTo>
+                <a:cubicBezTo>
+                  <a:pt x="3701556" y="2313553"/>
+                  <a:pt x="2452511" y="3158738"/>
+                  <a:pt x="1912126" y="3478143"/>
+                </a:cubicBezTo>
+                <a:cubicBezTo>
+                  <a:pt x="1371741" y="3797548"/>
+                  <a:pt x="1364756" y="3172708"/>
+                  <a:pt x="982486" y="3214618"/>
+                </a:cubicBezTo>
+                <a:cubicBezTo>
+                  <a:pt x="600216" y="3256528"/>
+                  <a:pt x="-10654" y="3860413"/>
+                  <a:pt x="141" y="3688328"/>
+                </a:cubicBezTo>
+                <a:cubicBezTo>
+                  <a:pt x="10936" y="3516243"/>
+                  <a:pt x="954546" y="2895848"/>
+                  <a:pt x="1035191" y="2355463"/>
+                </a:cubicBezTo>
+                <a:cubicBezTo>
+                  <a:pt x="1115836" y="1815078"/>
+                  <a:pt x="315736" y="1218813"/>
+                  <a:pt x="403366" y="987038"/>
+                </a:cubicBezTo>
+                <a:close/>
+              </a:path>
+            </a:pathLst>
+          </a:custGeom>
+          <a:noFill/>
+          <a:ln w="25400">
+            <a:solidFill>
+              <a:srgbClr val="FF0000">
+                <a:alpha val="50000"/>
+              </a:srgbClr>
+            </a:solidFill>
+          </a:ln>
+        </p:spPr>
+        <p:style>
+          <a:lnRef idx="2">
+            <a:schemeClr val="accent1">
+              <a:lumMod val="75000"/>
+            </a:schemeClr>
+          </a:lnRef>
+          <a:fillRef idx="1">
+            <a:schemeClr val="accent1"/>
+          </a:fillRef>
+          <a:effectRef idx="0">
+            <a:srgbClr val="FFFFFF"/>
+          </a:effectRef>
+          <a:fontRef idx="minor">
+            <a:schemeClr val="lt1"/>
+          </a:fontRef>
+        </p:style>
+        <p:txBody>
+          <a:bodyPr rtlCol="0" anchor="ctr"/>
+          <a:p>
+            <a:pPr algn="ctr"/>
+            <a:endParaRPr lang="zh-CN" altLang="en-US"/>
+          </a:p>
+        </p:txBody>
+      </p:sp>
+      <p:sp>
+        <p:nvSpPr>
+          <p:cNvPr id="7" name="矩形 6"/>
+          <p:cNvSpPr/>
+          <p:nvPr/>
+        </p:nvSpPr>
+        <p:spPr>
+          <a:xfrm>
+            <a:off x="2386330" y="1212850"/>
+            <a:ext cx="2367280" cy="2367280"/>
+          </a:xfrm>
+          <a:prstGeom prst="rect">
+            <a:avLst/>
+          </a:prstGeom>
+          <a:solidFill>
+            <a:srgbClr val="FFC000">
+              <a:alpha val="30000"/>
+            </a:srgbClr>
+          </a:solidFill>
+          <a:ln>
+            <a:noFill/>
+          </a:ln>
+        </p:spPr>
+        <p:style>
+          <a:lnRef idx="2">
+            <a:schemeClr val="accent1">
+              <a:lumMod val="75000"/>
+            </a:schemeClr>
+          </a:lnRef>
+          <a:fillRef idx="1">
+            <a:schemeClr val="accent1"/>
+          </a:fillRef>
+          <a:effectRef idx="0">
+            <a:srgbClr val="FFFFFF"/>
+          </a:effectRef>
+          <a:fontRef idx="minor">
+            <a:schemeClr val="lt1"/>
+          </a:fontRef>
+        </p:style>
+        <p:txBody>
+          <a:bodyPr rtlCol="0" anchor="ctr"/>
+          <a:p>
+            <a:pPr algn="ctr"/>
+            <a:endParaRPr lang="zh-CN" altLang="en-US"/>
+          </a:p>
+        </p:txBody>
+      </p:sp>
+      <p:sp>
+        <p:nvSpPr>
+          <p:cNvPr id="9" name="矩形 8"/>
+          <p:cNvSpPr/>
+          <p:nvPr/>
+        </p:nvSpPr>
+        <p:spPr>
+          <a:xfrm>
+            <a:off x="3285490" y="2427605"/>
+            <a:ext cx="2367280" cy="2367280"/>
+          </a:xfrm>
+          <a:prstGeom prst="rect">
+            <a:avLst/>
+          </a:prstGeom>
+          <a:solidFill>
+            <a:srgbClr val="FFFF00">
+              <a:alpha val="30000"/>
+            </a:srgbClr>
+          </a:solidFill>
+          <a:ln>
+            <a:noFill/>
+          </a:ln>
+        </p:spPr>
+        <p:style>
+          <a:lnRef idx="2">
+            <a:schemeClr val="accent1">
+              <a:lumMod val="75000"/>
+            </a:schemeClr>
+          </a:lnRef>
+          <a:fillRef idx="1">
+            <a:schemeClr val="accent1"/>
+          </a:fillRef>
+          <a:effectRef idx="0">
+            <a:srgbClr val="FFFFFF"/>
+          </a:effectRef>
+          <a:fontRef idx="minor">
+            <a:schemeClr val="lt1"/>
+          </a:fontRef>
+        </p:style>
+        <p:txBody>
+          <a:bodyPr rtlCol="0" anchor="ctr"/>
+          <a:p>
+            <a:pPr algn="ctr"/>
+            <a:endParaRPr lang="zh-CN" altLang="en-US"/>
+          </a:p>
+        </p:txBody>
+      </p:sp>
+      <p:sp>
+        <p:nvSpPr>
+          <p:cNvPr id="10" name="矩形 9"/>
+          <p:cNvSpPr/>
+          <p:nvPr/>
+        </p:nvSpPr>
+        <p:spPr>
+          <a:xfrm>
+            <a:off x="1859915" y="3448050"/>
+            <a:ext cx="2367280" cy="2367280"/>
+          </a:xfrm>
+          <a:prstGeom prst="rect">
+            <a:avLst/>
+          </a:prstGeom>
+          <a:solidFill>
+            <a:srgbClr val="92D050">
+              <a:alpha val="30000"/>
+            </a:srgbClr>
+          </a:solidFill>
+          <a:ln>
+            <a:noFill/>
+          </a:ln>
+        </p:spPr>
+        <p:style>
+          <a:lnRef idx="2">
+            <a:schemeClr val="accent1">
+              <a:lumMod val="75000"/>
+            </a:schemeClr>
+          </a:lnRef>
+          <a:fillRef idx="1">
+            <a:schemeClr val="accent1"/>
+          </a:fillRef>
+          <a:effectRef idx="0">
+            <a:srgbClr val="FFFFFF"/>
+          </a:effectRef>
+          <a:fontRef idx="minor">
+            <a:schemeClr val="lt1"/>
+          </a:fontRef>
+        </p:style>
+        <p:txBody>
+          <a:bodyPr rtlCol="0" anchor="ctr"/>
+          <a:p>
+            <a:pPr algn="ctr"/>
+            <a:endParaRPr lang="zh-CN" altLang="en-US"/>
+          </a:p>
+        </p:txBody>
+      </p:sp>
+      <p:sp>
+        <p:nvSpPr>
+          <p:cNvPr id="11" name="矩形 10"/>
+          <p:cNvSpPr/>
+          <p:nvPr/>
+        </p:nvSpPr>
+        <p:spPr>
+          <a:xfrm>
+            <a:off x="633095" y="4434840"/>
+            <a:ext cx="1753235" cy="1753235"/>
+          </a:xfrm>
+          <a:prstGeom prst="rect">
+            <a:avLst/>
+          </a:prstGeom>
+          <a:solidFill>
+            <a:srgbClr val="00B050">
+              <a:alpha val="30000"/>
+            </a:srgbClr>
+          </a:solidFill>
+          <a:ln>
+            <a:noFill/>
+          </a:ln>
+        </p:spPr>
+        <p:style>
+          <a:lnRef idx="2">
+            <a:schemeClr val="accent1">
+              <a:lumMod val="75000"/>
+            </a:schemeClr>
+          </a:lnRef>
+          <a:fillRef idx="1">
+            <a:schemeClr val="accent1"/>
+          </a:fillRef>
+          <a:effectRef idx="0">
+            <a:srgbClr val="FFFFFF"/>
+          </a:effectRef>
+          <a:fontRef idx="minor">
+            <a:schemeClr val="lt1"/>
+          </a:fontRef>
+        </p:style>
+        <p:txBody>
+          <a:bodyPr rtlCol="0" anchor="ctr"/>
+          <a:p>
+            <a:pPr algn="ctr"/>
+            <a:endParaRPr lang="zh-CN" altLang="en-US"/>
+          </a:p>
+        </p:txBody>
+      </p:sp>
+      <p:sp>
+        <p:nvSpPr>
+          <p:cNvPr id="12" name="矩形 11"/>
+          <p:cNvSpPr/>
+          <p:nvPr/>
+        </p:nvSpPr>
+        <p:spPr>
+          <a:xfrm>
+            <a:off x="1111250" y="2264410"/>
+            <a:ext cx="1753235" cy="1753235"/>
+          </a:xfrm>
+          <a:prstGeom prst="rect">
+            <a:avLst/>
+          </a:prstGeom>
+          <a:solidFill>
+            <a:srgbClr val="00B0F0">
+              <a:alpha val="30000"/>
+            </a:srgbClr>
+          </a:solidFill>
+          <a:ln>
+            <a:noFill/>
+          </a:ln>
+        </p:spPr>
+        <p:style>
+          <a:lnRef idx="2">
+            <a:schemeClr val="accent1">
+              <a:lumMod val="75000"/>
+            </a:schemeClr>
+          </a:lnRef>
+          <a:fillRef idx="1">
+            <a:schemeClr val="accent1"/>
+          </a:fillRef>
+          <a:effectRef idx="0">
+            <a:srgbClr val="FFFFFF"/>
+          </a:effectRef>
+          <a:fontRef idx="minor">
+            <a:schemeClr val="lt1"/>
+          </a:fontRef>
+        </p:style>
+        <p:txBody>
+          <a:bodyPr rtlCol="0" anchor="ctr"/>
+          <a:p>
+            <a:pPr algn="ctr"/>
+            <a:endParaRPr lang="zh-CN" altLang="en-US"/>
+          </a:p>
+        </p:txBody>
+      </p:sp>
+      <p:sp>
+        <p:nvSpPr>
+          <p:cNvPr id="13" name="椭圆 12"/>
+          <p:cNvSpPr/>
+          <p:nvPr/>
+        </p:nvSpPr>
+        <p:spPr>
+          <a:xfrm>
+            <a:off x="9422130" y="2200275"/>
+            <a:ext cx="2245360" cy="2245360"/>
+          </a:xfrm>
+          <a:prstGeom prst="ellipse">
+            <a:avLst/>
+          </a:prstGeom>
+          <a:solidFill>
+            <a:srgbClr val="FFFF00">
+              <a:alpha val="30000"/>
+            </a:srgbClr>
+          </a:solidFill>
+          <a:ln>
+            <a:noFill/>
+          </a:ln>
+        </p:spPr>
+        <p:style>
+          <a:lnRef idx="2">
+            <a:schemeClr val="accent1">
+              <a:lumMod val="75000"/>
+            </a:schemeClr>
+          </a:lnRef>
+          <a:fillRef idx="1">
+            <a:schemeClr val="accent1"/>
+          </a:fillRef>
+          <a:effectRef idx="0">
+            <a:srgbClr val="FFFFFF"/>
+          </a:effectRef>
+          <a:fontRef idx="minor">
+            <a:schemeClr val="lt1"/>
+          </a:fontRef>
+        </p:style>
+        <p:txBody>
+          <a:bodyPr rtlCol="0" anchor="ctr"/>
+          <a:p>
+            <a:pPr algn="ctr"/>
+            <a:endParaRPr lang="zh-CN" altLang="en-US"/>
+          </a:p>
+        </p:txBody>
+      </p:sp>
+      <p:sp>
+        <p:nvSpPr>
+          <p:cNvPr id="14" name="椭圆 13"/>
+          <p:cNvSpPr/>
+          <p:nvPr/>
+        </p:nvSpPr>
+        <p:spPr>
+          <a:xfrm>
+            <a:off x="8847455" y="1044575"/>
+            <a:ext cx="1929130" cy="1929130"/>
+          </a:xfrm>
+          <a:prstGeom prst="ellipse">
+            <a:avLst/>
+          </a:prstGeom>
+          <a:solidFill>
+            <a:srgbClr val="FFC000">
+              <a:alpha val="30000"/>
+            </a:srgbClr>
+          </a:solidFill>
+          <a:ln>
+            <a:noFill/>
+          </a:ln>
+        </p:spPr>
+        <p:style>
+          <a:lnRef idx="2">
+            <a:schemeClr val="accent1">
+              <a:lumMod val="75000"/>
+            </a:schemeClr>
+          </a:lnRef>
+          <a:fillRef idx="1">
+            <a:schemeClr val="accent1"/>
+          </a:fillRef>
+          <a:effectRef idx="0">
+            <a:srgbClr val="FFFFFF"/>
+          </a:effectRef>
+          <a:fontRef idx="minor">
+            <a:schemeClr val="lt1"/>
+          </a:fontRef>
+        </p:style>
+        <p:txBody>
+          <a:bodyPr rtlCol="0" anchor="ctr"/>
+          <a:p>
+            <a:pPr algn="ctr"/>
+            <a:endParaRPr lang="zh-CN" altLang="en-US"/>
+          </a:p>
+        </p:txBody>
+      </p:sp>
+      <p:sp>
+        <p:nvSpPr>
+          <p:cNvPr id="15" name="椭圆 14"/>
+          <p:cNvSpPr/>
+          <p:nvPr/>
+        </p:nvSpPr>
+        <p:spPr>
+          <a:xfrm>
+            <a:off x="7188835" y="2018030"/>
+            <a:ext cx="2609850" cy="2609850"/>
+          </a:xfrm>
+          <a:prstGeom prst="ellipse">
+            <a:avLst/>
+          </a:prstGeom>
+          <a:solidFill>
+            <a:srgbClr val="00B0F0">
+              <a:alpha val="30000"/>
+            </a:srgbClr>
+          </a:solidFill>
+          <a:ln>
+            <a:noFill/>
+          </a:ln>
+        </p:spPr>
+        <p:style>
+          <a:lnRef idx="2">
+            <a:schemeClr val="accent1">
+              <a:lumMod val="75000"/>
+            </a:schemeClr>
+          </a:lnRef>
+          <a:fillRef idx="1">
+            <a:schemeClr val="accent1"/>
+          </a:fillRef>
+          <a:effectRef idx="0">
+            <a:srgbClr val="FFFFFF"/>
+          </a:effectRef>
+          <a:fontRef idx="minor">
+            <a:schemeClr val="lt1"/>
+          </a:fontRef>
+        </p:style>
+        <p:txBody>
+          <a:bodyPr rtlCol="0" anchor="ctr"/>
+          <a:p>
+            <a:pPr algn="ctr"/>
+            <a:endParaRPr lang="zh-CN" altLang="en-US"/>
+          </a:p>
+        </p:txBody>
+      </p:sp>
+      <p:sp>
+        <p:nvSpPr>
+          <p:cNvPr id="16" name="椭圆 15"/>
+          <p:cNvSpPr/>
+          <p:nvPr/>
+        </p:nvSpPr>
+        <p:spPr>
+          <a:xfrm>
+            <a:off x="8385810" y="3448050"/>
+            <a:ext cx="2609850" cy="2609850"/>
+          </a:xfrm>
+          <a:prstGeom prst="ellipse">
+            <a:avLst/>
+          </a:prstGeom>
+          <a:solidFill>
+            <a:srgbClr val="92D050">
+              <a:alpha val="30000"/>
+            </a:srgbClr>
+          </a:solidFill>
+          <a:ln>
+            <a:noFill/>
+          </a:ln>
+        </p:spPr>
+        <p:style>
+          <a:lnRef idx="2">
+            <a:schemeClr val="accent1">
+              <a:lumMod val="75000"/>
+            </a:schemeClr>
+          </a:lnRef>
+          <a:fillRef idx="1">
+            <a:schemeClr val="accent1"/>
+          </a:fillRef>
+          <a:effectRef idx="0">
+            <a:srgbClr val="FFFFFF"/>
+          </a:effectRef>
+          <a:fontRef idx="minor">
+            <a:schemeClr val="lt1"/>
+          </a:fontRef>
+        </p:style>
+        <p:txBody>
+          <a:bodyPr rtlCol="0" anchor="ctr"/>
+          <a:p>
+            <a:pPr algn="ctr"/>
+            <a:endParaRPr lang="zh-CN" altLang="en-US"/>
+          </a:p>
+        </p:txBody>
+      </p:sp>
+      <p:sp>
+        <p:nvSpPr>
+          <p:cNvPr id="17" name="椭圆 16"/>
+          <p:cNvSpPr/>
+          <p:nvPr/>
+        </p:nvSpPr>
+        <p:spPr>
+          <a:xfrm>
+            <a:off x="6667500" y="4017645"/>
+            <a:ext cx="2171065" cy="2171065"/>
+          </a:xfrm>
+          <a:prstGeom prst="ellipse">
+            <a:avLst/>
+          </a:prstGeom>
+          <a:solidFill>
+            <a:srgbClr val="00B050">
+              <a:alpha val="30000"/>
+            </a:srgbClr>
+          </a:solidFill>
+          <a:ln>
+            <a:noFill/>
+          </a:ln>
+        </p:spPr>
+        <p:style>
+          <a:lnRef idx="2">
+            <a:schemeClr val="accent1">
+              <a:lumMod val="75000"/>
+            </a:schemeClr>
+          </a:lnRef>
+          <a:fillRef idx="1">
+            <a:schemeClr val="accent1"/>
+          </a:fillRef>
+          <a:effectRef idx="0">
+            <a:srgbClr val="FFFFFF"/>
+          </a:effectRef>
+          <a:fontRef idx="minor">
+            <a:schemeClr val="lt1"/>
+          </a:fontRef>
+        </p:style>
+        <p:txBody>
+          <a:bodyPr rtlCol="0" anchor="ctr"/>
+          <a:p>
+            <a:pPr algn="ctr"/>
+            <a:endParaRPr lang="zh-CN" altLang="en-US"/>
+          </a:p>
+        </p:txBody>
+      </p:sp>
+    </p:spTree>
+  </p:cSld>
+  <p:clrMapOvr>
+    <a:masterClrMapping/>
+  </p:clrMapOvr>
+</p:sld>
+</file>
+
 <file path=ppt/slides/slide2.xml><?xml version="1.0" encoding="utf-8"?>
 <p:sld xmlns:a="http://schemas.openxmlformats.org/drawingml/2006/main" xmlns:r="http://schemas.openxmlformats.org/officeDocument/2006/relationships" xmlns:p="http://schemas.openxmlformats.org/presentationml/2006/main">
   <p:cSld>
@@ -16969,7 +20253,7 @@
               <a:blipFill rotWithShape="1">
                 <a:blip r:embed="rId5"/>
                 <a:stretch>
-                  <a:fillRect l="-123" t="-69" r="123" b="69"/>
+                  <a:fillRect l="-123" t="-69" r="-6854" b="69"/>
                 </a:stretch>
               </a:blipFill>
             </p:spPr>
@@ -17107,7 +20391,7 @@
               <a:blipFill rotWithShape="1">
                 <a:blip r:embed="rId8"/>
                 <a:stretch>
-                  <a:fillRect l="-121" t="-69" r="121" b="69"/>
+                  <a:fillRect l="-121" t="-69" r="-4705" b="69"/>
                 </a:stretch>
               </a:blipFill>
             </p:spPr>
@@ -17245,7 +20529,7 @@
               <a:blipFill rotWithShape="1">
                 <a:blip r:embed="rId11"/>
                 <a:stretch>
-                  <a:fillRect l="-121" t="-69" r="121" b="69"/>
+                  <a:fillRect l="-121" t="-69" r="-4705" b="69"/>
                 </a:stretch>
               </a:blipFill>
             </p:spPr>
@@ -17383,7 +20667,7 @@
               <a:blipFill rotWithShape="1">
                 <a:blip r:embed="rId14"/>
                 <a:stretch>
-                  <a:fillRect l="-125" t="-69" r="125" b="69"/>
+                  <a:fillRect l="-125" t="-69" r="-8498" b="69"/>
                 </a:stretch>
               </a:blipFill>
             </p:spPr>
@@ -17521,7 +20805,7 @@
               <a:blipFill rotWithShape="1">
                 <a:blip r:embed="rId17"/>
                 <a:stretch>
-                  <a:fillRect l="-125" t="-69" r="125" b="69"/>
+                  <a:fillRect l="-125" t="-69" r="-8498" b="69"/>
                 </a:stretch>
               </a:blipFill>
             </p:spPr>
@@ -17659,7 +20943,7 @@
               <a:blipFill rotWithShape="1">
                 <a:blip r:embed="rId20"/>
                 <a:stretch>
-                  <a:fillRect l="-125" t="-69" r="125" b="69"/>
+                  <a:fillRect l="-125" t="-69" r="-8498" b="69"/>
                 </a:stretch>
               </a:blipFill>
             </p:spPr>
@@ -18867,12 +22151,84 @@
 </p:tagLst>
 </file>
 
+<file path=ppt/tags/tag188.xml><?xml version="1.0" encoding="utf-8"?>
+<p:tagLst xmlns:p="http://schemas.openxmlformats.org/presentationml/2006/main">
+  <p:tag name="KSO_WM_BEAUTIFY_FLAG" val=""/>
+</p:tagLst>
+</file>
+
+<file path=ppt/tags/tag189.xml><?xml version="1.0" encoding="utf-8"?>
+<p:tagLst xmlns:p="http://schemas.openxmlformats.org/presentationml/2006/main">
+  <p:tag name="KSO_WM_BEAUTIFY_FLAG" val=""/>
+</p:tagLst>
+</file>
+
 <file path=ppt/tags/tag19.xml><?xml version="1.0" encoding="utf-8"?>
 <p:tagLst xmlns:p="http://schemas.openxmlformats.org/presentationml/2006/main">
   <p:tag name="KSO_WM_BEAUTIFY_FLAG" val=""/>
 </p:tagLst>
 </file>
 
+<file path=ppt/tags/tag190.xml><?xml version="1.0" encoding="utf-8"?>
+<p:tagLst xmlns:p="http://schemas.openxmlformats.org/presentationml/2006/main">
+  <p:tag name="KSO_WM_BEAUTIFY_FLAG" val=""/>
+</p:tagLst>
+</file>
+
+<file path=ppt/tags/tag191.xml><?xml version="1.0" encoding="utf-8"?>
+<p:tagLst xmlns:p="http://schemas.openxmlformats.org/presentationml/2006/main">
+  <p:tag name="KSO_WM_BEAUTIFY_FLAG" val=""/>
+</p:tagLst>
+</file>
+
+<file path=ppt/tags/tag192.xml><?xml version="1.0" encoding="utf-8"?>
+<p:tagLst xmlns:p="http://schemas.openxmlformats.org/presentationml/2006/main">
+  <p:tag name="KSO_WM_BEAUTIFY_FLAG" val=""/>
+</p:tagLst>
+</file>
+
+<file path=ppt/tags/tag193.xml><?xml version="1.0" encoding="utf-8"?>
+<p:tagLst xmlns:p="http://schemas.openxmlformats.org/presentationml/2006/main">
+  <p:tag name="KSO_WM_BEAUTIFY_FLAG" val=""/>
+</p:tagLst>
+</file>
+
+<file path=ppt/tags/tag194.xml><?xml version="1.0" encoding="utf-8"?>
+<p:tagLst xmlns:p="http://schemas.openxmlformats.org/presentationml/2006/main">
+  <p:tag name="KSO_WM_BEAUTIFY_FLAG" val=""/>
+</p:tagLst>
+</file>
+
+<file path=ppt/tags/tag195.xml><?xml version="1.0" encoding="utf-8"?>
+<p:tagLst xmlns:p="http://schemas.openxmlformats.org/presentationml/2006/main">
+  <p:tag name="KSO_WM_BEAUTIFY_FLAG" val=""/>
+</p:tagLst>
+</file>
+
+<file path=ppt/tags/tag196.xml><?xml version="1.0" encoding="utf-8"?>
+<p:tagLst xmlns:p="http://schemas.openxmlformats.org/presentationml/2006/main">
+  <p:tag name="KSO_WM_BEAUTIFY_FLAG" val=""/>
+</p:tagLst>
+</file>
+
+<file path=ppt/tags/tag197.xml><?xml version="1.0" encoding="utf-8"?>
+<p:tagLst xmlns:p="http://schemas.openxmlformats.org/presentationml/2006/main">
+  <p:tag name="KSO_WM_BEAUTIFY_FLAG" val=""/>
+</p:tagLst>
+</file>
+
+<file path=ppt/tags/tag198.xml><?xml version="1.0" encoding="utf-8"?>
+<p:tagLst xmlns:p="http://schemas.openxmlformats.org/presentationml/2006/main">
+  <p:tag name="KSO_WM_BEAUTIFY_FLAG" val=""/>
+</p:tagLst>
+</file>
+
+<file path=ppt/tags/tag199.xml><?xml version="1.0" encoding="utf-8"?>
+<p:tagLst xmlns:p="http://schemas.openxmlformats.org/presentationml/2006/main">
+  <p:tag name="KSO_WM_BEAUTIFY_FLAG" val=""/>
+</p:tagLst>
+</file>
+
 <file path=ppt/tags/tag2.xml><?xml version="1.0" encoding="utf-8"?>
 <p:tagLst xmlns:p="http://schemas.openxmlformats.org/presentationml/2006/main">
   <p:tag name="KSO_WM_BEAUTIFY_FLAG" val=""/>
@@ -18885,13 +22241,139 @@
 </p:tagLst>
 </file>
 
+<file path=ppt/tags/tag200.xml><?xml version="1.0" encoding="utf-8"?>
+<p:tagLst xmlns:p="http://schemas.openxmlformats.org/presentationml/2006/main">
+  <p:tag name="KSO_WM_BEAUTIFY_FLAG" val=""/>
+</p:tagLst>
+</file>
+
+<file path=ppt/tags/tag201.xml><?xml version="1.0" encoding="utf-8"?>
+<p:tagLst xmlns:p="http://schemas.openxmlformats.org/presentationml/2006/main">
+  <p:tag name="KSO_WM_BEAUTIFY_FLAG" val=""/>
+</p:tagLst>
+</file>
+
+<file path=ppt/tags/tag202.xml><?xml version="1.0" encoding="utf-8"?>
+<p:tagLst xmlns:p="http://schemas.openxmlformats.org/presentationml/2006/main">
+  <p:tag name="KSO_WM_BEAUTIFY_FLAG" val=""/>
+</p:tagLst>
+</file>
+
+<file path=ppt/tags/tag203.xml><?xml version="1.0" encoding="utf-8"?>
+<p:tagLst xmlns:p="http://schemas.openxmlformats.org/presentationml/2006/main">
+  <p:tag name="KSO_WM_BEAUTIFY_FLAG" val=""/>
+</p:tagLst>
+</file>
+
+<file path=ppt/tags/tag204.xml><?xml version="1.0" encoding="utf-8"?>
+<p:tagLst xmlns:p="http://schemas.openxmlformats.org/presentationml/2006/main">
+  <p:tag name="KSO_WM_BEAUTIFY_FLAG" val=""/>
+</p:tagLst>
+</file>
+
+<file path=ppt/tags/tag205.xml><?xml version="1.0" encoding="utf-8"?>
+<p:tagLst xmlns:p="http://schemas.openxmlformats.org/presentationml/2006/main">
+  <p:tag name="KSO_WM_BEAUTIFY_FLAG" val=""/>
+</p:tagLst>
+</file>
+
+<file path=ppt/tags/tag206.xml><?xml version="1.0" encoding="utf-8"?>
+<p:tagLst xmlns:p="http://schemas.openxmlformats.org/presentationml/2006/main">
+  <p:tag name="KSO_WM_BEAUTIFY_FLAG" val=""/>
+</p:tagLst>
+</file>
+
+<file path=ppt/tags/tag207.xml><?xml version="1.0" encoding="utf-8"?>
+<p:tagLst xmlns:p="http://schemas.openxmlformats.org/presentationml/2006/main">
+  <p:tag name="KSO_WM_BEAUTIFY_FLAG" val=""/>
+</p:tagLst>
+</file>
+
+<file path=ppt/tags/tag208.xml><?xml version="1.0" encoding="utf-8"?>
+<p:tagLst xmlns:p="http://schemas.openxmlformats.org/presentationml/2006/main">
+  <p:tag name="KSO_WM_BEAUTIFY_FLAG" val=""/>
+</p:tagLst>
+</file>
+
+<file path=ppt/tags/tag209.xml><?xml version="1.0" encoding="utf-8"?>
+<p:tagLst xmlns:p="http://schemas.openxmlformats.org/presentationml/2006/main">
+  <p:tag name="KSO_WM_BEAUTIFY_FLAG" val=""/>
+</p:tagLst>
+</file>
+
 <file path=ppt/tags/tag21.xml><?xml version="1.0" encoding="utf-8"?>
 <p:tagLst xmlns:p="http://schemas.openxmlformats.org/presentationml/2006/main">
   <p:tag name="KSO_WM_BEAUTIFY_FLAG" val=""/>
 </p:tagLst>
 </file>
 
+<file path=ppt/tags/tag210.xml><?xml version="1.0" encoding="utf-8"?>
+<p:tagLst xmlns:p="http://schemas.openxmlformats.org/presentationml/2006/main">
+  <p:tag name="KSO_WM_BEAUTIFY_FLAG" val=""/>
+</p:tagLst>
+</file>
+
+<file path=ppt/tags/tag211.xml><?xml version="1.0" encoding="utf-8"?>
+<p:tagLst xmlns:p="http://schemas.openxmlformats.org/presentationml/2006/main">
+  <p:tag name="KSO_WM_BEAUTIFY_FLAG" val=""/>
+</p:tagLst>
+</file>
+
+<file path=ppt/tags/tag212.xml><?xml version="1.0" encoding="utf-8"?>
+<p:tagLst xmlns:p="http://schemas.openxmlformats.org/presentationml/2006/main">
+  <p:tag name="KSO_WM_BEAUTIFY_FLAG" val=""/>
+</p:tagLst>
+</file>
+
+<file path=ppt/tags/tag213.xml><?xml version="1.0" encoding="utf-8"?>
+<p:tagLst xmlns:p="http://schemas.openxmlformats.org/presentationml/2006/main">
+  <p:tag name="KSO_WM_BEAUTIFY_FLAG" val=""/>
+</p:tagLst>
+</file>
+
+<file path=ppt/tags/tag214.xml><?xml version="1.0" encoding="utf-8"?>
+<p:tagLst xmlns:p="http://schemas.openxmlformats.org/presentationml/2006/main">
+  <p:tag name="KSO_WM_BEAUTIFY_FLAG" val=""/>
+</p:tagLst>
+</file>
+
+<file path=ppt/tags/tag215.xml><?xml version="1.0" encoding="utf-8"?>
+<p:tagLst xmlns:p="http://schemas.openxmlformats.org/presentationml/2006/main">
+  <p:tag name="KSO_WM_BEAUTIFY_FLAG" val=""/>
+</p:tagLst>
+</file>
+
+<file path=ppt/tags/tag216.xml><?xml version="1.0" encoding="utf-8"?>
+<p:tagLst xmlns:p="http://schemas.openxmlformats.org/presentationml/2006/main">
+  <p:tag name="KSO_WM_BEAUTIFY_FLAG" val=""/>
+</p:tagLst>
+</file>
+
+<file path=ppt/tags/tag217.xml><?xml version="1.0" encoding="utf-8"?>
+<p:tagLst xmlns:p="http://schemas.openxmlformats.org/presentationml/2006/main">
+  <p:tag name="KSO_WM_BEAUTIFY_FLAG" val=""/>
+</p:tagLst>
+</file>
+
+<file path=ppt/tags/tag218.xml><?xml version="1.0" encoding="utf-8"?>
+<p:tagLst xmlns:p="http://schemas.openxmlformats.org/presentationml/2006/main">
+  <p:tag name="KSO_WM_BEAUTIFY_FLAG" val=""/>
+</p:tagLst>
+</file>
+
+<file path=ppt/tags/tag219.xml><?xml version="1.0" encoding="utf-8"?>
+<p:tagLst xmlns:p="http://schemas.openxmlformats.org/presentationml/2006/main">
+  <p:tag name="KSO_WM_BEAUTIFY_FLAG" val=""/>
+</p:tagLst>
+</file>
+
 <file path=ppt/tags/tag22.xml><?xml version="1.0" encoding="utf-8"?>
+<p:tagLst xmlns:p="http://schemas.openxmlformats.org/presentationml/2006/main">
+  <p:tag name="KSO_WM_BEAUTIFY_FLAG" val=""/>
+</p:tagLst>
+</file>
+
+<file path=ppt/tags/tag220.xml><?xml version="1.0" encoding="utf-8"?>
 <p:tagLst xmlns:p="http://schemas.openxmlformats.org/presentationml/2006/main">
   <p:tag name="KSO_WM_BEAUTIFY_FLAG" val=""/>
 </p:tagLst>

--- a/MLDA/论文画图.pptx
+++ b/MLDA/论文画图.pptx
@@ -8,7 +8,7 @@
     <p:notesMasterId r:id="rId4"/>
   </p:notesMasterIdLst>
   <p:handoutMasterIdLst>
-    <p:handoutMasterId r:id="rId18"/>
+    <p:handoutMasterId r:id="rId19"/>
   </p:handoutMasterIdLst>
   <p:sldIdLst>
     <p:sldId id="256" r:id="rId3"/>
@@ -25,13 +25,14 @@
     <p:sldId id="265" r:id="rId15"/>
     <p:sldId id="273" r:id="rId16"/>
     <p:sldId id="274" r:id="rId17"/>
+    <p:sldId id="275" r:id="rId18"/>
   </p:sldIdLst>
   <p:sldSz cx="12192000" cy="6858000"/>
   <p:notesSz cx="7103745" cy="10234295"/>
   <p:embeddedFontLst>
     <p:embeddedFont>
       <p:font typeface="DejaVu Math TeX Gyre" panose="02000503000000000000" charset="0"/>
-      <p:regular r:id="rId23"/>
+      <p:regular r:id="rId24"/>
     </p:embeddedFont>
   </p:embeddedFontLst>
   <p:defaultTextStyle>
@@ -132,12 +133,12 @@
   <p:extLst>
     <p:ext uri="{EFAFB233-063F-42B5-8137-9DF3F51BA10A}">
       <p15:sldGuideLst xmlns:p15="http://schemas.microsoft.com/office/powerpoint/2012/main">
-        <p15:guide id="1" orient="horz" pos="2093" userDrawn="1">
+        <p15:guide id="1" orient="horz" pos="2170" userDrawn="1">
           <p15:clr>
             <a:srgbClr val="A4A3A4"/>
           </p15:clr>
         </p15:guide>
-        <p15:guide id="2" pos="3776" userDrawn="1">
+        <p15:guide id="2" pos="3662" userDrawn="1">
           <p15:clr>
             <a:srgbClr val="A4A3A4"/>
           </p15:clr>
@@ -1050,6 +1051,84 @@
 </file>
 
 <file path=ppt/notesSlides/notesSlide14.xml><?xml version="1.0" encoding="utf-8"?>
+<p:notes xmlns:a="http://schemas.openxmlformats.org/drawingml/2006/main" xmlns:r="http://schemas.openxmlformats.org/officeDocument/2006/relationships" xmlns:p="http://schemas.openxmlformats.org/presentationml/2006/main">
+  <p:cSld>
+    <p:spTree>
+      <p:nvGrpSpPr>
+        <p:cNvPr id="1" name=""/>
+        <p:cNvGrpSpPr/>
+        <p:nvPr/>
+      </p:nvGrpSpPr>
+      <p:grpSpPr>
+        <a:xfrm>
+          <a:off x="0" y="0"/>
+          <a:ext cx="0" cy="0"/>
+          <a:chOff x="0" y="0"/>
+          <a:chExt cx="0" cy="0"/>
+        </a:xfrm>
+      </p:grpSpPr>
+      <p:sp>
+        <p:nvSpPr>
+          <p:cNvPr id="2" name="幻灯片图像占位符 1"/>
+          <p:cNvSpPr>
+            <a:spLocks noGrp="1" noRot="1" noChangeAspect="1"/>
+          </p:cNvSpPr>
+          <p:nvPr>
+            <p:ph type="sldImg"/>
+          </p:nvPr>
+        </p:nvSpPr>
+        <p:spPr/>
+      </p:sp>
+      <p:sp>
+        <p:nvSpPr>
+          <p:cNvPr id="3" name="备注占位符 2"/>
+          <p:cNvSpPr>
+            <a:spLocks noGrp="1"/>
+          </p:cNvSpPr>
+          <p:nvPr>
+            <p:ph type="body" idx="1"/>
+          </p:nvPr>
+        </p:nvSpPr>
+        <p:spPr/>
+        <p:txBody>
+          <a:bodyPr/>
+          <a:lstStyle/>
+          <a:p>
+            <a:endParaRPr kumimoji="1" lang="zh-CN" altLang="en-US"/>
+          </a:p>
+        </p:txBody>
+      </p:sp>
+      <p:sp>
+        <p:nvSpPr>
+          <p:cNvPr id="4" name="灯片编号占位符 3"/>
+          <p:cNvSpPr>
+            <a:spLocks noGrp="1"/>
+          </p:cNvSpPr>
+          <p:nvPr>
+            <p:ph type="sldNum" sz="quarter" idx="5"/>
+          </p:nvPr>
+        </p:nvSpPr>
+        <p:spPr/>
+        <p:txBody>
+          <a:bodyPr/>
+          <a:lstStyle/>
+          <a:p>
+            <a:fld id="{85D0DACE-38E0-42D2-9336-2B707D34BC6D}" type="slidenum">
+              <a:rPr lang="zh-CN" altLang="en-US" smtClean="0"/>
+            </a:fld>
+            <a:endParaRPr lang="zh-CN" altLang="en-US"/>
+          </a:p>
+        </p:txBody>
+      </p:sp>
+    </p:spTree>
+  </p:cSld>
+  <p:clrMapOvr>
+    <a:masterClrMapping/>
+  </p:clrMapOvr>
+</p:notes>
+</file>
+
+<file path=ppt/notesSlides/notesSlide15.xml><?xml version="1.0" encoding="utf-8"?>
 <p:notes xmlns:a="http://schemas.openxmlformats.org/drawingml/2006/main" xmlns:r="http://schemas.openxmlformats.org/officeDocument/2006/relationships" xmlns:p="http://schemas.openxmlformats.org/presentationml/2006/main">
   <p:cSld>
     <p:spTree>
@@ -12283,6 +12362,3065 @@
           </a:prstGeom>
           <a:solidFill>
             <a:srgbClr val="00B050">
+              <a:alpha val="30000"/>
+            </a:srgbClr>
+          </a:solidFill>
+          <a:ln>
+            <a:noFill/>
+          </a:ln>
+        </p:spPr>
+        <p:style>
+          <a:lnRef idx="2">
+            <a:schemeClr val="accent1">
+              <a:lumMod val="75000"/>
+            </a:schemeClr>
+          </a:lnRef>
+          <a:fillRef idx="1">
+            <a:schemeClr val="accent1"/>
+          </a:fillRef>
+          <a:effectRef idx="0">
+            <a:srgbClr val="FFFFFF"/>
+          </a:effectRef>
+          <a:fontRef idx="minor">
+            <a:schemeClr val="lt1"/>
+          </a:fontRef>
+        </p:style>
+        <p:txBody>
+          <a:bodyPr rtlCol="0" anchor="ctr"/>
+          <a:p>
+            <a:pPr algn="ctr"/>
+            <a:endParaRPr lang="zh-CN" altLang="en-US"/>
+          </a:p>
+        </p:txBody>
+      </p:sp>
+    </p:spTree>
+  </p:cSld>
+  <p:clrMapOvr>
+    <a:masterClrMapping/>
+  </p:clrMapOvr>
+</p:sld>
+</file>
+
+<file path=ppt/slides/slide15.xml><?xml version="1.0" encoding="utf-8"?>
+<p:sld xmlns:a="http://schemas.openxmlformats.org/drawingml/2006/main" xmlns:r="http://schemas.openxmlformats.org/officeDocument/2006/relationships" xmlns:p="http://schemas.openxmlformats.org/presentationml/2006/main">
+  <p:cSld>
+    <p:spTree>
+      <p:nvGrpSpPr>
+        <p:cNvPr id="1" name=""/>
+        <p:cNvGrpSpPr/>
+        <p:nvPr/>
+      </p:nvGrpSpPr>
+      <p:grpSpPr>
+        <a:xfrm>
+          <a:off x="0" y="0"/>
+          <a:ext cx="0" cy="0"/>
+          <a:chOff x="0" y="0"/>
+          <a:chExt cx="0" cy="0"/>
+        </a:xfrm>
+      </p:grpSpPr>
+      <p:grpSp>
+        <p:nvGrpSpPr>
+          <p:cNvPr id="72" name="组合 71"/>
+          <p:cNvGrpSpPr/>
+          <p:nvPr/>
+        </p:nvGrpSpPr>
+        <p:grpSpPr>
+          <a:xfrm>
+            <a:off x="741045" y="1240155"/>
+            <a:ext cx="4377690" cy="4408170"/>
+            <a:chOff x="5585" y="1779"/>
+            <a:chExt cx="6894" cy="6942"/>
+          </a:xfrm>
+        </p:grpSpPr>
+        <p:sp>
+          <p:nvSpPr>
+            <p:cNvPr id="4" name="任意多边形 3"/>
+            <p:cNvSpPr/>
+            <p:nvPr/>
+          </p:nvSpPr>
+          <p:spPr>
+            <a:xfrm>
+              <a:off x="5601" y="1779"/>
+              <a:ext cx="6878" cy="6943"/>
+            </a:xfrm>
+            <a:custGeom>
+              <a:avLst/>
+              <a:gdLst>
+                <a:gd name="connisteX0" fmla="*/ 403366 w 3683963"/>
+                <a:gd name="connsiteY0" fmla="*/ 987038 h 3719101"/>
+                <a:gd name="connisteX1" fmla="*/ 1473341 w 3683963"/>
+                <a:gd name="connsiteY1" fmla="*/ 1197223 h 3719101"/>
+                <a:gd name="connisteX2" fmla="*/ 1824496 w 3683963"/>
+                <a:gd name="connsiteY2" fmla="*/ 4693 h 3719101"/>
+                <a:gd name="connisteX3" fmla="*/ 3683776 w 3683963"/>
+                <a:gd name="connsiteY3" fmla="*/ 1618863 h 3719101"/>
+                <a:gd name="connisteX4" fmla="*/ 1912126 w 3683963"/>
+                <a:gd name="connsiteY4" fmla="*/ 3478143 h 3719101"/>
+                <a:gd name="connisteX5" fmla="*/ 982486 w 3683963"/>
+                <a:gd name="connsiteY5" fmla="*/ 3214618 h 3719101"/>
+                <a:gd name="connisteX6" fmla="*/ 141 w 3683963"/>
+                <a:gd name="connsiteY6" fmla="*/ 3688328 h 3719101"/>
+                <a:gd name="connisteX7" fmla="*/ 1035191 w 3683963"/>
+                <a:gd name="connsiteY7" fmla="*/ 2355463 h 3719101"/>
+                <a:gd name="connisteX8" fmla="*/ 403366 w 3683963"/>
+                <a:gd name="connsiteY8" fmla="*/ 987038 h 3719101"/>
+              </a:gdLst>
+              <a:ahLst/>
+              <a:cxnLst>
+                <a:cxn ang="0">
+                  <a:pos x="connisteX0" y="connsiteY0"/>
+                </a:cxn>
+                <a:cxn ang="0">
+                  <a:pos x="connisteX1" y="connsiteY1"/>
+                </a:cxn>
+                <a:cxn ang="0">
+                  <a:pos x="connisteX2" y="connsiteY2"/>
+                </a:cxn>
+                <a:cxn ang="0">
+                  <a:pos x="connisteX3" y="connsiteY3"/>
+                </a:cxn>
+                <a:cxn ang="0">
+                  <a:pos x="connisteX4" y="connsiteY4"/>
+                </a:cxn>
+                <a:cxn ang="0">
+                  <a:pos x="connisteX5" y="connsiteY5"/>
+                </a:cxn>
+                <a:cxn ang="0">
+                  <a:pos x="connisteX6" y="connsiteY6"/>
+                </a:cxn>
+                <a:cxn ang="0">
+                  <a:pos x="connisteX7" y="connsiteY7"/>
+                </a:cxn>
+                <a:cxn ang="0">
+                  <a:pos x="connisteX8" y="connsiteY8"/>
+                </a:cxn>
+              </a:cxnLst>
+              <a:rect l="l" t="t" r="r" b="b"/>
+              <a:pathLst>
+                <a:path w="3683964" h="3719101">
+                  <a:moveTo>
+                    <a:pt x="403366" y="987038"/>
+                  </a:moveTo>
+                  <a:cubicBezTo>
+                    <a:pt x="490996" y="755263"/>
+                    <a:pt x="1188861" y="1393438"/>
+                    <a:pt x="1473341" y="1197223"/>
+                  </a:cubicBezTo>
+                  <a:cubicBezTo>
+                    <a:pt x="1757821" y="1001008"/>
+                    <a:pt x="1382536" y="-79762"/>
+                    <a:pt x="1824496" y="4693"/>
+                  </a:cubicBezTo>
+                  <a:cubicBezTo>
+                    <a:pt x="2266456" y="89148"/>
+                    <a:pt x="3665996" y="924173"/>
+                    <a:pt x="3683776" y="1618863"/>
+                  </a:cubicBezTo>
+                  <a:cubicBezTo>
+                    <a:pt x="3701556" y="2313553"/>
+                    <a:pt x="2452511" y="3158738"/>
+                    <a:pt x="1912126" y="3478143"/>
+                  </a:cubicBezTo>
+                  <a:cubicBezTo>
+                    <a:pt x="1371741" y="3797548"/>
+                    <a:pt x="1364756" y="3172708"/>
+                    <a:pt x="982486" y="3214618"/>
+                  </a:cubicBezTo>
+                  <a:cubicBezTo>
+                    <a:pt x="600216" y="3256528"/>
+                    <a:pt x="-10654" y="3860413"/>
+                    <a:pt x="141" y="3688328"/>
+                  </a:cubicBezTo>
+                  <a:cubicBezTo>
+                    <a:pt x="10936" y="3516243"/>
+                    <a:pt x="954546" y="2895848"/>
+                    <a:pt x="1035191" y="2355463"/>
+                  </a:cubicBezTo>
+                  <a:cubicBezTo>
+                    <a:pt x="1115836" y="1815078"/>
+                    <a:pt x="315736" y="1218813"/>
+                    <a:pt x="403366" y="987038"/>
+                  </a:cubicBezTo>
+                  <a:close/>
+                </a:path>
+              </a:pathLst>
+            </a:custGeom>
+            <a:noFill/>
+            <a:ln w="25400">
+              <a:solidFill>
+                <a:srgbClr val="FF0000">
+                  <a:alpha val="50000"/>
+                </a:srgbClr>
+              </a:solidFill>
+            </a:ln>
+          </p:spPr>
+          <p:style>
+            <a:lnRef idx="2">
+              <a:schemeClr val="accent1">
+                <a:lumMod val="75000"/>
+              </a:schemeClr>
+            </a:lnRef>
+            <a:fillRef idx="1">
+              <a:schemeClr val="accent1"/>
+            </a:fillRef>
+            <a:effectRef idx="0">
+              <a:srgbClr val="FFFFFF"/>
+            </a:effectRef>
+            <a:fontRef idx="minor">
+              <a:schemeClr val="lt1"/>
+            </a:fontRef>
+          </p:style>
+          <p:txBody>
+            <a:bodyPr rtlCol="0" anchor="ctr"/>
+            <a:p>
+              <a:pPr algn="ctr"/>
+              <a:endParaRPr lang="zh-CN" altLang="en-US"/>
+            </a:p>
+          </p:txBody>
+        </p:sp>
+        <p:cxnSp>
+          <p:nvCxnSpPr>
+            <p:cNvPr id="3" name="直接连接符 2"/>
+            <p:cNvCxnSpPr/>
+            <p:nvPr/>
+          </p:nvCxnSpPr>
+          <p:spPr>
+            <a:xfrm>
+              <a:off x="6520" y="7683"/>
+              <a:ext cx="221" cy="377"/>
+            </a:xfrm>
+            <a:prstGeom prst="line">
+              <a:avLst/>
+            </a:prstGeom>
+            <a:ln w="19050"/>
+          </p:spPr>
+          <p:style>
+            <a:lnRef idx="2">
+              <a:schemeClr val="accent1"/>
+            </a:lnRef>
+            <a:fillRef idx="0">
+              <a:srgbClr val="FFFFFF"/>
+            </a:fillRef>
+            <a:effectRef idx="0">
+              <a:srgbClr val="FFFFFF"/>
+            </a:effectRef>
+            <a:fontRef idx="minor">
+              <a:schemeClr val="tx1"/>
+            </a:fontRef>
+          </p:style>
+        </p:cxnSp>
+        <p:cxnSp>
+          <p:nvCxnSpPr>
+            <p:cNvPr id="5" name="直接连接符 4"/>
+            <p:cNvCxnSpPr/>
+            <p:nvPr/>
+          </p:nvCxnSpPr>
+          <p:spPr>
+            <a:xfrm>
+              <a:off x="7534" y="6176"/>
+              <a:ext cx="193" cy="1646"/>
+            </a:xfrm>
+            <a:prstGeom prst="line">
+              <a:avLst/>
+            </a:prstGeom>
+            <a:ln w="19050"/>
+          </p:spPr>
+          <p:style>
+            <a:lnRef idx="2">
+              <a:schemeClr val="accent1"/>
+            </a:lnRef>
+            <a:fillRef idx="0">
+              <a:srgbClr val="FFFFFF"/>
+            </a:fillRef>
+            <a:effectRef idx="0">
+              <a:srgbClr val="FFFFFF"/>
+            </a:effectRef>
+            <a:fontRef idx="minor">
+              <a:schemeClr val="tx1"/>
+            </a:fontRef>
+          </p:style>
+        </p:cxnSp>
+        <p:cxnSp>
+          <p:nvCxnSpPr>
+            <p:cNvPr id="6" name="直接连接符 5"/>
+            <p:cNvCxnSpPr/>
+            <p:nvPr/>
+          </p:nvCxnSpPr>
+          <p:spPr>
+            <a:xfrm flipH="1">
+              <a:off x="7083" y="3949"/>
+              <a:ext cx="453" cy="925"/>
+            </a:xfrm>
+            <a:prstGeom prst="line">
+              <a:avLst/>
+            </a:prstGeom>
+            <a:ln w="19050"/>
+          </p:spPr>
+          <p:style>
+            <a:lnRef idx="2">
+              <a:schemeClr val="accent1"/>
+            </a:lnRef>
+            <a:fillRef idx="0">
+              <a:srgbClr val="FFFFFF"/>
+            </a:fillRef>
+            <a:effectRef idx="0">
+              <a:srgbClr val="FFFFFF"/>
+            </a:effectRef>
+            <a:fontRef idx="minor">
+              <a:schemeClr val="tx1"/>
+            </a:fontRef>
+          </p:style>
+        </p:cxnSp>
+        <p:cxnSp>
+          <p:nvCxnSpPr>
+            <p:cNvPr id="8" name="直接连接符 7"/>
+            <p:cNvCxnSpPr/>
+            <p:nvPr/>
+          </p:nvCxnSpPr>
+          <p:spPr>
+            <a:xfrm flipH="1">
+              <a:off x="7534" y="4014"/>
+              <a:ext cx="818" cy="2162"/>
+            </a:xfrm>
+            <a:prstGeom prst="line">
+              <a:avLst/>
+            </a:prstGeom>
+            <a:ln w="19050"/>
+          </p:spPr>
+          <p:style>
+            <a:lnRef idx="2">
+              <a:schemeClr val="accent1"/>
+            </a:lnRef>
+            <a:fillRef idx="0">
+              <a:srgbClr val="FFFFFF"/>
+            </a:fillRef>
+            <a:effectRef idx="0">
+              <a:srgbClr val="FFFFFF"/>
+            </a:effectRef>
+            <a:fontRef idx="minor">
+              <a:schemeClr val="tx1"/>
+            </a:fontRef>
+          </p:style>
+        </p:cxnSp>
+        <p:cxnSp>
+          <p:nvCxnSpPr>
+            <p:cNvPr id="28" name="直接连接符 27"/>
+            <p:cNvCxnSpPr>
+              <a:stCxn id="4" idx="1"/>
+            </p:cNvCxnSpPr>
+            <p:nvPr/>
+          </p:nvCxnSpPr>
+          <p:spPr>
+            <a:xfrm>
+              <a:off x="8352" y="4014"/>
+              <a:ext cx="1292" cy="947"/>
+            </a:xfrm>
+            <a:prstGeom prst="line">
+              <a:avLst/>
+            </a:prstGeom>
+            <a:ln w="19050"/>
+          </p:spPr>
+          <p:style>
+            <a:lnRef idx="2">
+              <a:schemeClr val="accent1"/>
+            </a:lnRef>
+            <a:fillRef idx="0">
+              <a:srgbClr val="FFFFFF"/>
+            </a:fillRef>
+            <a:effectRef idx="0">
+              <a:srgbClr val="FFFFFF"/>
+            </a:effectRef>
+            <a:fontRef idx="minor">
+              <a:schemeClr val="tx1"/>
+            </a:fontRef>
+          </p:style>
+        </p:cxnSp>
+        <p:cxnSp>
+          <p:nvCxnSpPr>
+            <p:cNvPr id="29" name="直接连接符 28"/>
+            <p:cNvCxnSpPr/>
+            <p:nvPr/>
+          </p:nvCxnSpPr>
+          <p:spPr>
+            <a:xfrm>
+              <a:off x="10195" y="2325"/>
+              <a:ext cx="147" cy="1667"/>
+            </a:xfrm>
+            <a:prstGeom prst="line">
+              <a:avLst/>
+            </a:prstGeom>
+            <a:ln w="19050"/>
+          </p:spPr>
+          <p:style>
+            <a:lnRef idx="2">
+              <a:schemeClr val="accent1"/>
+            </a:lnRef>
+            <a:fillRef idx="0">
+              <a:srgbClr val="FFFFFF"/>
+            </a:fillRef>
+            <a:effectRef idx="0">
+              <a:srgbClr val="FFFFFF"/>
+            </a:effectRef>
+            <a:fontRef idx="minor">
+              <a:schemeClr val="tx1"/>
+            </a:fontRef>
+          </p:style>
+        </p:cxnSp>
+        <p:cxnSp>
+          <p:nvCxnSpPr>
+            <p:cNvPr id="30" name="直接连接符 29"/>
+            <p:cNvCxnSpPr/>
+            <p:nvPr/>
+          </p:nvCxnSpPr>
+          <p:spPr>
+            <a:xfrm flipH="1">
+              <a:off x="10364" y="3281"/>
+              <a:ext cx="1160" cy="706"/>
+            </a:xfrm>
+            <a:prstGeom prst="line">
+              <a:avLst/>
+            </a:prstGeom>
+            <a:ln w="19050"/>
+          </p:spPr>
+          <p:style>
+            <a:lnRef idx="2">
+              <a:schemeClr val="accent1"/>
+            </a:lnRef>
+            <a:fillRef idx="0">
+              <a:srgbClr val="FFFFFF"/>
+            </a:fillRef>
+            <a:effectRef idx="0">
+              <a:srgbClr val="FFFFFF"/>
+            </a:effectRef>
+            <a:fontRef idx="minor">
+              <a:schemeClr val="tx1"/>
+            </a:fontRef>
+          </p:style>
+        </p:cxnSp>
+        <p:cxnSp>
+          <p:nvCxnSpPr>
+            <p:cNvPr id="31" name="直接连接符 30"/>
+            <p:cNvCxnSpPr>
+              <a:endCxn id="4" idx="1"/>
+            </p:cNvCxnSpPr>
+            <p:nvPr/>
+          </p:nvCxnSpPr>
+          <p:spPr>
+            <a:xfrm flipH="1">
+              <a:off x="8352" y="2320"/>
+              <a:ext cx="1843" cy="1694"/>
+            </a:xfrm>
+            <a:prstGeom prst="line">
+              <a:avLst/>
+            </a:prstGeom>
+            <a:ln w="19050"/>
+          </p:spPr>
+          <p:style>
+            <a:lnRef idx="2">
+              <a:schemeClr val="accent1"/>
+            </a:lnRef>
+            <a:fillRef idx="0">
+              <a:srgbClr val="FFFFFF"/>
+            </a:fillRef>
+            <a:effectRef idx="0">
+              <a:srgbClr val="FFFFFF"/>
+            </a:effectRef>
+            <a:fontRef idx="minor">
+              <a:schemeClr val="tx1"/>
+            </a:fontRef>
+          </p:style>
+        </p:cxnSp>
+        <p:cxnSp>
+          <p:nvCxnSpPr>
+            <p:cNvPr id="32" name="直接连接符 31"/>
+            <p:cNvCxnSpPr/>
+            <p:nvPr/>
+          </p:nvCxnSpPr>
+          <p:spPr>
+            <a:xfrm>
+              <a:off x="7577" y="6147"/>
+              <a:ext cx="1560" cy="294"/>
+            </a:xfrm>
+            <a:prstGeom prst="line">
+              <a:avLst/>
+            </a:prstGeom>
+            <a:ln w="19050"/>
+          </p:spPr>
+          <p:style>
+            <a:lnRef idx="2">
+              <a:schemeClr val="accent1"/>
+            </a:lnRef>
+            <a:fillRef idx="0">
+              <a:srgbClr val="FFFFFF"/>
+            </a:fillRef>
+            <a:effectRef idx="0">
+              <a:srgbClr val="FFFFFF"/>
+            </a:effectRef>
+            <a:fontRef idx="minor">
+              <a:schemeClr val="tx1"/>
+            </a:fontRef>
+          </p:style>
+        </p:cxnSp>
+        <p:cxnSp>
+          <p:nvCxnSpPr>
+            <p:cNvPr id="33" name="直接连接符 32"/>
+            <p:cNvCxnSpPr/>
+            <p:nvPr/>
+          </p:nvCxnSpPr>
+          <p:spPr>
+            <a:xfrm>
+              <a:off x="10977" y="5166"/>
+              <a:ext cx="0" cy="1813"/>
+            </a:xfrm>
+            <a:prstGeom prst="line">
+              <a:avLst/>
+            </a:prstGeom>
+            <a:ln w="19050"/>
+          </p:spPr>
+          <p:style>
+            <a:lnRef idx="2">
+              <a:schemeClr val="accent1"/>
+            </a:lnRef>
+            <a:fillRef idx="0">
+              <a:srgbClr val="FFFFFF"/>
+            </a:fillRef>
+            <a:effectRef idx="0">
+              <a:srgbClr val="FFFFFF"/>
+            </a:effectRef>
+            <a:fontRef idx="minor">
+              <a:schemeClr val="tx1"/>
+            </a:fontRef>
+          </p:style>
+        </p:cxnSp>
+        <p:cxnSp>
+          <p:nvCxnSpPr>
+            <p:cNvPr id="34" name="直接连接符 33"/>
+            <p:cNvCxnSpPr/>
+            <p:nvPr/>
+          </p:nvCxnSpPr>
+          <p:spPr>
+            <a:xfrm flipH="1">
+              <a:off x="9630" y="3974"/>
+              <a:ext cx="734" cy="1000"/>
+            </a:xfrm>
+            <a:prstGeom prst="line">
+              <a:avLst/>
+            </a:prstGeom>
+            <a:ln w="19050"/>
+          </p:spPr>
+          <p:style>
+            <a:lnRef idx="2">
+              <a:schemeClr val="accent1"/>
+            </a:lnRef>
+            <a:fillRef idx="0">
+              <a:srgbClr val="FFFFFF"/>
+            </a:fillRef>
+            <a:effectRef idx="0">
+              <a:srgbClr val="FFFFFF"/>
+            </a:effectRef>
+            <a:fontRef idx="minor">
+              <a:schemeClr val="tx1"/>
+            </a:fontRef>
+          </p:style>
+        </p:cxnSp>
+        <p:cxnSp>
+          <p:nvCxnSpPr>
+            <p:cNvPr id="35" name="直接连接符 34"/>
+            <p:cNvCxnSpPr/>
+            <p:nvPr/>
+          </p:nvCxnSpPr>
+          <p:spPr>
+            <a:xfrm flipV="1">
+              <a:off x="9124" y="4974"/>
+              <a:ext cx="520" cy="1467"/>
+            </a:xfrm>
+            <a:prstGeom prst="line">
+              <a:avLst/>
+            </a:prstGeom>
+            <a:ln w="19050"/>
+          </p:spPr>
+          <p:style>
+            <a:lnRef idx="2">
+              <a:schemeClr val="accent1"/>
+            </a:lnRef>
+            <a:fillRef idx="0">
+              <a:srgbClr val="FFFFFF"/>
+            </a:fillRef>
+            <a:effectRef idx="0">
+              <a:srgbClr val="FFFFFF"/>
+            </a:effectRef>
+            <a:fontRef idx="minor">
+              <a:schemeClr val="tx1"/>
+            </a:fontRef>
+          </p:style>
+        </p:cxnSp>
+        <p:cxnSp>
+          <p:nvCxnSpPr>
+            <p:cNvPr id="36" name="直接连接符 35"/>
+            <p:cNvCxnSpPr/>
+            <p:nvPr/>
+          </p:nvCxnSpPr>
+          <p:spPr>
+            <a:xfrm>
+              <a:off x="9145" y="6446"/>
+              <a:ext cx="0" cy="1840"/>
+            </a:xfrm>
+            <a:prstGeom prst="line">
+              <a:avLst/>
+            </a:prstGeom>
+            <a:ln w="19050"/>
+          </p:spPr>
+          <p:style>
+            <a:lnRef idx="2">
+              <a:schemeClr val="accent1"/>
+            </a:lnRef>
+            <a:fillRef idx="0">
+              <a:srgbClr val="FFFFFF"/>
+            </a:fillRef>
+            <a:effectRef idx="0">
+              <a:srgbClr val="FFFFFF"/>
+            </a:effectRef>
+            <a:fontRef idx="minor">
+              <a:schemeClr val="tx1"/>
+            </a:fontRef>
+          </p:style>
+        </p:cxnSp>
+        <p:cxnSp>
+          <p:nvCxnSpPr>
+            <p:cNvPr id="37" name="直接连接符 36"/>
+            <p:cNvCxnSpPr>
+              <a:stCxn id="42" idx="2"/>
+            </p:cNvCxnSpPr>
+            <p:nvPr/>
+          </p:nvCxnSpPr>
+          <p:spPr>
+            <a:xfrm>
+              <a:off x="10353" y="3999"/>
+              <a:ext cx="626" cy="1160"/>
+            </a:xfrm>
+            <a:prstGeom prst="line">
+              <a:avLst/>
+            </a:prstGeom>
+            <a:ln w="19050"/>
+          </p:spPr>
+          <p:style>
+            <a:lnRef idx="2">
+              <a:schemeClr val="accent1"/>
+            </a:lnRef>
+            <a:fillRef idx="0">
+              <a:srgbClr val="FFFFFF"/>
+            </a:fillRef>
+            <a:effectRef idx="0">
+              <a:srgbClr val="FFFFFF"/>
+            </a:effectRef>
+            <a:fontRef idx="minor">
+              <a:schemeClr val="tx1"/>
+            </a:fontRef>
+          </p:style>
+        </p:cxnSp>
+        <p:cxnSp>
+          <p:nvCxnSpPr>
+            <p:cNvPr id="38" name="直接连接符 37"/>
+            <p:cNvCxnSpPr>
+              <a:endCxn id="4" idx="3"/>
+            </p:cNvCxnSpPr>
+            <p:nvPr/>
+          </p:nvCxnSpPr>
+          <p:spPr>
+            <a:xfrm flipV="1">
+              <a:off x="10946" y="4801"/>
+              <a:ext cx="1533" cy="364"/>
+            </a:xfrm>
+            <a:prstGeom prst="line">
+              <a:avLst/>
+            </a:prstGeom>
+            <a:ln w="19050"/>
+          </p:spPr>
+          <p:style>
+            <a:lnRef idx="2">
+              <a:schemeClr val="accent1"/>
+            </a:lnRef>
+            <a:fillRef idx="0">
+              <a:srgbClr val="FFFFFF"/>
+            </a:fillRef>
+            <a:effectRef idx="0">
+              <a:srgbClr val="FFFFFF"/>
+            </a:effectRef>
+            <a:fontRef idx="minor">
+              <a:schemeClr val="tx1"/>
+            </a:fontRef>
+          </p:style>
+        </p:cxnSp>
+        <p:cxnSp>
+          <p:nvCxnSpPr>
+            <p:cNvPr id="39" name="直接连接符 38"/>
+            <p:cNvCxnSpPr/>
+            <p:nvPr/>
+          </p:nvCxnSpPr>
+          <p:spPr>
+            <a:xfrm flipV="1">
+              <a:off x="9150" y="5924"/>
+              <a:ext cx="1840" cy="522"/>
+            </a:xfrm>
+            <a:prstGeom prst="line">
+              <a:avLst/>
+            </a:prstGeom>
+            <a:ln w="19050"/>
+          </p:spPr>
+          <p:style>
+            <a:lnRef idx="2">
+              <a:schemeClr val="accent1"/>
+            </a:lnRef>
+            <a:fillRef idx="0">
+              <a:srgbClr val="FFFFFF"/>
+            </a:fillRef>
+            <a:effectRef idx="0">
+              <a:srgbClr val="FFFFFF"/>
+            </a:effectRef>
+            <a:fontRef idx="minor">
+              <a:schemeClr val="tx1"/>
+            </a:fontRef>
+          </p:style>
+        </p:cxnSp>
+        <p:sp>
+          <p:nvSpPr>
+            <p:cNvPr id="42" name="任意多边形 41"/>
+            <p:cNvSpPr/>
+            <p:nvPr/>
+          </p:nvSpPr>
+          <p:spPr>
+            <a:xfrm>
+              <a:off x="8366" y="2319"/>
+              <a:ext cx="1987" cy="2627"/>
+            </a:xfrm>
+            <a:custGeom>
+              <a:avLst/>
+              <a:gdLst>
+                <a:gd name="connisteX0" fmla="*/ 0 w 1261745"/>
+                <a:gd name="connsiteY0" fmla="*/ 1083945 h 1668145"/>
+                <a:gd name="connisteX1" fmla="*/ 1168400 w 1261745"/>
+                <a:gd name="connsiteY1" fmla="*/ 0 h 1668145"/>
+                <a:gd name="connisteX2" fmla="*/ 1261745 w 1261745"/>
+                <a:gd name="connsiteY2" fmla="*/ 1066800 h 1668145"/>
+                <a:gd name="connisteX3" fmla="*/ 812800 w 1261745"/>
+                <a:gd name="connsiteY3" fmla="*/ 1668145 h 1668145"/>
+                <a:gd name="connisteX4" fmla="*/ 0 w 1261745"/>
+                <a:gd name="connsiteY4" fmla="*/ 1083945 h 1668145"/>
+              </a:gdLst>
+              <a:ahLst/>
+              <a:cxnLst>
+                <a:cxn ang="0">
+                  <a:pos x="connisteX0" y="connsiteY0"/>
+                </a:cxn>
+                <a:cxn ang="0">
+                  <a:pos x="connisteX1" y="connsiteY1"/>
+                </a:cxn>
+                <a:cxn ang="0">
+                  <a:pos x="connisteX2" y="connsiteY2"/>
+                </a:cxn>
+                <a:cxn ang="0">
+                  <a:pos x="connisteX3" y="connsiteY3"/>
+                </a:cxn>
+                <a:cxn ang="0">
+                  <a:pos x="connisteX4" y="connsiteY4"/>
+                </a:cxn>
+              </a:cxnLst>
+              <a:rect l="l" t="t" r="r" b="b"/>
+              <a:pathLst>
+                <a:path w="1261745" h="1668145">
+                  <a:moveTo>
+                    <a:pt x="0" y="1083945"/>
+                  </a:moveTo>
+                  <a:lnTo>
+                    <a:pt x="1168400" y="0"/>
+                  </a:lnTo>
+                  <a:lnTo>
+                    <a:pt x="1261745" y="1066800"/>
+                  </a:lnTo>
+                  <a:lnTo>
+                    <a:pt x="812800" y="1668145"/>
+                  </a:lnTo>
+                  <a:lnTo>
+                    <a:pt x="0" y="1083945"/>
+                  </a:lnTo>
+                  <a:close/>
+                </a:path>
+              </a:pathLst>
+            </a:custGeom>
+            <a:solidFill>
+              <a:srgbClr val="FF3300">
+                <a:alpha val="50000"/>
+              </a:srgbClr>
+            </a:solidFill>
+            <a:ln>
+              <a:noFill/>
+            </a:ln>
+          </p:spPr>
+          <p:style>
+            <a:lnRef idx="2">
+              <a:schemeClr val="accent1">
+                <a:lumMod val="75000"/>
+              </a:schemeClr>
+            </a:lnRef>
+            <a:fillRef idx="1">
+              <a:schemeClr val="accent1"/>
+            </a:fillRef>
+            <a:effectRef idx="0">
+              <a:srgbClr val="FFFFFF"/>
+            </a:effectRef>
+            <a:fontRef idx="minor">
+              <a:schemeClr val="lt1"/>
+            </a:fontRef>
+          </p:style>
+          <p:txBody>
+            <a:bodyPr rtlCol="0" anchor="ctr"/>
+            <a:p>
+              <a:pPr algn="ctr"/>
+              <a:endParaRPr lang="zh-CN" altLang="en-US"/>
+            </a:p>
+          </p:txBody>
+        </p:sp>
+        <p:sp>
+          <p:nvSpPr>
+            <p:cNvPr id="45" name="任意多边形 44"/>
+            <p:cNvSpPr/>
+            <p:nvPr/>
+          </p:nvSpPr>
+          <p:spPr>
+            <a:xfrm>
+              <a:off x="6349" y="3542"/>
+              <a:ext cx="1203" cy="1344"/>
+            </a:xfrm>
+            <a:custGeom>
+              <a:avLst/>
+              <a:gdLst>
+                <a:gd name="connisteX0" fmla="*/ 467950 w 763860"/>
+                <a:gd name="connsiteY0" fmla="*/ 853233 h 853233"/>
+                <a:gd name="connisteX1" fmla="*/ 69805 w 763860"/>
+                <a:gd name="connsiteY1" fmla="*/ 302688 h 853233"/>
+                <a:gd name="connisteX2" fmla="*/ 2495 w 763860"/>
+                <a:gd name="connsiteY2" fmla="*/ 82978 h 853233"/>
+                <a:gd name="connisteX3" fmla="*/ 61550 w 763860"/>
+                <a:gd name="connsiteY3" fmla="*/ 6778 h 853233"/>
+                <a:gd name="connisteX4" fmla="*/ 171405 w 763860"/>
+                <a:gd name="connsiteY4" fmla="*/ 15033 h 853233"/>
+                <a:gd name="connisteX5" fmla="*/ 357460 w 763860"/>
+                <a:gd name="connsiteY5" fmla="*/ 74088 h 853233"/>
+                <a:gd name="connisteX6" fmla="*/ 763860 w 763860"/>
+                <a:gd name="connsiteY6" fmla="*/ 260778 h 853233"/>
+              </a:gdLst>
+              <a:ahLst/>
+              <a:cxnLst>
+                <a:cxn ang="0">
+                  <a:pos x="connisteX0" y="connsiteY0"/>
+                </a:cxn>
+                <a:cxn ang="0">
+                  <a:pos x="connisteX1" y="connsiteY1"/>
+                </a:cxn>
+                <a:cxn ang="0">
+                  <a:pos x="connisteX2" y="connsiteY2"/>
+                </a:cxn>
+                <a:cxn ang="0">
+                  <a:pos x="connisteX3" y="connsiteY3"/>
+                </a:cxn>
+                <a:cxn ang="0">
+                  <a:pos x="connisteX4" y="connsiteY4"/>
+                </a:cxn>
+                <a:cxn ang="0">
+                  <a:pos x="connisteX5" y="connsiteY5"/>
+                </a:cxn>
+                <a:cxn ang="0">
+                  <a:pos x="connisteX6" y="connsiteY6"/>
+                </a:cxn>
+              </a:cxnLst>
+              <a:rect l="l" t="t" r="r" b="b"/>
+              <a:pathLst>
+                <a:path w="763860" h="853233">
+                  <a:moveTo>
+                    <a:pt x="467950" y="853233"/>
+                  </a:moveTo>
+                  <a:cubicBezTo>
+                    <a:pt x="389845" y="747823"/>
+                    <a:pt x="163150" y="456993"/>
+                    <a:pt x="69805" y="302688"/>
+                  </a:cubicBezTo>
+                  <a:cubicBezTo>
+                    <a:pt x="-23540" y="148383"/>
+                    <a:pt x="4400" y="142033"/>
+                    <a:pt x="2495" y="82978"/>
+                  </a:cubicBezTo>
+                  <a:cubicBezTo>
+                    <a:pt x="590" y="23923"/>
+                    <a:pt x="27895" y="20113"/>
+                    <a:pt x="61550" y="6778"/>
+                  </a:cubicBezTo>
+                  <a:cubicBezTo>
+                    <a:pt x="95205" y="-6557"/>
+                    <a:pt x="112350" y="1698"/>
+                    <a:pt x="171405" y="15033"/>
+                  </a:cubicBezTo>
+                  <a:cubicBezTo>
+                    <a:pt x="230460" y="28368"/>
+                    <a:pt x="238715" y="25193"/>
+                    <a:pt x="357460" y="74088"/>
+                  </a:cubicBezTo>
+                  <a:cubicBezTo>
+                    <a:pt x="476205" y="122983"/>
+                    <a:pt x="686390" y="224583"/>
+                    <a:pt x="763860" y="260778"/>
+                  </a:cubicBezTo>
+                </a:path>
+              </a:pathLst>
+            </a:custGeom>
+            <a:solidFill>
+              <a:schemeClr val="accent5">
+                <a:alpha val="50000"/>
+              </a:schemeClr>
+            </a:solidFill>
+            <a:ln>
+              <a:noFill/>
+            </a:ln>
+          </p:spPr>
+          <p:style>
+            <a:lnRef idx="2">
+              <a:schemeClr val="accent1">
+                <a:lumMod val="75000"/>
+              </a:schemeClr>
+            </a:lnRef>
+            <a:fillRef idx="1">
+              <a:schemeClr val="accent1"/>
+            </a:fillRef>
+            <a:effectRef idx="0">
+              <a:srgbClr val="FFFFFF"/>
+            </a:effectRef>
+            <a:fontRef idx="minor">
+              <a:schemeClr val="lt1"/>
+            </a:fontRef>
+          </p:style>
+          <p:txBody>
+            <a:bodyPr rtlCol="0" anchor="ctr"/>
+            <a:p>
+              <a:pPr algn="ctr"/>
+              <a:endParaRPr lang="zh-CN" altLang="en-US"/>
+            </a:p>
+          </p:txBody>
+        </p:sp>
+        <p:sp>
+          <p:nvSpPr>
+            <p:cNvPr id="56" name="任意多边形 55"/>
+            <p:cNvSpPr/>
+            <p:nvPr/>
+          </p:nvSpPr>
+          <p:spPr>
+            <a:xfrm>
+              <a:off x="7079" y="3965"/>
+              <a:ext cx="1255" cy="2193"/>
+            </a:xfrm>
+            <a:custGeom>
+              <a:avLst/>
+              <a:gdLst>
+                <a:gd name="connsiteX0" fmla="*/ 453 w 1255"/>
+                <a:gd name="connsiteY0" fmla="*/ 0 h 2193"/>
+                <a:gd name="connsiteX1" fmla="*/ 746 w 1255"/>
+                <a:gd name="connsiteY1" fmla="*/ 94 h 2193"/>
+                <a:gd name="connsiteX2" fmla="*/ 1013 w 1255"/>
+                <a:gd name="connsiteY2" fmla="*/ 134 h 2193"/>
+                <a:gd name="connsiteX3" fmla="*/ 1200 w 1255"/>
+                <a:gd name="connsiteY3" fmla="*/ 107 h 2193"/>
+                <a:gd name="connsiteX4" fmla="*/ 1255 w 1255"/>
+                <a:gd name="connsiteY4" fmla="*/ 93 h 2193"/>
+                <a:gd name="connsiteX5" fmla="*/ 920 w 1255"/>
+                <a:gd name="connsiteY5" fmla="*/ 1024 h 2193"/>
+                <a:gd name="connsiteX6" fmla="*/ 480 w 1255"/>
+                <a:gd name="connsiteY6" fmla="*/ 2193 h 2193"/>
+                <a:gd name="connsiteX7" fmla="*/ 453 w 1255"/>
+                <a:gd name="connsiteY7" fmla="*/ 1834 h 2193"/>
+                <a:gd name="connsiteX8" fmla="*/ 333 w 1255"/>
+                <a:gd name="connsiteY8" fmla="*/ 1503 h 2193"/>
+                <a:gd name="connsiteX9" fmla="*/ 160 w 1255"/>
+                <a:gd name="connsiteY9" fmla="*/ 1184 h 2193"/>
+                <a:gd name="connsiteX10" fmla="*/ 0 w 1255"/>
+                <a:gd name="connsiteY10" fmla="*/ 917 h 2193"/>
+                <a:gd name="connsiteX11" fmla="*/ 453 w 1255"/>
+                <a:gd name="connsiteY11" fmla="*/ 0 h 2193"/>
+              </a:gdLst>
+              <a:ahLst/>
+              <a:cxnLst>
+                <a:cxn ang="0">
+                  <a:pos x="connsiteX0" y="connsiteY0"/>
+                </a:cxn>
+                <a:cxn ang="0">
+                  <a:pos x="connsiteX1" y="connsiteY1"/>
+                </a:cxn>
+                <a:cxn ang="0">
+                  <a:pos x="connsiteX2" y="connsiteY2"/>
+                </a:cxn>
+                <a:cxn ang="0">
+                  <a:pos x="connsiteX3" y="connsiteY3"/>
+                </a:cxn>
+                <a:cxn ang="0">
+                  <a:pos x="connsiteX4" y="connsiteY4"/>
+                </a:cxn>
+                <a:cxn ang="0">
+                  <a:pos x="connsiteX5" y="connsiteY5"/>
+                </a:cxn>
+                <a:cxn ang="0">
+                  <a:pos x="connsiteX6" y="connsiteY6"/>
+                </a:cxn>
+                <a:cxn ang="0">
+                  <a:pos x="connsiteX7" y="connsiteY7"/>
+                </a:cxn>
+                <a:cxn ang="0">
+                  <a:pos x="connsiteX8" y="connsiteY8"/>
+                </a:cxn>
+                <a:cxn ang="0">
+                  <a:pos x="connsiteX9" y="connsiteY9"/>
+                </a:cxn>
+                <a:cxn ang="0">
+                  <a:pos x="connsiteX10" y="connsiteY10"/>
+                </a:cxn>
+                <a:cxn ang="0">
+                  <a:pos x="connsiteX11" y="connsiteY11"/>
+                </a:cxn>
+              </a:cxnLst>
+              <a:rect l="l" t="t" r="r" b="b"/>
+              <a:pathLst>
+                <a:path w="1255" h="2193">
+                  <a:moveTo>
+                    <a:pt x="453" y="0"/>
+                  </a:moveTo>
+                  <a:cubicBezTo>
+                    <a:pt x="814" y="107"/>
+                    <a:pt x="634" y="67"/>
+                    <a:pt x="746" y="94"/>
+                  </a:cubicBezTo>
+                  <a:cubicBezTo>
+                    <a:pt x="858" y="121"/>
+                    <a:pt x="922" y="131"/>
+                    <a:pt x="1013" y="134"/>
+                  </a:cubicBezTo>
+                  <a:cubicBezTo>
+                    <a:pt x="1104" y="137"/>
+                    <a:pt x="1141" y="120"/>
+                    <a:pt x="1200" y="107"/>
+                  </a:cubicBezTo>
+                  <a:cubicBezTo>
+                    <a:pt x="1259" y="94"/>
+                    <a:pt x="804" y="265"/>
+                    <a:pt x="1255" y="93"/>
+                  </a:cubicBezTo>
+                  <a:cubicBezTo>
+                    <a:pt x="1111" y="492"/>
+                    <a:pt x="1085" y="598"/>
+                    <a:pt x="920" y="1024"/>
+                  </a:cubicBezTo>
+                  <a:cubicBezTo>
+                    <a:pt x="755" y="1450"/>
+                    <a:pt x="588" y="1813"/>
+                    <a:pt x="480" y="2193"/>
+                  </a:cubicBezTo>
+                  <a:cubicBezTo>
+                    <a:pt x="468" y="1733"/>
+                    <a:pt x="482" y="1972"/>
+                    <a:pt x="453" y="1834"/>
+                  </a:cubicBezTo>
+                  <a:cubicBezTo>
+                    <a:pt x="424" y="1695"/>
+                    <a:pt x="392" y="1633"/>
+                    <a:pt x="333" y="1503"/>
+                  </a:cubicBezTo>
+                  <a:cubicBezTo>
+                    <a:pt x="274" y="1372"/>
+                    <a:pt x="227" y="1300"/>
+                    <a:pt x="160" y="1184"/>
+                  </a:cubicBezTo>
+                  <a:cubicBezTo>
+                    <a:pt x="93" y="1067"/>
+                    <a:pt x="188" y="1262"/>
+                    <a:pt x="0" y="917"/>
+                  </a:cubicBezTo>
+                  <a:cubicBezTo>
+                    <a:pt x="135" y="704"/>
+                    <a:pt x="334" y="253"/>
+                    <a:pt x="453" y="0"/>
+                  </a:cubicBezTo>
+                  <a:close/>
+                </a:path>
+              </a:pathLst>
+            </a:custGeom>
+            <a:solidFill>
+              <a:srgbClr val="FF3300">
+                <a:alpha val="50000"/>
+              </a:srgbClr>
+            </a:solidFill>
+            <a:ln>
+              <a:noFill/>
+            </a:ln>
+          </p:spPr>
+          <p:style>
+            <a:lnRef idx="2">
+              <a:schemeClr val="accent1">
+                <a:lumMod val="75000"/>
+              </a:schemeClr>
+            </a:lnRef>
+            <a:fillRef idx="1">
+              <a:schemeClr val="accent1"/>
+            </a:fillRef>
+            <a:effectRef idx="0">
+              <a:srgbClr val="FFFFFF"/>
+            </a:effectRef>
+            <a:fontRef idx="minor">
+              <a:schemeClr val="lt1"/>
+            </a:fontRef>
+          </p:style>
+          <p:txBody>
+            <a:bodyPr rtlCol="0" anchor="ctr"/>
+            <a:p>
+              <a:pPr algn="ctr"/>
+              <a:endParaRPr lang="zh-CN" altLang="en-US"/>
+            </a:p>
+          </p:txBody>
+        </p:sp>
+        <p:sp>
+          <p:nvSpPr>
+            <p:cNvPr id="59" name="任意多边形 58"/>
+            <p:cNvSpPr/>
+            <p:nvPr/>
+          </p:nvSpPr>
+          <p:spPr>
+            <a:xfrm>
+              <a:off x="5585" y="7690"/>
+              <a:ext cx="1147" cy="1028"/>
+            </a:xfrm>
+            <a:custGeom>
+              <a:avLst/>
+              <a:gdLst>
+                <a:gd name="connsiteX0" fmla="*/ 934 w 1147"/>
+                <a:gd name="connsiteY0" fmla="*/ 0 h 1028"/>
+                <a:gd name="connsiteX1" fmla="*/ 641 w 1147"/>
+                <a:gd name="connsiteY1" fmla="*/ 267 h 1028"/>
+                <a:gd name="connsiteX2" fmla="*/ 427 w 1147"/>
+                <a:gd name="connsiteY2" fmla="*/ 467 h 1028"/>
+                <a:gd name="connsiteX3" fmla="*/ 241 w 1147"/>
+                <a:gd name="connsiteY3" fmla="*/ 667 h 1028"/>
+                <a:gd name="connsiteX4" fmla="*/ 81 w 1147"/>
+                <a:gd name="connsiteY4" fmla="*/ 855 h 1028"/>
+                <a:gd name="connsiteX5" fmla="*/ 14 w 1147"/>
+                <a:gd name="connsiteY5" fmla="*/ 988 h 1028"/>
+                <a:gd name="connsiteX6" fmla="*/ 14 w 1147"/>
+                <a:gd name="connsiteY6" fmla="*/ 1028 h 1028"/>
+                <a:gd name="connsiteX7" fmla="*/ 134 w 1147"/>
+                <a:gd name="connsiteY7" fmla="*/ 1001 h 1028"/>
+                <a:gd name="connsiteX8" fmla="*/ 227 w 1147"/>
+                <a:gd name="connsiteY8" fmla="*/ 948 h 1028"/>
+                <a:gd name="connsiteX9" fmla="*/ 427 w 1147"/>
+                <a:gd name="connsiteY9" fmla="*/ 828 h 1028"/>
+                <a:gd name="connsiteX10" fmla="*/ 787 w 1147"/>
+                <a:gd name="connsiteY10" fmla="*/ 587 h 1028"/>
+                <a:gd name="connsiteX11" fmla="*/ 1147 w 1147"/>
+                <a:gd name="connsiteY11" fmla="*/ 360 h 1028"/>
+                <a:gd name="connsiteX12" fmla="*/ 934 w 1147"/>
+                <a:gd name="connsiteY12" fmla="*/ 0 h 1028"/>
+              </a:gdLst>
+              <a:ahLst/>
+              <a:cxnLst>
+                <a:cxn ang="0">
+                  <a:pos x="connsiteX0" y="connsiteY0"/>
+                </a:cxn>
+                <a:cxn ang="0">
+                  <a:pos x="connsiteX1" y="connsiteY1"/>
+                </a:cxn>
+                <a:cxn ang="0">
+                  <a:pos x="connsiteX2" y="connsiteY2"/>
+                </a:cxn>
+                <a:cxn ang="0">
+                  <a:pos x="connsiteX3" y="connsiteY3"/>
+                </a:cxn>
+                <a:cxn ang="0">
+                  <a:pos x="connsiteX4" y="connsiteY4"/>
+                </a:cxn>
+                <a:cxn ang="0">
+                  <a:pos x="connsiteX5" y="connsiteY5"/>
+                </a:cxn>
+                <a:cxn ang="0">
+                  <a:pos x="connsiteX6" y="connsiteY6"/>
+                </a:cxn>
+                <a:cxn ang="0">
+                  <a:pos x="connsiteX7" y="connsiteY7"/>
+                </a:cxn>
+                <a:cxn ang="0">
+                  <a:pos x="connsiteX8" y="connsiteY8"/>
+                </a:cxn>
+                <a:cxn ang="0">
+                  <a:pos x="connsiteX9" y="connsiteY9"/>
+                </a:cxn>
+                <a:cxn ang="0">
+                  <a:pos x="connsiteX10" y="connsiteY10"/>
+                </a:cxn>
+                <a:cxn ang="0">
+                  <a:pos x="connsiteX11" y="connsiteY11"/>
+                </a:cxn>
+                <a:cxn ang="0">
+                  <a:pos x="connsiteX12" y="connsiteY12"/>
+                </a:cxn>
+              </a:cxnLst>
+              <a:rect l="l" t="t" r="r" b="b"/>
+              <a:pathLst>
+                <a:path w="1147" h="1028">
+                  <a:moveTo>
+                    <a:pt x="934" y="0"/>
+                  </a:moveTo>
+                  <a:cubicBezTo>
+                    <a:pt x="734" y="134"/>
+                    <a:pt x="742" y="174"/>
+                    <a:pt x="641" y="267"/>
+                  </a:cubicBezTo>
+                  <a:cubicBezTo>
+                    <a:pt x="540" y="360"/>
+                    <a:pt x="507" y="387"/>
+                    <a:pt x="427" y="467"/>
+                  </a:cubicBezTo>
+                  <a:cubicBezTo>
+                    <a:pt x="347" y="547"/>
+                    <a:pt x="310" y="590"/>
+                    <a:pt x="241" y="667"/>
+                  </a:cubicBezTo>
+                  <a:cubicBezTo>
+                    <a:pt x="172" y="745"/>
+                    <a:pt x="126" y="791"/>
+                    <a:pt x="81" y="855"/>
+                  </a:cubicBezTo>
+                  <a:cubicBezTo>
+                    <a:pt x="36" y="919"/>
+                    <a:pt x="27" y="953"/>
+                    <a:pt x="14" y="988"/>
+                  </a:cubicBezTo>
+                  <a:cubicBezTo>
+                    <a:pt x="1" y="1023"/>
+                    <a:pt x="-10" y="1025"/>
+                    <a:pt x="14" y="1028"/>
+                  </a:cubicBezTo>
+                  <a:cubicBezTo>
+                    <a:pt x="38" y="1031"/>
+                    <a:pt x="91" y="1017"/>
+                    <a:pt x="134" y="1001"/>
+                  </a:cubicBezTo>
+                  <a:cubicBezTo>
+                    <a:pt x="177" y="985"/>
+                    <a:pt x="168" y="983"/>
+                    <a:pt x="227" y="948"/>
+                  </a:cubicBezTo>
+                  <a:cubicBezTo>
+                    <a:pt x="286" y="913"/>
+                    <a:pt x="315" y="900"/>
+                    <a:pt x="427" y="828"/>
+                  </a:cubicBezTo>
+                  <a:cubicBezTo>
+                    <a:pt x="539" y="756"/>
+                    <a:pt x="643" y="680"/>
+                    <a:pt x="787" y="587"/>
+                  </a:cubicBezTo>
+                  <a:cubicBezTo>
+                    <a:pt x="931" y="494"/>
+                    <a:pt x="908" y="534"/>
+                    <a:pt x="1147" y="360"/>
+                  </a:cubicBezTo>
+                  <a:cubicBezTo>
+                    <a:pt x="1015" y="120"/>
+                    <a:pt x="1054" y="200"/>
+                    <a:pt x="934" y="0"/>
+                  </a:cubicBezTo>
+                  <a:close/>
+                </a:path>
+              </a:pathLst>
+            </a:custGeom>
+            <a:solidFill>
+              <a:srgbClr val="FF3300">
+                <a:alpha val="50000"/>
+              </a:srgbClr>
+            </a:solidFill>
+            <a:ln>
+              <a:noFill/>
+            </a:ln>
+          </p:spPr>
+          <p:style>
+            <a:lnRef idx="2">
+              <a:schemeClr val="accent1">
+                <a:lumMod val="75000"/>
+              </a:schemeClr>
+            </a:lnRef>
+            <a:fillRef idx="1">
+              <a:schemeClr val="accent1"/>
+            </a:fillRef>
+            <a:effectRef idx="0">
+              <a:srgbClr val="FFFFFF"/>
+            </a:effectRef>
+            <a:fontRef idx="minor">
+              <a:schemeClr val="lt1"/>
+            </a:fontRef>
+          </p:style>
+          <p:txBody>
+            <a:bodyPr rtlCol="0" anchor="ctr"/>
+            <a:p>
+              <a:pPr algn="ctr"/>
+              <a:endParaRPr lang="zh-CN" altLang="en-US"/>
+            </a:p>
+          </p:txBody>
+        </p:sp>
+        <p:sp>
+          <p:nvSpPr>
+            <p:cNvPr id="61" name="任意多边形 60"/>
+            <p:cNvSpPr/>
+            <p:nvPr/>
+          </p:nvSpPr>
+          <p:spPr>
+            <a:xfrm>
+              <a:off x="6520" y="6175"/>
+              <a:ext cx="1200" cy="1877"/>
+            </a:xfrm>
+            <a:custGeom>
+              <a:avLst/>
+              <a:gdLst>
+                <a:gd name="connsiteX0" fmla="*/ 1013 w 1200"/>
+                <a:gd name="connsiteY0" fmla="*/ 0 h 1877"/>
+                <a:gd name="connsiteX1" fmla="*/ 960 w 1200"/>
+                <a:gd name="connsiteY1" fmla="*/ 266 h 1877"/>
+                <a:gd name="connsiteX2" fmla="*/ 909 w 1200"/>
+                <a:gd name="connsiteY2" fmla="*/ 384 h 1877"/>
+                <a:gd name="connsiteX3" fmla="*/ 816 w 1200"/>
+                <a:gd name="connsiteY3" fmla="*/ 517 h 1877"/>
+                <a:gd name="connsiteX4" fmla="*/ 653 w 1200"/>
+                <a:gd name="connsiteY4" fmla="*/ 759 h 1877"/>
+                <a:gd name="connsiteX5" fmla="*/ 400 w 1200"/>
+                <a:gd name="connsiteY5" fmla="*/ 1093 h 1877"/>
+                <a:gd name="connsiteX6" fmla="*/ 187 w 1200"/>
+                <a:gd name="connsiteY6" fmla="*/ 1319 h 1877"/>
+                <a:gd name="connsiteX7" fmla="*/ 0 w 1200"/>
+                <a:gd name="connsiteY7" fmla="*/ 1507 h 1877"/>
+                <a:gd name="connsiteX8" fmla="*/ 229 w 1200"/>
+                <a:gd name="connsiteY8" fmla="*/ 1877 h 1877"/>
+                <a:gd name="connsiteX9" fmla="*/ 562 w 1200"/>
+                <a:gd name="connsiteY9" fmla="*/ 1704 h 1877"/>
+                <a:gd name="connsiteX10" fmla="*/ 882 w 1200"/>
+                <a:gd name="connsiteY10" fmla="*/ 1597 h 1877"/>
+                <a:gd name="connsiteX11" fmla="*/ 1200 w 1200"/>
+                <a:gd name="connsiteY11" fmla="*/ 1627 h 1877"/>
+                <a:gd name="connsiteX12" fmla="*/ 1013 w 1200"/>
+                <a:gd name="connsiteY12" fmla="*/ 0 h 1877"/>
+              </a:gdLst>
+              <a:ahLst/>
+              <a:cxnLst>
+                <a:cxn ang="0">
+                  <a:pos x="connsiteX0" y="connsiteY0"/>
+                </a:cxn>
+                <a:cxn ang="0">
+                  <a:pos x="connsiteX1" y="connsiteY1"/>
+                </a:cxn>
+                <a:cxn ang="0">
+                  <a:pos x="connsiteX2" y="connsiteY2"/>
+                </a:cxn>
+                <a:cxn ang="0">
+                  <a:pos x="connsiteX3" y="connsiteY3"/>
+                </a:cxn>
+                <a:cxn ang="0">
+                  <a:pos x="connsiteX4" y="connsiteY4"/>
+                </a:cxn>
+                <a:cxn ang="0">
+                  <a:pos x="connsiteX5" y="connsiteY5"/>
+                </a:cxn>
+                <a:cxn ang="0">
+                  <a:pos x="connsiteX6" y="connsiteY6"/>
+                </a:cxn>
+                <a:cxn ang="0">
+                  <a:pos x="connsiteX7" y="connsiteY7"/>
+                </a:cxn>
+                <a:cxn ang="0">
+                  <a:pos x="connsiteX8" y="connsiteY8"/>
+                </a:cxn>
+                <a:cxn ang="0">
+                  <a:pos x="connsiteX9" y="connsiteY9"/>
+                </a:cxn>
+                <a:cxn ang="0">
+                  <a:pos x="connsiteX10" y="connsiteY10"/>
+                </a:cxn>
+                <a:cxn ang="0">
+                  <a:pos x="connsiteX11" y="connsiteY11"/>
+                </a:cxn>
+                <a:cxn ang="0">
+                  <a:pos x="connsiteX12" y="connsiteY12"/>
+                </a:cxn>
+              </a:cxnLst>
+              <a:rect l="l" t="t" r="r" b="b"/>
+              <a:pathLst>
+                <a:path w="1200" h="1877">
+                  <a:moveTo>
+                    <a:pt x="1013" y="0"/>
+                  </a:moveTo>
+                  <a:cubicBezTo>
+                    <a:pt x="852" y="789"/>
+                    <a:pt x="979" y="186"/>
+                    <a:pt x="960" y="266"/>
+                  </a:cubicBezTo>
+                  <a:cubicBezTo>
+                    <a:pt x="941" y="346"/>
+                    <a:pt x="941" y="317"/>
+                    <a:pt x="909" y="384"/>
+                  </a:cubicBezTo>
+                  <a:cubicBezTo>
+                    <a:pt x="877" y="451"/>
+                    <a:pt x="869" y="445"/>
+                    <a:pt x="816" y="517"/>
+                  </a:cubicBezTo>
+                  <a:cubicBezTo>
+                    <a:pt x="763" y="589"/>
+                    <a:pt x="733" y="660"/>
+                    <a:pt x="653" y="759"/>
+                  </a:cubicBezTo>
+                  <a:cubicBezTo>
+                    <a:pt x="573" y="858"/>
+                    <a:pt x="493" y="981"/>
+                    <a:pt x="400" y="1093"/>
+                  </a:cubicBezTo>
+                  <a:cubicBezTo>
+                    <a:pt x="307" y="1205"/>
+                    <a:pt x="267" y="1236"/>
+                    <a:pt x="187" y="1319"/>
+                  </a:cubicBezTo>
+                  <a:cubicBezTo>
+                    <a:pt x="107" y="1402"/>
+                    <a:pt x="426" y="1121"/>
+                    <a:pt x="0" y="1507"/>
+                  </a:cubicBezTo>
+                  <a:cubicBezTo>
+                    <a:pt x="199" y="1815"/>
+                    <a:pt x="81" y="1637"/>
+                    <a:pt x="229" y="1877"/>
+                  </a:cubicBezTo>
+                  <a:cubicBezTo>
+                    <a:pt x="615" y="1704"/>
+                    <a:pt x="431" y="1757"/>
+                    <a:pt x="562" y="1704"/>
+                  </a:cubicBezTo>
+                  <a:cubicBezTo>
+                    <a:pt x="693" y="1651"/>
+                    <a:pt x="655" y="1623"/>
+                    <a:pt x="882" y="1597"/>
+                  </a:cubicBezTo>
+                  <a:cubicBezTo>
+                    <a:pt x="1109" y="1571"/>
+                    <a:pt x="856" y="1544"/>
+                    <a:pt x="1200" y="1627"/>
+                  </a:cubicBezTo>
+                  <a:cubicBezTo>
+                    <a:pt x="1079" y="651"/>
+                    <a:pt x="1106" y="1069"/>
+                    <a:pt x="1013" y="0"/>
+                  </a:cubicBezTo>
+                  <a:close/>
+                </a:path>
+              </a:pathLst>
+            </a:custGeom>
+            <a:solidFill>
+              <a:schemeClr val="accent5">
+                <a:alpha val="50000"/>
+              </a:schemeClr>
+            </a:solidFill>
+            <a:ln>
+              <a:noFill/>
+            </a:ln>
+          </p:spPr>
+          <p:style>
+            <a:lnRef idx="2">
+              <a:schemeClr val="accent1">
+                <a:lumMod val="75000"/>
+              </a:schemeClr>
+            </a:lnRef>
+            <a:fillRef idx="1">
+              <a:schemeClr val="accent1"/>
+            </a:fillRef>
+            <a:effectRef idx="0">
+              <a:srgbClr val="FFFFFF"/>
+            </a:effectRef>
+            <a:fontRef idx="minor">
+              <a:schemeClr val="lt1"/>
+            </a:fontRef>
+          </p:style>
+          <p:txBody>
+            <a:bodyPr rtlCol="0" anchor="ctr"/>
+            <a:p>
+              <a:pPr algn="ctr"/>
+              <a:endParaRPr lang="zh-CN" altLang="en-US"/>
+            </a:p>
+          </p:txBody>
+        </p:sp>
+        <p:sp>
+          <p:nvSpPr>
+            <p:cNvPr id="62" name="任意多边形 61"/>
+            <p:cNvSpPr/>
+            <p:nvPr/>
+          </p:nvSpPr>
+          <p:spPr>
+            <a:xfrm>
+              <a:off x="7542" y="6158"/>
+              <a:ext cx="1608" cy="2280"/>
+            </a:xfrm>
+            <a:custGeom>
+              <a:avLst/>
+              <a:gdLst>
+                <a:gd name="connsiteX0" fmla="*/ 183 w 1608"/>
+                <a:gd name="connsiteY0" fmla="*/ 1680 h 2280"/>
+                <a:gd name="connsiteX1" fmla="*/ 369 w 1608"/>
+                <a:gd name="connsiteY1" fmla="*/ 1760 h 2280"/>
+                <a:gd name="connsiteX2" fmla="*/ 503 w 1608"/>
+                <a:gd name="connsiteY2" fmla="*/ 1906 h 2280"/>
+                <a:gd name="connsiteX3" fmla="*/ 703 w 1608"/>
+                <a:gd name="connsiteY3" fmla="*/ 2106 h 2280"/>
+                <a:gd name="connsiteX4" fmla="*/ 918 w 1608"/>
+                <a:gd name="connsiteY4" fmla="*/ 2240 h 2280"/>
+                <a:gd name="connsiteX5" fmla="*/ 1075 w 1608"/>
+                <a:gd name="connsiteY5" fmla="*/ 2280 h 2280"/>
+                <a:gd name="connsiteX6" fmla="*/ 1435 w 1608"/>
+                <a:gd name="connsiteY6" fmla="*/ 2213 h 2280"/>
+                <a:gd name="connsiteX7" fmla="*/ 1608 w 1608"/>
+                <a:gd name="connsiteY7" fmla="*/ 2120 h 2280"/>
+                <a:gd name="connsiteX8" fmla="*/ 1600 w 1608"/>
+                <a:gd name="connsiteY8" fmla="*/ 293 h 2280"/>
+                <a:gd name="connsiteX9" fmla="*/ 0 w 1608"/>
+                <a:gd name="connsiteY9" fmla="*/ 0 h 2280"/>
+                <a:gd name="connsiteX10" fmla="*/ 183 w 1608"/>
+                <a:gd name="connsiteY10" fmla="*/ 1680 h 2280"/>
+              </a:gdLst>
+              <a:ahLst/>
+              <a:cxnLst>
+                <a:cxn ang="0">
+                  <a:pos x="connsiteX0" y="connsiteY0"/>
+                </a:cxn>
+                <a:cxn ang="0">
+                  <a:pos x="connsiteX1" y="connsiteY1"/>
+                </a:cxn>
+                <a:cxn ang="0">
+                  <a:pos x="connsiteX2" y="connsiteY2"/>
+                </a:cxn>
+                <a:cxn ang="0">
+                  <a:pos x="connsiteX3" y="connsiteY3"/>
+                </a:cxn>
+                <a:cxn ang="0">
+                  <a:pos x="connsiteX4" y="connsiteY4"/>
+                </a:cxn>
+                <a:cxn ang="0">
+                  <a:pos x="connsiteX5" y="connsiteY5"/>
+                </a:cxn>
+                <a:cxn ang="0">
+                  <a:pos x="connsiteX6" y="connsiteY6"/>
+                </a:cxn>
+                <a:cxn ang="0">
+                  <a:pos x="connsiteX7" y="connsiteY7"/>
+                </a:cxn>
+                <a:cxn ang="0">
+                  <a:pos x="connsiteX8" y="connsiteY8"/>
+                </a:cxn>
+                <a:cxn ang="0">
+                  <a:pos x="connsiteX9" y="connsiteY9"/>
+                </a:cxn>
+                <a:cxn ang="0">
+                  <a:pos x="connsiteX10" y="connsiteY10"/>
+                </a:cxn>
+              </a:cxnLst>
+              <a:rect l="l" t="t" r="r" b="b"/>
+              <a:pathLst>
+                <a:path w="1608" h="2280">
+                  <a:moveTo>
+                    <a:pt x="183" y="1680"/>
+                  </a:moveTo>
+                  <a:cubicBezTo>
+                    <a:pt x="531" y="1853"/>
+                    <a:pt x="305" y="1715"/>
+                    <a:pt x="369" y="1760"/>
+                  </a:cubicBezTo>
+                  <a:cubicBezTo>
+                    <a:pt x="433" y="1805"/>
+                    <a:pt x="436" y="1837"/>
+                    <a:pt x="503" y="1906"/>
+                  </a:cubicBezTo>
+                  <a:cubicBezTo>
+                    <a:pt x="570" y="1975"/>
+                    <a:pt x="623" y="2045"/>
+                    <a:pt x="703" y="2106"/>
+                  </a:cubicBezTo>
+                  <a:cubicBezTo>
+                    <a:pt x="783" y="2167"/>
+                    <a:pt x="843" y="2205"/>
+                    <a:pt x="918" y="2240"/>
+                  </a:cubicBezTo>
+                  <a:cubicBezTo>
+                    <a:pt x="993" y="2275"/>
+                    <a:pt x="968" y="2280"/>
+                    <a:pt x="1075" y="2280"/>
+                  </a:cubicBezTo>
+                  <a:cubicBezTo>
+                    <a:pt x="1182" y="2280"/>
+                    <a:pt x="1328" y="2245"/>
+                    <a:pt x="1435" y="2213"/>
+                  </a:cubicBezTo>
+                  <a:cubicBezTo>
+                    <a:pt x="1542" y="2181"/>
+                    <a:pt x="1211" y="2266"/>
+                    <a:pt x="1608" y="2120"/>
+                  </a:cubicBezTo>
+                  <a:cubicBezTo>
+                    <a:pt x="1598" y="1706"/>
+                    <a:pt x="1591" y="1173"/>
+                    <a:pt x="1600" y="293"/>
+                  </a:cubicBezTo>
+                  <a:cubicBezTo>
+                    <a:pt x="636" y="107"/>
+                    <a:pt x="708" y="134"/>
+                    <a:pt x="0" y="0"/>
+                  </a:cubicBezTo>
+                  <a:cubicBezTo>
+                    <a:pt x="122" y="1119"/>
+                    <a:pt x="144" y="1306"/>
+                    <a:pt x="183" y="1680"/>
+                  </a:cubicBezTo>
+                  <a:close/>
+                </a:path>
+              </a:pathLst>
+            </a:custGeom>
+            <a:solidFill>
+              <a:srgbClr val="FF3300">
+                <a:alpha val="50000"/>
+              </a:srgbClr>
+            </a:solidFill>
+            <a:ln>
+              <a:noFill/>
+            </a:ln>
+          </p:spPr>
+          <p:style>
+            <a:lnRef idx="2">
+              <a:schemeClr val="accent1">
+                <a:lumMod val="75000"/>
+              </a:schemeClr>
+            </a:lnRef>
+            <a:fillRef idx="1">
+              <a:schemeClr val="accent1"/>
+            </a:fillRef>
+            <a:effectRef idx="0">
+              <a:srgbClr val="FFFFFF"/>
+            </a:effectRef>
+            <a:fontRef idx="minor">
+              <a:schemeClr val="lt1"/>
+            </a:fontRef>
+          </p:style>
+          <p:txBody>
+            <a:bodyPr rtlCol="0" anchor="ctr"/>
+            <a:p>
+              <a:pPr algn="ctr"/>
+              <a:endParaRPr lang="zh-CN" altLang="en-US"/>
+            </a:p>
+          </p:txBody>
+        </p:sp>
+        <p:sp>
+          <p:nvSpPr>
+            <p:cNvPr id="63" name="任意多边形 62"/>
+            <p:cNvSpPr/>
+            <p:nvPr/>
+          </p:nvSpPr>
+          <p:spPr>
+            <a:xfrm>
+              <a:off x="7569" y="4026"/>
+              <a:ext cx="2066" cy="2400"/>
+            </a:xfrm>
+            <a:custGeom>
+              <a:avLst/>
+              <a:gdLst>
+                <a:gd name="connsiteX0" fmla="*/ 800 w 2066"/>
+                <a:gd name="connsiteY0" fmla="*/ 0 h 2400"/>
+                <a:gd name="connsiteX1" fmla="*/ 0 w 2066"/>
+                <a:gd name="connsiteY1" fmla="*/ 2107 h 2400"/>
+                <a:gd name="connsiteX2" fmla="*/ 1560 w 2066"/>
+                <a:gd name="connsiteY2" fmla="*/ 2400 h 2400"/>
+                <a:gd name="connsiteX3" fmla="*/ 2066 w 2066"/>
+                <a:gd name="connsiteY3" fmla="*/ 947 h 2400"/>
+                <a:gd name="connsiteX4" fmla="*/ 800 w 2066"/>
+                <a:gd name="connsiteY4" fmla="*/ 0 h 2400"/>
+              </a:gdLst>
+              <a:ahLst/>
+              <a:cxnLst>
+                <a:cxn ang="0">
+                  <a:pos x="connsiteX0" y="connsiteY0"/>
+                </a:cxn>
+                <a:cxn ang="0">
+                  <a:pos x="connsiteX1" y="connsiteY1"/>
+                </a:cxn>
+                <a:cxn ang="0">
+                  <a:pos x="connsiteX2" y="connsiteY2"/>
+                </a:cxn>
+                <a:cxn ang="0">
+                  <a:pos x="connsiteX3" y="connsiteY3"/>
+                </a:cxn>
+                <a:cxn ang="0">
+                  <a:pos x="connsiteX4" y="connsiteY4"/>
+                </a:cxn>
+              </a:cxnLst>
+              <a:rect l="l" t="t" r="r" b="b"/>
+              <a:pathLst>
+                <a:path w="2066" h="2400">
+                  <a:moveTo>
+                    <a:pt x="800" y="0"/>
+                  </a:moveTo>
+                  <a:lnTo>
+                    <a:pt x="0" y="2107"/>
+                  </a:lnTo>
+                  <a:lnTo>
+                    <a:pt x="1560" y="2400"/>
+                  </a:lnTo>
+                  <a:lnTo>
+                    <a:pt x="2066" y="947"/>
+                  </a:lnTo>
+                  <a:lnTo>
+                    <a:pt x="800" y="0"/>
+                  </a:lnTo>
+                  <a:close/>
+                </a:path>
+              </a:pathLst>
+            </a:custGeom>
+            <a:solidFill>
+              <a:schemeClr val="accent5">
+                <a:alpha val="50000"/>
+              </a:schemeClr>
+            </a:solidFill>
+            <a:ln>
+              <a:noFill/>
+            </a:ln>
+          </p:spPr>
+          <p:style>
+            <a:lnRef idx="2">
+              <a:schemeClr val="accent1">
+                <a:lumMod val="75000"/>
+              </a:schemeClr>
+            </a:lnRef>
+            <a:fillRef idx="1">
+              <a:schemeClr val="accent1"/>
+            </a:fillRef>
+            <a:effectRef idx="0">
+              <a:srgbClr val="FFFFFF"/>
+            </a:effectRef>
+            <a:fontRef idx="minor">
+              <a:schemeClr val="lt1"/>
+            </a:fontRef>
+          </p:style>
+          <p:txBody>
+            <a:bodyPr rtlCol="0" anchor="ctr"/>
+            <a:p>
+              <a:pPr algn="ctr"/>
+              <a:endParaRPr lang="zh-CN" altLang="en-US"/>
+            </a:p>
+          </p:txBody>
+        </p:sp>
+        <p:sp>
+          <p:nvSpPr>
+            <p:cNvPr id="64" name="任意多边形 63"/>
+            <p:cNvSpPr/>
+            <p:nvPr/>
+          </p:nvSpPr>
+          <p:spPr>
+            <a:xfrm>
+              <a:off x="9169" y="4011"/>
+              <a:ext cx="1813" cy="2414"/>
+            </a:xfrm>
+            <a:custGeom>
+              <a:avLst/>
+              <a:gdLst>
+                <a:gd name="connsiteX0" fmla="*/ 0 w 1813"/>
+                <a:gd name="connsiteY0" fmla="*/ 2414 h 2414"/>
+                <a:gd name="connsiteX1" fmla="*/ 1813 w 1813"/>
+                <a:gd name="connsiteY1" fmla="*/ 1894 h 2414"/>
+                <a:gd name="connsiteX2" fmla="*/ 1786 w 1813"/>
+                <a:gd name="connsiteY2" fmla="*/ 1120 h 2414"/>
+                <a:gd name="connsiteX3" fmla="*/ 1173 w 1813"/>
+                <a:gd name="connsiteY3" fmla="*/ 0 h 2414"/>
+                <a:gd name="connsiteX4" fmla="*/ 493 w 1813"/>
+                <a:gd name="connsiteY4" fmla="*/ 947 h 2414"/>
+              </a:gdLst>
+              <a:ahLst/>
+              <a:cxnLst>
+                <a:cxn ang="0">
+                  <a:pos x="connsiteX0" y="connsiteY0"/>
+                </a:cxn>
+                <a:cxn ang="0">
+                  <a:pos x="connsiteX1" y="connsiteY1"/>
+                </a:cxn>
+                <a:cxn ang="0">
+                  <a:pos x="connsiteX2" y="connsiteY2"/>
+                </a:cxn>
+                <a:cxn ang="0">
+                  <a:pos x="connsiteX3" y="connsiteY3"/>
+                </a:cxn>
+                <a:cxn ang="0">
+                  <a:pos x="connsiteX4" y="connsiteY4"/>
+                </a:cxn>
+              </a:cxnLst>
+              <a:rect l="l" t="t" r="r" b="b"/>
+              <a:pathLst>
+                <a:path w="1813" h="2414">
+                  <a:moveTo>
+                    <a:pt x="0" y="2414"/>
+                  </a:moveTo>
+                  <a:lnTo>
+                    <a:pt x="1813" y="1894"/>
+                  </a:lnTo>
+                  <a:lnTo>
+                    <a:pt x="1786" y="1120"/>
+                  </a:lnTo>
+                  <a:lnTo>
+                    <a:pt x="1173" y="0"/>
+                  </a:lnTo>
+                  <a:lnTo>
+                    <a:pt x="493" y="947"/>
+                  </a:lnTo>
+                </a:path>
+              </a:pathLst>
+            </a:custGeom>
+            <a:solidFill>
+              <a:srgbClr val="FFFF00">
+                <a:alpha val="50000"/>
+              </a:srgbClr>
+            </a:solidFill>
+          </p:spPr>
+          <p:style>
+            <a:lnRef idx="2">
+              <a:schemeClr val="accent1">
+                <a:lumMod val="75000"/>
+              </a:schemeClr>
+            </a:lnRef>
+            <a:fillRef idx="1">
+              <a:schemeClr val="accent1"/>
+            </a:fillRef>
+            <a:effectRef idx="0">
+              <a:srgbClr val="FFFFFF"/>
+            </a:effectRef>
+            <a:fontRef idx="minor">
+              <a:schemeClr val="lt1"/>
+            </a:fontRef>
+          </p:style>
+          <p:txBody>
+            <a:bodyPr rtlCol="0" anchor="ctr"/>
+            <a:p>
+              <a:pPr algn="ctr"/>
+              <a:endParaRPr lang="zh-CN" altLang="en-US"/>
+            </a:p>
+          </p:txBody>
+        </p:sp>
+        <p:sp>
+          <p:nvSpPr>
+            <p:cNvPr id="65" name="任意多边形 64"/>
+            <p:cNvSpPr/>
+            <p:nvPr/>
+          </p:nvSpPr>
+          <p:spPr>
+            <a:xfrm>
+              <a:off x="9155" y="5918"/>
+              <a:ext cx="1840" cy="2361"/>
+            </a:xfrm>
+            <a:custGeom>
+              <a:avLst/>
+              <a:gdLst>
+                <a:gd name="connsiteX0" fmla="*/ 0 w 1840"/>
+                <a:gd name="connsiteY0" fmla="*/ 548 h 2361"/>
+                <a:gd name="connsiteX1" fmla="*/ 13 w 1840"/>
+                <a:gd name="connsiteY1" fmla="*/ 2361 h 2361"/>
+                <a:gd name="connsiteX2" fmla="*/ 866 w 1840"/>
+                <a:gd name="connsiteY2" fmla="*/ 1814 h 2361"/>
+                <a:gd name="connsiteX3" fmla="*/ 1826 w 1840"/>
+                <a:gd name="connsiteY3" fmla="*/ 1094 h 2361"/>
+                <a:gd name="connsiteX4" fmla="*/ 1840 w 1840"/>
+                <a:gd name="connsiteY4" fmla="*/ 0 h 2361"/>
+                <a:gd name="connsiteX5" fmla="*/ 0 w 1840"/>
+                <a:gd name="connsiteY5" fmla="*/ 548 h 2361"/>
+              </a:gdLst>
+              <a:ahLst/>
+              <a:cxnLst>
+                <a:cxn ang="0">
+                  <a:pos x="connsiteX0" y="connsiteY0"/>
+                </a:cxn>
+                <a:cxn ang="0">
+                  <a:pos x="connsiteX1" y="connsiteY1"/>
+                </a:cxn>
+                <a:cxn ang="0">
+                  <a:pos x="connsiteX2" y="connsiteY2"/>
+                </a:cxn>
+                <a:cxn ang="0">
+                  <a:pos x="connsiteX3" y="connsiteY3"/>
+                </a:cxn>
+                <a:cxn ang="0">
+                  <a:pos x="connsiteX4" y="connsiteY4"/>
+                </a:cxn>
+                <a:cxn ang="0">
+                  <a:pos x="connsiteX5" y="connsiteY5"/>
+                </a:cxn>
+              </a:cxnLst>
+              <a:rect l="l" t="t" r="r" b="b"/>
+              <a:pathLst>
+                <a:path w="1840" h="2361">
+                  <a:moveTo>
+                    <a:pt x="0" y="548"/>
+                  </a:moveTo>
+                  <a:cubicBezTo>
+                    <a:pt x="22" y="1342"/>
+                    <a:pt x="0" y="1707"/>
+                    <a:pt x="13" y="2361"/>
+                  </a:cubicBezTo>
+                  <a:cubicBezTo>
+                    <a:pt x="773" y="1867"/>
+                    <a:pt x="503" y="2067"/>
+                    <a:pt x="866" y="1814"/>
+                  </a:cubicBezTo>
+                  <a:cubicBezTo>
+                    <a:pt x="1229" y="1561"/>
+                    <a:pt x="1413" y="1413"/>
+                    <a:pt x="1826" y="1094"/>
+                  </a:cubicBezTo>
+                  <a:cubicBezTo>
+                    <a:pt x="1826" y="360"/>
+                    <a:pt x="1840" y="573"/>
+                    <a:pt x="1840" y="0"/>
+                  </a:cubicBezTo>
+                  <a:cubicBezTo>
+                    <a:pt x="1120" y="200"/>
+                    <a:pt x="1013" y="255"/>
+                    <a:pt x="0" y="548"/>
+                  </a:cubicBezTo>
+                  <a:close/>
+                </a:path>
+              </a:pathLst>
+            </a:custGeom>
+            <a:solidFill>
+              <a:schemeClr val="accent5">
+                <a:alpha val="50000"/>
+              </a:schemeClr>
+            </a:solidFill>
+            <a:ln>
+              <a:noFill/>
+            </a:ln>
+          </p:spPr>
+          <p:style>
+            <a:lnRef idx="2">
+              <a:schemeClr val="accent1">
+                <a:lumMod val="75000"/>
+              </a:schemeClr>
+            </a:lnRef>
+            <a:fillRef idx="1">
+              <a:schemeClr val="accent1"/>
+            </a:fillRef>
+            <a:effectRef idx="0">
+              <a:srgbClr val="FFFFFF"/>
+            </a:effectRef>
+            <a:fontRef idx="minor">
+              <a:schemeClr val="lt1"/>
+            </a:fontRef>
+          </p:style>
+          <p:txBody>
+            <a:bodyPr rtlCol="0" anchor="ctr"/>
+            <a:p>
+              <a:pPr algn="ctr"/>
+              <a:endParaRPr lang="zh-CN" altLang="en-US"/>
+            </a:p>
+          </p:txBody>
+        </p:sp>
+        <p:sp>
+          <p:nvSpPr>
+            <p:cNvPr id="68" name="任意多边形 67"/>
+            <p:cNvSpPr/>
+            <p:nvPr/>
+          </p:nvSpPr>
+          <p:spPr>
+            <a:xfrm>
+              <a:off x="8520" y="1793"/>
+              <a:ext cx="1652" cy="2052"/>
+            </a:xfrm>
+            <a:custGeom>
+              <a:avLst/>
+              <a:gdLst>
+                <a:gd name="connsiteX0" fmla="*/ 0 w 1652"/>
+                <a:gd name="connsiteY0" fmla="*/ 2027 h 2026"/>
+                <a:gd name="connsiteX1" fmla="*/ 66 w 1652"/>
+                <a:gd name="connsiteY1" fmla="*/ 1681 h 2026"/>
+                <a:gd name="connsiteX2" fmla="*/ 80 w 1652"/>
+                <a:gd name="connsiteY2" fmla="*/ 1227 h 2026"/>
+                <a:gd name="connsiteX3" fmla="*/ 66 w 1652"/>
+                <a:gd name="connsiteY3" fmla="*/ 747 h 2026"/>
+                <a:gd name="connsiteX4" fmla="*/ 106 w 1652"/>
+                <a:gd name="connsiteY4" fmla="*/ 348 h 2026"/>
+                <a:gd name="connsiteX5" fmla="*/ 173 w 1652"/>
+                <a:gd name="connsiteY5" fmla="*/ 122 h 2026"/>
+                <a:gd name="connsiteX6" fmla="*/ 306 w 1652"/>
+                <a:gd name="connsiteY6" fmla="*/ 28 h 2026"/>
+                <a:gd name="connsiteX7" fmla="*/ 386 w 1652"/>
+                <a:gd name="connsiteY7" fmla="*/ 2 h 2026"/>
+                <a:gd name="connsiteX8" fmla="*/ 640 w 1652"/>
+                <a:gd name="connsiteY8" fmla="*/ 55 h 2026"/>
+                <a:gd name="connsiteX9" fmla="*/ 1092 w 1652"/>
+                <a:gd name="connsiteY9" fmla="*/ 214 h 2026"/>
+                <a:gd name="connsiteX10" fmla="*/ 1652 w 1652"/>
+                <a:gd name="connsiteY10" fmla="*/ 522 h 2026"/>
+                <a:gd name="connsiteX11" fmla="*/ 0 w 1652"/>
+                <a:gd name="connsiteY11" fmla="*/ 2027 h 2026"/>
+              </a:gdLst>
+              <a:ahLst/>
+              <a:cxnLst>
+                <a:cxn ang="0">
+                  <a:pos x="connsiteX0" y="connsiteY0"/>
+                </a:cxn>
+                <a:cxn ang="0">
+                  <a:pos x="connsiteX1" y="connsiteY1"/>
+                </a:cxn>
+                <a:cxn ang="0">
+                  <a:pos x="connsiteX2" y="connsiteY2"/>
+                </a:cxn>
+                <a:cxn ang="0">
+                  <a:pos x="connsiteX3" y="connsiteY3"/>
+                </a:cxn>
+                <a:cxn ang="0">
+                  <a:pos x="connsiteX4" y="connsiteY4"/>
+                </a:cxn>
+                <a:cxn ang="0">
+                  <a:pos x="connsiteX5" y="connsiteY5"/>
+                </a:cxn>
+                <a:cxn ang="0">
+                  <a:pos x="connsiteX6" y="connsiteY6"/>
+                </a:cxn>
+                <a:cxn ang="0">
+                  <a:pos x="connsiteX7" y="connsiteY7"/>
+                </a:cxn>
+                <a:cxn ang="0">
+                  <a:pos x="connsiteX8" y="connsiteY8"/>
+                </a:cxn>
+                <a:cxn ang="0">
+                  <a:pos x="connsiteX9" y="connsiteY9"/>
+                </a:cxn>
+                <a:cxn ang="0">
+                  <a:pos x="connsiteX10" y="connsiteY10"/>
+                </a:cxn>
+                <a:cxn ang="0">
+                  <a:pos x="connsiteX11" y="connsiteY11"/>
+                </a:cxn>
+              </a:cxnLst>
+              <a:rect l="l" t="t" r="r" b="b"/>
+              <a:pathLst>
+                <a:path w="1652" h="2027">
+                  <a:moveTo>
+                    <a:pt x="0" y="2027"/>
+                  </a:moveTo>
+                  <a:cubicBezTo>
+                    <a:pt x="158" y="1332"/>
+                    <a:pt x="50" y="1841"/>
+                    <a:pt x="66" y="1681"/>
+                  </a:cubicBezTo>
+                  <a:cubicBezTo>
+                    <a:pt x="82" y="1521"/>
+                    <a:pt x="80" y="1414"/>
+                    <a:pt x="80" y="1227"/>
+                  </a:cubicBezTo>
+                  <a:cubicBezTo>
+                    <a:pt x="80" y="1040"/>
+                    <a:pt x="61" y="923"/>
+                    <a:pt x="66" y="747"/>
+                  </a:cubicBezTo>
+                  <a:cubicBezTo>
+                    <a:pt x="71" y="571"/>
+                    <a:pt x="85" y="472"/>
+                    <a:pt x="106" y="348"/>
+                  </a:cubicBezTo>
+                  <a:cubicBezTo>
+                    <a:pt x="127" y="223"/>
+                    <a:pt x="133" y="186"/>
+                    <a:pt x="173" y="122"/>
+                  </a:cubicBezTo>
+                  <a:cubicBezTo>
+                    <a:pt x="213" y="58"/>
+                    <a:pt x="263" y="52"/>
+                    <a:pt x="306" y="28"/>
+                  </a:cubicBezTo>
+                  <a:cubicBezTo>
+                    <a:pt x="349" y="4"/>
+                    <a:pt x="319" y="-3"/>
+                    <a:pt x="386" y="2"/>
+                  </a:cubicBezTo>
+                  <a:cubicBezTo>
+                    <a:pt x="453" y="7"/>
+                    <a:pt x="501" y="10"/>
+                    <a:pt x="640" y="55"/>
+                  </a:cubicBezTo>
+                  <a:cubicBezTo>
+                    <a:pt x="778" y="100"/>
+                    <a:pt x="813" y="65"/>
+                    <a:pt x="1092" y="214"/>
+                  </a:cubicBezTo>
+                  <a:cubicBezTo>
+                    <a:pt x="1371" y="363"/>
+                    <a:pt x="1132" y="187"/>
+                    <a:pt x="1652" y="522"/>
+                  </a:cubicBezTo>
+                  <a:cubicBezTo>
+                    <a:pt x="1198" y="922"/>
+                    <a:pt x="412" y="1667"/>
+                    <a:pt x="0" y="2027"/>
+                  </a:cubicBezTo>
+                  <a:close/>
+                </a:path>
+              </a:pathLst>
+            </a:custGeom>
+            <a:solidFill>
+              <a:schemeClr val="accent5">
+                <a:alpha val="50000"/>
+              </a:schemeClr>
+            </a:solidFill>
+            <a:ln>
+              <a:noFill/>
+            </a:ln>
+          </p:spPr>
+          <p:style>
+            <a:lnRef idx="2">
+              <a:schemeClr val="accent1">
+                <a:lumMod val="75000"/>
+              </a:schemeClr>
+            </a:lnRef>
+            <a:fillRef idx="1">
+              <a:schemeClr val="accent1"/>
+            </a:fillRef>
+            <a:effectRef idx="0">
+              <a:srgbClr val="FFFFFF"/>
+            </a:effectRef>
+            <a:fontRef idx="minor">
+              <a:schemeClr val="lt1"/>
+            </a:fontRef>
+          </p:style>
+          <p:txBody>
+            <a:bodyPr rtlCol="0" anchor="ctr"/>
+            <a:p>
+              <a:pPr algn="ctr"/>
+              <a:endParaRPr lang="zh-CN" altLang="en-US"/>
+            </a:p>
+          </p:txBody>
+        </p:sp>
+        <p:sp>
+          <p:nvSpPr>
+            <p:cNvPr id="69" name="任意多边形 68"/>
+            <p:cNvSpPr/>
+            <p:nvPr/>
+          </p:nvSpPr>
+          <p:spPr>
+            <a:xfrm>
+              <a:off x="10224" y="2344"/>
+              <a:ext cx="1279" cy="1616"/>
+            </a:xfrm>
+            <a:custGeom>
+              <a:avLst/>
+              <a:gdLst>
+                <a:gd name="connsiteX0" fmla="*/ 0 w 1279"/>
+                <a:gd name="connsiteY0" fmla="*/ 0 h 1616"/>
+                <a:gd name="connsiteX1" fmla="*/ 134 w 1279"/>
+                <a:gd name="connsiteY1" fmla="*/ 1616 h 1616"/>
+                <a:gd name="connsiteX2" fmla="*/ 1279 w 1279"/>
+                <a:gd name="connsiteY2" fmla="*/ 947 h 1616"/>
+                <a:gd name="connsiteX3" fmla="*/ 734 w 1279"/>
+                <a:gd name="connsiteY3" fmla="*/ 496 h 1616"/>
+                <a:gd name="connsiteX4" fmla="*/ 0 w 1279"/>
+                <a:gd name="connsiteY4" fmla="*/ 0 h 1616"/>
+              </a:gdLst>
+              <a:ahLst/>
+              <a:cxnLst>
+                <a:cxn ang="0">
+                  <a:pos x="connsiteX0" y="connsiteY0"/>
+                </a:cxn>
+                <a:cxn ang="0">
+                  <a:pos x="connsiteX1" y="connsiteY1"/>
+                </a:cxn>
+                <a:cxn ang="0">
+                  <a:pos x="connsiteX2" y="connsiteY2"/>
+                </a:cxn>
+                <a:cxn ang="0">
+                  <a:pos x="connsiteX3" y="connsiteY3"/>
+                </a:cxn>
+                <a:cxn ang="0">
+                  <a:pos x="connsiteX4" y="connsiteY4"/>
+                </a:cxn>
+              </a:cxnLst>
+              <a:rect l="l" t="t" r="r" b="b"/>
+              <a:pathLst>
+                <a:path w="1279" h="1616">
+                  <a:moveTo>
+                    <a:pt x="0" y="0"/>
+                  </a:moveTo>
+                  <a:cubicBezTo>
+                    <a:pt x="28" y="442"/>
+                    <a:pt x="54" y="817"/>
+                    <a:pt x="134" y="1616"/>
+                  </a:cubicBezTo>
+                  <a:cubicBezTo>
+                    <a:pt x="748" y="1230"/>
+                    <a:pt x="908" y="1162"/>
+                    <a:pt x="1279" y="947"/>
+                  </a:cubicBezTo>
+                  <a:cubicBezTo>
+                    <a:pt x="1001" y="682"/>
+                    <a:pt x="990" y="685"/>
+                    <a:pt x="734" y="496"/>
+                  </a:cubicBezTo>
+                  <a:cubicBezTo>
+                    <a:pt x="478" y="307"/>
+                    <a:pt x="241" y="162"/>
+                    <a:pt x="0" y="0"/>
+                  </a:cubicBezTo>
+                  <a:close/>
+                </a:path>
+              </a:pathLst>
+            </a:custGeom>
+            <a:solidFill>
+              <a:srgbClr val="FFFF00">
+                <a:alpha val="50000"/>
+              </a:srgbClr>
+            </a:solidFill>
+            <a:ln>
+              <a:noFill/>
+            </a:ln>
+          </p:spPr>
+          <p:style>
+            <a:lnRef idx="2">
+              <a:schemeClr val="accent1">
+                <a:lumMod val="75000"/>
+              </a:schemeClr>
+            </a:lnRef>
+            <a:fillRef idx="1">
+              <a:schemeClr val="accent1"/>
+            </a:fillRef>
+            <a:effectRef idx="0">
+              <a:srgbClr val="FFFFFF"/>
+            </a:effectRef>
+            <a:fontRef idx="minor">
+              <a:schemeClr val="lt1"/>
+            </a:fontRef>
+          </p:style>
+          <p:txBody>
+            <a:bodyPr rtlCol="0" anchor="ctr"/>
+            <a:p>
+              <a:pPr algn="ctr"/>
+              <a:endParaRPr lang="zh-CN" altLang="en-US"/>
+            </a:p>
+          </p:txBody>
+        </p:sp>
+        <p:sp>
+          <p:nvSpPr>
+            <p:cNvPr id="70" name="任意多边形 69"/>
+            <p:cNvSpPr/>
+            <p:nvPr/>
+          </p:nvSpPr>
+          <p:spPr>
+            <a:xfrm>
+              <a:off x="10372" y="3300"/>
+              <a:ext cx="2093" cy="1840"/>
+            </a:xfrm>
+            <a:custGeom>
+              <a:avLst/>
+              <a:gdLst>
+                <a:gd name="connsiteX0" fmla="*/ 0 w 2093"/>
+                <a:gd name="connsiteY0" fmla="*/ 706 h 1840"/>
+                <a:gd name="connsiteX1" fmla="*/ 613 w 2093"/>
+                <a:gd name="connsiteY1" fmla="*/ 1840 h 1840"/>
+                <a:gd name="connsiteX2" fmla="*/ 2093 w 2093"/>
+                <a:gd name="connsiteY2" fmla="*/ 1480 h 1840"/>
+                <a:gd name="connsiteX3" fmla="*/ 2015 w 2093"/>
+                <a:gd name="connsiteY3" fmla="*/ 1117 h 1840"/>
+                <a:gd name="connsiteX4" fmla="*/ 1748 w 2093"/>
+                <a:gd name="connsiteY4" fmla="*/ 597 h 1840"/>
+                <a:gd name="connsiteX5" fmla="*/ 1335 w 2093"/>
+                <a:gd name="connsiteY5" fmla="*/ 170 h 1840"/>
+                <a:gd name="connsiteX6" fmla="*/ 1160 w 2093"/>
+                <a:gd name="connsiteY6" fmla="*/ 0 h 1840"/>
+                <a:gd name="connsiteX7" fmla="*/ 0 w 2093"/>
+                <a:gd name="connsiteY7" fmla="*/ 706 h 1840"/>
+              </a:gdLst>
+              <a:ahLst/>
+              <a:cxnLst>
+                <a:cxn ang="0">
+                  <a:pos x="connsiteX0" y="connsiteY0"/>
+                </a:cxn>
+                <a:cxn ang="0">
+                  <a:pos x="connsiteX1" y="connsiteY1"/>
+                </a:cxn>
+                <a:cxn ang="0">
+                  <a:pos x="connsiteX2" y="connsiteY2"/>
+                </a:cxn>
+                <a:cxn ang="0">
+                  <a:pos x="connsiteX3" y="connsiteY3"/>
+                </a:cxn>
+                <a:cxn ang="0">
+                  <a:pos x="connsiteX4" y="connsiteY4"/>
+                </a:cxn>
+                <a:cxn ang="0">
+                  <a:pos x="connsiteX5" y="connsiteY5"/>
+                </a:cxn>
+                <a:cxn ang="0">
+                  <a:pos x="connsiteX6" y="connsiteY6"/>
+                </a:cxn>
+                <a:cxn ang="0">
+                  <a:pos x="connsiteX7" y="connsiteY7"/>
+                </a:cxn>
+              </a:cxnLst>
+              <a:rect l="l" t="t" r="r" b="b"/>
+              <a:pathLst>
+                <a:path w="2093" h="1840">
+                  <a:moveTo>
+                    <a:pt x="0" y="706"/>
+                  </a:moveTo>
+                  <a:cubicBezTo>
+                    <a:pt x="238" y="1121"/>
+                    <a:pt x="318" y="1307"/>
+                    <a:pt x="613" y="1840"/>
+                  </a:cubicBezTo>
+                  <a:cubicBezTo>
+                    <a:pt x="1278" y="1681"/>
+                    <a:pt x="1506" y="1626"/>
+                    <a:pt x="2093" y="1480"/>
+                  </a:cubicBezTo>
+                  <a:cubicBezTo>
+                    <a:pt x="2026" y="946"/>
+                    <a:pt x="2084" y="1293"/>
+                    <a:pt x="2015" y="1117"/>
+                  </a:cubicBezTo>
+                  <a:cubicBezTo>
+                    <a:pt x="1946" y="941"/>
+                    <a:pt x="1884" y="786"/>
+                    <a:pt x="1748" y="597"/>
+                  </a:cubicBezTo>
+                  <a:cubicBezTo>
+                    <a:pt x="1612" y="408"/>
+                    <a:pt x="1452" y="287"/>
+                    <a:pt x="1335" y="170"/>
+                  </a:cubicBezTo>
+                  <a:cubicBezTo>
+                    <a:pt x="1218" y="52"/>
+                    <a:pt x="1478" y="324"/>
+                    <a:pt x="1160" y="0"/>
+                  </a:cubicBezTo>
+                  <a:cubicBezTo>
+                    <a:pt x="771" y="217"/>
+                    <a:pt x="531" y="374"/>
+                    <a:pt x="0" y="706"/>
+                  </a:cubicBezTo>
+                  <a:close/>
+                </a:path>
+              </a:pathLst>
+            </a:custGeom>
+            <a:solidFill>
+              <a:schemeClr val="accent5">
+                <a:alpha val="50000"/>
+              </a:schemeClr>
+            </a:solidFill>
+            <a:ln>
+              <a:noFill/>
+            </a:ln>
+          </p:spPr>
+          <p:style>
+            <a:lnRef idx="2">
+              <a:schemeClr val="accent1">
+                <a:lumMod val="75000"/>
+              </a:schemeClr>
+            </a:lnRef>
+            <a:fillRef idx="1">
+              <a:schemeClr val="accent1"/>
+            </a:fillRef>
+            <a:effectRef idx="0">
+              <a:srgbClr val="FFFFFF"/>
+            </a:effectRef>
+            <a:fontRef idx="minor">
+              <a:schemeClr val="lt1"/>
+            </a:fontRef>
+          </p:style>
+          <p:txBody>
+            <a:bodyPr rtlCol="0" anchor="ctr"/>
+            <a:p>
+              <a:pPr algn="ctr"/>
+              <a:endParaRPr lang="zh-CN" altLang="en-US"/>
+            </a:p>
+          </p:txBody>
+        </p:sp>
+        <p:sp>
+          <p:nvSpPr>
+            <p:cNvPr id="71" name="任意多边形 70"/>
+            <p:cNvSpPr/>
+            <p:nvPr/>
+          </p:nvSpPr>
+          <p:spPr>
+            <a:xfrm>
+              <a:off x="10994" y="4825"/>
+              <a:ext cx="1465" cy="2160"/>
+            </a:xfrm>
+            <a:custGeom>
+              <a:avLst/>
+              <a:gdLst>
+                <a:gd name="connsiteX0" fmla="*/ 0 w 1465"/>
+                <a:gd name="connsiteY0" fmla="*/ 346 h 2160"/>
+                <a:gd name="connsiteX1" fmla="*/ 13 w 1465"/>
+                <a:gd name="connsiteY1" fmla="*/ 2160 h 2160"/>
+                <a:gd name="connsiteX2" fmla="*/ 413 w 1465"/>
+                <a:gd name="connsiteY2" fmla="*/ 1786 h 2160"/>
+                <a:gd name="connsiteX3" fmla="*/ 920 w 1465"/>
+                <a:gd name="connsiteY3" fmla="*/ 1240 h 2160"/>
+                <a:gd name="connsiteX4" fmla="*/ 1239 w 1465"/>
+                <a:gd name="connsiteY4" fmla="*/ 786 h 2160"/>
+                <a:gd name="connsiteX5" fmla="*/ 1414 w 1465"/>
+                <a:gd name="connsiteY5" fmla="*/ 373 h 2160"/>
+                <a:gd name="connsiteX6" fmla="*/ 1465 w 1465"/>
+                <a:gd name="connsiteY6" fmla="*/ 0 h 2160"/>
+                <a:gd name="connsiteX7" fmla="*/ 0 w 1465"/>
+                <a:gd name="connsiteY7" fmla="*/ 346 h 2160"/>
+              </a:gdLst>
+              <a:ahLst/>
+              <a:cxnLst>
+                <a:cxn ang="0">
+                  <a:pos x="connsiteX0" y="connsiteY0"/>
+                </a:cxn>
+                <a:cxn ang="0">
+                  <a:pos x="connsiteX1" y="connsiteY1"/>
+                </a:cxn>
+                <a:cxn ang="0">
+                  <a:pos x="connsiteX2" y="connsiteY2"/>
+                </a:cxn>
+                <a:cxn ang="0">
+                  <a:pos x="connsiteX3" y="connsiteY3"/>
+                </a:cxn>
+                <a:cxn ang="0">
+                  <a:pos x="connsiteX4" y="connsiteY4"/>
+                </a:cxn>
+                <a:cxn ang="0">
+                  <a:pos x="connsiteX5" y="connsiteY5"/>
+                </a:cxn>
+                <a:cxn ang="0">
+                  <a:pos x="connsiteX6" y="connsiteY6"/>
+                </a:cxn>
+                <a:cxn ang="0">
+                  <a:pos x="connsiteX7" y="connsiteY7"/>
+                </a:cxn>
+              </a:cxnLst>
+              <a:rect l="l" t="t" r="r" b="b"/>
+              <a:pathLst>
+                <a:path w="1465" h="2160">
+                  <a:moveTo>
+                    <a:pt x="0" y="346"/>
+                  </a:moveTo>
+                  <a:cubicBezTo>
+                    <a:pt x="11" y="1093"/>
+                    <a:pt x="-4" y="1653"/>
+                    <a:pt x="13" y="2160"/>
+                  </a:cubicBezTo>
+                  <a:cubicBezTo>
+                    <a:pt x="330" y="1866"/>
+                    <a:pt x="232" y="1962"/>
+                    <a:pt x="413" y="1786"/>
+                  </a:cubicBezTo>
+                  <a:cubicBezTo>
+                    <a:pt x="594" y="1610"/>
+                    <a:pt x="752" y="1451"/>
+                    <a:pt x="920" y="1240"/>
+                  </a:cubicBezTo>
+                  <a:cubicBezTo>
+                    <a:pt x="1088" y="1029"/>
+                    <a:pt x="1140" y="959"/>
+                    <a:pt x="1239" y="786"/>
+                  </a:cubicBezTo>
+                  <a:cubicBezTo>
+                    <a:pt x="1338" y="613"/>
+                    <a:pt x="1371" y="512"/>
+                    <a:pt x="1414" y="373"/>
+                  </a:cubicBezTo>
+                  <a:cubicBezTo>
+                    <a:pt x="1457" y="234"/>
+                    <a:pt x="1385" y="733"/>
+                    <a:pt x="1465" y="0"/>
+                  </a:cubicBezTo>
+                  <a:cubicBezTo>
+                    <a:pt x="968" y="133"/>
+                    <a:pt x="651" y="200"/>
+                    <a:pt x="0" y="346"/>
+                  </a:cubicBezTo>
+                  <a:close/>
+                </a:path>
+              </a:pathLst>
+            </a:custGeom>
+            <a:solidFill>
+              <a:srgbClr val="FF3300">
+                <a:alpha val="50000"/>
+              </a:srgbClr>
+            </a:solidFill>
+            <a:ln>
+              <a:noFill/>
+            </a:ln>
+          </p:spPr>
+          <p:style>
+            <a:lnRef idx="2">
+              <a:schemeClr val="accent1">
+                <a:lumMod val="75000"/>
+              </a:schemeClr>
+            </a:lnRef>
+            <a:fillRef idx="1">
+              <a:schemeClr val="accent1"/>
+            </a:fillRef>
+            <a:effectRef idx="0">
+              <a:srgbClr val="FFFFFF"/>
+            </a:effectRef>
+            <a:fontRef idx="minor">
+              <a:schemeClr val="lt1"/>
+            </a:fontRef>
+          </p:style>
+          <p:txBody>
+            <a:bodyPr rtlCol="0" anchor="ctr"/>
+            <a:p>
+              <a:pPr algn="ctr"/>
+              <a:endParaRPr lang="zh-CN" altLang="en-US"/>
+            </a:p>
+          </p:txBody>
+        </p:sp>
+      </p:grpSp>
+      <p:sp>
+        <p:nvSpPr>
+          <p:cNvPr id="73" name="任意多边形 72"/>
+          <p:cNvSpPr/>
+          <p:nvPr/>
+        </p:nvSpPr>
+        <p:spPr>
+          <a:xfrm>
+            <a:off x="6715125" y="1033780"/>
+            <a:ext cx="4367530" cy="4408805"/>
+          </a:xfrm>
+          <a:custGeom>
+            <a:avLst/>
+            <a:gdLst>
+              <a:gd name="connisteX0" fmla="*/ 403366 w 3683963"/>
+              <a:gd name="connsiteY0" fmla="*/ 987038 h 3719101"/>
+              <a:gd name="connisteX1" fmla="*/ 1473341 w 3683963"/>
+              <a:gd name="connsiteY1" fmla="*/ 1197223 h 3719101"/>
+              <a:gd name="connisteX2" fmla="*/ 1824496 w 3683963"/>
+              <a:gd name="connsiteY2" fmla="*/ 4693 h 3719101"/>
+              <a:gd name="connisteX3" fmla="*/ 3683776 w 3683963"/>
+              <a:gd name="connsiteY3" fmla="*/ 1618863 h 3719101"/>
+              <a:gd name="connisteX4" fmla="*/ 1912126 w 3683963"/>
+              <a:gd name="connsiteY4" fmla="*/ 3478143 h 3719101"/>
+              <a:gd name="connisteX5" fmla="*/ 982486 w 3683963"/>
+              <a:gd name="connsiteY5" fmla="*/ 3214618 h 3719101"/>
+              <a:gd name="connisteX6" fmla="*/ 141 w 3683963"/>
+              <a:gd name="connsiteY6" fmla="*/ 3688328 h 3719101"/>
+              <a:gd name="connisteX7" fmla="*/ 1035191 w 3683963"/>
+              <a:gd name="connsiteY7" fmla="*/ 2355463 h 3719101"/>
+              <a:gd name="connisteX8" fmla="*/ 403366 w 3683963"/>
+              <a:gd name="connsiteY8" fmla="*/ 987038 h 3719101"/>
+            </a:gdLst>
+            <a:ahLst/>
+            <a:cxnLst>
+              <a:cxn ang="0">
+                <a:pos x="connisteX0" y="connsiteY0"/>
+              </a:cxn>
+              <a:cxn ang="0">
+                <a:pos x="connisteX1" y="connsiteY1"/>
+              </a:cxn>
+              <a:cxn ang="0">
+                <a:pos x="connisteX2" y="connsiteY2"/>
+              </a:cxn>
+              <a:cxn ang="0">
+                <a:pos x="connisteX3" y="connsiteY3"/>
+              </a:cxn>
+              <a:cxn ang="0">
+                <a:pos x="connisteX4" y="connsiteY4"/>
+              </a:cxn>
+              <a:cxn ang="0">
+                <a:pos x="connisteX5" y="connsiteY5"/>
+              </a:cxn>
+              <a:cxn ang="0">
+                <a:pos x="connisteX6" y="connsiteY6"/>
+              </a:cxn>
+              <a:cxn ang="0">
+                <a:pos x="connisteX7" y="connsiteY7"/>
+              </a:cxn>
+              <a:cxn ang="0">
+                <a:pos x="connisteX8" y="connsiteY8"/>
+              </a:cxn>
+            </a:cxnLst>
+            <a:rect l="l" t="t" r="r" b="b"/>
+            <a:pathLst>
+              <a:path w="3683964" h="3719101">
+                <a:moveTo>
+                  <a:pt x="403366" y="987038"/>
+                </a:moveTo>
+                <a:cubicBezTo>
+                  <a:pt x="490996" y="755263"/>
+                  <a:pt x="1188861" y="1393438"/>
+                  <a:pt x="1473341" y="1197223"/>
+                </a:cubicBezTo>
+                <a:cubicBezTo>
+                  <a:pt x="1757821" y="1001008"/>
+                  <a:pt x="1382536" y="-79762"/>
+                  <a:pt x="1824496" y="4693"/>
+                </a:cubicBezTo>
+                <a:cubicBezTo>
+                  <a:pt x="2266456" y="89148"/>
+                  <a:pt x="3665996" y="924173"/>
+                  <a:pt x="3683776" y="1618863"/>
+                </a:cubicBezTo>
+                <a:cubicBezTo>
+                  <a:pt x="3701556" y="2313553"/>
+                  <a:pt x="2452511" y="3158738"/>
+                  <a:pt x="1912126" y="3478143"/>
+                </a:cubicBezTo>
+                <a:cubicBezTo>
+                  <a:pt x="1371741" y="3797548"/>
+                  <a:pt x="1364756" y="3172708"/>
+                  <a:pt x="982486" y="3214618"/>
+                </a:cubicBezTo>
+                <a:cubicBezTo>
+                  <a:pt x="600216" y="3256528"/>
+                  <a:pt x="-10654" y="3860413"/>
+                  <a:pt x="141" y="3688328"/>
+                </a:cubicBezTo>
+                <a:cubicBezTo>
+                  <a:pt x="10936" y="3516243"/>
+                  <a:pt x="954546" y="2895848"/>
+                  <a:pt x="1035191" y="2355463"/>
+                </a:cubicBezTo>
+                <a:cubicBezTo>
+                  <a:pt x="1115836" y="1815078"/>
+                  <a:pt x="315736" y="1218813"/>
+                  <a:pt x="403366" y="987038"/>
+                </a:cubicBezTo>
+                <a:close/>
+              </a:path>
+            </a:pathLst>
+          </a:custGeom>
+          <a:noFill/>
+          <a:ln w="25400">
+            <a:solidFill>
+              <a:srgbClr val="FF0000">
+                <a:alpha val="50000"/>
+              </a:srgbClr>
+            </a:solidFill>
+          </a:ln>
+        </p:spPr>
+        <p:style>
+          <a:lnRef idx="2">
+            <a:schemeClr val="accent1">
+              <a:lumMod val="75000"/>
+            </a:schemeClr>
+          </a:lnRef>
+          <a:fillRef idx="1">
+            <a:schemeClr val="accent1"/>
+          </a:fillRef>
+          <a:effectRef idx="0">
+            <a:srgbClr val="FFFFFF"/>
+          </a:effectRef>
+          <a:fontRef idx="minor">
+            <a:schemeClr val="lt1"/>
+          </a:fontRef>
+        </p:style>
+        <p:txBody>
+          <a:bodyPr rtlCol="0" anchor="ctr"/>
+          <a:p>
+            <a:pPr algn="ctr"/>
+            <a:endParaRPr lang="zh-CN" altLang="en-US"/>
+          </a:p>
+        </p:txBody>
+      </p:sp>
+      <p:sp>
+        <p:nvSpPr>
+          <p:cNvPr id="74" name="矩形 73"/>
+          <p:cNvSpPr/>
+          <p:nvPr/>
+        </p:nvSpPr>
+        <p:spPr>
+          <a:xfrm>
+            <a:off x="8394065" y="918845"/>
+            <a:ext cx="1859915" cy="1440815"/>
+          </a:xfrm>
+          <a:prstGeom prst="rect">
+            <a:avLst/>
+          </a:prstGeom>
+          <a:solidFill>
+            <a:srgbClr val="FFC000">
+              <a:alpha val="30000"/>
+            </a:srgbClr>
+          </a:solidFill>
+          <a:ln>
+            <a:noFill/>
+          </a:ln>
+        </p:spPr>
+        <p:style>
+          <a:lnRef idx="2">
+            <a:schemeClr val="accent1">
+              <a:lumMod val="75000"/>
+            </a:schemeClr>
+          </a:lnRef>
+          <a:fillRef idx="1">
+            <a:schemeClr val="accent1"/>
+          </a:fillRef>
+          <a:effectRef idx="0">
+            <a:srgbClr val="FFFFFF"/>
+          </a:effectRef>
+          <a:fontRef idx="minor">
+            <a:schemeClr val="lt1"/>
+          </a:fontRef>
+        </p:style>
+        <p:txBody>
+          <a:bodyPr rtlCol="0" anchor="ctr"/>
+          <a:p>
+            <a:pPr algn="ctr"/>
+            <a:endParaRPr lang="zh-CN" altLang="en-US"/>
+          </a:p>
+        </p:txBody>
+      </p:sp>
+      <p:sp>
+        <p:nvSpPr>
+          <p:cNvPr id="75" name="矩形 74"/>
+          <p:cNvSpPr/>
+          <p:nvPr/>
+        </p:nvSpPr>
+        <p:spPr>
+          <a:xfrm>
+            <a:off x="10144125" y="1599565"/>
+            <a:ext cx="1049020" cy="2311400"/>
+          </a:xfrm>
+          <a:prstGeom prst="rect">
+            <a:avLst/>
+          </a:prstGeom>
+          <a:solidFill>
+            <a:srgbClr val="FFFF00">
+              <a:alpha val="30000"/>
+            </a:srgbClr>
+          </a:solidFill>
+          <a:ln>
+            <a:noFill/>
+          </a:ln>
+        </p:spPr>
+        <p:style>
+          <a:lnRef idx="2">
+            <a:schemeClr val="accent1">
+              <a:lumMod val="75000"/>
+            </a:schemeClr>
+          </a:lnRef>
+          <a:fillRef idx="1">
+            <a:schemeClr val="accent1"/>
+          </a:fillRef>
+          <a:effectRef idx="0">
+            <a:srgbClr val="FFFFFF"/>
+          </a:effectRef>
+          <a:fontRef idx="minor">
+            <a:schemeClr val="lt1"/>
+          </a:fontRef>
+        </p:style>
+        <p:txBody>
+          <a:bodyPr rtlCol="0" anchor="ctr"/>
+          <a:p>
+            <a:pPr algn="ctr"/>
+            <a:endParaRPr lang="zh-CN" altLang="en-US"/>
+          </a:p>
+        </p:txBody>
+      </p:sp>
+      <p:sp>
+        <p:nvSpPr>
+          <p:cNvPr id="76" name="矩形 75"/>
+          <p:cNvSpPr/>
+          <p:nvPr/>
+        </p:nvSpPr>
+        <p:spPr>
+          <a:xfrm>
+            <a:off x="7613650" y="3613150"/>
+            <a:ext cx="1753235" cy="1753235"/>
+          </a:xfrm>
+          <a:prstGeom prst="rect">
+            <a:avLst/>
+          </a:prstGeom>
+          <a:solidFill>
+            <a:srgbClr val="92D050">
+              <a:alpha val="30000"/>
+            </a:srgbClr>
+          </a:solidFill>
+          <a:ln>
+            <a:noFill/>
+          </a:ln>
+        </p:spPr>
+        <p:style>
+          <a:lnRef idx="2">
+            <a:schemeClr val="accent1">
+              <a:lumMod val="75000"/>
+            </a:schemeClr>
+          </a:lnRef>
+          <a:fillRef idx="1">
+            <a:schemeClr val="accent1"/>
+          </a:fillRef>
+          <a:effectRef idx="0">
+            <a:srgbClr val="FFFFFF"/>
+          </a:effectRef>
+          <a:fontRef idx="minor">
+            <a:schemeClr val="lt1"/>
+          </a:fontRef>
+        </p:style>
+        <p:txBody>
+          <a:bodyPr rtlCol="0" anchor="ctr"/>
+          <a:p>
+            <a:pPr algn="ctr"/>
+            <a:endParaRPr lang="zh-CN" altLang="en-US"/>
+          </a:p>
+        </p:txBody>
+      </p:sp>
+      <p:sp>
+        <p:nvSpPr>
+          <p:cNvPr id="77" name="矩形 76"/>
+          <p:cNvSpPr/>
+          <p:nvPr/>
+        </p:nvSpPr>
+        <p:spPr>
+          <a:xfrm>
+            <a:off x="6615430" y="5031740"/>
+            <a:ext cx="522605" cy="522605"/>
+          </a:xfrm>
+          <a:prstGeom prst="rect">
+            <a:avLst/>
+          </a:prstGeom>
+          <a:solidFill>
+            <a:srgbClr val="00B050">
+              <a:alpha val="30000"/>
+            </a:srgbClr>
+          </a:solidFill>
+          <a:ln>
+            <a:noFill/>
+          </a:ln>
+        </p:spPr>
+        <p:style>
+          <a:lnRef idx="2">
+            <a:schemeClr val="accent1">
+              <a:lumMod val="75000"/>
+            </a:schemeClr>
+          </a:lnRef>
+          <a:fillRef idx="1">
+            <a:schemeClr val="accent1"/>
+          </a:fillRef>
+          <a:effectRef idx="0">
+            <a:srgbClr val="FFFFFF"/>
+          </a:effectRef>
+          <a:fontRef idx="minor">
+            <a:schemeClr val="lt1"/>
+          </a:fontRef>
+        </p:style>
+        <p:txBody>
+          <a:bodyPr rtlCol="0" anchor="ctr"/>
+          <a:p>
+            <a:pPr algn="ctr"/>
+            <a:endParaRPr lang="zh-CN" altLang="en-US"/>
+          </a:p>
+        </p:txBody>
+      </p:sp>
+      <p:sp>
+        <p:nvSpPr>
+          <p:cNvPr id="78" name="矩形 77"/>
+          <p:cNvSpPr/>
+          <p:nvPr/>
+        </p:nvSpPr>
+        <p:spPr>
+          <a:xfrm>
+            <a:off x="7056755" y="2021840"/>
+            <a:ext cx="566420" cy="782320"/>
+          </a:xfrm>
+          <a:prstGeom prst="rect">
+            <a:avLst/>
+          </a:prstGeom>
+          <a:solidFill>
+            <a:srgbClr val="00B0F0">
+              <a:alpha val="30000"/>
+            </a:srgbClr>
+          </a:solidFill>
+          <a:ln>
+            <a:noFill/>
+          </a:ln>
+        </p:spPr>
+        <p:style>
+          <a:lnRef idx="2">
+            <a:schemeClr val="accent1">
+              <a:lumMod val="75000"/>
+            </a:schemeClr>
+          </a:lnRef>
+          <a:fillRef idx="1">
+            <a:schemeClr val="accent1"/>
+          </a:fillRef>
+          <a:effectRef idx="0">
+            <a:srgbClr val="FFFFFF"/>
+          </a:effectRef>
+          <a:fontRef idx="minor">
+            <a:schemeClr val="lt1"/>
+          </a:fontRef>
+        </p:style>
+        <p:txBody>
+          <a:bodyPr rtlCol="0" anchor="ctr"/>
+          <a:p>
+            <a:pPr algn="ctr"/>
+            <a:endParaRPr lang="zh-CN" altLang="en-US"/>
+          </a:p>
+        </p:txBody>
+      </p:sp>
+      <p:sp>
+        <p:nvSpPr>
+          <p:cNvPr id="79" name="矩形 78"/>
+          <p:cNvSpPr/>
+          <p:nvPr/>
+        </p:nvSpPr>
+        <p:spPr>
+          <a:xfrm>
+            <a:off x="6966585" y="4775200"/>
+            <a:ext cx="453390" cy="453390"/>
+          </a:xfrm>
+          <a:prstGeom prst="rect">
+            <a:avLst/>
+          </a:prstGeom>
+          <a:solidFill>
+            <a:schemeClr val="accent6">
+              <a:alpha val="30000"/>
+            </a:schemeClr>
+          </a:solidFill>
+          <a:ln>
+            <a:noFill/>
+          </a:ln>
+        </p:spPr>
+        <p:style>
+          <a:lnRef idx="2">
+            <a:schemeClr val="accent1">
+              <a:lumMod val="75000"/>
+            </a:schemeClr>
+          </a:lnRef>
+          <a:fillRef idx="1">
+            <a:schemeClr val="accent1"/>
+          </a:fillRef>
+          <a:effectRef idx="0">
+            <a:srgbClr val="FFFFFF"/>
+          </a:effectRef>
+          <a:fontRef idx="minor">
+            <a:schemeClr val="lt1"/>
+          </a:fontRef>
+        </p:style>
+        <p:txBody>
+          <a:bodyPr rtlCol="0" anchor="ctr"/>
+          <a:p>
+            <a:pPr algn="ctr"/>
+            <a:endParaRPr lang="zh-CN" altLang="en-US"/>
+          </a:p>
+        </p:txBody>
+      </p:sp>
+      <p:sp>
+        <p:nvSpPr>
+          <p:cNvPr id="80" name="矩形 79"/>
+          <p:cNvSpPr/>
+          <p:nvPr/>
+        </p:nvSpPr>
+        <p:spPr>
+          <a:xfrm>
+            <a:off x="7296785" y="4188460"/>
+            <a:ext cx="453390" cy="853440"/>
+          </a:xfrm>
+          <a:prstGeom prst="rect">
+            <a:avLst/>
+          </a:prstGeom>
+          <a:solidFill>
+            <a:srgbClr val="FFC000">
+              <a:alpha val="30000"/>
+            </a:srgbClr>
+          </a:solidFill>
+          <a:ln>
+            <a:noFill/>
+          </a:ln>
+        </p:spPr>
+        <p:style>
+          <a:lnRef idx="2">
+            <a:schemeClr val="accent1">
+              <a:lumMod val="75000"/>
+            </a:schemeClr>
+          </a:lnRef>
+          <a:fillRef idx="1">
+            <a:schemeClr val="accent1"/>
+          </a:fillRef>
+          <a:effectRef idx="0">
+            <a:srgbClr val="FFFFFF"/>
+          </a:effectRef>
+          <a:fontRef idx="minor">
+            <a:schemeClr val="lt1"/>
+          </a:fontRef>
+        </p:style>
+        <p:txBody>
+          <a:bodyPr rtlCol="0" anchor="ctr"/>
+          <a:p>
+            <a:pPr algn="ctr"/>
+            <a:endParaRPr lang="zh-CN" altLang="en-US"/>
+          </a:p>
+        </p:txBody>
+      </p:sp>
+      <p:sp>
+        <p:nvSpPr>
+          <p:cNvPr id="81" name="矩形 80"/>
+          <p:cNvSpPr/>
+          <p:nvPr/>
+        </p:nvSpPr>
+        <p:spPr>
+          <a:xfrm>
+            <a:off x="9048750" y="3570605"/>
+            <a:ext cx="1753235" cy="1392555"/>
+          </a:xfrm>
+          <a:prstGeom prst="rect">
+            <a:avLst/>
+          </a:prstGeom>
+          <a:solidFill>
+            <a:schemeClr val="accent1">
+              <a:lumMod val="75000"/>
+              <a:alpha val="30000"/>
+            </a:schemeClr>
+          </a:solidFill>
+          <a:ln>
+            <a:noFill/>
+          </a:ln>
+        </p:spPr>
+        <p:style>
+          <a:lnRef idx="2">
+            <a:schemeClr val="accent1">
+              <a:lumMod val="75000"/>
+            </a:schemeClr>
+          </a:lnRef>
+          <a:fillRef idx="1">
+            <a:schemeClr val="accent1"/>
+          </a:fillRef>
+          <a:effectRef idx="0">
+            <a:srgbClr val="FFFFFF"/>
+          </a:effectRef>
+          <a:fontRef idx="minor">
+            <a:schemeClr val="lt1"/>
+          </a:fontRef>
+        </p:style>
+        <p:txBody>
+          <a:bodyPr rtlCol="0" anchor="ctr"/>
+          <a:p>
+            <a:pPr algn="ctr"/>
+            <a:endParaRPr lang="zh-CN" altLang="en-US"/>
+          </a:p>
+        </p:txBody>
+      </p:sp>
+      <p:sp>
+        <p:nvSpPr>
+          <p:cNvPr id="82" name="矩形 81"/>
+          <p:cNvSpPr/>
+          <p:nvPr/>
+        </p:nvSpPr>
+        <p:spPr>
+          <a:xfrm>
+            <a:off x="7419975" y="2230120"/>
+            <a:ext cx="2933700" cy="1638300"/>
+          </a:xfrm>
+          <a:prstGeom prst="rect">
+            <a:avLst/>
+          </a:prstGeom>
+          <a:solidFill>
+            <a:srgbClr val="FF6600">
               <a:alpha val="30000"/>
             </a:srgbClr>
           </a:solidFill>
